--- a/slides/Docker-Workshop.pptx
+++ b/slides/Docker-Workshop.pptx
@@ -11,52 +11,55 @@
     <p:sldId id="320" r:id="rId5"/>
     <p:sldId id="270" r:id="rId6"/>
     <p:sldId id="271" r:id="rId7"/>
-    <p:sldId id="272" r:id="rId8"/>
-    <p:sldId id="321" r:id="rId9"/>
-    <p:sldId id="273" r:id="rId10"/>
-    <p:sldId id="315" r:id="rId11"/>
-    <p:sldId id="314" r:id="rId12"/>
-    <p:sldId id="317" r:id="rId13"/>
-    <p:sldId id="316" r:id="rId14"/>
-    <p:sldId id="318" r:id="rId15"/>
-    <p:sldId id="319" r:id="rId16"/>
-    <p:sldId id="301" r:id="rId17"/>
-    <p:sldId id="295" r:id="rId18"/>
-    <p:sldId id="276" r:id="rId19"/>
-    <p:sldId id="277" r:id="rId20"/>
-    <p:sldId id="278" r:id="rId21"/>
-    <p:sldId id="279" r:id="rId22"/>
-    <p:sldId id="280" r:id="rId23"/>
-    <p:sldId id="323" r:id="rId24"/>
-    <p:sldId id="302" r:id="rId25"/>
-    <p:sldId id="304" r:id="rId26"/>
-    <p:sldId id="303" r:id="rId27"/>
-    <p:sldId id="305" r:id="rId28"/>
-    <p:sldId id="307" r:id="rId29"/>
-    <p:sldId id="309" r:id="rId30"/>
-    <p:sldId id="310" r:id="rId31"/>
-    <p:sldId id="311" r:id="rId32"/>
-    <p:sldId id="281" r:id="rId33"/>
-    <p:sldId id="282" r:id="rId34"/>
-    <p:sldId id="308" r:id="rId35"/>
-    <p:sldId id="283" r:id="rId36"/>
-    <p:sldId id="284" r:id="rId37"/>
-    <p:sldId id="285" r:id="rId38"/>
-    <p:sldId id="286" r:id="rId39"/>
-    <p:sldId id="287" r:id="rId40"/>
-    <p:sldId id="288" r:id="rId41"/>
-    <p:sldId id="289" r:id="rId42"/>
-    <p:sldId id="290" r:id="rId43"/>
-    <p:sldId id="291" r:id="rId44"/>
-    <p:sldId id="298" r:id="rId45"/>
-    <p:sldId id="299" r:id="rId46"/>
-    <p:sldId id="300" r:id="rId47"/>
-    <p:sldId id="292" r:id="rId48"/>
-    <p:sldId id="313" r:id="rId49"/>
-    <p:sldId id="312" r:id="rId50"/>
-    <p:sldId id="293" r:id="rId51"/>
-    <p:sldId id="294" r:id="rId52"/>
-    <p:sldId id="322" r:id="rId53"/>
+    <p:sldId id="326" r:id="rId8"/>
+    <p:sldId id="272" r:id="rId9"/>
+    <p:sldId id="324" r:id="rId10"/>
+    <p:sldId id="321" r:id="rId11"/>
+    <p:sldId id="273" r:id="rId12"/>
+    <p:sldId id="315" r:id="rId13"/>
+    <p:sldId id="314" r:id="rId14"/>
+    <p:sldId id="317" r:id="rId15"/>
+    <p:sldId id="316" r:id="rId16"/>
+    <p:sldId id="318" r:id="rId17"/>
+    <p:sldId id="319" r:id="rId18"/>
+    <p:sldId id="301" r:id="rId19"/>
+    <p:sldId id="295" r:id="rId20"/>
+    <p:sldId id="276" r:id="rId21"/>
+    <p:sldId id="325" r:id="rId22"/>
+    <p:sldId id="277" r:id="rId23"/>
+    <p:sldId id="278" r:id="rId24"/>
+    <p:sldId id="279" r:id="rId25"/>
+    <p:sldId id="280" r:id="rId26"/>
+    <p:sldId id="323" r:id="rId27"/>
+    <p:sldId id="302" r:id="rId28"/>
+    <p:sldId id="304" r:id="rId29"/>
+    <p:sldId id="303" r:id="rId30"/>
+    <p:sldId id="305" r:id="rId31"/>
+    <p:sldId id="307" r:id="rId32"/>
+    <p:sldId id="309" r:id="rId33"/>
+    <p:sldId id="310" r:id="rId34"/>
+    <p:sldId id="311" r:id="rId35"/>
+    <p:sldId id="281" r:id="rId36"/>
+    <p:sldId id="282" r:id="rId37"/>
+    <p:sldId id="308" r:id="rId38"/>
+    <p:sldId id="283" r:id="rId39"/>
+    <p:sldId id="284" r:id="rId40"/>
+    <p:sldId id="285" r:id="rId41"/>
+    <p:sldId id="286" r:id="rId42"/>
+    <p:sldId id="287" r:id="rId43"/>
+    <p:sldId id="288" r:id="rId44"/>
+    <p:sldId id="289" r:id="rId45"/>
+    <p:sldId id="290" r:id="rId46"/>
+    <p:sldId id="291" r:id="rId47"/>
+    <p:sldId id="298" r:id="rId48"/>
+    <p:sldId id="299" r:id="rId49"/>
+    <p:sldId id="300" r:id="rId50"/>
+    <p:sldId id="292" r:id="rId51"/>
+    <p:sldId id="313" r:id="rId52"/>
+    <p:sldId id="312" r:id="rId53"/>
+    <p:sldId id="293" r:id="rId54"/>
+    <p:sldId id="294" r:id="rId55"/>
+    <p:sldId id="322" r:id="rId56"/>
   </p:sldIdLst>
   <p:sldSz cx="9144000" cy="5143500" type="screen16x9"/>
   <p:notesSz cx="6858000" cy="9144000"/>
@@ -224,7 +227,9 @@
             <p14:sldId id="320"/>
             <p14:sldId id="270"/>
             <p14:sldId id="271"/>
+            <p14:sldId id="326"/>
             <p14:sldId id="272"/>
+            <p14:sldId id="324"/>
             <p14:sldId id="321"/>
             <p14:sldId id="273"/>
             <p14:sldId id="315"/>
@@ -240,6 +245,7 @@
         <p14:section name="Containers" id="{A28ECE80-9434-4A34-899D-712B6B7C2246}">
           <p14:sldIdLst>
             <p14:sldId id="276"/>
+            <p14:sldId id="325"/>
             <p14:sldId id="277"/>
             <p14:sldId id="278"/>
             <p14:sldId id="279"/>
@@ -29535,12 +29541,12 @@
       </p:grpSpPr>
       <p:sp>
         <p:nvSpPr>
-          <p:cNvPr id="2" name="Textplatzhalter 1"/>
+          <p:cNvPr id="2" name="Titel 1"/>
           <p:cNvSpPr>
             <a:spLocks noGrp="1"/>
           </p:cNvSpPr>
           <p:nvPr>
-            <p:ph type="body" sz="quarter" idx="16"/>
+            <p:ph type="title"/>
           </p:nvPr>
         </p:nvSpPr>
         <p:spPr/>
@@ -29550,19 +29556,19 @@
           <a:p>
             <a:r>
               <a:rPr lang="en-US" dirty="0"/>
-              <a:t>Docker in Azure</a:t>
+              <a:t>Docker and Microsoft</a:t>
             </a:r>
           </a:p>
         </p:txBody>
       </p:sp>
       <p:sp>
         <p:nvSpPr>
-          <p:cNvPr id="3" name="Textplatzhalter 2"/>
+          <p:cNvPr id="3" name="Inhaltsplatzhalter 2"/>
           <p:cNvSpPr>
             <a:spLocks noGrp="1"/>
           </p:cNvSpPr>
           <p:nvPr>
-            <p:ph type="body" sz="quarter" idx="24"/>
+            <p:ph sz="quarter" idx="12"/>
           </p:nvPr>
         </p:nvSpPr>
         <p:spPr/>
@@ -29571,25 +29577,24 @@
           <a:lstStyle/>
           <a:p>
             <a:r>
-              <a:rPr lang="en-US" dirty="0"/>
-              <a:t>Ubuntu server with Docker in Microsoft Azure</a:t>
-            </a:r>
-          </a:p>
-          <a:p>
-            <a:pPr lvl="1"/>
-            <a:r>
               <a:rPr lang="en-US" dirty="0">
                 <a:hlinkClick r:id="rId2"/>
               </a:rPr>
-              <a:t>Azure Docker Extension</a:t>
+              <a:t>Docker Toolbox</a:t>
             </a:r>
             <a:endParaRPr lang="en-US" dirty="0"/>
           </a:p>
           <a:p>
-            <a:r>
-              <a:rPr lang="en-US" dirty="0"/>
-              <a:t>ARM Template</a:t>
-            </a:r>
+            <a:pPr lvl="1"/>
+            <a:r>
+              <a:rPr lang="en-US" dirty="0"/>
+              <a:t>Docker environment for Windows and Mac incl. </a:t>
+            </a:r>
+            <a:r>
+              <a:rPr lang="en-US" dirty="0" err="1"/>
+              <a:t>VirtualBox</a:t>
+            </a:r>
+            <a:endParaRPr lang="en-US" dirty="0"/>
           </a:p>
           <a:p>
             <a:pPr lvl="1"/>
@@ -29597,12 +29602,86 @@
               <a:rPr lang="en-US" dirty="0">
                 <a:hlinkClick r:id="rId3"/>
               </a:rPr>
-              <a:t>https://github.com/rstropek/DockerVS2015Intro/tree/master/dockerDemos/00-AzureARM</a:t>
+              <a:t>Docker Machine</a:t>
+            </a:r>
+            <a:r>
+              <a:rPr lang="en-US" dirty="0"/>
+              <a:t>: Support for </a:t>
+            </a:r>
+            <a:r>
+              <a:rPr lang="en-US" dirty="0">
+                <a:hlinkClick r:id="rId4"/>
+              </a:rPr>
+              <a:t>Hyper-V</a:t>
+            </a:r>
+            <a:r>
+              <a:rPr lang="en-US" dirty="0"/>
+              <a:t> and </a:t>
+            </a:r>
+            <a:r>
+              <a:rPr lang="en-US" dirty="0">
+                <a:hlinkClick r:id="rId5"/>
+              </a:rPr>
+              <a:t>Microsoft Azure</a:t>
             </a:r>
             <a:endParaRPr lang="en-US" dirty="0"/>
           </a:p>
           <a:p>
+            <a:r>
+              <a:rPr lang="en-US" dirty="0"/>
+              <a:t>Container virtualization in Windows</a:t>
+            </a:r>
+          </a:p>
+          <a:p>
             <a:pPr lvl="1"/>
+            <a:r>
+              <a:rPr lang="en-US" dirty="0"/>
+              <a:t>Announced for next version of Windows Server</a:t>
+            </a:r>
+          </a:p>
+          <a:p>
+            <a:pPr lvl="1"/>
+            <a:r>
+              <a:rPr lang="en-US" dirty="0">
+                <a:hlinkClick r:id="rId6"/>
+              </a:rPr>
+              <a:t>Windows Containers Quick Start</a:t>
+            </a:r>
+            <a:endParaRPr lang="en-US" dirty="0"/>
+          </a:p>
+          <a:p>
+            <a:r>
+              <a:rPr lang="en-US" dirty="0"/>
+              <a:t>Use Azure to play with Docker</a:t>
+            </a:r>
+          </a:p>
+          <a:p>
+            <a:pPr lvl="1"/>
+            <a:r>
+              <a:rPr lang="en-US" dirty="0"/>
+              <a:t>Existing VM image (Docker on Ubuntu server) in Azure marketplace</a:t>
+            </a:r>
+          </a:p>
+          <a:p>
+            <a:pPr lvl="1"/>
+            <a:r>
+              <a:rPr lang="en-US" dirty="0"/>
+              <a:t>Use Docker container to run Azure tools </a:t>
+            </a:r>
+            <a:r>
+              <a:rPr lang="en-US" sz="1400" dirty="0"/>
+              <a:t>(e.g. </a:t>
+            </a:r>
+            <a:r>
+              <a:rPr lang="en-US" sz="1400" dirty="0">
+                <a:hlinkClick r:id="rId7"/>
+              </a:rPr>
+              <a:t>https://hub.docker.com/r/microsoft/azure-cli/</a:t>
+            </a:r>
+            <a:r>
+              <a:rPr lang="en-US" sz="1400" dirty="0"/>
+              <a:t>) </a:t>
+            </a:r>
             <a:endParaRPr lang="en-US" dirty="0"/>
           </a:p>
         </p:txBody>
@@ -29614,7 +29693,7 @@
             <a:spLocks noGrp="1"/>
           </p:cNvSpPr>
           <p:nvPr>
-            <p:ph type="body" sz="quarter" idx="25"/>
+            <p:ph type="body" sz="quarter" idx="23"/>
           </p:nvPr>
         </p:nvSpPr>
         <p:spPr/>
@@ -29626,29 +29705,10 @@
           </a:p>
         </p:txBody>
       </p:sp>
-      <p:sp>
-        <p:nvSpPr>
-          <p:cNvPr id="5" name="Textplatzhalter 4"/>
-          <p:cNvSpPr>
-            <a:spLocks noGrp="1"/>
-          </p:cNvSpPr>
-          <p:nvPr>
-            <p:ph type="body" sz="quarter" idx="26"/>
-          </p:nvPr>
-        </p:nvSpPr>
-        <p:spPr/>
-        <p:txBody>
-          <a:bodyPr/>
-          <a:lstStyle/>
-          <a:p>
-            <a:endParaRPr lang="en-US" dirty="0"/>
-          </a:p>
-        </p:txBody>
-      </p:sp>
     </p:spTree>
     <p:extLst>
       <p:ext uri="{BB962C8B-B14F-4D97-AF65-F5344CB8AC3E}">
-        <p14:creationId xmlns:p14="http://schemas.microsoft.com/office/powerpoint/2010/main" val="2815483392"/>
+        <p14:creationId xmlns:p14="http://schemas.microsoft.com/office/powerpoint/2010/main" val="4210568527"/>
       </p:ext>
     </p:extLst>
   </p:cSld>
@@ -29680,7 +29740,7 @@
       </p:grpSpPr>
       <p:sp>
         <p:nvSpPr>
-          <p:cNvPr id="5" name="Titel 4"/>
+          <p:cNvPr id="6" name="Title 5"/>
           <p:cNvSpPr>
             <a:spLocks noGrp="1"/>
           </p:cNvSpPr>
@@ -29695,14 +29755,14 @@
           <a:p>
             <a:r>
               <a:rPr lang="en-US" dirty="0"/>
-              <a:t>Docker Machine</a:t>
+              <a:t>Visual Studio DevOps Tooling</a:t>
             </a:r>
           </a:p>
         </p:txBody>
       </p:sp>
       <p:sp>
         <p:nvSpPr>
-          <p:cNvPr id="6" name="Inhaltsplatzhalter 5"/>
+          <p:cNvPr id="7" name="Content Placeholder 6"/>
           <p:cNvSpPr>
             <a:spLocks noGrp="1"/>
           </p:cNvSpPr>
@@ -29717,7 +29777,7 @@
           <a:p>
             <a:r>
               <a:rPr lang="en-US" dirty="0"/>
-              <a:t>Documentation</a:t>
+              <a:t>Docker Extension for Visual Studio Code</a:t>
             </a:r>
           </a:p>
           <a:p>
@@ -29726,291 +29786,45 @@
               <a:rPr lang="en-US" dirty="0">
                 <a:hlinkClick r:id="rId2"/>
               </a:rPr>
-              <a:t>https://docs.docker.com/machine/overview/</a:t>
+              <a:t>https://code.visualstudio.com/Docs/languages/dockerfile</a:t>
             </a:r>
             <a:endParaRPr lang="en-US" dirty="0"/>
           </a:p>
           <a:p>
             <a:r>
               <a:rPr lang="en-US" dirty="0"/>
-              <a:t>Important Commands for Docker Machine</a:t>
+              <a:t>Visual Studio 2015 Tools for Docker</a:t>
             </a:r>
           </a:p>
           <a:p>
             <a:pPr lvl="1"/>
             <a:r>
-              <a:rPr lang="en-US" dirty="0" err="1">
-                <a:latin typeface="Courier New" panose="02070309020205020404" pitchFamily="49" charset="0"/>
-                <a:cs typeface="Courier New" panose="02070309020205020404" pitchFamily="49" charset="0"/>
+              <a:rPr lang="en-US" dirty="0">
                 <a:hlinkClick r:id="rId3"/>
               </a:rPr>
-              <a:t>docker</a:t>
+              <a:t>https://visualstudiogallery.msdn.microsoft.com/0f5b2caa-ea00-41c8-b8a2-058c7da0b3e4</a:t>
+            </a:r>
+            <a:endParaRPr lang="en-US" dirty="0"/>
+          </a:p>
+          <a:p>
+            <a:pPr lvl="1"/>
+            <a:r>
+              <a:rPr lang="en-US" dirty="0"/>
+              <a:t>Step-by-step description for </a:t>
             </a:r>
             <a:r>
               <a:rPr lang="en-US" dirty="0">
-                <a:latin typeface="Courier New" panose="02070309020205020404" pitchFamily="49" charset="0"/>
-                <a:cs typeface="Courier New" panose="02070309020205020404" pitchFamily="49" charset="0"/>
-                <a:hlinkClick r:id="rId3"/>
-              </a:rPr>
-              <a:t>-machine create</a:t>
-            </a:r>
-            <a:r>
-              <a:rPr lang="en-US" dirty="0"/>
-              <a:t> – Create a machine</a:t>
-            </a:r>
-          </a:p>
-          <a:p>
-            <a:pPr lvl="1"/>
-            <a:r>
-              <a:rPr lang="en-US" dirty="0" err="1">
-                <a:latin typeface="Courier New" panose="02070309020205020404" pitchFamily="49" charset="0"/>
-                <a:cs typeface="Courier New" panose="02070309020205020404" pitchFamily="49" charset="0"/>
                 <a:hlinkClick r:id="rId4"/>
               </a:rPr>
-              <a:t>docker</a:t>
-            </a:r>
-            <a:r>
-              <a:rPr lang="en-US" dirty="0">
-                <a:latin typeface="Courier New" panose="02070309020205020404" pitchFamily="49" charset="0"/>
-                <a:cs typeface="Courier New" panose="02070309020205020404" pitchFamily="49" charset="0"/>
-                <a:hlinkClick r:id="rId4"/>
-              </a:rPr>
-              <a:t>-machine ls</a:t>
-            </a:r>
-            <a:r>
-              <a:rPr lang="en-US" dirty="0"/>
-              <a:t> – Lists machines</a:t>
-            </a:r>
-          </a:p>
-          <a:p>
-            <a:pPr lvl="1"/>
-            <a:r>
-              <a:rPr lang="en-US" dirty="0" err="1">
-                <a:latin typeface="Courier New" panose="02070309020205020404" pitchFamily="49" charset="0"/>
-                <a:cs typeface="Courier New" panose="02070309020205020404" pitchFamily="49" charset="0"/>
-                <a:hlinkClick r:id="rId5"/>
-              </a:rPr>
-              <a:t>docker</a:t>
-            </a:r>
-            <a:r>
-              <a:rPr lang="en-US" dirty="0">
-                <a:latin typeface="Courier New" panose="02070309020205020404" pitchFamily="49" charset="0"/>
-                <a:cs typeface="Courier New" panose="02070309020205020404" pitchFamily="49" charset="0"/>
-                <a:hlinkClick r:id="rId5"/>
-              </a:rPr>
-              <a:t>-machine </a:t>
-            </a:r>
-            <a:r>
-              <a:rPr lang="en-US" dirty="0" err="1">
-                <a:latin typeface="Courier New" panose="02070309020205020404" pitchFamily="49" charset="0"/>
-                <a:cs typeface="Courier New" panose="02070309020205020404" pitchFamily="49" charset="0"/>
-                <a:hlinkClick r:id="rId5"/>
-              </a:rPr>
-              <a:t>config</a:t>
-            </a:r>
-            <a:r>
-              <a:rPr lang="en-US" dirty="0"/>
-              <a:t> – Print the connection </a:t>
-            </a:r>
-            <a:r>
-              <a:rPr lang="en-US" dirty="0" err="1"/>
-              <a:t>config</a:t>
+              <a:t>deploying an ASP.NET Web App</a:t>
             </a:r>
             <a:endParaRPr lang="en-US" dirty="0"/>
-          </a:p>
-          <a:p>
-            <a:pPr lvl="1"/>
-            <a:r>
-              <a:rPr lang="en-US" dirty="0" err="1">
-                <a:latin typeface="Courier New" panose="02070309020205020404" pitchFamily="49" charset="0"/>
-                <a:cs typeface="Courier New" panose="02070309020205020404" pitchFamily="49" charset="0"/>
-                <a:hlinkClick r:id="rId6"/>
-              </a:rPr>
-              <a:t>docker</a:t>
-            </a:r>
-            <a:r>
-              <a:rPr lang="en-US" dirty="0">
-                <a:latin typeface="Courier New" panose="02070309020205020404" pitchFamily="49" charset="0"/>
-                <a:cs typeface="Courier New" panose="02070309020205020404" pitchFamily="49" charset="0"/>
-                <a:hlinkClick r:id="rId6"/>
-              </a:rPr>
-              <a:t>-machine start</a:t>
-            </a:r>
-            <a:r>
-              <a:rPr lang="en-US" dirty="0">
-                <a:latin typeface="Courier New" panose="02070309020205020404" pitchFamily="49" charset="0"/>
-                <a:cs typeface="Courier New" panose="02070309020205020404" pitchFamily="49" charset="0"/>
-              </a:rPr>
-              <a:t>/</a:t>
-            </a:r>
-            <a:r>
-              <a:rPr lang="en-US" dirty="0">
-                <a:latin typeface="Courier New" panose="02070309020205020404" pitchFamily="49" charset="0"/>
-                <a:cs typeface="Courier New" panose="02070309020205020404" pitchFamily="49" charset="0"/>
-                <a:hlinkClick r:id="rId7"/>
-              </a:rPr>
-              <a:t>stop</a:t>
-            </a:r>
-            <a:r>
-              <a:rPr lang="en-US" dirty="0"/>
-              <a:t> – Restarts/stops a machine</a:t>
-            </a:r>
-          </a:p>
-          <a:p>
-            <a:pPr lvl="1"/>
-            <a:r>
-              <a:rPr lang="en-US" dirty="0" err="1">
-                <a:latin typeface="Courier New" panose="02070309020205020404" pitchFamily="49" charset="0"/>
-                <a:cs typeface="Courier New" panose="02070309020205020404" pitchFamily="49" charset="0"/>
-                <a:hlinkClick r:id="rId8"/>
-              </a:rPr>
-              <a:t>docker</a:t>
-            </a:r>
-            <a:r>
-              <a:rPr lang="en-US" dirty="0">
-                <a:latin typeface="Courier New" panose="02070309020205020404" pitchFamily="49" charset="0"/>
-                <a:cs typeface="Courier New" panose="02070309020205020404" pitchFamily="49" charset="0"/>
-                <a:hlinkClick r:id="rId8"/>
-              </a:rPr>
-              <a:t>-machine </a:t>
-            </a:r>
-            <a:r>
-              <a:rPr lang="en-US" dirty="0" err="1">
-                <a:latin typeface="Courier New" panose="02070309020205020404" pitchFamily="49" charset="0"/>
-                <a:cs typeface="Courier New" panose="02070309020205020404" pitchFamily="49" charset="0"/>
-                <a:hlinkClick r:id="rId8"/>
-              </a:rPr>
-              <a:t>rm</a:t>
-            </a:r>
-            <a:r>
-              <a:rPr lang="en-US" dirty="0"/>
-              <a:t> – Removes a machine</a:t>
-            </a:r>
-          </a:p>
-          <a:p>
-            <a:pPr lvl="1"/>
-            <a:r>
-              <a:rPr lang="en-US" dirty="0" err="1">
-                <a:latin typeface="Courier New" panose="02070309020205020404" pitchFamily="49" charset="0"/>
-                <a:cs typeface="Courier New" panose="02070309020205020404" pitchFamily="49" charset="0"/>
-                <a:hlinkClick r:id="rId9"/>
-              </a:rPr>
-              <a:t>docker</a:t>
-            </a:r>
-            <a:r>
-              <a:rPr lang="en-US" dirty="0">
-                <a:latin typeface="Courier New" panose="02070309020205020404" pitchFamily="49" charset="0"/>
-                <a:cs typeface="Courier New" panose="02070309020205020404" pitchFamily="49" charset="0"/>
-                <a:hlinkClick r:id="rId9"/>
-              </a:rPr>
-              <a:t>-machine </a:t>
-            </a:r>
-            <a:r>
-              <a:rPr lang="en-US" dirty="0" err="1">
-                <a:latin typeface="Courier New" panose="02070309020205020404" pitchFamily="49" charset="0"/>
-                <a:cs typeface="Courier New" panose="02070309020205020404" pitchFamily="49" charset="0"/>
-                <a:hlinkClick r:id="rId9"/>
-              </a:rPr>
-              <a:t>ssh</a:t>
-            </a:r>
-            <a:r>
-              <a:rPr lang="en-US" dirty="0">
-                <a:latin typeface="Courier New" panose="02070309020205020404" pitchFamily="49" charset="0"/>
-                <a:cs typeface="Courier New" panose="02070309020205020404" pitchFamily="49" charset="0"/>
-              </a:rPr>
-              <a:t> </a:t>
-            </a:r>
-            <a:r>
-              <a:rPr lang="en-US" dirty="0"/>
-              <a:t>– Log into or run a command on a machine using SSH</a:t>
-            </a:r>
-          </a:p>
-          <a:p>
-            <a:pPr lvl="1"/>
-            <a:r>
-              <a:rPr lang="en-US" dirty="0" err="1">
-                <a:latin typeface="Courier New" panose="02070309020205020404" pitchFamily="49" charset="0"/>
-                <a:cs typeface="Courier New" panose="02070309020205020404" pitchFamily="49" charset="0"/>
-                <a:hlinkClick r:id="rId10"/>
-              </a:rPr>
-              <a:t>docker</a:t>
-            </a:r>
-            <a:r>
-              <a:rPr lang="en-US" dirty="0">
-                <a:latin typeface="Courier New" panose="02070309020205020404" pitchFamily="49" charset="0"/>
-                <a:cs typeface="Courier New" panose="02070309020205020404" pitchFamily="49" charset="0"/>
-                <a:hlinkClick r:id="rId10"/>
-              </a:rPr>
-              <a:t>-machine </a:t>
-            </a:r>
-            <a:r>
-              <a:rPr lang="en-US" dirty="0" err="1">
-                <a:latin typeface="Courier New" panose="02070309020205020404" pitchFamily="49" charset="0"/>
-                <a:cs typeface="Courier New" panose="02070309020205020404" pitchFamily="49" charset="0"/>
-                <a:hlinkClick r:id="rId10"/>
-              </a:rPr>
-              <a:t>scp</a:t>
-            </a:r>
-            <a:r>
-              <a:rPr lang="en-US" dirty="0">
-                <a:latin typeface="Courier New" panose="02070309020205020404" pitchFamily="49" charset="0"/>
-                <a:cs typeface="Courier New" panose="02070309020205020404" pitchFamily="49" charset="0"/>
-              </a:rPr>
-              <a:t> </a:t>
-            </a:r>
-            <a:r>
-              <a:rPr lang="en-US" dirty="0"/>
-              <a:t>– Copy files using </a:t>
-            </a:r>
-            <a:r>
-              <a:rPr lang="en-US" i="1" dirty="0" err="1"/>
-              <a:t>scp</a:t>
-            </a:r>
-            <a:endParaRPr lang="en-US" i="1" dirty="0"/>
-          </a:p>
-          <a:p>
-            <a:pPr lvl="1"/>
-            <a:r>
-              <a:rPr lang="en-US" dirty="0" err="1">
-                <a:latin typeface="Courier New" panose="02070309020205020404" pitchFamily="49" charset="0"/>
-                <a:cs typeface="Courier New" panose="02070309020205020404" pitchFamily="49" charset="0"/>
-                <a:hlinkClick r:id="rId11"/>
-              </a:rPr>
-              <a:t>docker</a:t>
-            </a:r>
-            <a:r>
-              <a:rPr lang="en-US" dirty="0">
-                <a:latin typeface="Courier New" panose="02070309020205020404" pitchFamily="49" charset="0"/>
-                <a:cs typeface="Courier New" panose="02070309020205020404" pitchFamily="49" charset="0"/>
-                <a:hlinkClick r:id="rId11"/>
-              </a:rPr>
-              <a:t>-machine </a:t>
-            </a:r>
-            <a:r>
-              <a:rPr lang="en-US" dirty="0" err="1">
-                <a:latin typeface="Courier New" panose="02070309020205020404" pitchFamily="49" charset="0"/>
-                <a:cs typeface="Courier New" panose="02070309020205020404" pitchFamily="49" charset="0"/>
-                <a:hlinkClick r:id="rId11"/>
-              </a:rPr>
-              <a:t>env</a:t>
-            </a:r>
-            <a:r>
-              <a:rPr lang="en-US" dirty="0">
-                <a:latin typeface="Courier New" panose="02070309020205020404" pitchFamily="49" charset="0"/>
-                <a:cs typeface="Courier New" panose="02070309020205020404" pitchFamily="49" charset="0"/>
-              </a:rPr>
-              <a:t> </a:t>
-            </a:r>
-            <a:r>
-              <a:rPr lang="en-US" dirty="0"/>
-              <a:t>– Set environment variables to make Docker use a machine</a:t>
-            </a:r>
           </a:p>
         </p:txBody>
       </p:sp>
       <p:sp>
         <p:nvSpPr>
-          <p:cNvPr id="7" name="Textplatzhalter 6"/>
+          <p:cNvPr id="8" name="Text Placeholder 7"/>
           <p:cNvSpPr>
             <a:spLocks noGrp="1"/>
           </p:cNvSpPr>
@@ -30023,14 +29837,14 @@
           <a:bodyPr/>
           <a:lstStyle/>
           <a:p>
-            <a:endParaRPr lang="en-US"/>
+            <a:endParaRPr lang="en-US" dirty="0"/>
           </a:p>
         </p:txBody>
       </p:sp>
     </p:spTree>
     <p:extLst>
       <p:ext uri="{BB962C8B-B14F-4D97-AF65-F5344CB8AC3E}">
-        <p14:creationId xmlns:p14="http://schemas.microsoft.com/office/powerpoint/2010/main" val="2678543314"/>
+        <p14:creationId xmlns:p14="http://schemas.microsoft.com/office/powerpoint/2010/main" val="2597850747"/>
       </p:ext>
     </p:extLst>
   </p:cSld>
@@ -30099,13 +29913,7 @@
           <a:p>
             <a:r>
               <a:rPr lang="en-US" dirty="0"/>
-              <a:t>List Docker Machines</a:t>
-            </a:r>
-          </a:p>
-          <a:p>
-            <a:r>
-              <a:rPr lang="en-US" dirty="0"/>
-              <a:t>Create machines</a:t>
+              <a:t>Ubuntu server with Docker in Microsoft Azure</a:t>
             </a:r>
           </a:p>
           <a:p>
@@ -30114,9 +29922,15 @@
               <a:rPr lang="en-US" dirty="0">
                 <a:hlinkClick r:id="rId2"/>
               </a:rPr>
-              <a:t>Hyper-V</a:t>
+              <a:t>Azure Docker Extension</a:t>
             </a:r>
             <a:endParaRPr lang="en-US" dirty="0"/>
+          </a:p>
+          <a:p>
+            <a:r>
+              <a:rPr lang="en-US" dirty="0"/>
+              <a:t>ARM Template</a:t>
+            </a:r>
           </a:p>
           <a:p>
             <a:pPr lvl="1"/>
@@ -30124,21 +29938,13 @@
               <a:rPr lang="en-US" dirty="0">
                 <a:hlinkClick r:id="rId3"/>
               </a:rPr>
-              <a:t>Azure</a:t>
+              <a:t>https://github.com/rstropek/DockerVS2015Intro/tree/master/dockerDemos/00-AzureARM</a:t>
             </a:r>
             <a:endParaRPr lang="en-US" dirty="0"/>
           </a:p>
           <a:p>
-            <a:r>
-              <a:rPr lang="en-US" dirty="0"/>
-              <a:t>Create containers on machine</a:t>
-            </a:r>
-          </a:p>
-          <a:p>
-            <a:r>
-              <a:rPr lang="en-US" dirty="0"/>
-              <a:t>Remove machines</a:t>
-            </a:r>
+            <a:pPr lvl="1"/>
+            <a:endParaRPr lang="en-US" dirty="0"/>
           </a:p>
         </p:txBody>
       </p:sp>
@@ -30183,7 +29989,7 @@
     </p:spTree>
     <p:extLst>
       <p:ext uri="{BB962C8B-B14F-4D97-AF65-F5344CB8AC3E}">
-        <p14:creationId xmlns:p14="http://schemas.microsoft.com/office/powerpoint/2010/main" val="361501713"/>
+        <p14:creationId xmlns:p14="http://schemas.microsoft.com/office/powerpoint/2010/main" val="2815483392"/>
       </p:ext>
     </p:extLst>
   </p:cSld>
@@ -30197,7 +30003,7 @@
 </file>
 
 <file path=ppt/slides/slide13.xml><?xml version="1.0" encoding="utf-8"?>
-<p:sld xmlns:a="http://schemas.openxmlformats.org/drawingml/2006/main" xmlns:r="http://schemas.openxmlformats.org/officeDocument/2006/relationships" xmlns:p="http://schemas.openxmlformats.org/presentationml/2006/main" show="0">
+<p:sld xmlns:a="http://schemas.openxmlformats.org/drawingml/2006/main" xmlns:r="http://schemas.openxmlformats.org/officeDocument/2006/relationships" xmlns:p="http://schemas.openxmlformats.org/presentationml/2006/main">
   <p:cSld>
     <p:spTree>
       <p:nvGrpSpPr>
@@ -30215,7 +30021,7 @@
       </p:grpSpPr>
       <p:sp>
         <p:nvSpPr>
-          <p:cNvPr id="11" name="Titel 10"/>
+          <p:cNvPr id="5" name="Titel 4"/>
           <p:cNvSpPr>
             <a:spLocks noGrp="1"/>
           </p:cNvSpPr>
@@ -30237,12 +30043,12 @@
       </p:sp>
       <p:sp>
         <p:nvSpPr>
-          <p:cNvPr id="12" name="Inhaltsplatzhalter 11"/>
+          <p:cNvPr id="6" name="Inhaltsplatzhalter 5"/>
           <p:cNvSpPr>
             <a:spLocks noGrp="1"/>
           </p:cNvSpPr>
           <p:nvPr>
-            <p:ph sz="quarter" idx="22"/>
+            <p:ph sz="quarter" idx="12"/>
           </p:nvPr>
         </p:nvSpPr>
         <p:spPr/>
@@ -30250,172 +30056,302 @@
           <a:bodyPr/>
           <a:lstStyle/>
           <a:p>
-            <a:pPr marL="180975" indent="-180975"/>
-            <a:r>
-              <a:rPr lang="de-AT" noProof="1"/>
-              <a:t>docker-machine ls</a:t>
-            </a:r>
-          </a:p>
-          <a:p>
-            <a:pPr marL="180975" indent="-180975"/>
-            <a:endParaRPr lang="de-AT" noProof="1"/>
-          </a:p>
-          <a:p>
-            <a:pPr marL="180975" indent="-180975"/>
-            <a:r>
-              <a:rPr lang="de-DE" noProof="1"/>
-              <a:t>docker-machine create --driver hyperv newMachine</a:t>
-            </a:r>
-          </a:p>
-          <a:p>
-            <a:pPr marL="180975" indent="-180975"/>
-            <a:r>
-              <a:rPr lang="de-DE" noProof="1"/>
-              <a:t>// Look at created Hyper-V Server</a:t>
-            </a:r>
-          </a:p>
-          <a:p>
-            <a:pPr marL="180975" indent="-180975"/>
-            <a:endParaRPr lang="de-DE" noProof="1"/>
-          </a:p>
-          <a:p>
-            <a:pPr marL="180975" indent="-180975"/>
-            <a:r>
-              <a:rPr lang="de-DE" noProof="1"/>
-              <a:t>docker-machine env newMachine</a:t>
-            </a:r>
-          </a:p>
-          <a:p>
-            <a:pPr marL="180975" indent="-180975"/>
-            <a:r>
-              <a:rPr lang="de-DE" noProof="1"/>
-              <a:t>// Play with Docker</a:t>
-            </a:r>
-          </a:p>
-          <a:p>
-            <a:pPr marL="180975" indent="-180975"/>
-            <a:r>
-              <a:rPr lang="de-DE" noProof="1"/>
-              <a:t>// SSH into newMachine (for details see </a:t>
-            </a:r>
-            <a:r>
-              <a:rPr lang="de-DE" noProof="1">
+            <a:r>
+              <a:rPr lang="en-US" dirty="0"/>
+              <a:t>Documentation</a:t>
+            </a:r>
+          </a:p>
+          <a:p>
+            <a:pPr lvl="1"/>
+            <a:r>
+              <a:rPr lang="en-US" dirty="0">
                 <a:hlinkClick r:id="rId2"/>
               </a:rPr>
-              <a:t>blog article</a:t>
-            </a:r>
-            <a:r>
-              <a:rPr lang="de-DE" noProof="1"/>
-              <a:t>)</a:t>
-            </a:r>
-          </a:p>
-          <a:p>
-            <a:pPr marL="180975" indent="-180975"/>
-            <a:endParaRPr lang="de-DE" noProof="1"/>
-          </a:p>
-          <a:p>
-            <a:pPr marL="180975" indent="-180975"/>
-            <a:r>
-              <a:rPr lang="de-DE" noProof="1"/>
-              <a:t>docker-machine rm newMachine</a:t>
-            </a:r>
-          </a:p>
-          <a:p>
-            <a:pPr marL="180975" indent="-180975"/>
-            <a:endParaRPr lang="de-DE" noProof="1"/>
-          </a:p>
-          <a:p>
-            <a:pPr marL="180975" indent="-180975"/>
-            <a:endParaRPr lang="de-DE" noProof="1"/>
-          </a:p>
-          <a:p>
-            <a:pPr marL="180975" indent="-180975"/>
-            <a:endParaRPr lang="de-DE" noProof="1"/>
-          </a:p>
-          <a:p>
-            <a:pPr marL="180975" indent="-180975"/>
-            <a:endParaRPr lang="de-DE" noProof="1"/>
-          </a:p>
-          <a:p>
-            <a:pPr marL="180975" indent="-180975"/>
-            <a:r>
-              <a:rPr lang="de-DE" noProof="1"/>
-              <a:t>// Get publishsettings-file using</a:t>
-            </a:r>
-          </a:p>
-          <a:p>
-            <a:pPr marL="180975" indent="-180975"/>
-            <a:r>
-              <a:rPr lang="de-DE" noProof="1"/>
-              <a:t>// </a:t>
-            </a:r>
-            <a:r>
-              <a:rPr lang="de-DE" noProof="1">
+              <a:t>https://docs.docker.com/machine/overview/</a:t>
+            </a:r>
+            <a:endParaRPr lang="en-US" dirty="0"/>
+          </a:p>
+          <a:p>
+            <a:r>
+              <a:rPr lang="en-US" dirty="0"/>
+              <a:t>Important Commands for Docker Machine</a:t>
+            </a:r>
+          </a:p>
+          <a:p>
+            <a:pPr lvl="1"/>
+            <a:r>
+              <a:rPr lang="en-US" dirty="0" err="1">
+                <a:latin typeface="Courier New" panose="02070309020205020404" pitchFamily="49" charset="0"/>
+                <a:cs typeface="Courier New" panose="02070309020205020404" pitchFamily="49" charset="0"/>
                 <a:hlinkClick r:id="rId3"/>
               </a:rPr>
-              <a:t>https://manage.windowsazure.com/publishsettings/index</a:t>
-            </a:r>
-            <a:endParaRPr lang="de-DE" noProof="1"/>
-          </a:p>
-          <a:p>
-            <a:pPr marL="180975" indent="-180975"/>
-            <a:endParaRPr lang="de-DE" noProof="1"/>
-          </a:p>
-          <a:p>
-            <a:pPr marL="180975" indent="-180975"/>
-            <a:r>
-              <a:rPr lang="de-DE" noProof="1"/>
-              <a:t>docker-machine create --driver azure --azure-subscription-id 26400a43-0000-0000-0000-000000000000 --azure-publish-settings-file my.publishsettings dockerMachineTest</a:t>
-            </a:r>
-          </a:p>
-          <a:p>
-            <a:pPr marL="180975" indent="-180975"/>
-            <a:r>
-              <a:rPr lang="de-DE" noProof="1"/>
-              <a:t>// Look at created Azure VM in </a:t>
-            </a:r>
-            <a:r>
-              <a:rPr lang="de-DE" noProof="1">
+              <a:t>docker</a:t>
+            </a:r>
+            <a:r>
+              <a:rPr lang="en-US" dirty="0">
+                <a:latin typeface="Courier New" panose="02070309020205020404" pitchFamily="49" charset="0"/>
+                <a:cs typeface="Courier New" panose="02070309020205020404" pitchFamily="49" charset="0"/>
+                <a:hlinkClick r:id="rId3"/>
+              </a:rPr>
+              <a:t>-machine create</a:t>
+            </a:r>
+            <a:r>
+              <a:rPr lang="en-US" dirty="0"/>
+              <a:t> – Create a machine</a:t>
+            </a:r>
+          </a:p>
+          <a:p>
+            <a:pPr lvl="1"/>
+            <a:r>
+              <a:rPr lang="en-US" dirty="0" err="1">
+                <a:latin typeface="Courier New" panose="02070309020205020404" pitchFamily="49" charset="0"/>
+                <a:cs typeface="Courier New" panose="02070309020205020404" pitchFamily="49" charset="0"/>
                 <a:hlinkClick r:id="rId4"/>
               </a:rPr>
-              <a:t>http://portal.azure.com</a:t>
-            </a:r>
-            <a:endParaRPr lang="de-DE" noProof="1"/>
-          </a:p>
-          <a:p>
-            <a:pPr marL="180975" indent="-180975"/>
-            <a:endParaRPr lang="de-DE" noProof="1"/>
-          </a:p>
-          <a:p>
-            <a:pPr marL="180975" indent="-180975"/>
-            <a:r>
-              <a:rPr lang="de-DE" noProof="1"/>
-              <a:t>docker-machine env dockerMachineTest</a:t>
-            </a:r>
-          </a:p>
-          <a:p>
-            <a:pPr marL="180975" indent="-180975"/>
-            <a:r>
-              <a:rPr lang="de-DE" noProof="1"/>
-              <a:t>// Play with Docker</a:t>
-            </a:r>
-          </a:p>
-          <a:p>
-            <a:pPr marL="180975" indent="-180975"/>
-            <a:endParaRPr lang="de-DE" noProof="1"/>
-          </a:p>
-          <a:p>
-            <a:pPr marL="180975" indent="-180975"/>
-            <a:r>
-              <a:rPr lang="de-DE" noProof="1"/>
-              <a:t>docker-machine rm dockerMachineTest</a:t>
+              <a:t>docker</a:t>
+            </a:r>
+            <a:r>
+              <a:rPr lang="en-US" dirty="0">
+                <a:latin typeface="Courier New" panose="02070309020205020404" pitchFamily="49" charset="0"/>
+                <a:cs typeface="Courier New" panose="02070309020205020404" pitchFamily="49" charset="0"/>
+                <a:hlinkClick r:id="rId4"/>
+              </a:rPr>
+              <a:t>-machine ls</a:t>
+            </a:r>
+            <a:r>
+              <a:rPr lang="en-US" dirty="0"/>
+              <a:t> – Lists machines</a:t>
+            </a:r>
+          </a:p>
+          <a:p>
+            <a:pPr lvl="1"/>
+            <a:r>
+              <a:rPr lang="en-US" dirty="0" err="1">
+                <a:latin typeface="Courier New" panose="02070309020205020404" pitchFamily="49" charset="0"/>
+                <a:cs typeface="Courier New" panose="02070309020205020404" pitchFamily="49" charset="0"/>
+                <a:hlinkClick r:id="rId5"/>
+              </a:rPr>
+              <a:t>docker</a:t>
+            </a:r>
+            <a:r>
+              <a:rPr lang="en-US" dirty="0">
+                <a:latin typeface="Courier New" panose="02070309020205020404" pitchFamily="49" charset="0"/>
+                <a:cs typeface="Courier New" panose="02070309020205020404" pitchFamily="49" charset="0"/>
+                <a:hlinkClick r:id="rId5"/>
+              </a:rPr>
+              <a:t>-machine </a:t>
+            </a:r>
+            <a:r>
+              <a:rPr lang="en-US" dirty="0" err="1">
+                <a:latin typeface="Courier New" panose="02070309020205020404" pitchFamily="49" charset="0"/>
+                <a:cs typeface="Courier New" panose="02070309020205020404" pitchFamily="49" charset="0"/>
+                <a:hlinkClick r:id="rId5"/>
+              </a:rPr>
+              <a:t>config</a:t>
+            </a:r>
+            <a:r>
+              <a:rPr lang="en-US" dirty="0"/>
+              <a:t> – Print the connection </a:t>
+            </a:r>
+            <a:r>
+              <a:rPr lang="en-US" dirty="0" err="1"/>
+              <a:t>config</a:t>
+            </a:r>
+            <a:endParaRPr lang="en-US" dirty="0"/>
+          </a:p>
+          <a:p>
+            <a:pPr lvl="1"/>
+            <a:r>
+              <a:rPr lang="en-US" dirty="0" err="1">
+                <a:latin typeface="Courier New" panose="02070309020205020404" pitchFamily="49" charset="0"/>
+                <a:cs typeface="Courier New" panose="02070309020205020404" pitchFamily="49" charset="0"/>
+                <a:hlinkClick r:id="rId6"/>
+              </a:rPr>
+              <a:t>docker</a:t>
+            </a:r>
+            <a:r>
+              <a:rPr lang="en-US" dirty="0">
+                <a:latin typeface="Courier New" panose="02070309020205020404" pitchFamily="49" charset="0"/>
+                <a:cs typeface="Courier New" panose="02070309020205020404" pitchFamily="49" charset="0"/>
+                <a:hlinkClick r:id="rId6"/>
+              </a:rPr>
+              <a:t>-machine start</a:t>
+            </a:r>
+            <a:r>
+              <a:rPr lang="en-US" dirty="0">
+                <a:latin typeface="Courier New" panose="02070309020205020404" pitchFamily="49" charset="0"/>
+                <a:cs typeface="Courier New" panose="02070309020205020404" pitchFamily="49" charset="0"/>
+              </a:rPr>
+              <a:t>/</a:t>
+            </a:r>
+            <a:r>
+              <a:rPr lang="en-US" dirty="0">
+                <a:latin typeface="Courier New" panose="02070309020205020404" pitchFamily="49" charset="0"/>
+                <a:cs typeface="Courier New" panose="02070309020205020404" pitchFamily="49" charset="0"/>
+                <a:hlinkClick r:id="rId7"/>
+              </a:rPr>
+              <a:t>stop</a:t>
+            </a:r>
+            <a:r>
+              <a:rPr lang="en-US" dirty="0"/>
+              <a:t> – Restarts/stops a machine</a:t>
+            </a:r>
+          </a:p>
+          <a:p>
+            <a:pPr lvl="1"/>
+            <a:r>
+              <a:rPr lang="en-US" dirty="0" err="1">
+                <a:latin typeface="Courier New" panose="02070309020205020404" pitchFamily="49" charset="0"/>
+                <a:cs typeface="Courier New" panose="02070309020205020404" pitchFamily="49" charset="0"/>
+                <a:hlinkClick r:id="rId8"/>
+              </a:rPr>
+              <a:t>docker</a:t>
+            </a:r>
+            <a:r>
+              <a:rPr lang="en-US" dirty="0">
+                <a:latin typeface="Courier New" panose="02070309020205020404" pitchFamily="49" charset="0"/>
+                <a:cs typeface="Courier New" panose="02070309020205020404" pitchFamily="49" charset="0"/>
+                <a:hlinkClick r:id="rId8"/>
+              </a:rPr>
+              <a:t>-machine </a:t>
+            </a:r>
+            <a:r>
+              <a:rPr lang="en-US" dirty="0" err="1">
+                <a:latin typeface="Courier New" panose="02070309020205020404" pitchFamily="49" charset="0"/>
+                <a:cs typeface="Courier New" panose="02070309020205020404" pitchFamily="49" charset="0"/>
+                <a:hlinkClick r:id="rId8"/>
+              </a:rPr>
+              <a:t>rm</a:t>
+            </a:r>
+            <a:r>
+              <a:rPr lang="en-US" dirty="0"/>
+              <a:t> – Removes a machine</a:t>
+            </a:r>
+          </a:p>
+          <a:p>
+            <a:pPr lvl="1"/>
+            <a:r>
+              <a:rPr lang="en-US" dirty="0" err="1">
+                <a:latin typeface="Courier New" panose="02070309020205020404" pitchFamily="49" charset="0"/>
+                <a:cs typeface="Courier New" panose="02070309020205020404" pitchFamily="49" charset="0"/>
+                <a:hlinkClick r:id="rId9"/>
+              </a:rPr>
+              <a:t>docker</a:t>
+            </a:r>
+            <a:r>
+              <a:rPr lang="en-US" dirty="0">
+                <a:latin typeface="Courier New" panose="02070309020205020404" pitchFamily="49" charset="0"/>
+                <a:cs typeface="Courier New" panose="02070309020205020404" pitchFamily="49" charset="0"/>
+                <a:hlinkClick r:id="rId9"/>
+              </a:rPr>
+              <a:t>-machine </a:t>
+            </a:r>
+            <a:r>
+              <a:rPr lang="en-US" dirty="0" err="1">
+                <a:latin typeface="Courier New" panose="02070309020205020404" pitchFamily="49" charset="0"/>
+                <a:cs typeface="Courier New" panose="02070309020205020404" pitchFamily="49" charset="0"/>
+                <a:hlinkClick r:id="rId9"/>
+              </a:rPr>
+              <a:t>ssh</a:t>
+            </a:r>
+            <a:r>
+              <a:rPr lang="en-US" dirty="0">
+                <a:latin typeface="Courier New" panose="02070309020205020404" pitchFamily="49" charset="0"/>
+                <a:cs typeface="Courier New" panose="02070309020205020404" pitchFamily="49" charset="0"/>
+              </a:rPr>
+              <a:t> </a:t>
+            </a:r>
+            <a:r>
+              <a:rPr lang="en-US" dirty="0"/>
+              <a:t>– Log into or run a command on a machine using SSH</a:t>
+            </a:r>
+          </a:p>
+          <a:p>
+            <a:pPr lvl="1"/>
+            <a:r>
+              <a:rPr lang="en-US" dirty="0" err="1">
+                <a:latin typeface="Courier New" panose="02070309020205020404" pitchFamily="49" charset="0"/>
+                <a:cs typeface="Courier New" panose="02070309020205020404" pitchFamily="49" charset="0"/>
+                <a:hlinkClick r:id="rId10"/>
+              </a:rPr>
+              <a:t>docker</a:t>
+            </a:r>
+            <a:r>
+              <a:rPr lang="en-US" dirty="0">
+                <a:latin typeface="Courier New" panose="02070309020205020404" pitchFamily="49" charset="0"/>
+                <a:cs typeface="Courier New" panose="02070309020205020404" pitchFamily="49" charset="0"/>
+                <a:hlinkClick r:id="rId10"/>
+              </a:rPr>
+              <a:t>-machine </a:t>
+            </a:r>
+            <a:r>
+              <a:rPr lang="en-US" dirty="0" err="1">
+                <a:latin typeface="Courier New" panose="02070309020205020404" pitchFamily="49" charset="0"/>
+                <a:cs typeface="Courier New" panose="02070309020205020404" pitchFamily="49" charset="0"/>
+                <a:hlinkClick r:id="rId10"/>
+              </a:rPr>
+              <a:t>scp</a:t>
+            </a:r>
+            <a:r>
+              <a:rPr lang="en-US" dirty="0">
+                <a:latin typeface="Courier New" panose="02070309020205020404" pitchFamily="49" charset="0"/>
+                <a:cs typeface="Courier New" panose="02070309020205020404" pitchFamily="49" charset="0"/>
+              </a:rPr>
+              <a:t> </a:t>
+            </a:r>
+            <a:r>
+              <a:rPr lang="en-US" dirty="0"/>
+              <a:t>– Copy files using </a:t>
+            </a:r>
+            <a:r>
+              <a:rPr lang="en-US" i="1" dirty="0" err="1"/>
+              <a:t>scp</a:t>
+            </a:r>
+            <a:endParaRPr lang="en-US" i="1" dirty="0"/>
+          </a:p>
+          <a:p>
+            <a:pPr lvl="1"/>
+            <a:r>
+              <a:rPr lang="en-US" dirty="0" err="1">
+                <a:latin typeface="Courier New" panose="02070309020205020404" pitchFamily="49" charset="0"/>
+                <a:cs typeface="Courier New" panose="02070309020205020404" pitchFamily="49" charset="0"/>
+                <a:hlinkClick r:id="rId11"/>
+              </a:rPr>
+              <a:t>docker</a:t>
+            </a:r>
+            <a:r>
+              <a:rPr lang="en-US" dirty="0">
+                <a:latin typeface="Courier New" panose="02070309020205020404" pitchFamily="49" charset="0"/>
+                <a:cs typeface="Courier New" panose="02070309020205020404" pitchFamily="49" charset="0"/>
+                <a:hlinkClick r:id="rId11"/>
+              </a:rPr>
+              <a:t>-machine </a:t>
+            </a:r>
+            <a:r>
+              <a:rPr lang="en-US" dirty="0" err="1">
+                <a:latin typeface="Courier New" panose="02070309020205020404" pitchFamily="49" charset="0"/>
+                <a:cs typeface="Courier New" panose="02070309020205020404" pitchFamily="49" charset="0"/>
+                <a:hlinkClick r:id="rId11"/>
+              </a:rPr>
+              <a:t>env</a:t>
+            </a:r>
+            <a:r>
+              <a:rPr lang="en-US" dirty="0">
+                <a:latin typeface="Courier New" panose="02070309020205020404" pitchFamily="49" charset="0"/>
+                <a:cs typeface="Courier New" panose="02070309020205020404" pitchFamily="49" charset="0"/>
+              </a:rPr>
+              <a:t> </a:t>
+            </a:r>
+            <a:r>
+              <a:rPr lang="en-US" dirty="0"/>
+              <a:t>– Set environment variables to make Docker use a machine</a:t>
             </a:r>
           </a:p>
         </p:txBody>
       </p:sp>
       <p:sp>
         <p:nvSpPr>
-          <p:cNvPr id="13" name="Textplatzhalter 12"/>
+          <p:cNvPr id="7" name="Textplatzhalter 6"/>
           <p:cNvSpPr>
             <a:spLocks noGrp="1"/>
           </p:cNvSpPr>
@@ -30432,48 +30368,10 @@
           </a:p>
         </p:txBody>
       </p:sp>
-      <p:sp>
-        <p:nvSpPr>
-          <p:cNvPr id="14" name="Textplatzhalter 13"/>
-          <p:cNvSpPr>
-            <a:spLocks noGrp="1"/>
-          </p:cNvSpPr>
-          <p:nvPr>
-            <p:ph type="body" sz="quarter" idx="24"/>
-          </p:nvPr>
-        </p:nvSpPr>
-        <p:spPr/>
-        <p:txBody>
-          <a:bodyPr/>
-          <a:lstStyle/>
-          <a:p>
-            <a:endParaRPr lang="en-US"/>
-          </a:p>
-        </p:txBody>
-      </p:sp>
-      <p:sp>
-        <p:nvSpPr>
-          <p:cNvPr id="15" name="Textplatzhalter 14"/>
-          <p:cNvSpPr>
-            <a:spLocks noGrp="1"/>
-          </p:cNvSpPr>
-          <p:nvPr>
-            <p:ph type="body" sz="quarter" idx="25"/>
-          </p:nvPr>
-        </p:nvSpPr>
-        <p:spPr/>
-        <p:txBody>
-          <a:bodyPr/>
-          <a:lstStyle/>
-          <a:p>
-            <a:endParaRPr lang="en-US"/>
-          </a:p>
-        </p:txBody>
-      </p:sp>
     </p:spTree>
     <p:extLst>
       <p:ext uri="{BB962C8B-B14F-4D97-AF65-F5344CB8AC3E}">
-        <p14:creationId xmlns:p14="http://schemas.microsoft.com/office/powerpoint/2010/main" val="1485569485"/>
+        <p14:creationId xmlns:p14="http://schemas.microsoft.com/office/powerpoint/2010/main" val="2678543314"/>
       </p:ext>
     </p:extLst>
   </p:cSld>
@@ -30505,12 +30403,12 @@
       </p:grpSpPr>
       <p:sp>
         <p:nvSpPr>
-          <p:cNvPr id="2" name="Titel 1"/>
+          <p:cNvPr id="2" name="Textplatzhalter 1"/>
           <p:cNvSpPr>
             <a:spLocks noGrp="1"/>
           </p:cNvSpPr>
           <p:nvPr>
-            <p:ph type="title"/>
+            <p:ph type="body" sz="quarter" idx="16"/>
           </p:nvPr>
         </p:nvSpPr>
         <p:spPr/>
@@ -30520,19 +30418,19 @@
           <a:p>
             <a:r>
               <a:rPr lang="en-US" dirty="0"/>
-              <a:t>Docker Cluster Solutions</a:t>
+              <a:t>Docker in Azure</a:t>
             </a:r>
           </a:p>
         </p:txBody>
       </p:sp>
       <p:sp>
         <p:nvSpPr>
-          <p:cNvPr id="3" name="Inhaltsplatzhalter 2"/>
+          <p:cNvPr id="3" name="Textplatzhalter 2"/>
           <p:cNvSpPr>
             <a:spLocks noGrp="1"/>
           </p:cNvSpPr>
           <p:nvPr>
-            <p:ph sz="quarter" idx="12"/>
+            <p:ph type="body" sz="quarter" idx="24"/>
           </p:nvPr>
         </p:nvSpPr>
         <p:spPr/>
@@ -30542,7 +30440,13 @@
           <a:p>
             <a:r>
               <a:rPr lang="en-US" dirty="0"/>
-              <a:t>Docker Swarm</a:t>
+              <a:t>List Docker Machines</a:t>
+            </a:r>
+          </a:p>
+          <a:p>
+            <a:r>
+              <a:rPr lang="en-US" dirty="0"/>
+              <a:t>Create machines</a:t>
             </a:r>
           </a:p>
           <a:p>
@@ -30551,30 +30455,9 @@
               <a:rPr lang="en-US" dirty="0">
                 <a:hlinkClick r:id="rId2"/>
               </a:rPr>
-              <a:t>https://docs.docker.com/swarm/overview/</a:t>
+              <a:t>Hyper-V</a:t>
             </a:r>
             <a:endParaRPr lang="en-US" dirty="0"/>
-          </a:p>
-          <a:p>
-            <a:pPr lvl="1"/>
-            <a:r>
-              <a:rPr lang="en-US" dirty="0"/>
-              <a:t>Native clustering for Docker, turns a pool of Docker hosts into a single, virtual Docker host</a:t>
-            </a:r>
-          </a:p>
-          <a:p>
-            <a:r>
-              <a:rPr lang="en-US" dirty="0"/>
-              <a:t>Apache </a:t>
-            </a:r>
-            <a:r>
-              <a:rPr lang="en-US" dirty="0" err="1"/>
-              <a:t>Mesos</a:t>
-            </a:r>
-            <a:r>
-              <a:rPr lang="en-US" dirty="0"/>
-              <a:t> and Docker</a:t>
-            </a:r>
           </a:p>
           <a:p>
             <a:pPr lvl="1"/>
@@ -30582,51 +30465,20 @@
               <a:rPr lang="en-US" dirty="0">
                 <a:hlinkClick r:id="rId3"/>
               </a:rPr>
-              <a:t>http://mesos.apache.org/documentation/latest/docker-containerizer/</a:t>
+              <a:t>Azure</a:t>
             </a:r>
             <a:endParaRPr lang="en-US" dirty="0"/>
           </a:p>
           <a:p>
             <a:r>
               <a:rPr lang="en-US" dirty="0"/>
-              <a:t>Azure Container Service</a:t>
-            </a:r>
-          </a:p>
-          <a:p>
-            <a:pPr lvl="1"/>
-            <a:r>
-              <a:rPr lang="en-US" dirty="0">
-                <a:hlinkClick r:id="rId4"/>
-              </a:rPr>
-              <a:t>https://azure.microsoft.com/en-us/services/container-service/</a:t>
-            </a:r>
-            <a:endParaRPr lang="en-US" dirty="0"/>
-          </a:p>
-          <a:p>
-            <a:pPr lvl="1"/>
-            <a:r>
-              <a:rPr lang="en-US" dirty="0"/>
-              <a:t>Set of templates to deploy </a:t>
-            </a:r>
-            <a:r>
-              <a:rPr lang="en-US" i="1" dirty="0"/>
-              <a:t>Apache </a:t>
-            </a:r>
-            <a:r>
-              <a:rPr lang="en-US" i="1" dirty="0" err="1"/>
-              <a:t>Mesos</a:t>
-            </a:r>
-            <a:r>
-              <a:rPr lang="en-US" dirty="0"/>
-              <a:t> or </a:t>
-            </a:r>
-            <a:r>
-              <a:rPr lang="en-US" i="1" dirty="0"/>
-              <a:t>Docker Swarm </a:t>
-            </a:r>
-            <a:r>
-              <a:rPr lang="en-US" dirty="0"/>
-              <a:t>into Azure</a:t>
+              <a:t>Create containers on machine</a:t>
+            </a:r>
+          </a:p>
+          <a:p>
+            <a:r>
+              <a:rPr lang="en-US" dirty="0"/>
+              <a:t>Remove machines</a:t>
             </a:r>
           </a:p>
         </p:txBody>
@@ -30638,7 +30490,7 @@
             <a:spLocks noGrp="1"/>
           </p:cNvSpPr>
           <p:nvPr>
-            <p:ph type="body" sz="quarter" idx="23"/>
+            <p:ph type="body" sz="quarter" idx="25"/>
           </p:nvPr>
         </p:nvSpPr>
         <p:spPr/>
@@ -30650,10 +30502,29 @@
           </a:p>
         </p:txBody>
       </p:sp>
+      <p:sp>
+        <p:nvSpPr>
+          <p:cNvPr id="5" name="Textplatzhalter 4"/>
+          <p:cNvSpPr>
+            <a:spLocks noGrp="1"/>
+          </p:cNvSpPr>
+          <p:nvPr>
+            <p:ph type="body" sz="quarter" idx="26"/>
+          </p:nvPr>
+        </p:nvSpPr>
+        <p:spPr/>
+        <p:txBody>
+          <a:bodyPr/>
+          <a:lstStyle/>
+          <a:p>
+            <a:endParaRPr lang="en-US" dirty="0"/>
+          </a:p>
+        </p:txBody>
+      </p:sp>
     </p:spTree>
     <p:extLst>
       <p:ext uri="{BB962C8B-B14F-4D97-AF65-F5344CB8AC3E}">
-        <p14:creationId xmlns:p14="http://schemas.microsoft.com/office/powerpoint/2010/main" val="2156520220"/>
+        <p14:creationId xmlns:p14="http://schemas.microsoft.com/office/powerpoint/2010/main" val="361501713"/>
       </p:ext>
     </p:extLst>
   </p:cSld>
@@ -30667,148 +30538,6 @@
 </file>
 
 <file path=ppt/slides/slide15.xml><?xml version="1.0" encoding="utf-8"?>
-<p:sld xmlns:a="http://schemas.openxmlformats.org/drawingml/2006/main" xmlns:r="http://schemas.openxmlformats.org/officeDocument/2006/relationships" xmlns:p="http://schemas.openxmlformats.org/presentationml/2006/main">
-  <p:cSld>
-    <p:spTree>
-      <p:nvGrpSpPr>
-        <p:cNvPr id="1" name=""/>
-        <p:cNvGrpSpPr/>
-        <p:nvPr/>
-      </p:nvGrpSpPr>
-      <p:grpSpPr>
-        <a:xfrm>
-          <a:off x="0" y="0"/>
-          <a:ext cx="0" cy="0"/>
-          <a:chOff x="0" y="0"/>
-          <a:chExt cx="0" cy="0"/>
-        </a:xfrm>
-      </p:grpSpPr>
-      <p:sp>
-        <p:nvSpPr>
-          <p:cNvPr id="6" name="Titel 5"/>
-          <p:cNvSpPr>
-            <a:spLocks noGrp="1"/>
-          </p:cNvSpPr>
-          <p:nvPr>
-            <p:ph type="title"/>
-          </p:nvPr>
-        </p:nvSpPr>
-        <p:spPr/>
-        <p:txBody>
-          <a:bodyPr/>
-          <a:lstStyle/>
-          <a:p>
-            <a:r>
-              <a:rPr lang="en-US" dirty="0"/>
-              <a:t>Access Docker Remotely</a:t>
-            </a:r>
-            <a:endParaRPr lang="de-AT" dirty="0"/>
-          </a:p>
-        </p:txBody>
-      </p:sp>
-      <p:sp>
-        <p:nvSpPr>
-          <p:cNvPr id="7" name="Inhaltsplatzhalter 6"/>
-          <p:cNvSpPr>
-            <a:spLocks noGrp="1"/>
-          </p:cNvSpPr>
-          <p:nvPr>
-            <p:ph sz="quarter" idx="12"/>
-          </p:nvPr>
-        </p:nvSpPr>
-        <p:spPr/>
-        <p:txBody>
-          <a:bodyPr/>
-          <a:lstStyle/>
-          <a:p>
-            <a:r>
-              <a:rPr lang="en-US" dirty="0"/>
-              <a:t>Default: Docker runs on non-networked Unix socket</a:t>
-            </a:r>
-          </a:p>
-          <a:p>
-            <a:pPr lvl="1"/>
-            <a:r>
-              <a:rPr lang="en-US" dirty="0"/>
-              <a:t>TCP socket can be enabled (see </a:t>
-            </a:r>
-            <a:r>
-              <a:rPr lang="en-US" dirty="0">
-                <a:hlinkClick r:id="rId2"/>
-              </a:rPr>
-              <a:t>Docker docs</a:t>
-            </a:r>
-            <a:r>
-              <a:rPr lang="en-US" dirty="0"/>
-              <a:t>)</a:t>
-            </a:r>
-          </a:p>
-          <a:p>
-            <a:r>
-              <a:rPr lang="en-US" dirty="0"/>
-              <a:t>Docker available on the network </a:t>
-            </a:r>
-            <a:r>
-              <a:rPr lang="en-US" dirty="0">
-                <a:sym typeface="Wingdings" panose="05000000000000000000" pitchFamily="2" charset="2"/>
-              </a:rPr>
-              <a:t> enable TLS</a:t>
-            </a:r>
-          </a:p>
-          <a:p>
-            <a:pPr lvl="1"/>
-            <a:r>
-              <a:rPr lang="en-US" dirty="0">
-                <a:sym typeface="Wingdings" panose="05000000000000000000" pitchFamily="2" charset="2"/>
-                <a:hlinkClick r:id="rId3"/>
-              </a:rPr>
-              <a:t>Docker docs</a:t>
-            </a:r>
-            <a:endParaRPr lang="en-US" dirty="0">
-              <a:sym typeface="Wingdings" panose="05000000000000000000" pitchFamily="2" charset="2"/>
-            </a:endParaRPr>
-          </a:p>
-          <a:p>
-            <a:endParaRPr lang="de-AT" dirty="0"/>
-          </a:p>
-        </p:txBody>
-      </p:sp>
-      <p:sp>
-        <p:nvSpPr>
-          <p:cNvPr id="8" name="Textplatzhalter 7"/>
-          <p:cNvSpPr>
-            <a:spLocks noGrp="1"/>
-          </p:cNvSpPr>
-          <p:nvPr>
-            <p:ph type="body" sz="quarter" idx="23"/>
-          </p:nvPr>
-        </p:nvSpPr>
-        <p:spPr/>
-        <p:txBody>
-          <a:bodyPr/>
-          <a:lstStyle/>
-          <a:p>
-            <a:endParaRPr lang="de-AT"/>
-          </a:p>
-        </p:txBody>
-      </p:sp>
-    </p:spTree>
-    <p:extLst>
-      <p:ext uri="{BB962C8B-B14F-4D97-AF65-F5344CB8AC3E}">
-        <p14:creationId xmlns:p14="http://schemas.microsoft.com/office/powerpoint/2010/main" val="2899236459"/>
-      </p:ext>
-    </p:extLst>
-  </p:cSld>
-  <p:clrMapOvr>
-    <a:masterClrMapping/>
-  </p:clrMapOvr>
-  <p:transition spd="slow">
-    <p:push/>
-  </p:transition>
-</p:sld>
-</file>
-
-<file path=ppt/slides/slide16.xml><?xml version="1.0" encoding="utf-8"?>
 <p:sld xmlns:a="http://schemas.openxmlformats.org/drawingml/2006/main" xmlns:r="http://schemas.openxmlformats.org/officeDocument/2006/relationships" xmlns:p="http://schemas.openxmlformats.org/presentationml/2006/main" show="0">
   <p:cSld>
     <p:spTree>
@@ -30842,7 +30571,7 @@
           <a:p>
             <a:r>
               <a:rPr lang="en-US" dirty="0"/>
-              <a:t>Remote Docker</a:t>
+              <a:t>Docker Machine</a:t>
             </a:r>
           </a:p>
         </p:txBody>
@@ -30864,21 +30593,57 @@
           <a:p>
             <a:pPr marL="180975" indent="-180975"/>
             <a:r>
+              <a:rPr lang="de-AT" noProof="1"/>
+              <a:t>docker-machine ls</a:t>
+            </a:r>
+          </a:p>
+          <a:p>
+            <a:pPr marL="180975" indent="-180975"/>
+            <a:endParaRPr lang="de-AT" noProof="1"/>
+          </a:p>
+          <a:p>
+            <a:pPr marL="180975" indent="-180975"/>
+            <a:r>
               <a:rPr lang="de-DE" noProof="1"/>
-              <a:t>// Connect to Docker client in Azure</a:t>
+              <a:t>docker-machine create --driver hyperv newMachine</a:t>
             </a:r>
           </a:p>
           <a:p>
             <a:pPr marL="180975" indent="-180975"/>
             <a:r>
               <a:rPr lang="de-DE" noProof="1"/>
-              <a:t>// (see also </a:t>
+              <a:t>// Look at created Hyper-V Server</a:t>
+            </a:r>
+          </a:p>
+          <a:p>
+            <a:pPr marL="180975" indent="-180975"/>
+            <a:endParaRPr lang="de-DE" noProof="1"/>
+          </a:p>
+          <a:p>
+            <a:pPr marL="180975" indent="-180975"/>
+            <a:r>
+              <a:rPr lang="de-DE" noProof="1"/>
+              <a:t>docker-machine env newMachine</a:t>
+            </a:r>
+          </a:p>
+          <a:p>
+            <a:pPr marL="180975" indent="-180975"/>
+            <a:r>
+              <a:rPr lang="de-DE" noProof="1"/>
+              <a:t>// Play with Docker</a:t>
+            </a:r>
+          </a:p>
+          <a:p>
+            <a:pPr marL="180975" indent="-180975"/>
+            <a:r>
+              <a:rPr lang="de-DE" noProof="1"/>
+              <a:t>// SSH into newMachine (for details see </a:t>
             </a:r>
             <a:r>
               <a:rPr lang="de-DE" noProof="1">
                 <a:hlinkClick r:id="rId2"/>
               </a:rPr>
-              <a:t>https://github.com/rstropek/DockerVS2015Intro</a:t>
+              <a:t>blog article</a:t>
             </a:r>
             <a:r>
               <a:rPr lang="de-DE" noProof="1"/>
@@ -30893,38 +30658,99 @@
             <a:pPr marL="180975" indent="-180975"/>
             <a:r>
               <a:rPr lang="de-DE" noProof="1"/>
-              <a:t>// Set environment variable (secure by default)</a:t>
-            </a:r>
-          </a:p>
-          <a:p>
-            <a:pPr marL="180975" indent="-180975"/>
-            <a:r>
-              <a:rPr lang="de-AT" dirty="0" err="1"/>
-              <a:t>export</a:t>
-            </a:r>
-            <a:r>
-              <a:rPr lang="de-AT" dirty="0"/>
-              <a:t> DOCKER_HOST=tcp://dockertraining .northeurope.cloudapp.azure.com:2376 DOCKER_TLS_VERIFY=1</a:t>
-            </a:r>
-            <a:endParaRPr lang="de-DE" noProof="1"/>
-          </a:p>
-          <a:p>
-            <a:pPr marL="180975" indent="-180975"/>
-            <a:r>
-              <a:rPr lang="de-DE" noProof="1"/>
-              <a:t>docker info</a:t>
-            </a:r>
-          </a:p>
-          <a:p>
-            <a:pPr marL="180975" indent="-180975"/>
-            <a:r>
-              <a:rPr lang="de-DE" noProof="1"/>
-              <a:t>docker ps</a:t>
+              <a:t>docker-machine rm newMachine</a:t>
             </a:r>
           </a:p>
           <a:p>
             <a:pPr marL="180975" indent="-180975"/>
             <a:endParaRPr lang="de-DE" noProof="1"/>
+          </a:p>
+          <a:p>
+            <a:pPr marL="180975" indent="-180975"/>
+            <a:endParaRPr lang="de-DE" noProof="1"/>
+          </a:p>
+          <a:p>
+            <a:pPr marL="180975" indent="-180975"/>
+            <a:endParaRPr lang="de-DE" noProof="1"/>
+          </a:p>
+          <a:p>
+            <a:pPr marL="180975" indent="-180975"/>
+            <a:endParaRPr lang="de-DE" noProof="1"/>
+          </a:p>
+          <a:p>
+            <a:pPr marL="180975" indent="-180975"/>
+            <a:r>
+              <a:rPr lang="de-DE" noProof="1"/>
+              <a:t>// Get publishsettings-file using</a:t>
+            </a:r>
+          </a:p>
+          <a:p>
+            <a:pPr marL="180975" indent="-180975"/>
+            <a:r>
+              <a:rPr lang="de-DE" noProof="1"/>
+              <a:t>// </a:t>
+            </a:r>
+            <a:r>
+              <a:rPr lang="de-DE" noProof="1">
+                <a:hlinkClick r:id="rId3"/>
+              </a:rPr>
+              <a:t>https://manage.windowsazure.com/publishsettings/index</a:t>
+            </a:r>
+            <a:endParaRPr lang="de-DE" noProof="1"/>
+          </a:p>
+          <a:p>
+            <a:pPr marL="180975" indent="-180975"/>
+            <a:endParaRPr lang="de-DE" noProof="1"/>
+          </a:p>
+          <a:p>
+            <a:pPr marL="180975" indent="-180975"/>
+            <a:r>
+              <a:rPr lang="de-DE" noProof="1"/>
+              <a:t>docker-machine create --driver azure --azure-subscription-id 26400a43-0000-0000-0000-000000000000 --azure-publish-settings-file my.publishsettings dockerMachineTest</a:t>
+            </a:r>
+          </a:p>
+          <a:p>
+            <a:pPr marL="180975" indent="-180975"/>
+            <a:r>
+              <a:rPr lang="de-DE" noProof="1"/>
+              <a:t>// Look at created Azure VM in </a:t>
+            </a:r>
+            <a:r>
+              <a:rPr lang="de-DE" noProof="1">
+                <a:hlinkClick r:id="rId4"/>
+              </a:rPr>
+              <a:t>http://portal.azure.com</a:t>
+            </a:r>
+            <a:endParaRPr lang="de-DE" noProof="1"/>
+          </a:p>
+          <a:p>
+            <a:pPr marL="180975" indent="-180975"/>
+            <a:endParaRPr lang="de-DE" noProof="1"/>
+          </a:p>
+          <a:p>
+            <a:pPr marL="180975" indent="-180975"/>
+            <a:r>
+              <a:rPr lang="de-DE" noProof="1"/>
+              <a:t>docker-machine env dockerMachineTest</a:t>
+            </a:r>
+          </a:p>
+          <a:p>
+            <a:pPr marL="180975" indent="-180975"/>
+            <a:r>
+              <a:rPr lang="de-DE" noProof="1"/>
+              <a:t>// Play with Docker</a:t>
+            </a:r>
+          </a:p>
+          <a:p>
+            <a:pPr marL="180975" indent="-180975"/>
+            <a:endParaRPr lang="de-DE" noProof="1"/>
+          </a:p>
+          <a:p>
+            <a:pPr marL="180975" indent="-180975"/>
+            <a:r>
+              <a:rPr lang="de-DE" noProof="1"/>
+              <a:t>docker-machine rm dockerMachineTest</a:t>
+            </a:r>
           </a:p>
         </p:txBody>
       </p:sp>
@@ -30988,7 +30814,187 @@
     </p:spTree>
     <p:extLst>
       <p:ext uri="{BB962C8B-B14F-4D97-AF65-F5344CB8AC3E}">
-        <p14:creationId xmlns:p14="http://schemas.microsoft.com/office/powerpoint/2010/main" val="3753824539"/>
+        <p14:creationId xmlns:p14="http://schemas.microsoft.com/office/powerpoint/2010/main" val="1485569485"/>
+      </p:ext>
+    </p:extLst>
+  </p:cSld>
+  <p:clrMapOvr>
+    <a:masterClrMapping/>
+  </p:clrMapOvr>
+  <p:transition spd="slow">
+    <p:push/>
+  </p:transition>
+</p:sld>
+</file>
+
+<file path=ppt/slides/slide16.xml><?xml version="1.0" encoding="utf-8"?>
+<p:sld xmlns:a="http://schemas.openxmlformats.org/drawingml/2006/main" xmlns:r="http://schemas.openxmlformats.org/officeDocument/2006/relationships" xmlns:p="http://schemas.openxmlformats.org/presentationml/2006/main">
+  <p:cSld>
+    <p:spTree>
+      <p:nvGrpSpPr>
+        <p:cNvPr id="1" name=""/>
+        <p:cNvGrpSpPr/>
+        <p:nvPr/>
+      </p:nvGrpSpPr>
+      <p:grpSpPr>
+        <a:xfrm>
+          <a:off x="0" y="0"/>
+          <a:ext cx="0" cy="0"/>
+          <a:chOff x="0" y="0"/>
+          <a:chExt cx="0" cy="0"/>
+        </a:xfrm>
+      </p:grpSpPr>
+      <p:sp>
+        <p:nvSpPr>
+          <p:cNvPr id="2" name="Titel 1"/>
+          <p:cNvSpPr>
+            <a:spLocks noGrp="1"/>
+          </p:cNvSpPr>
+          <p:nvPr>
+            <p:ph type="title"/>
+          </p:nvPr>
+        </p:nvSpPr>
+        <p:spPr/>
+        <p:txBody>
+          <a:bodyPr/>
+          <a:lstStyle/>
+          <a:p>
+            <a:r>
+              <a:rPr lang="en-US" dirty="0"/>
+              <a:t>Docker Cluster Solutions</a:t>
+            </a:r>
+          </a:p>
+        </p:txBody>
+      </p:sp>
+      <p:sp>
+        <p:nvSpPr>
+          <p:cNvPr id="3" name="Inhaltsplatzhalter 2"/>
+          <p:cNvSpPr>
+            <a:spLocks noGrp="1"/>
+          </p:cNvSpPr>
+          <p:nvPr>
+            <p:ph sz="quarter" idx="12"/>
+          </p:nvPr>
+        </p:nvSpPr>
+        <p:spPr/>
+        <p:txBody>
+          <a:bodyPr/>
+          <a:lstStyle/>
+          <a:p>
+            <a:r>
+              <a:rPr lang="en-US" dirty="0"/>
+              <a:t>Docker Swarm</a:t>
+            </a:r>
+          </a:p>
+          <a:p>
+            <a:pPr lvl="1"/>
+            <a:r>
+              <a:rPr lang="en-US" dirty="0">
+                <a:hlinkClick r:id="rId2"/>
+              </a:rPr>
+              <a:t>https://docs.docker.com/swarm/overview/</a:t>
+            </a:r>
+            <a:endParaRPr lang="en-US" dirty="0"/>
+          </a:p>
+          <a:p>
+            <a:pPr lvl="1"/>
+            <a:r>
+              <a:rPr lang="en-US" dirty="0"/>
+              <a:t>Native clustering for Docker, turns a pool of Docker hosts into a single, virtual Docker host</a:t>
+            </a:r>
+          </a:p>
+          <a:p>
+            <a:r>
+              <a:rPr lang="en-US" dirty="0"/>
+              <a:t>Apache </a:t>
+            </a:r>
+            <a:r>
+              <a:rPr lang="en-US" dirty="0" err="1"/>
+              <a:t>Mesos</a:t>
+            </a:r>
+            <a:r>
+              <a:rPr lang="en-US" dirty="0"/>
+              <a:t> and Docker</a:t>
+            </a:r>
+          </a:p>
+          <a:p>
+            <a:pPr lvl="1"/>
+            <a:r>
+              <a:rPr lang="en-US" dirty="0">
+                <a:hlinkClick r:id="rId3"/>
+              </a:rPr>
+              <a:t>http://mesos.apache.org/documentation/latest/docker-containerizer/</a:t>
+            </a:r>
+            <a:endParaRPr lang="en-US" dirty="0"/>
+          </a:p>
+          <a:p>
+            <a:r>
+              <a:rPr lang="en-US" dirty="0"/>
+              <a:t>Azure Container Service</a:t>
+            </a:r>
+          </a:p>
+          <a:p>
+            <a:pPr lvl="1"/>
+            <a:r>
+              <a:rPr lang="en-US" dirty="0">
+                <a:hlinkClick r:id="rId4"/>
+              </a:rPr>
+              <a:t>https://azure.microsoft.com/en-us/services/container-service/</a:t>
+            </a:r>
+            <a:endParaRPr lang="en-US" dirty="0"/>
+          </a:p>
+          <a:p>
+            <a:pPr lvl="1"/>
+            <a:r>
+              <a:rPr lang="en-US" dirty="0"/>
+              <a:t>Set of templates to deploy </a:t>
+            </a:r>
+            <a:r>
+              <a:rPr lang="en-US" i="1" dirty="0"/>
+              <a:t>Apache </a:t>
+            </a:r>
+            <a:r>
+              <a:rPr lang="en-US" i="1" dirty="0" err="1"/>
+              <a:t>Mesos</a:t>
+            </a:r>
+            <a:r>
+              <a:rPr lang="en-US" dirty="0"/>
+              <a:t> or </a:t>
+            </a:r>
+            <a:r>
+              <a:rPr lang="en-US" i="1" dirty="0"/>
+              <a:t>Docker Swarm </a:t>
+            </a:r>
+            <a:r>
+              <a:rPr lang="en-US" dirty="0"/>
+              <a:t>into Azure</a:t>
+            </a:r>
+          </a:p>
+        </p:txBody>
+      </p:sp>
+      <p:sp>
+        <p:nvSpPr>
+          <p:cNvPr id="4" name="Textplatzhalter 3"/>
+          <p:cNvSpPr>
+            <a:spLocks noGrp="1"/>
+          </p:cNvSpPr>
+          <p:nvPr>
+            <p:ph type="body" sz="quarter" idx="23"/>
+          </p:nvPr>
+        </p:nvSpPr>
+        <p:spPr/>
+        <p:txBody>
+          <a:bodyPr/>
+          <a:lstStyle/>
+          <a:p>
+            <a:endParaRPr lang="en-US"/>
+          </a:p>
+        </p:txBody>
+      </p:sp>
+    </p:spTree>
+    <p:extLst>
+      <p:ext uri="{BB962C8B-B14F-4D97-AF65-F5344CB8AC3E}">
+        <p14:creationId xmlns:p14="http://schemas.microsoft.com/office/powerpoint/2010/main" val="2156520220"/>
       </p:ext>
     </p:extLst>
   </p:cSld>
@@ -31020,6 +31026,358 @@
       </p:grpSpPr>
       <p:sp>
         <p:nvSpPr>
+          <p:cNvPr id="6" name="Titel 5"/>
+          <p:cNvSpPr>
+            <a:spLocks noGrp="1"/>
+          </p:cNvSpPr>
+          <p:nvPr>
+            <p:ph type="title"/>
+          </p:nvPr>
+        </p:nvSpPr>
+        <p:spPr/>
+        <p:txBody>
+          <a:bodyPr/>
+          <a:lstStyle/>
+          <a:p>
+            <a:r>
+              <a:rPr lang="en-US" dirty="0"/>
+              <a:t>Access Docker Remotely</a:t>
+            </a:r>
+            <a:endParaRPr lang="de-AT" dirty="0"/>
+          </a:p>
+        </p:txBody>
+      </p:sp>
+      <p:sp>
+        <p:nvSpPr>
+          <p:cNvPr id="7" name="Inhaltsplatzhalter 6"/>
+          <p:cNvSpPr>
+            <a:spLocks noGrp="1"/>
+          </p:cNvSpPr>
+          <p:nvPr>
+            <p:ph sz="quarter" idx="12"/>
+          </p:nvPr>
+        </p:nvSpPr>
+        <p:spPr/>
+        <p:txBody>
+          <a:bodyPr/>
+          <a:lstStyle/>
+          <a:p>
+            <a:r>
+              <a:rPr lang="en-US" dirty="0"/>
+              <a:t>Default: Docker runs on non-networked Unix socket</a:t>
+            </a:r>
+          </a:p>
+          <a:p>
+            <a:pPr lvl="1"/>
+            <a:r>
+              <a:rPr lang="en-US" dirty="0">
+                <a:latin typeface="Courier New" panose="02070309020205020404" pitchFamily="49" charset="0"/>
+                <a:cs typeface="Courier New" panose="02070309020205020404" pitchFamily="49" charset="0"/>
+              </a:rPr>
+              <a:t>unix:///var/run/docker.sock</a:t>
+            </a:r>
+          </a:p>
+          <a:p>
+            <a:pPr lvl="1"/>
+            <a:r>
+              <a:rPr lang="en-US" dirty="0"/>
+              <a:t>TCP socket can be enabled (see </a:t>
+            </a:r>
+            <a:r>
+              <a:rPr lang="en-US" dirty="0">
+                <a:hlinkClick r:id="rId2"/>
+              </a:rPr>
+              <a:t>Docker docs</a:t>
+            </a:r>
+            <a:r>
+              <a:rPr lang="en-US" dirty="0"/>
+              <a:t>) </a:t>
+            </a:r>
+            <a:r>
+              <a:rPr lang="en-US" dirty="0">
+                <a:sym typeface="Wingdings" panose="05000000000000000000" pitchFamily="2" charset="2"/>
+              </a:rPr>
+              <a:t> Docker Remote Web API</a:t>
+            </a:r>
+            <a:endParaRPr lang="en-US" dirty="0"/>
+          </a:p>
+          <a:p>
+            <a:r>
+              <a:rPr lang="en-US" dirty="0"/>
+              <a:t>Docker available on the network </a:t>
+            </a:r>
+            <a:r>
+              <a:rPr lang="en-US" dirty="0">
+                <a:sym typeface="Wingdings" panose="05000000000000000000" pitchFamily="2" charset="2"/>
+              </a:rPr>
+              <a:t> enable TLS</a:t>
+            </a:r>
+          </a:p>
+          <a:p>
+            <a:pPr lvl="1"/>
+            <a:r>
+              <a:rPr lang="en-US" dirty="0">
+                <a:sym typeface="Wingdings" panose="05000000000000000000" pitchFamily="2" charset="2"/>
+                <a:hlinkClick r:id="rId3"/>
+              </a:rPr>
+              <a:t>Docker docs</a:t>
+            </a:r>
+            <a:endParaRPr lang="en-US" dirty="0">
+              <a:sym typeface="Wingdings" panose="05000000000000000000" pitchFamily="2" charset="2"/>
+            </a:endParaRPr>
+          </a:p>
+          <a:p>
+            <a:endParaRPr lang="de-AT" dirty="0"/>
+          </a:p>
+        </p:txBody>
+      </p:sp>
+      <p:sp>
+        <p:nvSpPr>
+          <p:cNvPr id="8" name="Textplatzhalter 7"/>
+          <p:cNvSpPr>
+            <a:spLocks noGrp="1"/>
+          </p:cNvSpPr>
+          <p:nvPr>
+            <p:ph type="body" sz="quarter" idx="23"/>
+          </p:nvPr>
+        </p:nvSpPr>
+        <p:spPr/>
+        <p:txBody>
+          <a:bodyPr/>
+          <a:lstStyle/>
+          <a:p>
+            <a:endParaRPr lang="de-AT"/>
+          </a:p>
+        </p:txBody>
+      </p:sp>
+    </p:spTree>
+    <p:extLst>
+      <p:ext uri="{BB962C8B-B14F-4D97-AF65-F5344CB8AC3E}">
+        <p14:creationId xmlns:p14="http://schemas.microsoft.com/office/powerpoint/2010/main" val="2899236459"/>
+      </p:ext>
+    </p:extLst>
+  </p:cSld>
+  <p:clrMapOvr>
+    <a:masterClrMapping/>
+  </p:clrMapOvr>
+  <p:transition spd="slow">
+    <p:push/>
+  </p:transition>
+</p:sld>
+</file>
+
+<file path=ppt/slides/slide18.xml><?xml version="1.0" encoding="utf-8"?>
+<p:sld xmlns:a="http://schemas.openxmlformats.org/drawingml/2006/main" xmlns:r="http://schemas.openxmlformats.org/officeDocument/2006/relationships" xmlns:p="http://schemas.openxmlformats.org/presentationml/2006/main" show="0">
+  <p:cSld>
+    <p:spTree>
+      <p:nvGrpSpPr>
+        <p:cNvPr id="1" name=""/>
+        <p:cNvGrpSpPr/>
+        <p:nvPr/>
+      </p:nvGrpSpPr>
+      <p:grpSpPr>
+        <a:xfrm>
+          <a:off x="0" y="0"/>
+          <a:ext cx="0" cy="0"/>
+          <a:chOff x="0" y="0"/>
+          <a:chExt cx="0" cy="0"/>
+        </a:xfrm>
+      </p:grpSpPr>
+      <p:sp>
+        <p:nvSpPr>
+          <p:cNvPr id="11" name="Titel 10"/>
+          <p:cNvSpPr>
+            <a:spLocks noGrp="1"/>
+          </p:cNvSpPr>
+          <p:nvPr>
+            <p:ph type="title"/>
+          </p:nvPr>
+        </p:nvSpPr>
+        <p:spPr/>
+        <p:txBody>
+          <a:bodyPr/>
+          <a:lstStyle/>
+          <a:p>
+            <a:r>
+              <a:rPr lang="en-US" dirty="0"/>
+              <a:t>Remote Docker</a:t>
+            </a:r>
+          </a:p>
+        </p:txBody>
+      </p:sp>
+      <p:sp>
+        <p:nvSpPr>
+          <p:cNvPr id="12" name="Inhaltsplatzhalter 11"/>
+          <p:cNvSpPr>
+            <a:spLocks noGrp="1"/>
+          </p:cNvSpPr>
+          <p:nvPr>
+            <p:ph sz="quarter" idx="22"/>
+          </p:nvPr>
+        </p:nvSpPr>
+        <p:spPr/>
+        <p:txBody>
+          <a:bodyPr/>
+          <a:lstStyle/>
+          <a:p>
+            <a:pPr marL="180975" indent="-180975"/>
+            <a:r>
+              <a:rPr lang="de-DE" noProof="1"/>
+              <a:t>// Connect to Docker client in Azure</a:t>
+            </a:r>
+          </a:p>
+          <a:p>
+            <a:pPr marL="180975" indent="-180975"/>
+            <a:r>
+              <a:rPr lang="de-DE" noProof="1"/>
+              <a:t>// (see also </a:t>
+            </a:r>
+            <a:r>
+              <a:rPr lang="de-DE" noProof="1">
+                <a:hlinkClick r:id="rId2"/>
+              </a:rPr>
+              <a:t>https://github.com/rstropek/DockerVS2015Intro</a:t>
+            </a:r>
+            <a:r>
+              <a:rPr lang="de-DE" noProof="1"/>
+              <a:t>)</a:t>
+            </a:r>
+          </a:p>
+          <a:p>
+            <a:pPr marL="180975" indent="-180975"/>
+            <a:endParaRPr lang="de-DE" noProof="1"/>
+          </a:p>
+          <a:p>
+            <a:pPr marL="180975" indent="-180975"/>
+            <a:r>
+              <a:rPr lang="de-DE" noProof="1"/>
+              <a:t>// Set environment variable (secure by default)</a:t>
+            </a:r>
+          </a:p>
+          <a:p>
+            <a:pPr marL="180975" indent="-180975"/>
+            <a:r>
+              <a:rPr lang="de-AT" dirty="0" err="1"/>
+              <a:t>export</a:t>
+            </a:r>
+            <a:r>
+              <a:rPr lang="de-AT" dirty="0"/>
+              <a:t> DOCKER_HOST=tcp://dockertraining .northeurope.cloudapp.azure.com:2376 DOCKER_TLS_VERIFY=1</a:t>
+            </a:r>
+            <a:endParaRPr lang="de-DE" noProof="1"/>
+          </a:p>
+          <a:p>
+            <a:pPr marL="180975" indent="-180975"/>
+            <a:r>
+              <a:rPr lang="de-DE" noProof="1"/>
+              <a:t>docker info</a:t>
+            </a:r>
+          </a:p>
+          <a:p>
+            <a:pPr marL="180975" indent="-180975"/>
+            <a:r>
+              <a:rPr lang="de-DE" noProof="1"/>
+              <a:t>docker ps</a:t>
+            </a:r>
+          </a:p>
+          <a:p>
+            <a:pPr marL="180975" indent="-180975"/>
+            <a:endParaRPr lang="de-DE" noProof="1"/>
+          </a:p>
+        </p:txBody>
+      </p:sp>
+      <p:sp>
+        <p:nvSpPr>
+          <p:cNvPr id="13" name="Textplatzhalter 12"/>
+          <p:cNvSpPr>
+            <a:spLocks noGrp="1"/>
+          </p:cNvSpPr>
+          <p:nvPr>
+            <p:ph type="body" sz="quarter" idx="23"/>
+          </p:nvPr>
+        </p:nvSpPr>
+        <p:spPr/>
+        <p:txBody>
+          <a:bodyPr/>
+          <a:lstStyle/>
+          <a:p>
+            <a:endParaRPr lang="en-US"/>
+          </a:p>
+        </p:txBody>
+      </p:sp>
+      <p:sp>
+        <p:nvSpPr>
+          <p:cNvPr id="14" name="Textplatzhalter 13"/>
+          <p:cNvSpPr>
+            <a:spLocks noGrp="1"/>
+          </p:cNvSpPr>
+          <p:nvPr>
+            <p:ph type="body" sz="quarter" idx="24"/>
+          </p:nvPr>
+        </p:nvSpPr>
+        <p:spPr/>
+        <p:txBody>
+          <a:bodyPr/>
+          <a:lstStyle/>
+          <a:p>
+            <a:endParaRPr lang="en-US"/>
+          </a:p>
+        </p:txBody>
+      </p:sp>
+      <p:sp>
+        <p:nvSpPr>
+          <p:cNvPr id="15" name="Textplatzhalter 14"/>
+          <p:cNvSpPr>
+            <a:spLocks noGrp="1"/>
+          </p:cNvSpPr>
+          <p:nvPr>
+            <p:ph type="body" sz="quarter" idx="25"/>
+          </p:nvPr>
+        </p:nvSpPr>
+        <p:spPr/>
+        <p:txBody>
+          <a:bodyPr/>
+          <a:lstStyle/>
+          <a:p>
+            <a:endParaRPr lang="en-US"/>
+          </a:p>
+        </p:txBody>
+      </p:sp>
+    </p:spTree>
+    <p:extLst>
+      <p:ext uri="{BB962C8B-B14F-4D97-AF65-F5344CB8AC3E}">
+        <p14:creationId xmlns:p14="http://schemas.microsoft.com/office/powerpoint/2010/main" val="3753824539"/>
+      </p:ext>
+    </p:extLst>
+  </p:cSld>
+  <p:clrMapOvr>
+    <a:masterClrMapping/>
+  </p:clrMapOvr>
+  <p:transition spd="slow">
+    <p:push/>
+  </p:transition>
+</p:sld>
+</file>
+
+<file path=ppt/slides/slide19.xml><?xml version="1.0" encoding="utf-8"?>
+<p:sld xmlns:a="http://schemas.openxmlformats.org/drawingml/2006/main" xmlns:r="http://schemas.openxmlformats.org/officeDocument/2006/relationships" xmlns:p="http://schemas.openxmlformats.org/presentationml/2006/main">
+  <p:cSld>
+    <p:spTree>
+      <p:nvGrpSpPr>
+        <p:cNvPr id="1" name=""/>
+        <p:cNvGrpSpPr/>
+        <p:nvPr/>
+      </p:nvGrpSpPr>
+      <p:grpSpPr>
+        <a:xfrm>
+          <a:off x="0" y="0"/>
+          <a:ext cx="0" cy="0"/>
+          <a:chOff x="0" y="0"/>
+          <a:chExt cx="0" cy="0"/>
+        </a:xfrm>
+      </p:grpSpPr>
+      <p:sp>
+        <p:nvSpPr>
           <p:cNvPr id="2" name="Titel 1"/>
           <p:cNvSpPr>
             <a:spLocks noGrp="1"/>
@@ -31087,7 +31445,382 @@
 </p:sld>
 </file>
 
-<file path=ppt/slides/slide18.xml><?xml version="1.0" encoding="utf-8"?>
+<file path=ppt/slides/slide2.xml><?xml version="1.0" encoding="utf-8"?>
+<p:sld xmlns:a="http://schemas.openxmlformats.org/drawingml/2006/main" xmlns:r="http://schemas.openxmlformats.org/officeDocument/2006/relationships" xmlns:p="http://schemas.openxmlformats.org/presentationml/2006/main" showMasterPhAnim="0">
+  <p:cSld>
+    <p:spTree>
+      <p:nvGrpSpPr>
+        <p:cNvPr id="1" name=""/>
+        <p:cNvGrpSpPr/>
+        <p:nvPr/>
+      </p:nvGrpSpPr>
+      <p:grpSpPr>
+        <a:xfrm>
+          <a:off x="0" y="0"/>
+          <a:ext cx="0" cy="0"/>
+          <a:chOff x="0" y="0"/>
+          <a:chExt cx="0" cy="0"/>
+        </a:xfrm>
+      </p:grpSpPr>
+      <p:sp>
+        <p:nvSpPr>
+          <p:cNvPr id="2" name="Titel 1"/>
+          <p:cNvSpPr>
+            <a:spLocks noGrp="1"/>
+          </p:cNvSpPr>
+          <p:nvPr>
+            <p:ph type="title"/>
+          </p:nvPr>
+        </p:nvSpPr>
+        <p:spPr/>
+        <p:txBody>
+          <a:bodyPr/>
+          <a:lstStyle/>
+          <a:p>
+            <a:r>
+              <a:rPr lang="en-US" dirty="0"/>
+              <a:t>Your Host</a:t>
+            </a:r>
+          </a:p>
+        </p:txBody>
+      </p:sp>
+      <p:sp>
+        <p:nvSpPr>
+          <p:cNvPr id="3" name="Inhaltsplatzhalter 2"/>
+          <p:cNvSpPr>
+            <a:spLocks noGrp="1"/>
+          </p:cNvSpPr>
+          <p:nvPr>
+            <p:ph sz="quarter" idx="12"/>
+          </p:nvPr>
+        </p:nvSpPr>
+        <p:spPr/>
+        <p:txBody>
+          <a:bodyPr/>
+          <a:lstStyle/>
+          <a:p>
+            <a:r>
+              <a:rPr lang="en-US" dirty="0"/>
+              <a:t>Rainer Stropek</a:t>
+            </a:r>
+          </a:p>
+          <a:p>
+            <a:pPr lvl="1"/>
+            <a:r>
+              <a:rPr lang="en-US" dirty="0"/>
+              <a:t>Developer, Entrepreneur</a:t>
+            </a:r>
+          </a:p>
+          <a:p>
+            <a:pPr lvl="1"/>
+            <a:r>
+              <a:rPr lang="en-US" dirty="0"/>
+              <a:t>Azure MVP, MS Regional Director</a:t>
+            </a:r>
+          </a:p>
+          <a:p>
+            <a:pPr lvl="1"/>
+            <a:r>
+              <a:rPr lang="en-US" dirty="0"/>
+              <a:t>IT-Visions</a:t>
+            </a:r>
+          </a:p>
+          <a:p>
+            <a:r>
+              <a:rPr lang="en-US" dirty="0"/>
+              <a:t>Contact</a:t>
+            </a:r>
+          </a:p>
+          <a:p>
+            <a:pPr lvl="1"/>
+            <a:r>
+              <a:rPr lang="en-US" dirty="0"/>
+              <a:t>software architects </a:t>
+            </a:r>
+            <a:r>
+              <a:rPr lang="en-US" dirty="0" err="1"/>
+              <a:t>gmbh</a:t>
+            </a:r>
+            <a:br>
+              <a:rPr lang="en-US" dirty="0"/>
+            </a:br>
+            <a:r>
+              <a:rPr lang="en-US" dirty="0">
+                <a:hlinkClick r:id="rId2"/>
+              </a:rPr>
+              <a:t>rainer@timecockpit.com</a:t>
+            </a:r>
+            <a:br>
+              <a:rPr lang="en-US" dirty="0"/>
+            </a:br>
+            <a:r>
+              <a:rPr lang="en-US" dirty="0"/>
+              <a:t>Twitter: @</a:t>
+            </a:r>
+            <a:r>
+              <a:rPr lang="en-US" dirty="0" err="1"/>
+              <a:t>rstropek</a:t>
+            </a:r>
+            <a:endParaRPr lang="en-US" dirty="0"/>
+          </a:p>
+        </p:txBody>
+      </p:sp>
+      <p:pic>
+        <p:nvPicPr>
+          <p:cNvPr id="16" name="Inhaltsplatzhalter 15"/>
+          <p:cNvPicPr>
+            <a:picLocks noGrp="1" noChangeAspect="1"/>
+          </p:cNvPicPr>
+          <p:nvPr>
+            <p:ph sz="quarter" idx="13"/>
+          </p:nvPr>
+        </p:nvPicPr>
+        <p:blipFill>
+          <a:blip r:embed="rId3" cstate="email">
+            <a:extLst>
+              <a:ext uri="{28A0092B-C50C-407E-A947-70E740481C1C}">
+                <a14:useLocalDpi xmlns:a14="http://schemas.microsoft.com/office/drawing/2010/main" val="0"/>
+              </a:ext>
+            </a:extLst>
+          </a:blip>
+          <a:stretch>
+            <a:fillRect/>
+          </a:stretch>
+        </p:blipFill>
+        <p:spPr>
+          <a:xfrm>
+            <a:off x="5076131" y="1275607"/>
+            <a:ext cx="3240285" cy="2160190"/>
+          </a:xfrm>
+        </p:spPr>
+      </p:pic>
+      <p:sp>
+        <p:nvSpPr>
+          <p:cNvPr id="20" name="Textplatzhalter 19"/>
+          <p:cNvSpPr>
+            <a:spLocks noGrp="1"/>
+          </p:cNvSpPr>
+          <p:nvPr>
+            <p:ph type="body" sz="quarter" idx="23"/>
+          </p:nvPr>
+        </p:nvSpPr>
+        <p:spPr/>
+        <p:txBody>
+          <a:bodyPr/>
+          <a:lstStyle/>
+          <a:p>
+            <a:endParaRPr lang="en-US"/>
+          </a:p>
+        </p:txBody>
+      </p:sp>
+      <p:sp>
+        <p:nvSpPr>
+          <p:cNvPr id="21" name="Textplatzhalter 20"/>
+          <p:cNvSpPr>
+            <a:spLocks noGrp="1"/>
+          </p:cNvSpPr>
+          <p:nvPr>
+            <p:ph type="body" sz="quarter" idx="24"/>
+          </p:nvPr>
+        </p:nvSpPr>
+        <p:spPr/>
+        <p:txBody>
+          <a:bodyPr/>
+          <a:lstStyle/>
+          <a:p>
+            <a:endParaRPr lang="en-US"/>
+          </a:p>
+        </p:txBody>
+      </p:sp>
+    </p:spTree>
+    <p:extLst>
+      <p:ext uri="{BB962C8B-B14F-4D97-AF65-F5344CB8AC3E}">
+        <p14:creationId xmlns:p14="http://schemas.microsoft.com/office/powerpoint/2010/main" val="3721104785"/>
+      </p:ext>
+    </p:extLst>
+  </p:cSld>
+  <p:clrMapOvr>
+    <a:masterClrMapping/>
+  </p:clrMapOvr>
+  <mc:AlternateContent xmlns:mc="http://schemas.openxmlformats.org/markup-compatibility/2006" xmlns:p14="http://schemas.microsoft.com/office/powerpoint/2010/main">
+    <mc:Choice Requires="p14">
+      <p:transition spd="med" p14:dur="700">
+        <p:fade/>
+      </p:transition>
+    </mc:Choice>
+    <mc:Fallback xmlns="">
+      <p:transition spd="med">
+        <p:fade/>
+      </p:transition>
+    </mc:Fallback>
+  </mc:AlternateContent>
+</p:sld>
+</file>
+
+<file path=ppt/slides/slide20.xml><?xml version="1.0" encoding="utf-8"?>
+<p:sld xmlns:a="http://schemas.openxmlformats.org/drawingml/2006/main" xmlns:r="http://schemas.openxmlformats.org/officeDocument/2006/relationships" xmlns:p="http://schemas.openxmlformats.org/presentationml/2006/main">
+  <p:cSld>
+    <p:spTree>
+      <p:nvGrpSpPr>
+        <p:cNvPr id="1" name=""/>
+        <p:cNvGrpSpPr/>
+        <p:nvPr/>
+      </p:nvGrpSpPr>
+      <p:grpSpPr>
+        <a:xfrm>
+          <a:off x="0" y="0"/>
+          <a:ext cx="0" cy="0"/>
+          <a:chOff x="0" y="0"/>
+          <a:chExt cx="0" cy="0"/>
+        </a:xfrm>
+      </p:grpSpPr>
+      <p:sp>
+        <p:nvSpPr>
+          <p:cNvPr id="4" name="Title 3"/>
+          <p:cNvSpPr>
+            <a:spLocks noGrp="1"/>
+          </p:cNvSpPr>
+          <p:nvPr>
+            <p:ph type="title"/>
+          </p:nvPr>
+        </p:nvSpPr>
+        <p:spPr/>
+        <p:txBody>
+          <a:bodyPr/>
+          <a:lstStyle/>
+          <a:p>
+            <a:r>
+              <a:rPr lang="en-US" dirty="0"/>
+              <a:t>Containers</a:t>
+            </a:r>
+          </a:p>
+        </p:txBody>
+      </p:sp>
+      <p:sp>
+        <p:nvSpPr>
+          <p:cNvPr id="5" name="Content Placeholder 4"/>
+          <p:cNvSpPr>
+            <a:spLocks noGrp="1"/>
+          </p:cNvSpPr>
+          <p:nvPr>
+            <p:ph sz="quarter" idx="12"/>
+          </p:nvPr>
+        </p:nvSpPr>
+        <p:spPr/>
+        <p:txBody>
+          <a:bodyPr/>
+          <a:lstStyle/>
+          <a:p>
+            <a:r>
+              <a:rPr lang="en-US" dirty="0"/>
+              <a:t>Launched from images</a:t>
+            </a:r>
+          </a:p>
+          <a:p>
+            <a:pPr lvl="1"/>
+            <a:r>
+              <a:rPr lang="en-US" dirty="0"/>
+              <a:t>Layered, copy-on-write</a:t>
+            </a:r>
+          </a:p>
+          <a:p>
+            <a:pPr lvl="1"/>
+            <a:r>
+              <a:rPr lang="en-US" dirty="0"/>
+              <a:t>Will be covered in details later</a:t>
+            </a:r>
+          </a:p>
+          <a:p>
+            <a:r>
+              <a:rPr lang="en-US" dirty="0"/>
+              <a:t>Contain one or more processes</a:t>
+            </a:r>
+          </a:p>
+          <a:p>
+            <a:r>
+              <a:rPr lang="en-US" dirty="0"/>
+              <a:t>Can be short-lived</a:t>
+            </a:r>
+          </a:p>
+          <a:p>
+            <a:pPr lvl="1"/>
+            <a:r>
+              <a:rPr lang="en-US" dirty="0"/>
+              <a:t>Sometimes even to run jus a single command</a:t>
+            </a:r>
+          </a:p>
+          <a:p>
+            <a:r>
+              <a:rPr lang="en-US" dirty="0"/>
+              <a:t>Shared via registries</a:t>
+            </a:r>
+          </a:p>
+          <a:p>
+            <a:pPr lvl="1"/>
+            <a:r>
+              <a:rPr lang="en-US" dirty="0"/>
+              <a:t>Docker Hub (private and public repositories)</a:t>
+            </a:r>
+          </a:p>
+          <a:p>
+            <a:pPr lvl="1"/>
+            <a:r>
+              <a:rPr lang="en-US" dirty="0"/>
+              <a:t>Run your own private registry (</a:t>
+            </a:r>
+            <a:r>
+              <a:rPr lang="en-US" dirty="0">
+                <a:latin typeface="Courier New" panose="02070309020205020404" pitchFamily="49" charset="0"/>
+                <a:cs typeface="Courier New" panose="02070309020205020404" pitchFamily="49" charset="0"/>
+              </a:rPr>
+              <a:t>registry </a:t>
+            </a:r>
+            <a:r>
+              <a:rPr lang="en-US" dirty="0"/>
+              <a:t>image on Docker Hub)</a:t>
+            </a:r>
+          </a:p>
+          <a:p>
+            <a:endParaRPr lang="en-US" dirty="0"/>
+          </a:p>
+        </p:txBody>
+      </p:sp>
+      <p:sp>
+        <p:nvSpPr>
+          <p:cNvPr id="6" name="Text Placeholder 5"/>
+          <p:cNvSpPr>
+            <a:spLocks noGrp="1"/>
+          </p:cNvSpPr>
+          <p:nvPr>
+            <p:ph type="body" sz="quarter" idx="23"/>
+          </p:nvPr>
+        </p:nvSpPr>
+        <p:spPr/>
+        <p:txBody>
+          <a:bodyPr/>
+          <a:lstStyle/>
+          <a:p>
+            <a:endParaRPr lang="en-US" dirty="0"/>
+          </a:p>
+        </p:txBody>
+      </p:sp>
+    </p:spTree>
+    <p:extLst>
+      <p:ext uri="{BB962C8B-B14F-4D97-AF65-F5344CB8AC3E}">
+        <p14:creationId xmlns:p14="http://schemas.microsoft.com/office/powerpoint/2010/main" val="504077091"/>
+      </p:ext>
+    </p:extLst>
+  </p:cSld>
+  <p:clrMapOvr>
+    <a:masterClrMapping/>
+  </p:clrMapOvr>
+  <p:transition spd="slow">
+    <p:push/>
+  </p:transition>
+</p:sld>
+</file>
+
+<file path=ppt/slides/slide21.xml><?xml version="1.0" encoding="utf-8"?>
 <p:sld xmlns:a="http://schemas.openxmlformats.org/drawingml/2006/main" xmlns:r="http://schemas.openxmlformats.org/officeDocument/2006/relationships" xmlns:p="http://schemas.openxmlformats.org/presentationml/2006/main">
   <p:cSld>
     <p:spTree>
@@ -31360,7 +32093,7 @@
 </p:sld>
 </file>
 
-<file path=ppt/slides/slide19.xml><?xml version="1.0" encoding="utf-8"?>
+<file path=ppt/slides/slide22.xml><?xml version="1.0" encoding="utf-8"?>
 <p:sld xmlns:a="http://schemas.openxmlformats.org/drawingml/2006/main" xmlns:r="http://schemas.openxmlformats.org/officeDocument/2006/relationships" xmlns:p="http://schemas.openxmlformats.org/presentationml/2006/main">
   <p:cSld>
     <p:spTree>
@@ -32568,219 +33301,7 @@
 </p:sld>
 </file>
 
-<file path=ppt/slides/slide2.xml><?xml version="1.0" encoding="utf-8"?>
-<p:sld xmlns:a="http://schemas.openxmlformats.org/drawingml/2006/main" xmlns:r="http://schemas.openxmlformats.org/officeDocument/2006/relationships" xmlns:p="http://schemas.openxmlformats.org/presentationml/2006/main" showMasterPhAnim="0">
-  <p:cSld>
-    <p:spTree>
-      <p:nvGrpSpPr>
-        <p:cNvPr id="1" name=""/>
-        <p:cNvGrpSpPr/>
-        <p:nvPr/>
-      </p:nvGrpSpPr>
-      <p:grpSpPr>
-        <a:xfrm>
-          <a:off x="0" y="0"/>
-          <a:ext cx="0" cy="0"/>
-          <a:chOff x="0" y="0"/>
-          <a:chExt cx="0" cy="0"/>
-        </a:xfrm>
-      </p:grpSpPr>
-      <p:sp>
-        <p:nvSpPr>
-          <p:cNvPr id="2" name="Titel 1"/>
-          <p:cNvSpPr>
-            <a:spLocks noGrp="1"/>
-          </p:cNvSpPr>
-          <p:nvPr>
-            <p:ph type="title"/>
-          </p:nvPr>
-        </p:nvSpPr>
-        <p:spPr/>
-        <p:txBody>
-          <a:bodyPr/>
-          <a:lstStyle/>
-          <a:p>
-            <a:r>
-              <a:rPr lang="en-US" dirty="0"/>
-              <a:t>Your Host</a:t>
-            </a:r>
-          </a:p>
-        </p:txBody>
-      </p:sp>
-      <p:sp>
-        <p:nvSpPr>
-          <p:cNvPr id="3" name="Inhaltsplatzhalter 2"/>
-          <p:cNvSpPr>
-            <a:spLocks noGrp="1"/>
-          </p:cNvSpPr>
-          <p:nvPr>
-            <p:ph sz="quarter" idx="12"/>
-          </p:nvPr>
-        </p:nvSpPr>
-        <p:spPr/>
-        <p:txBody>
-          <a:bodyPr/>
-          <a:lstStyle/>
-          <a:p>
-            <a:r>
-              <a:rPr lang="en-US" dirty="0"/>
-              <a:t>Rainer Stropek</a:t>
-            </a:r>
-          </a:p>
-          <a:p>
-            <a:pPr lvl="1"/>
-            <a:r>
-              <a:rPr lang="en-US" dirty="0"/>
-              <a:t>Developer, Entrepreneur</a:t>
-            </a:r>
-          </a:p>
-          <a:p>
-            <a:pPr lvl="1"/>
-            <a:r>
-              <a:rPr lang="en-US" dirty="0"/>
-              <a:t>Azure MVP, MS Regional Director</a:t>
-            </a:r>
-          </a:p>
-          <a:p>
-            <a:pPr lvl="1"/>
-            <a:r>
-              <a:rPr lang="en-US" dirty="0"/>
-              <a:t>IT-Visions</a:t>
-            </a:r>
-          </a:p>
-          <a:p>
-            <a:r>
-              <a:rPr lang="en-US" dirty="0"/>
-              <a:t>Contact</a:t>
-            </a:r>
-          </a:p>
-          <a:p>
-            <a:pPr lvl="1"/>
-            <a:r>
-              <a:rPr lang="en-US" dirty="0"/>
-              <a:t>software architects </a:t>
-            </a:r>
-            <a:r>
-              <a:rPr lang="en-US" dirty="0" err="1"/>
-              <a:t>gmbh</a:t>
-            </a:r>
-            <a:br>
-              <a:rPr lang="en-US" dirty="0"/>
-            </a:br>
-            <a:r>
-              <a:rPr lang="en-US" dirty="0">
-                <a:hlinkClick r:id="rId2"/>
-              </a:rPr>
-              <a:t>rainer@timecockpit.com</a:t>
-            </a:r>
-            <a:br>
-              <a:rPr lang="en-US" dirty="0"/>
-            </a:br>
-            <a:r>
-              <a:rPr lang="en-US" dirty="0"/>
-              <a:t>Twitter: @</a:t>
-            </a:r>
-            <a:r>
-              <a:rPr lang="en-US" dirty="0" err="1"/>
-              <a:t>rstropek</a:t>
-            </a:r>
-            <a:endParaRPr lang="en-US" dirty="0"/>
-          </a:p>
-        </p:txBody>
-      </p:sp>
-      <p:pic>
-        <p:nvPicPr>
-          <p:cNvPr id="16" name="Inhaltsplatzhalter 15"/>
-          <p:cNvPicPr>
-            <a:picLocks noGrp="1" noChangeAspect="1"/>
-          </p:cNvPicPr>
-          <p:nvPr>
-            <p:ph sz="quarter" idx="13"/>
-          </p:nvPr>
-        </p:nvPicPr>
-        <p:blipFill>
-          <a:blip r:embed="rId3" cstate="email">
-            <a:extLst>
-              <a:ext uri="{28A0092B-C50C-407E-A947-70E740481C1C}">
-                <a14:useLocalDpi xmlns:a14="http://schemas.microsoft.com/office/drawing/2010/main" val="0"/>
-              </a:ext>
-            </a:extLst>
-          </a:blip>
-          <a:stretch>
-            <a:fillRect/>
-          </a:stretch>
-        </p:blipFill>
-        <p:spPr>
-          <a:xfrm>
-            <a:off x="5076131" y="1275607"/>
-            <a:ext cx="3240285" cy="2160190"/>
-          </a:xfrm>
-        </p:spPr>
-      </p:pic>
-      <p:sp>
-        <p:nvSpPr>
-          <p:cNvPr id="20" name="Textplatzhalter 19"/>
-          <p:cNvSpPr>
-            <a:spLocks noGrp="1"/>
-          </p:cNvSpPr>
-          <p:nvPr>
-            <p:ph type="body" sz="quarter" idx="23"/>
-          </p:nvPr>
-        </p:nvSpPr>
-        <p:spPr/>
-        <p:txBody>
-          <a:bodyPr/>
-          <a:lstStyle/>
-          <a:p>
-            <a:endParaRPr lang="en-US"/>
-          </a:p>
-        </p:txBody>
-      </p:sp>
-      <p:sp>
-        <p:nvSpPr>
-          <p:cNvPr id="21" name="Textplatzhalter 20"/>
-          <p:cNvSpPr>
-            <a:spLocks noGrp="1"/>
-          </p:cNvSpPr>
-          <p:nvPr>
-            <p:ph type="body" sz="quarter" idx="24"/>
-          </p:nvPr>
-        </p:nvSpPr>
-        <p:spPr/>
-        <p:txBody>
-          <a:bodyPr/>
-          <a:lstStyle/>
-          <a:p>
-            <a:endParaRPr lang="en-US"/>
-          </a:p>
-        </p:txBody>
-      </p:sp>
-    </p:spTree>
-    <p:extLst>
-      <p:ext uri="{BB962C8B-B14F-4D97-AF65-F5344CB8AC3E}">
-        <p14:creationId xmlns:p14="http://schemas.microsoft.com/office/powerpoint/2010/main" val="3721104785"/>
-      </p:ext>
-    </p:extLst>
-  </p:cSld>
-  <p:clrMapOvr>
-    <a:masterClrMapping/>
-  </p:clrMapOvr>
-  <mc:AlternateContent xmlns:mc="http://schemas.openxmlformats.org/markup-compatibility/2006" xmlns:p14="http://schemas.microsoft.com/office/powerpoint/2010/main">
-    <mc:Choice Requires="p14">
-      <p:transition spd="med" p14:dur="700">
-        <p:fade/>
-      </p:transition>
-    </mc:Choice>
-    <mc:Fallback xmlns="">
-      <p:transition spd="med">
-        <p:fade/>
-      </p:transition>
-    </mc:Fallback>
-  </mc:AlternateContent>
-</p:sld>
-</file>
-
-<file path=ppt/slides/slide20.xml><?xml version="1.0" encoding="utf-8"?>
+<file path=ppt/slides/slide23.xml><?xml version="1.0" encoding="utf-8"?>
 <p:sld xmlns:a="http://schemas.openxmlformats.org/drawingml/2006/main" xmlns:r="http://schemas.openxmlformats.org/officeDocument/2006/relationships" xmlns:p="http://schemas.openxmlformats.org/presentationml/2006/main" show="0">
   <p:cSld>
     <p:spTree>
@@ -33037,7 +33558,7 @@
 </p:sld>
 </file>
 
-<file path=ppt/slides/slide21.xml><?xml version="1.0" encoding="utf-8"?>
+<file path=ppt/slides/slide24.xml><?xml version="1.0" encoding="utf-8"?>
 <p:sld xmlns:a="http://schemas.openxmlformats.org/drawingml/2006/main" xmlns:r="http://schemas.openxmlformats.org/officeDocument/2006/relationships" xmlns:p="http://schemas.openxmlformats.org/presentationml/2006/main" show="0">
   <p:cSld>
     <p:spTree>
@@ -33301,7 +33822,7 @@
 </p:sld>
 </file>
 
-<file path=ppt/slides/slide22.xml><?xml version="1.0" encoding="utf-8"?>
+<file path=ppt/slides/slide25.xml><?xml version="1.0" encoding="utf-8"?>
 <p:sld xmlns:a="http://schemas.openxmlformats.org/drawingml/2006/main" xmlns:r="http://schemas.openxmlformats.org/officeDocument/2006/relationships" xmlns:p="http://schemas.openxmlformats.org/presentationml/2006/main">
   <p:cSld>
     <p:spTree>
@@ -33460,7 +33981,7 @@
 </p:sld>
 </file>
 
-<file path=ppt/slides/slide23.xml><?xml version="1.0" encoding="utf-8"?>
+<file path=ppt/slides/slide26.xml><?xml version="1.0" encoding="utf-8"?>
 <p:sld xmlns:a="http://schemas.openxmlformats.org/drawingml/2006/main" xmlns:r="http://schemas.openxmlformats.org/officeDocument/2006/relationships" xmlns:p="http://schemas.openxmlformats.org/presentationml/2006/main">
   <p:cSld>
     <p:spTree>
@@ -33546,7 +34067,7 @@
 </p:sld>
 </file>
 
-<file path=ppt/slides/slide24.xml><?xml version="1.0" encoding="utf-8"?>
+<file path=ppt/slides/slide27.xml><?xml version="1.0" encoding="utf-8"?>
 <p:sld xmlns:a="http://schemas.openxmlformats.org/drawingml/2006/main" xmlns:r="http://schemas.openxmlformats.org/officeDocument/2006/relationships" xmlns:p="http://schemas.openxmlformats.org/presentationml/2006/main">
   <p:cSld>
     <p:spTree>
@@ -33818,7 +34339,7 @@
 </p:sld>
 </file>
 
-<file path=ppt/slides/slide25.xml><?xml version="1.0" encoding="utf-8"?>
+<file path=ppt/slides/slide28.xml><?xml version="1.0" encoding="utf-8"?>
 <p:sld xmlns:a="http://schemas.openxmlformats.org/drawingml/2006/main" xmlns:r="http://schemas.openxmlformats.org/officeDocument/2006/relationships" xmlns:p="http://schemas.openxmlformats.org/presentationml/2006/main">
   <p:cSld>
     <p:spTree>
@@ -34660,7 +35181,7 @@
 </p:sld>
 </file>
 
-<file path=ppt/slides/slide26.xml><?xml version="1.0" encoding="utf-8"?>
+<file path=ppt/slides/slide29.xml><?xml version="1.0" encoding="utf-8"?>
 <p:sld xmlns:a="http://schemas.openxmlformats.org/drawingml/2006/main" xmlns:r="http://schemas.openxmlformats.org/officeDocument/2006/relationships" xmlns:p="http://schemas.openxmlformats.org/presentationml/2006/main">
   <p:cSld>
     <p:spTree>
@@ -35229,7 +35750,93 @@
 </p:sld>
 </file>
 
-<file path=ppt/slides/slide27.xml><?xml version="1.0" encoding="utf-8"?>
+<file path=ppt/slides/slide3.xml><?xml version="1.0" encoding="utf-8"?>
+<p:sld xmlns:a="http://schemas.openxmlformats.org/drawingml/2006/main" xmlns:r="http://schemas.openxmlformats.org/officeDocument/2006/relationships" xmlns:p="http://schemas.openxmlformats.org/presentationml/2006/main">
+  <p:cSld>
+    <p:spTree>
+      <p:nvGrpSpPr>
+        <p:cNvPr id="1" name=""/>
+        <p:cNvGrpSpPr/>
+        <p:nvPr/>
+      </p:nvGrpSpPr>
+      <p:grpSpPr>
+        <a:xfrm>
+          <a:off x="0" y="0"/>
+          <a:ext cx="0" cy="0"/>
+          <a:chOff x="0" y="0"/>
+          <a:chExt cx="0" cy="0"/>
+        </a:xfrm>
+      </p:grpSpPr>
+      <p:sp>
+        <p:nvSpPr>
+          <p:cNvPr id="2" name="Title 1"/>
+          <p:cNvSpPr>
+            <a:spLocks noGrp="1"/>
+          </p:cNvSpPr>
+          <p:nvPr>
+            <p:ph type="title"/>
+          </p:nvPr>
+        </p:nvSpPr>
+        <p:spPr/>
+        <p:txBody>
+          <a:bodyPr/>
+          <a:lstStyle/>
+          <a:p>
+            <a:r>
+              <a:rPr lang="en-US" dirty="0"/>
+              <a:t>What is Docker?</a:t>
+            </a:r>
+          </a:p>
+        </p:txBody>
+      </p:sp>
+      <p:sp>
+        <p:nvSpPr>
+          <p:cNvPr id="3" name="Text Placeholder 2"/>
+          <p:cNvSpPr>
+            <a:spLocks noGrp="1"/>
+          </p:cNvSpPr>
+          <p:nvPr>
+            <p:ph type="body" sz="quarter" idx="25"/>
+          </p:nvPr>
+        </p:nvSpPr>
+        <p:spPr/>
+        <p:txBody>
+          <a:bodyPr/>
+          <a:lstStyle/>
+          <a:p>
+            <a:r>
+              <a:rPr lang="en-US" dirty="0"/>
+              <a:t>Introduction</a:t>
+            </a:r>
+          </a:p>
+        </p:txBody>
+      </p:sp>
+    </p:spTree>
+    <p:extLst>
+      <p:ext uri="{BB962C8B-B14F-4D97-AF65-F5344CB8AC3E}">
+        <p14:creationId xmlns:p14="http://schemas.microsoft.com/office/powerpoint/2010/main" val="157276080"/>
+      </p:ext>
+    </p:extLst>
+  </p:cSld>
+  <p:clrMapOvr>
+    <a:masterClrMapping/>
+  </p:clrMapOvr>
+  <mc:AlternateContent xmlns:mc="http://schemas.openxmlformats.org/markup-compatibility/2006" xmlns:p14="http://schemas.microsoft.com/office/powerpoint/2010/main">
+    <mc:Choice Requires="p14">
+      <p:transition spd="med" p14:dur="700">
+        <p:fade/>
+      </p:transition>
+    </mc:Choice>
+    <mc:Fallback xmlns="">
+      <p:transition spd="med">
+        <p:fade/>
+      </p:transition>
+    </mc:Fallback>
+  </mc:AlternateContent>
+</p:sld>
+</file>
+
+<file path=ppt/slides/slide30.xml><?xml version="1.0" encoding="utf-8"?>
 <p:sld xmlns:a="http://schemas.openxmlformats.org/drawingml/2006/main" xmlns:r="http://schemas.openxmlformats.org/officeDocument/2006/relationships" xmlns:p="http://schemas.openxmlformats.org/presentationml/2006/main">
   <p:cSld>
     <p:spTree>
@@ -35944,7 +36551,7 @@
 </p:sld>
 </file>
 
-<file path=ppt/slides/slide28.xml><?xml version="1.0" encoding="utf-8"?>
+<file path=ppt/slides/slide31.xml><?xml version="1.0" encoding="utf-8"?>
 <p:sld xmlns:a="http://schemas.openxmlformats.org/drawingml/2006/main" xmlns:r="http://schemas.openxmlformats.org/officeDocument/2006/relationships" xmlns:p="http://schemas.openxmlformats.org/presentationml/2006/main">
   <p:cSld>
     <p:spTree>
@@ -36148,7 +36755,7 @@
 </p:sld>
 </file>
 
-<file path=ppt/slides/slide29.xml><?xml version="1.0" encoding="utf-8"?>
+<file path=ppt/slides/slide32.xml><?xml version="1.0" encoding="utf-8"?>
 <p:sld xmlns:a="http://schemas.openxmlformats.org/drawingml/2006/main" xmlns:r="http://schemas.openxmlformats.org/officeDocument/2006/relationships" xmlns:p="http://schemas.openxmlformats.org/presentationml/2006/main" show="0">
   <p:cSld>
     <p:spTree>
@@ -36614,93 +37221,7 @@
 </p:sld>
 </file>
 
-<file path=ppt/slides/slide3.xml><?xml version="1.0" encoding="utf-8"?>
-<p:sld xmlns:a="http://schemas.openxmlformats.org/drawingml/2006/main" xmlns:r="http://schemas.openxmlformats.org/officeDocument/2006/relationships" xmlns:p="http://schemas.openxmlformats.org/presentationml/2006/main">
-  <p:cSld>
-    <p:spTree>
-      <p:nvGrpSpPr>
-        <p:cNvPr id="1" name=""/>
-        <p:cNvGrpSpPr/>
-        <p:nvPr/>
-      </p:nvGrpSpPr>
-      <p:grpSpPr>
-        <a:xfrm>
-          <a:off x="0" y="0"/>
-          <a:ext cx="0" cy="0"/>
-          <a:chOff x="0" y="0"/>
-          <a:chExt cx="0" cy="0"/>
-        </a:xfrm>
-      </p:grpSpPr>
-      <p:sp>
-        <p:nvSpPr>
-          <p:cNvPr id="2" name="Title 1"/>
-          <p:cNvSpPr>
-            <a:spLocks noGrp="1"/>
-          </p:cNvSpPr>
-          <p:nvPr>
-            <p:ph type="title"/>
-          </p:nvPr>
-        </p:nvSpPr>
-        <p:spPr/>
-        <p:txBody>
-          <a:bodyPr/>
-          <a:lstStyle/>
-          <a:p>
-            <a:r>
-              <a:rPr lang="en-US" dirty="0"/>
-              <a:t>What is Docker?</a:t>
-            </a:r>
-          </a:p>
-        </p:txBody>
-      </p:sp>
-      <p:sp>
-        <p:nvSpPr>
-          <p:cNvPr id="3" name="Text Placeholder 2"/>
-          <p:cNvSpPr>
-            <a:spLocks noGrp="1"/>
-          </p:cNvSpPr>
-          <p:nvPr>
-            <p:ph type="body" sz="quarter" idx="25"/>
-          </p:nvPr>
-        </p:nvSpPr>
-        <p:spPr/>
-        <p:txBody>
-          <a:bodyPr/>
-          <a:lstStyle/>
-          <a:p>
-            <a:r>
-              <a:rPr lang="en-US" dirty="0"/>
-              <a:t>Introduction</a:t>
-            </a:r>
-          </a:p>
-        </p:txBody>
-      </p:sp>
-    </p:spTree>
-    <p:extLst>
-      <p:ext uri="{BB962C8B-B14F-4D97-AF65-F5344CB8AC3E}">
-        <p14:creationId xmlns:p14="http://schemas.microsoft.com/office/powerpoint/2010/main" val="157276080"/>
-      </p:ext>
-    </p:extLst>
-  </p:cSld>
-  <p:clrMapOvr>
-    <a:masterClrMapping/>
-  </p:clrMapOvr>
-  <mc:AlternateContent xmlns:mc="http://schemas.openxmlformats.org/markup-compatibility/2006" xmlns:p14="http://schemas.microsoft.com/office/powerpoint/2010/main">
-    <mc:Choice Requires="p14">
-      <p:transition spd="med" p14:dur="700">
-        <p:fade/>
-      </p:transition>
-    </mc:Choice>
-    <mc:Fallback xmlns="">
-      <p:transition spd="med">
-        <p:fade/>
-      </p:transition>
-    </mc:Fallback>
-  </mc:AlternateContent>
-</p:sld>
-</file>
-
-<file path=ppt/slides/slide30.xml><?xml version="1.0" encoding="utf-8"?>
+<file path=ppt/slides/slide33.xml><?xml version="1.0" encoding="utf-8"?>
 <p:sld xmlns:a="http://schemas.openxmlformats.org/drawingml/2006/main" xmlns:r="http://schemas.openxmlformats.org/officeDocument/2006/relationships" xmlns:p="http://schemas.openxmlformats.org/presentationml/2006/main" show="0">
   <p:cSld>
     <p:spTree>
@@ -37145,7 +37666,7 @@
 </p:sld>
 </file>
 
-<file path=ppt/slides/slide31.xml><?xml version="1.0" encoding="utf-8"?>
+<file path=ppt/slides/slide34.xml><?xml version="1.0" encoding="utf-8"?>
 <p:sld xmlns:a="http://schemas.openxmlformats.org/drawingml/2006/main" xmlns:r="http://schemas.openxmlformats.org/officeDocument/2006/relationships" xmlns:p="http://schemas.openxmlformats.org/presentationml/2006/main">
   <p:cSld>
     <p:spTree>
@@ -37231,7 +37752,7 @@
 </p:sld>
 </file>
 
-<file path=ppt/slides/slide32.xml><?xml version="1.0" encoding="utf-8"?>
+<file path=ppt/slides/slide35.xml><?xml version="1.0" encoding="utf-8"?>
 <p:sld xmlns:a="http://schemas.openxmlformats.org/drawingml/2006/main" xmlns:r="http://schemas.openxmlformats.org/officeDocument/2006/relationships" xmlns:p="http://schemas.openxmlformats.org/presentationml/2006/main">
   <p:cSld>
     <p:spTree>
@@ -37450,7 +37971,7 @@
 </p:sld>
 </file>
 
-<file path=ppt/slides/slide33.xml><?xml version="1.0" encoding="utf-8"?>
+<file path=ppt/slides/slide36.xml><?xml version="1.0" encoding="utf-8"?>
 <p:sld xmlns:a="http://schemas.openxmlformats.org/drawingml/2006/main" xmlns:r="http://schemas.openxmlformats.org/officeDocument/2006/relationships" xmlns:p="http://schemas.openxmlformats.org/presentationml/2006/main">
   <p:cSld>
     <p:spTree>
@@ -37866,7 +38387,7 @@
 </p:sld>
 </file>
 
-<file path=ppt/slides/slide34.xml><?xml version="1.0" encoding="utf-8"?>
+<file path=ppt/slides/slide37.xml><?xml version="1.0" encoding="utf-8"?>
 <p:sld xmlns:a="http://schemas.openxmlformats.org/drawingml/2006/main" xmlns:r="http://schemas.openxmlformats.org/officeDocument/2006/relationships" xmlns:p="http://schemas.openxmlformats.org/presentationml/2006/main">
   <p:cSld>
     <p:spTree>
@@ -38101,7 +38622,7 @@
 </p:sld>
 </file>
 
-<file path=ppt/slides/slide35.xml><?xml version="1.0" encoding="utf-8"?>
+<file path=ppt/slides/slide38.xml><?xml version="1.0" encoding="utf-8"?>
 <p:sld xmlns:a="http://schemas.openxmlformats.org/drawingml/2006/main" xmlns:r="http://schemas.openxmlformats.org/officeDocument/2006/relationships" xmlns:p="http://schemas.openxmlformats.org/presentationml/2006/main">
   <p:cSld>
     <p:spTree>
@@ -38858,7 +39379,7 @@
 </p:sld>
 </file>
 
-<file path=ppt/slides/slide36.xml><?xml version="1.0" encoding="utf-8"?>
+<file path=ppt/slides/slide39.xml><?xml version="1.0" encoding="utf-8"?>
 <p:sld xmlns:a="http://schemas.openxmlformats.org/drawingml/2006/main" xmlns:r="http://schemas.openxmlformats.org/officeDocument/2006/relationships" xmlns:p="http://schemas.openxmlformats.org/presentationml/2006/main" show="0">
   <p:cSld>
     <p:spTree>
@@ -39155,7 +39676,421 @@
 </p:sld>
 </file>
 
-<file path=ppt/slides/slide37.xml><?xml version="1.0" encoding="utf-8"?>
+<file path=ppt/slides/slide4.xml><?xml version="1.0" encoding="utf-8"?>
+<p:sld xmlns:a="http://schemas.openxmlformats.org/drawingml/2006/main" xmlns:r="http://schemas.openxmlformats.org/officeDocument/2006/relationships" xmlns:p="http://schemas.openxmlformats.org/presentationml/2006/main" showMasterPhAnim="0">
+  <p:cSld>
+    <p:spTree>
+      <p:nvGrpSpPr>
+        <p:cNvPr id="1" name=""/>
+        <p:cNvGrpSpPr/>
+        <p:nvPr/>
+      </p:nvGrpSpPr>
+      <p:grpSpPr>
+        <a:xfrm>
+          <a:off x="0" y="0"/>
+          <a:ext cx="0" cy="0"/>
+          <a:chOff x="0" y="0"/>
+          <a:chExt cx="0" cy="0"/>
+        </a:xfrm>
+      </p:grpSpPr>
+      <p:pic>
+        <p:nvPicPr>
+          <p:cNvPr id="1026" name="Picture 2" descr="Docker Diagram"/>
+          <p:cNvPicPr>
+            <a:picLocks noChangeAspect="1" noChangeArrowheads="1"/>
+          </p:cNvPicPr>
+          <p:nvPr/>
+        </p:nvPicPr>
+        <p:blipFill>
+          <a:blip r:embed="rId2" cstate="email">
+            <a:extLst>
+              <a:ext uri="{28A0092B-C50C-407E-A947-70E740481C1C}">
+                <a14:useLocalDpi xmlns:a14="http://schemas.microsoft.com/office/drawing/2010/main" val="0"/>
+              </a:ext>
+            </a:extLst>
+          </a:blip>
+          <a:srcRect/>
+          <a:stretch>
+            <a:fillRect/>
+          </a:stretch>
+        </p:blipFill>
+        <p:spPr bwMode="auto">
+          <a:xfrm>
+            <a:off x="830816" y="328622"/>
+            <a:ext cx="1737926" cy="1906816"/>
+          </a:xfrm>
+          <a:prstGeom prst="rect">
+            <a:avLst/>
+          </a:prstGeom>
+          <a:noFill/>
+          <a:extLst>
+            <a:ext uri="{909E8E84-426E-40DD-AFC4-6F175D3DCCD1}">
+              <a14:hiddenFill xmlns:a14="http://schemas.microsoft.com/office/drawing/2010/main">
+                <a:solidFill>
+                  <a:srgbClr val="FFFFFF"/>
+                </a:solidFill>
+              </a14:hiddenFill>
+            </a:ext>
+          </a:extLst>
+        </p:spPr>
+      </p:pic>
+      <p:sp>
+        <p:nvSpPr>
+          <p:cNvPr id="2" name="Titel 1"/>
+          <p:cNvSpPr>
+            <a:spLocks noGrp="1"/>
+          </p:cNvSpPr>
+          <p:nvPr>
+            <p:ph type="title"/>
+          </p:nvPr>
+        </p:nvSpPr>
+        <p:spPr/>
+        <p:txBody>
+          <a:bodyPr/>
+          <a:lstStyle/>
+          <a:p>
+            <a:r>
+              <a:rPr lang="en-US" dirty="0"/>
+              <a:t>What is Docker?</a:t>
+            </a:r>
+          </a:p>
+        </p:txBody>
+      </p:sp>
+      <p:sp>
+        <p:nvSpPr>
+          <p:cNvPr id="4" name="Textplatzhalter 3"/>
+          <p:cNvSpPr>
+            <a:spLocks noGrp="1"/>
+          </p:cNvSpPr>
+          <p:nvPr>
+            <p:ph type="body" sz="quarter" idx="23"/>
+          </p:nvPr>
+        </p:nvSpPr>
+        <p:spPr/>
+        <p:txBody>
+          <a:bodyPr/>
+          <a:lstStyle/>
+          <a:p>
+            <a:r>
+              <a:rPr lang="en-US" dirty="0"/>
+              <a:t>Virtual machines vs. Docker</a:t>
+            </a:r>
+          </a:p>
+        </p:txBody>
+      </p:sp>
+      <p:sp>
+        <p:nvSpPr>
+          <p:cNvPr id="5" name="Textplatzhalter 4"/>
+          <p:cNvSpPr>
+            <a:spLocks noGrp="1"/>
+          </p:cNvSpPr>
+          <p:nvPr>
+            <p:ph type="body" sz="quarter" idx="24"/>
+          </p:nvPr>
+        </p:nvSpPr>
+        <p:spPr/>
+        <p:txBody>
+          <a:bodyPr/>
+          <a:lstStyle/>
+          <a:p>
+            <a:r>
+              <a:rPr lang="en-US" dirty="0"/>
+              <a:t>Each VM runs its own guest operating system</a:t>
+            </a:r>
+          </a:p>
+          <a:p>
+            <a:r>
+              <a:rPr lang="en-US" dirty="0"/>
+              <a:t>Container reuse the host operating system</a:t>
+            </a:r>
+          </a:p>
+          <a:p>
+            <a:pPr lvl="1"/>
+            <a:r>
+              <a:rPr lang="en-US" dirty="0"/>
+              <a:t>Container run in user space</a:t>
+            </a:r>
+          </a:p>
+          <a:p>
+            <a:r>
+              <a:rPr lang="en-US" u="sng" dirty="0"/>
+              <a:t>Not</a:t>
+            </a:r>
+            <a:r>
+              <a:rPr lang="en-US" dirty="0"/>
+              <a:t> a total replacement of classical hypervisors or </a:t>
+            </a:r>
+            <a:r>
+              <a:rPr lang="en-US" dirty="0" err="1"/>
+              <a:t>config</a:t>
+            </a:r>
+            <a:r>
+              <a:rPr lang="en-US" dirty="0"/>
+              <a:t> management tools</a:t>
+            </a:r>
+          </a:p>
+        </p:txBody>
+      </p:sp>
+      <p:sp>
+        <p:nvSpPr>
+          <p:cNvPr id="6" name="Textplatzhalter 5"/>
+          <p:cNvSpPr>
+            <a:spLocks noGrp="1"/>
+          </p:cNvSpPr>
+          <p:nvPr>
+            <p:ph type="body" sz="quarter" idx="25"/>
+          </p:nvPr>
+        </p:nvSpPr>
+        <p:spPr/>
+        <p:txBody>
+          <a:bodyPr/>
+          <a:lstStyle/>
+          <a:p>
+            <a:r>
+              <a:rPr lang="en-US" dirty="0"/>
+              <a:t>Image Source:</a:t>
+            </a:r>
+            <a:br>
+              <a:rPr lang="en-US" dirty="0"/>
+            </a:br>
+            <a:r>
+              <a:rPr lang="en-US" dirty="0">
+                <a:hlinkClick r:id="rId3"/>
+              </a:rPr>
+              <a:t>https://www.docker.com/whatisdocker/</a:t>
+            </a:r>
+            <a:endParaRPr lang="en-US" dirty="0"/>
+          </a:p>
+        </p:txBody>
+      </p:sp>
+      <p:sp>
+        <p:nvSpPr>
+          <p:cNvPr id="8" name="Textfeld 7"/>
+          <p:cNvSpPr txBox="1"/>
+          <p:nvPr/>
+        </p:nvSpPr>
+        <p:spPr>
+          <a:xfrm>
+            <a:off x="3050313" y="665445"/>
+            <a:ext cx="1879297" cy="369332"/>
+          </a:xfrm>
+          <a:prstGeom prst="rect">
+            <a:avLst/>
+          </a:prstGeom>
+          <a:noFill/>
+        </p:spPr>
+        <p:txBody>
+          <a:bodyPr wrap="none" rtlCol="0">
+            <a:spAutoFit/>
+          </a:bodyPr>
+          <a:lstStyle/>
+          <a:p>
+            <a:pPr defTabSz="914400" fontAlgn="auto">
+              <a:spcBef>
+                <a:spcPts val="0"/>
+              </a:spcBef>
+              <a:spcAft>
+                <a:spcPts val="0"/>
+              </a:spcAft>
+              <a:buClrTx/>
+              <a:buSzTx/>
+              <a:buFontTx/>
+              <a:buNone/>
+            </a:pPr>
+            <a:r>
+              <a:rPr lang="en-US" dirty="0">
+                <a:solidFill>
+                  <a:srgbClr val="595959"/>
+                </a:solidFill>
+                <a:latin typeface="Segoe UI"/>
+                <a:ea typeface="+mn-ea"/>
+              </a:rPr>
+              <a:t>Virtual Machines</a:t>
+            </a:r>
+          </a:p>
+        </p:txBody>
+      </p:sp>
+      <p:sp>
+        <p:nvSpPr>
+          <p:cNvPr id="9" name="Textfeld 8"/>
+          <p:cNvSpPr txBox="1"/>
+          <p:nvPr/>
+        </p:nvSpPr>
+        <p:spPr>
+          <a:xfrm>
+            <a:off x="2959767" y="2977916"/>
+            <a:ext cx="1951368" cy="369332"/>
+          </a:xfrm>
+          <a:prstGeom prst="rect">
+            <a:avLst/>
+          </a:prstGeom>
+          <a:noFill/>
+        </p:spPr>
+        <p:txBody>
+          <a:bodyPr wrap="none" rtlCol="0">
+            <a:spAutoFit/>
+          </a:bodyPr>
+          <a:lstStyle/>
+          <a:p>
+            <a:pPr defTabSz="914400" fontAlgn="auto">
+              <a:spcBef>
+                <a:spcPts val="0"/>
+              </a:spcBef>
+              <a:spcAft>
+                <a:spcPts val="0"/>
+              </a:spcAft>
+              <a:buClrTx/>
+              <a:buSzTx/>
+              <a:buFontTx/>
+              <a:buNone/>
+            </a:pPr>
+            <a:r>
+              <a:rPr lang="en-US" dirty="0">
+                <a:solidFill>
+                  <a:srgbClr val="595959"/>
+                </a:solidFill>
+                <a:latin typeface="Segoe UI"/>
+                <a:ea typeface="+mn-ea"/>
+              </a:rPr>
+              <a:t>Docker Container</a:t>
+            </a:r>
+          </a:p>
+        </p:txBody>
+      </p:sp>
+      <p:pic>
+        <p:nvPicPr>
+          <p:cNvPr id="1028" name="Picture 4" descr="Virtual Machine Diagram"/>
+          <p:cNvPicPr>
+            <a:picLocks noChangeAspect="1" noChangeArrowheads="1"/>
+          </p:cNvPicPr>
+          <p:nvPr/>
+        </p:nvPicPr>
+        <p:blipFill>
+          <a:blip r:embed="rId4" cstate="email">
+            <a:extLst>
+              <a:ext uri="{28A0092B-C50C-407E-A947-70E740481C1C}">
+                <a14:useLocalDpi xmlns:a14="http://schemas.microsoft.com/office/drawing/2010/main" val="0"/>
+              </a:ext>
+            </a:extLst>
+          </a:blip>
+          <a:srcRect/>
+          <a:stretch>
+            <a:fillRect/>
+          </a:stretch>
+        </p:blipFill>
+        <p:spPr bwMode="auto">
+          <a:xfrm>
+            <a:off x="827053" y="2967795"/>
+            <a:ext cx="1741689" cy="1233924"/>
+          </a:xfrm>
+          <a:prstGeom prst="rect">
+            <a:avLst/>
+          </a:prstGeom>
+          <a:noFill/>
+          <a:extLst>
+            <a:ext uri="{909E8E84-426E-40DD-AFC4-6F175D3DCCD1}">
+              <a14:hiddenFill xmlns:a14="http://schemas.microsoft.com/office/drawing/2010/main">
+                <a:solidFill>
+                  <a:srgbClr val="FFFFFF"/>
+                </a:solidFill>
+              </a14:hiddenFill>
+            </a:ext>
+          </a:extLst>
+        </p:spPr>
+      </p:pic>
+      <p:sp>
+        <p:nvSpPr>
+          <p:cNvPr id="12" name="Geschweifte Klammer rechts 11"/>
+          <p:cNvSpPr/>
+          <p:nvPr/>
+        </p:nvSpPr>
+        <p:spPr>
+          <a:xfrm>
+            <a:off x="2731802" y="328622"/>
+            <a:ext cx="227965" cy="1042978"/>
+          </a:xfrm>
+          <a:prstGeom prst="rightBrace">
+            <a:avLst/>
+          </a:prstGeom>
+        </p:spPr>
+        <p:style>
+          <a:lnRef idx="3">
+            <a:schemeClr val="accent5"/>
+          </a:lnRef>
+          <a:fillRef idx="0">
+            <a:schemeClr val="accent5"/>
+          </a:fillRef>
+          <a:effectRef idx="2">
+            <a:schemeClr val="accent5"/>
+          </a:effectRef>
+          <a:fontRef idx="minor">
+            <a:schemeClr val="tx1"/>
+          </a:fontRef>
+        </p:style>
+        <p:txBody>
+          <a:bodyPr rtlCol="0" anchor="ctr"/>
+          <a:lstStyle/>
+          <a:p>
+            <a:pPr algn="ctr"/>
+            <a:endParaRPr lang="de-AT"/>
+          </a:p>
+        </p:txBody>
+      </p:sp>
+      <p:sp>
+        <p:nvSpPr>
+          <p:cNvPr id="15" name="Geschweifte Klammer rechts 14"/>
+          <p:cNvSpPr/>
+          <p:nvPr/>
+        </p:nvSpPr>
+        <p:spPr>
+          <a:xfrm>
+            <a:off x="2784465" y="2967794"/>
+            <a:ext cx="122637" cy="391021"/>
+          </a:xfrm>
+          <a:prstGeom prst="rightBrace">
+            <a:avLst/>
+          </a:prstGeom>
+        </p:spPr>
+        <p:style>
+          <a:lnRef idx="3">
+            <a:schemeClr val="accent5"/>
+          </a:lnRef>
+          <a:fillRef idx="0">
+            <a:schemeClr val="accent5"/>
+          </a:fillRef>
+          <a:effectRef idx="2">
+            <a:schemeClr val="accent5"/>
+          </a:effectRef>
+          <a:fontRef idx="minor">
+            <a:schemeClr val="tx1"/>
+          </a:fontRef>
+        </p:style>
+        <p:txBody>
+          <a:bodyPr rtlCol="0" anchor="ctr"/>
+          <a:lstStyle/>
+          <a:p>
+            <a:pPr algn="ctr"/>
+            <a:endParaRPr lang="de-AT"/>
+          </a:p>
+        </p:txBody>
+      </p:sp>
+    </p:spTree>
+    <p:extLst>
+      <p:ext uri="{BB962C8B-B14F-4D97-AF65-F5344CB8AC3E}">
+        <p14:creationId xmlns:p14="http://schemas.microsoft.com/office/powerpoint/2010/main" val="3095502645"/>
+      </p:ext>
+    </p:extLst>
+  </p:cSld>
+  <p:clrMapOvr>
+    <a:masterClrMapping/>
+  </p:clrMapOvr>
+  <p:transition spd="slow">
+    <p:push/>
+  </p:transition>
+</p:sld>
+</file>
+
+<file path=ppt/slides/slide40.xml><?xml version="1.0" encoding="utf-8"?>
 <p:sld xmlns:a="http://schemas.openxmlformats.org/drawingml/2006/main" xmlns:r="http://schemas.openxmlformats.org/officeDocument/2006/relationships" xmlns:p="http://schemas.openxmlformats.org/presentationml/2006/main">
   <p:cSld>
     <p:spTree>
@@ -39242,7 +40177,7 @@
 </p:sld>
 </file>
 
-<file path=ppt/slides/slide38.xml><?xml version="1.0" encoding="utf-8"?>
+<file path=ppt/slides/slide41.xml><?xml version="1.0" encoding="utf-8"?>
 <p:sld xmlns:a="http://schemas.openxmlformats.org/drawingml/2006/main" xmlns:r="http://schemas.openxmlformats.org/officeDocument/2006/relationships" xmlns:p="http://schemas.openxmlformats.org/presentationml/2006/main">
   <p:cSld>
     <p:spTree>
@@ -40117,7 +41052,7 @@
 </p:sld>
 </file>
 
-<file path=ppt/slides/slide39.xml><?xml version="1.0" encoding="utf-8"?>
+<file path=ppt/slides/slide42.xml><?xml version="1.0" encoding="utf-8"?>
 <p:sld xmlns:a="http://schemas.openxmlformats.org/drawingml/2006/main" xmlns:r="http://schemas.openxmlformats.org/officeDocument/2006/relationships" xmlns:p="http://schemas.openxmlformats.org/presentationml/2006/main">
   <p:cSld>
     <p:spTree>
@@ -40590,406 +41525,7 @@
 </p:sld>
 </file>
 
-<file path=ppt/slides/slide4.xml><?xml version="1.0" encoding="utf-8"?>
-<p:sld xmlns:a="http://schemas.openxmlformats.org/drawingml/2006/main" xmlns:r="http://schemas.openxmlformats.org/officeDocument/2006/relationships" xmlns:p="http://schemas.openxmlformats.org/presentationml/2006/main" showMasterPhAnim="0">
-  <p:cSld>
-    <p:spTree>
-      <p:nvGrpSpPr>
-        <p:cNvPr id="1" name=""/>
-        <p:cNvGrpSpPr/>
-        <p:nvPr/>
-      </p:nvGrpSpPr>
-      <p:grpSpPr>
-        <a:xfrm>
-          <a:off x="0" y="0"/>
-          <a:ext cx="0" cy="0"/>
-          <a:chOff x="0" y="0"/>
-          <a:chExt cx="0" cy="0"/>
-        </a:xfrm>
-      </p:grpSpPr>
-      <p:pic>
-        <p:nvPicPr>
-          <p:cNvPr id="1026" name="Picture 2" descr="Docker Diagram"/>
-          <p:cNvPicPr>
-            <a:picLocks noChangeAspect="1" noChangeArrowheads="1"/>
-          </p:cNvPicPr>
-          <p:nvPr/>
-        </p:nvPicPr>
-        <p:blipFill>
-          <a:blip r:embed="rId2" cstate="email">
-            <a:extLst>
-              <a:ext uri="{28A0092B-C50C-407E-A947-70E740481C1C}">
-                <a14:useLocalDpi xmlns:a14="http://schemas.microsoft.com/office/drawing/2010/main" val="0"/>
-              </a:ext>
-            </a:extLst>
-          </a:blip>
-          <a:srcRect/>
-          <a:stretch>
-            <a:fillRect/>
-          </a:stretch>
-        </p:blipFill>
-        <p:spPr bwMode="auto">
-          <a:xfrm>
-            <a:off x="830816" y="328622"/>
-            <a:ext cx="1737926" cy="1906816"/>
-          </a:xfrm>
-          <a:prstGeom prst="rect">
-            <a:avLst/>
-          </a:prstGeom>
-          <a:noFill/>
-          <a:extLst>
-            <a:ext uri="{909E8E84-426E-40DD-AFC4-6F175D3DCCD1}">
-              <a14:hiddenFill xmlns:a14="http://schemas.microsoft.com/office/drawing/2010/main">
-                <a:solidFill>
-                  <a:srgbClr val="FFFFFF"/>
-                </a:solidFill>
-              </a14:hiddenFill>
-            </a:ext>
-          </a:extLst>
-        </p:spPr>
-      </p:pic>
-      <p:sp>
-        <p:nvSpPr>
-          <p:cNvPr id="2" name="Titel 1"/>
-          <p:cNvSpPr>
-            <a:spLocks noGrp="1"/>
-          </p:cNvSpPr>
-          <p:nvPr>
-            <p:ph type="title"/>
-          </p:nvPr>
-        </p:nvSpPr>
-        <p:spPr/>
-        <p:txBody>
-          <a:bodyPr/>
-          <a:lstStyle/>
-          <a:p>
-            <a:r>
-              <a:rPr lang="en-US" dirty="0"/>
-              <a:t>What is Docker?</a:t>
-            </a:r>
-          </a:p>
-        </p:txBody>
-      </p:sp>
-      <p:sp>
-        <p:nvSpPr>
-          <p:cNvPr id="4" name="Textplatzhalter 3"/>
-          <p:cNvSpPr>
-            <a:spLocks noGrp="1"/>
-          </p:cNvSpPr>
-          <p:nvPr>
-            <p:ph type="body" sz="quarter" idx="23"/>
-          </p:nvPr>
-        </p:nvSpPr>
-        <p:spPr/>
-        <p:txBody>
-          <a:bodyPr/>
-          <a:lstStyle/>
-          <a:p>
-            <a:r>
-              <a:rPr lang="en-US" dirty="0"/>
-              <a:t>Virtual machines vs. Docker</a:t>
-            </a:r>
-          </a:p>
-        </p:txBody>
-      </p:sp>
-      <p:sp>
-        <p:nvSpPr>
-          <p:cNvPr id="5" name="Textplatzhalter 4"/>
-          <p:cNvSpPr>
-            <a:spLocks noGrp="1"/>
-          </p:cNvSpPr>
-          <p:nvPr>
-            <p:ph type="body" sz="quarter" idx="24"/>
-          </p:nvPr>
-        </p:nvSpPr>
-        <p:spPr/>
-        <p:txBody>
-          <a:bodyPr/>
-          <a:lstStyle/>
-          <a:p>
-            <a:r>
-              <a:rPr lang="en-US" dirty="0"/>
-              <a:t>Each VM runs its own guest operating system</a:t>
-            </a:r>
-          </a:p>
-          <a:p>
-            <a:r>
-              <a:rPr lang="en-US" dirty="0"/>
-              <a:t>Container reuse the host operating system</a:t>
-            </a:r>
-          </a:p>
-          <a:p>
-            <a:pPr lvl="1"/>
-            <a:r>
-              <a:rPr lang="en-US" dirty="0"/>
-              <a:t>Container run in user space</a:t>
-            </a:r>
-          </a:p>
-          <a:p>
-            <a:endParaRPr lang="en-US" dirty="0"/>
-          </a:p>
-        </p:txBody>
-      </p:sp>
-      <p:sp>
-        <p:nvSpPr>
-          <p:cNvPr id="6" name="Textplatzhalter 5"/>
-          <p:cNvSpPr>
-            <a:spLocks noGrp="1"/>
-          </p:cNvSpPr>
-          <p:nvPr>
-            <p:ph type="body" sz="quarter" idx="25"/>
-          </p:nvPr>
-        </p:nvSpPr>
-        <p:spPr/>
-        <p:txBody>
-          <a:bodyPr/>
-          <a:lstStyle/>
-          <a:p>
-            <a:r>
-              <a:rPr lang="en-US" dirty="0"/>
-              <a:t>Image Source:</a:t>
-            </a:r>
-            <a:br>
-              <a:rPr lang="en-US" dirty="0"/>
-            </a:br>
-            <a:r>
-              <a:rPr lang="en-US" dirty="0">
-                <a:hlinkClick r:id="rId3"/>
-              </a:rPr>
-              <a:t>https://www.docker.com/whatisdocker/</a:t>
-            </a:r>
-            <a:endParaRPr lang="en-US" dirty="0"/>
-          </a:p>
-        </p:txBody>
-      </p:sp>
-      <p:sp>
-        <p:nvSpPr>
-          <p:cNvPr id="8" name="Textfeld 7"/>
-          <p:cNvSpPr txBox="1"/>
-          <p:nvPr/>
-        </p:nvSpPr>
-        <p:spPr>
-          <a:xfrm>
-            <a:off x="3050313" y="665445"/>
-            <a:ext cx="1879297" cy="369332"/>
-          </a:xfrm>
-          <a:prstGeom prst="rect">
-            <a:avLst/>
-          </a:prstGeom>
-          <a:noFill/>
-        </p:spPr>
-        <p:txBody>
-          <a:bodyPr wrap="none" rtlCol="0">
-            <a:spAutoFit/>
-          </a:bodyPr>
-          <a:lstStyle/>
-          <a:p>
-            <a:pPr defTabSz="914400" fontAlgn="auto">
-              <a:spcBef>
-                <a:spcPts val="0"/>
-              </a:spcBef>
-              <a:spcAft>
-                <a:spcPts val="0"/>
-              </a:spcAft>
-              <a:buClrTx/>
-              <a:buSzTx/>
-              <a:buFontTx/>
-              <a:buNone/>
-            </a:pPr>
-            <a:r>
-              <a:rPr lang="en-US" dirty="0">
-                <a:solidFill>
-                  <a:srgbClr val="595959"/>
-                </a:solidFill>
-                <a:latin typeface="Segoe UI"/>
-                <a:ea typeface="+mn-ea"/>
-              </a:rPr>
-              <a:t>Virtual Machines</a:t>
-            </a:r>
-          </a:p>
-        </p:txBody>
-      </p:sp>
-      <p:sp>
-        <p:nvSpPr>
-          <p:cNvPr id="9" name="Textfeld 8"/>
-          <p:cNvSpPr txBox="1"/>
-          <p:nvPr/>
-        </p:nvSpPr>
-        <p:spPr>
-          <a:xfrm>
-            <a:off x="2959767" y="2977916"/>
-            <a:ext cx="1951368" cy="369332"/>
-          </a:xfrm>
-          <a:prstGeom prst="rect">
-            <a:avLst/>
-          </a:prstGeom>
-          <a:noFill/>
-        </p:spPr>
-        <p:txBody>
-          <a:bodyPr wrap="none" rtlCol="0">
-            <a:spAutoFit/>
-          </a:bodyPr>
-          <a:lstStyle/>
-          <a:p>
-            <a:pPr defTabSz="914400" fontAlgn="auto">
-              <a:spcBef>
-                <a:spcPts val="0"/>
-              </a:spcBef>
-              <a:spcAft>
-                <a:spcPts val="0"/>
-              </a:spcAft>
-              <a:buClrTx/>
-              <a:buSzTx/>
-              <a:buFontTx/>
-              <a:buNone/>
-            </a:pPr>
-            <a:r>
-              <a:rPr lang="en-US" dirty="0">
-                <a:solidFill>
-                  <a:srgbClr val="595959"/>
-                </a:solidFill>
-                <a:latin typeface="Segoe UI"/>
-                <a:ea typeface="+mn-ea"/>
-              </a:rPr>
-              <a:t>Docker Container</a:t>
-            </a:r>
-          </a:p>
-        </p:txBody>
-      </p:sp>
-      <p:pic>
-        <p:nvPicPr>
-          <p:cNvPr id="1028" name="Picture 4" descr="Virtual Machine Diagram"/>
-          <p:cNvPicPr>
-            <a:picLocks noChangeAspect="1" noChangeArrowheads="1"/>
-          </p:cNvPicPr>
-          <p:nvPr/>
-        </p:nvPicPr>
-        <p:blipFill>
-          <a:blip r:embed="rId4" cstate="email">
-            <a:extLst>
-              <a:ext uri="{28A0092B-C50C-407E-A947-70E740481C1C}">
-                <a14:useLocalDpi xmlns:a14="http://schemas.microsoft.com/office/drawing/2010/main" val="0"/>
-              </a:ext>
-            </a:extLst>
-          </a:blip>
-          <a:srcRect/>
-          <a:stretch>
-            <a:fillRect/>
-          </a:stretch>
-        </p:blipFill>
-        <p:spPr bwMode="auto">
-          <a:xfrm>
-            <a:off x="827053" y="2967795"/>
-            <a:ext cx="1741689" cy="1233924"/>
-          </a:xfrm>
-          <a:prstGeom prst="rect">
-            <a:avLst/>
-          </a:prstGeom>
-          <a:noFill/>
-          <a:extLst>
-            <a:ext uri="{909E8E84-426E-40DD-AFC4-6F175D3DCCD1}">
-              <a14:hiddenFill xmlns:a14="http://schemas.microsoft.com/office/drawing/2010/main">
-                <a:solidFill>
-                  <a:srgbClr val="FFFFFF"/>
-                </a:solidFill>
-              </a14:hiddenFill>
-            </a:ext>
-          </a:extLst>
-        </p:spPr>
-      </p:pic>
-      <p:sp>
-        <p:nvSpPr>
-          <p:cNvPr id="12" name="Geschweifte Klammer rechts 11"/>
-          <p:cNvSpPr/>
-          <p:nvPr/>
-        </p:nvSpPr>
-        <p:spPr>
-          <a:xfrm>
-            <a:off x="2731802" y="328622"/>
-            <a:ext cx="227965" cy="1042978"/>
-          </a:xfrm>
-          <a:prstGeom prst="rightBrace">
-            <a:avLst/>
-          </a:prstGeom>
-        </p:spPr>
-        <p:style>
-          <a:lnRef idx="3">
-            <a:schemeClr val="accent5"/>
-          </a:lnRef>
-          <a:fillRef idx="0">
-            <a:schemeClr val="accent5"/>
-          </a:fillRef>
-          <a:effectRef idx="2">
-            <a:schemeClr val="accent5"/>
-          </a:effectRef>
-          <a:fontRef idx="minor">
-            <a:schemeClr val="tx1"/>
-          </a:fontRef>
-        </p:style>
-        <p:txBody>
-          <a:bodyPr rtlCol="0" anchor="ctr"/>
-          <a:lstStyle/>
-          <a:p>
-            <a:pPr algn="ctr"/>
-            <a:endParaRPr lang="de-AT"/>
-          </a:p>
-        </p:txBody>
-      </p:sp>
-      <p:sp>
-        <p:nvSpPr>
-          <p:cNvPr id="15" name="Geschweifte Klammer rechts 14"/>
-          <p:cNvSpPr/>
-          <p:nvPr/>
-        </p:nvSpPr>
-        <p:spPr>
-          <a:xfrm>
-            <a:off x="2784465" y="2967794"/>
-            <a:ext cx="122637" cy="391021"/>
-          </a:xfrm>
-          <a:prstGeom prst="rightBrace">
-            <a:avLst/>
-          </a:prstGeom>
-        </p:spPr>
-        <p:style>
-          <a:lnRef idx="3">
-            <a:schemeClr val="accent5"/>
-          </a:lnRef>
-          <a:fillRef idx="0">
-            <a:schemeClr val="accent5"/>
-          </a:fillRef>
-          <a:effectRef idx="2">
-            <a:schemeClr val="accent5"/>
-          </a:effectRef>
-          <a:fontRef idx="minor">
-            <a:schemeClr val="tx1"/>
-          </a:fontRef>
-        </p:style>
-        <p:txBody>
-          <a:bodyPr rtlCol="0" anchor="ctr"/>
-          <a:lstStyle/>
-          <a:p>
-            <a:pPr algn="ctr"/>
-            <a:endParaRPr lang="de-AT"/>
-          </a:p>
-        </p:txBody>
-      </p:sp>
-    </p:spTree>
-    <p:extLst>
-      <p:ext uri="{BB962C8B-B14F-4D97-AF65-F5344CB8AC3E}">
-        <p14:creationId xmlns:p14="http://schemas.microsoft.com/office/powerpoint/2010/main" val="3095502645"/>
-      </p:ext>
-    </p:extLst>
-  </p:cSld>
-  <p:clrMapOvr>
-    <a:masterClrMapping/>
-  </p:clrMapOvr>
-  <p:transition spd="slow">
-    <p:push/>
-  </p:transition>
-</p:sld>
-</file>
-
-<file path=ppt/slides/slide40.xml><?xml version="1.0" encoding="utf-8"?>
+<file path=ppt/slides/slide43.xml><?xml version="1.0" encoding="utf-8"?>
 <p:sld xmlns:a="http://schemas.openxmlformats.org/drawingml/2006/main" xmlns:r="http://schemas.openxmlformats.org/officeDocument/2006/relationships" xmlns:p="http://schemas.openxmlformats.org/presentationml/2006/main" show="0">
   <p:cSld>
     <p:spTree>
@@ -41295,7 +41831,7 @@
 </p:sld>
 </file>
 
-<file path=ppt/slides/slide41.xml><?xml version="1.0" encoding="utf-8"?>
+<file path=ppt/slides/slide44.xml><?xml version="1.0" encoding="utf-8"?>
 <p:sld xmlns:a="http://schemas.openxmlformats.org/drawingml/2006/main" xmlns:r="http://schemas.openxmlformats.org/officeDocument/2006/relationships" xmlns:p="http://schemas.openxmlformats.org/presentationml/2006/main" show="0">
   <p:cSld>
     <p:spTree>
@@ -41624,7 +42160,7 @@
 </p:sld>
 </file>
 
-<file path=ppt/slides/slide42.xml><?xml version="1.0" encoding="utf-8"?>
+<file path=ppt/slides/slide45.xml><?xml version="1.0" encoding="utf-8"?>
 <p:sld xmlns:a="http://schemas.openxmlformats.org/drawingml/2006/main" xmlns:r="http://schemas.openxmlformats.org/officeDocument/2006/relationships" xmlns:p="http://schemas.openxmlformats.org/presentationml/2006/main">
   <p:cSld>
     <p:spTree>
@@ -42464,7 +43000,7 @@
 </p:sld>
 </file>
 
-<file path=ppt/slides/slide43.xml><?xml version="1.0" encoding="utf-8"?>
+<file path=ppt/slides/slide46.xml><?xml version="1.0" encoding="utf-8"?>
 <p:sld xmlns:a="http://schemas.openxmlformats.org/drawingml/2006/main" xmlns:r="http://schemas.openxmlformats.org/officeDocument/2006/relationships" xmlns:p="http://schemas.openxmlformats.org/presentationml/2006/main">
   <p:cSld>
     <p:spTree>
@@ -42550,7 +43086,7 @@
 </p:sld>
 </file>
 
-<file path=ppt/slides/slide44.xml><?xml version="1.0" encoding="utf-8"?>
+<file path=ppt/slides/slide47.xml><?xml version="1.0" encoding="utf-8"?>
 <p:sld xmlns:a="http://schemas.openxmlformats.org/drawingml/2006/main" xmlns:r="http://schemas.openxmlformats.org/officeDocument/2006/relationships" xmlns:p="http://schemas.openxmlformats.org/presentationml/2006/main">
   <p:cSld>
     <p:spTree>
@@ -43211,7 +43747,7 @@
 </p:sld>
 </file>
 
-<file path=ppt/slides/slide45.xml><?xml version="1.0" encoding="utf-8"?>
+<file path=ppt/slides/slide48.xml><?xml version="1.0" encoding="utf-8"?>
 <p:sld xmlns:a="http://schemas.openxmlformats.org/drawingml/2006/main" xmlns:r="http://schemas.openxmlformats.org/officeDocument/2006/relationships" xmlns:p="http://schemas.openxmlformats.org/presentationml/2006/main" show="0">
   <p:cSld>
     <p:spTree>
@@ -43436,659 +43972,6 @@
     <p:extLst>
       <p:ext uri="{BB962C8B-B14F-4D97-AF65-F5344CB8AC3E}">
         <p14:creationId xmlns:p14="http://schemas.microsoft.com/office/powerpoint/2010/main" val="209221256"/>
-      </p:ext>
-    </p:extLst>
-  </p:cSld>
-  <p:clrMapOvr>
-    <a:masterClrMapping/>
-  </p:clrMapOvr>
-  <p:transition spd="slow">
-    <p:push/>
-  </p:transition>
-</p:sld>
-</file>
-
-<file path=ppt/slides/slide46.xml><?xml version="1.0" encoding="utf-8"?>
-<p:sld xmlns:a="http://schemas.openxmlformats.org/drawingml/2006/main" xmlns:r="http://schemas.openxmlformats.org/officeDocument/2006/relationships" xmlns:p="http://schemas.openxmlformats.org/presentationml/2006/main">
-  <p:cSld>
-    <p:spTree>
-      <p:nvGrpSpPr>
-        <p:cNvPr id="1" name=""/>
-        <p:cNvGrpSpPr/>
-        <p:nvPr/>
-      </p:nvGrpSpPr>
-      <p:grpSpPr>
-        <a:xfrm>
-          <a:off x="0" y="0"/>
-          <a:ext cx="0" cy="0"/>
-          <a:chOff x="0" y="0"/>
-          <a:chExt cx="0" cy="0"/>
-        </a:xfrm>
-      </p:grpSpPr>
-      <p:sp>
-        <p:nvSpPr>
-          <p:cNvPr id="2" name="Titel 1"/>
-          <p:cNvSpPr>
-            <a:spLocks noGrp="1"/>
-          </p:cNvSpPr>
-          <p:nvPr>
-            <p:ph type="title"/>
-          </p:nvPr>
-        </p:nvSpPr>
-        <p:spPr/>
-        <p:txBody>
-          <a:bodyPr/>
-          <a:lstStyle/>
-          <a:p>
-            <a:r>
-              <a:rPr lang="en-US" dirty="0"/>
-              <a:t>ASP.NET in Docker</a:t>
-            </a:r>
-          </a:p>
-        </p:txBody>
-      </p:sp>
-      <p:sp>
-        <p:nvSpPr>
-          <p:cNvPr id="3" name="Textplatzhalter 2"/>
-          <p:cNvSpPr>
-            <a:spLocks noGrp="1"/>
-          </p:cNvSpPr>
-          <p:nvPr>
-            <p:ph type="body" sz="quarter" idx="25"/>
-          </p:nvPr>
-        </p:nvSpPr>
-        <p:spPr/>
-        <p:txBody>
-          <a:bodyPr/>
-          <a:lstStyle/>
-          <a:p>
-            <a:r>
-              <a:rPr lang="en-US" dirty="0"/>
-              <a:t>Running ASP.NET in Docker</a:t>
-            </a:r>
-          </a:p>
-        </p:txBody>
-      </p:sp>
-    </p:spTree>
-    <p:extLst>
-      <p:ext uri="{BB962C8B-B14F-4D97-AF65-F5344CB8AC3E}">
-        <p14:creationId xmlns:p14="http://schemas.microsoft.com/office/powerpoint/2010/main" val="286049027"/>
-      </p:ext>
-    </p:extLst>
-  </p:cSld>
-  <p:clrMapOvr>
-    <a:masterClrMapping/>
-  </p:clrMapOvr>
-  <mc:AlternateContent xmlns:mc="http://schemas.openxmlformats.org/markup-compatibility/2006" xmlns:p14="http://schemas.microsoft.com/office/powerpoint/2010/main">
-    <mc:Choice Requires="p14">
-      <p:transition spd="med" p14:dur="700">
-        <p:fade/>
-      </p:transition>
-    </mc:Choice>
-    <mc:Fallback xmlns="">
-      <p:transition spd="med">
-        <p:fade/>
-      </p:transition>
-    </mc:Fallback>
-  </mc:AlternateContent>
-</p:sld>
-</file>
-
-<file path=ppt/slides/slide47.xml><?xml version="1.0" encoding="utf-8"?>
-<p:sld xmlns:a="http://schemas.openxmlformats.org/drawingml/2006/main" xmlns:r="http://schemas.openxmlformats.org/officeDocument/2006/relationships" xmlns:p="http://schemas.openxmlformats.org/presentationml/2006/main">
-  <p:cSld>
-    <p:spTree>
-      <p:nvGrpSpPr>
-        <p:cNvPr id="1" name=""/>
-        <p:cNvGrpSpPr/>
-        <p:nvPr/>
-      </p:nvGrpSpPr>
-      <p:grpSpPr>
-        <a:xfrm>
-          <a:off x="0" y="0"/>
-          <a:ext cx="0" cy="0"/>
-          <a:chOff x="0" y="0"/>
-          <a:chExt cx="0" cy="0"/>
-        </a:xfrm>
-      </p:grpSpPr>
-      <p:sp>
-        <p:nvSpPr>
-          <p:cNvPr id="2" name="Titel 1"/>
-          <p:cNvSpPr>
-            <a:spLocks noGrp="1"/>
-          </p:cNvSpPr>
-          <p:nvPr>
-            <p:ph type="title"/>
-          </p:nvPr>
-        </p:nvSpPr>
-        <p:spPr/>
-        <p:txBody>
-          <a:bodyPr/>
-          <a:lstStyle/>
-          <a:p>
-            <a:r>
-              <a:rPr lang="en-US" dirty="0"/>
-              <a:t>Simple ASP.NET</a:t>
-            </a:r>
-            <a:endParaRPr lang="de-AT" dirty="0"/>
-          </a:p>
-        </p:txBody>
-      </p:sp>
-      <p:sp>
-        <p:nvSpPr>
-          <p:cNvPr id="3" name="Inhaltsplatzhalter 2"/>
-          <p:cNvSpPr>
-            <a:spLocks noGrp="1"/>
-          </p:cNvSpPr>
-          <p:nvPr>
-            <p:ph sz="quarter" idx="22"/>
-          </p:nvPr>
-        </p:nvSpPr>
-        <p:spPr/>
-        <p:txBody>
-          <a:bodyPr/>
-          <a:lstStyle/>
-          <a:p>
-            <a:r>
-              <a:rPr lang="en-US" dirty="0"/>
-              <a:t>FROM </a:t>
-            </a:r>
-            <a:r>
-              <a:rPr lang="en-US" dirty="0" err="1"/>
-              <a:t>microsoft</a:t>
-            </a:r>
-            <a:r>
-              <a:rPr lang="en-US" dirty="0"/>
-              <a:t>/</a:t>
-            </a:r>
-            <a:r>
-              <a:rPr lang="en-US" dirty="0" err="1"/>
-              <a:t>aspnet</a:t>
-            </a:r>
-            <a:endParaRPr lang="en-US" dirty="0"/>
-          </a:p>
-          <a:p>
-            <a:endParaRPr lang="en-US" dirty="0"/>
-          </a:p>
-          <a:p>
-            <a:r>
-              <a:rPr lang="en-US" dirty="0"/>
-              <a:t>RUN apt-get install -y curl</a:t>
-            </a:r>
-          </a:p>
-          <a:p>
-            <a:r>
-              <a:rPr lang="en-US" dirty="0"/>
-              <a:t>RUN curl -</a:t>
-            </a:r>
-            <a:r>
-              <a:rPr lang="en-US" dirty="0" err="1"/>
-              <a:t>sL</a:t>
-            </a:r>
-            <a:r>
-              <a:rPr lang="en-US" dirty="0"/>
-              <a:t> https://deb.nodesource.com/setup_5.x | bash -</a:t>
-            </a:r>
-          </a:p>
-          <a:p>
-            <a:r>
-              <a:rPr lang="en-US" dirty="0"/>
-              <a:t>RUN apt-get install -y </a:t>
-            </a:r>
-            <a:r>
-              <a:rPr lang="en-US" dirty="0" err="1"/>
-              <a:t>nodejs</a:t>
-            </a:r>
-            <a:endParaRPr lang="en-US" dirty="0"/>
-          </a:p>
-          <a:p>
-            <a:endParaRPr lang="en-US" dirty="0"/>
-          </a:p>
-          <a:p>
-            <a:r>
-              <a:rPr lang="en-US" dirty="0"/>
-              <a:t>COPY ./my-web /</a:t>
-            </a:r>
-            <a:r>
-              <a:rPr lang="en-US" dirty="0" err="1"/>
-              <a:t>src</a:t>
-            </a:r>
-            <a:endParaRPr lang="en-US" dirty="0"/>
-          </a:p>
-          <a:p>
-            <a:endParaRPr lang="en-US" dirty="0"/>
-          </a:p>
-          <a:p>
-            <a:r>
-              <a:rPr lang="en-US" dirty="0"/>
-              <a:t>RUN cd /</a:t>
-            </a:r>
-            <a:r>
-              <a:rPr lang="en-US" dirty="0" err="1"/>
-              <a:t>src</a:t>
-            </a:r>
-            <a:r>
-              <a:rPr lang="en-US" dirty="0"/>
-              <a:t> &amp;&amp; </a:t>
-            </a:r>
-            <a:r>
-              <a:rPr lang="en-US" dirty="0" err="1"/>
-              <a:t>dnu</a:t>
-            </a:r>
-            <a:r>
-              <a:rPr lang="en-US" dirty="0"/>
-              <a:t> restore</a:t>
-            </a:r>
-          </a:p>
-          <a:p>
-            <a:endParaRPr lang="en-US" dirty="0"/>
-          </a:p>
-          <a:p>
-            <a:r>
-              <a:rPr lang="en-US" dirty="0"/>
-              <a:t>EXPOSE 5000</a:t>
-            </a:r>
-          </a:p>
-          <a:p>
-            <a:endParaRPr lang="en-US" dirty="0"/>
-          </a:p>
-          <a:p>
-            <a:r>
-              <a:rPr lang="en-US" dirty="0"/>
-              <a:t>WORKDIR /</a:t>
-            </a:r>
-            <a:r>
-              <a:rPr lang="en-US" dirty="0" err="1"/>
-              <a:t>src</a:t>
-            </a:r>
-            <a:endParaRPr lang="en-US" dirty="0"/>
-          </a:p>
-          <a:p>
-            <a:r>
-              <a:rPr lang="en-US" dirty="0"/>
-              <a:t>CMD ["</a:t>
-            </a:r>
-            <a:r>
-              <a:rPr lang="en-US" dirty="0" err="1"/>
-              <a:t>dnx</a:t>
-            </a:r>
-            <a:r>
-              <a:rPr lang="en-US" dirty="0"/>
-              <a:t>", "web"]</a:t>
-            </a:r>
-          </a:p>
-        </p:txBody>
-      </p:sp>
-      <p:sp>
-        <p:nvSpPr>
-          <p:cNvPr id="4" name="Textplatzhalter 3"/>
-          <p:cNvSpPr>
-            <a:spLocks noGrp="1"/>
-          </p:cNvSpPr>
-          <p:nvPr>
-            <p:ph type="body" sz="quarter" idx="23"/>
-          </p:nvPr>
-        </p:nvSpPr>
-        <p:spPr/>
-        <p:txBody>
-          <a:bodyPr/>
-          <a:lstStyle/>
-          <a:p>
-            <a:r>
-              <a:rPr lang="en-US" dirty="0" err="1"/>
-              <a:t>Dockerfile</a:t>
-            </a:r>
-            <a:endParaRPr lang="de-AT" dirty="0"/>
-          </a:p>
-        </p:txBody>
-      </p:sp>
-      <p:sp>
-        <p:nvSpPr>
-          <p:cNvPr id="5" name="Textplatzhalter 4"/>
-          <p:cNvSpPr>
-            <a:spLocks noGrp="1"/>
-          </p:cNvSpPr>
-          <p:nvPr>
-            <p:ph type="body" sz="quarter" idx="24"/>
-          </p:nvPr>
-        </p:nvSpPr>
-        <p:spPr/>
-        <p:txBody>
-          <a:bodyPr/>
-          <a:lstStyle/>
-          <a:p>
-            <a:endParaRPr lang="de-AT"/>
-          </a:p>
-        </p:txBody>
-      </p:sp>
-      <p:sp>
-        <p:nvSpPr>
-          <p:cNvPr id="6" name="Textplatzhalter 5"/>
-          <p:cNvSpPr>
-            <a:spLocks noGrp="1"/>
-          </p:cNvSpPr>
-          <p:nvPr>
-            <p:ph type="body" sz="quarter" idx="25"/>
-          </p:nvPr>
-        </p:nvSpPr>
-        <p:spPr/>
-        <p:txBody>
-          <a:bodyPr/>
-          <a:lstStyle/>
-          <a:p>
-            <a:r>
-              <a:rPr lang="en-US" dirty="0"/>
-              <a:t>Sample files see </a:t>
-            </a:r>
-            <a:r>
-              <a:rPr lang="en-US" dirty="0">
-                <a:hlinkClick r:id="rId2"/>
-              </a:rPr>
-              <a:t>https://github.com/rstropek/DockerVS2015Intro/tree/master/dockerDemos/04-aspnet</a:t>
-            </a:r>
-            <a:r>
-              <a:rPr lang="en-US" dirty="0"/>
-              <a:t> </a:t>
-            </a:r>
-            <a:endParaRPr lang="de-AT" dirty="0"/>
-          </a:p>
-        </p:txBody>
-      </p:sp>
-    </p:spTree>
-    <p:extLst>
-      <p:ext uri="{BB962C8B-B14F-4D97-AF65-F5344CB8AC3E}">
-        <p14:creationId xmlns:p14="http://schemas.microsoft.com/office/powerpoint/2010/main" val="906093209"/>
-      </p:ext>
-    </p:extLst>
-  </p:cSld>
-  <p:clrMapOvr>
-    <a:masterClrMapping/>
-  </p:clrMapOvr>
-  <p:transition spd="slow">
-    <p:push/>
-  </p:transition>
-</p:sld>
-</file>
-
-<file path=ppt/slides/slide48.xml><?xml version="1.0" encoding="utf-8"?>
-<p:sld xmlns:a="http://schemas.openxmlformats.org/drawingml/2006/main" xmlns:r="http://schemas.openxmlformats.org/officeDocument/2006/relationships" xmlns:p="http://schemas.openxmlformats.org/presentationml/2006/main">
-  <p:cSld>
-    <p:spTree>
-      <p:nvGrpSpPr>
-        <p:cNvPr id="1" name=""/>
-        <p:cNvGrpSpPr/>
-        <p:nvPr/>
-      </p:nvGrpSpPr>
-      <p:grpSpPr>
-        <a:xfrm>
-          <a:off x="0" y="0"/>
-          <a:ext cx="0" cy="0"/>
-          <a:chOff x="0" y="0"/>
-          <a:chExt cx="0" cy="0"/>
-        </a:xfrm>
-      </p:grpSpPr>
-      <p:sp>
-        <p:nvSpPr>
-          <p:cNvPr id="2" name="Titel 1"/>
-          <p:cNvSpPr>
-            <a:spLocks noGrp="1"/>
-          </p:cNvSpPr>
-          <p:nvPr>
-            <p:ph type="title"/>
-          </p:nvPr>
-        </p:nvSpPr>
-        <p:spPr/>
-        <p:txBody>
-          <a:bodyPr/>
-          <a:lstStyle/>
-          <a:p>
-            <a:r>
-              <a:rPr lang="en-US" dirty="0"/>
-              <a:t>Simple ASP.NET</a:t>
-            </a:r>
-            <a:endParaRPr lang="de-AT" dirty="0"/>
-          </a:p>
-        </p:txBody>
-      </p:sp>
-      <p:sp>
-        <p:nvSpPr>
-          <p:cNvPr id="3" name="Inhaltsplatzhalter 2"/>
-          <p:cNvSpPr>
-            <a:spLocks noGrp="1"/>
-          </p:cNvSpPr>
-          <p:nvPr>
-            <p:ph sz="quarter" idx="22"/>
-          </p:nvPr>
-        </p:nvSpPr>
-        <p:spPr/>
-        <p:txBody>
-          <a:bodyPr/>
-          <a:lstStyle/>
-          <a:p>
-            <a:r>
-              <a:rPr lang="en-US" dirty="0"/>
-              <a:t># Generate an ASP.NET web app</a:t>
-            </a:r>
-          </a:p>
-          <a:p>
-            <a:r>
-              <a:rPr lang="en-US" dirty="0" err="1"/>
-              <a:t>yo</a:t>
-            </a:r>
-            <a:r>
-              <a:rPr lang="en-US" dirty="0"/>
-              <a:t> </a:t>
-            </a:r>
-            <a:r>
-              <a:rPr lang="en-US" dirty="0" err="1"/>
-              <a:t>aspnet</a:t>
-            </a:r>
-            <a:r>
-              <a:rPr lang="en-US" dirty="0"/>
-              <a:t> </a:t>
-            </a:r>
-            <a:r>
-              <a:rPr lang="en-US" dirty="0" err="1"/>
-              <a:t>webbasic</a:t>
-            </a:r>
-            <a:r>
-              <a:rPr lang="en-US" dirty="0"/>
-              <a:t> "my-web"</a:t>
-            </a:r>
-          </a:p>
-          <a:p>
-            <a:endParaRPr lang="en-US" dirty="0"/>
-          </a:p>
-          <a:p>
-            <a:r>
-              <a:rPr lang="en-US" dirty="0"/>
-              <a:t># Add “</a:t>
-            </a:r>
-            <a:r>
-              <a:rPr lang="de-AT" dirty="0"/>
-              <a:t>--</a:t>
-            </a:r>
-            <a:r>
-              <a:rPr lang="de-AT" dirty="0" err="1"/>
-              <a:t>server.urls</a:t>
-            </a:r>
-            <a:r>
-              <a:rPr lang="de-AT" dirty="0"/>
-              <a:t>=http://*:5000/“ </a:t>
-            </a:r>
-            <a:r>
-              <a:rPr lang="de-AT" dirty="0" err="1"/>
-              <a:t>to</a:t>
-            </a:r>
-            <a:r>
-              <a:rPr lang="de-AT" dirty="0"/>
-              <a:t> </a:t>
-            </a:r>
-            <a:r>
-              <a:rPr lang="de-AT" dirty="0" err="1"/>
-              <a:t>project.json</a:t>
-            </a:r>
-            <a:r>
-              <a:rPr lang="de-AT" dirty="0"/>
-              <a:t> so</a:t>
-            </a:r>
-          </a:p>
-          <a:p>
-            <a:r>
-              <a:rPr lang="en-US" dirty="0"/>
-              <a:t># that ASP.NET listens not only on localhost</a:t>
-            </a:r>
-          </a:p>
-          <a:p>
-            <a:endParaRPr lang="en-US" dirty="0"/>
-          </a:p>
-          <a:p>
-            <a:r>
-              <a:rPr lang="en-US" dirty="0"/>
-              <a:t># Build image with sample app</a:t>
-            </a:r>
-          </a:p>
-          <a:p>
-            <a:r>
-              <a:rPr lang="de-AT" dirty="0" err="1"/>
-              <a:t>docker</a:t>
-            </a:r>
-            <a:r>
-              <a:rPr lang="de-AT" dirty="0"/>
-              <a:t> </a:t>
-            </a:r>
-            <a:r>
-              <a:rPr lang="de-AT" dirty="0" err="1"/>
-              <a:t>build</a:t>
-            </a:r>
-            <a:r>
-              <a:rPr lang="de-AT" dirty="0"/>
-              <a:t> -t </a:t>
-            </a:r>
-            <a:r>
-              <a:rPr lang="de-AT" dirty="0" err="1"/>
-              <a:t>rainer:myweb</a:t>
-            </a:r>
-            <a:r>
-              <a:rPr lang="de-AT" dirty="0"/>
-              <a:t> .</a:t>
-            </a:r>
-          </a:p>
-          <a:p>
-            <a:endParaRPr lang="en-US" dirty="0"/>
-          </a:p>
-          <a:p>
-            <a:r>
-              <a:rPr lang="en-US" dirty="0"/>
-              <a:t># Run ASP.NET container</a:t>
-            </a:r>
-          </a:p>
-          <a:p>
-            <a:r>
-              <a:rPr lang="de-AT" dirty="0" err="1"/>
-              <a:t>docker</a:t>
-            </a:r>
-            <a:r>
-              <a:rPr lang="de-AT" dirty="0"/>
-              <a:t> </a:t>
-            </a:r>
-            <a:r>
-              <a:rPr lang="de-AT" dirty="0" err="1"/>
-              <a:t>run</a:t>
-            </a:r>
-            <a:r>
-              <a:rPr lang="de-AT" dirty="0"/>
-              <a:t> -d -p 80:5000 </a:t>
-            </a:r>
-            <a:r>
-              <a:rPr lang="de-AT" dirty="0" err="1"/>
-              <a:t>rainer:myweb</a:t>
-            </a:r>
-            <a:endParaRPr lang="de-AT" dirty="0"/>
-          </a:p>
-        </p:txBody>
-      </p:sp>
-      <p:sp>
-        <p:nvSpPr>
-          <p:cNvPr id="4" name="Textplatzhalter 3"/>
-          <p:cNvSpPr>
-            <a:spLocks noGrp="1"/>
-          </p:cNvSpPr>
-          <p:nvPr>
-            <p:ph type="body" sz="quarter" idx="23"/>
-          </p:nvPr>
-        </p:nvSpPr>
-        <p:spPr/>
-        <p:txBody>
-          <a:bodyPr/>
-          <a:lstStyle/>
-          <a:p>
-            <a:endParaRPr lang="de-AT"/>
-          </a:p>
-        </p:txBody>
-      </p:sp>
-      <p:sp>
-        <p:nvSpPr>
-          <p:cNvPr id="5" name="Textplatzhalter 4"/>
-          <p:cNvSpPr>
-            <a:spLocks noGrp="1"/>
-          </p:cNvSpPr>
-          <p:nvPr>
-            <p:ph type="body" sz="quarter" idx="24"/>
-          </p:nvPr>
-        </p:nvSpPr>
-        <p:spPr/>
-        <p:txBody>
-          <a:bodyPr/>
-          <a:lstStyle/>
-          <a:p>
-            <a:endParaRPr lang="de-AT"/>
-          </a:p>
-        </p:txBody>
-      </p:sp>
-      <p:sp>
-        <p:nvSpPr>
-          <p:cNvPr id="6" name="Textplatzhalter 5"/>
-          <p:cNvSpPr>
-            <a:spLocks noGrp="1"/>
-          </p:cNvSpPr>
-          <p:nvPr>
-            <p:ph type="body" sz="quarter" idx="25"/>
-          </p:nvPr>
-        </p:nvSpPr>
-        <p:spPr/>
-        <p:txBody>
-          <a:bodyPr/>
-          <a:lstStyle/>
-          <a:p>
-            <a:r>
-              <a:rPr lang="en-US" dirty="0"/>
-              <a:t>Sample files see </a:t>
-            </a:r>
-            <a:r>
-              <a:rPr lang="en-US" dirty="0">
-                <a:hlinkClick r:id="rId2"/>
-              </a:rPr>
-              <a:t>https://</a:t>
-            </a:r>
-            <a:r>
-              <a:rPr lang="en-US">
-                <a:hlinkClick r:id="rId2"/>
-              </a:rPr>
-              <a:t>github.com/rstropek/DockerVS2015Intro/tree/master/dockerDemos/04-aspnet</a:t>
-            </a:r>
-            <a:r>
-              <a:rPr lang="en-US"/>
-              <a:t> </a:t>
-            </a:r>
-            <a:endParaRPr lang="de-AT"/>
-          </a:p>
-        </p:txBody>
-      </p:sp>
-    </p:spTree>
-    <p:extLst>
-      <p:ext uri="{BB962C8B-B14F-4D97-AF65-F5344CB8AC3E}">
-        <p14:creationId xmlns:p14="http://schemas.microsoft.com/office/powerpoint/2010/main" val="3273169084"/>
       </p:ext>
     </p:extLst>
   </p:cSld>
@@ -44120,7 +44003,7 @@
       </p:grpSpPr>
       <p:sp>
         <p:nvSpPr>
-          <p:cNvPr id="4" name="Titel 3"/>
+          <p:cNvPr id="2" name="Titel 1"/>
           <p:cNvSpPr>
             <a:spLocks noGrp="1"/>
           </p:cNvSpPr>
@@ -44135,334 +44018,14 @@
           <a:p>
             <a:r>
               <a:rPr lang="en-US" dirty="0"/>
-              <a:t>Dockerfile</a:t>
+              <a:t>ASP.NET in Docker</a:t>
             </a:r>
           </a:p>
         </p:txBody>
       </p:sp>
       <p:sp>
         <p:nvSpPr>
-          <p:cNvPr id="5" name="Inhaltsplatzhalter 4"/>
-          <p:cNvSpPr>
-            <a:spLocks noGrp="1"/>
-          </p:cNvSpPr>
-          <p:nvPr>
-            <p:ph sz="quarter" idx="22"/>
-          </p:nvPr>
-        </p:nvSpPr>
-        <p:spPr/>
-        <p:txBody>
-          <a:bodyPr/>
-          <a:lstStyle/>
-          <a:p>
-            <a:r>
-              <a:rPr lang="en-US" dirty="0"/>
-              <a:t>FROM </a:t>
-            </a:r>
-            <a:r>
-              <a:rPr lang="en-US" dirty="0" err="1"/>
-              <a:t>microsoft</a:t>
-            </a:r>
-            <a:r>
-              <a:rPr lang="en-US" dirty="0"/>
-              <a:t>/</a:t>
-            </a:r>
-            <a:r>
-              <a:rPr lang="en-US" dirty="0" err="1"/>
-              <a:t>aspnet</a:t>
-            </a:r>
-            <a:endParaRPr lang="en-US" dirty="0"/>
-          </a:p>
-          <a:p>
-            <a:r>
-              <a:rPr lang="en-US" dirty="0"/>
-              <a:t>MAINTAINER Rainer Stropek "rainer@timecockpit.com"</a:t>
-            </a:r>
-          </a:p>
-          <a:p>
-            <a:r>
-              <a:rPr lang="en-US" dirty="0"/>
-              <a:t>ENV REFRESHED_AT 2015-01-02</a:t>
-            </a:r>
-          </a:p>
-          <a:p>
-            <a:endParaRPr lang="en-US" dirty="0"/>
-          </a:p>
-          <a:p>
-            <a:r>
-              <a:rPr lang="en-US" dirty="0"/>
-              <a:t>ENV SOURCE_DIR /app/</a:t>
-            </a:r>
-            <a:r>
-              <a:rPr lang="en-US" dirty="0" err="1"/>
-              <a:t>src</a:t>
-            </a:r>
-            <a:endParaRPr lang="en-US" dirty="0"/>
-          </a:p>
-          <a:p>
-            <a:endParaRPr lang="en-US" dirty="0"/>
-          </a:p>
-          <a:p>
-            <a:r>
-              <a:rPr lang="en-US" dirty="0"/>
-              <a:t>RUN </a:t>
-            </a:r>
-            <a:r>
-              <a:rPr lang="en-US" dirty="0" err="1"/>
-              <a:t>mkdir</a:t>
-            </a:r>
-            <a:r>
-              <a:rPr lang="en-US" dirty="0"/>
-              <a:t> -p $SOURCE_DIR</a:t>
-            </a:r>
-          </a:p>
-          <a:p>
-            <a:r>
-              <a:rPr lang="en-US" dirty="0"/>
-              <a:t>WORKDIR $SOURCE_DIR</a:t>
-            </a:r>
-          </a:p>
-          <a:p>
-            <a:endParaRPr lang="en-US" dirty="0"/>
-          </a:p>
-          <a:p>
-            <a:r>
-              <a:rPr lang="en-US" dirty="0"/>
-              <a:t>COPY refreshAndRunSample.sh $SOURCE_DIR/</a:t>
-            </a:r>
-          </a:p>
-          <a:p>
-            <a:r>
-              <a:rPr lang="en-US" dirty="0"/>
-              <a:t>RUN </a:t>
-            </a:r>
-            <a:r>
-              <a:rPr lang="en-US" dirty="0" err="1"/>
-              <a:t>chmod</a:t>
-            </a:r>
-            <a:r>
-              <a:rPr lang="en-US" dirty="0"/>
-              <a:t> </a:t>
-            </a:r>
-            <a:r>
-              <a:rPr lang="en-US" dirty="0" err="1"/>
-              <a:t>a+x</a:t>
-            </a:r>
-            <a:r>
-              <a:rPr lang="en-US" dirty="0"/>
-              <a:t> $SOURCE_DIR/refreshAndRunSample.sh</a:t>
-            </a:r>
-          </a:p>
-          <a:p>
-            <a:endParaRPr lang="en-US" dirty="0"/>
-          </a:p>
-          <a:p>
-            <a:r>
-              <a:rPr lang="en-US" dirty="0"/>
-              <a:t>RUN apt-get -</a:t>
-            </a:r>
-            <a:r>
-              <a:rPr lang="en-US" dirty="0" err="1"/>
-              <a:t>qqy</a:t>
-            </a:r>
-            <a:r>
-              <a:rPr lang="en-US" dirty="0"/>
-              <a:t> install </a:t>
-            </a:r>
-            <a:r>
-              <a:rPr lang="en-US" dirty="0" err="1"/>
-              <a:t>git</a:t>
-            </a:r>
-            <a:endParaRPr lang="en-US" dirty="0"/>
-          </a:p>
-          <a:p>
-            <a:r>
-              <a:rPr lang="en-US" dirty="0"/>
-              <a:t>RUN </a:t>
-            </a:r>
-            <a:r>
-              <a:rPr lang="en-US" dirty="0" err="1"/>
-              <a:t>git</a:t>
-            </a:r>
-            <a:r>
-              <a:rPr lang="en-US" dirty="0"/>
-              <a:t> </a:t>
-            </a:r>
-            <a:r>
-              <a:rPr lang="en-US" dirty="0" err="1"/>
-              <a:t>init</a:t>
-            </a:r>
-            <a:r>
-              <a:rPr lang="en-US" dirty="0"/>
-              <a:t> \</a:t>
-            </a:r>
-          </a:p>
-          <a:p>
-            <a:r>
-              <a:rPr lang="en-US" dirty="0"/>
-              <a:t> &amp;&amp; </a:t>
-            </a:r>
-            <a:r>
-              <a:rPr lang="en-US" dirty="0" err="1"/>
-              <a:t>git</a:t>
-            </a:r>
-            <a:r>
-              <a:rPr lang="en-US" dirty="0"/>
-              <a:t> pull https://github.com/aspnet/Home.git \</a:t>
-            </a:r>
-          </a:p>
-          <a:p>
-            <a:r>
-              <a:rPr lang="en-US" dirty="0"/>
-              <a:t> &amp;&amp; cd  samples/</a:t>
-            </a:r>
-            <a:r>
-              <a:rPr lang="en-US" dirty="0" err="1"/>
-              <a:t>HelloMvc</a:t>
-            </a:r>
-            <a:r>
-              <a:rPr lang="en-US" dirty="0"/>
-              <a:t>/ \</a:t>
-            </a:r>
-          </a:p>
-          <a:p>
-            <a:r>
-              <a:rPr lang="en-US" dirty="0"/>
-              <a:t> &amp;&amp; </a:t>
-            </a:r>
-            <a:r>
-              <a:rPr lang="en-US" dirty="0" err="1"/>
-              <a:t>kpm</a:t>
-            </a:r>
-            <a:r>
-              <a:rPr lang="en-US" dirty="0"/>
-              <a:t> restore</a:t>
-            </a:r>
-          </a:p>
-          <a:p>
-            <a:endParaRPr lang="en-US" dirty="0"/>
-          </a:p>
-          <a:p>
-            <a:r>
-              <a:rPr lang="en-US" dirty="0"/>
-              <a:t>ENTRYPOINT ["/app/</a:t>
-            </a:r>
-            <a:r>
-              <a:rPr lang="en-US" dirty="0" err="1"/>
-              <a:t>src</a:t>
-            </a:r>
-            <a:r>
-              <a:rPr lang="en-US" dirty="0"/>
-              <a:t>/refreshAndRunSample.sh"]</a:t>
-            </a:r>
-          </a:p>
-        </p:txBody>
-      </p:sp>
-      <p:sp>
-        <p:nvSpPr>
-          <p:cNvPr id="6" name="Textplatzhalter 5"/>
-          <p:cNvSpPr>
-            <a:spLocks noGrp="1"/>
-          </p:cNvSpPr>
-          <p:nvPr>
-            <p:ph type="body" sz="quarter" idx="23"/>
-          </p:nvPr>
-        </p:nvSpPr>
-        <p:spPr/>
-        <p:txBody>
-          <a:bodyPr/>
-          <a:lstStyle/>
-          <a:p>
-            <a:endParaRPr lang="en-US" dirty="0"/>
-          </a:p>
-        </p:txBody>
-      </p:sp>
-      <p:sp>
-        <p:nvSpPr>
-          <p:cNvPr id="7" name="Textplatzhalter 6"/>
-          <p:cNvSpPr>
-            <a:spLocks noGrp="1"/>
-          </p:cNvSpPr>
-          <p:nvPr>
-            <p:ph type="body" sz="quarter" idx="24"/>
-          </p:nvPr>
-        </p:nvSpPr>
-        <p:spPr/>
-        <p:txBody>
-          <a:bodyPr/>
-          <a:lstStyle/>
-          <a:p>
-            <a:r>
-              <a:rPr lang="en-US" sz="1600" dirty="0"/>
-              <a:t>Base image: </a:t>
-            </a:r>
-            <a:r>
-              <a:rPr lang="en-US" sz="1600" dirty="0">
-                <a:hlinkClick r:id="rId2"/>
-              </a:rPr>
-              <a:t>https://registry.hub.docker.com/u/microsoft/aspnet/</a:t>
-            </a:r>
-            <a:endParaRPr lang="en-US" sz="1600" dirty="0"/>
-          </a:p>
-          <a:p>
-            <a:r>
-              <a:rPr lang="en-US" sz="1600" dirty="0"/>
-              <a:t>Run container</a:t>
-            </a:r>
-          </a:p>
-          <a:p>
-            <a:pPr lvl="1"/>
-            <a:r>
-              <a:rPr lang="de-AT" sz="1200" dirty="0" err="1">
-                <a:latin typeface="Courier New" panose="02070309020205020404" pitchFamily="49" charset="0"/>
-                <a:cs typeface="Courier New" panose="02070309020205020404" pitchFamily="49" charset="0"/>
-              </a:rPr>
-              <a:t>docker</a:t>
-            </a:r>
-            <a:r>
-              <a:rPr lang="de-AT" sz="1200" dirty="0">
-                <a:latin typeface="Courier New" panose="02070309020205020404" pitchFamily="49" charset="0"/>
-                <a:cs typeface="Courier New" panose="02070309020205020404" pitchFamily="49" charset="0"/>
-              </a:rPr>
-              <a:t> </a:t>
-            </a:r>
-            <a:r>
-              <a:rPr lang="de-AT" sz="1200" dirty="0" err="1">
-                <a:latin typeface="Courier New" panose="02070309020205020404" pitchFamily="49" charset="0"/>
-                <a:cs typeface="Courier New" panose="02070309020205020404" pitchFamily="49" charset="0"/>
-              </a:rPr>
-              <a:t>run</a:t>
-            </a:r>
-            <a:r>
-              <a:rPr lang="de-AT" sz="1200" dirty="0">
-                <a:latin typeface="Courier New" panose="02070309020205020404" pitchFamily="49" charset="0"/>
-                <a:cs typeface="Courier New" panose="02070309020205020404" pitchFamily="49" charset="0"/>
-              </a:rPr>
-              <a:t> -d -t </a:t>
-            </a:r>
-            <a:br>
-              <a:rPr lang="de-AT" sz="1200" dirty="0">
-                <a:latin typeface="Courier New" panose="02070309020205020404" pitchFamily="49" charset="0"/>
-                <a:cs typeface="Courier New" panose="02070309020205020404" pitchFamily="49" charset="0"/>
-              </a:rPr>
-            </a:br>
-            <a:r>
-              <a:rPr lang="de-AT" sz="1200" dirty="0">
-                <a:latin typeface="Courier New" panose="02070309020205020404" pitchFamily="49" charset="0"/>
-                <a:cs typeface="Courier New" panose="02070309020205020404" pitchFamily="49" charset="0"/>
-              </a:rPr>
-              <a:t>-p 80:5004 aspnet-beta8</a:t>
-            </a:r>
-            <a:endParaRPr lang="en-US" sz="1200" dirty="0">
-              <a:latin typeface="Courier New" panose="02070309020205020404" pitchFamily="49" charset="0"/>
-              <a:cs typeface="Courier New" panose="02070309020205020404" pitchFamily="49" charset="0"/>
-            </a:endParaRPr>
-          </a:p>
-        </p:txBody>
-      </p:sp>
-      <p:sp>
-        <p:nvSpPr>
-          <p:cNvPr id="8" name="Textplatzhalter 7"/>
+          <p:cNvPr id="3" name="Textplatzhalter 2"/>
           <p:cNvSpPr>
             <a:spLocks noGrp="1"/>
           </p:cNvSpPr>
@@ -44475,23 +44038,35 @@
           <a:bodyPr/>
           <a:lstStyle/>
           <a:p>
-            <a:endParaRPr lang="en-US"/>
+            <a:r>
+              <a:rPr lang="en-US" dirty="0"/>
+              <a:t>Running ASP.NET in Docker</a:t>
+            </a:r>
           </a:p>
         </p:txBody>
       </p:sp>
     </p:spTree>
     <p:extLst>
       <p:ext uri="{BB962C8B-B14F-4D97-AF65-F5344CB8AC3E}">
-        <p14:creationId xmlns:p14="http://schemas.microsoft.com/office/powerpoint/2010/main" val="2187140522"/>
+        <p14:creationId xmlns:p14="http://schemas.microsoft.com/office/powerpoint/2010/main" val="286049027"/>
       </p:ext>
     </p:extLst>
   </p:cSld>
   <p:clrMapOvr>
     <a:masterClrMapping/>
   </p:clrMapOvr>
-  <p:transition spd="slow">
-    <p:push/>
-  </p:transition>
+  <mc:AlternateContent xmlns:mc="http://schemas.openxmlformats.org/markup-compatibility/2006" xmlns:p14="http://schemas.microsoft.com/office/powerpoint/2010/main">
+    <mc:Choice Requires="p14">
+      <p:transition spd="med" p14:dur="700">
+        <p:fade/>
+      </p:transition>
+    </mc:Choice>
+    <mc:Fallback xmlns="">
+      <p:transition spd="med">
+        <p:fade/>
+      </p:transition>
+    </mc:Fallback>
+  </mc:AlternateContent>
 </p:sld>
 </file>
 
@@ -44687,6 +44262,967 @@
       </p:grpSpPr>
       <p:sp>
         <p:nvSpPr>
+          <p:cNvPr id="2" name="Titel 1"/>
+          <p:cNvSpPr>
+            <a:spLocks noGrp="1"/>
+          </p:cNvSpPr>
+          <p:nvPr>
+            <p:ph type="title"/>
+          </p:nvPr>
+        </p:nvSpPr>
+        <p:spPr/>
+        <p:txBody>
+          <a:bodyPr/>
+          <a:lstStyle/>
+          <a:p>
+            <a:r>
+              <a:rPr lang="en-US" dirty="0"/>
+              <a:t>Simple ASP.NET</a:t>
+            </a:r>
+            <a:endParaRPr lang="de-AT" dirty="0"/>
+          </a:p>
+        </p:txBody>
+      </p:sp>
+      <p:sp>
+        <p:nvSpPr>
+          <p:cNvPr id="3" name="Inhaltsplatzhalter 2"/>
+          <p:cNvSpPr>
+            <a:spLocks noGrp="1"/>
+          </p:cNvSpPr>
+          <p:nvPr>
+            <p:ph sz="quarter" idx="22"/>
+          </p:nvPr>
+        </p:nvSpPr>
+        <p:spPr/>
+        <p:txBody>
+          <a:bodyPr/>
+          <a:lstStyle/>
+          <a:p>
+            <a:r>
+              <a:rPr lang="en-US" dirty="0"/>
+              <a:t>FROM </a:t>
+            </a:r>
+            <a:r>
+              <a:rPr lang="en-US" dirty="0" err="1"/>
+              <a:t>microsoft</a:t>
+            </a:r>
+            <a:r>
+              <a:rPr lang="en-US" dirty="0"/>
+              <a:t>/</a:t>
+            </a:r>
+            <a:r>
+              <a:rPr lang="en-US" dirty="0" err="1"/>
+              <a:t>aspnet</a:t>
+            </a:r>
+            <a:endParaRPr lang="en-US" dirty="0"/>
+          </a:p>
+          <a:p>
+            <a:endParaRPr lang="en-US" dirty="0"/>
+          </a:p>
+          <a:p>
+            <a:r>
+              <a:rPr lang="en-US" dirty="0"/>
+              <a:t>RUN apt-get install -y curl</a:t>
+            </a:r>
+          </a:p>
+          <a:p>
+            <a:r>
+              <a:rPr lang="en-US" dirty="0"/>
+              <a:t>RUN curl -</a:t>
+            </a:r>
+            <a:r>
+              <a:rPr lang="en-US" dirty="0" err="1"/>
+              <a:t>sL</a:t>
+            </a:r>
+            <a:r>
+              <a:rPr lang="en-US" dirty="0"/>
+              <a:t> https://deb.nodesource.com/setup_5.x | bash -</a:t>
+            </a:r>
+          </a:p>
+          <a:p>
+            <a:r>
+              <a:rPr lang="en-US" dirty="0"/>
+              <a:t>RUN apt-get install -y </a:t>
+            </a:r>
+            <a:r>
+              <a:rPr lang="en-US" dirty="0" err="1"/>
+              <a:t>nodejs</a:t>
+            </a:r>
+            <a:endParaRPr lang="en-US" dirty="0"/>
+          </a:p>
+          <a:p>
+            <a:endParaRPr lang="en-US" dirty="0"/>
+          </a:p>
+          <a:p>
+            <a:r>
+              <a:rPr lang="en-US" dirty="0"/>
+              <a:t>COPY ./my-web /</a:t>
+            </a:r>
+            <a:r>
+              <a:rPr lang="en-US" dirty="0" err="1"/>
+              <a:t>src</a:t>
+            </a:r>
+            <a:endParaRPr lang="en-US" dirty="0"/>
+          </a:p>
+          <a:p>
+            <a:endParaRPr lang="en-US" dirty="0"/>
+          </a:p>
+          <a:p>
+            <a:r>
+              <a:rPr lang="en-US" dirty="0"/>
+              <a:t>RUN cd /</a:t>
+            </a:r>
+            <a:r>
+              <a:rPr lang="en-US" dirty="0" err="1"/>
+              <a:t>src</a:t>
+            </a:r>
+            <a:r>
+              <a:rPr lang="en-US" dirty="0"/>
+              <a:t> &amp;&amp; </a:t>
+            </a:r>
+            <a:r>
+              <a:rPr lang="en-US" dirty="0" err="1"/>
+              <a:t>dnu</a:t>
+            </a:r>
+            <a:r>
+              <a:rPr lang="en-US" dirty="0"/>
+              <a:t> restore</a:t>
+            </a:r>
+          </a:p>
+          <a:p>
+            <a:endParaRPr lang="en-US" dirty="0"/>
+          </a:p>
+          <a:p>
+            <a:r>
+              <a:rPr lang="en-US" dirty="0"/>
+              <a:t>EXPOSE 5000</a:t>
+            </a:r>
+          </a:p>
+          <a:p>
+            <a:endParaRPr lang="en-US" dirty="0"/>
+          </a:p>
+          <a:p>
+            <a:r>
+              <a:rPr lang="en-US" dirty="0"/>
+              <a:t>WORKDIR /</a:t>
+            </a:r>
+            <a:r>
+              <a:rPr lang="en-US" dirty="0" err="1"/>
+              <a:t>src</a:t>
+            </a:r>
+            <a:endParaRPr lang="en-US" dirty="0"/>
+          </a:p>
+          <a:p>
+            <a:r>
+              <a:rPr lang="en-US" dirty="0"/>
+              <a:t>CMD ["</a:t>
+            </a:r>
+            <a:r>
+              <a:rPr lang="en-US" dirty="0" err="1"/>
+              <a:t>dnx</a:t>
+            </a:r>
+            <a:r>
+              <a:rPr lang="en-US" dirty="0"/>
+              <a:t>", "web"]</a:t>
+            </a:r>
+          </a:p>
+        </p:txBody>
+      </p:sp>
+      <p:sp>
+        <p:nvSpPr>
+          <p:cNvPr id="4" name="Textplatzhalter 3"/>
+          <p:cNvSpPr>
+            <a:spLocks noGrp="1"/>
+          </p:cNvSpPr>
+          <p:nvPr>
+            <p:ph type="body" sz="quarter" idx="23"/>
+          </p:nvPr>
+        </p:nvSpPr>
+        <p:spPr/>
+        <p:txBody>
+          <a:bodyPr/>
+          <a:lstStyle/>
+          <a:p>
+            <a:r>
+              <a:rPr lang="en-US" dirty="0" err="1"/>
+              <a:t>Dockerfile</a:t>
+            </a:r>
+            <a:endParaRPr lang="de-AT" dirty="0"/>
+          </a:p>
+        </p:txBody>
+      </p:sp>
+      <p:sp>
+        <p:nvSpPr>
+          <p:cNvPr id="5" name="Textplatzhalter 4"/>
+          <p:cNvSpPr>
+            <a:spLocks noGrp="1"/>
+          </p:cNvSpPr>
+          <p:nvPr>
+            <p:ph type="body" sz="quarter" idx="24"/>
+          </p:nvPr>
+        </p:nvSpPr>
+        <p:spPr/>
+        <p:txBody>
+          <a:bodyPr/>
+          <a:lstStyle/>
+          <a:p>
+            <a:endParaRPr lang="de-AT"/>
+          </a:p>
+        </p:txBody>
+      </p:sp>
+      <p:sp>
+        <p:nvSpPr>
+          <p:cNvPr id="6" name="Textplatzhalter 5"/>
+          <p:cNvSpPr>
+            <a:spLocks noGrp="1"/>
+          </p:cNvSpPr>
+          <p:nvPr>
+            <p:ph type="body" sz="quarter" idx="25"/>
+          </p:nvPr>
+        </p:nvSpPr>
+        <p:spPr/>
+        <p:txBody>
+          <a:bodyPr/>
+          <a:lstStyle/>
+          <a:p>
+            <a:r>
+              <a:rPr lang="en-US" dirty="0"/>
+              <a:t>Sample files see </a:t>
+            </a:r>
+            <a:r>
+              <a:rPr lang="en-US" dirty="0">
+                <a:hlinkClick r:id="rId2"/>
+              </a:rPr>
+              <a:t>https://github.com/rstropek/DockerVS2015Intro/tree/master/dockerDemos/04-aspnet</a:t>
+            </a:r>
+            <a:r>
+              <a:rPr lang="en-US" dirty="0"/>
+              <a:t> </a:t>
+            </a:r>
+            <a:endParaRPr lang="de-AT" dirty="0"/>
+          </a:p>
+        </p:txBody>
+      </p:sp>
+    </p:spTree>
+    <p:extLst>
+      <p:ext uri="{BB962C8B-B14F-4D97-AF65-F5344CB8AC3E}">
+        <p14:creationId xmlns:p14="http://schemas.microsoft.com/office/powerpoint/2010/main" val="906093209"/>
+      </p:ext>
+    </p:extLst>
+  </p:cSld>
+  <p:clrMapOvr>
+    <a:masterClrMapping/>
+  </p:clrMapOvr>
+  <p:transition spd="slow">
+    <p:push/>
+  </p:transition>
+</p:sld>
+</file>
+
+<file path=ppt/slides/slide51.xml><?xml version="1.0" encoding="utf-8"?>
+<p:sld xmlns:a="http://schemas.openxmlformats.org/drawingml/2006/main" xmlns:r="http://schemas.openxmlformats.org/officeDocument/2006/relationships" xmlns:p="http://schemas.openxmlformats.org/presentationml/2006/main">
+  <p:cSld>
+    <p:spTree>
+      <p:nvGrpSpPr>
+        <p:cNvPr id="1" name=""/>
+        <p:cNvGrpSpPr/>
+        <p:nvPr/>
+      </p:nvGrpSpPr>
+      <p:grpSpPr>
+        <a:xfrm>
+          <a:off x="0" y="0"/>
+          <a:ext cx="0" cy="0"/>
+          <a:chOff x="0" y="0"/>
+          <a:chExt cx="0" cy="0"/>
+        </a:xfrm>
+      </p:grpSpPr>
+      <p:sp>
+        <p:nvSpPr>
+          <p:cNvPr id="2" name="Titel 1"/>
+          <p:cNvSpPr>
+            <a:spLocks noGrp="1"/>
+          </p:cNvSpPr>
+          <p:nvPr>
+            <p:ph type="title"/>
+          </p:nvPr>
+        </p:nvSpPr>
+        <p:spPr/>
+        <p:txBody>
+          <a:bodyPr/>
+          <a:lstStyle/>
+          <a:p>
+            <a:r>
+              <a:rPr lang="en-US" dirty="0"/>
+              <a:t>Simple ASP.NET</a:t>
+            </a:r>
+            <a:endParaRPr lang="de-AT" dirty="0"/>
+          </a:p>
+        </p:txBody>
+      </p:sp>
+      <p:sp>
+        <p:nvSpPr>
+          <p:cNvPr id="3" name="Inhaltsplatzhalter 2"/>
+          <p:cNvSpPr>
+            <a:spLocks noGrp="1"/>
+          </p:cNvSpPr>
+          <p:nvPr>
+            <p:ph sz="quarter" idx="22"/>
+          </p:nvPr>
+        </p:nvSpPr>
+        <p:spPr/>
+        <p:txBody>
+          <a:bodyPr/>
+          <a:lstStyle/>
+          <a:p>
+            <a:r>
+              <a:rPr lang="en-US" dirty="0"/>
+              <a:t># Generate an ASP.NET web app</a:t>
+            </a:r>
+          </a:p>
+          <a:p>
+            <a:r>
+              <a:rPr lang="en-US" dirty="0" err="1"/>
+              <a:t>yo</a:t>
+            </a:r>
+            <a:r>
+              <a:rPr lang="en-US" dirty="0"/>
+              <a:t> </a:t>
+            </a:r>
+            <a:r>
+              <a:rPr lang="en-US" dirty="0" err="1"/>
+              <a:t>aspnet</a:t>
+            </a:r>
+            <a:r>
+              <a:rPr lang="en-US" dirty="0"/>
+              <a:t> </a:t>
+            </a:r>
+            <a:r>
+              <a:rPr lang="en-US" dirty="0" err="1"/>
+              <a:t>webbasic</a:t>
+            </a:r>
+            <a:r>
+              <a:rPr lang="en-US" dirty="0"/>
+              <a:t> "my-web"</a:t>
+            </a:r>
+          </a:p>
+          <a:p>
+            <a:endParaRPr lang="en-US" dirty="0"/>
+          </a:p>
+          <a:p>
+            <a:r>
+              <a:rPr lang="en-US" dirty="0"/>
+              <a:t># Add “</a:t>
+            </a:r>
+            <a:r>
+              <a:rPr lang="de-AT" dirty="0"/>
+              <a:t>--</a:t>
+            </a:r>
+            <a:r>
+              <a:rPr lang="de-AT" dirty="0" err="1"/>
+              <a:t>server.urls</a:t>
+            </a:r>
+            <a:r>
+              <a:rPr lang="de-AT" dirty="0"/>
+              <a:t>=http://*:5000/“ </a:t>
+            </a:r>
+            <a:r>
+              <a:rPr lang="de-AT" dirty="0" err="1"/>
+              <a:t>to</a:t>
+            </a:r>
+            <a:r>
+              <a:rPr lang="de-AT" dirty="0"/>
+              <a:t> </a:t>
+            </a:r>
+            <a:r>
+              <a:rPr lang="de-AT" dirty="0" err="1"/>
+              <a:t>project.json</a:t>
+            </a:r>
+            <a:r>
+              <a:rPr lang="de-AT" dirty="0"/>
+              <a:t> so</a:t>
+            </a:r>
+          </a:p>
+          <a:p>
+            <a:r>
+              <a:rPr lang="en-US" dirty="0"/>
+              <a:t># that ASP.NET listens not only on localhost</a:t>
+            </a:r>
+          </a:p>
+          <a:p>
+            <a:endParaRPr lang="en-US" dirty="0"/>
+          </a:p>
+          <a:p>
+            <a:r>
+              <a:rPr lang="en-US" dirty="0"/>
+              <a:t># Build image with sample app</a:t>
+            </a:r>
+          </a:p>
+          <a:p>
+            <a:r>
+              <a:rPr lang="de-AT" dirty="0" err="1"/>
+              <a:t>docker</a:t>
+            </a:r>
+            <a:r>
+              <a:rPr lang="de-AT" dirty="0"/>
+              <a:t> </a:t>
+            </a:r>
+            <a:r>
+              <a:rPr lang="de-AT" dirty="0" err="1"/>
+              <a:t>build</a:t>
+            </a:r>
+            <a:r>
+              <a:rPr lang="de-AT" dirty="0"/>
+              <a:t> -t </a:t>
+            </a:r>
+            <a:r>
+              <a:rPr lang="de-AT" dirty="0" err="1"/>
+              <a:t>rainer:myweb</a:t>
+            </a:r>
+            <a:r>
+              <a:rPr lang="de-AT" dirty="0"/>
+              <a:t> .</a:t>
+            </a:r>
+          </a:p>
+          <a:p>
+            <a:endParaRPr lang="en-US" dirty="0"/>
+          </a:p>
+          <a:p>
+            <a:r>
+              <a:rPr lang="en-US" dirty="0"/>
+              <a:t># Run ASP.NET container</a:t>
+            </a:r>
+          </a:p>
+          <a:p>
+            <a:r>
+              <a:rPr lang="de-AT" dirty="0" err="1"/>
+              <a:t>docker</a:t>
+            </a:r>
+            <a:r>
+              <a:rPr lang="de-AT" dirty="0"/>
+              <a:t> </a:t>
+            </a:r>
+            <a:r>
+              <a:rPr lang="de-AT" dirty="0" err="1"/>
+              <a:t>run</a:t>
+            </a:r>
+            <a:r>
+              <a:rPr lang="de-AT" dirty="0"/>
+              <a:t> -d -p 80:5000 </a:t>
+            </a:r>
+            <a:r>
+              <a:rPr lang="de-AT" dirty="0" err="1"/>
+              <a:t>rainer:myweb</a:t>
+            </a:r>
+            <a:endParaRPr lang="de-AT" dirty="0"/>
+          </a:p>
+        </p:txBody>
+      </p:sp>
+      <p:sp>
+        <p:nvSpPr>
+          <p:cNvPr id="4" name="Textplatzhalter 3"/>
+          <p:cNvSpPr>
+            <a:spLocks noGrp="1"/>
+          </p:cNvSpPr>
+          <p:nvPr>
+            <p:ph type="body" sz="quarter" idx="23"/>
+          </p:nvPr>
+        </p:nvSpPr>
+        <p:spPr/>
+        <p:txBody>
+          <a:bodyPr/>
+          <a:lstStyle/>
+          <a:p>
+            <a:endParaRPr lang="de-AT"/>
+          </a:p>
+        </p:txBody>
+      </p:sp>
+      <p:sp>
+        <p:nvSpPr>
+          <p:cNvPr id="5" name="Textplatzhalter 4"/>
+          <p:cNvSpPr>
+            <a:spLocks noGrp="1"/>
+          </p:cNvSpPr>
+          <p:nvPr>
+            <p:ph type="body" sz="quarter" idx="24"/>
+          </p:nvPr>
+        </p:nvSpPr>
+        <p:spPr/>
+        <p:txBody>
+          <a:bodyPr/>
+          <a:lstStyle/>
+          <a:p>
+            <a:endParaRPr lang="de-AT"/>
+          </a:p>
+        </p:txBody>
+      </p:sp>
+      <p:sp>
+        <p:nvSpPr>
+          <p:cNvPr id="6" name="Textplatzhalter 5"/>
+          <p:cNvSpPr>
+            <a:spLocks noGrp="1"/>
+          </p:cNvSpPr>
+          <p:nvPr>
+            <p:ph type="body" sz="quarter" idx="25"/>
+          </p:nvPr>
+        </p:nvSpPr>
+        <p:spPr/>
+        <p:txBody>
+          <a:bodyPr/>
+          <a:lstStyle/>
+          <a:p>
+            <a:r>
+              <a:rPr lang="en-US" dirty="0"/>
+              <a:t>Sample files see </a:t>
+            </a:r>
+            <a:r>
+              <a:rPr lang="en-US" dirty="0">
+                <a:hlinkClick r:id="rId2"/>
+              </a:rPr>
+              <a:t>https://</a:t>
+            </a:r>
+            <a:r>
+              <a:rPr lang="en-US">
+                <a:hlinkClick r:id="rId2"/>
+              </a:rPr>
+              <a:t>github.com/rstropek/DockerVS2015Intro/tree/master/dockerDemos/04-aspnet</a:t>
+            </a:r>
+            <a:r>
+              <a:rPr lang="en-US"/>
+              <a:t> </a:t>
+            </a:r>
+            <a:endParaRPr lang="de-AT"/>
+          </a:p>
+        </p:txBody>
+      </p:sp>
+    </p:spTree>
+    <p:extLst>
+      <p:ext uri="{BB962C8B-B14F-4D97-AF65-F5344CB8AC3E}">
+        <p14:creationId xmlns:p14="http://schemas.microsoft.com/office/powerpoint/2010/main" val="3273169084"/>
+      </p:ext>
+    </p:extLst>
+  </p:cSld>
+  <p:clrMapOvr>
+    <a:masterClrMapping/>
+  </p:clrMapOvr>
+  <p:transition spd="slow">
+    <p:push/>
+  </p:transition>
+</p:sld>
+</file>
+
+<file path=ppt/slides/slide52.xml><?xml version="1.0" encoding="utf-8"?>
+<p:sld xmlns:a="http://schemas.openxmlformats.org/drawingml/2006/main" xmlns:r="http://schemas.openxmlformats.org/officeDocument/2006/relationships" xmlns:p="http://schemas.openxmlformats.org/presentationml/2006/main">
+  <p:cSld>
+    <p:spTree>
+      <p:nvGrpSpPr>
+        <p:cNvPr id="1" name=""/>
+        <p:cNvGrpSpPr/>
+        <p:nvPr/>
+      </p:nvGrpSpPr>
+      <p:grpSpPr>
+        <a:xfrm>
+          <a:off x="0" y="0"/>
+          <a:ext cx="0" cy="0"/>
+          <a:chOff x="0" y="0"/>
+          <a:chExt cx="0" cy="0"/>
+        </a:xfrm>
+      </p:grpSpPr>
+      <p:sp>
+        <p:nvSpPr>
+          <p:cNvPr id="4" name="Titel 3"/>
+          <p:cNvSpPr>
+            <a:spLocks noGrp="1"/>
+          </p:cNvSpPr>
+          <p:nvPr>
+            <p:ph type="title"/>
+          </p:nvPr>
+        </p:nvSpPr>
+        <p:spPr/>
+        <p:txBody>
+          <a:bodyPr/>
+          <a:lstStyle/>
+          <a:p>
+            <a:r>
+              <a:rPr lang="en-US" dirty="0"/>
+              <a:t>Dockerfile</a:t>
+            </a:r>
+          </a:p>
+        </p:txBody>
+      </p:sp>
+      <p:sp>
+        <p:nvSpPr>
+          <p:cNvPr id="5" name="Inhaltsplatzhalter 4"/>
+          <p:cNvSpPr>
+            <a:spLocks noGrp="1"/>
+          </p:cNvSpPr>
+          <p:nvPr>
+            <p:ph sz="quarter" idx="22"/>
+          </p:nvPr>
+        </p:nvSpPr>
+        <p:spPr/>
+        <p:txBody>
+          <a:bodyPr/>
+          <a:lstStyle/>
+          <a:p>
+            <a:r>
+              <a:rPr lang="en-US" dirty="0"/>
+              <a:t>FROM </a:t>
+            </a:r>
+            <a:r>
+              <a:rPr lang="en-US" dirty="0" err="1"/>
+              <a:t>microsoft</a:t>
+            </a:r>
+            <a:r>
+              <a:rPr lang="en-US" dirty="0"/>
+              <a:t>/</a:t>
+            </a:r>
+            <a:r>
+              <a:rPr lang="en-US" dirty="0" err="1"/>
+              <a:t>aspnet</a:t>
+            </a:r>
+            <a:endParaRPr lang="en-US" dirty="0"/>
+          </a:p>
+          <a:p>
+            <a:r>
+              <a:rPr lang="en-US" dirty="0"/>
+              <a:t>MAINTAINER Rainer Stropek "rainer@timecockpit.com"</a:t>
+            </a:r>
+          </a:p>
+          <a:p>
+            <a:r>
+              <a:rPr lang="en-US" dirty="0"/>
+              <a:t>ENV REFRESHED_AT 2015-01-02</a:t>
+            </a:r>
+          </a:p>
+          <a:p>
+            <a:endParaRPr lang="en-US" dirty="0"/>
+          </a:p>
+          <a:p>
+            <a:r>
+              <a:rPr lang="en-US" dirty="0"/>
+              <a:t>ENV SOURCE_DIR /app/</a:t>
+            </a:r>
+            <a:r>
+              <a:rPr lang="en-US" dirty="0" err="1"/>
+              <a:t>src</a:t>
+            </a:r>
+            <a:endParaRPr lang="en-US" dirty="0"/>
+          </a:p>
+          <a:p>
+            <a:endParaRPr lang="en-US" dirty="0"/>
+          </a:p>
+          <a:p>
+            <a:r>
+              <a:rPr lang="en-US" dirty="0"/>
+              <a:t>RUN </a:t>
+            </a:r>
+            <a:r>
+              <a:rPr lang="en-US" dirty="0" err="1"/>
+              <a:t>mkdir</a:t>
+            </a:r>
+            <a:r>
+              <a:rPr lang="en-US" dirty="0"/>
+              <a:t> -p $SOURCE_DIR</a:t>
+            </a:r>
+          </a:p>
+          <a:p>
+            <a:r>
+              <a:rPr lang="en-US" dirty="0"/>
+              <a:t>WORKDIR $SOURCE_DIR</a:t>
+            </a:r>
+          </a:p>
+          <a:p>
+            <a:endParaRPr lang="en-US" dirty="0"/>
+          </a:p>
+          <a:p>
+            <a:r>
+              <a:rPr lang="en-US" dirty="0"/>
+              <a:t>COPY refreshAndRunSample.sh $SOURCE_DIR/</a:t>
+            </a:r>
+          </a:p>
+          <a:p>
+            <a:r>
+              <a:rPr lang="en-US" dirty="0"/>
+              <a:t>RUN </a:t>
+            </a:r>
+            <a:r>
+              <a:rPr lang="en-US" dirty="0" err="1"/>
+              <a:t>chmod</a:t>
+            </a:r>
+            <a:r>
+              <a:rPr lang="en-US" dirty="0"/>
+              <a:t> </a:t>
+            </a:r>
+            <a:r>
+              <a:rPr lang="en-US" dirty="0" err="1"/>
+              <a:t>a+x</a:t>
+            </a:r>
+            <a:r>
+              <a:rPr lang="en-US" dirty="0"/>
+              <a:t> $SOURCE_DIR/refreshAndRunSample.sh</a:t>
+            </a:r>
+          </a:p>
+          <a:p>
+            <a:endParaRPr lang="en-US" dirty="0"/>
+          </a:p>
+          <a:p>
+            <a:r>
+              <a:rPr lang="en-US" dirty="0"/>
+              <a:t>RUN apt-get -</a:t>
+            </a:r>
+            <a:r>
+              <a:rPr lang="en-US" dirty="0" err="1"/>
+              <a:t>qqy</a:t>
+            </a:r>
+            <a:r>
+              <a:rPr lang="en-US" dirty="0"/>
+              <a:t> install </a:t>
+            </a:r>
+            <a:r>
+              <a:rPr lang="en-US" dirty="0" err="1"/>
+              <a:t>git</a:t>
+            </a:r>
+            <a:endParaRPr lang="en-US" dirty="0"/>
+          </a:p>
+          <a:p>
+            <a:r>
+              <a:rPr lang="en-US" dirty="0"/>
+              <a:t>RUN </a:t>
+            </a:r>
+            <a:r>
+              <a:rPr lang="en-US" dirty="0" err="1"/>
+              <a:t>git</a:t>
+            </a:r>
+            <a:r>
+              <a:rPr lang="en-US" dirty="0"/>
+              <a:t> </a:t>
+            </a:r>
+            <a:r>
+              <a:rPr lang="en-US" dirty="0" err="1"/>
+              <a:t>init</a:t>
+            </a:r>
+            <a:r>
+              <a:rPr lang="en-US" dirty="0"/>
+              <a:t> \</a:t>
+            </a:r>
+          </a:p>
+          <a:p>
+            <a:r>
+              <a:rPr lang="en-US" dirty="0"/>
+              <a:t> &amp;&amp; </a:t>
+            </a:r>
+            <a:r>
+              <a:rPr lang="en-US" dirty="0" err="1"/>
+              <a:t>git</a:t>
+            </a:r>
+            <a:r>
+              <a:rPr lang="en-US" dirty="0"/>
+              <a:t> pull https://github.com/aspnet/Home.git \</a:t>
+            </a:r>
+          </a:p>
+          <a:p>
+            <a:r>
+              <a:rPr lang="en-US" dirty="0"/>
+              <a:t> &amp;&amp; cd  samples/</a:t>
+            </a:r>
+            <a:r>
+              <a:rPr lang="en-US" dirty="0" err="1"/>
+              <a:t>HelloMvc</a:t>
+            </a:r>
+            <a:r>
+              <a:rPr lang="en-US" dirty="0"/>
+              <a:t>/ \</a:t>
+            </a:r>
+          </a:p>
+          <a:p>
+            <a:r>
+              <a:rPr lang="en-US" dirty="0"/>
+              <a:t> &amp;&amp; </a:t>
+            </a:r>
+            <a:r>
+              <a:rPr lang="en-US" dirty="0" err="1"/>
+              <a:t>kpm</a:t>
+            </a:r>
+            <a:r>
+              <a:rPr lang="en-US" dirty="0"/>
+              <a:t> restore</a:t>
+            </a:r>
+          </a:p>
+          <a:p>
+            <a:endParaRPr lang="en-US" dirty="0"/>
+          </a:p>
+          <a:p>
+            <a:r>
+              <a:rPr lang="en-US" dirty="0"/>
+              <a:t>ENTRYPOINT ["/app/</a:t>
+            </a:r>
+            <a:r>
+              <a:rPr lang="en-US" dirty="0" err="1"/>
+              <a:t>src</a:t>
+            </a:r>
+            <a:r>
+              <a:rPr lang="en-US" dirty="0"/>
+              <a:t>/refreshAndRunSample.sh"]</a:t>
+            </a:r>
+          </a:p>
+        </p:txBody>
+      </p:sp>
+      <p:sp>
+        <p:nvSpPr>
+          <p:cNvPr id="6" name="Textplatzhalter 5"/>
+          <p:cNvSpPr>
+            <a:spLocks noGrp="1"/>
+          </p:cNvSpPr>
+          <p:nvPr>
+            <p:ph type="body" sz="quarter" idx="23"/>
+          </p:nvPr>
+        </p:nvSpPr>
+        <p:spPr/>
+        <p:txBody>
+          <a:bodyPr/>
+          <a:lstStyle/>
+          <a:p>
+            <a:endParaRPr lang="en-US" dirty="0"/>
+          </a:p>
+        </p:txBody>
+      </p:sp>
+      <p:sp>
+        <p:nvSpPr>
+          <p:cNvPr id="7" name="Textplatzhalter 6"/>
+          <p:cNvSpPr>
+            <a:spLocks noGrp="1"/>
+          </p:cNvSpPr>
+          <p:nvPr>
+            <p:ph type="body" sz="quarter" idx="24"/>
+          </p:nvPr>
+        </p:nvSpPr>
+        <p:spPr/>
+        <p:txBody>
+          <a:bodyPr/>
+          <a:lstStyle/>
+          <a:p>
+            <a:r>
+              <a:rPr lang="en-US" sz="1600" dirty="0"/>
+              <a:t>Base image: </a:t>
+            </a:r>
+            <a:r>
+              <a:rPr lang="en-US" sz="1600" dirty="0">
+                <a:hlinkClick r:id="rId2"/>
+              </a:rPr>
+              <a:t>https://registry.hub.docker.com/u/microsoft/aspnet/</a:t>
+            </a:r>
+            <a:endParaRPr lang="en-US" sz="1600" dirty="0"/>
+          </a:p>
+          <a:p>
+            <a:r>
+              <a:rPr lang="en-US" sz="1600" dirty="0"/>
+              <a:t>Run container</a:t>
+            </a:r>
+          </a:p>
+          <a:p>
+            <a:pPr lvl="1"/>
+            <a:r>
+              <a:rPr lang="de-AT" sz="1200" dirty="0" err="1">
+                <a:latin typeface="Courier New" panose="02070309020205020404" pitchFamily="49" charset="0"/>
+                <a:cs typeface="Courier New" panose="02070309020205020404" pitchFamily="49" charset="0"/>
+              </a:rPr>
+              <a:t>docker</a:t>
+            </a:r>
+            <a:r>
+              <a:rPr lang="de-AT" sz="1200" dirty="0">
+                <a:latin typeface="Courier New" panose="02070309020205020404" pitchFamily="49" charset="0"/>
+                <a:cs typeface="Courier New" panose="02070309020205020404" pitchFamily="49" charset="0"/>
+              </a:rPr>
+              <a:t> </a:t>
+            </a:r>
+            <a:r>
+              <a:rPr lang="de-AT" sz="1200" dirty="0" err="1">
+                <a:latin typeface="Courier New" panose="02070309020205020404" pitchFamily="49" charset="0"/>
+                <a:cs typeface="Courier New" panose="02070309020205020404" pitchFamily="49" charset="0"/>
+              </a:rPr>
+              <a:t>run</a:t>
+            </a:r>
+            <a:r>
+              <a:rPr lang="de-AT" sz="1200" dirty="0">
+                <a:latin typeface="Courier New" panose="02070309020205020404" pitchFamily="49" charset="0"/>
+                <a:cs typeface="Courier New" panose="02070309020205020404" pitchFamily="49" charset="0"/>
+              </a:rPr>
+              <a:t> -d -t </a:t>
+            </a:r>
+            <a:br>
+              <a:rPr lang="de-AT" sz="1200" dirty="0">
+                <a:latin typeface="Courier New" panose="02070309020205020404" pitchFamily="49" charset="0"/>
+                <a:cs typeface="Courier New" panose="02070309020205020404" pitchFamily="49" charset="0"/>
+              </a:rPr>
+            </a:br>
+            <a:r>
+              <a:rPr lang="de-AT" sz="1200" dirty="0">
+                <a:latin typeface="Courier New" panose="02070309020205020404" pitchFamily="49" charset="0"/>
+                <a:cs typeface="Courier New" panose="02070309020205020404" pitchFamily="49" charset="0"/>
+              </a:rPr>
+              <a:t>-p 80:5004 aspnet-beta8</a:t>
+            </a:r>
+            <a:endParaRPr lang="en-US" sz="1200" dirty="0">
+              <a:latin typeface="Courier New" panose="02070309020205020404" pitchFamily="49" charset="0"/>
+              <a:cs typeface="Courier New" panose="02070309020205020404" pitchFamily="49" charset="0"/>
+            </a:endParaRPr>
+          </a:p>
+        </p:txBody>
+      </p:sp>
+      <p:sp>
+        <p:nvSpPr>
+          <p:cNvPr id="8" name="Textplatzhalter 7"/>
+          <p:cNvSpPr>
+            <a:spLocks noGrp="1"/>
+          </p:cNvSpPr>
+          <p:nvPr>
+            <p:ph type="body" sz="quarter" idx="25"/>
+          </p:nvPr>
+        </p:nvSpPr>
+        <p:spPr/>
+        <p:txBody>
+          <a:bodyPr/>
+          <a:lstStyle/>
+          <a:p>
+            <a:endParaRPr lang="en-US"/>
+          </a:p>
+        </p:txBody>
+      </p:sp>
+    </p:spTree>
+    <p:extLst>
+      <p:ext uri="{BB962C8B-B14F-4D97-AF65-F5344CB8AC3E}">
+        <p14:creationId xmlns:p14="http://schemas.microsoft.com/office/powerpoint/2010/main" val="2187140522"/>
+      </p:ext>
+    </p:extLst>
+  </p:cSld>
+  <p:clrMapOvr>
+    <a:masterClrMapping/>
+  </p:clrMapOvr>
+  <p:transition spd="slow">
+    <p:push/>
+  </p:transition>
+</p:sld>
+</file>
+
+<file path=ppt/slides/slide53.xml><?xml version="1.0" encoding="utf-8"?>
+<p:sld xmlns:a="http://schemas.openxmlformats.org/drawingml/2006/main" xmlns:r="http://schemas.openxmlformats.org/officeDocument/2006/relationships" xmlns:p="http://schemas.openxmlformats.org/presentationml/2006/main">
+  <p:cSld>
+    <p:spTree>
+      <p:nvGrpSpPr>
+        <p:cNvPr id="1" name=""/>
+        <p:cNvGrpSpPr/>
+        <p:nvPr/>
+      </p:nvGrpSpPr>
+      <p:grpSpPr>
+        <a:xfrm>
+          <a:off x="0" y="0"/>
+          <a:ext cx="0" cy="0"/>
+          <a:chOff x="0" y="0"/>
+          <a:chExt cx="0" cy="0"/>
+        </a:xfrm>
+      </p:grpSpPr>
+      <p:sp>
+        <p:nvSpPr>
           <p:cNvPr id="7" name="Titel 6"/>
           <p:cNvSpPr>
             <a:spLocks noGrp="1"/>
@@ -44815,7 +45351,7 @@
 </p:sld>
 </file>
 
-<file path=ppt/slides/slide51.xml><?xml version="1.0" encoding="utf-8"?>
+<file path=ppt/slides/slide54.xml><?xml version="1.0" encoding="utf-8"?>
 <p:sld xmlns:a="http://schemas.openxmlformats.org/drawingml/2006/main" xmlns:r="http://schemas.openxmlformats.org/officeDocument/2006/relationships" xmlns:p="http://schemas.openxmlformats.org/presentationml/2006/main">
   <p:cSld>
     <p:spTree>
@@ -45094,7 +45630,7 @@
       </p:grpSpPr>
       <p:sp>
         <p:nvSpPr>
-          <p:cNvPr id="2" name="Titel 1"/>
+          <p:cNvPr id="2" name="Title 1"/>
           <p:cNvSpPr>
             <a:spLocks noGrp="1"/>
           </p:cNvSpPr>
@@ -45109,14 +45645,14 @@
           <a:p>
             <a:r>
               <a:rPr lang="en-US" dirty="0"/>
-              <a:t>What’s Docker?</a:t>
+              <a:t>Docker‘s Technical Components</a:t>
             </a:r>
           </a:p>
         </p:txBody>
       </p:sp>
       <p:sp>
         <p:nvSpPr>
-          <p:cNvPr id="3" name="Inhaltsplatzhalter 2"/>
+          <p:cNvPr id="3" name="Content Placeholder 2"/>
           <p:cNvSpPr>
             <a:spLocks noGrp="1"/>
           </p:cNvSpPr>
@@ -45130,71 +45666,94 @@
           <a:lstStyle/>
           <a:p>
             <a:r>
-              <a:rPr lang="en-US" sz="2000" dirty="0"/>
-              <a:t>Command line tool, REST services</a:t>
+              <a:rPr lang="en-US" dirty="0"/>
+              <a:t>Linux container format (</a:t>
+            </a:r>
+            <a:r>
+              <a:rPr lang="en-US" dirty="0" err="1">
+                <a:latin typeface="Courier New" panose="02070309020205020404" pitchFamily="49" charset="0"/>
+                <a:cs typeface="Courier New" panose="02070309020205020404" pitchFamily="49" charset="0"/>
+              </a:rPr>
+              <a:t>libcontainer</a:t>
+            </a:r>
+            <a:r>
+              <a:rPr lang="en-US" dirty="0"/>
+              <a:t>)</a:t>
+            </a:r>
+          </a:p>
+          <a:p>
+            <a:r>
+              <a:rPr lang="en-US" dirty="0"/>
+              <a:t>Isolation layers</a:t>
             </a:r>
           </a:p>
           <a:p>
             <a:pPr lvl="1"/>
             <a:r>
-              <a:rPr lang="en-US" sz="1400" dirty="0"/>
-              <a:t>Docker client can manage remote Docker daemon</a:t>
-            </a:r>
-          </a:p>
-          <a:p>
-            <a:r>
-              <a:rPr lang="en-US" sz="2000" dirty="0"/>
-              <a:t>Container packaging format</a:t>
-            </a:r>
-          </a:p>
-          <a:p>
-            <a:r>
-              <a:rPr lang="en-US" sz="2000" dirty="0" err="1">
-                <a:hlinkClick r:id="rId2"/>
-              </a:rPr>
-              <a:t>Dockerfiles</a:t>
-            </a:r>
-            <a:r>
-              <a:rPr lang="en-US" sz="2000" dirty="0"/>
-              <a:t> for image creation from source code</a:t>
-            </a:r>
-          </a:p>
-          <a:p>
-            <a:r>
-              <a:rPr lang="en-US" sz="2000" dirty="0"/>
-              <a:t>Version management for images</a:t>
+              <a:rPr lang="en-US" dirty="0"/>
+              <a:t>Filesystem – each container has its own filesystem (layered, copy-on-write)</a:t>
             </a:r>
           </a:p>
           <a:p>
             <a:pPr lvl="1"/>
             <a:r>
-              <a:rPr lang="en-US" sz="1400" dirty="0"/>
-              <a:t>Images can be based on images</a:t>
-            </a:r>
-          </a:p>
-          <a:p>
-            <a:r>
-              <a:rPr lang="en-US" sz="2000" dirty="0"/>
-              <a:t>Docker Hub: Platform to exchange images and </a:t>
-            </a:r>
-            <a:r>
-              <a:rPr lang="en-US" sz="2000" dirty="0" err="1"/>
-              <a:t>Dockerfiles</a:t>
-            </a:r>
-            <a:endParaRPr lang="en-US" sz="2000" dirty="0"/>
+              <a:rPr lang="en-US" dirty="0"/>
+              <a:t>Processes – each container has its own process environment</a:t>
+            </a:r>
           </a:p>
           <a:p>
             <a:pPr lvl="1"/>
             <a:r>
-              <a:rPr lang="en-US" sz="1400" dirty="0"/>
-              <a:t>Publishing on Docker Hub is not in scope of this talk</a:t>
+              <a:rPr lang="en-US" dirty="0"/>
+              <a:t>Network – separate virtual network interfaces</a:t>
+            </a:r>
+          </a:p>
+          <a:p>
+            <a:pPr lvl="1"/>
+            <a:r>
+              <a:rPr lang="en-US" dirty="0"/>
+              <a:t>Resources – individually allocated CPUs, memory</a:t>
+            </a:r>
+          </a:p>
+          <a:p>
+            <a:r>
+              <a:rPr lang="en-US" dirty="0"/>
+              <a:t>Logging</a:t>
+            </a:r>
+          </a:p>
+          <a:p>
+            <a:pPr lvl="1"/>
+            <a:r>
+              <a:rPr lang="en-US" dirty="0"/>
+              <a:t>STDOUT, STDERR, STDIN are logged for analysis purposes</a:t>
+            </a:r>
+          </a:p>
+          <a:p>
+            <a:r>
+              <a:rPr lang="en-US" dirty="0"/>
+              <a:t>Interactive shell</a:t>
+            </a:r>
+          </a:p>
+          <a:p>
+            <a:pPr lvl="1"/>
+            <a:r>
+              <a:rPr lang="en-US" dirty="0"/>
+              <a:t>Pseudo-</a:t>
+            </a:r>
+            <a:r>
+              <a:rPr lang="en-US" dirty="0" err="1"/>
+              <a:t>tty</a:t>
+            </a:r>
+            <a:r>
+              <a:rPr lang="en-US" dirty="0"/>
+              <a:t> attached to STDIN</a:t>
             </a:r>
           </a:p>
         </p:txBody>
       </p:sp>
       <p:sp>
         <p:nvSpPr>
-          <p:cNvPr id="4" name="Textplatzhalter 3"/>
+          <p:cNvPr id="4" name="Text Placeholder 3"/>
           <p:cNvSpPr>
             <a:spLocks noGrp="1"/>
           </p:cNvSpPr>
@@ -45207,14 +45766,14 @@
           <a:bodyPr/>
           <a:lstStyle/>
           <a:p>
-            <a:endParaRPr lang="en-US"/>
+            <a:endParaRPr lang="en-US" dirty="0"/>
           </a:p>
         </p:txBody>
       </p:sp>
     </p:spTree>
     <p:extLst>
       <p:ext uri="{BB962C8B-B14F-4D97-AF65-F5344CB8AC3E}">
-        <p14:creationId xmlns:p14="http://schemas.microsoft.com/office/powerpoint/2010/main" val="2612317688"/>
+        <p14:creationId xmlns:p14="http://schemas.microsoft.com/office/powerpoint/2010/main" val="3697929488"/>
       </p:ext>
     </p:extLst>
   </p:cSld>
@@ -45246,7 +45805,7 @@
       </p:grpSpPr>
       <p:sp>
         <p:nvSpPr>
-          <p:cNvPr id="2" name="Title 1"/>
+          <p:cNvPr id="2" name="Titel 1"/>
           <p:cNvSpPr>
             <a:spLocks noGrp="1"/>
           </p:cNvSpPr>
@@ -45261,19 +45820,19 @@
           <a:p>
             <a:r>
               <a:rPr lang="en-US" dirty="0"/>
-              <a:t>Docker Tools</a:t>
+              <a:t>What’s Docker?</a:t>
             </a:r>
           </a:p>
         </p:txBody>
       </p:sp>
       <p:sp>
         <p:nvSpPr>
-          <p:cNvPr id="3" name="Text Placeholder 2"/>
+          <p:cNvPr id="3" name="Inhaltsplatzhalter 2"/>
           <p:cNvSpPr>
             <a:spLocks noGrp="1"/>
           </p:cNvSpPr>
           <p:nvPr>
-            <p:ph type="body" sz="quarter" idx="25"/>
+            <p:ph sz="quarter" idx="12"/>
           </p:nvPr>
         </p:nvSpPr>
         <p:spPr/>
@@ -45282,34 +45841,100 @@
           <a:lstStyle/>
           <a:p>
             <a:r>
-              <a:rPr lang="en-US" dirty="0"/>
-              <a:t>Introduction</a:t>
-            </a:r>
+              <a:rPr lang="en-US" sz="2000" dirty="0"/>
+              <a:t>Command line tool, REST services</a:t>
+            </a:r>
+          </a:p>
+          <a:p>
+            <a:pPr lvl="1"/>
+            <a:r>
+              <a:rPr lang="en-US" sz="1400" dirty="0"/>
+              <a:t>Docker client can manage remote Docker daemon</a:t>
+            </a:r>
+          </a:p>
+          <a:p>
+            <a:r>
+              <a:rPr lang="en-US" sz="2000" dirty="0"/>
+              <a:t>Container packaging format</a:t>
+            </a:r>
+          </a:p>
+          <a:p>
+            <a:r>
+              <a:rPr lang="en-US" sz="2000" dirty="0" err="1">
+                <a:hlinkClick r:id="rId2"/>
+              </a:rPr>
+              <a:t>Dockerfiles</a:t>
+            </a:r>
+            <a:r>
+              <a:rPr lang="en-US" sz="2000" dirty="0"/>
+              <a:t> for image creation from source code</a:t>
+            </a:r>
+          </a:p>
+          <a:p>
+            <a:r>
+              <a:rPr lang="en-US" sz="2000" dirty="0"/>
+              <a:t>Version management for images</a:t>
+            </a:r>
+          </a:p>
+          <a:p>
+            <a:pPr lvl="1"/>
+            <a:r>
+              <a:rPr lang="en-US" sz="1400" dirty="0"/>
+              <a:t>Images can be based on images</a:t>
+            </a:r>
+          </a:p>
+          <a:p>
+            <a:r>
+              <a:rPr lang="en-US" sz="2000" dirty="0"/>
+              <a:t>Docker Hub: Platform to exchange images and </a:t>
+            </a:r>
+            <a:r>
+              <a:rPr lang="en-US" sz="2000" dirty="0" err="1"/>
+              <a:t>Dockerfiles</a:t>
+            </a:r>
+            <a:endParaRPr lang="en-US" sz="2000" dirty="0"/>
+          </a:p>
+          <a:p>
+            <a:pPr lvl="1"/>
+            <a:r>
+              <a:rPr lang="en-US" sz="1400" dirty="0"/>
+              <a:t>Publishing on Docker Hub is not in scope of this talk</a:t>
+            </a:r>
+          </a:p>
+        </p:txBody>
+      </p:sp>
+      <p:sp>
+        <p:nvSpPr>
+          <p:cNvPr id="4" name="Textplatzhalter 3"/>
+          <p:cNvSpPr>
+            <a:spLocks noGrp="1"/>
+          </p:cNvSpPr>
+          <p:nvPr>
+            <p:ph type="body" sz="quarter" idx="23"/>
+          </p:nvPr>
+        </p:nvSpPr>
+        <p:spPr/>
+        <p:txBody>
+          <a:bodyPr/>
+          <a:lstStyle/>
+          <a:p>
+            <a:endParaRPr lang="en-US"/>
           </a:p>
         </p:txBody>
       </p:sp>
     </p:spTree>
     <p:extLst>
       <p:ext uri="{BB962C8B-B14F-4D97-AF65-F5344CB8AC3E}">
-        <p14:creationId xmlns:p14="http://schemas.microsoft.com/office/powerpoint/2010/main" val="3532556765"/>
+        <p14:creationId xmlns:p14="http://schemas.microsoft.com/office/powerpoint/2010/main" val="2612317688"/>
       </p:ext>
     </p:extLst>
   </p:cSld>
   <p:clrMapOvr>
     <a:masterClrMapping/>
   </p:clrMapOvr>
-  <mc:AlternateContent xmlns:mc="http://schemas.openxmlformats.org/markup-compatibility/2006" xmlns:p14="http://schemas.microsoft.com/office/powerpoint/2010/main">
-    <mc:Choice Requires="p14">
-      <p:transition spd="med" p14:dur="700">
-        <p:fade/>
-      </p:transition>
-    </mc:Choice>
-    <mc:Fallback xmlns="">
-      <p:transition spd="med">
-        <p:fade/>
-      </p:transition>
-    </mc:Fallback>
-  </mc:AlternateContent>
+  <p:transition spd="slow">
+    <p:push/>
+  </p:transition>
 </p:sld>
 </file>
 
@@ -45332,7 +45957,7 @@
       </p:grpSpPr>
       <p:sp>
         <p:nvSpPr>
-          <p:cNvPr id="2" name="Titel 1"/>
+          <p:cNvPr id="2" name="Title 1"/>
           <p:cNvSpPr>
             <a:spLocks noGrp="1"/>
           </p:cNvSpPr>
@@ -45347,14 +45972,14 @@
           <a:p>
             <a:r>
               <a:rPr lang="en-US" dirty="0"/>
-              <a:t>Docker and Microsoft</a:t>
+              <a:t>What to Use Docker For?</a:t>
             </a:r>
           </a:p>
         </p:txBody>
       </p:sp>
       <p:sp>
         <p:nvSpPr>
-          <p:cNvPr id="3" name="Inhaltsplatzhalter 2"/>
+          <p:cNvPr id="3" name="Content Placeholder 2"/>
           <p:cNvSpPr>
             <a:spLocks noGrp="1"/>
           </p:cNvSpPr>
@@ -45368,110 +45993,75 @@
           <a:lstStyle/>
           <a:p>
             <a:r>
+              <a:rPr lang="en-US" dirty="0"/>
+              <a:t>Make dev/test/prod-cycle more productive</a:t>
+            </a:r>
+          </a:p>
+          <a:p>
+            <a:pPr lvl="1"/>
+            <a:r>
+              <a:rPr lang="en-US" dirty="0"/>
+              <a:t>Developers build containers, not apps</a:t>
+            </a:r>
+          </a:p>
+          <a:p>
+            <a:pPr lvl="1"/>
+            <a:r>
+              <a:rPr lang="en-US" dirty="0"/>
+              <a:t>Containerize build-, test- and CI-tools</a:t>
+            </a:r>
+          </a:p>
+          <a:p>
+            <a:r>
+              <a:rPr lang="en-US" dirty="0"/>
+              <a:t>Segregation of duties</a:t>
+            </a:r>
+          </a:p>
+          <a:p>
+            <a:pPr lvl="1"/>
+            <a:r>
+              <a:rPr lang="en-US" dirty="0"/>
+              <a:t>Dev cares for app running in container, ops cares for managing containers</a:t>
+            </a:r>
+          </a:p>
+          <a:p>
+            <a:r>
+              <a:rPr lang="en-US" dirty="0" err="1"/>
+              <a:t>Microservices</a:t>
+            </a:r>
+            <a:endParaRPr lang="en-US" dirty="0"/>
+          </a:p>
+          <a:p>
+            <a:pPr lvl="1"/>
+            <a:r>
+              <a:rPr lang="en-US" dirty="0"/>
+              <a:t>Isolate services</a:t>
+            </a:r>
+          </a:p>
+          <a:p>
+            <a:pPr lvl="1"/>
+            <a:r>
+              <a:rPr lang="en-US" dirty="0"/>
+              <a:t>Consistency across stages (dev/test/prod)</a:t>
+            </a:r>
+          </a:p>
+          <a:p>
+            <a:r>
+              <a:rPr lang="en-US" dirty="0"/>
+              <a:t>Test even complex environments locally</a:t>
+            </a:r>
+          </a:p>
+          <a:p>
+            <a:pPr lvl="1"/>
+            <a:r>
+              <a:rPr lang="en-US" dirty="0"/>
+              <a:t>Containers are lightweight </a:t>
+            </a:r>
+            <a:r>
               <a:rPr lang="en-US" dirty="0">
-                <a:hlinkClick r:id="rId2"/>
+                <a:sym typeface="Wingdings" panose="05000000000000000000" pitchFamily="2" charset="2"/>
               </a:rPr>
-              <a:t>Docker Toolbox</a:t>
-            </a:r>
-            <a:endParaRPr lang="en-US" dirty="0"/>
-          </a:p>
-          <a:p>
-            <a:pPr lvl="1"/>
-            <a:r>
-              <a:rPr lang="en-US" dirty="0"/>
-              <a:t>Docker environment for Windows and Mac incl. </a:t>
-            </a:r>
-            <a:r>
-              <a:rPr lang="en-US" dirty="0" err="1"/>
-              <a:t>VirtualBox</a:t>
-            </a:r>
-            <a:endParaRPr lang="en-US" dirty="0"/>
-          </a:p>
-          <a:p>
-            <a:pPr lvl="1"/>
-            <a:r>
-              <a:rPr lang="en-US" dirty="0">
-                <a:hlinkClick r:id="rId3"/>
-              </a:rPr>
-              <a:t>Docker Machine</a:t>
-            </a:r>
-            <a:r>
-              <a:rPr lang="en-US" dirty="0"/>
-              <a:t>: Support for </a:t>
-            </a:r>
-            <a:r>
-              <a:rPr lang="en-US" dirty="0">
-                <a:hlinkClick r:id="rId4"/>
-              </a:rPr>
-              <a:t>Hyper-V</a:t>
-            </a:r>
-            <a:r>
-              <a:rPr lang="en-US" dirty="0"/>
-              <a:t> and </a:t>
-            </a:r>
-            <a:r>
-              <a:rPr lang="en-US" dirty="0">
-                <a:hlinkClick r:id="rId5"/>
-              </a:rPr>
-              <a:t>Microsoft Azure</a:t>
-            </a:r>
-            <a:endParaRPr lang="en-US" dirty="0"/>
-          </a:p>
-          <a:p>
-            <a:r>
-              <a:rPr lang="en-US" dirty="0"/>
-              <a:t>Container virtualization in Windows</a:t>
-            </a:r>
-          </a:p>
-          <a:p>
-            <a:pPr lvl="1"/>
-            <a:r>
-              <a:rPr lang="en-US" dirty="0"/>
-              <a:t>Announced for next version of Windows Server</a:t>
-            </a:r>
-          </a:p>
-          <a:p>
-            <a:pPr lvl="1"/>
-            <a:r>
-              <a:rPr lang="en-US" dirty="0">
-                <a:hlinkClick r:id="rId6"/>
-              </a:rPr>
-              <a:t>Windows Containers Quick Start</a:t>
-            </a:r>
-            <a:endParaRPr lang="en-US" dirty="0"/>
-          </a:p>
-          <a:p>
-            <a:r>
-              <a:rPr lang="en-US" dirty="0"/>
-              <a:t>Use Azure to play with Docker</a:t>
-            </a:r>
-          </a:p>
-          <a:p>
-            <a:pPr lvl="1"/>
-            <a:r>
-              <a:rPr lang="en-US" dirty="0"/>
-              <a:t>Existing VM image (Docker on Ubuntu server) in Azure marketplace</a:t>
-            </a:r>
-          </a:p>
-          <a:p>
-            <a:pPr lvl="1"/>
-            <a:r>
-              <a:rPr lang="en-US" dirty="0"/>
-              <a:t>Use Docker container to run Azure tools </a:t>
-            </a:r>
-            <a:r>
-              <a:rPr lang="en-US" sz="1400" dirty="0"/>
-              <a:t>(e.g. </a:t>
-            </a:r>
-            <a:r>
-              <a:rPr lang="en-US" sz="1400" dirty="0">
-                <a:hlinkClick r:id="rId7"/>
-              </a:rPr>
-              <a:t>https://hub.docker.com/r/microsoft/azure-cli/</a:t>
-            </a:r>
-            <a:r>
-              <a:rPr lang="en-US" sz="1400" dirty="0"/>
-              <a:t>) </a:t>
+              <a:t> run on rather small dev boxes</a:t>
             </a:r>
             <a:endParaRPr lang="en-US" dirty="0"/>
           </a:p>
@@ -45479,7 +46069,7 @@
       </p:sp>
       <p:sp>
         <p:nvSpPr>
-          <p:cNvPr id="4" name="Textplatzhalter 3"/>
+          <p:cNvPr id="4" name="Text Placeholder 3"/>
           <p:cNvSpPr>
             <a:spLocks noGrp="1"/>
           </p:cNvSpPr>
@@ -45492,14 +46082,14 @@
           <a:bodyPr/>
           <a:lstStyle/>
           <a:p>
-            <a:endParaRPr lang="en-US"/>
+            <a:endParaRPr lang="en-US" dirty="0"/>
           </a:p>
         </p:txBody>
       </p:sp>
     </p:spTree>
     <p:extLst>
       <p:ext uri="{BB962C8B-B14F-4D97-AF65-F5344CB8AC3E}">
-        <p14:creationId xmlns:p14="http://schemas.microsoft.com/office/powerpoint/2010/main" val="4210568527"/>
+        <p14:creationId xmlns:p14="http://schemas.microsoft.com/office/powerpoint/2010/main" val="1160898887"/>
       </p:ext>
     </p:extLst>
   </p:cSld>
@@ -45531,7 +46121,7 @@
       </p:grpSpPr>
       <p:sp>
         <p:nvSpPr>
-          <p:cNvPr id="6" name="Title 5"/>
+          <p:cNvPr id="2" name="Title 1"/>
           <p:cNvSpPr>
             <a:spLocks noGrp="1"/>
           </p:cNvSpPr>
@@ -45546,19 +46136,19 @@
           <a:p>
             <a:r>
               <a:rPr lang="en-US" dirty="0"/>
-              <a:t>Visual Studio DevOps Tooling</a:t>
+              <a:t>Docker Tools</a:t>
             </a:r>
           </a:p>
         </p:txBody>
       </p:sp>
       <p:sp>
         <p:nvSpPr>
-          <p:cNvPr id="7" name="Content Placeholder 6"/>
+          <p:cNvPr id="3" name="Text Placeholder 2"/>
           <p:cNvSpPr>
             <a:spLocks noGrp="1"/>
           </p:cNvSpPr>
           <p:nvPr>
-            <p:ph sz="quarter" idx="12"/>
+            <p:ph type="body" sz="quarter" idx="25"/>
           </p:nvPr>
         </p:nvSpPr>
         <p:spPr/>
@@ -45568,83 +46158,33 @@
           <a:p>
             <a:r>
               <a:rPr lang="en-US" dirty="0"/>
-              <a:t>Docker Extension for Visual Studio Code</a:t>
-            </a:r>
-          </a:p>
-          <a:p>
-            <a:pPr lvl="1"/>
-            <a:r>
-              <a:rPr lang="en-US" dirty="0">
-                <a:hlinkClick r:id="rId2"/>
-              </a:rPr>
-              <a:t>https://code.visualstudio.com/Docs/languages/dockerfile</a:t>
-            </a:r>
-            <a:endParaRPr lang="en-US" dirty="0"/>
-          </a:p>
-          <a:p>
-            <a:r>
-              <a:rPr lang="en-US" dirty="0"/>
-              <a:t>Visual Studio 2015 Tools for Docker</a:t>
-            </a:r>
-          </a:p>
-          <a:p>
-            <a:pPr lvl="1"/>
-            <a:r>
-              <a:rPr lang="en-US" dirty="0">
-                <a:hlinkClick r:id="rId3"/>
-              </a:rPr>
-              <a:t>https://visualstudiogallery.msdn.microsoft.com/0f5b2caa-ea00-41c8-b8a2-058c7da0b3e4</a:t>
-            </a:r>
-            <a:endParaRPr lang="en-US" dirty="0"/>
-          </a:p>
-          <a:p>
-            <a:pPr lvl="1"/>
-            <a:r>
-              <a:rPr lang="en-US" dirty="0"/>
-              <a:t>Step-by-step description for </a:t>
-            </a:r>
-            <a:r>
-              <a:rPr lang="en-US" dirty="0">
-                <a:hlinkClick r:id="rId4"/>
-              </a:rPr>
-              <a:t>deploying an ASP.NET Web App</a:t>
-            </a:r>
-            <a:endParaRPr lang="en-US" dirty="0"/>
-          </a:p>
-        </p:txBody>
-      </p:sp>
-      <p:sp>
-        <p:nvSpPr>
-          <p:cNvPr id="8" name="Text Placeholder 7"/>
-          <p:cNvSpPr>
-            <a:spLocks noGrp="1"/>
-          </p:cNvSpPr>
-          <p:nvPr>
-            <p:ph type="body" sz="quarter" idx="23"/>
-          </p:nvPr>
-        </p:nvSpPr>
-        <p:spPr/>
-        <p:txBody>
-          <a:bodyPr/>
-          <a:lstStyle/>
-          <a:p>
-            <a:endParaRPr lang="en-US" dirty="0"/>
+              <a:t>Introduction</a:t>
+            </a:r>
           </a:p>
         </p:txBody>
       </p:sp>
     </p:spTree>
     <p:extLst>
       <p:ext uri="{BB962C8B-B14F-4D97-AF65-F5344CB8AC3E}">
-        <p14:creationId xmlns:p14="http://schemas.microsoft.com/office/powerpoint/2010/main" val="2597850747"/>
+        <p14:creationId xmlns:p14="http://schemas.microsoft.com/office/powerpoint/2010/main" val="3532556765"/>
       </p:ext>
     </p:extLst>
   </p:cSld>
   <p:clrMapOvr>
     <a:masterClrMapping/>
   </p:clrMapOvr>
-  <p:transition spd="slow">
-    <p:push/>
-  </p:transition>
+  <mc:AlternateContent xmlns:mc="http://schemas.openxmlformats.org/markup-compatibility/2006" xmlns:p14="http://schemas.microsoft.com/office/powerpoint/2010/main">
+    <mc:Choice Requires="p14">
+      <p:transition spd="med" p14:dur="700">
+        <p:fade/>
+      </p:transition>
+    </mc:Choice>
+    <mc:Fallback xmlns="">
+      <p:transition spd="med">
+        <p:fade/>
+      </p:transition>
+    </mc:Fallback>
+  </mc:AlternateContent>
 </p:sld>
 </file>
 

--- a/slides/Docker-Workshop.pptx
+++ b/slides/Docker-Workshop.pptx
@@ -11,55 +11,58 @@
     <p:sldId id="320" r:id="rId5"/>
     <p:sldId id="270" r:id="rId6"/>
     <p:sldId id="271" r:id="rId7"/>
-    <p:sldId id="326" r:id="rId8"/>
-    <p:sldId id="272" r:id="rId9"/>
-    <p:sldId id="324" r:id="rId10"/>
-    <p:sldId id="321" r:id="rId11"/>
-    <p:sldId id="273" r:id="rId12"/>
-    <p:sldId id="315" r:id="rId13"/>
-    <p:sldId id="314" r:id="rId14"/>
-    <p:sldId id="317" r:id="rId15"/>
-    <p:sldId id="316" r:id="rId16"/>
-    <p:sldId id="318" r:id="rId17"/>
-    <p:sldId id="319" r:id="rId18"/>
-    <p:sldId id="301" r:id="rId19"/>
-    <p:sldId id="295" r:id="rId20"/>
-    <p:sldId id="276" r:id="rId21"/>
-    <p:sldId id="325" r:id="rId22"/>
-    <p:sldId id="277" r:id="rId23"/>
-    <p:sldId id="278" r:id="rId24"/>
-    <p:sldId id="279" r:id="rId25"/>
-    <p:sldId id="280" r:id="rId26"/>
-    <p:sldId id="323" r:id="rId27"/>
-    <p:sldId id="302" r:id="rId28"/>
-    <p:sldId id="304" r:id="rId29"/>
-    <p:sldId id="303" r:id="rId30"/>
-    <p:sldId id="305" r:id="rId31"/>
-    <p:sldId id="307" r:id="rId32"/>
-    <p:sldId id="309" r:id="rId33"/>
-    <p:sldId id="310" r:id="rId34"/>
-    <p:sldId id="311" r:id="rId35"/>
-    <p:sldId id="281" r:id="rId36"/>
-    <p:sldId id="282" r:id="rId37"/>
-    <p:sldId id="308" r:id="rId38"/>
-    <p:sldId id="283" r:id="rId39"/>
-    <p:sldId id="284" r:id="rId40"/>
-    <p:sldId id="285" r:id="rId41"/>
-    <p:sldId id="286" r:id="rId42"/>
-    <p:sldId id="287" r:id="rId43"/>
-    <p:sldId id="288" r:id="rId44"/>
-    <p:sldId id="289" r:id="rId45"/>
-    <p:sldId id="290" r:id="rId46"/>
-    <p:sldId id="291" r:id="rId47"/>
-    <p:sldId id="298" r:id="rId48"/>
-    <p:sldId id="299" r:id="rId49"/>
-    <p:sldId id="300" r:id="rId50"/>
-    <p:sldId id="292" r:id="rId51"/>
-    <p:sldId id="313" r:id="rId52"/>
-    <p:sldId id="312" r:id="rId53"/>
-    <p:sldId id="293" r:id="rId54"/>
-    <p:sldId id="294" r:id="rId55"/>
-    <p:sldId id="322" r:id="rId56"/>
+    <p:sldId id="327" r:id="rId8"/>
+    <p:sldId id="326" r:id="rId9"/>
+    <p:sldId id="272" r:id="rId10"/>
+    <p:sldId id="324" r:id="rId11"/>
+    <p:sldId id="321" r:id="rId12"/>
+    <p:sldId id="273" r:id="rId13"/>
+    <p:sldId id="315" r:id="rId14"/>
+    <p:sldId id="314" r:id="rId15"/>
+    <p:sldId id="317" r:id="rId16"/>
+    <p:sldId id="316" r:id="rId17"/>
+    <p:sldId id="318" r:id="rId18"/>
+    <p:sldId id="319" r:id="rId19"/>
+    <p:sldId id="301" r:id="rId20"/>
+    <p:sldId id="295" r:id="rId21"/>
+    <p:sldId id="276" r:id="rId22"/>
+    <p:sldId id="325" r:id="rId23"/>
+    <p:sldId id="277" r:id="rId24"/>
+    <p:sldId id="278" r:id="rId25"/>
+    <p:sldId id="279" r:id="rId26"/>
+    <p:sldId id="280" r:id="rId27"/>
+    <p:sldId id="323" r:id="rId28"/>
+    <p:sldId id="302" r:id="rId29"/>
+    <p:sldId id="304" r:id="rId30"/>
+    <p:sldId id="303" r:id="rId31"/>
+    <p:sldId id="305" r:id="rId32"/>
+    <p:sldId id="307" r:id="rId33"/>
+    <p:sldId id="309" r:id="rId34"/>
+    <p:sldId id="310" r:id="rId35"/>
+    <p:sldId id="311" r:id="rId36"/>
+    <p:sldId id="328" r:id="rId37"/>
+    <p:sldId id="329" r:id="rId38"/>
+    <p:sldId id="281" r:id="rId39"/>
+    <p:sldId id="282" r:id="rId40"/>
+    <p:sldId id="308" r:id="rId41"/>
+    <p:sldId id="283" r:id="rId42"/>
+    <p:sldId id="284" r:id="rId43"/>
+    <p:sldId id="285" r:id="rId44"/>
+    <p:sldId id="286" r:id="rId45"/>
+    <p:sldId id="287" r:id="rId46"/>
+    <p:sldId id="288" r:id="rId47"/>
+    <p:sldId id="289" r:id="rId48"/>
+    <p:sldId id="290" r:id="rId49"/>
+    <p:sldId id="291" r:id="rId50"/>
+    <p:sldId id="298" r:id="rId51"/>
+    <p:sldId id="299" r:id="rId52"/>
+    <p:sldId id="300" r:id="rId53"/>
+    <p:sldId id="292" r:id="rId54"/>
+    <p:sldId id="313" r:id="rId55"/>
+    <p:sldId id="312" r:id="rId56"/>
+    <p:sldId id="293" r:id="rId57"/>
+    <p:sldId id="294" r:id="rId58"/>
+    <p:sldId id="322" r:id="rId59"/>
   </p:sldIdLst>
   <p:sldSz cx="9144000" cy="5143500" type="screen16x9"/>
   <p:notesSz cx="6858000" cy="9144000"/>
@@ -227,6 +230,7 @@
             <p14:sldId id="320"/>
             <p14:sldId id="270"/>
             <p14:sldId id="271"/>
+            <p14:sldId id="327"/>
             <p14:sldId id="326"/>
             <p14:sldId id="272"/>
             <p14:sldId id="324"/>
@@ -263,6 +267,8 @@
             <p14:sldId id="309"/>
             <p14:sldId id="310"/>
             <p14:sldId id="311"/>
+            <p14:sldId id="328"/>
+            <p14:sldId id="329"/>
           </p14:sldIdLst>
         </p14:section>
         <p14:section name="Docker Images" id="{9D8E0D0D-2DA3-4DF6-B181-9217CEBC3C00}">
@@ -29541,7 +29547,7 @@
       </p:grpSpPr>
       <p:sp>
         <p:nvSpPr>
-          <p:cNvPr id="2" name="Titel 1"/>
+          <p:cNvPr id="2" name="Title 1"/>
           <p:cNvSpPr>
             <a:spLocks noGrp="1"/>
           </p:cNvSpPr>
@@ -29556,19 +29562,19 @@
           <a:p>
             <a:r>
               <a:rPr lang="en-US" dirty="0"/>
-              <a:t>Docker and Microsoft</a:t>
+              <a:t>Docker Tools</a:t>
             </a:r>
           </a:p>
         </p:txBody>
       </p:sp>
       <p:sp>
         <p:nvSpPr>
-          <p:cNvPr id="3" name="Inhaltsplatzhalter 2"/>
+          <p:cNvPr id="3" name="Text Placeholder 2"/>
           <p:cNvSpPr>
             <a:spLocks noGrp="1"/>
           </p:cNvSpPr>
           <p:nvPr>
-            <p:ph sz="quarter" idx="12"/>
+            <p:ph type="body" sz="quarter" idx="25"/>
           </p:nvPr>
         </p:nvSpPr>
         <p:spPr/>
@@ -29577,147 +29583,34 @@
           <a:lstStyle/>
           <a:p>
             <a:r>
-              <a:rPr lang="en-US" dirty="0">
-                <a:hlinkClick r:id="rId2"/>
-              </a:rPr>
-              <a:t>Docker Toolbox</a:t>
-            </a:r>
-            <a:endParaRPr lang="en-US" dirty="0"/>
-          </a:p>
-          <a:p>
-            <a:pPr lvl="1"/>
-            <a:r>
-              <a:rPr lang="en-US" dirty="0"/>
-              <a:t>Docker environment for Windows and Mac incl. </a:t>
-            </a:r>
-            <a:r>
-              <a:rPr lang="en-US" dirty="0" err="1"/>
-              <a:t>VirtualBox</a:t>
-            </a:r>
-            <a:endParaRPr lang="en-US" dirty="0"/>
-          </a:p>
-          <a:p>
-            <a:pPr lvl="1"/>
-            <a:r>
-              <a:rPr lang="en-US" dirty="0">
-                <a:hlinkClick r:id="rId3"/>
-              </a:rPr>
-              <a:t>Docker Machine</a:t>
-            </a:r>
-            <a:r>
-              <a:rPr lang="en-US" dirty="0"/>
-              <a:t>: Support for </a:t>
-            </a:r>
-            <a:r>
-              <a:rPr lang="en-US" dirty="0">
-                <a:hlinkClick r:id="rId4"/>
-              </a:rPr>
-              <a:t>Hyper-V</a:t>
-            </a:r>
-            <a:r>
-              <a:rPr lang="en-US" dirty="0"/>
-              <a:t> and </a:t>
-            </a:r>
-            <a:r>
-              <a:rPr lang="en-US" dirty="0">
-                <a:hlinkClick r:id="rId5"/>
-              </a:rPr>
-              <a:t>Microsoft Azure</a:t>
-            </a:r>
-            <a:endParaRPr lang="en-US" dirty="0"/>
-          </a:p>
-          <a:p>
-            <a:r>
-              <a:rPr lang="en-US" dirty="0"/>
-              <a:t>Container virtualization in Windows</a:t>
-            </a:r>
-          </a:p>
-          <a:p>
-            <a:pPr lvl="1"/>
-            <a:r>
-              <a:rPr lang="en-US" dirty="0"/>
-              <a:t>Announced for next version of Windows Server</a:t>
-            </a:r>
-          </a:p>
-          <a:p>
-            <a:pPr lvl="1"/>
-            <a:r>
-              <a:rPr lang="en-US" dirty="0">
-                <a:hlinkClick r:id="rId6"/>
-              </a:rPr>
-              <a:t>Windows Containers Quick Start</a:t>
-            </a:r>
-            <a:endParaRPr lang="en-US" dirty="0"/>
-          </a:p>
-          <a:p>
-            <a:r>
-              <a:rPr lang="en-US" dirty="0"/>
-              <a:t>Use Azure to play with Docker</a:t>
-            </a:r>
-          </a:p>
-          <a:p>
-            <a:pPr lvl="1"/>
-            <a:r>
-              <a:rPr lang="en-US" dirty="0"/>
-              <a:t>Existing VM image (Docker on Ubuntu server) in Azure marketplace</a:t>
-            </a:r>
-          </a:p>
-          <a:p>
-            <a:pPr lvl="1"/>
-            <a:r>
-              <a:rPr lang="en-US" dirty="0"/>
-              <a:t>Use Docker container to run Azure tools </a:t>
-            </a:r>
-            <a:r>
-              <a:rPr lang="en-US" sz="1400" dirty="0"/>
-              <a:t>(e.g. </a:t>
-            </a:r>
-            <a:r>
-              <a:rPr lang="en-US" sz="1400" dirty="0">
-                <a:hlinkClick r:id="rId7"/>
-              </a:rPr>
-              <a:t>https://hub.docker.com/r/microsoft/azure-cli/</a:t>
-            </a:r>
-            <a:r>
-              <a:rPr lang="en-US" sz="1400" dirty="0"/>
-              <a:t>) </a:t>
-            </a:r>
-            <a:endParaRPr lang="en-US" dirty="0"/>
-          </a:p>
-        </p:txBody>
-      </p:sp>
-      <p:sp>
-        <p:nvSpPr>
-          <p:cNvPr id="4" name="Textplatzhalter 3"/>
-          <p:cNvSpPr>
-            <a:spLocks noGrp="1"/>
-          </p:cNvSpPr>
-          <p:nvPr>
-            <p:ph type="body" sz="quarter" idx="23"/>
-          </p:nvPr>
-        </p:nvSpPr>
-        <p:spPr/>
-        <p:txBody>
-          <a:bodyPr/>
-          <a:lstStyle/>
-          <a:p>
-            <a:endParaRPr lang="en-US"/>
+              <a:rPr lang="en-US" dirty="0"/>
+              <a:t>Introduction</a:t>
+            </a:r>
           </a:p>
         </p:txBody>
       </p:sp>
     </p:spTree>
     <p:extLst>
       <p:ext uri="{BB962C8B-B14F-4D97-AF65-F5344CB8AC3E}">
-        <p14:creationId xmlns:p14="http://schemas.microsoft.com/office/powerpoint/2010/main" val="4210568527"/>
+        <p14:creationId xmlns:p14="http://schemas.microsoft.com/office/powerpoint/2010/main" val="3532556765"/>
       </p:ext>
     </p:extLst>
   </p:cSld>
   <p:clrMapOvr>
     <a:masterClrMapping/>
   </p:clrMapOvr>
-  <p:transition spd="slow">
-    <p:push/>
-  </p:transition>
+  <mc:AlternateContent xmlns:mc="http://schemas.openxmlformats.org/markup-compatibility/2006" xmlns:p14="http://schemas.microsoft.com/office/powerpoint/2010/main">
+    <mc:Choice Requires="p14">
+      <p:transition spd="med" p14:dur="700">
+        <p:fade/>
+      </p:transition>
+    </mc:Choice>
+    <mc:Fallback xmlns="">
+      <p:transition spd="med">
+        <p:fade/>
+      </p:transition>
+    </mc:Fallback>
+  </mc:AlternateContent>
 </p:sld>
 </file>
 
@@ -29740,7 +29633,7 @@
       </p:grpSpPr>
       <p:sp>
         <p:nvSpPr>
-          <p:cNvPr id="6" name="Title 5"/>
+          <p:cNvPr id="2" name="Titel 1"/>
           <p:cNvSpPr>
             <a:spLocks noGrp="1"/>
           </p:cNvSpPr>
@@ -29755,14 +29648,14 @@
           <a:p>
             <a:r>
               <a:rPr lang="en-US" dirty="0"/>
-              <a:t>Visual Studio DevOps Tooling</a:t>
+              <a:t>Docker and Microsoft</a:t>
             </a:r>
           </a:p>
         </p:txBody>
       </p:sp>
       <p:sp>
         <p:nvSpPr>
-          <p:cNvPr id="7" name="Content Placeholder 6"/>
+          <p:cNvPr id="3" name="Inhaltsplatzhalter 2"/>
           <p:cNvSpPr>
             <a:spLocks noGrp="1"/>
           </p:cNvSpPr>
@@ -29776,25 +29669,24 @@
           <a:lstStyle/>
           <a:p>
             <a:r>
-              <a:rPr lang="en-US" dirty="0"/>
-              <a:t>Docker Extension for Visual Studio Code</a:t>
-            </a:r>
-          </a:p>
-          <a:p>
-            <a:pPr lvl="1"/>
-            <a:r>
               <a:rPr lang="en-US" dirty="0">
                 <a:hlinkClick r:id="rId2"/>
               </a:rPr>
-              <a:t>https://code.visualstudio.com/Docs/languages/dockerfile</a:t>
+              <a:t>Docker Toolbox</a:t>
             </a:r>
             <a:endParaRPr lang="en-US" dirty="0"/>
           </a:p>
           <a:p>
-            <a:r>
-              <a:rPr lang="en-US" dirty="0"/>
-              <a:t>Visual Studio 2015 Tools for Docker</a:t>
-            </a:r>
+            <a:pPr lvl="1"/>
+            <a:r>
+              <a:rPr lang="en-US" dirty="0"/>
+              <a:t>Docker environment for Windows and Mac incl. </a:t>
+            </a:r>
+            <a:r>
+              <a:rPr lang="en-US" dirty="0" err="1"/>
+              <a:t>VirtualBox</a:t>
+            </a:r>
+            <a:endParaRPr lang="en-US" dirty="0"/>
           </a:p>
           <a:p>
             <a:pPr lvl="1"/>
@@ -29802,21 +29694,85 @@
               <a:rPr lang="en-US" dirty="0">
                 <a:hlinkClick r:id="rId3"/>
               </a:rPr>
-              <a:t>https://visualstudiogallery.msdn.microsoft.com/0f5b2caa-ea00-41c8-b8a2-058c7da0b3e4</a:t>
-            </a:r>
-            <a:endParaRPr lang="en-US" dirty="0"/>
-          </a:p>
-          <a:p>
-            <a:pPr lvl="1"/>
-            <a:r>
-              <a:rPr lang="en-US" dirty="0"/>
-              <a:t>Step-by-step description for </a:t>
+              <a:t>Docker Machine</a:t>
+            </a:r>
+            <a:r>
+              <a:rPr lang="en-US" dirty="0"/>
+              <a:t>: Support for </a:t>
             </a:r>
             <a:r>
               <a:rPr lang="en-US" dirty="0">
                 <a:hlinkClick r:id="rId4"/>
               </a:rPr>
-              <a:t>deploying an ASP.NET Web App</a:t>
+              <a:t>Hyper-V</a:t>
+            </a:r>
+            <a:r>
+              <a:rPr lang="en-US" dirty="0"/>
+              <a:t> and </a:t>
+            </a:r>
+            <a:r>
+              <a:rPr lang="en-US" dirty="0">
+                <a:hlinkClick r:id="rId5"/>
+              </a:rPr>
+              <a:t>Microsoft Azure</a:t>
+            </a:r>
+            <a:endParaRPr lang="en-US" dirty="0"/>
+          </a:p>
+          <a:p>
+            <a:r>
+              <a:rPr lang="en-US" dirty="0"/>
+              <a:t>Container virtualization in Windows</a:t>
+            </a:r>
+          </a:p>
+          <a:p>
+            <a:pPr lvl="1"/>
+            <a:r>
+              <a:rPr lang="en-US" dirty="0"/>
+              <a:t>Announced for next version of Windows Server</a:t>
+            </a:r>
+          </a:p>
+          <a:p>
+            <a:pPr lvl="1"/>
+            <a:r>
+              <a:rPr lang="en-US" dirty="0">
+                <a:hlinkClick r:id="rId6"/>
+              </a:rPr>
+              <a:t>Windows Containers Quick Start</a:t>
+            </a:r>
+            <a:endParaRPr lang="en-US" dirty="0"/>
+          </a:p>
+          <a:p>
+            <a:r>
+              <a:rPr lang="en-US" dirty="0"/>
+              <a:t>Use Azure to play with Docker</a:t>
+            </a:r>
+          </a:p>
+          <a:p>
+            <a:pPr lvl="1"/>
+            <a:r>
+              <a:rPr lang="en-US" dirty="0"/>
+              <a:t>Existing VM image (Docker on Ubuntu server) in Azure marketplace</a:t>
+            </a:r>
+          </a:p>
+          <a:p>
+            <a:pPr lvl="1"/>
+            <a:r>
+              <a:rPr lang="en-US" dirty="0"/>
+              <a:t>Use Docker container to run Azure tools </a:t>
+            </a:r>
+            <a:r>
+              <a:rPr lang="en-US" sz="1400" dirty="0"/>
+              <a:t>(e.g. </a:t>
+            </a:r>
+            <a:r>
+              <a:rPr lang="en-US" sz="1400" dirty="0">
+                <a:hlinkClick r:id="rId7"/>
+              </a:rPr>
+              <a:t>https://hub.docker.com/r/microsoft/azure-cli/</a:t>
+            </a:r>
+            <a:r>
+              <a:rPr lang="en-US" sz="1400" dirty="0"/>
+              <a:t>) </a:t>
             </a:r>
             <a:endParaRPr lang="en-US" dirty="0"/>
           </a:p>
@@ -29824,7 +29780,7 @@
       </p:sp>
       <p:sp>
         <p:nvSpPr>
-          <p:cNvPr id="8" name="Text Placeholder 7"/>
+          <p:cNvPr id="4" name="Textplatzhalter 3"/>
           <p:cNvSpPr>
             <a:spLocks noGrp="1"/>
           </p:cNvSpPr>
@@ -29837,14 +29793,14 @@
           <a:bodyPr/>
           <a:lstStyle/>
           <a:p>
-            <a:endParaRPr lang="en-US" dirty="0"/>
+            <a:endParaRPr lang="en-US"/>
           </a:p>
         </p:txBody>
       </p:sp>
     </p:spTree>
     <p:extLst>
       <p:ext uri="{BB962C8B-B14F-4D97-AF65-F5344CB8AC3E}">
-        <p14:creationId xmlns:p14="http://schemas.microsoft.com/office/powerpoint/2010/main" val="2597850747"/>
+        <p14:creationId xmlns:p14="http://schemas.microsoft.com/office/powerpoint/2010/main" val="4210568527"/>
       </p:ext>
     </p:extLst>
   </p:cSld>
@@ -29876,12 +29832,12 @@
       </p:grpSpPr>
       <p:sp>
         <p:nvSpPr>
-          <p:cNvPr id="2" name="Textplatzhalter 1"/>
+          <p:cNvPr id="6" name="Title 5"/>
           <p:cNvSpPr>
             <a:spLocks noGrp="1"/>
           </p:cNvSpPr>
           <p:nvPr>
-            <p:ph type="body" sz="quarter" idx="16"/>
+            <p:ph type="title"/>
           </p:nvPr>
         </p:nvSpPr>
         <p:spPr/>
@@ -29891,19 +29847,19 @@
           <a:p>
             <a:r>
               <a:rPr lang="en-US" dirty="0"/>
-              <a:t>Docker in Azure</a:t>
+              <a:t>Visual Studio DevOps Tooling</a:t>
             </a:r>
           </a:p>
         </p:txBody>
       </p:sp>
       <p:sp>
         <p:nvSpPr>
-          <p:cNvPr id="3" name="Textplatzhalter 2"/>
+          <p:cNvPr id="7" name="Content Placeholder 6"/>
           <p:cNvSpPr>
             <a:spLocks noGrp="1"/>
           </p:cNvSpPr>
           <p:nvPr>
-            <p:ph type="body" sz="quarter" idx="24"/>
+            <p:ph sz="quarter" idx="12"/>
           </p:nvPr>
         </p:nvSpPr>
         <p:spPr/>
@@ -29913,7 +29869,7 @@
           <a:p>
             <a:r>
               <a:rPr lang="en-US" dirty="0"/>
-              <a:t>Ubuntu server with Docker in Microsoft Azure</a:t>
+              <a:t>Docker Extension for Visual Studio Code</a:t>
             </a:r>
           </a:p>
           <a:p>
@@ -29922,14 +29878,14 @@
               <a:rPr lang="en-US" dirty="0">
                 <a:hlinkClick r:id="rId2"/>
               </a:rPr>
-              <a:t>Azure Docker Extension</a:t>
+              <a:t>https://code.visualstudio.com/Docs/languages/dockerfile</a:t>
             </a:r>
             <a:endParaRPr lang="en-US" dirty="0"/>
           </a:p>
           <a:p>
             <a:r>
               <a:rPr lang="en-US" dirty="0"/>
-              <a:t>ARM Template</a:t>
+              <a:t>Visual Studio 2015 Tools for Docker</a:t>
             </a:r>
           </a:p>
           <a:p>
@@ -29938,24 +29894,34 @@
               <a:rPr lang="en-US" dirty="0">
                 <a:hlinkClick r:id="rId3"/>
               </a:rPr>
-              <a:t>https://github.com/rstropek/DockerVS2015Intro/tree/master/dockerDemos/00-AzureARM</a:t>
+              <a:t>https://visualstudiogallery.msdn.microsoft.com/0f5b2caa-ea00-41c8-b8a2-058c7da0b3e4</a:t>
             </a:r>
             <a:endParaRPr lang="en-US" dirty="0"/>
           </a:p>
           <a:p>
             <a:pPr lvl="1"/>
+            <a:r>
+              <a:rPr lang="en-US" dirty="0"/>
+              <a:t>Step-by-step description for </a:t>
+            </a:r>
+            <a:r>
+              <a:rPr lang="en-US" dirty="0">
+                <a:hlinkClick r:id="rId4"/>
+              </a:rPr>
+              <a:t>deploying an ASP.NET Web App</a:t>
+            </a:r>
             <a:endParaRPr lang="en-US" dirty="0"/>
           </a:p>
         </p:txBody>
       </p:sp>
       <p:sp>
         <p:nvSpPr>
-          <p:cNvPr id="4" name="Textplatzhalter 3"/>
+          <p:cNvPr id="8" name="Text Placeholder 7"/>
           <p:cNvSpPr>
             <a:spLocks noGrp="1"/>
           </p:cNvSpPr>
           <p:nvPr>
-            <p:ph type="body" sz="quarter" idx="25"/>
+            <p:ph type="body" sz="quarter" idx="23"/>
           </p:nvPr>
         </p:nvSpPr>
         <p:spPr/>
@@ -29963,25 +29929,6 @@
           <a:bodyPr/>
           <a:lstStyle/>
           <a:p>
-            <a:endParaRPr lang="en-US"/>
-          </a:p>
-        </p:txBody>
-      </p:sp>
-      <p:sp>
-        <p:nvSpPr>
-          <p:cNvPr id="5" name="Textplatzhalter 4"/>
-          <p:cNvSpPr>
-            <a:spLocks noGrp="1"/>
-          </p:cNvSpPr>
-          <p:nvPr>
-            <p:ph type="body" sz="quarter" idx="26"/>
-          </p:nvPr>
-        </p:nvSpPr>
-        <p:spPr/>
-        <p:txBody>
-          <a:bodyPr/>
-          <a:lstStyle/>
-          <a:p>
             <a:endParaRPr lang="en-US" dirty="0"/>
           </a:p>
         </p:txBody>
@@ -29989,7 +29936,7 @@
     </p:spTree>
     <p:extLst>
       <p:ext uri="{BB962C8B-B14F-4D97-AF65-F5344CB8AC3E}">
-        <p14:creationId xmlns:p14="http://schemas.microsoft.com/office/powerpoint/2010/main" val="2815483392"/>
+        <p14:creationId xmlns:p14="http://schemas.microsoft.com/office/powerpoint/2010/main" val="2597850747"/>
       </p:ext>
     </p:extLst>
   </p:cSld>
@@ -30021,12 +29968,12 @@
       </p:grpSpPr>
       <p:sp>
         <p:nvSpPr>
-          <p:cNvPr id="5" name="Titel 4"/>
+          <p:cNvPr id="2" name="Textplatzhalter 1"/>
           <p:cNvSpPr>
             <a:spLocks noGrp="1"/>
           </p:cNvSpPr>
           <p:nvPr>
-            <p:ph type="title"/>
+            <p:ph type="body" sz="quarter" idx="16"/>
           </p:nvPr>
         </p:nvSpPr>
         <p:spPr/>
@@ -30036,19 +29983,19 @@
           <a:p>
             <a:r>
               <a:rPr lang="en-US" dirty="0"/>
-              <a:t>Docker Machine</a:t>
+              <a:t>Docker in Azure</a:t>
             </a:r>
           </a:p>
         </p:txBody>
       </p:sp>
       <p:sp>
         <p:nvSpPr>
-          <p:cNvPr id="6" name="Inhaltsplatzhalter 5"/>
+          <p:cNvPr id="3" name="Textplatzhalter 2"/>
           <p:cNvSpPr>
             <a:spLocks noGrp="1"/>
           </p:cNvSpPr>
           <p:nvPr>
-            <p:ph sz="quarter" idx="12"/>
+            <p:ph type="body" sz="quarter" idx="24"/>
           </p:nvPr>
         </p:nvSpPr>
         <p:spPr/>
@@ -30058,7 +30005,7 @@
           <a:p>
             <a:r>
               <a:rPr lang="en-US" dirty="0"/>
-              <a:t>Documentation</a:t>
+              <a:t>Ubuntu server with Docker in Microsoft Azure</a:t>
             </a:r>
           </a:p>
           <a:p>
@@ -30067,296 +30014,40 @@
               <a:rPr lang="en-US" dirty="0">
                 <a:hlinkClick r:id="rId2"/>
               </a:rPr>
-              <a:t>https://docs.docker.com/machine/overview/</a:t>
+              <a:t>Azure Docker Extension</a:t>
             </a:r>
             <a:endParaRPr lang="en-US" dirty="0"/>
           </a:p>
           <a:p>
             <a:r>
               <a:rPr lang="en-US" dirty="0"/>
-              <a:t>Important Commands for Docker Machine</a:t>
+              <a:t>ARM Template</a:t>
             </a:r>
           </a:p>
           <a:p>
             <a:pPr lvl="1"/>
             <a:r>
-              <a:rPr lang="en-US" dirty="0" err="1">
-                <a:latin typeface="Courier New" panose="02070309020205020404" pitchFamily="49" charset="0"/>
-                <a:cs typeface="Courier New" panose="02070309020205020404" pitchFamily="49" charset="0"/>
+              <a:rPr lang="en-US" dirty="0">
                 <a:hlinkClick r:id="rId3"/>
               </a:rPr>
-              <a:t>docker</a:t>
-            </a:r>
-            <a:r>
-              <a:rPr lang="en-US" dirty="0">
-                <a:latin typeface="Courier New" panose="02070309020205020404" pitchFamily="49" charset="0"/>
-                <a:cs typeface="Courier New" panose="02070309020205020404" pitchFamily="49" charset="0"/>
-                <a:hlinkClick r:id="rId3"/>
-              </a:rPr>
-              <a:t>-machine create</a:t>
-            </a:r>
-            <a:r>
-              <a:rPr lang="en-US" dirty="0"/>
-              <a:t> – Create a machine</a:t>
-            </a:r>
+              <a:t>https://github.com/rstropek/DockerVS2015Intro/tree/master/dockerDemos/00-AzureARM</a:t>
+            </a:r>
+            <a:endParaRPr lang="en-US" dirty="0"/>
           </a:p>
           <a:p>
             <a:pPr lvl="1"/>
-            <a:r>
-              <a:rPr lang="en-US" dirty="0" err="1">
-                <a:latin typeface="Courier New" panose="02070309020205020404" pitchFamily="49" charset="0"/>
-                <a:cs typeface="Courier New" panose="02070309020205020404" pitchFamily="49" charset="0"/>
-                <a:hlinkClick r:id="rId4"/>
-              </a:rPr>
-              <a:t>docker</a:t>
-            </a:r>
-            <a:r>
-              <a:rPr lang="en-US" dirty="0">
-                <a:latin typeface="Courier New" panose="02070309020205020404" pitchFamily="49" charset="0"/>
-                <a:cs typeface="Courier New" panose="02070309020205020404" pitchFamily="49" charset="0"/>
-                <a:hlinkClick r:id="rId4"/>
-              </a:rPr>
-              <a:t>-machine ls</a:t>
-            </a:r>
-            <a:r>
-              <a:rPr lang="en-US" dirty="0"/>
-              <a:t> – Lists machines</a:t>
-            </a:r>
-          </a:p>
-          <a:p>
-            <a:pPr lvl="1"/>
-            <a:r>
-              <a:rPr lang="en-US" dirty="0" err="1">
-                <a:latin typeface="Courier New" panose="02070309020205020404" pitchFamily="49" charset="0"/>
-                <a:cs typeface="Courier New" panose="02070309020205020404" pitchFamily="49" charset="0"/>
-                <a:hlinkClick r:id="rId5"/>
-              </a:rPr>
-              <a:t>docker</a:t>
-            </a:r>
-            <a:r>
-              <a:rPr lang="en-US" dirty="0">
-                <a:latin typeface="Courier New" panose="02070309020205020404" pitchFamily="49" charset="0"/>
-                <a:cs typeface="Courier New" panose="02070309020205020404" pitchFamily="49" charset="0"/>
-                <a:hlinkClick r:id="rId5"/>
-              </a:rPr>
-              <a:t>-machine </a:t>
-            </a:r>
-            <a:r>
-              <a:rPr lang="en-US" dirty="0" err="1">
-                <a:latin typeface="Courier New" panose="02070309020205020404" pitchFamily="49" charset="0"/>
-                <a:cs typeface="Courier New" panose="02070309020205020404" pitchFamily="49" charset="0"/>
-                <a:hlinkClick r:id="rId5"/>
-              </a:rPr>
-              <a:t>config</a:t>
-            </a:r>
-            <a:r>
-              <a:rPr lang="en-US" dirty="0"/>
-              <a:t> – Print the connection </a:t>
-            </a:r>
-            <a:r>
-              <a:rPr lang="en-US" dirty="0" err="1"/>
-              <a:t>config</a:t>
-            </a:r>
             <a:endParaRPr lang="en-US" dirty="0"/>
-          </a:p>
-          <a:p>
-            <a:pPr lvl="1"/>
-            <a:r>
-              <a:rPr lang="en-US" dirty="0" err="1">
-                <a:latin typeface="Courier New" panose="02070309020205020404" pitchFamily="49" charset="0"/>
-                <a:cs typeface="Courier New" panose="02070309020205020404" pitchFamily="49" charset="0"/>
-                <a:hlinkClick r:id="rId6"/>
-              </a:rPr>
-              <a:t>docker</a:t>
-            </a:r>
-            <a:r>
-              <a:rPr lang="en-US" dirty="0">
-                <a:latin typeface="Courier New" panose="02070309020205020404" pitchFamily="49" charset="0"/>
-                <a:cs typeface="Courier New" panose="02070309020205020404" pitchFamily="49" charset="0"/>
-                <a:hlinkClick r:id="rId6"/>
-              </a:rPr>
-              <a:t>-machine start</a:t>
-            </a:r>
-            <a:r>
-              <a:rPr lang="en-US" dirty="0">
-                <a:latin typeface="Courier New" panose="02070309020205020404" pitchFamily="49" charset="0"/>
-                <a:cs typeface="Courier New" panose="02070309020205020404" pitchFamily="49" charset="0"/>
-              </a:rPr>
-              <a:t>/</a:t>
-            </a:r>
-            <a:r>
-              <a:rPr lang="en-US" dirty="0">
-                <a:latin typeface="Courier New" panose="02070309020205020404" pitchFamily="49" charset="0"/>
-                <a:cs typeface="Courier New" panose="02070309020205020404" pitchFamily="49" charset="0"/>
-                <a:hlinkClick r:id="rId7"/>
-              </a:rPr>
-              <a:t>stop</a:t>
-            </a:r>
-            <a:r>
-              <a:rPr lang="en-US" dirty="0"/>
-              <a:t> – Restarts/stops a machine</a:t>
-            </a:r>
-          </a:p>
-          <a:p>
-            <a:pPr lvl="1"/>
-            <a:r>
-              <a:rPr lang="en-US" dirty="0" err="1">
-                <a:latin typeface="Courier New" panose="02070309020205020404" pitchFamily="49" charset="0"/>
-                <a:cs typeface="Courier New" panose="02070309020205020404" pitchFamily="49" charset="0"/>
-                <a:hlinkClick r:id="rId8"/>
-              </a:rPr>
-              <a:t>docker</a:t>
-            </a:r>
-            <a:r>
-              <a:rPr lang="en-US" dirty="0">
-                <a:latin typeface="Courier New" panose="02070309020205020404" pitchFamily="49" charset="0"/>
-                <a:cs typeface="Courier New" panose="02070309020205020404" pitchFamily="49" charset="0"/>
-                <a:hlinkClick r:id="rId8"/>
-              </a:rPr>
-              <a:t>-machine </a:t>
-            </a:r>
-            <a:r>
-              <a:rPr lang="en-US" dirty="0" err="1">
-                <a:latin typeface="Courier New" panose="02070309020205020404" pitchFamily="49" charset="0"/>
-                <a:cs typeface="Courier New" panose="02070309020205020404" pitchFamily="49" charset="0"/>
-                <a:hlinkClick r:id="rId8"/>
-              </a:rPr>
-              <a:t>rm</a:t>
-            </a:r>
-            <a:r>
-              <a:rPr lang="en-US" dirty="0"/>
-              <a:t> – Removes a machine</a:t>
-            </a:r>
-          </a:p>
-          <a:p>
-            <a:pPr lvl="1"/>
-            <a:r>
-              <a:rPr lang="en-US" dirty="0" err="1">
-                <a:latin typeface="Courier New" panose="02070309020205020404" pitchFamily="49" charset="0"/>
-                <a:cs typeface="Courier New" panose="02070309020205020404" pitchFamily="49" charset="0"/>
-                <a:hlinkClick r:id="rId9"/>
-              </a:rPr>
-              <a:t>docker</a:t>
-            </a:r>
-            <a:r>
-              <a:rPr lang="en-US" dirty="0">
-                <a:latin typeface="Courier New" panose="02070309020205020404" pitchFamily="49" charset="0"/>
-                <a:cs typeface="Courier New" panose="02070309020205020404" pitchFamily="49" charset="0"/>
-                <a:hlinkClick r:id="rId9"/>
-              </a:rPr>
-              <a:t>-machine </a:t>
-            </a:r>
-            <a:r>
-              <a:rPr lang="en-US" dirty="0" err="1">
-                <a:latin typeface="Courier New" panose="02070309020205020404" pitchFamily="49" charset="0"/>
-                <a:cs typeface="Courier New" panose="02070309020205020404" pitchFamily="49" charset="0"/>
-                <a:hlinkClick r:id="rId9"/>
-              </a:rPr>
-              <a:t>ssh</a:t>
-            </a:r>
-            <a:r>
-              <a:rPr lang="en-US" dirty="0">
-                <a:latin typeface="Courier New" panose="02070309020205020404" pitchFamily="49" charset="0"/>
-                <a:cs typeface="Courier New" panose="02070309020205020404" pitchFamily="49" charset="0"/>
-              </a:rPr>
-              <a:t> </a:t>
-            </a:r>
-            <a:r>
-              <a:rPr lang="en-US" dirty="0"/>
-              <a:t>– Log into or run a command on a machine using SSH</a:t>
-            </a:r>
-          </a:p>
-          <a:p>
-            <a:pPr lvl="1"/>
-            <a:r>
-              <a:rPr lang="en-US" dirty="0" err="1">
-                <a:latin typeface="Courier New" panose="02070309020205020404" pitchFamily="49" charset="0"/>
-                <a:cs typeface="Courier New" panose="02070309020205020404" pitchFamily="49" charset="0"/>
-                <a:hlinkClick r:id="rId10"/>
-              </a:rPr>
-              <a:t>docker</a:t>
-            </a:r>
-            <a:r>
-              <a:rPr lang="en-US" dirty="0">
-                <a:latin typeface="Courier New" panose="02070309020205020404" pitchFamily="49" charset="0"/>
-                <a:cs typeface="Courier New" panose="02070309020205020404" pitchFamily="49" charset="0"/>
-                <a:hlinkClick r:id="rId10"/>
-              </a:rPr>
-              <a:t>-machine </a:t>
-            </a:r>
-            <a:r>
-              <a:rPr lang="en-US" dirty="0" err="1">
-                <a:latin typeface="Courier New" panose="02070309020205020404" pitchFamily="49" charset="0"/>
-                <a:cs typeface="Courier New" panose="02070309020205020404" pitchFamily="49" charset="0"/>
-                <a:hlinkClick r:id="rId10"/>
-              </a:rPr>
-              <a:t>scp</a:t>
-            </a:r>
-            <a:r>
-              <a:rPr lang="en-US" dirty="0">
-                <a:latin typeface="Courier New" panose="02070309020205020404" pitchFamily="49" charset="0"/>
-                <a:cs typeface="Courier New" panose="02070309020205020404" pitchFamily="49" charset="0"/>
-              </a:rPr>
-              <a:t> </a:t>
-            </a:r>
-            <a:r>
-              <a:rPr lang="en-US" dirty="0"/>
-              <a:t>– Copy files using </a:t>
-            </a:r>
-            <a:r>
-              <a:rPr lang="en-US" i="1" dirty="0" err="1"/>
-              <a:t>scp</a:t>
-            </a:r>
-            <a:endParaRPr lang="en-US" i="1" dirty="0"/>
-          </a:p>
-          <a:p>
-            <a:pPr lvl="1"/>
-            <a:r>
-              <a:rPr lang="en-US" dirty="0" err="1">
-                <a:latin typeface="Courier New" panose="02070309020205020404" pitchFamily="49" charset="0"/>
-                <a:cs typeface="Courier New" panose="02070309020205020404" pitchFamily="49" charset="0"/>
-                <a:hlinkClick r:id="rId11"/>
-              </a:rPr>
-              <a:t>docker</a:t>
-            </a:r>
-            <a:r>
-              <a:rPr lang="en-US" dirty="0">
-                <a:latin typeface="Courier New" panose="02070309020205020404" pitchFamily="49" charset="0"/>
-                <a:cs typeface="Courier New" panose="02070309020205020404" pitchFamily="49" charset="0"/>
-                <a:hlinkClick r:id="rId11"/>
-              </a:rPr>
-              <a:t>-machine </a:t>
-            </a:r>
-            <a:r>
-              <a:rPr lang="en-US" dirty="0" err="1">
-                <a:latin typeface="Courier New" panose="02070309020205020404" pitchFamily="49" charset="0"/>
-                <a:cs typeface="Courier New" panose="02070309020205020404" pitchFamily="49" charset="0"/>
-                <a:hlinkClick r:id="rId11"/>
-              </a:rPr>
-              <a:t>env</a:t>
-            </a:r>
-            <a:r>
-              <a:rPr lang="en-US" dirty="0">
-                <a:latin typeface="Courier New" panose="02070309020205020404" pitchFamily="49" charset="0"/>
-                <a:cs typeface="Courier New" panose="02070309020205020404" pitchFamily="49" charset="0"/>
-              </a:rPr>
-              <a:t> </a:t>
-            </a:r>
-            <a:r>
-              <a:rPr lang="en-US" dirty="0"/>
-              <a:t>– Set environment variables to make Docker use a machine</a:t>
-            </a:r>
           </a:p>
         </p:txBody>
       </p:sp>
       <p:sp>
         <p:nvSpPr>
-          <p:cNvPr id="7" name="Textplatzhalter 6"/>
+          <p:cNvPr id="4" name="Textplatzhalter 3"/>
           <p:cNvSpPr>
             <a:spLocks noGrp="1"/>
           </p:cNvSpPr>
           <p:nvPr>
-            <p:ph type="body" sz="quarter" idx="23"/>
+            <p:ph type="body" sz="quarter" idx="25"/>
           </p:nvPr>
         </p:nvSpPr>
         <p:spPr/>
@@ -30368,10 +30059,29 @@
           </a:p>
         </p:txBody>
       </p:sp>
+      <p:sp>
+        <p:nvSpPr>
+          <p:cNvPr id="5" name="Textplatzhalter 4"/>
+          <p:cNvSpPr>
+            <a:spLocks noGrp="1"/>
+          </p:cNvSpPr>
+          <p:nvPr>
+            <p:ph type="body" sz="quarter" idx="26"/>
+          </p:nvPr>
+        </p:nvSpPr>
+        <p:spPr/>
+        <p:txBody>
+          <a:bodyPr/>
+          <a:lstStyle/>
+          <a:p>
+            <a:endParaRPr lang="en-US" dirty="0"/>
+          </a:p>
+        </p:txBody>
+      </p:sp>
     </p:spTree>
     <p:extLst>
       <p:ext uri="{BB962C8B-B14F-4D97-AF65-F5344CB8AC3E}">
-        <p14:creationId xmlns:p14="http://schemas.microsoft.com/office/powerpoint/2010/main" val="2678543314"/>
+        <p14:creationId xmlns:p14="http://schemas.microsoft.com/office/powerpoint/2010/main" val="2815483392"/>
       </p:ext>
     </p:extLst>
   </p:cSld>
@@ -30403,6 +30113,388 @@
       </p:grpSpPr>
       <p:sp>
         <p:nvSpPr>
+          <p:cNvPr id="5" name="Titel 4"/>
+          <p:cNvSpPr>
+            <a:spLocks noGrp="1"/>
+          </p:cNvSpPr>
+          <p:nvPr>
+            <p:ph type="title"/>
+          </p:nvPr>
+        </p:nvSpPr>
+        <p:spPr/>
+        <p:txBody>
+          <a:bodyPr/>
+          <a:lstStyle/>
+          <a:p>
+            <a:r>
+              <a:rPr lang="en-US" dirty="0"/>
+              <a:t>Docker Machine</a:t>
+            </a:r>
+          </a:p>
+        </p:txBody>
+      </p:sp>
+      <p:sp>
+        <p:nvSpPr>
+          <p:cNvPr id="6" name="Inhaltsplatzhalter 5"/>
+          <p:cNvSpPr>
+            <a:spLocks noGrp="1"/>
+          </p:cNvSpPr>
+          <p:nvPr>
+            <p:ph sz="quarter" idx="12"/>
+          </p:nvPr>
+        </p:nvSpPr>
+        <p:spPr/>
+        <p:txBody>
+          <a:bodyPr/>
+          <a:lstStyle/>
+          <a:p>
+            <a:r>
+              <a:rPr lang="en-US" dirty="0"/>
+              <a:t>Documentation</a:t>
+            </a:r>
+          </a:p>
+          <a:p>
+            <a:pPr lvl="1"/>
+            <a:r>
+              <a:rPr lang="en-US" dirty="0">
+                <a:hlinkClick r:id="rId2"/>
+              </a:rPr>
+              <a:t>https://docs.docker.com/machine/overview/</a:t>
+            </a:r>
+            <a:endParaRPr lang="en-US" dirty="0"/>
+          </a:p>
+          <a:p>
+            <a:r>
+              <a:rPr lang="en-US" dirty="0"/>
+              <a:t>Important Commands for Docker Machine</a:t>
+            </a:r>
+          </a:p>
+          <a:p>
+            <a:pPr lvl="1"/>
+            <a:r>
+              <a:rPr lang="en-US" dirty="0" err="1">
+                <a:latin typeface="Courier New" panose="02070309020205020404" pitchFamily="49" charset="0"/>
+                <a:cs typeface="Courier New" panose="02070309020205020404" pitchFamily="49" charset="0"/>
+                <a:hlinkClick r:id="rId3"/>
+              </a:rPr>
+              <a:t>docker</a:t>
+            </a:r>
+            <a:r>
+              <a:rPr lang="en-US" dirty="0">
+                <a:latin typeface="Courier New" panose="02070309020205020404" pitchFamily="49" charset="0"/>
+                <a:cs typeface="Courier New" panose="02070309020205020404" pitchFamily="49" charset="0"/>
+                <a:hlinkClick r:id="rId3"/>
+              </a:rPr>
+              <a:t>-machine create</a:t>
+            </a:r>
+            <a:r>
+              <a:rPr lang="en-US" dirty="0"/>
+              <a:t> – Create a machine</a:t>
+            </a:r>
+          </a:p>
+          <a:p>
+            <a:pPr lvl="1"/>
+            <a:r>
+              <a:rPr lang="en-US" dirty="0" err="1">
+                <a:latin typeface="Courier New" panose="02070309020205020404" pitchFamily="49" charset="0"/>
+                <a:cs typeface="Courier New" panose="02070309020205020404" pitchFamily="49" charset="0"/>
+                <a:hlinkClick r:id="rId4"/>
+              </a:rPr>
+              <a:t>docker</a:t>
+            </a:r>
+            <a:r>
+              <a:rPr lang="en-US" dirty="0">
+                <a:latin typeface="Courier New" panose="02070309020205020404" pitchFamily="49" charset="0"/>
+                <a:cs typeface="Courier New" panose="02070309020205020404" pitchFamily="49" charset="0"/>
+                <a:hlinkClick r:id="rId4"/>
+              </a:rPr>
+              <a:t>-machine ls</a:t>
+            </a:r>
+            <a:r>
+              <a:rPr lang="en-US" dirty="0"/>
+              <a:t> – Lists machines</a:t>
+            </a:r>
+          </a:p>
+          <a:p>
+            <a:pPr lvl="1"/>
+            <a:r>
+              <a:rPr lang="en-US" dirty="0" err="1">
+                <a:latin typeface="Courier New" panose="02070309020205020404" pitchFamily="49" charset="0"/>
+                <a:cs typeface="Courier New" panose="02070309020205020404" pitchFamily="49" charset="0"/>
+                <a:hlinkClick r:id="rId5"/>
+              </a:rPr>
+              <a:t>docker</a:t>
+            </a:r>
+            <a:r>
+              <a:rPr lang="en-US" dirty="0">
+                <a:latin typeface="Courier New" panose="02070309020205020404" pitchFamily="49" charset="0"/>
+                <a:cs typeface="Courier New" panose="02070309020205020404" pitchFamily="49" charset="0"/>
+                <a:hlinkClick r:id="rId5"/>
+              </a:rPr>
+              <a:t>-machine </a:t>
+            </a:r>
+            <a:r>
+              <a:rPr lang="en-US" dirty="0" err="1">
+                <a:latin typeface="Courier New" panose="02070309020205020404" pitchFamily="49" charset="0"/>
+                <a:cs typeface="Courier New" panose="02070309020205020404" pitchFamily="49" charset="0"/>
+                <a:hlinkClick r:id="rId5"/>
+              </a:rPr>
+              <a:t>config</a:t>
+            </a:r>
+            <a:r>
+              <a:rPr lang="en-US" dirty="0"/>
+              <a:t> – Print the connection </a:t>
+            </a:r>
+            <a:r>
+              <a:rPr lang="en-US" dirty="0" err="1"/>
+              <a:t>config</a:t>
+            </a:r>
+            <a:endParaRPr lang="en-US" dirty="0"/>
+          </a:p>
+          <a:p>
+            <a:pPr lvl="1"/>
+            <a:r>
+              <a:rPr lang="en-US" dirty="0" err="1">
+                <a:latin typeface="Courier New" panose="02070309020205020404" pitchFamily="49" charset="0"/>
+                <a:cs typeface="Courier New" panose="02070309020205020404" pitchFamily="49" charset="0"/>
+                <a:hlinkClick r:id="rId6"/>
+              </a:rPr>
+              <a:t>docker</a:t>
+            </a:r>
+            <a:r>
+              <a:rPr lang="en-US" dirty="0">
+                <a:latin typeface="Courier New" panose="02070309020205020404" pitchFamily="49" charset="0"/>
+                <a:cs typeface="Courier New" panose="02070309020205020404" pitchFamily="49" charset="0"/>
+                <a:hlinkClick r:id="rId6"/>
+              </a:rPr>
+              <a:t>-machine start</a:t>
+            </a:r>
+            <a:r>
+              <a:rPr lang="en-US" dirty="0">
+                <a:latin typeface="Courier New" panose="02070309020205020404" pitchFamily="49" charset="0"/>
+                <a:cs typeface="Courier New" panose="02070309020205020404" pitchFamily="49" charset="0"/>
+              </a:rPr>
+              <a:t>/</a:t>
+            </a:r>
+            <a:r>
+              <a:rPr lang="en-US" dirty="0">
+                <a:latin typeface="Courier New" panose="02070309020205020404" pitchFamily="49" charset="0"/>
+                <a:cs typeface="Courier New" panose="02070309020205020404" pitchFamily="49" charset="0"/>
+                <a:hlinkClick r:id="rId7"/>
+              </a:rPr>
+              <a:t>stop</a:t>
+            </a:r>
+            <a:r>
+              <a:rPr lang="en-US" dirty="0"/>
+              <a:t> – Restarts/stops a machine</a:t>
+            </a:r>
+          </a:p>
+          <a:p>
+            <a:pPr lvl="1"/>
+            <a:r>
+              <a:rPr lang="en-US" dirty="0" err="1">
+                <a:latin typeface="Courier New" panose="02070309020205020404" pitchFamily="49" charset="0"/>
+                <a:cs typeface="Courier New" panose="02070309020205020404" pitchFamily="49" charset="0"/>
+                <a:hlinkClick r:id="rId8"/>
+              </a:rPr>
+              <a:t>docker</a:t>
+            </a:r>
+            <a:r>
+              <a:rPr lang="en-US" dirty="0">
+                <a:latin typeface="Courier New" panose="02070309020205020404" pitchFamily="49" charset="0"/>
+                <a:cs typeface="Courier New" panose="02070309020205020404" pitchFamily="49" charset="0"/>
+                <a:hlinkClick r:id="rId8"/>
+              </a:rPr>
+              <a:t>-machine </a:t>
+            </a:r>
+            <a:r>
+              <a:rPr lang="en-US" dirty="0" err="1">
+                <a:latin typeface="Courier New" panose="02070309020205020404" pitchFamily="49" charset="0"/>
+                <a:cs typeface="Courier New" panose="02070309020205020404" pitchFamily="49" charset="0"/>
+                <a:hlinkClick r:id="rId8"/>
+              </a:rPr>
+              <a:t>rm</a:t>
+            </a:r>
+            <a:r>
+              <a:rPr lang="en-US" dirty="0"/>
+              <a:t> – Removes a machine</a:t>
+            </a:r>
+          </a:p>
+          <a:p>
+            <a:pPr lvl="1"/>
+            <a:r>
+              <a:rPr lang="en-US" dirty="0" err="1">
+                <a:latin typeface="Courier New" panose="02070309020205020404" pitchFamily="49" charset="0"/>
+                <a:cs typeface="Courier New" panose="02070309020205020404" pitchFamily="49" charset="0"/>
+                <a:hlinkClick r:id="rId9"/>
+              </a:rPr>
+              <a:t>docker</a:t>
+            </a:r>
+            <a:r>
+              <a:rPr lang="en-US" dirty="0">
+                <a:latin typeface="Courier New" panose="02070309020205020404" pitchFamily="49" charset="0"/>
+                <a:cs typeface="Courier New" panose="02070309020205020404" pitchFamily="49" charset="0"/>
+                <a:hlinkClick r:id="rId9"/>
+              </a:rPr>
+              <a:t>-machine </a:t>
+            </a:r>
+            <a:r>
+              <a:rPr lang="en-US" dirty="0" err="1">
+                <a:latin typeface="Courier New" panose="02070309020205020404" pitchFamily="49" charset="0"/>
+                <a:cs typeface="Courier New" panose="02070309020205020404" pitchFamily="49" charset="0"/>
+                <a:hlinkClick r:id="rId9"/>
+              </a:rPr>
+              <a:t>ssh</a:t>
+            </a:r>
+            <a:r>
+              <a:rPr lang="en-US" dirty="0">
+                <a:latin typeface="Courier New" panose="02070309020205020404" pitchFamily="49" charset="0"/>
+                <a:cs typeface="Courier New" panose="02070309020205020404" pitchFamily="49" charset="0"/>
+              </a:rPr>
+              <a:t> </a:t>
+            </a:r>
+            <a:r>
+              <a:rPr lang="en-US" dirty="0"/>
+              <a:t>– Log into or run a command on a machine using SSH</a:t>
+            </a:r>
+          </a:p>
+          <a:p>
+            <a:pPr lvl="1"/>
+            <a:r>
+              <a:rPr lang="en-US" dirty="0" err="1">
+                <a:latin typeface="Courier New" panose="02070309020205020404" pitchFamily="49" charset="0"/>
+                <a:cs typeface="Courier New" panose="02070309020205020404" pitchFamily="49" charset="0"/>
+                <a:hlinkClick r:id="rId10"/>
+              </a:rPr>
+              <a:t>docker</a:t>
+            </a:r>
+            <a:r>
+              <a:rPr lang="en-US" dirty="0">
+                <a:latin typeface="Courier New" panose="02070309020205020404" pitchFamily="49" charset="0"/>
+                <a:cs typeface="Courier New" panose="02070309020205020404" pitchFamily="49" charset="0"/>
+                <a:hlinkClick r:id="rId10"/>
+              </a:rPr>
+              <a:t>-machine </a:t>
+            </a:r>
+            <a:r>
+              <a:rPr lang="en-US" dirty="0" err="1">
+                <a:latin typeface="Courier New" panose="02070309020205020404" pitchFamily="49" charset="0"/>
+                <a:cs typeface="Courier New" panose="02070309020205020404" pitchFamily="49" charset="0"/>
+                <a:hlinkClick r:id="rId10"/>
+              </a:rPr>
+              <a:t>scp</a:t>
+            </a:r>
+            <a:r>
+              <a:rPr lang="en-US" dirty="0">
+                <a:latin typeface="Courier New" panose="02070309020205020404" pitchFamily="49" charset="0"/>
+                <a:cs typeface="Courier New" panose="02070309020205020404" pitchFamily="49" charset="0"/>
+              </a:rPr>
+              <a:t> </a:t>
+            </a:r>
+            <a:r>
+              <a:rPr lang="en-US" dirty="0"/>
+              <a:t>– Copy files using </a:t>
+            </a:r>
+            <a:r>
+              <a:rPr lang="en-US" i="1" dirty="0" err="1"/>
+              <a:t>scp</a:t>
+            </a:r>
+            <a:endParaRPr lang="en-US" i="1" dirty="0"/>
+          </a:p>
+          <a:p>
+            <a:pPr lvl="1"/>
+            <a:r>
+              <a:rPr lang="en-US" dirty="0" err="1">
+                <a:latin typeface="Courier New" panose="02070309020205020404" pitchFamily="49" charset="0"/>
+                <a:cs typeface="Courier New" panose="02070309020205020404" pitchFamily="49" charset="0"/>
+                <a:hlinkClick r:id="rId11"/>
+              </a:rPr>
+              <a:t>docker</a:t>
+            </a:r>
+            <a:r>
+              <a:rPr lang="en-US" dirty="0">
+                <a:latin typeface="Courier New" panose="02070309020205020404" pitchFamily="49" charset="0"/>
+                <a:cs typeface="Courier New" panose="02070309020205020404" pitchFamily="49" charset="0"/>
+                <a:hlinkClick r:id="rId11"/>
+              </a:rPr>
+              <a:t>-machine </a:t>
+            </a:r>
+            <a:r>
+              <a:rPr lang="en-US" dirty="0" err="1">
+                <a:latin typeface="Courier New" panose="02070309020205020404" pitchFamily="49" charset="0"/>
+                <a:cs typeface="Courier New" panose="02070309020205020404" pitchFamily="49" charset="0"/>
+                <a:hlinkClick r:id="rId11"/>
+              </a:rPr>
+              <a:t>env</a:t>
+            </a:r>
+            <a:r>
+              <a:rPr lang="en-US" dirty="0">
+                <a:latin typeface="Courier New" panose="02070309020205020404" pitchFamily="49" charset="0"/>
+                <a:cs typeface="Courier New" panose="02070309020205020404" pitchFamily="49" charset="0"/>
+              </a:rPr>
+              <a:t> </a:t>
+            </a:r>
+            <a:r>
+              <a:rPr lang="en-US" dirty="0"/>
+              <a:t>– Set environment variables to make Docker use a machine</a:t>
+            </a:r>
+          </a:p>
+        </p:txBody>
+      </p:sp>
+      <p:sp>
+        <p:nvSpPr>
+          <p:cNvPr id="7" name="Textplatzhalter 6"/>
+          <p:cNvSpPr>
+            <a:spLocks noGrp="1"/>
+          </p:cNvSpPr>
+          <p:nvPr>
+            <p:ph type="body" sz="quarter" idx="23"/>
+          </p:nvPr>
+        </p:nvSpPr>
+        <p:spPr/>
+        <p:txBody>
+          <a:bodyPr/>
+          <a:lstStyle/>
+          <a:p>
+            <a:endParaRPr lang="en-US"/>
+          </a:p>
+        </p:txBody>
+      </p:sp>
+    </p:spTree>
+    <p:extLst>
+      <p:ext uri="{BB962C8B-B14F-4D97-AF65-F5344CB8AC3E}">
+        <p14:creationId xmlns:p14="http://schemas.microsoft.com/office/powerpoint/2010/main" val="2678543314"/>
+      </p:ext>
+    </p:extLst>
+  </p:cSld>
+  <p:clrMapOvr>
+    <a:masterClrMapping/>
+  </p:clrMapOvr>
+  <p:transition spd="slow">
+    <p:push/>
+  </p:transition>
+</p:sld>
+</file>
+
+<file path=ppt/slides/slide15.xml><?xml version="1.0" encoding="utf-8"?>
+<p:sld xmlns:a="http://schemas.openxmlformats.org/drawingml/2006/main" xmlns:r="http://schemas.openxmlformats.org/officeDocument/2006/relationships" xmlns:p="http://schemas.openxmlformats.org/presentationml/2006/main">
+  <p:cSld>
+    <p:spTree>
+      <p:nvGrpSpPr>
+        <p:cNvPr id="1" name=""/>
+        <p:cNvGrpSpPr/>
+        <p:nvPr/>
+      </p:nvGrpSpPr>
+      <p:grpSpPr>
+        <a:xfrm>
+          <a:off x="0" y="0"/>
+          <a:ext cx="0" cy="0"/>
+          <a:chOff x="0" y="0"/>
+          <a:chExt cx="0" cy="0"/>
+        </a:xfrm>
+      </p:grpSpPr>
+      <p:sp>
+        <p:nvSpPr>
           <p:cNvPr id="2" name="Textplatzhalter 1"/>
           <p:cNvSpPr>
             <a:spLocks noGrp="1"/>
@@ -30537,7 +30629,7 @@
 </p:sld>
 </file>
 
-<file path=ppt/slides/slide15.xml><?xml version="1.0" encoding="utf-8"?>
+<file path=ppt/slides/slide16.xml><?xml version="1.0" encoding="utf-8"?>
 <p:sld xmlns:a="http://schemas.openxmlformats.org/drawingml/2006/main" xmlns:r="http://schemas.openxmlformats.org/officeDocument/2006/relationships" xmlns:p="http://schemas.openxmlformats.org/presentationml/2006/main" show="0">
   <p:cSld>
     <p:spTree>
@@ -30815,186 +30907,6 @@
     <p:extLst>
       <p:ext uri="{BB962C8B-B14F-4D97-AF65-F5344CB8AC3E}">
         <p14:creationId xmlns:p14="http://schemas.microsoft.com/office/powerpoint/2010/main" val="1485569485"/>
-      </p:ext>
-    </p:extLst>
-  </p:cSld>
-  <p:clrMapOvr>
-    <a:masterClrMapping/>
-  </p:clrMapOvr>
-  <p:transition spd="slow">
-    <p:push/>
-  </p:transition>
-</p:sld>
-</file>
-
-<file path=ppt/slides/slide16.xml><?xml version="1.0" encoding="utf-8"?>
-<p:sld xmlns:a="http://schemas.openxmlformats.org/drawingml/2006/main" xmlns:r="http://schemas.openxmlformats.org/officeDocument/2006/relationships" xmlns:p="http://schemas.openxmlformats.org/presentationml/2006/main">
-  <p:cSld>
-    <p:spTree>
-      <p:nvGrpSpPr>
-        <p:cNvPr id="1" name=""/>
-        <p:cNvGrpSpPr/>
-        <p:nvPr/>
-      </p:nvGrpSpPr>
-      <p:grpSpPr>
-        <a:xfrm>
-          <a:off x="0" y="0"/>
-          <a:ext cx="0" cy="0"/>
-          <a:chOff x="0" y="0"/>
-          <a:chExt cx="0" cy="0"/>
-        </a:xfrm>
-      </p:grpSpPr>
-      <p:sp>
-        <p:nvSpPr>
-          <p:cNvPr id="2" name="Titel 1"/>
-          <p:cNvSpPr>
-            <a:spLocks noGrp="1"/>
-          </p:cNvSpPr>
-          <p:nvPr>
-            <p:ph type="title"/>
-          </p:nvPr>
-        </p:nvSpPr>
-        <p:spPr/>
-        <p:txBody>
-          <a:bodyPr/>
-          <a:lstStyle/>
-          <a:p>
-            <a:r>
-              <a:rPr lang="en-US" dirty="0"/>
-              <a:t>Docker Cluster Solutions</a:t>
-            </a:r>
-          </a:p>
-        </p:txBody>
-      </p:sp>
-      <p:sp>
-        <p:nvSpPr>
-          <p:cNvPr id="3" name="Inhaltsplatzhalter 2"/>
-          <p:cNvSpPr>
-            <a:spLocks noGrp="1"/>
-          </p:cNvSpPr>
-          <p:nvPr>
-            <p:ph sz="quarter" idx="12"/>
-          </p:nvPr>
-        </p:nvSpPr>
-        <p:spPr/>
-        <p:txBody>
-          <a:bodyPr/>
-          <a:lstStyle/>
-          <a:p>
-            <a:r>
-              <a:rPr lang="en-US" dirty="0"/>
-              <a:t>Docker Swarm</a:t>
-            </a:r>
-          </a:p>
-          <a:p>
-            <a:pPr lvl="1"/>
-            <a:r>
-              <a:rPr lang="en-US" dirty="0">
-                <a:hlinkClick r:id="rId2"/>
-              </a:rPr>
-              <a:t>https://docs.docker.com/swarm/overview/</a:t>
-            </a:r>
-            <a:endParaRPr lang="en-US" dirty="0"/>
-          </a:p>
-          <a:p>
-            <a:pPr lvl="1"/>
-            <a:r>
-              <a:rPr lang="en-US" dirty="0"/>
-              <a:t>Native clustering for Docker, turns a pool of Docker hosts into a single, virtual Docker host</a:t>
-            </a:r>
-          </a:p>
-          <a:p>
-            <a:r>
-              <a:rPr lang="en-US" dirty="0"/>
-              <a:t>Apache </a:t>
-            </a:r>
-            <a:r>
-              <a:rPr lang="en-US" dirty="0" err="1"/>
-              <a:t>Mesos</a:t>
-            </a:r>
-            <a:r>
-              <a:rPr lang="en-US" dirty="0"/>
-              <a:t> and Docker</a:t>
-            </a:r>
-          </a:p>
-          <a:p>
-            <a:pPr lvl="1"/>
-            <a:r>
-              <a:rPr lang="en-US" dirty="0">
-                <a:hlinkClick r:id="rId3"/>
-              </a:rPr>
-              <a:t>http://mesos.apache.org/documentation/latest/docker-containerizer/</a:t>
-            </a:r>
-            <a:endParaRPr lang="en-US" dirty="0"/>
-          </a:p>
-          <a:p>
-            <a:r>
-              <a:rPr lang="en-US" dirty="0"/>
-              <a:t>Azure Container Service</a:t>
-            </a:r>
-          </a:p>
-          <a:p>
-            <a:pPr lvl="1"/>
-            <a:r>
-              <a:rPr lang="en-US" dirty="0">
-                <a:hlinkClick r:id="rId4"/>
-              </a:rPr>
-              <a:t>https://azure.microsoft.com/en-us/services/container-service/</a:t>
-            </a:r>
-            <a:endParaRPr lang="en-US" dirty="0"/>
-          </a:p>
-          <a:p>
-            <a:pPr lvl="1"/>
-            <a:r>
-              <a:rPr lang="en-US" dirty="0"/>
-              <a:t>Set of templates to deploy </a:t>
-            </a:r>
-            <a:r>
-              <a:rPr lang="en-US" i="1" dirty="0"/>
-              <a:t>Apache </a:t>
-            </a:r>
-            <a:r>
-              <a:rPr lang="en-US" i="1" dirty="0" err="1"/>
-              <a:t>Mesos</a:t>
-            </a:r>
-            <a:r>
-              <a:rPr lang="en-US" dirty="0"/>
-              <a:t> or </a:t>
-            </a:r>
-            <a:r>
-              <a:rPr lang="en-US" i="1" dirty="0"/>
-              <a:t>Docker Swarm </a:t>
-            </a:r>
-            <a:r>
-              <a:rPr lang="en-US" dirty="0"/>
-              <a:t>into Azure</a:t>
-            </a:r>
-          </a:p>
-        </p:txBody>
-      </p:sp>
-      <p:sp>
-        <p:nvSpPr>
-          <p:cNvPr id="4" name="Textplatzhalter 3"/>
-          <p:cNvSpPr>
-            <a:spLocks noGrp="1"/>
-          </p:cNvSpPr>
-          <p:nvPr>
-            <p:ph type="body" sz="quarter" idx="23"/>
-          </p:nvPr>
-        </p:nvSpPr>
-        <p:spPr/>
-        <p:txBody>
-          <a:bodyPr/>
-          <a:lstStyle/>
-          <a:p>
-            <a:endParaRPr lang="en-US"/>
-          </a:p>
-        </p:txBody>
-      </p:sp>
-    </p:spTree>
-    <p:extLst>
-      <p:ext uri="{BB962C8B-B14F-4D97-AF65-F5344CB8AC3E}">
-        <p14:creationId xmlns:p14="http://schemas.microsoft.com/office/powerpoint/2010/main" val="2156520220"/>
       </p:ext>
     </p:extLst>
   </p:cSld>
@@ -31026,6 +30938,186 @@
       </p:grpSpPr>
       <p:sp>
         <p:nvSpPr>
+          <p:cNvPr id="2" name="Titel 1"/>
+          <p:cNvSpPr>
+            <a:spLocks noGrp="1"/>
+          </p:cNvSpPr>
+          <p:nvPr>
+            <p:ph type="title"/>
+          </p:nvPr>
+        </p:nvSpPr>
+        <p:spPr/>
+        <p:txBody>
+          <a:bodyPr/>
+          <a:lstStyle/>
+          <a:p>
+            <a:r>
+              <a:rPr lang="en-US" dirty="0"/>
+              <a:t>Docker Cluster Solutions</a:t>
+            </a:r>
+          </a:p>
+        </p:txBody>
+      </p:sp>
+      <p:sp>
+        <p:nvSpPr>
+          <p:cNvPr id="3" name="Inhaltsplatzhalter 2"/>
+          <p:cNvSpPr>
+            <a:spLocks noGrp="1"/>
+          </p:cNvSpPr>
+          <p:nvPr>
+            <p:ph sz="quarter" idx="12"/>
+          </p:nvPr>
+        </p:nvSpPr>
+        <p:spPr/>
+        <p:txBody>
+          <a:bodyPr/>
+          <a:lstStyle/>
+          <a:p>
+            <a:r>
+              <a:rPr lang="en-US" dirty="0"/>
+              <a:t>Docker Swarm</a:t>
+            </a:r>
+          </a:p>
+          <a:p>
+            <a:pPr lvl="1"/>
+            <a:r>
+              <a:rPr lang="en-US" dirty="0">
+                <a:hlinkClick r:id="rId2"/>
+              </a:rPr>
+              <a:t>https://docs.docker.com/swarm/overview/</a:t>
+            </a:r>
+            <a:endParaRPr lang="en-US" dirty="0"/>
+          </a:p>
+          <a:p>
+            <a:pPr lvl="1"/>
+            <a:r>
+              <a:rPr lang="en-US" dirty="0"/>
+              <a:t>Native clustering for Docker, turns a pool of Docker hosts into a single, virtual Docker host</a:t>
+            </a:r>
+          </a:p>
+          <a:p>
+            <a:r>
+              <a:rPr lang="en-US" dirty="0"/>
+              <a:t>Apache </a:t>
+            </a:r>
+            <a:r>
+              <a:rPr lang="en-US" dirty="0" err="1"/>
+              <a:t>Mesos</a:t>
+            </a:r>
+            <a:r>
+              <a:rPr lang="en-US" dirty="0"/>
+              <a:t> and Docker</a:t>
+            </a:r>
+          </a:p>
+          <a:p>
+            <a:pPr lvl="1"/>
+            <a:r>
+              <a:rPr lang="en-US" dirty="0">
+                <a:hlinkClick r:id="rId3"/>
+              </a:rPr>
+              <a:t>http://mesos.apache.org/documentation/latest/docker-containerizer/</a:t>
+            </a:r>
+            <a:endParaRPr lang="en-US" dirty="0"/>
+          </a:p>
+          <a:p>
+            <a:r>
+              <a:rPr lang="en-US" dirty="0"/>
+              <a:t>Azure Container Service</a:t>
+            </a:r>
+          </a:p>
+          <a:p>
+            <a:pPr lvl="1"/>
+            <a:r>
+              <a:rPr lang="en-US" dirty="0">
+                <a:hlinkClick r:id="rId4"/>
+              </a:rPr>
+              <a:t>https://azure.microsoft.com/en-us/services/container-service/</a:t>
+            </a:r>
+            <a:endParaRPr lang="en-US" dirty="0"/>
+          </a:p>
+          <a:p>
+            <a:pPr lvl="1"/>
+            <a:r>
+              <a:rPr lang="en-US" dirty="0"/>
+              <a:t>Set of templates to deploy </a:t>
+            </a:r>
+            <a:r>
+              <a:rPr lang="en-US" i="1" dirty="0"/>
+              <a:t>Apache </a:t>
+            </a:r>
+            <a:r>
+              <a:rPr lang="en-US" i="1" dirty="0" err="1"/>
+              <a:t>Mesos</a:t>
+            </a:r>
+            <a:r>
+              <a:rPr lang="en-US" dirty="0"/>
+              <a:t> or </a:t>
+            </a:r>
+            <a:r>
+              <a:rPr lang="en-US" i="1" dirty="0"/>
+              <a:t>Docker Swarm </a:t>
+            </a:r>
+            <a:r>
+              <a:rPr lang="en-US" dirty="0"/>
+              <a:t>into Azure</a:t>
+            </a:r>
+          </a:p>
+        </p:txBody>
+      </p:sp>
+      <p:sp>
+        <p:nvSpPr>
+          <p:cNvPr id="4" name="Textplatzhalter 3"/>
+          <p:cNvSpPr>
+            <a:spLocks noGrp="1"/>
+          </p:cNvSpPr>
+          <p:nvPr>
+            <p:ph type="body" sz="quarter" idx="23"/>
+          </p:nvPr>
+        </p:nvSpPr>
+        <p:spPr/>
+        <p:txBody>
+          <a:bodyPr/>
+          <a:lstStyle/>
+          <a:p>
+            <a:endParaRPr lang="en-US"/>
+          </a:p>
+        </p:txBody>
+      </p:sp>
+    </p:spTree>
+    <p:extLst>
+      <p:ext uri="{BB962C8B-B14F-4D97-AF65-F5344CB8AC3E}">
+        <p14:creationId xmlns:p14="http://schemas.microsoft.com/office/powerpoint/2010/main" val="2156520220"/>
+      </p:ext>
+    </p:extLst>
+  </p:cSld>
+  <p:clrMapOvr>
+    <a:masterClrMapping/>
+  </p:clrMapOvr>
+  <p:transition spd="slow">
+    <p:push/>
+  </p:transition>
+</p:sld>
+</file>
+
+<file path=ppt/slides/slide18.xml><?xml version="1.0" encoding="utf-8"?>
+<p:sld xmlns:a="http://schemas.openxmlformats.org/drawingml/2006/main" xmlns:r="http://schemas.openxmlformats.org/officeDocument/2006/relationships" xmlns:p="http://schemas.openxmlformats.org/presentationml/2006/main">
+  <p:cSld>
+    <p:spTree>
+      <p:nvGrpSpPr>
+        <p:cNvPr id="1" name=""/>
+        <p:cNvGrpSpPr/>
+        <p:nvPr/>
+      </p:nvGrpSpPr>
+      <p:grpSpPr>
+        <a:xfrm>
+          <a:off x="0" y="0"/>
+          <a:ext cx="0" cy="0"/>
+          <a:chOff x="0" y="0"/>
+          <a:chExt cx="0" cy="0"/>
+        </a:xfrm>
+      </p:grpSpPr>
+      <p:sp>
+        <p:nvSpPr>
           <p:cNvPr id="6" name="Titel 5"/>
           <p:cNvSpPr>
             <a:spLocks noGrp="1"/>
@@ -31166,7 +31258,7 @@
 </p:sld>
 </file>
 
-<file path=ppt/slides/slide18.xml><?xml version="1.0" encoding="utf-8"?>
+<file path=ppt/slides/slide19.xml><?xml version="1.0" encoding="utf-8"?>
 <p:sld xmlns:a="http://schemas.openxmlformats.org/drawingml/2006/main" xmlns:r="http://schemas.openxmlformats.org/officeDocument/2006/relationships" xmlns:p="http://schemas.openxmlformats.org/presentationml/2006/main" show="0">
   <p:cSld>
     <p:spTree>
@@ -31356,92 +31448,6 @@
   <p:transition spd="slow">
     <p:push/>
   </p:transition>
-</p:sld>
-</file>
-
-<file path=ppt/slides/slide19.xml><?xml version="1.0" encoding="utf-8"?>
-<p:sld xmlns:a="http://schemas.openxmlformats.org/drawingml/2006/main" xmlns:r="http://schemas.openxmlformats.org/officeDocument/2006/relationships" xmlns:p="http://schemas.openxmlformats.org/presentationml/2006/main">
-  <p:cSld>
-    <p:spTree>
-      <p:nvGrpSpPr>
-        <p:cNvPr id="1" name=""/>
-        <p:cNvGrpSpPr/>
-        <p:nvPr/>
-      </p:nvGrpSpPr>
-      <p:grpSpPr>
-        <a:xfrm>
-          <a:off x="0" y="0"/>
-          <a:ext cx="0" cy="0"/>
-          <a:chOff x="0" y="0"/>
-          <a:chExt cx="0" cy="0"/>
-        </a:xfrm>
-      </p:grpSpPr>
-      <p:sp>
-        <p:nvSpPr>
-          <p:cNvPr id="2" name="Titel 1"/>
-          <p:cNvSpPr>
-            <a:spLocks noGrp="1"/>
-          </p:cNvSpPr>
-          <p:nvPr>
-            <p:ph type="title"/>
-          </p:nvPr>
-        </p:nvSpPr>
-        <p:spPr/>
-        <p:txBody>
-          <a:bodyPr/>
-          <a:lstStyle/>
-          <a:p>
-            <a:r>
-              <a:rPr lang="en-US" dirty="0"/>
-              <a:t>Container</a:t>
-            </a:r>
-          </a:p>
-        </p:txBody>
-      </p:sp>
-      <p:sp>
-        <p:nvSpPr>
-          <p:cNvPr id="3" name="Textplatzhalter 2"/>
-          <p:cNvSpPr>
-            <a:spLocks noGrp="1"/>
-          </p:cNvSpPr>
-          <p:nvPr>
-            <p:ph type="body" sz="quarter" idx="25"/>
-          </p:nvPr>
-        </p:nvSpPr>
-        <p:spPr/>
-        <p:txBody>
-          <a:bodyPr/>
-          <a:lstStyle/>
-          <a:p>
-            <a:r>
-              <a:rPr lang="en-US" dirty="0"/>
-              <a:t>Working with containers</a:t>
-            </a:r>
-          </a:p>
-        </p:txBody>
-      </p:sp>
-    </p:spTree>
-    <p:extLst>
-      <p:ext uri="{BB962C8B-B14F-4D97-AF65-F5344CB8AC3E}">
-        <p14:creationId xmlns:p14="http://schemas.microsoft.com/office/powerpoint/2010/main" val="4068012480"/>
-      </p:ext>
-    </p:extLst>
-  </p:cSld>
-  <p:clrMapOvr>
-    <a:masterClrMapping/>
-  </p:clrMapOvr>
-  <mc:AlternateContent xmlns:mc="http://schemas.openxmlformats.org/markup-compatibility/2006" xmlns:p14="http://schemas.microsoft.com/office/powerpoint/2010/main">
-    <mc:Choice Requires="p14">
-      <p:transition spd="med" p14:dur="700">
-        <p:fade/>
-      </p:transition>
-    </mc:Choice>
-    <mc:Fallback xmlns="">
-      <p:transition spd="med">
-        <p:fade/>
-      </p:transition>
-    </mc:Fallback>
-  </mc:AlternateContent>
 </p:sld>
 </file>
 
@@ -31676,6 +31682,92 @@
       </p:grpSpPr>
       <p:sp>
         <p:nvSpPr>
+          <p:cNvPr id="2" name="Titel 1"/>
+          <p:cNvSpPr>
+            <a:spLocks noGrp="1"/>
+          </p:cNvSpPr>
+          <p:nvPr>
+            <p:ph type="title"/>
+          </p:nvPr>
+        </p:nvSpPr>
+        <p:spPr/>
+        <p:txBody>
+          <a:bodyPr/>
+          <a:lstStyle/>
+          <a:p>
+            <a:r>
+              <a:rPr lang="en-US" dirty="0"/>
+              <a:t>Container</a:t>
+            </a:r>
+          </a:p>
+        </p:txBody>
+      </p:sp>
+      <p:sp>
+        <p:nvSpPr>
+          <p:cNvPr id="3" name="Textplatzhalter 2"/>
+          <p:cNvSpPr>
+            <a:spLocks noGrp="1"/>
+          </p:cNvSpPr>
+          <p:nvPr>
+            <p:ph type="body" sz="quarter" idx="25"/>
+          </p:nvPr>
+        </p:nvSpPr>
+        <p:spPr/>
+        <p:txBody>
+          <a:bodyPr/>
+          <a:lstStyle/>
+          <a:p>
+            <a:r>
+              <a:rPr lang="en-US" dirty="0"/>
+              <a:t>Working with containers</a:t>
+            </a:r>
+          </a:p>
+        </p:txBody>
+      </p:sp>
+    </p:spTree>
+    <p:extLst>
+      <p:ext uri="{BB962C8B-B14F-4D97-AF65-F5344CB8AC3E}">
+        <p14:creationId xmlns:p14="http://schemas.microsoft.com/office/powerpoint/2010/main" val="4068012480"/>
+      </p:ext>
+    </p:extLst>
+  </p:cSld>
+  <p:clrMapOvr>
+    <a:masterClrMapping/>
+  </p:clrMapOvr>
+  <mc:AlternateContent xmlns:mc="http://schemas.openxmlformats.org/markup-compatibility/2006" xmlns:p14="http://schemas.microsoft.com/office/powerpoint/2010/main">
+    <mc:Choice Requires="p14">
+      <p:transition spd="med" p14:dur="700">
+        <p:fade/>
+      </p:transition>
+    </mc:Choice>
+    <mc:Fallback xmlns="">
+      <p:transition spd="med">
+        <p:fade/>
+      </p:transition>
+    </mc:Fallback>
+  </mc:AlternateContent>
+</p:sld>
+</file>
+
+<file path=ppt/slides/slide21.xml><?xml version="1.0" encoding="utf-8"?>
+<p:sld xmlns:a="http://schemas.openxmlformats.org/drawingml/2006/main" xmlns:r="http://schemas.openxmlformats.org/officeDocument/2006/relationships" xmlns:p="http://schemas.openxmlformats.org/presentationml/2006/main">
+  <p:cSld>
+    <p:spTree>
+      <p:nvGrpSpPr>
+        <p:cNvPr id="1" name=""/>
+        <p:cNvGrpSpPr/>
+        <p:nvPr/>
+      </p:nvGrpSpPr>
+      <p:grpSpPr>
+        <a:xfrm>
+          <a:off x="0" y="0"/>
+          <a:ext cx="0" cy="0"/>
+          <a:chOff x="0" y="0"/>
+          <a:chExt cx="0" cy="0"/>
+        </a:xfrm>
+      </p:grpSpPr>
+      <p:sp>
+        <p:nvSpPr>
           <p:cNvPr id="4" name="Title 3"/>
           <p:cNvSpPr>
             <a:spLocks noGrp="1"/>
@@ -31820,7 +31912,7 @@
 </p:sld>
 </file>
 
-<file path=ppt/slides/slide21.xml><?xml version="1.0" encoding="utf-8"?>
+<file path=ppt/slides/slide22.xml><?xml version="1.0" encoding="utf-8"?>
 <p:sld xmlns:a="http://schemas.openxmlformats.org/drawingml/2006/main" xmlns:r="http://schemas.openxmlformats.org/officeDocument/2006/relationships" xmlns:p="http://schemas.openxmlformats.org/presentationml/2006/main">
   <p:cSld>
     <p:spTree>
@@ -32093,7 +32185,7 @@
 </p:sld>
 </file>
 
-<file path=ppt/slides/slide22.xml><?xml version="1.0" encoding="utf-8"?>
+<file path=ppt/slides/slide23.xml><?xml version="1.0" encoding="utf-8"?>
 <p:sld xmlns:a="http://schemas.openxmlformats.org/drawingml/2006/main" xmlns:r="http://schemas.openxmlformats.org/officeDocument/2006/relationships" xmlns:p="http://schemas.openxmlformats.org/presentationml/2006/main">
   <p:cSld>
     <p:spTree>
@@ -33301,263 +33393,6 @@
 </p:sld>
 </file>
 
-<file path=ppt/slides/slide23.xml><?xml version="1.0" encoding="utf-8"?>
-<p:sld xmlns:a="http://schemas.openxmlformats.org/drawingml/2006/main" xmlns:r="http://schemas.openxmlformats.org/officeDocument/2006/relationships" xmlns:p="http://schemas.openxmlformats.org/presentationml/2006/main" show="0">
-  <p:cSld>
-    <p:spTree>
-      <p:nvGrpSpPr>
-        <p:cNvPr id="1" name=""/>
-        <p:cNvGrpSpPr/>
-        <p:nvPr/>
-      </p:nvGrpSpPr>
-      <p:grpSpPr>
-        <a:xfrm>
-          <a:off x="0" y="0"/>
-          <a:ext cx="0" cy="0"/>
-          <a:chOff x="0" y="0"/>
-          <a:chExt cx="0" cy="0"/>
-        </a:xfrm>
-      </p:grpSpPr>
-      <p:sp>
-        <p:nvSpPr>
-          <p:cNvPr id="5" name="Titel 4"/>
-          <p:cNvSpPr>
-            <a:spLocks noGrp="1"/>
-          </p:cNvSpPr>
-          <p:nvPr>
-            <p:ph type="title"/>
-          </p:nvPr>
-        </p:nvSpPr>
-        <p:spPr/>
-        <p:txBody>
-          <a:bodyPr/>
-          <a:lstStyle/>
-          <a:p>
-            <a:r>
-              <a:rPr lang="en-US"/>
-              <a:t>Demo</a:t>
-            </a:r>
-            <a:endParaRPr lang="en-US" dirty="0"/>
-          </a:p>
-        </p:txBody>
-      </p:sp>
-      <p:sp>
-        <p:nvSpPr>
-          <p:cNvPr id="6" name="Inhaltsplatzhalter 5"/>
-          <p:cNvSpPr>
-            <a:spLocks noGrp="1"/>
-          </p:cNvSpPr>
-          <p:nvPr>
-            <p:ph sz="quarter" idx="22"/>
-          </p:nvPr>
-        </p:nvSpPr>
-        <p:spPr/>
-        <p:txBody>
-          <a:bodyPr/>
-          <a:lstStyle/>
-          <a:p>
-            <a:r>
-              <a:rPr lang="en-US" noProof="1"/>
-              <a:t># Check if docker is running</a:t>
-            </a:r>
-          </a:p>
-          <a:p>
-            <a:r>
-              <a:rPr lang="en-US" noProof="1"/>
-              <a:t>docker info</a:t>
-            </a:r>
-          </a:p>
-          <a:p>
-            <a:endParaRPr lang="en-US" noProof="1"/>
-          </a:p>
-          <a:p>
-            <a:r>
-              <a:rPr lang="en-US" noProof="1"/>
-              <a:t># Start interactive container</a:t>
-            </a:r>
-          </a:p>
-          <a:p>
-            <a:r>
-              <a:rPr lang="en-US" noProof="1"/>
-              <a:t>docker run -it ubuntu /bin/bash</a:t>
-            </a:r>
-          </a:p>
-          <a:p>
-            <a:pPr lvl="1"/>
-            <a:r>
-              <a:rPr lang="en-US" noProof="1"/>
-              <a:t>echo Hello &gt; hello.txt</a:t>
-            </a:r>
-          </a:p>
-          <a:p>
-            <a:pPr lvl="1"/>
-            <a:r>
-              <a:rPr lang="en-US" noProof="1"/>
-              <a:t>exit</a:t>
-            </a:r>
-          </a:p>
-          <a:p>
-            <a:endParaRPr lang="en-US" noProof="1"/>
-          </a:p>
-          <a:p>
-            <a:r>
-              <a:rPr lang="en-US" noProof="1"/>
-              <a:t># List containers</a:t>
-            </a:r>
-          </a:p>
-          <a:p>
-            <a:r>
-              <a:rPr lang="en-US" noProof="1"/>
-              <a:t>docker ps</a:t>
-            </a:r>
-          </a:p>
-          <a:p>
-            <a:r>
-              <a:rPr lang="en-US" noProof="1"/>
-              <a:t>docker ps –a</a:t>
-            </a:r>
-          </a:p>
-          <a:p>
-            <a:r>
-              <a:rPr lang="en-US" noProof="1"/>
-              <a:t>docker ps --no-trunc -aq</a:t>
-            </a:r>
-          </a:p>
-          <a:p>
-            <a:endParaRPr lang="en-US" noProof="1"/>
-          </a:p>
-          <a:p>
-            <a:r>
-              <a:rPr lang="en-US" noProof="1"/>
-              <a:t># Restart container</a:t>
-            </a:r>
-          </a:p>
-          <a:p>
-            <a:r>
-              <a:rPr lang="en-US" noProof="1"/>
-              <a:t>docker start …</a:t>
-            </a:r>
-          </a:p>
-          <a:p>
-            <a:endParaRPr lang="en-US" noProof="1"/>
-          </a:p>
-          <a:p>
-            <a:r>
-              <a:rPr lang="en-US" noProof="1"/>
-              <a:t># Attach to container</a:t>
-            </a:r>
-          </a:p>
-          <a:p>
-            <a:r>
-              <a:rPr lang="en-US" noProof="1"/>
-              <a:t>docker attach …</a:t>
-            </a:r>
-          </a:p>
-          <a:p>
-            <a:endParaRPr lang="en-US" noProof="1"/>
-          </a:p>
-          <a:p>
-            <a:r>
-              <a:rPr lang="en-US" noProof="1"/>
-              <a:t># Remove container</a:t>
-            </a:r>
-          </a:p>
-          <a:p>
-            <a:r>
-              <a:rPr lang="en-US" noProof="1"/>
-              <a:t>docker rm …</a:t>
-            </a:r>
-          </a:p>
-          <a:p>
-            <a:r>
-              <a:rPr lang="en-US" noProof="1"/>
-              <a:t># Remove all containers</a:t>
-            </a:r>
-          </a:p>
-          <a:p>
-            <a:r>
-              <a:rPr lang="en-US" noProof="1"/>
-              <a:t>docker rm `docker ps --no-trunc -aq`</a:t>
-            </a:r>
-          </a:p>
-        </p:txBody>
-      </p:sp>
-      <p:sp>
-        <p:nvSpPr>
-          <p:cNvPr id="7" name="Textplatzhalter 6"/>
-          <p:cNvSpPr>
-            <a:spLocks noGrp="1"/>
-          </p:cNvSpPr>
-          <p:nvPr>
-            <p:ph type="body" sz="quarter" idx="23"/>
-          </p:nvPr>
-        </p:nvSpPr>
-        <p:spPr/>
-        <p:txBody>
-          <a:bodyPr/>
-          <a:lstStyle/>
-          <a:p>
-            <a:r>
-              <a:rPr lang="en-US" dirty="0"/>
-              <a:t>Interactive Container</a:t>
-            </a:r>
-          </a:p>
-        </p:txBody>
-      </p:sp>
-      <p:sp>
-        <p:nvSpPr>
-          <p:cNvPr id="10" name="Textplatzhalter 9"/>
-          <p:cNvSpPr>
-            <a:spLocks noGrp="1"/>
-          </p:cNvSpPr>
-          <p:nvPr>
-            <p:ph type="body" sz="quarter" idx="24"/>
-          </p:nvPr>
-        </p:nvSpPr>
-        <p:spPr/>
-        <p:txBody>
-          <a:bodyPr/>
-          <a:lstStyle/>
-          <a:p>
-            <a:endParaRPr lang="en-US"/>
-          </a:p>
-        </p:txBody>
-      </p:sp>
-      <p:sp>
-        <p:nvSpPr>
-          <p:cNvPr id="11" name="Textplatzhalter 10"/>
-          <p:cNvSpPr>
-            <a:spLocks noGrp="1"/>
-          </p:cNvSpPr>
-          <p:nvPr>
-            <p:ph type="body" sz="quarter" idx="25"/>
-          </p:nvPr>
-        </p:nvSpPr>
-        <p:spPr/>
-        <p:txBody>
-          <a:bodyPr/>
-          <a:lstStyle/>
-          <a:p>
-            <a:endParaRPr lang="en-US"/>
-          </a:p>
-        </p:txBody>
-      </p:sp>
-    </p:spTree>
-    <p:extLst>
-      <p:ext uri="{BB962C8B-B14F-4D97-AF65-F5344CB8AC3E}">
-        <p14:creationId xmlns:p14="http://schemas.microsoft.com/office/powerpoint/2010/main" val="3660217317"/>
-      </p:ext>
-    </p:extLst>
-  </p:cSld>
-  <p:clrMapOvr>
-    <a:masterClrMapping/>
-  </p:clrMapOvr>
-  <p:transition spd="slow">
-    <p:push/>
-  </p:transition>
-</p:sld>
-</file>
-
 <file path=ppt/slides/slide24.xml><?xml version="1.0" encoding="utf-8"?>
 <p:sld xmlns:a="http://schemas.openxmlformats.org/drawingml/2006/main" xmlns:r="http://schemas.openxmlformats.org/officeDocument/2006/relationships" xmlns:p="http://schemas.openxmlformats.org/presentationml/2006/main" show="0">
   <p:cSld>
@@ -33615,19 +33450,42 @@
           <a:p>
             <a:r>
               <a:rPr lang="en-US" noProof="1"/>
-              <a:t># Start demonized container and get logs</a:t>
+              <a:t># Check if docker is running</a:t>
             </a:r>
           </a:p>
           <a:p>
             <a:r>
               <a:rPr lang="en-US" noProof="1"/>
-              <a:t>docker run -d ubuntu /bin/bash \</a:t>
-            </a:r>
+              <a:t>docker info</a:t>
+            </a:r>
+          </a:p>
+          <a:p>
+            <a:endParaRPr lang="en-US" noProof="1"/>
           </a:p>
           <a:p>
             <a:r>
               <a:rPr lang="en-US" noProof="1"/>
-              <a:t>	-c "while true; do echo hello world; sleep 1; done"</a:t>
+              <a:t># Start interactive container</a:t>
+            </a:r>
+          </a:p>
+          <a:p>
+            <a:r>
+              <a:rPr lang="en-US" noProof="1"/>
+              <a:t>docker run -it ubuntu /bin/bash</a:t>
+            </a:r>
+          </a:p>
+          <a:p>
+            <a:pPr lvl="1"/>
+            <a:r>
+              <a:rPr lang="en-US" noProof="1"/>
+              <a:t>echo Hello &gt; hello.txt</a:t>
+            </a:r>
+          </a:p>
+          <a:p>
+            <a:pPr lvl="1"/>
+            <a:r>
+              <a:rPr lang="en-US" noProof="1"/>
+              <a:t>exit</a:t>
             </a:r>
           </a:p>
           <a:p>
@@ -33636,13 +33494,25 @@
           <a:p>
             <a:r>
               <a:rPr lang="en-US" noProof="1"/>
-              <a:t># Get the logs (-f for continuous monitoring)</a:t>
+              <a:t># List containers</a:t>
             </a:r>
           </a:p>
           <a:p>
             <a:r>
               <a:rPr lang="en-US" noProof="1"/>
-              <a:t>docker logs …</a:t>
+              <a:t>docker ps</a:t>
+            </a:r>
+          </a:p>
+          <a:p>
+            <a:r>
+              <a:rPr lang="en-US" noProof="1"/>
+              <a:t>docker ps –a</a:t>
+            </a:r>
+          </a:p>
+          <a:p>
+            <a:r>
+              <a:rPr lang="en-US" noProof="1"/>
+              <a:t>docker ps --no-trunc -aq</a:t>
             </a:r>
           </a:p>
           <a:p>
@@ -33651,13 +33521,13 @@
           <a:p>
             <a:r>
               <a:rPr lang="en-US" noProof="1"/>
-              <a:t># Check the processes in docker container</a:t>
+              <a:t># Restart container</a:t>
             </a:r>
           </a:p>
           <a:p>
             <a:r>
               <a:rPr lang="en-US" noProof="1"/>
-              <a:t>docker top …</a:t>
+              <a:t>docker start …</a:t>
             </a:r>
           </a:p>
           <a:p>
@@ -33666,13 +33536,13 @@
           <a:p>
             <a:r>
               <a:rPr lang="en-US" noProof="1"/>
-              <a:t># Open interactive shell in running container</a:t>
+              <a:t># Attach to container</a:t>
             </a:r>
           </a:p>
           <a:p>
             <a:r>
               <a:rPr lang="en-US" noProof="1"/>
-              <a:t>docker exec -it … /bin/bash</a:t>
+              <a:t>docker attach …</a:t>
             </a:r>
           </a:p>
           <a:p>
@@ -33681,63 +33551,25 @@
           <a:p>
             <a:r>
               <a:rPr lang="en-US" noProof="1"/>
-              <a:t># Inspect the details of a running container</a:t>
+              <a:t># Remove container</a:t>
             </a:r>
           </a:p>
           <a:p>
             <a:r>
               <a:rPr lang="en-US" noProof="1"/>
-              <a:t>docker inspect …</a:t>
-            </a:r>
-          </a:p>
-          <a:p>
-            <a:endParaRPr lang="en-US" noProof="1"/>
-          </a:p>
-          <a:p>
-            <a:endParaRPr lang="en-US" noProof="1"/>
+              <a:t>docker rm …</a:t>
+            </a:r>
           </a:p>
           <a:p>
             <a:r>
               <a:rPr lang="en-US" noProof="1"/>
-              <a:t># WINDOWS</a:t>
-            </a:r>
-          </a:p>
-          <a:p>
-            <a:r>
-              <a:rPr lang="en-US" dirty="0" err="1"/>
-              <a:t>docker</a:t>
-            </a:r>
-            <a:r>
-              <a:rPr lang="en-US" dirty="0"/>
-              <a:t> run -it </a:t>
-            </a:r>
-            <a:r>
-              <a:rPr lang="en-US" dirty="0" err="1"/>
-              <a:t>windowsservercore</a:t>
-            </a:r>
-            <a:r>
-              <a:rPr lang="en-US" dirty="0"/>
-              <a:t> </a:t>
-            </a:r>
-            <a:r>
-              <a:rPr lang="en-US" dirty="0" err="1"/>
-              <a:t>cmd</a:t>
-            </a:r>
-            <a:endParaRPr lang="en-US" noProof="1"/>
-          </a:p>
-          <a:p>
-            <a:endParaRPr lang="en-US" noProof="1"/>
+              <a:t># Remove all containers</a:t>
+            </a:r>
           </a:p>
           <a:p>
             <a:r>
               <a:rPr lang="en-US" noProof="1"/>
-              <a:t>docker build –t myweb .</a:t>
-            </a:r>
-          </a:p>
-          <a:p>
-            <a:r>
-              <a:rPr lang="en-US" noProof="1"/>
-              <a:t>docker run </a:t>
+              <a:t>docker rm `docker ps --no-trunc -aq`</a:t>
             </a:r>
           </a:p>
         </p:txBody>
@@ -33758,19 +33590,15 @@
           <a:lstStyle/>
           <a:p>
             <a:r>
-              <a:rPr lang="en-US" dirty="0" err="1"/>
-              <a:t>Daemonized</a:t>
-            </a:r>
-            <a:r>
-              <a:rPr lang="en-US" dirty="0"/>
-              <a:t> Container</a:t>
+              <a:rPr lang="en-US" dirty="0"/>
+              <a:t>Interactive Container</a:t>
             </a:r>
           </a:p>
         </p:txBody>
       </p:sp>
       <p:sp>
         <p:nvSpPr>
-          <p:cNvPr id="13" name="Textplatzhalter 12"/>
+          <p:cNvPr id="10" name="Textplatzhalter 9"/>
           <p:cNvSpPr>
             <a:spLocks noGrp="1"/>
           </p:cNvSpPr>
@@ -33789,7 +33617,7 @@
       </p:sp>
       <p:sp>
         <p:nvSpPr>
-          <p:cNvPr id="14" name="Textplatzhalter 13"/>
+          <p:cNvPr id="11" name="Textplatzhalter 10"/>
           <p:cNvSpPr>
             <a:spLocks noGrp="1"/>
           </p:cNvSpPr>
@@ -33809,7 +33637,7 @@
     </p:spTree>
     <p:extLst>
       <p:ext uri="{BB962C8B-B14F-4D97-AF65-F5344CB8AC3E}">
-        <p14:creationId xmlns:p14="http://schemas.microsoft.com/office/powerpoint/2010/main" val="212164436"/>
+        <p14:creationId xmlns:p14="http://schemas.microsoft.com/office/powerpoint/2010/main" val="3660217317"/>
       </p:ext>
     </p:extLst>
   </p:cSld>
@@ -33823,7 +33651,7 @@
 </file>
 
 <file path=ppt/slides/slide25.xml><?xml version="1.0" encoding="utf-8"?>
-<p:sld xmlns:a="http://schemas.openxmlformats.org/drawingml/2006/main" xmlns:r="http://schemas.openxmlformats.org/officeDocument/2006/relationships" xmlns:p="http://schemas.openxmlformats.org/presentationml/2006/main">
+<p:sld xmlns:a="http://schemas.openxmlformats.org/drawingml/2006/main" xmlns:r="http://schemas.openxmlformats.org/officeDocument/2006/relationships" xmlns:p="http://schemas.openxmlformats.org/presentationml/2006/main" show="0">
   <p:cSld>
     <p:spTree>
       <p:nvGrpSpPr>
@@ -33841,7 +33669,7 @@
       </p:grpSpPr>
       <p:sp>
         <p:nvSpPr>
-          <p:cNvPr id="7" name="Title 6"/>
+          <p:cNvPr id="5" name="Titel 4"/>
           <p:cNvSpPr>
             <a:spLocks noGrp="1"/>
           </p:cNvSpPr>
@@ -33855,20 +33683,21 @@
           <a:lstStyle/>
           <a:p>
             <a:r>
-              <a:rPr lang="en-US" dirty="0"/>
-              <a:t>Docker Events</a:t>
-            </a:r>
+              <a:rPr lang="en-US"/>
+              <a:t>Demo</a:t>
+            </a:r>
+            <a:endParaRPr lang="en-US" dirty="0"/>
           </a:p>
         </p:txBody>
       </p:sp>
       <p:sp>
         <p:nvSpPr>
-          <p:cNvPr id="8" name="Content Placeholder 7"/>
+          <p:cNvPr id="6" name="Inhaltsplatzhalter 5"/>
           <p:cNvSpPr>
             <a:spLocks noGrp="1"/>
           </p:cNvSpPr>
           <p:nvPr>
-            <p:ph sz="quarter" idx="12"/>
+            <p:ph sz="quarter" idx="22"/>
           </p:nvPr>
         </p:nvSpPr>
         <p:spPr/>
@@ -33877,78 +33706,137 @@
           <a:lstStyle/>
           <a:p>
             <a:r>
-              <a:rPr lang="en-US" dirty="0"/>
-              <a:t>Docker reports real time events from the server</a:t>
-            </a:r>
-          </a:p>
-          <a:p>
-            <a:pPr lvl="1"/>
-            <a:r>
-              <a:rPr lang="en-US" dirty="0" err="1">
-                <a:latin typeface="Courier New" panose="02070309020205020404" pitchFamily="49" charset="0"/>
-                <a:cs typeface="Courier New" panose="02070309020205020404" pitchFamily="49" charset="0"/>
-                <a:hlinkClick r:id="rId2"/>
-              </a:rPr>
+              <a:rPr lang="en-US" noProof="1"/>
+              <a:t># Start demonized container and get logs</a:t>
+            </a:r>
+          </a:p>
+          <a:p>
+            <a:r>
+              <a:rPr lang="en-US" noProof="1"/>
+              <a:t>docker run -d ubuntu /bin/bash \</a:t>
+            </a:r>
+          </a:p>
+          <a:p>
+            <a:r>
+              <a:rPr lang="en-US" noProof="1"/>
+              <a:t>	-c "while true; do echo hello world; sleep 1; done"</a:t>
+            </a:r>
+          </a:p>
+          <a:p>
+            <a:endParaRPr lang="en-US" noProof="1"/>
+          </a:p>
+          <a:p>
+            <a:r>
+              <a:rPr lang="en-US" noProof="1"/>
+              <a:t># Get the logs (-f for continuous monitoring)</a:t>
+            </a:r>
+          </a:p>
+          <a:p>
+            <a:r>
+              <a:rPr lang="en-US" noProof="1"/>
+              <a:t>docker logs …</a:t>
+            </a:r>
+          </a:p>
+          <a:p>
+            <a:endParaRPr lang="en-US" noProof="1"/>
+          </a:p>
+          <a:p>
+            <a:r>
+              <a:rPr lang="en-US" noProof="1"/>
+              <a:t># Check the processes in docker container</a:t>
+            </a:r>
+          </a:p>
+          <a:p>
+            <a:r>
+              <a:rPr lang="en-US" noProof="1"/>
+              <a:t>docker top …</a:t>
+            </a:r>
+          </a:p>
+          <a:p>
+            <a:endParaRPr lang="en-US" noProof="1"/>
+          </a:p>
+          <a:p>
+            <a:r>
+              <a:rPr lang="en-US" noProof="1"/>
+              <a:t># Open interactive shell in running container</a:t>
+            </a:r>
+          </a:p>
+          <a:p>
+            <a:r>
+              <a:rPr lang="en-US" noProof="1"/>
+              <a:t>docker exec -it … /bin/bash</a:t>
+            </a:r>
+          </a:p>
+          <a:p>
+            <a:endParaRPr lang="en-US" noProof="1"/>
+          </a:p>
+          <a:p>
+            <a:r>
+              <a:rPr lang="en-US" noProof="1"/>
+              <a:t># Inspect the details of a running container</a:t>
+            </a:r>
+          </a:p>
+          <a:p>
+            <a:r>
+              <a:rPr lang="en-US" noProof="1"/>
+              <a:t>docker inspect …</a:t>
+            </a:r>
+          </a:p>
+          <a:p>
+            <a:endParaRPr lang="en-US" noProof="1"/>
+          </a:p>
+          <a:p>
+            <a:endParaRPr lang="en-US" noProof="1"/>
+          </a:p>
+          <a:p>
+            <a:r>
+              <a:rPr lang="en-US" noProof="1"/>
+              <a:t># WINDOWS</a:t>
+            </a:r>
+          </a:p>
+          <a:p>
+            <a:r>
+              <a:rPr lang="en-US" dirty="0" err="1"/>
               <a:t>docker</a:t>
             </a:r>
             <a:r>
-              <a:rPr lang="en-US" dirty="0">
-                <a:latin typeface="Courier New" panose="02070309020205020404" pitchFamily="49" charset="0"/>
-                <a:cs typeface="Courier New" panose="02070309020205020404" pitchFamily="49" charset="0"/>
-                <a:hlinkClick r:id="rId2"/>
-              </a:rPr>
-              <a:t> events</a:t>
-            </a:r>
-            <a:endParaRPr lang="en-US" dirty="0">
-              <a:latin typeface="Courier New" panose="02070309020205020404" pitchFamily="49" charset="0"/>
-              <a:cs typeface="Courier New" panose="02070309020205020404" pitchFamily="49" charset="0"/>
-            </a:endParaRPr>
-          </a:p>
-          <a:p>
-            <a:r>
-              <a:rPr lang="en-US" dirty="0"/>
-              <a:t>Usages</a:t>
-            </a:r>
-          </a:p>
-          <a:p>
-            <a:pPr lvl="1"/>
-            <a:r>
-              <a:rPr lang="en-US" dirty="0"/>
-              <a:t>Admin and monitoring purposes</a:t>
-            </a:r>
-          </a:p>
-          <a:p>
-            <a:pPr lvl="1"/>
-            <a:r>
-              <a:rPr lang="en-US" dirty="0"/>
-              <a:t>Triggering auto-configurations (e.g. load balancer configuration with </a:t>
-            </a:r>
-            <a:r>
-              <a:rPr lang="en-US" dirty="0">
-                <a:hlinkClick r:id="rId3"/>
-              </a:rPr>
-              <a:t>Interlock</a:t>
-            </a:r>
-            <a:r>
-              <a:rPr lang="en-US" dirty="0"/>
-              <a:t> and </a:t>
-            </a:r>
-            <a:r>
-              <a:rPr lang="en-US" dirty="0">
-                <a:hlinkClick r:id="rId4"/>
-              </a:rPr>
-              <a:t>Nginx</a:t>
-            </a:r>
-            <a:r>
-              <a:rPr lang="en-US" dirty="0"/>
-              <a:t>)</a:t>
+              <a:rPr lang="en-US" dirty="0"/>
+              <a:t> run -it </a:t>
+            </a:r>
+            <a:r>
+              <a:rPr lang="en-US" dirty="0" err="1"/>
+              <a:t>windowsservercore</a:t>
+            </a:r>
+            <a:r>
+              <a:rPr lang="en-US" dirty="0"/>
+              <a:t> </a:t>
+            </a:r>
+            <a:r>
+              <a:rPr lang="en-US" dirty="0" err="1"/>
+              <a:t>cmd</a:t>
+            </a:r>
+            <a:endParaRPr lang="en-US" noProof="1"/>
+          </a:p>
+          <a:p>
+            <a:endParaRPr lang="en-US" noProof="1"/>
+          </a:p>
+          <a:p>
+            <a:r>
+              <a:rPr lang="en-US" noProof="1"/>
+              <a:t>docker build –t myweb .</a:t>
+            </a:r>
+          </a:p>
+          <a:p>
+            <a:r>
+              <a:rPr lang="en-US" noProof="1"/>
+              <a:t>docker run </a:t>
             </a:r>
           </a:p>
         </p:txBody>
       </p:sp>
       <p:sp>
         <p:nvSpPr>
-          <p:cNvPr id="9" name="Text Placeholder 8"/>
+          <p:cNvPr id="7" name="Textplatzhalter 6"/>
           <p:cNvSpPr>
             <a:spLocks noGrp="1"/>
           </p:cNvSpPr>
@@ -33961,14 +33849,59 @@
           <a:bodyPr/>
           <a:lstStyle/>
           <a:p>
-            <a:endParaRPr lang="en-US" dirty="0"/>
+            <a:r>
+              <a:rPr lang="en-US" dirty="0" err="1"/>
+              <a:t>Daemonized</a:t>
+            </a:r>
+            <a:r>
+              <a:rPr lang="en-US" dirty="0"/>
+              <a:t> Container</a:t>
+            </a:r>
+          </a:p>
+        </p:txBody>
+      </p:sp>
+      <p:sp>
+        <p:nvSpPr>
+          <p:cNvPr id="13" name="Textplatzhalter 12"/>
+          <p:cNvSpPr>
+            <a:spLocks noGrp="1"/>
+          </p:cNvSpPr>
+          <p:nvPr>
+            <p:ph type="body" sz="quarter" idx="24"/>
+          </p:nvPr>
+        </p:nvSpPr>
+        <p:spPr/>
+        <p:txBody>
+          <a:bodyPr/>
+          <a:lstStyle/>
+          <a:p>
+            <a:endParaRPr lang="en-US"/>
+          </a:p>
+        </p:txBody>
+      </p:sp>
+      <p:sp>
+        <p:nvSpPr>
+          <p:cNvPr id="14" name="Textplatzhalter 13"/>
+          <p:cNvSpPr>
+            <a:spLocks noGrp="1"/>
+          </p:cNvSpPr>
+          <p:nvPr>
+            <p:ph type="body" sz="quarter" idx="25"/>
+          </p:nvPr>
+        </p:nvSpPr>
+        <p:spPr/>
+        <p:txBody>
+          <a:bodyPr/>
+          <a:lstStyle/>
+          <a:p>
+            <a:endParaRPr lang="en-US"/>
           </a:p>
         </p:txBody>
       </p:sp>
     </p:spTree>
     <p:extLst>
       <p:ext uri="{BB962C8B-B14F-4D97-AF65-F5344CB8AC3E}">
-        <p14:creationId xmlns:p14="http://schemas.microsoft.com/office/powerpoint/2010/main" val="1284987664"/>
+        <p14:creationId xmlns:p14="http://schemas.microsoft.com/office/powerpoint/2010/main" val="212164436"/>
       </p:ext>
     </p:extLst>
   </p:cSld>
@@ -34000,6 +33933,165 @@
       </p:grpSpPr>
       <p:sp>
         <p:nvSpPr>
+          <p:cNvPr id="7" name="Title 6"/>
+          <p:cNvSpPr>
+            <a:spLocks noGrp="1"/>
+          </p:cNvSpPr>
+          <p:nvPr>
+            <p:ph type="title"/>
+          </p:nvPr>
+        </p:nvSpPr>
+        <p:spPr/>
+        <p:txBody>
+          <a:bodyPr/>
+          <a:lstStyle/>
+          <a:p>
+            <a:r>
+              <a:rPr lang="en-US" dirty="0"/>
+              <a:t>Docker Events</a:t>
+            </a:r>
+          </a:p>
+        </p:txBody>
+      </p:sp>
+      <p:sp>
+        <p:nvSpPr>
+          <p:cNvPr id="8" name="Content Placeholder 7"/>
+          <p:cNvSpPr>
+            <a:spLocks noGrp="1"/>
+          </p:cNvSpPr>
+          <p:nvPr>
+            <p:ph sz="quarter" idx="12"/>
+          </p:nvPr>
+        </p:nvSpPr>
+        <p:spPr/>
+        <p:txBody>
+          <a:bodyPr/>
+          <a:lstStyle/>
+          <a:p>
+            <a:r>
+              <a:rPr lang="en-US" dirty="0"/>
+              <a:t>Docker reports real time events from the server</a:t>
+            </a:r>
+          </a:p>
+          <a:p>
+            <a:pPr lvl="1"/>
+            <a:r>
+              <a:rPr lang="en-US" dirty="0" err="1">
+                <a:latin typeface="Courier New" panose="02070309020205020404" pitchFamily="49" charset="0"/>
+                <a:cs typeface="Courier New" panose="02070309020205020404" pitchFamily="49" charset="0"/>
+                <a:hlinkClick r:id="rId2"/>
+              </a:rPr>
+              <a:t>docker</a:t>
+            </a:r>
+            <a:r>
+              <a:rPr lang="en-US" dirty="0">
+                <a:latin typeface="Courier New" panose="02070309020205020404" pitchFamily="49" charset="0"/>
+                <a:cs typeface="Courier New" panose="02070309020205020404" pitchFamily="49" charset="0"/>
+                <a:hlinkClick r:id="rId2"/>
+              </a:rPr>
+              <a:t> events</a:t>
+            </a:r>
+            <a:endParaRPr lang="en-US" dirty="0">
+              <a:latin typeface="Courier New" panose="02070309020205020404" pitchFamily="49" charset="0"/>
+              <a:cs typeface="Courier New" panose="02070309020205020404" pitchFamily="49" charset="0"/>
+            </a:endParaRPr>
+          </a:p>
+          <a:p>
+            <a:r>
+              <a:rPr lang="en-US" dirty="0"/>
+              <a:t>Usages</a:t>
+            </a:r>
+          </a:p>
+          <a:p>
+            <a:pPr lvl="1"/>
+            <a:r>
+              <a:rPr lang="en-US" dirty="0"/>
+              <a:t>Admin and monitoring purposes</a:t>
+            </a:r>
+          </a:p>
+          <a:p>
+            <a:pPr lvl="1"/>
+            <a:r>
+              <a:rPr lang="en-US" dirty="0"/>
+              <a:t>Triggering auto-configurations (e.g. load balancer configuration with </a:t>
+            </a:r>
+            <a:r>
+              <a:rPr lang="en-US" dirty="0">
+                <a:hlinkClick r:id="rId3"/>
+              </a:rPr>
+              <a:t>Interlock</a:t>
+            </a:r>
+            <a:r>
+              <a:rPr lang="en-US" dirty="0"/>
+              <a:t> and </a:t>
+            </a:r>
+            <a:r>
+              <a:rPr lang="en-US" dirty="0">
+                <a:hlinkClick r:id="rId4"/>
+              </a:rPr>
+              <a:t>Nginx</a:t>
+            </a:r>
+            <a:r>
+              <a:rPr lang="en-US" dirty="0"/>
+              <a:t>)</a:t>
+            </a:r>
+          </a:p>
+        </p:txBody>
+      </p:sp>
+      <p:sp>
+        <p:nvSpPr>
+          <p:cNvPr id="9" name="Text Placeholder 8"/>
+          <p:cNvSpPr>
+            <a:spLocks noGrp="1"/>
+          </p:cNvSpPr>
+          <p:nvPr>
+            <p:ph type="body" sz="quarter" idx="23"/>
+          </p:nvPr>
+        </p:nvSpPr>
+        <p:spPr/>
+        <p:txBody>
+          <a:bodyPr/>
+          <a:lstStyle/>
+          <a:p>
+            <a:endParaRPr lang="en-US" dirty="0"/>
+          </a:p>
+        </p:txBody>
+      </p:sp>
+    </p:spTree>
+    <p:extLst>
+      <p:ext uri="{BB962C8B-B14F-4D97-AF65-F5344CB8AC3E}">
+        <p14:creationId xmlns:p14="http://schemas.microsoft.com/office/powerpoint/2010/main" val="1284987664"/>
+      </p:ext>
+    </p:extLst>
+  </p:cSld>
+  <p:clrMapOvr>
+    <a:masterClrMapping/>
+  </p:clrMapOvr>
+  <p:transition spd="slow">
+    <p:push/>
+  </p:transition>
+</p:sld>
+</file>
+
+<file path=ppt/slides/slide27.xml><?xml version="1.0" encoding="utf-8"?>
+<p:sld xmlns:a="http://schemas.openxmlformats.org/drawingml/2006/main" xmlns:r="http://schemas.openxmlformats.org/officeDocument/2006/relationships" xmlns:p="http://schemas.openxmlformats.org/presentationml/2006/main">
+  <p:cSld>
+    <p:spTree>
+      <p:nvGrpSpPr>
+        <p:cNvPr id="1" name=""/>
+        <p:cNvGrpSpPr/>
+        <p:nvPr/>
+      </p:nvGrpSpPr>
+      <p:grpSpPr>
+        <a:xfrm>
+          <a:off x="0" y="0"/>
+          <a:ext cx="0" cy="0"/>
+          <a:chOff x="0" y="0"/>
+          <a:chExt cx="0" cy="0"/>
+        </a:xfrm>
+      </p:grpSpPr>
+      <p:sp>
+        <p:nvSpPr>
           <p:cNvPr id="2" name="Titel 1"/>
           <p:cNvSpPr>
             <a:spLocks noGrp="1"/>
@@ -34067,7 +34159,7 @@
 </p:sld>
 </file>
 
-<file path=ppt/slides/slide27.xml><?xml version="1.0" encoding="utf-8"?>
+<file path=ppt/slides/slide28.xml><?xml version="1.0" encoding="utf-8"?>
 <p:sld xmlns:a="http://schemas.openxmlformats.org/drawingml/2006/main" xmlns:r="http://schemas.openxmlformats.org/officeDocument/2006/relationships" xmlns:p="http://schemas.openxmlformats.org/presentationml/2006/main">
   <p:cSld>
     <p:spTree>
@@ -34339,7 +34431,7 @@
 </p:sld>
 </file>
 
-<file path=ppt/slides/slide28.xml><?xml version="1.0" encoding="utf-8"?>
+<file path=ppt/slides/slide29.xml><?xml version="1.0" encoding="utf-8"?>
 <p:sld xmlns:a="http://schemas.openxmlformats.org/drawingml/2006/main" xmlns:r="http://schemas.openxmlformats.org/officeDocument/2006/relationships" xmlns:p="http://schemas.openxmlformats.org/presentationml/2006/main">
   <p:cSld>
     <p:spTree>
@@ -35181,7 +35273,93 @@
 </p:sld>
 </file>
 
-<file path=ppt/slides/slide29.xml><?xml version="1.0" encoding="utf-8"?>
+<file path=ppt/slides/slide3.xml><?xml version="1.0" encoding="utf-8"?>
+<p:sld xmlns:a="http://schemas.openxmlformats.org/drawingml/2006/main" xmlns:r="http://schemas.openxmlformats.org/officeDocument/2006/relationships" xmlns:p="http://schemas.openxmlformats.org/presentationml/2006/main">
+  <p:cSld>
+    <p:spTree>
+      <p:nvGrpSpPr>
+        <p:cNvPr id="1" name=""/>
+        <p:cNvGrpSpPr/>
+        <p:nvPr/>
+      </p:nvGrpSpPr>
+      <p:grpSpPr>
+        <a:xfrm>
+          <a:off x="0" y="0"/>
+          <a:ext cx="0" cy="0"/>
+          <a:chOff x="0" y="0"/>
+          <a:chExt cx="0" cy="0"/>
+        </a:xfrm>
+      </p:grpSpPr>
+      <p:sp>
+        <p:nvSpPr>
+          <p:cNvPr id="2" name="Title 1"/>
+          <p:cNvSpPr>
+            <a:spLocks noGrp="1"/>
+          </p:cNvSpPr>
+          <p:nvPr>
+            <p:ph type="title"/>
+          </p:nvPr>
+        </p:nvSpPr>
+        <p:spPr/>
+        <p:txBody>
+          <a:bodyPr/>
+          <a:lstStyle/>
+          <a:p>
+            <a:r>
+              <a:rPr lang="en-US" dirty="0"/>
+              <a:t>What is Docker?</a:t>
+            </a:r>
+          </a:p>
+        </p:txBody>
+      </p:sp>
+      <p:sp>
+        <p:nvSpPr>
+          <p:cNvPr id="3" name="Text Placeholder 2"/>
+          <p:cNvSpPr>
+            <a:spLocks noGrp="1"/>
+          </p:cNvSpPr>
+          <p:nvPr>
+            <p:ph type="body" sz="quarter" idx="25"/>
+          </p:nvPr>
+        </p:nvSpPr>
+        <p:spPr/>
+        <p:txBody>
+          <a:bodyPr/>
+          <a:lstStyle/>
+          <a:p>
+            <a:r>
+              <a:rPr lang="en-US" dirty="0"/>
+              <a:t>Introduction</a:t>
+            </a:r>
+          </a:p>
+        </p:txBody>
+      </p:sp>
+    </p:spTree>
+    <p:extLst>
+      <p:ext uri="{BB962C8B-B14F-4D97-AF65-F5344CB8AC3E}">
+        <p14:creationId xmlns:p14="http://schemas.microsoft.com/office/powerpoint/2010/main" val="157276080"/>
+      </p:ext>
+    </p:extLst>
+  </p:cSld>
+  <p:clrMapOvr>
+    <a:masterClrMapping/>
+  </p:clrMapOvr>
+  <mc:AlternateContent xmlns:mc="http://schemas.openxmlformats.org/markup-compatibility/2006" xmlns:p14="http://schemas.microsoft.com/office/powerpoint/2010/main">
+    <mc:Choice Requires="p14">
+      <p:transition spd="med" p14:dur="700">
+        <p:fade/>
+      </p:transition>
+    </mc:Choice>
+    <mc:Fallback xmlns="">
+      <p:transition spd="med">
+        <p:fade/>
+      </p:transition>
+    </mc:Fallback>
+  </mc:AlternateContent>
+</p:sld>
+</file>
+
+<file path=ppt/slides/slide30.xml><?xml version="1.0" encoding="utf-8"?>
 <p:sld xmlns:a="http://schemas.openxmlformats.org/drawingml/2006/main" xmlns:r="http://schemas.openxmlformats.org/officeDocument/2006/relationships" xmlns:p="http://schemas.openxmlformats.org/presentationml/2006/main">
   <p:cSld>
     <p:spTree>
@@ -35750,93 +35928,7 @@
 </p:sld>
 </file>
 
-<file path=ppt/slides/slide3.xml><?xml version="1.0" encoding="utf-8"?>
-<p:sld xmlns:a="http://schemas.openxmlformats.org/drawingml/2006/main" xmlns:r="http://schemas.openxmlformats.org/officeDocument/2006/relationships" xmlns:p="http://schemas.openxmlformats.org/presentationml/2006/main">
-  <p:cSld>
-    <p:spTree>
-      <p:nvGrpSpPr>
-        <p:cNvPr id="1" name=""/>
-        <p:cNvGrpSpPr/>
-        <p:nvPr/>
-      </p:nvGrpSpPr>
-      <p:grpSpPr>
-        <a:xfrm>
-          <a:off x="0" y="0"/>
-          <a:ext cx="0" cy="0"/>
-          <a:chOff x="0" y="0"/>
-          <a:chExt cx="0" cy="0"/>
-        </a:xfrm>
-      </p:grpSpPr>
-      <p:sp>
-        <p:nvSpPr>
-          <p:cNvPr id="2" name="Title 1"/>
-          <p:cNvSpPr>
-            <a:spLocks noGrp="1"/>
-          </p:cNvSpPr>
-          <p:nvPr>
-            <p:ph type="title"/>
-          </p:nvPr>
-        </p:nvSpPr>
-        <p:spPr/>
-        <p:txBody>
-          <a:bodyPr/>
-          <a:lstStyle/>
-          <a:p>
-            <a:r>
-              <a:rPr lang="en-US" dirty="0"/>
-              <a:t>What is Docker?</a:t>
-            </a:r>
-          </a:p>
-        </p:txBody>
-      </p:sp>
-      <p:sp>
-        <p:nvSpPr>
-          <p:cNvPr id="3" name="Text Placeholder 2"/>
-          <p:cNvSpPr>
-            <a:spLocks noGrp="1"/>
-          </p:cNvSpPr>
-          <p:nvPr>
-            <p:ph type="body" sz="quarter" idx="25"/>
-          </p:nvPr>
-        </p:nvSpPr>
-        <p:spPr/>
-        <p:txBody>
-          <a:bodyPr/>
-          <a:lstStyle/>
-          <a:p>
-            <a:r>
-              <a:rPr lang="en-US" dirty="0"/>
-              <a:t>Introduction</a:t>
-            </a:r>
-          </a:p>
-        </p:txBody>
-      </p:sp>
-    </p:spTree>
-    <p:extLst>
-      <p:ext uri="{BB962C8B-B14F-4D97-AF65-F5344CB8AC3E}">
-        <p14:creationId xmlns:p14="http://schemas.microsoft.com/office/powerpoint/2010/main" val="157276080"/>
-      </p:ext>
-    </p:extLst>
-  </p:cSld>
-  <p:clrMapOvr>
-    <a:masterClrMapping/>
-  </p:clrMapOvr>
-  <mc:AlternateContent xmlns:mc="http://schemas.openxmlformats.org/markup-compatibility/2006" xmlns:p14="http://schemas.microsoft.com/office/powerpoint/2010/main">
-    <mc:Choice Requires="p14">
-      <p:transition spd="med" p14:dur="700">
-        <p:fade/>
-      </p:transition>
-    </mc:Choice>
-    <mc:Fallback xmlns="">
-      <p:transition spd="med">
-        <p:fade/>
-      </p:transition>
-    </mc:Fallback>
-  </mc:AlternateContent>
-</p:sld>
-</file>
-
-<file path=ppt/slides/slide30.xml><?xml version="1.0" encoding="utf-8"?>
+<file path=ppt/slides/slide31.xml><?xml version="1.0" encoding="utf-8"?>
 <p:sld xmlns:a="http://schemas.openxmlformats.org/drawingml/2006/main" xmlns:r="http://schemas.openxmlformats.org/officeDocument/2006/relationships" xmlns:p="http://schemas.openxmlformats.org/presentationml/2006/main">
   <p:cSld>
     <p:spTree>
@@ -36551,7 +36643,7 @@
 </p:sld>
 </file>
 
-<file path=ppt/slides/slide31.xml><?xml version="1.0" encoding="utf-8"?>
+<file path=ppt/slides/slide32.xml><?xml version="1.0" encoding="utf-8"?>
 <p:sld xmlns:a="http://schemas.openxmlformats.org/drawingml/2006/main" xmlns:r="http://schemas.openxmlformats.org/officeDocument/2006/relationships" xmlns:p="http://schemas.openxmlformats.org/presentationml/2006/main">
   <p:cSld>
     <p:spTree>
@@ -36755,7 +36847,7 @@
 </p:sld>
 </file>
 
-<file path=ppt/slides/slide32.xml><?xml version="1.0" encoding="utf-8"?>
+<file path=ppt/slides/slide33.xml><?xml version="1.0" encoding="utf-8"?>
 <p:sld xmlns:a="http://schemas.openxmlformats.org/drawingml/2006/main" xmlns:r="http://schemas.openxmlformats.org/officeDocument/2006/relationships" xmlns:p="http://schemas.openxmlformats.org/presentationml/2006/main" show="0">
   <p:cSld>
     <p:spTree>
@@ -37221,7 +37313,7 @@
 </p:sld>
 </file>
 
-<file path=ppt/slides/slide33.xml><?xml version="1.0" encoding="utf-8"?>
+<file path=ppt/slides/slide34.xml><?xml version="1.0" encoding="utf-8"?>
 <p:sld xmlns:a="http://schemas.openxmlformats.org/drawingml/2006/main" xmlns:r="http://schemas.openxmlformats.org/officeDocument/2006/relationships" xmlns:p="http://schemas.openxmlformats.org/presentationml/2006/main" show="0">
   <p:cSld>
     <p:spTree>
@@ -37666,7 +37758,1018 @@
 </p:sld>
 </file>
 
-<file path=ppt/slides/slide34.xml><?xml version="1.0" encoding="utf-8"?>
+<file path=ppt/slides/slide35.xml><?xml version="1.0" encoding="utf-8"?>
+<p:sld xmlns:a="http://schemas.openxmlformats.org/drawingml/2006/main" xmlns:r="http://schemas.openxmlformats.org/officeDocument/2006/relationships" xmlns:p="http://schemas.openxmlformats.org/presentationml/2006/main">
+  <p:cSld>
+    <p:spTree>
+      <p:nvGrpSpPr>
+        <p:cNvPr id="1" name=""/>
+        <p:cNvGrpSpPr/>
+        <p:nvPr/>
+      </p:nvGrpSpPr>
+      <p:grpSpPr>
+        <a:xfrm>
+          <a:off x="0" y="0"/>
+          <a:ext cx="0" cy="0"/>
+          <a:chOff x="0" y="0"/>
+          <a:chExt cx="0" cy="0"/>
+        </a:xfrm>
+      </p:grpSpPr>
+      <p:sp>
+        <p:nvSpPr>
+          <p:cNvPr id="7" name="Title 6"/>
+          <p:cNvSpPr>
+            <a:spLocks noGrp="1"/>
+          </p:cNvSpPr>
+          <p:nvPr>
+            <p:ph type="title"/>
+          </p:nvPr>
+        </p:nvSpPr>
+        <p:spPr/>
+        <p:txBody>
+          <a:bodyPr/>
+          <a:lstStyle/>
+          <a:p>
+            <a:r>
+              <a:rPr lang="en-US" dirty="0"/>
+              <a:t>Docker Volumes on Azure Files</a:t>
+            </a:r>
+          </a:p>
+        </p:txBody>
+      </p:sp>
+      <p:sp>
+        <p:nvSpPr>
+          <p:cNvPr id="8" name="Content Placeholder 7"/>
+          <p:cNvSpPr>
+            <a:spLocks noGrp="1"/>
+          </p:cNvSpPr>
+          <p:nvPr>
+            <p:ph sz="quarter" idx="12"/>
+          </p:nvPr>
+        </p:nvSpPr>
+        <p:spPr/>
+        <p:txBody>
+          <a:bodyPr/>
+          <a:lstStyle/>
+          <a:p>
+            <a:r>
+              <a:rPr lang="en-US" i="1" dirty="0"/>
+              <a:t>Azure Files</a:t>
+            </a:r>
+            <a:r>
+              <a:rPr lang="en-US" dirty="0"/>
+              <a:t>-Driver for Docker Volumes available</a:t>
+            </a:r>
+          </a:p>
+          <a:p>
+            <a:pPr lvl="1"/>
+            <a:r>
+              <a:rPr lang="en-US" dirty="0">
+                <a:hlinkClick r:id="rId2"/>
+              </a:rPr>
+              <a:t>https://github.com/Azure/azurefile-dockervolumedriver</a:t>
+            </a:r>
+            <a:endParaRPr lang="en-US" dirty="0"/>
+          </a:p>
+          <a:p>
+            <a:r>
+              <a:rPr lang="en-US" dirty="0"/>
+              <a:t>Store persistent data outside of Docker Containers</a:t>
+            </a:r>
+          </a:p>
+          <a:p>
+            <a:pPr lvl="1"/>
+            <a:r>
+              <a:rPr lang="en-US" dirty="0"/>
+              <a:t>Docker containers/hosts can be moved, recreated, etc. without loosing data</a:t>
+            </a:r>
+          </a:p>
+          <a:p>
+            <a:pPr lvl="1"/>
+            <a:r>
+              <a:rPr lang="en-US" dirty="0"/>
+              <a:t>High availability, replication for data</a:t>
+            </a:r>
+          </a:p>
+          <a:p>
+            <a:pPr lvl="1"/>
+            <a:r>
+              <a:rPr lang="en-US" dirty="0"/>
+              <a:t>Multiple containers/hosts can access the same volume</a:t>
+            </a:r>
+          </a:p>
+        </p:txBody>
+      </p:sp>
+      <p:sp>
+        <p:nvSpPr>
+          <p:cNvPr id="9" name="Text Placeholder 8"/>
+          <p:cNvSpPr>
+            <a:spLocks noGrp="1"/>
+          </p:cNvSpPr>
+          <p:nvPr>
+            <p:ph type="body" sz="quarter" idx="23"/>
+          </p:nvPr>
+        </p:nvSpPr>
+        <p:spPr/>
+        <p:txBody>
+          <a:bodyPr/>
+          <a:lstStyle/>
+          <a:p>
+            <a:endParaRPr lang="en-US" dirty="0"/>
+          </a:p>
+        </p:txBody>
+      </p:sp>
+    </p:spTree>
+    <p:extLst>
+      <p:ext uri="{BB962C8B-B14F-4D97-AF65-F5344CB8AC3E}">
+        <p14:creationId xmlns:p14="http://schemas.microsoft.com/office/powerpoint/2010/main" val="547619098"/>
+      </p:ext>
+    </p:extLst>
+  </p:cSld>
+  <p:clrMapOvr>
+    <a:masterClrMapping/>
+  </p:clrMapOvr>
+  <p:transition spd="slow">
+    <p:push/>
+  </p:transition>
+</p:sld>
+</file>
+
+<file path=ppt/slides/slide36.xml><?xml version="1.0" encoding="utf-8"?>
+<p:sld xmlns:a="http://schemas.openxmlformats.org/drawingml/2006/main" xmlns:r="http://schemas.openxmlformats.org/officeDocument/2006/relationships" xmlns:p="http://schemas.openxmlformats.org/presentationml/2006/main">
+  <p:cSld>
+    <p:spTree>
+      <p:nvGrpSpPr>
+        <p:cNvPr id="1" name=""/>
+        <p:cNvGrpSpPr/>
+        <p:nvPr/>
+      </p:nvGrpSpPr>
+      <p:grpSpPr>
+        <a:xfrm>
+          <a:off x="0" y="0"/>
+          <a:ext cx="0" cy="0"/>
+          <a:chOff x="0" y="0"/>
+          <a:chExt cx="0" cy="0"/>
+        </a:xfrm>
+      </p:grpSpPr>
+      <p:sp>
+        <p:nvSpPr>
+          <p:cNvPr id="4" name="Titel 3"/>
+          <p:cNvSpPr>
+            <a:spLocks noGrp="1"/>
+          </p:cNvSpPr>
+          <p:nvPr>
+            <p:ph type="title"/>
+          </p:nvPr>
+        </p:nvSpPr>
+        <p:spPr/>
+        <p:txBody>
+          <a:bodyPr/>
+          <a:lstStyle/>
+          <a:p>
+            <a:r>
+              <a:rPr lang="en-US" dirty="0"/>
+              <a:t>Azure Files Volume</a:t>
+            </a:r>
+            <a:endParaRPr lang="de-AT" dirty="0"/>
+          </a:p>
+        </p:txBody>
+      </p:sp>
+      <p:sp>
+        <p:nvSpPr>
+          <p:cNvPr id="7" name="Inhaltsplatzhalter 6"/>
+          <p:cNvSpPr>
+            <a:spLocks noGrp="1"/>
+          </p:cNvSpPr>
+          <p:nvPr>
+            <p:ph sz="quarter" idx="22"/>
+          </p:nvPr>
+        </p:nvSpPr>
+        <p:spPr/>
+        <p:txBody>
+          <a:bodyPr/>
+          <a:lstStyle/>
+          <a:p>
+            <a:r>
+              <a:rPr lang="en-US" dirty="0"/>
+              <a:t>// Create volume</a:t>
+            </a:r>
+          </a:p>
+          <a:p>
+            <a:r>
+              <a:rPr lang="en-US" dirty="0" err="1"/>
+              <a:t>docker</a:t>
+            </a:r>
+            <a:r>
+              <a:rPr lang="en-US" dirty="0"/>
+              <a:t> volume create </a:t>
+            </a:r>
+          </a:p>
+          <a:p>
+            <a:r>
+              <a:rPr lang="en-US" dirty="0"/>
+              <a:t>	-d </a:t>
+            </a:r>
+            <a:r>
+              <a:rPr lang="en-US" dirty="0" err="1"/>
+              <a:t>azurefile</a:t>
+            </a:r>
+            <a:r>
+              <a:rPr lang="en-US" dirty="0"/>
+              <a:t> --name </a:t>
+            </a:r>
+            <a:r>
+              <a:rPr lang="en-US" dirty="0" err="1"/>
+              <a:t>dbdatavol</a:t>
+            </a:r>
+            <a:r>
+              <a:rPr lang="en-US" dirty="0"/>
+              <a:t> -o share=</a:t>
+            </a:r>
+            <a:r>
+              <a:rPr lang="en-US" dirty="0" err="1"/>
+              <a:t>dbdatavol</a:t>
+            </a:r>
+            <a:endParaRPr lang="en-US" dirty="0"/>
+          </a:p>
+          <a:p>
+            <a:endParaRPr lang="en-US" dirty="0"/>
+          </a:p>
+          <a:p>
+            <a:endParaRPr lang="en-US" dirty="0"/>
+          </a:p>
+          <a:p>
+            <a:endParaRPr lang="en-US" dirty="0"/>
+          </a:p>
+          <a:p>
+            <a:endParaRPr lang="en-US" dirty="0"/>
+          </a:p>
+          <a:p>
+            <a:endParaRPr lang="en-US" dirty="0"/>
+          </a:p>
+          <a:p>
+            <a:endParaRPr lang="en-US" dirty="0"/>
+          </a:p>
+          <a:p>
+            <a:r>
+              <a:rPr lang="en-US" dirty="0"/>
+              <a:t>// Create </a:t>
+            </a:r>
+            <a:r>
+              <a:rPr lang="en-US" dirty="0" err="1"/>
+              <a:t>postgres</a:t>
+            </a:r>
+            <a:r>
+              <a:rPr lang="en-US" dirty="0"/>
+              <a:t> DB with data on Azure Files</a:t>
+            </a:r>
+          </a:p>
+          <a:p>
+            <a:r>
+              <a:rPr lang="en-US" dirty="0" err="1"/>
+              <a:t>docker</a:t>
+            </a:r>
+            <a:r>
+              <a:rPr lang="en-US" dirty="0"/>
+              <a:t> run –d --name </a:t>
+            </a:r>
+            <a:r>
+              <a:rPr lang="en-US" dirty="0" err="1"/>
+              <a:t>mydb</a:t>
+            </a:r>
+            <a:r>
+              <a:rPr lang="en-US" dirty="0"/>
+              <a:t> -e POSTGRES_PASSWORD=P@ssw0rd! </a:t>
+            </a:r>
+          </a:p>
+          <a:p>
+            <a:r>
+              <a:rPr lang="en-US" dirty="0"/>
+              <a:t>	-e PGDATA=/</a:t>
+            </a:r>
+            <a:r>
+              <a:rPr lang="en-US" dirty="0" err="1"/>
+              <a:t>dbdata</a:t>
+            </a:r>
+            <a:r>
+              <a:rPr lang="en-US" dirty="0"/>
+              <a:t> -v </a:t>
+            </a:r>
+            <a:r>
+              <a:rPr lang="en-US" dirty="0" err="1"/>
+              <a:t>dbdatavol</a:t>
+            </a:r>
+            <a:r>
+              <a:rPr lang="en-US" dirty="0"/>
+              <a:t>:/</a:t>
+            </a:r>
+            <a:r>
+              <a:rPr lang="en-US" dirty="0" err="1"/>
+              <a:t>dbdata</a:t>
+            </a:r>
+            <a:r>
+              <a:rPr lang="en-US" dirty="0"/>
+              <a:t> -p 5432:5432 </a:t>
+            </a:r>
+            <a:r>
+              <a:rPr lang="en-US" dirty="0" err="1"/>
+              <a:t>postgres</a:t>
+            </a:r>
+            <a:endParaRPr lang="en-US" dirty="0"/>
+          </a:p>
+          <a:p>
+            <a:r>
+              <a:rPr lang="en-US" dirty="0"/>
+              <a:t>		</a:t>
+            </a:r>
+            <a:endParaRPr lang="de-AT" dirty="0"/>
+          </a:p>
+        </p:txBody>
+      </p:sp>
+      <p:sp>
+        <p:nvSpPr>
+          <p:cNvPr id="8" name="Textplatzhalter 7"/>
+          <p:cNvSpPr>
+            <a:spLocks noGrp="1"/>
+          </p:cNvSpPr>
+          <p:nvPr>
+            <p:ph type="body" sz="quarter" idx="23"/>
+          </p:nvPr>
+        </p:nvSpPr>
+        <p:spPr/>
+        <p:txBody>
+          <a:bodyPr/>
+          <a:lstStyle/>
+          <a:p>
+            <a:endParaRPr lang="de-AT" dirty="0"/>
+          </a:p>
+        </p:txBody>
+      </p:sp>
+      <p:sp>
+        <p:nvSpPr>
+          <p:cNvPr id="9" name="Textplatzhalter 8"/>
+          <p:cNvSpPr>
+            <a:spLocks noGrp="1"/>
+          </p:cNvSpPr>
+          <p:nvPr>
+            <p:ph type="body" sz="quarter" idx="24"/>
+          </p:nvPr>
+        </p:nvSpPr>
+        <p:spPr/>
+        <p:txBody>
+          <a:bodyPr/>
+          <a:lstStyle/>
+          <a:p>
+            <a:endParaRPr lang="de-AT" dirty="0"/>
+          </a:p>
+        </p:txBody>
+      </p:sp>
+      <p:sp>
+        <p:nvSpPr>
+          <p:cNvPr id="10" name="Textplatzhalter 9"/>
+          <p:cNvSpPr>
+            <a:spLocks noGrp="1"/>
+          </p:cNvSpPr>
+          <p:nvPr>
+            <p:ph type="body" sz="quarter" idx="25"/>
+          </p:nvPr>
+        </p:nvSpPr>
+        <p:spPr/>
+        <p:txBody>
+          <a:bodyPr/>
+          <a:lstStyle/>
+          <a:p>
+            <a:endParaRPr lang="de-AT"/>
+          </a:p>
+        </p:txBody>
+      </p:sp>
+      <p:grpSp>
+        <p:nvGrpSpPr>
+          <p:cNvPr id="11" name="Gruppieren 10"/>
+          <p:cNvGrpSpPr/>
+          <p:nvPr/>
+        </p:nvGrpSpPr>
+        <p:grpSpPr>
+          <a:xfrm>
+            <a:off x="3462289" y="732847"/>
+            <a:ext cx="1334472" cy="369912"/>
+            <a:chOff x="3861990" y="1529049"/>
+            <a:chExt cx="1334472" cy="369912"/>
+          </a:xfrm>
+        </p:grpSpPr>
+        <p:cxnSp>
+          <p:nvCxnSpPr>
+            <p:cNvPr id="12" name="Gerader Verbinder 11"/>
+            <p:cNvCxnSpPr/>
+            <p:nvPr/>
+          </p:nvCxnSpPr>
+          <p:spPr>
+            <a:xfrm>
+              <a:off x="3861990" y="1529049"/>
+              <a:ext cx="0" cy="216024"/>
+            </a:xfrm>
+            <a:prstGeom prst="line">
+              <a:avLst/>
+            </a:prstGeom>
+          </p:spPr>
+          <p:style>
+            <a:lnRef idx="2">
+              <a:schemeClr val="dk1"/>
+            </a:lnRef>
+            <a:fillRef idx="0">
+              <a:schemeClr val="dk1"/>
+            </a:fillRef>
+            <a:effectRef idx="1">
+              <a:schemeClr val="dk1"/>
+            </a:effectRef>
+            <a:fontRef idx="minor">
+              <a:schemeClr val="tx1"/>
+            </a:fontRef>
+          </p:style>
+        </p:cxnSp>
+        <p:cxnSp>
+          <p:nvCxnSpPr>
+            <p:cNvPr id="13" name="Gerader Verbinder 12"/>
+            <p:cNvCxnSpPr/>
+            <p:nvPr/>
+          </p:nvCxnSpPr>
+          <p:spPr>
+            <a:xfrm>
+              <a:off x="3861990" y="1745073"/>
+              <a:ext cx="216024" cy="0"/>
+            </a:xfrm>
+            <a:prstGeom prst="line">
+              <a:avLst/>
+            </a:prstGeom>
+          </p:spPr>
+          <p:style>
+            <a:lnRef idx="2">
+              <a:schemeClr val="dk1"/>
+            </a:lnRef>
+            <a:fillRef idx="0">
+              <a:schemeClr val="dk1"/>
+            </a:fillRef>
+            <a:effectRef idx="1">
+              <a:schemeClr val="dk1"/>
+            </a:effectRef>
+            <a:fontRef idx="minor">
+              <a:schemeClr val="tx1"/>
+            </a:fontRef>
+          </p:style>
+        </p:cxnSp>
+        <p:sp>
+          <p:nvSpPr>
+            <p:cNvPr id="14" name="Textfeld 13"/>
+            <p:cNvSpPr txBox="1"/>
+            <p:nvPr/>
+          </p:nvSpPr>
+          <p:spPr>
+            <a:xfrm>
+              <a:off x="4078014" y="1591184"/>
+              <a:ext cx="1118448" cy="307777"/>
+            </a:xfrm>
+            <a:prstGeom prst="rect">
+              <a:avLst/>
+            </a:prstGeom>
+            <a:noFill/>
+          </p:spPr>
+          <p:txBody>
+            <a:bodyPr wrap="none" rtlCol="0">
+              <a:spAutoFit/>
+            </a:bodyPr>
+            <a:lstStyle/>
+            <a:p>
+              <a:pPr defTabSz="914400" fontAlgn="auto">
+                <a:spcBef>
+                  <a:spcPts val="0"/>
+                </a:spcBef>
+                <a:spcAft>
+                  <a:spcPts val="0"/>
+                </a:spcAft>
+                <a:buClrTx/>
+                <a:buSzTx/>
+                <a:buFontTx/>
+                <a:buNone/>
+              </a:pPr>
+              <a:r>
+                <a:rPr lang="en-US" sz="1400" dirty="0">
+                  <a:solidFill>
+                    <a:srgbClr val="595959"/>
+                  </a:solidFill>
+                  <a:latin typeface="Segoe UI"/>
+                  <a:ea typeface="+mn-ea"/>
+                </a:rPr>
+                <a:t>Share name</a:t>
+              </a:r>
+            </a:p>
+          </p:txBody>
+        </p:sp>
+      </p:grpSp>
+      <p:grpSp>
+        <p:nvGrpSpPr>
+          <p:cNvPr id="15" name="Gruppieren 14"/>
+          <p:cNvGrpSpPr/>
+          <p:nvPr/>
+        </p:nvGrpSpPr>
+        <p:grpSpPr>
+          <a:xfrm>
+            <a:off x="669984" y="733427"/>
+            <a:ext cx="1366275" cy="677109"/>
+            <a:chOff x="3861990" y="1221852"/>
+            <a:chExt cx="1366275" cy="677109"/>
+          </a:xfrm>
+        </p:grpSpPr>
+        <p:cxnSp>
+          <p:nvCxnSpPr>
+            <p:cNvPr id="16" name="Gerader Verbinder 15"/>
+            <p:cNvCxnSpPr/>
+            <p:nvPr/>
+          </p:nvCxnSpPr>
+          <p:spPr>
+            <a:xfrm>
+              <a:off x="3861990" y="1221852"/>
+              <a:ext cx="0" cy="523221"/>
+            </a:xfrm>
+            <a:prstGeom prst="line">
+              <a:avLst/>
+            </a:prstGeom>
+          </p:spPr>
+          <p:style>
+            <a:lnRef idx="2">
+              <a:schemeClr val="dk1"/>
+            </a:lnRef>
+            <a:fillRef idx="0">
+              <a:schemeClr val="dk1"/>
+            </a:fillRef>
+            <a:effectRef idx="1">
+              <a:schemeClr val="dk1"/>
+            </a:effectRef>
+            <a:fontRef idx="minor">
+              <a:schemeClr val="tx1"/>
+            </a:fontRef>
+          </p:style>
+        </p:cxnSp>
+        <p:cxnSp>
+          <p:nvCxnSpPr>
+            <p:cNvPr id="17" name="Gerader Verbinder 16"/>
+            <p:cNvCxnSpPr/>
+            <p:nvPr/>
+          </p:nvCxnSpPr>
+          <p:spPr>
+            <a:xfrm>
+              <a:off x="3861990" y="1745073"/>
+              <a:ext cx="216024" cy="0"/>
+            </a:xfrm>
+            <a:prstGeom prst="line">
+              <a:avLst/>
+            </a:prstGeom>
+          </p:spPr>
+          <p:style>
+            <a:lnRef idx="2">
+              <a:schemeClr val="dk1"/>
+            </a:lnRef>
+            <a:fillRef idx="0">
+              <a:schemeClr val="dk1"/>
+            </a:fillRef>
+            <a:effectRef idx="1">
+              <a:schemeClr val="dk1"/>
+            </a:effectRef>
+            <a:fontRef idx="minor">
+              <a:schemeClr val="tx1"/>
+            </a:fontRef>
+          </p:style>
+        </p:cxnSp>
+        <p:sp>
+          <p:nvSpPr>
+            <p:cNvPr id="18" name="Textfeld 17"/>
+            <p:cNvSpPr txBox="1"/>
+            <p:nvPr/>
+          </p:nvSpPr>
+          <p:spPr>
+            <a:xfrm>
+              <a:off x="4078014" y="1591184"/>
+              <a:ext cx="1150251" cy="307777"/>
+            </a:xfrm>
+            <a:prstGeom prst="rect">
+              <a:avLst/>
+            </a:prstGeom>
+            <a:noFill/>
+          </p:spPr>
+          <p:txBody>
+            <a:bodyPr wrap="none" rtlCol="0">
+              <a:spAutoFit/>
+            </a:bodyPr>
+            <a:lstStyle/>
+            <a:p>
+              <a:pPr defTabSz="914400" fontAlgn="auto">
+                <a:spcBef>
+                  <a:spcPts val="0"/>
+                </a:spcBef>
+                <a:spcAft>
+                  <a:spcPts val="0"/>
+                </a:spcAft>
+                <a:buClrTx/>
+                <a:buSzTx/>
+                <a:buFontTx/>
+                <a:buNone/>
+              </a:pPr>
+              <a:r>
+                <a:rPr lang="en-US" sz="1400" dirty="0">
+                  <a:solidFill>
+                    <a:srgbClr val="595959"/>
+                  </a:solidFill>
+                  <a:latin typeface="Segoe UI"/>
+                  <a:ea typeface="+mn-ea"/>
+                </a:rPr>
+                <a:t>Driver name</a:t>
+              </a:r>
+            </a:p>
+          </p:txBody>
+        </p:sp>
+      </p:grpSp>
+      <p:grpSp>
+        <p:nvGrpSpPr>
+          <p:cNvPr id="19" name="Gruppieren 18"/>
+          <p:cNvGrpSpPr/>
+          <p:nvPr/>
+        </p:nvGrpSpPr>
+        <p:grpSpPr>
+          <a:xfrm>
+            <a:off x="2201961" y="2370626"/>
+            <a:ext cx="2836293" cy="369912"/>
+            <a:chOff x="3861990" y="1529049"/>
+            <a:chExt cx="2836293" cy="369912"/>
+          </a:xfrm>
+        </p:grpSpPr>
+        <p:cxnSp>
+          <p:nvCxnSpPr>
+            <p:cNvPr id="20" name="Gerader Verbinder 19"/>
+            <p:cNvCxnSpPr/>
+            <p:nvPr/>
+          </p:nvCxnSpPr>
+          <p:spPr>
+            <a:xfrm>
+              <a:off x="3861990" y="1529049"/>
+              <a:ext cx="0" cy="216024"/>
+            </a:xfrm>
+            <a:prstGeom prst="line">
+              <a:avLst/>
+            </a:prstGeom>
+          </p:spPr>
+          <p:style>
+            <a:lnRef idx="2">
+              <a:schemeClr val="dk1"/>
+            </a:lnRef>
+            <a:fillRef idx="0">
+              <a:schemeClr val="dk1"/>
+            </a:fillRef>
+            <a:effectRef idx="1">
+              <a:schemeClr val="dk1"/>
+            </a:effectRef>
+            <a:fontRef idx="minor">
+              <a:schemeClr val="tx1"/>
+            </a:fontRef>
+          </p:style>
+        </p:cxnSp>
+        <p:cxnSp>
+          <p:nvCxnSpPr>
+            <p:cNvPr id="21" name="Gerader Verbinder 20"/>
+            <p:cNvCxnSpPr/>
+            <p:nvPr/>
+          </p:nvCxnSpPr>
+          <p:spPr>
+            <a:xfrm>
+              <a:off x="3861990" y="1745073"/>
+              <a:ext cx="216024" cy="0"/>
+            </a:xfrm>
+            <a:prstGeom prst="line">
+              <a:avLst/>
+            </a:prstGeom>
+          </p:spPr>
+          <p:style>
+            <a:lnRef idx="2">
+              <a:schemeClr val="dk1"/>
+            </a:lnRef>
+            <a:fillRef idx="0">
+              <a:schemeClr val="dk1"/>
+            </a:fillRef>
+            <a:effectRef idx="1">
+              <a:schemeClr val="dk1"/>
+            </a:effectRef>
+            <a:fontRef idx="minor">
+              <a:schemeClr val="tx1"/>
+            </a:fontRef>
+          </p:style>
+        </p:cxnSp>
+        <p:sp>
+          <p:nvSpPr>
+            <p:cNvPr id="22" name="Textfeld 21"/>
+            <p:cNvSpPr txBox="1"/>
+            <p:nvPr/>
+          </p:nvSpPr>
+          <p:spPr>
+            <a:xfrm>
+              <a:off x="4078014" y="1591184"/>
+              <a:ext cx="2620269" cy="307777"/>
+            </a:xfrm>
+            <a:prstGeom prst="rect">
+              <a:avLst/>
+            </a:prstGeom>
+            <a:noFill/>
+          </p:spPr>
+          <p:txBody>
+            <a:bodyPr wrap="none" rtlCol="0">
+              <a:spAutoFit/>
+            </a:bodyPr>
+            <a:lstStyle/>
+            <a:p>
+              <a:pPr defTabSz="914400" fontAlgn="auto">
+                <a:spcBef>
+                  <a:spcPts val="0"/>
+                </a:spcBef>
+                <a:spcAft>
+                  <a:spcPts val="0"/>
+                </a:spcAft>
+                <a:buClrTx/>
+                <a:buSzTx/>
+                <a:buFontTx/>
+                <a:buNone/>
+              </a:pPr>
+              <a:r>
+                <a:rPr lang="en-US" sz="1400" dirty="0">
+                  <a:solidFill>
+                    <a:srgbClr val="595959"/>
+                  </a:solidFill>
+                  <a:latin typeface="Segoe UI"/>
+                  <a:ea typeface="+mn-ea"/>
+                </a:rPr>
+                <a:t>Map Azure Files-based volume</a:t>
+              </a:r>
+            </a:p>
+          </p:txBody>
+        </p:sp>
+      </p:grpSp>
+      <p:grpSp>
+        <p:nvGrpSpPr>
+          <p:cNvPr id="23" name="Gruppieren 22"/>
+          <p:cNvGrpSpPr/>
+          <p:nvPr/>
+        </p:nvGrpSpPr>
+        <p:grpSpPr>
+          <a:xfrm>
+            <a:off x="669984" y="2370626"/>
+            <a:ext cx="3302895" cy="677109"/>
+            <a:chOff x="3861990" y="1221852"/>
+            <a:chExt cx="3302895" cy="677109"/>
+          </a:xfrm>
+        </p:grpSpPr>
+        <p:cxnSp>
+          <p:nvCxnSpPr>
+            <p:cNvPr id="24" name="Gerader Verbinder 23"/>
+            <p:cNvCxnSpPr/>
+            <p:nvPr/>
+          </p:nvCxnSpPr>
+          <p:spPr>
+            <a:xfrm>
+              <a:off x="3861990" y="1221852"/>
+              <a:ext cx="0" cy="523221"/>
+            </a:xfrm>
+            <a:prstGeom prst="line">
+              <a:avLst/>
+            </a:prstGeom>
+          </p:spPr>
+          <p:style>
+            <a:lnRef idx="2">
+              <a:schemeClr val="dk1"/>
+            </a:lnRef>
+            <a:fillRef idx="0">
+              <a:schemeClr val="dk1"/>
+            </a:fillRef>
+            <a:effectRef idx="1">
+              <a:schemeClr val="dk1"/>
+            </a:effectRef>
+            <a:fontRef idx="minor">
+              <a:schemeClr val="tx1"/>
+            </a:fontRef>
+          </p:style>
+        </p:cxnSp>
+        <p:cxnSp>
+          <p:nvCxnSpPr>
+            <p:cNvPr id="25" name="Gerader Verbinder 24"/>
+            <p:cNvCxnSpPr/>
+            <p:nvPr/>
+          </p:nvCxnSpPr>
+          <p:spPr>
+            <a:xfrm>
+              <a:off x="3861990" y="1745073"/>
+              <a:ext cx="216024" cy="0"/>
+            </a:xfrm>
+            <a:prstGeom prst="line">
+              <a:avLst/>
+            </a:prstGeom>
+          </p:spPr>
+          <p:style>
+            <a:lnRef idx="2">
+              <a:schemeClr val="dk1"/>
+            </a:lnRef>
+            <a:fillRef idx="0">
+              <a:schemeClr val="dk1"/>
+            </a:fillRef>
+            <a:effectRef idx="1">
+              <a:schemeClr val="dk1"/>
+            </a:effectRef>
+            <a:fontRef idx="minor">
+              <a:schemeClr val="tx1"/>
+            </a:fontRef>
+          </p:style>
+        </p:cxnSp>
+        <p:sp>
+          <p:nvSpPr>
+            <p:cNvPr id="26" name="Textfeld 25"/>
+            <p:cNvSpPr txBox="1"/>
+            <p:nvPr/>
+          </p:nvSpPr>
+          <p:spPr>
+            <a:xfrm>
+              <a:off x="4078014" y="1591184"/>
+              <a:ext cx="3086871" cy="307777"/>
+            </a:xfrm>
+            <a:prstGeom prst="rect">
+              <a:avLst/>
+            </a:prstGeom>
+            <a:noFill/>
+          </p:spPr>
+          <p:txBody>
+            <a:bodyPr wrap="none" rtlCol="0">
+              <a:spAutoFit/>
+            </a:bodyPr>
+            <a:lstStyle/>
+            <a:p>
+              <a:pPr defTabSz="914400" fontAlgn="auto">
+                <a:spcBef>
+                  <a:spcPts val="0"/>
+                </a:spcBef>
+                <a:spcAft>
+                  <a:spcPts val="0"/>
+                </a:spcAft>
+                <a:buClrTx/>
+                <a:buSzTx/>
+                <a:buFontTx/>
+                <a:buNone/>
+              </a:pPr>
+              <a:r>
+                <a:rPr lang="en-US" sz="1400" dirty="0">
+                  <a:solidFill>
+                    <a:srgbClr val="595959"/>
+                  </a:solidFill>
+                  <a:latin typeface="Segoe UI"/>
+                  <a:ea typeface="+mn-ea"/>
+                </a:rPr>
+                <a:t>Put data into volume-mapped folder</a:t>
+              </a:r>
+            </a:p>
+          </p:txBody>
+        </p:sp>
+      </p:grpSp>
+      <p:grpSp>
+        <p:nvGrpSpPr>
+          <p:cNvPr id="27" name="Gruppieren 10"/>
+          <p:cNvGrpSpPr/>
+          <p:nvPr/>
+        </p:nvGrpSpPr>
+        <p:grpSpPr>
+          <a:xfrm>
+            <a:off x="1753630" y="732847"/>
+            <a:ext cx="1490668" cy="369912"/>
+            <a:chOff x="3861990" y="1529049"/>
+            <a:chExt cx="1490668" cy="369912"/>
+          </a:xfrm>
+        </p:grpSpPr>
+        <p:cxnSp>
+          <p:nvCxnSpPr>
+            <p:cNvPr id="28" name="Gerader Verbinder 11"/>
+            <p:cNvCxnSpPr/>
+            <p:nvPr/>
+          </p:nvCxnSpPr>
+          <p:spPr>
+            <a:xfrm>
+              <a:off x="3861990" y="1529049"/>
+              <a:ext cx="0" cy="216024"/>
+            </a:xfrm>
+            <a:prstGeom prst="line">
+              <a:avLst/>
+            </a:prstGeom>
+          </p:spPr>
+          <p:style>
+            <a:lnRef idx="2">
+              <a:schemeClr val="dk1"/>
+            </a:lnRef>
+            <a:fillRef idx="0">
+              <a:schemeClr val="dk1"/>
+            </a:fillRef>
+            <a:effectRef idx="1">
+              <a:schemeClr val="dk1"/>
+            </a:effectRef>
+            <a:fontRef idx="minor">
+              <a:schemeClr val="tx1"/>
+            </a:fontRef>
+          </p:style>
+        </p:cxnSp>
+        <p:cxnSp>
+          <p:nvCxnSpPr>
+            <p:cNvPr id="29" name="Gerader Verbinder 12"/>
+            <p:cNvCxnSpPr/>
+            <p:nvPr/>
+          </p:nvCxnSpPr>
+          <p:spPr>
+            <a:xfrm>
+              <a:off x="3861990" y="1745073"/>
+              <a:ext cx="216024" cy="0"/>
+            </a:xfrm>
+            <a:prstGeom prst="line">
+              <a:avLst/>
+            </a:prstGeom>
+          </p:spPr>
+          <p:style>
+            <a:lnRef idx="2">
+              <a:schemeClr val="dk1"/>
+            </a:lnRef>
+            <a:fillRef idx="0">
+              <a:schemeClr val="dk1"/>
+            </a:fillRef>
+            <a:effectRef idx="1">
+              <a:schemeClr val="dk1"/>
+            </a:effectRef>
+            <a:fontRef idx="minor">
+              <a:schemeClr val="tx1"/>
+            </a:fontRef>
+          </p:style>
+        </p:cxnSp>
+        <p:sp>
+          <p:nvSpPr>
+            <p:cNvPr id="30" name="Textfeld 13"/>
+            <p:cNvSpPr txBox="1"/>
+            <p:nvPr/>
+          </p:nvSpPr>
+          <p:spPr>
+            <a:xfrm>
+              <a:off x="4078014" y="1591184"/>
+              <a:ext cx="1274644" cy="307777"/>
+            </a:xfrm>
+            <a:prstGeom prst="rect">
+              <a:avLst/>
+            </a:prstGeom>
+            <a:noFill/>
+          </p:spPr>
+          <p:txBody>
+            <a:bodyPr wrap="none" rtlCol="0">
+              <a:spAutoFit/>
+            </a:bodyPr>
+            <a:lstStyle/>
+            <a:p>
+              <a:pPr defTabSz="914400" fontAlgn="auto">
+                <a:spcBef>
+                  <a:spcPts val="0"/>
+                </a:spcBef>
+                <a:spcAft>
+                  <a:spcPts val="0"/>
+                </a:spcAft>
+                <a:buClrTx/>
+                <a:buSzTx/>
+                <a:buFontTx/>
+                <a:buNone/>
+              </a:pPr>
+              <a:r>
+                <a:rPr lang="en-US" sz="1400" dirty="0">
+                  <a:solidFill>
+                    <a:srgbClr val="595959"/>
+                  </a:solidFill>
+                  <a:latin typeface="Segoe UI"/>
+                  <a:ea typeface="+mn-ea"/>
+                </a:rPr>
+                <a:t>Volume name</a:t>
+              </a:r>
+            </a:p>
+          </p:txBody>
+        </p:sp>
+      </p:grpSp>
+    </p:spTree>
+    <p:extLst>
+      <p:ext uri="{BB962C8B-B14F-4D97-AF65-F5344CB8AC3E}">
+        <p14:creationId xmlns:p14="http://schemas.microsoft.com/office/powerpoint/2010/main" val="555964145"/>
+      </p:ext>
+    </p:extLst>
+  </p:cSld>
+  <p:clrMapOvr>
+    <a:masterClrMapping/>
+  </p:clrMapOvr>
+  <p:transition spd="slow">
+    <p:push/>
+  </p:transition>
+</p:sld>
+</file>
+
+<file path=ppt/slides/slide37.xml><?xml version="1.0" encoding="utf-8"?>
 <p:sld xmlns:a="http://schemas.openxmlformats.org/drawingml/2006/main" xmlns:r="http://schemas.openxmlformats.org/officeDocument/2006/relationships" xmlns:p="http://schemas.openxmlformats.org/presentationml/2006/main">
   <p:cSld>
     <p:spTree>
@@ -37752,7 +38855,7 @@
 </p:sld>
 </file>
 
-<file path=ppt/slides/slide35.xml><?xml version="1.0" encoding="utf-8"?>
+<file path=ppt/slides/slide38.xml><?xml version="1.0" encoding="utf-8"?>
 <p:sld xmlns:a="http://schemas.openxmlformats.org/drawingml/2006/main" xmlns:r="http://schemas.openxmlformats.org/officeDocument/2006/relationships" xmlns:p="http://schemas.openxmlformats.org/presentationml/2006/main">
   <p:cSld>
     <p:spTree>
@@ -37971,7 +39074,7 @@
 </p:sld>
 </file>
 
-<file path=ppt/slides/slide36.xml><?xml version="1.0" encoding="utf-8"?>
+<file path=ppt/slides/slide39.xml><?xml version="1.0" encoding="utf-8"?>
 <p:sld xmlns:a="http://schemas.openxmlformats.org/drawingml/2006/main" xmlns:r="http://schemas.openxmlformats.org/officeDocument/2006/relationships" xmlns:p="http://schemas.openxmlformats.org/presentationml/2006/main">
   <p:cSld>
     <p:spTree>
@@ -38387,7 +39490,421 @@
 </p:sld>
 </file>
 
-<file path=ppt/slides/slide37.xml><?xml version="1.0" encoding="utf-8"?>
+<file path=ppt/slides/slide4.xml><?xml version="1.0" encoding="utf-8"?>
+<p:sld xmlns:a="http://schemas.openxmlformats.org/drawingml/2006/main" xmlns:r="http://schemas.openxmlformats.org/officeDocument/2006/relationships" xmlns:p="http://schemas.openxmlformats.org/presentationml/2006/main" showMasterPhAnim="0">
+  <p:cSld>
+    <p:spTree>
+      <p:nvGrpSpPr>
+        <p:cNvPr id="1" name=""/>
+        <p:cNvGrpSpPr/>
+        <p:nvPr/>
+      </p:nvGrpSpPr>
+      <p:grpSpPr>
+        <a:xfrm>
+          <a:off x="0" y="0"/>
+          <a:ext cx="0" cy="0"/>
+          <a:chOff x="0" y="0"/>
+          <a:chExt cx="0" cy="0"/>
+        </a:xfrm>
+      </p:grpSpPr>
+      <p:pic>
+        <p:nvPicPr>
+          <p:cNvPr id="1026" name="Picture 2" descr="Docker Diagram"/>
+          <p:cNvPicPr>
+            <a:picLocks noChangeAspect="1" noChangeArrowheads="1"/>
+          </p:cNvPicPr>
+          <p:nvPr/>
+        </p:nvPicPr>
+        <p:blipFill>
+          <a:blip r:embed="rId2" cstate="email">
+            <a:extLst>
+              <a:ext uri="{28A0092B-C50C-407E-A947-70E740481C1C}">
+                <a14:useLocalDpi xmlns:a14="http://schemas.microsoft.com/office/drawing/2010/main" val="0"/>
+              </a:ext>
+            </a:extLst>
+          </a:blip>
+          <a:srcRect/>
+          <a:stretch>
+            <a:fillRect/>
+          </a:stretch>
+        </p:blipFill>
+        <p:spPr bwMode="auto">
+          <a:xfrm>
+            <a:off x="830816" y="328622"/>
+            <a:ext cx="1737926" cy="1906816"/>
+          </a:xfrm>
+          <a:prstGeom prst="rect">
+            <a:avLst/>
+          </a:prstGeom>
+          <a:noFill/>
+          <a:extLst>
+            <a:ext uri="{909E8E84-426E-40DD-AFC4-6F175D3DCCD1}">
+              <a14:hiddenFill xmlns:a14="http://schemas.microsoft.com/office/drawing/2010/main">
+                <a:solidFill>
+                  <a:srgbClr val="FFFFFF"/>
+                </a:solidFill>
+              </a14:hiddenFill>
+            </a:ext>
+          </a:extLst>
+        </p:spPr>
+      </p:pic>
+      <p:sp>
+        <p:nvSpPr>
+          <p:cNvPr id="2" name="Titel 1"/>
+          <p:cNvSpPr>
+            <a:spLocks noGrp="1"/>
+          </p:cNvSpPr>
+          <p:nvPr>
+            <p:ph type="title"/>
+          </p:nvPr>
+        </p:nvSpPr>
+        <p:spPr/>
+        <p:txBody>
+          <a:bodyPr/>
+          <a:lstStyle/>
+          <a:p>
+            <a:r>
+              <a:rPr lang="en-US" dirty="0"/>
+              <a:t>What is Docker?</a:t>
+            </a:r>
+          </a:p>
+        </p:txBody>
+      </p:sp>
+      <p:sp>
+        <p:nvSpPr>
+          <p:cNvPr id="4" name="Textplatzhalter 3"/>
+          <p:cNvSpPr>
+            <a:spLocks noGrp="1"/>
+          </p:cNvSpPr>
+          <p:nvPr>
+            <p:ph type="body" sz="quarter" idx="23"/>
+          </p:nvPr>
+        </p:nvSpPr>
+        <p:spPr/>
+        <p:txBody>
+          <a:bodyPr/>
+          <a:lstStyle/>
+          <a:p>
+            <a:r>
+              <a:rPr lang="en-US" dirty="0"/>
+              <a:t>Virtual machines vs. Docker</a:t>
+            </a:r>
+          </a:p>
+        </p:txBody>
+      </p:sp>
+      <p:sp>
+        <p:nvSpPr>
+          <p:cNvPr id="5" name="Textplatzhalter 4"/>
+          <p:cNvSpPr>
+            <a:spLocks noGrp="1"/>
+          </p:cNvSpPr>
+          <p:nvPr>
+            <p:ph type="body" sz="quarter" idx="24"/>
+          </p:nvPr>
+        </p:nvSpPr>
+        <p:spPr/>
+        <p:txBody>
+          <a:bodyPr/>
+          <a:lstStyle/>
+          <a:p>
+            <a:r>
+              <a:rPr lang="en-US" dirty="0"/>
+              <a:t>Each VM runs its own guest operating system</a:t>
+            </a:r>
+          </a:p>
+          <a:p>
+            <a:r>
+              <a:rPr lang="en-US" dirty="0"/>
+              <a:t>Container reuse the host operating system</a:t>
+            </a:r>
+          </a:p>
+          <a:p>
+            <a:pPr lvl="1"/>
+            <a:r>
+              <a:rPr lang="en-US" dirty="0"/>
+              <a:t>Container run in user space</a:t>
+            </a:r>
+          </a:p>
+          <a:p>
+            <a:r>
+              <a:rPr lang="en-US" u="sng" dirty="0"/>
+              <a:t>Not</a:t>
+            </a:r>
+            <a:r>
+              <a:rPr lang="en-US" dirty="0"/>
+              <a:t> a total replacement of classical hypervisors or </a:t>
+            </a:r>
+            <a:r>
+              <a:rPr lang="en-US" dirty="0" err="1"/>
+              <a:t>config</a:t>
+            </a:r>
+            <a:r>
+              <a:rPr lang="en-US" dirty="0"/>
+              <a:t> management tools</a:t>
+            </a:r>
+          </a:p>
+        </p:txBody>
+      </p:sp>
+      <p:sp>
+        <p:nvSpPr>
+          <p:cNvPr id="6" name="Textplatzhalter 5"/>
+          <p:cNvSpPr>
+            <a:spLocks noGrp="1"/>
+          </p:cNvSpPr>
+          <p:nvPr>
+            <p:ph type="body" sz="quarter" idx="25"/>
+          </p:nvPr>
+        </p:nvSpPr>
+        <p:spPr/>
+        <p:txBody>
+          <a:bodyPr/>
+          <a:lstStyle/>
+          <a:p>
+            <a:r>
+              <a:rPr lang="en-US" dirty="0"/>
+              <a:t>Image Source:</a:t>
+            </a:r>
+            <a:br>
+              <a:rPr lang="en-US" dirty="0"/>
+            </a:br>
+            <a:r>
+              <a:rPr lang="en-US" dirty="0">
+                <a:hlinkClick r:id="rId3"/>
+              </a:rPr>
+              <a:t>https://www.docker.com/whatisdocker/</a:t>
+            </a:r>
+            <a:endParaRPr lang="en-US" dirty="0"/>
+          </a:p>
+        </p:txBody>
+      </p:sp>
+      <p:sp>
+        <p:nvSpPr>
+          <p:cNvPr id="8" name="Textfeld 7"/>
+          <p:cNvSpPr txBox="1"/>
+          <p:nvPr/>
+        </p:nvSpPr>
+        <p:spPr>
+          <a:xfrm>
+            <a:off x="3050313" y="665445"/>
+            <a:ext cx="1879297" cy="369332"/>
+          </a:xfrm>
+          <a:prstGeom prst="rect">
+            <a:avLst/>
+          </a:prstGeom>
+          <a:noFill/>
+        </p:spPr>
+        <p:txBody>
+          <a:bodyPr wrap="none" rtlCol="0">
+            <a:spAutoFit/>
+          </a:bodyPr>
+          <a:lstStyle/>
+          <a:p>
+            <a:pPr defTabSz="914400" fontAlgn="auto">
+              <a:spcBef>
+                <a:spcPts val="0"/>
+              </a:spcBef>
+              <a:spcAft>
+                <a:spcPts val="0"/>
+              </a:spcAft>
+              <a:buClrTx/>
+              <a:buSzTx/>
+              <a:buFontTx/>
+              <a:buNone/>
+            </a:pPr>
+            <a:r>
+              <a:rPr lang="en-US" dirty="0">
+                <a:solidFill>
+                  <a:srgbClr val="595959"/>
+                </a:solidFill>
+                <a:latin typeface="Segoe UI"/>
+                <a:ea typeface="+mn-ea"/>
+              </a:rPr>
+              <a:t>Virtual Machines</a:t>
+            </a:r>
+          </a:p>
+        </p:txBody>
+      </p:sp>
+      <p:sp>
+        <p:nvSpPr>
+          <p:cNvPr id="9" name="Textfeld 8"/>
+          <p:cNvSpPr txBox="1"/>
+          <p:nvPr/>
+        </p:nvSpPr>
+        <p:spPr>
+          <a:xfrm>
+            <a:off x="2959767" y="2977916"/>
+            <a:ext cx="1951368" cy="369332"/>
+          </a:xfrm>
+          <a:prstGeom prst="rect">
+            <a:avLst/>
+          </a:prstGeom>
+          <a:noFill/>
+        </p:spPr>
+        <p:txBody>
+          <a:bodyPr wrap="none" rtlCol="0">
+            <a:spAutoFit/>
+          </a:bodyPr>
+          <a:lstStyle/>
+          <a:p>
+            <a:pPr defTabSz="914400" fontAlgn="auto">
+              <a:spcBef>
+                <a:spcPts val="0"/>
+              </a:spcBef>
+              <a:spcAft>
+                <a:spcPts val="0"/>
+              </a:spcAft>
+              <a:buClrTx/>
+              <a:buSzTx/>
+              <a:buFontTx/>
+              <a:buNone/>
+            </a:pPr>
+            <a:r>
+              <a:rPr lang="en-US" dirty="0">
+                <a:solidFill>
+                  <a:srgbClr val="595959"/>
+                </a:solidFill>
+                <a:latin typeface="Segoe UI"/>
+                <a:ea typeface="+mn-ea"/>
+              </a:rPr>
+              <a:t>Docker Container</a:t>
+            </a:r>
+          </a:p>
+        </p:txBody>
+      </p:sp>
+      <p:pic>
+        <p:nvPicPr>
+          <p:cNvPr id="1028" name="Picture 4" descr="Virtual Machine Diagram"/>
+          <p:cNvPicPr>
+            <a:picLocks noChangeAspect="1" noChangeArrowheads="1"/>
+          </p:cNvPicPr>
+          <p:nvPr/>
+        </p:nvPicPr>
+        <p:blipFill>
+          <a:blip r:embed="rId4" cstate="email">
+            <a:extLst>
+              <a:ext uri="{28A0092B-C50C-407E-A947-70E740481C1C}">
+                <a14:useLocalDpi xmlns:a14="http://schemas.microsoft.com/office/drawing/2010/main" val="0"/>
+              </a:ext>
+            </a:extLst>
+          </a:blip>
+          <a:srcRect/>
+          <a:stretch>
+            <a:fillRect/>
+          </a:stretch>
+        </p:blipFill>
+        <p:spPr bwMode="auto">
+          <a:xfrm>
+            <a:off x="827053" y="2967795"/>
+            <a:ext cx="1741689" cy="1233924"/>
+          </a:xfrm>
+          <a:prstGeom prst="rect">
+            <a:avLst/>
+          </a:prstGeom>
+          <a:noFill/>
+          <a:extLst>
+            <a:ext uri="{909E8E84-426E-40DD-AFC4-6F175D3DCCD1}">
+              <a14:hiddenFill xmlns:a14="http://schemas.microsoft.com/office/drawing/2010/main">
+                <a:solidFill>
+                  <a:srgbClr val="FFFFFF"/>
+                </a:solidFill>
+              </a14:hiddenFill>
+            </a:ext>
+          </a:extLst>
+        </p:spPr>
+      </p:pic>
+      <p:sp>
+        <p:nvSpPr>
+          <p:cNvPr id="12" name="Geschweifte Klammer rechts 11"/>
+          <p:cNvSpPr/>
+          <p:nvPr/>
+        </p:nvSpPr>
+        <p:spPr>
+          <a:xfrm>
+            <a:off x="2731802" y="328622"/>
+            <a:ext cx="227965" cy="1042978"/>
+          </a:xfrm>
+          <a:prstGeom prst="rightBrace">
+            <a:avLst/>
+          </a:prstGeom>
+        </p:spPr>
+        <p:style>
+          <a:lnRef idx="3">
+            <a:schemeClr val="accent5"/>
+          </a:lnRef>
+          <a:fillRef idx="0">
+            <a:schemeClr val="accent5"/>
+          </a:fillRef>
+          <a:effectRef idx="2">
+            <a:schemeClr val="accent5"/>
+          </a:effectRef>
+          <a:fontRef idx="minor">
+            <a:schemeClr val="tx1"/>
+          </a:fontRef>
+        </p:style>
+        <p:txBody>
+          <a:bodyPr rtlCol="0" anchor="ctr"/>
+          <a:lstStyle/>
+          <a:p>
+            <a:pPr algn="ctr"/>
+            <a:endParaRPr lang="de-AT"/>
+          </a:p>
+        </p:txBody>
+      </p:sp>
+      <p:sp>
+        <p:nvSpPr>
+          <p:cNvPr id="15" name="Geschweifte Klammer rechts 14"/>
+          <p:cNvSpPr/>
+          <p:nvPr/>
+        </p:nvSpPr>
+        <p:spPr>
+          <a:xfrm>
+            <a:off x="2784465" y="2967794"/>
+            <a:ext cx="122637" cy="391021"/>
+          </a:xfrm>
+          <a:prstGeom prst="rightBrace">
+            <a:avLst/>
+          </a:prstGeom>
+        </p:spPr>
+        <p:style>
+          <a:lnRef idx="3">
+            <a:schemeClr val="accent5"/>
+          </a:lnRef>
+          <a:fillRef idx="0">
+            <a:schemeClr val="accent5"/>
+          </a:fillRef>
+          <a:effectRef idx="2">
+            <a:schemeClr val="accent5"/>
+          </a:effectRef>
+          <a:fontRef idx="minor">
+            <a:schemeClr val="tx1"/>
+          </a:fontRef>
+        </p:style>
+        <p:txBody>
+          <a:bodyPr rtlCol="0" anchor="ctr"/>
+          <a:lstStyle/>
+          <a:p>
+            <a:pPr algn="ctr"/>
+            <a:endParaRPr lang="de-AT"/>
+          </a:p>
+        </p:txBody>
+      </p:sp>
+    </p:spTree>
+    <p:extLst>
+      <p:ext uri="{BB962C8B-B14F-4D97-AF65-F5344CB8AC3E}">
+        <p14:creationId xmlns:p14="http://schemas.microsoft.com/office/powerpoint/2010/main" val="3095502645"/>
+      </p:ext>
+    </p:extLst>
+  </p:cSld>
+  <p:clrMapOvr>
+    <a:masterClrMapping/>
+  </p:clrMapOvr>
+  <p:transition spd="slow">
+    <p:push/>
+  </p:transition>
+</p:sld>
+</file>
+
+<file path=ppt/slides/slide40.xml><?xml version="1.0" encoding="utf-8"?>
 <p:sld xmlns:a="http://schemas.openxmlformats.org/drawingml/2006/main" xmlns:r="http://schemas.openxmlformats.org/officeDocument/2006/relationships" xmlns:p="http://schemas.openxmlformats.org/presentationml/2006/main">
   <p:cSld>
     <p:spTree>
@@ -38622,7 +40139,7 @@
 </p:sld>
 </file>
 
-<file path=ppt/slides/slide38.xml><?xml version="1.0" encoding="utf-8"?>
+<file path=ppt/slides/slide41.xml><?xml version="1.0" encoding="utf-8"?>
 <p:sld xmlns:a="http://schemas.openxmlformats.org/drawingml/2006/main" xmlns:r="http://schemas.openxmlformats.org/officeDocument/2006/relationships" xmlns:p="http://schemas.openxmlformats.org/presentationml/2006/main">
   <p:cSld>
     <p:spTree>
@@ -39379,7 +40896,7 @@
 </p:sld>
 </file>
 
-<file path=ppt/slides/slide39.xml><?xml version="1.0" encoding="utf-8"?>
+<file path=ppt/slides/slide42.xml><?xml version="1.0" encoding="utf-8"?>
 <p:sld xmlns:a="http://schemas.openxmlformats.org/drawingml/2006/main" xmlns:r="http://schemas.openxmlformats.org/officeDocument/2006/relationships" xmlns:p="http://schemas.openxmlformats.org/presentationml/2006/main" show="0">
   <p:cSld>
     <p:spTree>
@@ -39676,421 +41193,7 @@
 </p:sld>
 </file>
 
-<file path=ppt/slides/slide4.xml><?xml version="1.0" encoding="utf-8"?>
-<p:sld xmlns:a="http://schemas.openxmlformats.org/drawingml/2006/main" xmlns:r="http://schemas.openxmlformats.org/officeDocument/2006/relationships" xmlns:p="http://schemas.openxmlformats.org/presentationml/2006/main" showMasterPhAnim="0">
-  <p:cSld>
-    <p:spTree>
-      <p:nvGrpSpPr>
-        <p:cNvPr id="1" name=""/>
-        <p:cNvGrpSpPr/>
-        <p:nvPr/>
-      </p:nvGrpSpPr>
-      <p:grpSpPr>
-        <a:xfrm>
-          <a:off x="0" y="0"/>
-          <a:ext cx="0" cy="0"/>
-          <a:chOff x="0" y="0"/>
-          <a:chExt cx="0" cy="0"/>
-        </a:xfrm>
-      </p:grpSpPr>
-      <p:pic>
-        <p:nvPicPr>
-          <p:cNvPr id="1026" name="Picture 2" descr="Docker Diagram"/>
-          <p:cNvPicPr>
-            <a:picLocks noChangeAspect="1" noChangeArrowheads="1"/>
-          </p:cNvPicPr>
-          <p:nvPr/>
-        </p:nvPicPr>
-        <p:blipFill>
-          <a:blip r:embed="rId2" cstate="email">
-            <a:extLst>
-              <a:ext uri="{28A0092B-C50C-407E-A947-70E740481C1C}">
-                <a14:useLocalDpi xmlns:a14="http://schemas.microsoft.com/office/drawing/2010/main" val="0"/>
-              </a:ext>
-            </a:extLst>
-          </a:blip>
-          <a:srcRect/>
-          <a:stretch>
-            <a:fillRect/>
-          </a:stretch>
-        </p:blipFill>
-        <p:spPr bwMode="auto">
-          <a:xfrm>
-            <a:off x="830816" y="328622"/>
-            <a:ext cx="1737926" cy="1906816"/>
-          </a:xfrm>
-          <a:prstGeom prst="rect">
-            <a:avLst/>
-          </a:prstGeom>
-          <a:noFill/>
-          <a:extLst>
-            <a:ext uri="{909E8E84-426E-40DD-AFC4-6F175D3DCCD1}">
-              <a14:hiddenFill xmlns:a14="http://schemas.microsoft.com/office/drawing/2010/main">
-                <a:solidFill>
-                  <a:srgbClr val="FFFFFF"/>
-                </a:solidFill>
-              </a14:hiddenFill>
-            </a:ext>
-          </a:extLst>
-        </p:spPr>
-      </p:pic>
-      <p:sp>
-        <p:nvSpPr>
-          <p:cNvPr id="2" name="Titel 1"/>
-          <p:cNvSpPr>
-            <a:spLocks noGrp="1"/>
-          </p:cNvSpPr>
-          <p:nvPr>
-            <p:ph type="title"/>
-          </p:nvPr>
-        </p:nvSpPr>
-        <p:spPr/>
-        <p:txBody>
-          <a:bodyPr/>
-          <a:lstStyle/>
-          <a:p>
-            <a:r>
-              <a:rPr lang="en-US" dirty="0"/>
-              <a:t>What is Docker?</a:t>
-            </a:r>
-          </a:p>
-        </p:txBody>
-      </p:sp>
-      <p:sp>
-        <p:nvSpPr>
-          <p:cNvPr id="4" name="Textplatzhalter 3"/>
-          <p:cNvSpPr>
-            <a:spLocks noGrp="1"/>
-          </p:cNvSpPr>
-          <p:nvPr>
-            <p:ph type="body" sz="quarter" idx="23"/>
-          </p:nvPr>
-        </p:nvSpPr>
-        <p:spPr/>
-        <p:txBody>
-          <a:bodyPr/>
-          <a:lstStyle/>
-          <a:p>
-            <a:r>
-              <a:rPr lang="en-US" dirty="0"/>
-              <a:t>Virtual machines vs. Docker</a:t>
-            </a:r>
-          </a:p>
-        </p:txBody>
-      </p:sp>
-      <p:sp>
-        <p:nvSpPr>
-          <p:cNvPr id="5" name="Textplatzhalter 4"/>
-          <p:cNvSpPr>
-            <a:spLocks noGrp="1"/>
-          </p:cNvSpPr>
-          <p:nvPr>
-            <p:ph type="body" sz="quarter" idx="24"/>
-          </p:nvPr>
-        </p:nvSpPr>
-        <p:spPr/>
-        <p:txBody>
-          <a:bodyPr/>
-          <a:lstStyle/>
-          <a:p>
-            <a:r>
-              <a:rPr lang="en-US" dirty="0"/>
-              <a:t>Each VM runs its own guest operating system</a:t>
-            </a:r>
-          </a:p>
-          <a:p>
-            <a:r>
-              <a:rPr lang="en-US" dirty="0"/>
-              <a:t>Container reuse the host operating system</a:t>
-            </a:r>
-          </a:p>
-          <a:p>
-            <a:pPr lvl="1"/>
-            <a:r>
-              <a:rPr lang="en-US" dirty="0"/>
-              <a:t>Container run in user space</a:t>
-            </a:r>
-          </a:p>
-          <a:p>
-            <a:r>
-              <a:rPr lang="en-US" u="sng" dirty="0"/>
-              <a:t>Not</a:t>
-            </a:r>
-            <a:r>
-              <a:rPr lang="en-US" dirty="0"/>
-              <a:t> a total replacement of classical hypervisors or </a:t>
-            </a:r>
-            <a:r>
-              <a:rPr lang="en-US" dirty="0" err="1"/>
-              <a:t>config</a:t>
-            </a:r>
-            <a:r>
-              <a:rPr lang="en-US" dirty="0"/>
-              <a:t> management tools</a:t>
-            </a:r>
-          </a:p>
-        </p:txBody>
-      </p:sp>
-      <p:sp>
-        <p:nvSpPr>
-          <p:cNvPr id="6" name="Textplatzhalter 5"/>
-          <p:cNvSpPr>
-            <a:spLocks noGrp="1"/>
-          </p:cNvSpPr>
-          <p:nvPr>
-            <p:ph type="body" sz="quarter" idx="25"/>
-          </p:nvPr>
-        </p:nvSpPr>
-        <p:spPr/>
-        <p:txBody>
-          <a:bodyPr/>
-          <a:lstStyle/>
-          <a:p>
-            <a:r>
-              <a:rPr lang="en-US" dirty="0"/>
-              <a:t>Image Source:</a:t>
-            </a:r>
-            <a:br>
-              <a:rPr lang="en-US" dirty="0"/>
-            </a:br>
-            <a:r>
-              <a:rPr lang="en-US" dirty="0">
-                <a:hlinkClick r:id="rId3"/>
-              </a:rPr>
-              <a:t>https://www.docker.com/whatisdocker/</a:t>
-            </a:r>
-            <a:endParaRPr lang="en-US" dirty="0"/>
-          </a:p>
-        </p:txBody>
-      </p:sp>
-      <p:sp>
-        <p:nvSpPr>
-          <p:cNvPr id="8" name="Textfeld 7"/>
-          <p:cNvSpPr txBox="1"/>
-          <p:nvPr/>
-        </p:nvSpPr>
-        <p:spPr>
-          <a:xfrm>
-            <a:off x="3050313" y="665445"/>
-            <a:ext cx="1879297" cy="369332"/>
-          </a:xfrm>
-          <a:prstGeom prst="rect">
-            <a:avLst/>
-          </a:prstGeom>
-          <a:noFill/>
-        </p:spPr>
-        <p:txBody>
-          <a:bodyPr wrap="none" rtlCol="0">
-            <a:spAutoFit/>
-          </a:bodyPr>
-          <a:lstStyle/>
-          <a:p>
-            <a:pPr defTabSz="914400" fontAlgn="auto">
-              <a:spcBef>
-                <a:spcPts val="0"/>
-              </a:spcBef>
-              <a:spcAft>
-                <a:spcPts val="0"/>
-              </a:spcAft>
-              <a:buClrTx/>
-              <a:buSzTx/>
-              <a:buFontTx/>
-              <a:buNone/>
-            </a:pPr>
-            <a:r>
-              <a:rPr lang="en-US" dirty="0">
-                <a:solidFill>
-                  <a:srgbClr val="595959"/>
-                </a:solidFill>
-                <a:latin typeface="Segoe UI"/>
-                <a:ea typeface="+mn-ea"/>
-              </a:rPr>
-              <a:t>Virtual Machines</a:t>
-            </a:r>
-          </a:p>
-        </p:txBody>
-      </p:sp>
-      <p:sp>
-        <p:nvSpPr>
-          <p:cNvPr id="9" name="Textfeld 8"/>
-          <p:cNvSpPr txBox="1"/>
-          <p:nvPr/>
-        </p:nvSpPr>
-        <p:spPr>
-          <a:xfrm>
-            <a:off x="2959767" y="2977916"/>
-            <a:ext cx="1951368" cy="369332"/>
-          </a:xfrm>
-          <a:prstGeom prst="rect">
-            <a:avLst/>
-          </a:prstGeom>
-          <a:noFill/>
-        </p:spPr>
-        <p:txBody>
-          <a:bodyPr wrap="none" rtlCol="0">
-            <a:spAutoFit/>
-          </a:bodyPr>
-          <a:lstStyle/>
-          <a:p>
-            <a:pPr defTabSz="914400" fontAlgn="auto">
-              <a:spcBef>
-                <a:spcPts val="0"/>
-              </a:spcBef>
-              <a:spcAft>
-                <a:spcPts val="0"/>
-              </a:spcAft>
-              <a:buClrTx/>
-              <a:buSzTx/>
-              <a:buFontTx/>
-              <a:buNone/>
-            </a:pPr>
-            <a:r>
-              <a:rPr lang="en-US" dirty="0">
-                <a:solidFill>
-                  <a:srgbClr val="595959"/>
-                </a:solidFill>
-                <a:latin typeface="Segoe UI"/>
-                <a:ea typeface="+mn-ea"/>
-              </a:rPr>
-              <a:t>Docker Container</a:t>
-            </a:r>
-          </a:p>
-        </p:txBody>
-      </p:sp>
-      <p:pic>
-        <p:nvPicPr>
-          <p:cNvPr id="1028" name="Picture 4" descr="Virtual Machine Diagram"/>
-          <p:cNvPicPr>
-            <a:picLocks noChangeAspect="1" noChangeArrowheads="1"/>
-          </p:cNvPicPr>
-          <p:nvPr/>
-        </p:nvPicPr>
-        <p:blipFill>
-          <a:blip r:embed="rId4" cstate="email">
-            <a:extLst>
-              <a:ext uri="{28A0092B-C50C-407E-A947-70E740481C1C}">
-                <a14:useLocalDpi xmlns:a14="http://schemas.microsoft.com/office/drawing/2010/main" val="0"/>
-              </a:ext>
-            </a:extLst>
-          </a:blip>
-          <a:srcRect/>
-          <a:stretch>
-            <a:fillRect/>
-          </a:stretch>
-        </p:blipFill>
-        <p:spPr bwMode="auto">
-          <a:xfrm>
-            <a:off x="827053" y="2967795"/>
-            <a:ext cx="1741689" cy="1233924"/>
-          </a:xfrm>
-          <a:prstGeom prst="rect">
-            <a:avLst/>
-          </a:prstGeom>
-          <a:noFill/>
-          <a:extLst>
-            <a:ext uri="{909E8E84-426E-40DD-AFC4-6F175D3DCCD1}">
-              <a14:hiddenFill xmlns:a14="http://schemas.microsoft.com/office/drawing/2010/main">
-                <a:solidFill>
-                  <a:srgbClr val="FFFFFF"/>
-                </a:solidFill>
-              </a14:hiddenFill>
-            </a:ext>
-          </a:extLst>
-        </p:spPr>
-      </p:pic>
-      <p:sp>
-        <p:nvSpPr>
-          <p:cNvPr id="12" name="Geschweifte Klammer rechts 11"/>
-          <p:cNvSpPr/>
-          <p:nvPr/>
-        </p:nvSpPr>
-        <p:spPr>
-          <a:xfrm>
-            <a:off x="2731802" y="328622"/>
-            <a:ext cx="227965" cy="1042978"/>
-          </a:xfrm>
-          <a:prstGeom prst="rightBrace">
-            <a:avLst/>
-          </a:prstGeom>
-        </p:spPr>
-        <p:style>
-          <a:lnRef idx="3">
-            <a:schemeClr val="accent5"/>
-          </a:lnRef>
-          <a:fillRef idx="0">
-            <a:schemeClr val="accent5"/>
-          </a:fillRef>
-          <a:effectRef idx="2">
-            <a:schemeClr val="accent5"/>
-          </a:effectRef>
-          <a:fontRef idx="minor">
-            <a:schemeClr val="tx1"/>
-          </a:fontRef>
-        </p:style>
-        <p:txBody>
-          <a:bodyPr rtlCol="0" anchor="ctr"/>
-          <a:lstStyle/>
-          <a:p>
-            <a:pPr algn="ctr"/>
-            <a:endParaRPr lang="de-AT"/>
-          </a:p>
-        </p:txBody>
-      </p:sp>
-      <p:sp>
-        <p:nvSpPr>
-          <p:cNvPr id="15" name="Geschweifte Klammer rechts 14"/>
-          <p:cNvSpPr/>
-          <p:nvPr/>
-        </p:nvSpPr>
-        <p:spPr>
-          <a:xfrm>
-            <a:off x="2784465" y="2967794"/>
-            <a:ext cx="122637" cy="391021"/>
-          </a:xfrm>
-          <a:prstGeom prst="rightBrace">
-            <a:avLst/>
-          </a:prstGeom>
-        </p:spPr>
-        <p:style>
-          <a:lnRef idx="3">
-            <a:schemeClr val="accent5"/>
-          </a:lnRef>
-          <a:fillRef idx="0">
-            <a:schemeClr val="accent5"/>
-          </a:fillRef>
-          <a:effectRef idx="2">
-            <a:schemeClr val="accent5"/>
-          </a:effectRef>
-          <a:fontRef idx="minor">
-            <a:schemeClr val="tx1"/>
-          </a:fontRef>
-        </p:style>
-        <p:txBody>
-          <a:bodyPr rtlCol="0" anchor="ctr"/>
-          <a:lstStyle/>
-          <a:p>
-            <a:pPr algn="ctr"/>
-            <a:endParaRPr lang="de-AT"/>
-          </a:p>
-        </p:txBody>
-      </p:sp>
-    </p:spTree>
-    <p:extLst>
-      <p:ext uri="{BB962C8B-B14F-4D97-AF65-F5344CB8AC3E}">
-        <p14:creationId xmlns:p14="http://schemas.microsoft.com/office/powerpoint/2010/main" val="3095502645"/>
-      </p:ext>
-    </p:extLst>
-  </p:cSld>
-  <p:clrMapOvr>
-    <a:masterClrMapping/>
-  </p:clrMapOvr>
-  <p:transition spd="slow">
-    <p:push/>
-  </p:transition>
-</p:sld>
-</file>
-
-<file path=ppt/slides/slide40.xml><?xml version="1.0" encoding="utf-8"?>
+<file path=ppt/slides/slide43.xml><?xml version="1.0" encoding="utf-8"?>
 <p:sld xmlns:a="http://schemas.openxmlformats.org/drawingml/2006/main" xmlns:r="http://schemas.openxmlformats.org/officeDocument/2006/relationships" xmlns:p="http://schemas.openxmlformats.org/presentationml/2006/main">
   <p:cSld>
     <p:spTree>
@@ -40177,7 +41280,7 @@
 </p:sld>
 </file>
 
-<file path=ppt/slides/slide41.xml><?xml version="1.0" encoding="utf-8"?>
+<file path=ppt/slides/slide44.xml><?xml version="1.0" encoding="utf-8"?>
 <p:sld xmlns:a="http://schemas.openxmlformats.org/drawingml/2006/main" xmlns:r="http://schemas.openxmlformats.org/officeDocument/2006/relationships" xmlns:p="http://schemas.openxmlformats.org/presentationml/2006/main">
   <p:cSld>
     <p:spTree>
@@ -41052,7 +42155,7 @@
 </p:sld>
 </file>
 
-<file path=ppt/slides/slide42.xml><?xml version="1.0" encoding="utf-8"?>
+<file path=ppt/slides/slide45.xml><?xml version="1.0" encoding="utf-8"?>
 <p:sld xmlns:a="http://schemas.openxmlformats.org/drawingml/2006/main" xmlns:r="http://schemas.openxmlformats.org/officeDocument/2006/relationships" xmlns:p="http://schemas.openxmlformats.org/presentationml/2006/main">
   <p:cSld>
     <p:spTree>
@@ -41525,7 +42628,7 @@
 </p:sld>
 </file>
 
-<file path=ppt/slides/slide43.xml><?xml version="1.0" encoding="utf-8"?>
+<file path=ppt/slides/slide46.xml><?xml version="1.0" encoding="utf-8"?>
 <p:sld xmlns:a="http://schemas.openxmlformats.org/drawingml/2006/main" xmlns:r="http://schemas.openxmlformats.org/officeDocument/2006/relationships" xmlns:p="http://schemas.openxmlformats.org/presentationml/2006/main" show="0">
   <p:cSld>
     <p:spTree>
@@ -41831,7 +42934,7 @@
 </p:sld>
 </file>
 
-<file path=ppt/slides/slide44.xml><?xml version="1.0" encoding="utf-8"?>
+<file path=ppt/slides/slide47.xml><?xml version="1.0" encoding="utf-8"?>
 <p:sld xmlns:a="http://schemas.openxmlformats.org/drawingml/2006/main" xmlns:r="http://schemas.openxmlformats.org/officeDocument/2006/relationships" xmlns:p="http://schemas.openxmlformats.org/presentationml/2006/main" show="0">
   <p:cSld>
     <p:spTree>
@@ -42160,7 +43263,7 @@
 </p:sld>
 </file>
 
-<file path=ppt/slides/slide45.xml><?xml version="1.0" encoding="utf-8"?>
+<file path=ppt/slides/slide48.xml><?xml version="1.0" encoding="utf-8"?>
 <p:sld xmlns:a="http://schemas.openxmlformats.org/drawingml/2006/main" xmlns:r="http://schemas.openxmlformats.org/officeDocument/2006/relationships" xmlns:p="http://schemas.openxmlformats.org/presentationml/2006/main">
   <p:cSld>
     <p:spTree>
@@ -43000,7 +44103,7 @@
 </p:sld>
 </file>
 
-<file path=ppt/slides/slide46.xml><?xml version="1.0" encoding="utf-8"?>
+<file path=ppt/slides/slide49.xml><?xml version="1.0" encoding="utf-8"?>
 <p:sld xmlns:a="http://schemas.openxmlformats.org/drawingml/2006/main" xmlns:r="http://schemas.openxmlformats.org/officeDocument/2006/relationships" xmlns:p="http://schemas.openxmlformats.org/presentationml/2006/main">
   <p:cSld>
     <p:spTree>
@@ -43086,7 +44189,201 @@
 </p:sld>
 </file>
 
-<file path=ppt/slides/slide47.xml><?xml version="1.0" encoding="utf-8"?>
+<file path=ppt/slides/slide5.xml><?xml version="1.0" encoding="utf-8"?>
+<p:sld xmlns:a="http://schemas.openxmlformats.org/drawingml/2006/main" xmlns:r="http://schemas.openxmlformats.org/officeDocument/2006/relationships" xmlns:p="http://schemas.openxmlformats.org/presentationml/2006/main">
+  <p:cSld>
+    <p:spTree>
+      <p:nvGrpSpPr>
+        <p:cNvPr id="1" name=""/>
+        <p:cNvGrpSpPr/>
+        <p:nvPr/>
+      </p:nvGrpSpPr>
+      <p:grpSpPr>
+        <a:xfrm>
+          <a:off x="0" y="0"/>
+          <a:ext cx="0" cy="0"/>
+          <a:chOff x="0" y="0"/>
+          <a:chExt cx="0" cy="0"/>
+        </a:xfrm>
+      </p:grpSpPr>
+      <p:sp>
+        <p:nvSpPr>
+          <p:cNvPr id="2" name="Titel 1"/>
+          <p:cNvSpPr>
+            <a:spLocks noGrp="1"/>
+          </p:cNvSpPr>
+          <p:nvPr>
+            <p:ph type="title"/>
+          </p:nvPr>
+        </p:nvSpPr>
+        <p:spPr/>
+        <p:txBody>
+          <a:bodyPr/>
+          <a:lstStyle/>
+          <a:p>
+            <a:r>
+              <a:rPr lang="en-US" dirty="0"/>
+              <a:t>What’s Docker?</a:t>
+            </a:r>
+          </a:p>
+        </p:txBody>
+      </p:sp>
+      <p:sp>
+        <p:nvSpPr>
+          <p:cNvPr id="3" name="Inhaltsplatzhalter 2"/>
+          <p:cNvSpPr>
+            <a:spLocks noGrp="1"/>
+          </p:cNvSpPr>
+          <p:nvPr>
+            <p:ph sz="quarter" idx="12"/>
+          </p:nvPr>
+        </p:nvSpPr>
+        <p:spPr/>
+        <p:txBody>
+          <a:bodyPr/>
+          <a:lstStyle/>
+          <a:p>
+            <a:r>
+              <a:rPr lang="en-US" dirty="0"/>
+              <a:t>Container virtualization</a:t>
+            </a:r>
+          </a:p>
+          <a:p>
+            <a:pPr lvl="1"/>
+            <a:r>
+              <a:rPr lang="en-US" dirty="0"/>
+              <a:t>Container run in user space and use kernel of host</a:t>
+            </a:r>
+          </a:p>
+          <a:p>
+            <a:pPr lvl="1"/>
+            <a:r>
+              <a:rPr lang="en-US" dirty="0"/>
+              <a:t>Has been existing in Linux for quite a while</a:t>
+            </a:r>
+          </a:p>
+          <a:p>
+            <a:pPr lvl="1"/>
+            <a:r>
+              <a:rPr lang="en-US" dirty="0"/>
+              <a:t>Docker builds on Linux Containers (LXC) and makes it easy to use and consume</a:t>
+            </a:r>
+          </a:p>
+          <a:p>
+            <a:r>
+              <a:rPr lang="en-US" dirty="0"/>
+              <a:t>Advantages?</a:t>
+            </a:r>
+          </a:p>
+          <a:p>
+            <a:pPr lvl="1"/>
+            <a:r>
+              <a:rPr lang="en-US" dirty="0"/>
+              <a:t>Fast (boot time), small, and agile (e.g. Docker in Docker)</a:t>
+            </a:r>
+          </a:p>
+          <a:p>
+            <a:pPr lvl="1"/>
+            <a:r>
+              <a:rPr lang="en-US" dirty="0"/>
+              <a:t>Portable</a:t>
+            </a:r>
+          </a:p>
+          <a:p>
+            <a:pPr lvl="1"/>
+            <a:r>
+              <a:rPr lang="en-US" dirty="0"/>
+              <a:t>Immutable</a:t>
+            </a:r>
+          </a:p>
+          <a:p>
+            <a:r>
+              <a:rPr lang="en-US" dirty="0"/>
+              <a:t>Disadvantages?</a:t>
+            </a:r>
+          </a:p>
+          <a:p>
+            <a:pPr lvl="1"/>
+            <a:r>
+              <a:rPr lang="en-US" dirty="0"/>
+              <a:t>Linux on Linux and Windows on Windows, no mix</a:t>
+            </a:r>
+          </a:p>
+          <a:p>
+            <a:pPr lvl="1"/>
+            <a:r>
+              <a:rPr lang="en-US" dirty="0"/>
+              <a:t>Security (less isolated)</a:t>
+            </a:r>
+          </a:p>
+        </p:txBody>
+      </p:sp>
+      <p:sp>
+        <p:nvSpPr>
+          <p:cNvPr id="4" name="Textplatzhalter 3"/>
+          <p:cNvSpPr>
+            <a:spLocks noGrp="1"/>
+          </p:cNvSpPr>
+          <p:nvPr>
+            <p:ph type="body" sz="quarter" idx="23"/>
+          </p:nvPr>
+        </p:nvSpPr>
+        <p:spPr/>
+        <p:txBody>
+          <a:bodyPr/>
+          <a:lstStyle/>
+          <a:p>
+            <a:endParaRPr lang="en-US" dirty="0"/>
+          </a:p>
+        </p:txBody>
+      </p:sp>
+      <p:pic>
+        <p:nvPicPr>
+          <p:cNvPr id="5" name="Grafik 4"/>
+          <p:cNvPicPr>
+            <a:picLocks noChangeAspect="1"/>
+          </p:cNvPicPr>
+          <p:nvPr/>
+        </p:nvPicPr>
+        <p:blipFill>
+          <a:blip r:embed="rId2" cstate="email">
+            <a:extLst>
+              <a:ext uri="{28A0092B-C50C-407E-A947-70E740481C1C}">
+                <a14:useLocalDpi xmlns:a14="http://schemas.microsoft.com/office/drawing/2010/main" val="0"/>
+              </a:ext>
+            </a:extLst>
+          </a:blip>
+          <a:stretch>
+            <a:fillRect/>
+          </a:stretch>
+        </p:blipFill>
+        <p:spPr>
+          <a:xfrm>
+            <a:off x="6400690" y="2212347"/>
+            <a:ext cx="2876660" cy="2566474"/>
+          </a:xfrm>
+          <a:prstGeom prst="rect">
+            <a:avLst/>
+          </a:prstGeom>
+        </p:spPr>
+      </p:pic>
+    </p:spTree>
+    <p:extLst>
+      <p:ext uri="{BB962C8B-B14F-4D97-AF65-F5344CB8AC3E}">
+        <p14:creationId xmlns:p14="http://schemas.microsoft.com/office/powerpoint/2010/main" val="1202846377"/>
+      </p:ext>
+    </p:extLst>
+  </p:cSld>
+  <p:clrMapOvr>
+    <a:masterClrMapping/>
+  </p:clrMapOvr>
+  <p:transition spd="slow">
+    <p:push/>
+  </p:transition>
+</p:sld>
+</file>
+
+<file path=ppt/slides/slide50.xml><?xml version="1.0" encoding="utf-8"?>
 <p:sld xmlns:a="http://schemas.openxmlformats.org/drawingml/2006/main" xmlns:r="http://schemas.openxmlformats.org/officeDocument/2006/relationships" xmlns:p="http://schemas.openxmlformats.org/presentationml/2006/main">
   <p:cSld>
     <p:spTree>
@@ -43747,7 +45044,7 @@
 </p:sld>
 </file>
 
-<file path=ppt/slides/slide48.xml><?xml version="1.0" encoding="utf-8"?>
+<file path=ppt/slides/slide51.xml><?xml version="1.0" encoding="utf-8"?>
 <p:sld xmlns:a="http://schemas.openxmlformats.org/drawingml/2006/main" xmlns:r="http://schemas.openxmlformats.org/officeDocument/2006/relationships" xmlns:p="http://schemas.openxmlformats.org/presentationml/2006/main" show="0">
   <p:cSld>
     <p:spTree>
@@ -43972,832 +45269,6 @@
     <p:extLst>
       <p:ext uri="{BB962C8B-B14F-4D97-AF65-F5344CB8AC3E}">
         <p14:creationId xmlns:p14="http://schemas.microsoft.com/office/powerpoint/2010/main" val="209221256"/>
-      </p:ext>
-    </p:extLst>
-  </p:cSld>
-  <p:clrMapOvr>
-    <a:masterClrMapping/>
-  </p:clrMapOvr>
-  <p:transition spd="slow">
-    <p:push/>
-  </p:transition>
-</p:sld>
-</file>
-
-<file path=ppt/slides/slide49.xml><?xml version="1.0" encoding="utf-8"?>
-<p:sld xmlns:a="http://schemas.openxmlformats.org/drawingml/2006/main" xmlns:r="http://schemas.openxmlformats.org/officeDocument/2006/relationships" xmlns:p="http://schemas.openxmlformats.org/presentationml/2006/main">
-  <p:cSld>
-    <p:spTree>
-      <p:nvGrpSpPr>
-        <p:cNvPr id="1" name=""/>
-        <p:cNvGrpSpPr/>
-        <p:nvPr/>
-      </p:nvGrpSpPr>
-      <p:grpSpPr>
-        <a:xfrm>
-          <a:off x="0" y="0"/>
-          <a:ext cx="0" cy="0"/>
-          <a:chOff x="0" y="0"/>
-          <a:chExt cx="0" cy="0"/>
-        </a:xfrm>
-      </p:grpSpPr>
-      <p:sp>
-        <p:nvSpPr>
-          <p:cNvPr id="2" name="Titel 1"/>
-          <p:cNvSpPr>
-            <a:spLocks noGrp="1"/>
-          </p:cNvSpPr>
-          <p:nvPr>
-            <p:ph type="title"/>
-          </p:nvPr>
-        </p:nvSpPr>
-        <p:spPr/>
-        <p:txBody>
-          <a:bodyPr/>
-          <a:lstStyle/>
-          <a:p>
-            <a:r>
-              <a:rPr lang="en-US" dirty="0"/>
-              <a:t>ASP.NET in Docker</a:t>
-            </a:r>
-          </a:p>
-        </p:txBody>
-      </p:sp>
-      <p:sp>
-        <p:nvSpPr>
-          <p:cNvPr id="3" name="Textplatzhalter 2"/>
-          <p:cNvSpPr>
-            <a:spLocks noGrp="1"/>
-          </p:cNvSpPr>
-          <p:nvPr>
-            <p:ph type="body" sz="quarter" idx="25"/>
-          </p:nvPr>
-        </p:nvSpPr>
-        <p:spPr/>
-        <p:txBody>
-          <a:bodyPr/>
-          <a:lstStyle/>
-          <a:p>
-            <a:r>
-              <a:rPr lang="en-US" dirty="0"/>
-              <a:t>Running ASP.NET in Docker</a:t>
-            </a:r>
-          </a:p>
-        </p:txBody>
-      </p:sp>
-    </p:spTree>
-    <p:extLst>
-      <p:ext uri="{BB962C8B-B14F-4D97-AF65-F5344CB8AC3E}">
-        <p14:creationId xmlns:p14="http://schemas.microsoft.com/office/powerpoint/2010/main" val="286049027"/>
-      </p:ext>
-    </p:extLst>
-  </p:cSld>
-  <p:clrMapOvr>
-    <a:masterClrMapping/>
-  </p:clrMapOvr>
-  <mc:AlternateContent xmlns:mc="http://schemas.openxmlformats.org/markup-compatibility/2006" xmlns:p14="http://schemas.microsoft.com/office/powerpoint/2010/main">
-    <mc:Choice Requires="p14">
-      <p:transition spd="med" p14:dur="700">
-        <p:fade/>
-      </p:transition>
-    </mc:Choice>
-    <mc:Fallback xmlns="">
-      <p:transition spd="med">
-        <p:fade/>
-      </p:transition>
-    </mc:Fallback>
-  </mc:AlternateContent>
-</p:sld>
-</file>
-
-<file path=ppt/slides/slide5.xml><?xml version="1.0" encoding="utf-8"?>
-<p:sld xmlns:a="http://schemas.openxmlformats.org/drawingml/2006/main" xmlns:r="http://schemas.openxmlformats.org/officeDocument/2006/relationships" xmlns:p="http://schemas.openxmlformats.org/presentationml/2006/main">
-  <p:cSld>
-    <p:spTree>
-      <p:nvGrpSpPr>
-        <p:cNvPr id="1" name=""/>
-        <p:cNvGrpSpPr/>
-        <p:nvPr/>
-      </p:nvGrpSpPr>
-      <p:grpSpPr>
-        <a:xfrm>
-          <a:off x="0" y="0"/>
-          <a:ext cx="0" cy="0"/>
-          <a:chOff x="0" y="0"/>
-          <a:chExt cx="0" cy="0"/>
-        </a:xfrm>
-      </p:grpSpPr>
-      <p:sp>
-        <p:nvSpPr>
-          <p:cNvPr id="2" name="Titel 1"/>
-          <p:cNvSpPr>
-            <a:spLocks noGrp="1"/>
-          </p:cNvSpPr>
-          <p:nvPr>
-            <p:ph type="title"/>
-          </p:nvPr>
-        </p:nvSpPr>
-        <p:spPr/>
-        <p:txBody>
-          <a:bodyPr/>
-          <a:lstStyle/>
-          <a:p>
-            <a:r>
-              <a:rPr lang="en-US" dirty="0"/>
-              <a:t>What’s Docker?</a:t>
-            </a:r>
-          </a:p>
-        </p:txBody>
-      </p:sp>
-      <p:sp>
-        <p:nvSpPr>
-          <p:cNvPr id="3" name="Inhaltsplatzhalter 2"/>
-          <p:cNvSpPr>
-            <a:spLocks noGrp="1"/>
-          </p:cNvSpPr>
-          <p:nvPr>
-            <p:ph sz="quarter" idx="12"/>
-          </p:nvPr>
-        </p:nvSpPr>
-        <p:spPr/>
-        <p:txBody>
-          <a:bodyPr/>
-          <a:lstStyle/>
-          <a:p>
-            <a:r>
-              <a:rPr lang="en-US" dirty="0"/>
-              <a:t>Container virtualization</a:t>
-            </a:r>
-          </a:p>
-          <a:p>
-            <a:pPr lvl="1"/>
-            <a:r>
-              <a:rPr lang="en-US" dirty="0"/>
-              <a:t>Container run in user space and use kernel of host</a:t>
-            </a:r>
-          </a:p>
-          <a:p>
-            <a:pPr lvl="1"/>
-            <a:r>
-              <a:rPr lang="en-US" dirty="0"/>
-              <a:t>Has been existing in Linux for quite a while</a:t>
-            </a:r>
-          </a:p>
-          <a:p>
-            <a:pPr lvl="1"/>
-            <a:r>
-              <a:rPr lang="en-US" dirty="0"/>
-              <a:t>Docker builds on Linux Containers (LXC) and makes it easy to use and consume</a:t>
-            </a:r>
-          </a:p>
-          <a:p>
-            <a:r>
-              <a:rPr lang="en-US" dirty="0"/>
-              <a:t>Advantages?</a:t>
-            </a:r>
-          </a:p>
-          <a:p>
-            <a:pPr lvl="1"/>
-            <a:r>
-              <a:rPr lang="en-US" dirty="0"/>
-              <a:t>Fast, small, and agile (e.g. Docker in Docker)</a:t>
-            </a:r>
-          </a:p>
-          <a:p>
-            <a:r>
-              <a:rPr lang="en-US" dirty="0"/>
-              <a:t>Disadvantages?</a:t>
-            </a:r>
-          </a:p>
-          <a:p>
-            <a:pPr lvl="1"/>
-            <a:r>
-              <a:rPr lang="en-US" dirty="0"/>
-              <a:t>Security (less isolated)</a:t>
-            </a:r>
-          </a:p>
-        </p:txBody>
-      </p:sp>
-      <p:sp>
-        <p:nvSpPr>
-          <p:cNvPr id="4" name="Textplatzhalter 3"/>
-          <p:cNvSpPr>
-            <a:spLocks noGrp="1"/>
-          </p:cNvSpPr>
-          <p:nvPr>
-            <p:ph type="body" sz="quarter" idx="23"/>
-          </p:nvPr>
-        </p:nvSpPr>
-        <p:spPr/>
-        <p:txBody>
-          <a:bodyPr/>
-          <a:lstStyle/>
-          <a:p>
-            <a:endParaRPr lang="en-US" dirty="0"/>
-          </a:p>
-        </p:txBody>
-      </p:sp>
-      <p:pic>
-        <p:nvPicPr>
-          <p:cNvPr id="5" name="Grafik 4"/>
-          <p:cNvPicPr>
-            <a:picLocks noChangeAspect="1"/>
-          </p:cNvPicPr>
-          <p:nvPr/>
-        </p:nvPicPr>
-        <p:blipFill>
-          <a:blip r:embed="rId2" cstate="email">
-            <a:extLst>
-              <a:ext uri="{28A0092B-C50C-407E-A947-70E740481C1C}">
-                <a14:useLocalDpi xmlns:a14="http://schemas.microsoft.com/office/drawing/2010/main" val="0"/>
-              </a:ext>
-            </a:extLst>
-          </a:blip>
-          <a:stretch>
-            <a:fillRect/>
-          </a:stretch>
-        </p:blipFill>
-        <p:spPr>
-          <a:xfrm>
-            <a:off x="6400690" y="2212347"/>
-            <a:ext cx="2876660" cy="2566474"/>
-          </a:xfrm>
-          <a:prstGeom prst="rect">
-            <a:avLst/>
-          </a:prstGeom>
-        </p:spPr>
-      </p:pic>
-    </p:spTree>
-    <p:extLst>
-      <p:ext uri="{BB962C8B-B14F-4D97-AF65-F5344CB8AC3E}">
-        <p14:creationId xmlns:p14="http://schemas.microsoft.com/office/powerpoint/2010/main" val="1202846377"/>
-      </p:ext>
-    </p:extLst>
-  </p:cSld>
-  <p:clrMapOvr>
-    <a:masterClrMapping/>
-  </p:clrMapOvr>
-  <p:transition spd="slow">
-    <p:push/>
-  </p:transition>
-</p:sld>
-</file>
-
-<file path=ppt/slides/slide50.xml><?xml version="1.0" encoding="utf-8"?>
-<p:sld xmlns:a="http://schemas.openxmlformats.org/drawingml/2006/main" xmlns:r="http://schemas.openxmlformats.org/officeDocument/2006/relationships" xmlns:p="http://schemas.openxmlformats.org/presentationml/2006/main">
-  <p:cSld>
-    <p:spTree>
-      <p:nvGrpSpPr>
-        <p:cNvPr id="1" name=""/>
-        <p:cNvGrpSpPr/>
-        <p:nvPr/>
-      </p:nvGrpSpPr>
-      <p:grpSpPr>
-        <a:xfrm>
-          <a:off x="0" y="0"/>
-          <a:ext cx="0" cy="0"/>
-          <a:chOff x="0" y="0"/>
-          <a:chExt cx="0" cy="0"/>
-        </a:xfrm>
-      </p:grpSpPr>
-      <p:sp>
-        <p:nvSpPr>
-          <p:cNvPr id="2" name="Titel 1"/>
-          <p:cNvSpPr>
-            <a:spLocks noGrp="1"/>
-          </p:cNvSpPr>
-          <p:nvPr>
-            <p:ph type="title"/>
-          </p:nvPr>
-        </p:nvSpPr>
-        <p:spPr/>
-        <p:txBody>
-          <a:bodyPr/>
-          <a:lstStyle/>
-          <a:p>
-            <a:r>
-              <a:rPr lang="en-US" dirty="0"/>
-              <a:t>Simple ASP.NET</a:t>
-            </a:r>
-            <a:endParaRPr lang="de-AT" dirty="0"/>
-          </a:p>
-        </p:txBody>
-      </p:sp>
-      <p:sp>
-        <p:nvSpPr>
-          <p:cNvPr id="3" name="Inhaltsplatzhalter 2"/>
-          <p:cNvSpPr>
-            <a:spLocks noGrp="1"/>
-          </p:cNvSpPr>
-          <p:nvPr>
-            <p:ph sz="quarter" idx="22"/>
-          </p:nvPr>
-        </p:nvSpPr>
-        <p:spPr/>
-        <p:txBody>
-          <a:bodyPr/>
-          <a:lstStyle/>
-          <a:p>
-            <a:r>
-              <a:rPr lang="en-US" dirty="0"/>
-              <a:t>FROM </a:t>
-            </a:r>
-            <a:r>
-              <a:rPr lang="en-US" dirty="0" err="1"/>
-              <a:t>microsoft</a:t>
-            </a:r>
-            <a:r>
-              <a:rPr lang="en-US" dirty="0"/>
-              <a:t>/</a:t>
-            </a:r>
-            <a:r>
-              <a:rPr lang="en-US" dirty="0" err="1"/>
-              <a:t>aspnet</a:t>
-            </a:r>
-            <a:endParaRPr lang="en-US" dirty="0"/>
-          </a:p>
-          <a:p>
-            <a:endParaRPr lang="en-US" dirty="0"/>
-          </a:p>
-          <a:p>
-            <a:r>
-              <a:rPr lang="en-US" dirty="0"/>
-              <a:t>RUN apt-get install -y curl</a:t>
-            </a:r>
-          </a:p>
-          <a:p>
-            <a:r>
-              <a:rPr lang="en-US" dirty="0"/>
-              <a:t>RUN curl -</a:t>
-            </a:r>
-            <a:r>
-              <a:rPr lang="en-US" dirty="0" err="1"/>
-              <a:t>sL</a:t>
-            </a:r>
-            <a:r>
-              <a:rPr lang="en-US" dirty="0"/>
-              <a:t> https://deb.nodesource.com/setup_5.x | bash -</a:t>
-            </a:r>
-          </a:p>
-          <a:p>
-            <a:r>
-              <a:rPr lang="en-US" dirty="0"/>
-              <a:t>RUN apt-get install -y </a:t>
-            </a:r>
-            <a:r>
-              <a:rPr lang="en-US" dirty="0" err="1"/>
-              <a:t>nodejs</a:t>
-            </a:r>
-            <a:endParaRPr lang="en-US" dirty="0"/>
-          </a:p>
-          <a:p>
-            <a:endParaRPr lang="en-US" dirty="0"/>
-          </a:p>
-          <a:p>
-            <a:r>
-              <a:rPr lang="en-US" dirty="0"/>
-              <a:t>COPY ./my-web /</a:t>
-            </a:r>
-            <a:r>
-              <a:rPr lang="en-US" dirty="0" err="1"/>
-              <a:t>src</a:t>
-            </a:r>
-            <a:endParaRPr lang="en-US" dirty="0"/>
-          </a:p>
-          <a:p>
-            <a:endParaRPr lang="en-US" dirty="0"/>
-          </a:p>
-          <a:p>
-            <a:r>
-              <a:rPr lang="en-US" dirty="0"/>
-              <a:t>RUN cd /</a:t>
-            </a:r>
-            <a:r>
-              <a:rPr lang="en-US" dirty="0" err="1"/>
-              <a:t>src</a:t>
-            </a:r>
-            <a:r>
-              <a:rPr lang="en-US" dirty="0"/>
-              <a:t> &amp;&amp; </a:t>
-            </a:r>
-            <a:r>
-              <a:rPr lang="en-US" dirty="0" err="1"/>
-              <a:t>dnu</a:t>
-            </a:r>
-            <a:r>
-              <a:rPr lang="en-US" dirty="0"/>
-              <a:t> restore</a:t>
-            </a:r>
-          </a:p>
-          <a:p>
-            <a:endParaRPr lang="en-US" dirty="0"/>
-          </a:p>
-          <a:p>
-            <a:r>
-              <a:rPr lang="en-US" dirty="0"/>
-              <a:t>EXPOSE 5000</a:t>
-            </a:r>
-          </a:p>
-          <a:p>
-            <a:endParaRPr lang="en-US" dirty="0"/>
-          </a:p>
-          <a:p>
-            <a:r>
-              <a:rPr lang="en-US" dirty="0"/>
-              <a:t>WORKDIR /</a:t>
-            </a:r>
-            <a:r>
-              <a:rPr lang="en-US" dirty="0" err="1"/>
-              <a:t>src</a:t>
-            </a:r>
-            <a:endParaRPr lang="en-US" dirty="0"/>
-          </a:p>
-          <a:p>
-            <a:r>
-              <a:rPr lang="en-US" dirty="0"/>
-              <a:t>CMD ["</a:t>
-            </a:r>
-            <a:r>
-              <a:rPr lang="en-US" dirty="0" err="1"/>
-              <a:t>dnx</a:t>
-            </a:r>
-            <a:r>
-              <a:rPr lang="en-US" dirty="0"/>
-              <a:t>", "web"]</a:t>
-            </a:r>
-          </a:p>
-        </p:txBody>
-      </p:sp>
-      <p:sp>
-        <p:nvSpPr>
-          <p:cNvPr id="4" name="Textplatzhalter 3"/>
-          <p:cNvSpPr>
-            <a:spLocks noGrp="1"/>
-          </p:cNvSpPr>
-          <p:nvPr>
-            <p:ph type="body" sz="quarter" idx="23"/>
-          </p:nvPr>
-        </p:nvSpPr>
-        <p:spPr/>
-        <p:txBody>
-          <a:bodyPr/>
-          <a:lstStyle/>
-          <a:p>
-            <a:r>
-              <a:rPr lang="en-US" dirty="0" err="1"/>
-              <a:t>Dockerfile</a:t>
-            </a:r>
-            <a:endParaRPr lang="de-AT" dirty="0"/>
-          </a:p>
-        </p:txBody>
-      </p:sp>
-      <p:sp>
-        <p:nvSpPr>
-          <p:cNvPr id="5" name="Textplatzhalter 4"/>
-          <p:cNvSpPr>
-            <a:spLocks noGrp="1"/>
-          </p:cNvSpPr>
-          <p:nvPr>
-            <p:ph type="body" sz="quarter" idx="24"/>
-          </p:nvPr>
-        </p:nvSpPr>
-        <p:spPr/>
-        <p:txBody>
-          <a:bodyPr/>
-          <a:lstStyle/>
-          <a:p>
-            <a:endParaRPr lang="de-AT"/>
-          </a:p>
-        </p:txBody>
-      </p:sp>
-      <p:sp>
-        <p:nvSpPr>
-          <p:cNvPr id="6" name="Textplatzhalter 5"/>
-          <p:cNvSpPr>
-            <a:spLocks noGrp="1"/>
-          </p:cNvSpPr>
-          <p:nvPr>
-            <p:ph type="body" sz="quarter" idx="25"/>
-          </p:nvPr>
-        </p:nvSpPr>
-        <p:spPr/>
-        <p:txBody>
-          <a:bodyPr/>
-          <a:lstStyle/>
-          <a:p>
-            <a:r>
-              <a:rPr lang="en-US" dirty="0"/>
-              <a:t>Sample files see </a:t>
-            </a:r>
-            <a:r>
-              <a:rPr lang="en-US" dirty="0">
-                <a:hlinkClick r:id="rId2"/>
-              </a:rPr>
-              <a:t>https://github.com/rstropek/DockerVS2015Intro/tree/master/dockerDemos/04-aspnet</a:t>
-            </a:r>
-            <a:r>
-              <a:rPr lang="en-US" dirty="0"/>
-              <a:t> </a:t>
-            </a:r>
-            <a:endParaRPr lang="de-AT" dirty="0"/>
-          </a:p>
-        </p:txBody>
-      </p:sp>
-    </p:spTree>
-    <p:extLst>
-      <p:ext uri="{BB962C8B-B14F-4D97-AF65-F5344CB8AC3E}">
-        <p14:creationId xmlns:p14="http://schemas.microsoft.com/office/powerpoint/2010/main" val="906093209"/>
-      </p:ext>
-    </p:extLst>
-  </p:cSld>
-  <p:clrMapOvr>
-    <a:masterClrMapping/>
-  </p:clrMapOvr>
-  <p:transition spd="slow">
-    <p:push/>
-  </p:transition>
-</p:sld>
-</file>
-
-<file path=ppt/slides/slide51.xml><?xml version="1.0" encoding="utf-8"?>
-<p:sld xmlns:a="http://schemas.openxmlformats.org/drawingml/2006/main" xmlns:r="http://schemas.openxmlformats.org/officeDocument/2006/relationships" xmlns:p="http://schemas.openxmlformats.org/presentationml/2006/main">
-  <p:cSld>
-    <p:spTree>
-      <p:nvGrpSpPr>
-        <p:cNvPr id="1" name=""/>
-        <p:cNvGrpSpPr/>
-        <p:nvPr/>
-      </p:nvGrpSpPr>
-      <p:grpSpPr>
-        <a:xfrm>
-          <a:off x="0" y="0"/>
-          <a:ext cx="0" cy="0"/>
-          <a:chOff x="0" y="0"/>
-          <a:chExt cx="0" cy="0"/>
-        </a:xfrm>
-      </p:grpSpPr>
-      <p:sp>
-        <p:nvSpPr>
-          <p:cNvPr id="2" name="Titel 1"/>
-          <p:cNvSpPr>
-            <a:spLocks noGrp="1"/>
-          </p:cNvSpPr>
-          <p:nvPr>
-            <p:ph type="title"/>
-          </p:nvPr>
-        </p:nvSpPr>
-        <p:spPr/>
-        <p:txBody>
-          <a:bodyPr/>
-          <a:lstStyle/>
-          <a:p>
-            <a:r>
-              <a:rPr lang="en-US" dirty="0"/>
-              <a:t>Simple ASP.NET</a:t>
-            </a:r>
-            <a:endParaRPr lang="de-AT" dirty="0"/>
-          </a:p>
-        </p:txBody>
-      </p:sp>
-      <p:sp>
-        <p:nvSpPr>
-          <p:cNvPr id="3" name="Inhaltsplatzhalter 2"/>
-          <p:cNvSpPr>
-            <a:spLocks noGrp="1"/>
-          </p:cNvSpPr>
-          <p:nvPr>
-            <p:ph sz="quarter" idx="22"/>
-          </p:nvPr>
-        </p:nvSpPr>
-        <p:spPr/>
-        <p:txBody>
-          <a:bodyPr/>
-          <a:lstStyle/>
-          <a:p>
-            <a:r>
-              <a:rPr lang="en-US" dirty="0"/>
-              <a:t># Generate an ASP.NET web app</a:t>
-            </a:r>
-          </a:p>
-          <a:p>
-            <a:r>
-              <a:rPr lang="en-US" dirty="0" err="1"/>
-              <a:t>yo</a:t>
-            </a:r>
-            <a:r>
-              <a:rPr lang="en-US" dirty="0"/>
-              <a:t> </a:t>
-            </a:r>
-            <a:r>
-              <a:rPr lang="en-US" dirty="0" err="1"/>
-              <a:t>aspnet</a:t>
-            </a:r>
-            <a:r>
-              <a:rPr lang="en-US" dirty="0"/>
-              <a:t> </a:t>
-            </a:r>
-            <a:r>
-              <a:rPr lang="en-US" dirty="0" err="1"/>
-              <a:t>webbasic</a:t>
-            </a:r>
-            <a:r>
-              <a:rPr lang="en-US" dirty="0"/>
-              <a:t> "my-web"</a:t>
-            </a:r>
-          </a:p>
-          <a:p>
-            <a:endParaRPr lang="en-US" dirty="0"/>
-          </a:p>
-          <a:p>
-            <a:r>
-              <a:rPr lang="en-US" dirty="0"/>
-              <a:t># Add “</a:t>
-            </a:r>
-            <a:r>
-              <a:rPr lang="de-AT" dirty="0"/>
-              <a:t>--</a:t>
-            </a:r>
-            <a:r>
-              <a:rPr lang="de-AT" dirty="0" err="1"/>
-              <a:t>server.urls</a:t>
-            </a:r>
-            <a:r>
-              <a:rPr lang="de-AT" dirty="0"/>
-              <a:t>=http://*:5000/“ </a:t>
-            </a:r>
-            <a:r>
-              <a:rPr lang="de-AT" dirty="0" err="1"/>
-              <a:t>to</a:t>
-            </a:r>
-            <a:r>
-              <a:rPr lang="de-AT" dirty="0"/>
-              <a:t> </a:t>
-            </a:r>
-            <a:r>
-              <a:rPr lang="de-AT" dirty="0" err="1"/>
-              <a:t>project.json</a:t>
-            </a:r>
-            <a:r>
-              <a:rPr lang="de-AT" dirty="0"/>
-              <a:t> so</a:t>
-            </a:r>
-          </a:p>
-          <a:p>
-            <a:r>
-              <a:rPr lang="en-US" dirty="0"/>
-              <a:t># that ASP.NET listens not only on localhost</a:t>
-            </a:r>
-          </a:p>
-          <a:p>
-            <a:endParaRPr lang="en-US" dirty="0"/>
-          </a:p>
-          <a:p>
-            <a:r>
-              <a:rPr lang="en-US" dirty="0"/>
-              <a:t># Build image with sample app</a:t>
-            </a:r>
-          </a:p>
-          <a:p>
-            <a:r>
-              <a:rPr lang="de-AT" dirty="0" err="1"/>
-              <a:t>docker</a:t>
-            </a:r>
-            <a:r>
-              <a:rPr lang="de-AT" dirty="0"/>
-              <a:t> </a:t>
-            </a:r>
-            <a:r>
-              <a:rPr lang="de-AT" dirty="0" err="1"/>
-              <a:t>build</a:t>
-            </a:r>
-            <a:r>
-              <a:rPr lang="de-AT" dirty="0"/>
-              <a:t> -t </a:t>
-            </a:r>
-            <a:r>
-              <a:rPr lang="de-AT" dirty="0" err="1"/>
-              <a:t>rainer:myweb</a:t>
-            </a:r>
-            <a:r>
-              <a:rPr lang="de-AT" dirty="0"/>
-              <a:t> .</a:t>
-            </a:r>
-          </a:p>
-          <a:p>
-            <a:endParaRPr lang="en-US" dirty="0"/>
-          </a:p>
-          <a:p>
-            <a:r>
-              <a:rPr lang="en-US" dirty="0"/>
-              <a:t># Run ASP.NET container</a:t>
-            </a:r>
-          </a:p>
-          <a:p>
-            <a:r>
-              <a:rPr lang="de-AT" dirty="0" err="1"/>
-              <a:t>docker</a:t>
-            </a:r>
-            <a:r>
-              <a:rPr lang="de-AT" dirty="0"/>
-              <a:t> </a:t>
-            </a:r>
-            <a:r>
-              <a:rPr lang="de-AT" dirty="0" err="1"/>
-              <a:t>run</a:t>
-            </a:r>
-            <a:r>
-              <a:rPr lang="de-AT" dirty="0"/>
-              <a:t> -d -p 80:5000 </a:t>
-            </a:r>
-            <a:r>
-              <a:rPr lang="de-AT" dirty="0" err="1"/>
-              <a:t>rainer:myweb</a:t>
-            </a:r>
-            <a:endParaRPr lang="de-AT" dirty="0"/>
-          </a:p>
-        </p:txBody>
-      </p:sp>
-      <p:sp>
-        <p:nvSpPr>
-          <p:cNvPr id="4" name="Textplatzhalter 3"/>
-          <p:cNvSpPr>
-            <a:spLocks noGrp="1"/>
-          </p:cNvSpPr>
-          <p:nvPr>
-            <p:ph type="body" sz="quarter" idx="23"/>
-          </p:nvPr>
-        </p:nvSpPr>
-        <p:spPr/>
-        <p:txBody>
-          <a:bodyPr/>
-          <a:lstStyle/>
-          <a:p>
-            <a:endParaRPr lang="de-AT"/>
-          </a:p>
-        </p:txBody>
-      </p:sp>
-      <p:sp>
-        <p:nvSpPr>
-          <p:cNvPr id="5" name="Textplatzhalter 4"/>
-          <p:cNvSpPr>
-            <a:spLocks noGrp="1"/>
-          </p:cNvSpPr>
-          <p:nvPr>
-            <p:ph type="body" sz="quarter" idx="24"/>
-          </p:nvPr>
-        </p:nvSpPr>
-        <p:spPr/>
-        <p:txBody>
-          <a:bodyPr/>
-          <a:lstStyle/>
-          <a:p>
-            <a:endParaRPr lang="de-AT"/>
-          </a:p>
-        </p:txBody>
-      </p:sp>
-      <p:sp>
-        <p:nvSpPr>
-          <p:cNvPr id="6" name="Textplatzhalter 5"/>
-          <p:cNvSpPr>
-            <a:spLocks noGrp="1"/>
-          </p:cNvSpPr>
-          <p:nvPr>
-            <p:ph type="body" sz="quarter" idx="25"/>
-          </p:nvPr>
-        </p:nvSpPr>
-        <p:spPr/>
-        <p:txBody>
-          <a:bodyPr/>
-          <a:lstStyle/>
-          <a:p>
-            <a:r>
-              <a:rPr lang="en-US" dirty="0"/>
-              <a:t>Sample files see </a:t>
-            </a:r>
-            <a:r>
-              <a:rPr lang="en-US" dirty="0">
-                <a:hlinkClick r:id="rId2"/>
-              </a:rPr>
-              <a:t>https://</a:t>
-            </a:r>
-            <a:r>
-              <a:rPr lang="en-US">
-                <a:hlinkClick r:id="rId2"/>
-              </a:rPr>
-              <a:t>github.com/rstropek/DockerVS2015Intro/tree/master/dockerDemos/04-aspnet</a:t>
-            </a:r>
-            <a:r>
-              <a:rPr lang="en-US"/>
-              <a:t> </a:t>
-            </a:r>
-            <a:endParaRPr lang="de-AT"/>
-          </a:p>
-        </p:txBody>
-      </p:sp>
-    </p:spTree>
-    <p:extLst>
-      <p:ext uri="{BB962C8B-B14F-4D97-AF65-F5344CB8AC3E}">
-        <p14:creationId xmlns:p14="http://schemas.microsoft.com/office/powerpoint/2010/main" val="3273169084"/>
       </p:ext>
     </p:extLst>
   </p:cSld>
@@ -44829,6 +45300,659 @@
       </p:grpSpPr>
       <p:sp>
         <p:nvSpPr>
+          <p:cNvPr id="2" name="Titel 1"/>
+          <p:cNvSpPr>
+            <a:spLocks noGrp="1"/>
+          </p:cNvSpPr>
+          <p:nvPr>
+            <p:ph type="title"/>
+          </p:nvPr>
+        </p:nvSpPr>
+        <p:spPr/>
+        <p:txBody>
+          <a:bodyPr/>
+          <a:lstStyle/>
+          <a:p>
+            <a:r>
+              <a:rPr lang="en-US" dirty="0"/>
+              <a:t>ASP.NET in Docker</a:t>
+            </a:r>
+          </a:p>
+        </p:txBody>
+      </p:sp>
+      <p:sp>
+        <p:nvSpPr>
+          <p:cNvPr id="3" name="Textplatzhalter 2"/>
+          <p:cNvSpPr>
+            <a:spLocks noGrp="1"/>
+          </p:cNvSpPr>
+          <p:nvPr>
+            <p:ph type="body" sz="quarter" idx="25"/>
+          </p:nvPr>
+        </p:nvSpPr>
+        <p:spPr/>
+        <p:txBody>
+          <a:bodyPr/>
+          <a:lstStyle/>
+          <a:p>
+            <a:r>
+              <a:rPr lang="en-US" dirty="0"/>
+              <a:t>Running ASP.NET in Docker</a:t>
+            </a:r>
+          </a:p>
+        </p:txBody>
+      </p:sp>
+    </p:spTree>
+    <p:extLst>
+      <p:ext uri="{BB962C8B-B14F-4D97-AF65-F5344CB8AC3E}">
+        <p14:creationId xmlns:p14="http://schemas.microsoft.com/office/powerpoint/2010/main" val="286049027"/>
+      </p:ext>
+    </p:extLst>
+  </p:cSld>
+  <p:clrMapOvr>
+    <a:masterClrMapping/>
+  </p:clrMapOvr>
+  <mc:AlternateContent xmlns:mc="http://schemas.openxmlformats.org/markup-compatibility/2006" xmlns:p14="http://schemas.microsoft.com/office/powerpoint/2010/main">
+    <mc:Choice Requires="p14">
+      <p:transition spd="med" p14:dur="700">
+        <p:fade/>
+      </p:transition>
+    </mc:Choice>
+    <mc:Fallback xmlns="">
+      <p:transition spd="med">
+        <p:fade/>
+      </p:transition>
+    </mc:Fallback>
+  </mc:AlternateContent>
+</p:sld>
+</file>
+
+<file path=ppt/slides/slide53.xml><?xml version="1.0" encoding="utf-8"?>
+<p:sld xmlns:a="http://schemas.openxmlformats.org/drawingml/2006/main" xmlns:r="http://schemas.openxmlformats.org/officeDocument/2006/relationships" xmlns:p="http://schemas.openxmlformats.org/presentationml/2006/main">
+  <p:cSld>
+    <p:spTree>
+      <p:nvGrpSpPr>
+        <p:cNvPr id="1" name=""/>
+        <p:cNvGrpSpPr/>
+        <p:nvPr/>
+      </p:nvGrpSpPr>
+      <p:grpSpPr>
+        <a:xfrm>
+          <a:off x="0" y="0"/>
+          <a:ext cx="0" cy="0"/>
+          <a:chOff x="0" y="0"/>
+          <a:chExt cx="0" cy="0"/>
+        </a:xfrm>
+      </p:grpSpPr>
+      <p:sp>
+        <p:nvSpPr>
+          <p:cNvPr id="2" name="Titel 1"/>
+          <p:cNvSpPr>
+            <a:spLocks noGrp="1"/>
+          </p:cNvSpPr>
+          <p:nvPr>
+            <p:ph type="title"/>
+          </p:nvPr>
+        </p:nvSpPr>
+        <p:spPr/>
+        <p:txBody>
+          <a:bodyPr/>
+          <a:lstStyle/>
+          <a:p>
+            <a:r>
+              <a:rPr lang="en-US" dirty="0"/>
+              <a:t>Simple ASP.NET</a:t>
+            </a:r>
+            <a:endParaRPr lang="de-AT" dirty="0"/>
+          </a:p>
+        </p:txBody>
+      </p:sp>
+      <p:sp>
+        <p:nvSpPr>
+          <p:cNvPr id="3" name="Inhaltsplatzhalter 2"/>
+          <p:cNvSpPr>
+            <a:spLocks noGrp="1"/>
+          </p:cNvSpPr>
+          <p:nvPr>
+            <p:ph sz="quarter" idx="22"/>
+          </p:nvPr>
+        </p:nvSpPr>
+        <p:spPr/>
+        <p:txBody>
+          <a:bodyPr/>
+          <a:lstStyle/>
+          <a:p>
+            <a:r>
+              <a:rPr lang="en-US" dirty="0"/>
+              <a:t>FROM </a:t>
+            </a:r>
+            <a:r>
+              <a:rPr lang="en-US" dirty="0" err="1"/>
+              <a:t>microsoft</a:t>
+            </a:r>
+            <a:r>
+              <a:rPr lang="en-US" dirty="0"/>
+              <a:t>/</a:t>
+            </a:r>
+            <a:r>
+              <a:rPr lang="en-US" dirty="0" err="1"/>
+              <a:t>aspnet</a:t>
+            </a:r>
+            <a:endParaRPr lang="en-US" dirty="0"/>
+          </a:p>
+          <a:p>
+            <a:endParaRPr lang="en-US" dirty="0"/>
+          </a:p>
+          <a:p>
+            <a:r>
+              <a:rPr lang="en-US" dirty="0"/>
+              <a:t>RUN apt-get install -y curl</a:t>
+            </a:r>
+          </a:p>
+          <a:p>
+            <a:r>
+              <a:rPr lang="en-US" dirty="0"/>
+              <a:t>RUN curl -</a:t>
+            </a:r>
+            <a:r>
+              <a:rPr lang="en-US" dirty="0" err="1"/>
+              <a:t>sL</a:t>
+            </a:r>
+            <a:r>
+              <a:rPr lang="en-US" dirty="0"/>
+              <a:t> https://deb.nodesource.com/setup_5.x | bash -</a:t>
+            </a:r>
+          </a:p>
+          <a:p>
+            <a:r>
+              <a:rPr lang="en-US" dirty="0"/>
+              <a:t>RUN apt-get install -y </a:t>
+            </a:r>
+            <a:r>
+              <a:rPr lang="en-US" dirty="0" err="1"/>
+              <a:t>nodejs</a:t>
+            </a:r>
+            <a:endParaRPr lang="en-US" dirty="0"/>
+          </a:p>
+          <a:p>
+            <a:endParaRPr lang="en-US" dirty="0"/>
+          </a:p>
+          <a:p>
+            <a:r>
+              <a:rPr lang="en-US" dirty="0"/>
+              <a:t>COPY ./my-web /</a:t>
+            </a:r>
+            <a:r>
+              <a:rPr lang="en-US" dirty="0" err="1"/>
+              <a:t>src</a:t>
+            </a:r>
+            <a:endParaRPr lang="en-US" dirty="0"/>
+          </a:p>
+          <a:p>
+            <a:endParaRPr lang="en-US" dirty="0"/>
+          </a:p>
+          <a:p>
+            <a:r>
+              <a:rPr lang="en-US" dirty="0"/>
+              <a:t>RUN cd /</a:t>
+            </a:r>
+            <a:r>
+              <a:rPr lang="en-US" dirty="0" err="1"/>
+              <a:t>src</a:t>
+            </a:r>
+            <a:r>
+              <a:rPr lang="en-US" dirty="0"/>
+              <a:t> &amp;&amp; </a:t>
+            </a:r>
+            <a:r>
+              <a:rPr lang="en-US" dirty="0" err="1"/>
+              <a:t>dnu</a:t>
+            </a:r>
+            <a:r>
+              <a:rPr lang="en-US" dirty="0"/>
+              <a:t> restore</a:t>
+            </a:r>
+          </a:p>
+          <a:p>
+            <a:endParaRPr lang="en-US" dirty="0"/>
+          </a:p>
+          <a:p>
+            <a:r>
+              <a:rPr lang="en-US" dirty="0"/>
+              <a:t>EXPOSE 5000</a:t>
+            </a:r>
+          </a:p>
+          <a:p>
+            <a:endParaRPr lang="en-US" dirty="0"/>
+          </a:p>
+          <a:p>
+            <a:r>
+              <a:rPr lang="en-US" dirty="0"/>
+              <a:t>WORKDIR /</a:t>
+            </a:r>
+            <a:r>
+              <a:rPr lang="en-US" dirty="0" err="1"/>
+              <a:t>src</a:t>
+            </a:r>
+            <a:endParaRPr lang="en-US" dirty="0"/>
+          </a:p>
+          <a:p>
+            <a:r>
+              <a:rPr lang="en-US" dirty="0"/>
+              <a:t>CMD ["</a:t>
+            </a:r>
+            <a:r>
+              <a:rPr lang="en-US" dirty="0" err="1"/>
+              <a:t>dnx</a:t>
+            </a:r>
+            <a:r>
+              <a:rPr lang="en-US" dirty="0"/>
+              <a:t>", "web"]</a:t>
+            </a:r>
+          </a:p>
+        </p:txBody>
+      </p:sp>
+      <p:sp>
+        <p:nvSpPr>
+          <p:cNvPr id="4" name="Textplatzhalter 3"/>
+          <p:cNvSpPr>
+            <a:spLocks noGrp="1"/>
+          </p:cNvSpPr>
+          <p:nvPr>
+            <p:ph type="body" sz="quarter" idx="23"/>
+          </p:nvPr>
+        </p:nvSpPr>
+        <p:spPr/>
+        <p:txBody>
+          <a:bodyPr/>
+          <a:lstStyle/>
+          <a:p>
+            <a:r>
+              <a:rPr lang="en-US" dirty="0" err="1"/>
+              <a:t>Dockerfile</a:t>
+            </a:r>
+            <a:endParaRPr lang="de-AT" dirty="0"/>
+          </a:p>
+        </p:txBody>
+      </p:sp>
+      <p:sp>
+        <p:nvSpPr>
+          <p:cNvPr id="5" name="Textplatzhalter 4"/>
+          <p:cNvSpPr>
+            <a:spLocks noGrp="1"/>
+          </p:cNvSpPr>
+          <p:nvPr>
+            <p:ph type="body" sz="quarter" idx="24"/>
+          </p:nvPr>
+        </p:nvSpPr>
+        <p:spPr/>
+        <p:txBody>
+          <a:bodyPr/>
+          <a:lstStyle/>
+          <a:p>
+            <a:endParaRPr lang="de-AT"/>
+          </a:p>
+        </p:txBody>
+      </p:sp>
+      <p:sp>
+        <p:nvSpPr>
+          <p:cNvPr id="6" name="Textplatzhalter 5"/>
+          <p:cNvSpPr>
+            <a:spLocks noGrp="1"/>
+          </p:cNvSpPr>
+          <p:nvPr>
+            <p:ph type="body" sz="quarter" idx="25"/>
+          </p:nvPr>
+        </p:nvSpPr>
+        <p:spPr/>
+        <p:txBody>
+          <a:bodyPr/>
+          <a:lstStyle/>
+          <a:p>
+            <a:r>
+              <a:rPr lang="en-US" dirty="0"/>
+              <a:t>Sample files see </a:t>
+            </a:r>
+            <a:r>
+              <a:rPr lang="en-US" dirty="0">
+                <a:hlinkClick r:id="rId2"/>
+              </a:rPr>
+              <a:t>https://github.com/rstropek/DockerVS2015Intro/tree/master/dockerDemos/04-aspnet</a:t>
+            </a:r>
+            <a:r>
+              <a:rPr lang="en-US" dirty="0"/>
+              <a:t> </a:t>
+            </a:r>
+            <a:endParaRPr lang="de-AT" dirty="0"/>
+          </a:p>
+        </p:txBody>
+      </p:sp>
+    </p:spTree>
+    <p:extLst>
+      <p:ext uri="{BB962C8B-B14F-4D97-AF65-F5344CB8AC3E}">
+        <p14:creationId xmlns:p14="http://schemas.microsoft.com/office/powerpoint/2010/main" val="906093209"/>
+      </p:ext>
+    </p:extLst>
+  </p:cSld>
+  <p:clrMapOvr>
+    <a:masterClrMapping/>
+  </p:clrMapOvr>
+  <p:transition spd="slow">
+    <p:push/>
+  </p:transition>
+</p:sld>
+</file>
+
+<file path=ppt/slides/slide54.xml><?xml version="1.0" encoding="utf-8"?>
+<p:sld xmlns:a="http://schemas.openxmlformats.org/drawingml/2006/main" xmlns:r="http://schemas.openxmlformats.org/officeDocument/2006/relationships" xmlns:p="http://schemas.openxmlformats.org/presentationml/2006/main">
+  <p:cSld>
+    <p:spTree>
+      <p:nvGrpSpPr>
+        <p:cNvPr id="1" name=""/>
+        <p:cNvGrpSpPr/>
+        <p:nvPr/>
+      </p:nvGrpSpPr>
+      <p:grpSpPr>
+        <a:xfrm>
+          <a:off x="0" y="0"/>
+          <a:ext cx="0" cy="0"/>
+          <a:chOff x="0" y="0"/>
+          <a:chExt cx="0" cy="0"/>
+        </a:xfrm>
+      </p:grpSpPr>
+      <p:sp>
+        <p:nvSpPr>
+          <p:cNvPr id="2" name="Titel 1"/>
+          <p:cNvSpPr>
+            <a:spLocks noGrp="1"/>
+          </p:cNvSpPr>
+          <p:nvPr>
+            <p:ph type="title"/>
+          </p:nvPr>
+        </p:nvSpPr>
+        <p:spPr/>
+        <p:txBody>
+          <a:bodyPr/>
+          <a:lstStyle/>
+          <a:p>
+            <a:r>
+              <a:rPr lang="en-US" dirty="0"/>
+              <a:t>Simple ASP.NET</a:t>
+            </a:r>
+            <a:endParaRPr lang="de-AT" dirty="0"/>
+          </a:p>
+        </p:txBody>
+      </p:sp>
+      <p:sp>
+        <p:nvSpPr>
+          <p:cNvPr id="3" name="Inhaltsplatzhalter 2"/>
+          <p:cNvSpPr>
+            <a:spLocks noGrp="1"/>
+          </p:cNvSpPr>
+          <p:nvPr>
+            <p:ph sz="quarter" idx="22"/>
+          </p:nvPr>
+        </p:nvSpPr>
+        <p:spPr/>
+        <p:txBody>
+          <a:bodyPr/>
+          <a:lstStyle/>
+          <a:p>
+            <a:r>
+              <a:rPr lang="en-US" dirty="0"/>
+              <a:t># Generate an ASP.NET web app</a:t>
+            </a:r>
+          </a:p>
+          <a:p>
+            <a:r>
+              <a:rPr lang="en-US" dirty="0" err="1"/>
+              <a:t>yo</a:t>
+            </a:r>
+            <a:r>
+              <a:rPr lang="en-US" dirty="0"/>
+              <a:t> </a:t>
+            </a:r>
+            <a:r>
+              <a:rPr lang="en-US" dirty="0" err="1"/>
+              <a:t>aspnet</a:t>
+            </a:r>
+            <a:r>
+              <a:rPr lang="en-US" dirty="0"/>
+              <a:t> </a:t>
+            </a:r>
+            <a:r>
+              <a:rPr lang="en-US" dirty="0" err="1"/>
+              <a:t>webbasic</a:t>
+            </a:r>
+            <a:r>
+              <a:rPr lang="en-US" dirty="0"/>
+              <a:t> "my-web"</a:t>
+            </a:r>
+          </a:p>
+          <a:p>
+            <a:endParaRPr lang="en-US" dirty="0"/>
+          </a:p>
+          <a:p>
+            <a:r>
+              <a:rPr lang="en-US" dirty="0"/>
+              <a:t># Add “</a:t>
+            </a:r>
+            <a:r>
+              <a:rPr lang="de-AT" dirty="0"/>
+              <a:t>--</a:t>
+            </a:r>
+            <a:r>
+              <a:rPr lang="de-AT" dirty="0" err="1"/>
+              <a:t>server.urls</a:t>
+            </a:r>
+            <a:r>
+              <a:rPr lang="de-AT" dirty="0"/>
+              <a:t>=http://*:5000/“ </a:t>
+            </a:r>
+            <a:r>
+              <a:rPr lang="de-AT" dirty="0" err="1"/>
+              <a:t>to</a:t>
+            </a:r>
+            <a:r>
+              <a:rPr lang="de-AT" dirty="0"/>
+              <a:t> </a:t>
+            </a:r>
+            <a:r>
+              <a:rPr lang="de-AT" dirty="0" err="1"/>
+              <a:t>project.json</a:t>
+            </a:r>
+            <a:r>
+              <a:rPr lang="de-AT" dirty="0"/>
+              <a:t> so</a:t>
+            </a:r>
+          </a:p>
+          <a:p>
+            <a:r>
+              <a:rPr lang="en-US" dirty="0"/>
+              <a:t># that ASP.NET listens not only on localhost</a:t>
+            </a:r>
+          </a:p>
+          <a:p>
+            <a:endParaRPr lang="en-US" dirty="0"/>
+          </a:p>
+          <a:p>
+            <a:r>
+              <a:rPr lang="en-US" dirty="0"/>
+              <a:t># Build image with sample app</a:t>
+            </a:r>
+          </a:p>
+          <a:p>
+            <a:r>
+              <a:rPr lang="de-AT" dirty="0" err="1"/>
+              <a:t>docker</a:t>
+            </a:r>
+            <a:r>
+              <a:rPr lang="de-AT" dirty="0"/>
+              <a:t> </a:t>
+            </a:r>
+            <a:r>
+              <a:rPr lang="de-AT" dirty="0" err="1"/>
+              <a:t>build</a:t>
+            </a:r>
+            <a:r>
+              <a:rPr lang="de-AT" dirty="0"/>
+              <a:t> -t </a:t>
+            </a:r>
+            <a:r>
+              <a:rPr lang="de-AT" dirty="0" err="1"/>
+              <a:t>rainer:myweb</a:t>
+            </a:r>
+            <a:r>
+              <a:rPr lang="de-AT" dirty="0"/>
+              <a:t> .</a:t>
+            </a:r>
+          </a:p>
+          <a:p>
+            <a:endParaRPr lang="en-US" dirty="0"/>
+          </a:p>
+          <a:p>
+            <a:r>
+              <a:rPr lang="en-US" dirty="0"/>
+              <a:t># Run ASP.NET container</a:t>
+            </a:r>
+          </a:p>
+          <a:p>
+            <a:r>
+              <a:rPr lang="de-AT" dirty="0" err="1"/>
+              <a:t>docker</a:t>
+            </a:r>
+            <a:r>
+              <a:rPr lang="de-AT" dirty="0"/>
+              <a:t> </a:t>
+            </a:r>
+            <a:r>
+              <a:rPr lang="de-AT" dirty="0" err="1"/>
+              <a:t>run</a:t>
+            </a:r>
+            <a:r>
+              <a:rPr lang="de-AT" dirty="0"/>
+              <a:t> -d -p 80:5000 </a:t>
+            </a:r>
+            <a:r>
+              <a:rPr lang="de-AT" dirty="0" err="1"/>
+              <a:t>rainer:myweb</a:t>
+            </a:r>
+            <a:endParaRPr lang="de-AT" dirty="0"/>
+          </a:p>
+        </p:txBody>
+      </p:sp>
+      <p:sp>
+        <p:nvSpPr>
+          <p:cNvPr id="4" name="Textplatzhalter 3"/>
+          <p:cNvSpPr>
+            <a:spLocks noGrp="1"/>
+          </p:cNvSpPr>
+          <p:nvPr>
+            <p:ph type="body" sz="quarter" idx="23"/>
+          </p:nvPr>
+        </p:nvSpPr>
+        <p:spPr/>
+        <p:txBody>
+          <a:bodyPr/>
+          <a:lstStyle/>
+          <a:p>
+            <a:endParaRPr lang="de-AT"/>
+          </a:p>
+        </p:txBody>
+      </p:sp>
+      <p:sp>
+        <p:nvSpPr>
+          <p:cNvPr id="5" name="Textplatzhalter 4"/>
+          <p:cNvSpPr>
+            <a:spLocks noGrp="1"/>
+          </p:cNvSpPr>
+          <p:nvPr>
+            <p:ph type="body" sz="quarter" idx="24"/>
+          </p:nvPr>
+        </p:nvSpPr>
+        <p:spPr/>
+        <p:txBody>
+          <a:bodyPr/>
+          <a:lstStyle/>
+          <a:p>
+            <a:endParaRPr lang="de-AT"/>
+          </a:p>
+        </p:txBody>
+      </p:sp>
+      <p:sp>
+        <p:nvSpPr>
+          <p:cNvPr id="6" name="Textplatzhalter 5"/>
+          <p:cNvSpPr>
+            <a:spLocks noGrp="1"/>
+          </p:cNvSpPr>
+          <p:nvPr>
+            <p:ph type="body" sz="quarter" idx="25"/>
+          </p:nvPr>
+        </p:nvSpPr>
+        <p:spPr/>
+        <p:txBody>
+          <a:bodyPr/>
+          <a:lstStyle/>
+          <a:p>
+            <a:r>
+              <a:rPr lang="en-US" dirty="0"/>
+              <a:t>Sample files see </a:t>
+            </a:r>
+            <a:r>
+              <a:rPr lang="en-US" dirty="0">
+                <a:hlinkClick r:id="rId2"/>
+              </a:rPr>
+              <a:t>https://</a:t>
+            </a:r>
+            <a:r>
+              <a:rPr lang="en-US">
+                <a:hlinkClick r:id="rId2"/>
+              </a:rPr>
+              <a:t>github.com/rstropek/DockerVS2015Intro/tree/master/dockerDemos/04-aspnet</a:t>
+            </a:r>
+            <a:r>
+              <a:rPr lang="en-US"/>
+              <a:t> </a:t>
+            </a:r>
+            <a:endParaRPr lang="de-AT"/>
+          </a:p>
+        </p:txBody>
+      </p:sp>
+    </p:spTree>
+    <p:extLst>
+      <p:ext uri="{BB962C8B-B14F-4D97-AF65-F5344CB8AC3E}">
+        <p14:creationId xmlns:p14="http://schemas.microsoft.com/office/powerpoint/2010/main" val="3273169084"/>
+      </p:ext>
+    </p:extLst>
+  </p:cSld>
+  <p:clrMapOvr>
+    <a:masterClrMapping/>
+  </p:clrMapOvr>
+  <p:transition spd="slow">
+    <p:push/>
+  </p:transition>
+</p:sld>
+</file>
+
+<file path=ppt/slides/slide55.xml><?xml version="1.0" encoding="utf-8"?>
+<p:sld xmlns:a="http://schemas.openxmlformats.org/drawingml/2006/main" xmlns:r="http://schemas.openxmlformats.org/officeDocument/2006/relationships" xmlns:p="http://schemas.openxmlformats.org/presentationml/2006/main">
+  <p:cSld>
+    <p:spTree>
+      <p:nvGrpSpPr>
+        <p:cNvPr id="1" name=""/>
+        <p:cNvGrpSpPr/>
+        <p:nvPr/>
+      </p:nvGrpSpPr>
+      <p:grpSpPr>
+        <a:xfrm>
+          <a:off x="0" y="0"/>
+          <a:ext cx="0" cy="0"/>
+          <a:chOff x="0" y="0"/>
+          <a:chExt cx="0" cy="0"/>
+        </a:xfrm>
+      </p:grpSpPr>
+      <p:sp>
+        <p:nvSpPr>
           <p:cNvPr id="4" name="Titel 3"/>
           <p:cNvSpPr>
             <a:spLocks noGrp="1"/>
@@ -45204,7 +46328,7 @@
 </p:sld>
 </file>
 
-<file path=ppt/slides/slide53.xml><?xml version="1.0" encoding="utf-8"?>
+<file path=ppt/slides/slide56.xml><?xml version="1.0" encoding="utf-8"?>
 <p:sld xmlns:a="http://schemas.openxmlformats.org/drawingml/2006/main" xmlns:r="http://schemas.openxmlformats.org/officeDocument/2006/relationships" xmlns:p="http://schemas.openxmlformats.org/presentationml/2006/main">
   <p:cSld>
     <p:spTree>
@@ -45351,7 +46475,7 @@
 </p:sld>
 </file>
 
-<file path=ppt/slides/slide54.xml><?xml version="1.0" encoding="utf-8"?>
+<file path=ppt/slides/slide57.xml><?xml version="1.0" encoding="utf-8"?>
 <p:sld xmlns:a="http://schemas.openxmlformats.org/drawingml/2006/main" xmlns:r="http://schemas.openxmlformats.org/officeDocument/2006/relationships" xmlns:p="http://schemas.openxmlformats.org/presentationml/2006/main">
   <p:cSld>
     <p:spTree>
@@ -45630,7 +46754,7 @@
       </p:grpSpPr>
       <p:sp>
         <p:nvSpPr>
-          <p:cNvPr id="2" name="Title 1"/>
+          <p:cNvPr id="5" name="Title 4"/>
           <p:cNvSpPr>
             <a:spLocks noGrp="1"/>
           </p:cNvSpPr>
@@ -45645,115 +46769,14 @@
           <a:p>
             <a:r>
               <a:rPr lang="en-US" dirty="0"/>
-              <a:t>Docker‘s Technical Components</a:t>
+              <a:t>Strengths and Limits</a:t>
             </a:r>
           </a:p>
         </p:txBody>
       </p:sp>
       <p:sp>
         <p:nvSpPr>
-          <p:cNvPr id="3" name="Content Placeholder 2"/>
-          <p:cNvSpPr>
-            <a:spLocks noGrp="1"/>
-          </p:cNvSpPr>
-          <p:nvPr>
-            <p:ph sz="quarter" idx="12"/>
-          </p:nvPr>
-        </p:nvSpPr>
-        <p:spPr/>
-        <p:txBody>
-          <a:bodyPr/>
-          <a:lstStyle/>
-          <a:p>
-            <a:r>
-              <a:rPr lang="en-US" dirty="0"/>
-              <a:t>Linux container format (</a:t>
-            </a:r>
-            <a:r>
-              <a:rPr lang="en-US" dirty="0" err="1">
-                <a:latin typeface="Courier New" panose="02070309020205020404" pitchFamily="49" charset="0"/>
-                <a:cs typeface="Courier New" panose="02070309020205020404" pitchFamily="49" charset="0"/>
-              </a:rPr>
-              <a:t>libcontainer</a:t>
-            </a:r>
-            <a:r>
-              <a:rPr lang="en-US" dirty="0"/>
-              <a:t>)</a:t>
-            </a:r>
-          </a:p>
-          <a:p>
-            <a:r>
-              <a:rPr lang="en-US" dirty="0"/>
-              <a:t>Isolation layers</a:t>
-            </a:r>
-          </a:p>
-          <a:p>
-            <a:pPr lvl="1"/>
-            <a:r>
-              <a:rPr lang="en-US" dirty="0"/>
-              <a:t>Filesystem – each container has its own filesystem (layered, copy-on-write)</a:t>
-            </a:r>
-          </a:p>
-          <a:p>
-            <a:pPr lvl="1"/>
-            <a:r>
-              <a:rPr lang="en-US" dirty="0"/>
-              <a:t>Processes – each container has its own process environment</a:t>
-            </a:r>
-          </a:p>
-          <a:p>
-            <a:pPr lvl="1"/>
-            <a:r>
-              <a:rPr lang="en-US" dirty="0"/>
-              <a:t>Network – separate virtual network interfaces</a:t>
-            </a:r>
-          </a:p>
-          <a:p>
-            <a:pPr lvl="1"/>
-            <a:r>
-              <a:rPr lang="en-US" dirty="0"/>
-              <a:t>Resources – individually allocated CPUs, memory</a:t>
-            </a:r>
-          </a:p>
-          <a:p>
-            <a:r>
-              <a:rPr lang="en-US" dirty="0"/>
-              <a:t>Logging</a:t>
-            </a:r>
-          </a:p>
-          <a:p>
-            <a:pPr lvl="1"/>
-            <a:r>
-              <a:rPr lang="en-US" dirty="0"/>
-              <a:t>STDOUT, STDERR, STDIN are logged for analysis purposes</a:t>
-            </a:r>
-          </a:p>
-          <a:p>
-            <a:r>
-              <a:rPr lang="en-US" dirty="0"/>
-              <a:t>Interactive shell</a:t>
-            </a:r>
-          </a:p>
-          <a:p>
-            <a:pPr lvl="1"/>
-            <a:r>
-              <a:rPr lang="en-US" dirty="0"/>
-              <a:t>Pseudo-</a:t>
-            </a:r>
-            <a:r>
-              <a:rPr lang="en-US" dirty="0" err="1"/>
-              <a:t>tty</a:t>
-            </a:r>
-            <a:r>
-              <a:rPr lang="en-US" dirty="0"/>
-              <a:t> attached to STDIN</a:t>
-            </a:r>
-          </a:p>
-        </p:txBody>
-      </p:sp>
-      <p:sp>
-        <p:nvSpPr>
-          <p:cNvPr id="4" name="Text Placeholder 3"/>
+          <p:cNvPr id="6" name="Text Placeholder 5"/>
           <p:cNvSpPr>
             <a:spLocks noGrp="1"/>
           </p:cNvSpPr>
@@ -45770,10 +46793,887 @@
           </a:p>
         </p:txBody>
       </p:sp>
+      <p:sp>
+        <p:nvSpPr>
+          <p:cNvPr id="7" name="Text Placeholder 6"/>
+          <p:cNvSpPr>
+            <a:spLocks noGrp="1"/>
+          </p:cNvSpPr>
+          <p:nvPr>
+            <p:ph type="body" sz="quarter" idx="24"/>
+          </p:nvPr>
+        </p:nvSpPr>
+        <p:spPr/>
+        <p:txBody>
+          <a:bodyPr/>
+          <a:lstStyle/>
+          <a:p>
+            <a:r>
+              <a:rPr lang="en-US" dirty="0"/>
+              <a:t>Windows Server vs. </a:t>
+            </a:r>
+            <a:br>
+              <a:rPr lang="en-US" dirty="0"/>
+            </a:br>
+            <a:r>
+              <a:rPr lang="en-US" dirty="0"/>
+              <a:t>Hyper-V Containers</a:t>
+            </a:r>
+          </a:p>
+          <a:p>
+            <a:pPr lvl="1"/>
+            <a:r>
+              <a:rPr lang="en-US" dirty="0"/>
+              <a:t>Managed almost identically (Docker and PowerShell)</a:t>
+            </a:r>
+          </a:p>
+          <a:p>
+            <a:pPr lvl="1"/>
+            <a:r>
+              <a:rPr lang="en-US" dirty="0"/>
+              <a:t>Difference: Isolation level</a:t>
+            </a:r>
+          </a:p>
+          <a:p>
+            <a:pPr lvl="1"/>
+            <a:r>
+              <a:rPr lang="en-US" dirty="0"/>
+              <a:t>More details in </a:t>
+            </a:r>
+            <a:r>
+              <a:rPr lang="en-US" dirty="0">
+                <a:hlinkClick r:id="rId2"/>
+              </a:rPr>
+              <a:t>MSDN</a:t>
+            </a:r>
+            <a:endParaRPr lang="en-US" dirty="0"/>
+          </a:p>
+        </p:txBody>
+      </p:sp>
+      <p:sp>
+        <p:nvSpPr>
+          <p:cNvPr id="8" name="Text Placeholder 7"/>
+          <p:cNvSpPr>
+            <a:spLocks noGrp="1"/>
+          </p:cNvSpPr>
+          <p:nvPr>
+            <p:ph type="body" sz="quarter" idx="25"/>
+          </p:nvPr>
+        </p:nvSpPr>
+        <p:spPr/>
+        <p:txBody>
+          <a:bodyPr/>
+          <a:lstStyle/>
+          <a:p>
+            <a:r>
+              <a:rPr lang="en-US" dirty="0"/>
+              <a:t>Source: Mark </a:t>
+            </a:r>
+            <a:r>
+              <a:rPr lang="en-US" dirty="0" err="1"/>
+              <a:t>Fussel</a:t>
+            </a:r>
+            <a:r>
+              <a:rPr lang="en-US" dirty="0"/>
+              <a:t> (Microsoft), Azure Service Fabric - </a:t>
+            </a:r>
+            <a:br>
+              <a:rPr lang="en-US" dirty="0"/>
+            </a:br>
+            <a:r>
+              <a:rPr lang="en-US" dirty="0"/>
+              <a:t>Build always-on, hyper-scalable, </a:t>
+            </a:r>
+            <a:r>
+              <a:rPr lang="en-US" dirty="0" err="1"/>
+              <a:t>microservice</a:t>
+            </a:r>
+            <a:r>
+              <a:rPr lang="en-US" dirty="0"/>
+              <a:t>-based cloud applications</a:t>
+            </a:r>
+          </a:p>
+        </p:txBody>
+      </p:sp>
+      <p:sp>
+        <p:nvSpPr>
+          <p:cNvPr id="26" name="Rectangle 25"/>
+          <p:cNvSpPr/>
+          <p:nvPr/>
+        </p:nvSpPr>
+        <p:spPr>
+          <a:xfrm>
+            <a:off x="263185" y="1386785"/>
+            <a:ext cx="5439162" cy="1005503"/>
+          </a:xfrm>
+          <a:prstGeom prst="rect">
+            <a:avLst/>
+          </a:prstGeom>
+        </p:spPr>
+        <p:style>
+          <a:lnRef idx="2">
+            <a:schemeClr val="dk1"/>
+          </a:lnRef>
+          <a:fillRef idx="1">
+            <a:schemeClr val="lt1"/>
+          </a:fillRef>
+          <a:effectRef idx="0">
+            <a:schemeClr val="dk1"/>
+          </a:effectRef>
+          <a:fontRef idx="minor">
+            <a:schemeClr val="dk1"/>
+          </a:fontRef>
+        </p:style>
+        <p:txBody>
+          <a:bodyPr rtlCol="0" anchor="ctr"/>
+          <a:lstStyle/>
+          <a:p>
+            <a:pPr algn="ctr"/>
+            <a:endParaRPr lang="en-US" dirty="0"/>
+          </a:p>
+        </p:txBody>
+      </p:sp>
+      <p:sp>
+        <p:nvSpPr>
+          <p:cNvPr id="27" name="Rectangle 26"/>
+          <p:cNvSpPr/>
+          <p:nvPr/>
+        </p:nvSpPr>
+        <p:spPr>
+          <a:xfrm>
+            <a:off x="263185" y="2595300"/>
+            <a:ext cx="5439162" cy="1005503"/>
+          </a:xfrm>
+          <a:prstGeom prst="rect">
+            <a:avLst/>
+          </a:prstGeom>
+        </p:spPr>
+        <p:style>
+          <a:lnRef idx="2">
+            <a:schemeClr val="dk1"/>
+          </a:lnRef>
+          <a:fillRef idx="1">
+            <a:schemeClr val="lt1"/>
+          </a:fillRef>
+          <a:effectRef idx="0">
+            <a:schemeClr val="dk1"/>
+          </a:effectRef>
+          <a:fontRef idx="minor">
+            <a:schemeClr val="dk1"/>
+          </a:fontRef>
+        </p:style>
+        <p:txBody>
+          <a:bodyPr rtlCol="0" anchor="ctr"/>
+          <a:lstStyle/>
+          <a:p>
+            <a:pPr algn="ctr"/>
+            <a:endParaRPr lang="en-US" dirty="0"/>
+          </a:p>
+        </p:txBody>
+      </p:sp>
+      <p:sp>
+        <p:nvSpPr>
+          <p:cNvPr id="28" name="TextBox 27"/>
+          <p:cNvSpPr txBox="1"/>
+          <p:nvPr/>
+        </p:nvSpPr>
+        <p:spPr>
+          <a:xfrm rot="16200000">
+            <a:off x="175501" y="1751035"/>
+            <a:ext cx="550151" cy="276999"/>
+          </a:xfrm>
+          <a:prstGeom prst="rect">
+            <a:avLst/>
+          </a:prstGeom>
+          <a:noFill/>
+        </p:spPr>
+        <p:txBody>
+          <a:bodyPr wrap="none" rtlCol="0">
+            <a:spAutoFit/>
+          </a:bodyPr>
+          <a:lstStyle/>
+          <a:p>
+            <a:pPr algn="ctr"/>
+            <a:r>
+              <a:rPr lang="en-US" sz="1200" dirty="0">
+                <a:solidFill>
+                  <a:schemeClr val="tx1"/>
+                </a:solidFill>
+              </a:rPr>
+              <a:t>Linux</a:t>
+            </a:r>
+          </a:p>
+        </p:txBody>
+      </p:sp>
+      <p:sp>
+        <p:nvSpPr>
+          <p:cNvPr id="29" name="TextBox 28"/>
+          <p:cNvSpPr txBox="1"/>
+          <p:nvPr/>
+        </p:nvSpPr>
+        <p:spPr>
+          <a:xfrm rot="16200000">
+            <a:off x="44535" y="2959551"/>
+            <a:ext cx="806631" cy="276999"/>
+          </a:xfrm>
+          <a:prstGeom prst="rect">
+            <a:avLst/>
+          </a:prstGeom>
+          <a:noFill/>
+        </p:spPr>
+        <p:txBody>
+          <a:bodyPr wrap="none" rtlCol="0">
+            <a:spAutoFit/>
+          </a:bodyPr>
+          <a:lstStyle/>
+          <a:p>
+            <a:pPr algn="ctr"/>
+            <a:r>
+              <a:rPr lang="en-US" sz="1200" dirty="0">
+                <a:solidFill>
+                  <a:schemeClr val="tx1"/>
+                </a:solidFill>
+              </a:rPr>
+              <a:t>Windows</a:t>
+            </a:r>
+          </a:p>
+        </p:txBody>
+      </p:sp>
+      <p:sp>
+        <p:nvSpPr>
+          <p:cNvPr id="32" name="Rectangle 31"/>
+          <p:cNvSpPr/>
+          <p:nvPr/>
+        </p:nvSpPr>
+        <p:spPr>
+          <a:xfrm>
+            <a:off x="705201" y="1491384"/>
+            <a:ext cx="1049367" cy="597228"/>
+          </a:xfrm>
+          <a:prstGeom prst="rect">
+            <a:avLst/>
+          </a:prstGeom>
+        </p:spPr>
+        <p:style>
+          <a:lnRef idx="1">
+            <a:schemeClr val="accent1"/>
+          </a:lnRef>
+          <a:fillRef idx="2">
+            <a:schemeClr val="accent1"/>
+          </a:fillRef>
+          <a:effectRef idx="1">
+            <a:schemeClr val="accent1"/>
+          </a:effectRef>
+          <a:fontRef idx="minor">
+            <a:schemeClr val="dk1"/>
+          </a:fontRef>
+        </p:style>
+        <p:txBody>
+          <a:bodyPr rtlCol="0" anchor="ctr"/>
+          <a:lstStyle/>
+          <a:p>
+            <a:pPr algn="ctr"/>
+            <a:r>
+              <a:rPr lang="en-US" sz="1200" dirty="0">
+                <a:solidFill>
+                  <a:schemeClr val="tx1"/>
+                </a:solidFill>
+              </a:rPr>
+              <a:t>Process</a:t>
+            </a:r>
+          </a:p>
+        </p:txBody>
+      </p:sp>
+      <p:sp>
+        <p:nvSpPr>
+          <p:cNvPr id="33" name="Rectangle 32"/>
+          <p:cNvSpPr/>
+          <p:nvPr/>
+        </p:nvSpPr>
+        <p:spPr>
+          <a:xfrm>
+            <a:off x="1967702" y="1491384"/>
+            <a:ext cx="1049367" cy="597228"/>
+          </a:xfrm>
+          <a:prstGeom prst="rect">
+            <a:avLst/>
+          </a:prstGeom>
+        </p:spPr>
+        <p:style>
+          <a:lnRef idx="1">
+            <a:schemeClr val="accent1"/>
+          </a:lnRef>
+          <a:fillRef idx="2">
+            <a:schemeClr val="accent1"/>
+          </a:fillRef>
+          <a:effectRef idx="1">
+            <a:schemeClr val="accent1"/>
+          </a:effectRef>
+          <a:fontRef idx="minor">
+            <a:schemeClr val="dk1"/>
+          </a:fontRef>
+        </p:style>
+        <p:txBody>
+          <a:bodyPr rtlCol="0" anchor="ctr"/>
+          <a:lstStyle/>
+          <a:p>
+            <a:pPr algn="ctr"/>
+            <a:r>
+              <a:rPr lang="en-US" sz="1200" dirty="0">
+                <a:solidFill>
+                  <a:schemeClr val="tx1"/>
+                </a:solidFill>
+              </a:rPr>
+              <a:t>Linux Container</a:t>
+            </a:r>
+          </a:p>
+        </p:txBody>
+      </p:sp>
+      <p:sp>
+        <p:nvSpPr>
+          <p:cNvPr id="34" name="Rectangle 33"/>
+          <p:cNvSpPr/>
+          <p:nvPr/>
+        </p:nvSpPr>
+        <p:spPr>
+          <a:xfrm>
+            <a:off x="4451653" y="1491384"/>
+            <a:ext cx="1049367" cy="597228"/>
+          </a:xfrm>
+          <a:prstGeom prst="rect">
+            <a:avLst/>
+          </a:prstGeom>
+        </p:spPr>
+        <p:style>
+          <a:lnRef idx="1">
+            <a:schemeClr val="accent1"/>
+          </a:lnRef>
+          <a:fillRef idx="2">
+            <a:schemeClr val="accent1"/>
+          </a:fillRef>
+          <a:effectRef idx="1">
+            <a:schemeClr val="accent1"/>
+          </a:effectRef>
+          <a:fontRef idx="minor">
+            <a:schemeClr val="dk1"/>
+          </a:fontRef>
+        </p:style>
+        <p:txBody>
+          <a:bodyPr rtlCol="0" anchor="ctr"/>
+          <a:lstStyle/>
+          <a:p>
+            <a:pPr algn="ctr"/>
+            <a:r>
+              <a:rPr lang="en-US" sz="1200" dirty="0">
+                <a:solidFill>
+                  <a:schemeClr val="tx1"/>
+                </a:solidFill>
+              </a:rPr>
+              <a:t>Virtual Machines</a:t>
+            </a:r>
+          </a:p>
+        </p:txBody>
+      </p:sp>
+      <p:sp>
+        <p:nvSpPr>
+          <p:cNvPr id="35" name="Rectangle 34"/>
+          <p:cNvSpPr/>
+          <p:nvPr/>
+        </p:nvSpPr>
+        <p:spPr>
+          <a:xfrm>
+            <a:off x="705201" y="2696501"/>
+            <a:ext cx="1049367" cy="597228"/>
+          </a:xfrm>
+          <a:prstGeom prst="rect">
+            <a:avLst/>
+          </a:prstGeom>
+        </p:spPr>
+        <p:style>
+          <a:lnRef idx="1">
+            <a:schemeClr val="accent1"/>
+          </a:lnRef>
+          <a:fillRef idx="2">
+            <a:schemeClr val="accent1"/>
+          </a:fillRef>
+          <a:effectRef idx="1">
+            <a:schemeClr val="accent1"/>
+          </a:effectRef>
+          <a:fontRef idx="minor">
+            <a:schemeClr val="dk1"/>
+          </a:fontRef>
+        </p:style>
+        <p:txBody>
+          <a:bodyPr rtlCol="0" anchor="ctr"/>
+          <a:lstStyle/>
+          <a:p>
+            <a:pPr algn="ctr"/>
+            <a:r>
+              <a:rPr lang="en-US" sz="1200" dirty="0">
+                <a:solidFill>
+                  <a:schemeClr val="tx1"/>
+                </a:solidFill>
+              </a:rPr>
+              <a:t>Process</a:t>
+            </a:r>
+          </a:p>
+        </p:txBody>
+      </p:sp>
+      <p:sp>
+        <p:nvSpPr>
+          <p:cNvPr id="36" name="Rectangle 35"/>
+          <p:cNvSpPr/>
+          <p:nvPr/>
+        </p:nvSpPr>
+        <p:spPr>
+          <a:xfrm>
+            <a:off x="1967702" y="2696501"/>
+            <a:ext cx="1049367" cy="597228"/>
+          </a:xfrm>
+          <a:prstGeom prst="rect">
+            <a:avLst/>
+          </a:prstGeom>
+        </p:spPr>
+        <p:style>
+          <a:lnRef idx="1">
+            <a:schemeClr val="accent1"/>
+          </a:lnRef>
+          <a:fillRef idx="2">
+            <a:schemeClr val="accent1"/>
+          </a:fillRef>
+          <a:effectRef idx="1">
+            <a:schemeClr val="accent1"/>
+          </a:effectRef>
+          <a:fontRef idx="minor">
+            <a:schemeClr val="dk1"/>
+          </a:fontRef>
+        </p:style>
+        <p:txBody>
+          <a:bodyPr rtlCol="0" anchor="ctr"/>
+          <a:lstStyle/>
+          <a:p>
+            <a:pPr algn="ctr"/>
+            <a:r>
+              <a:rPr lang="en-US" sz="1200" dirty="0">
+                <a:solidFill>
+                  <a:schemeClr val="tx1"/>
+                </a:solidFill>
+              </a:rPr>
+              <a:t>Windows Server Container</a:t>
+            </a:r>
+          </a:p>
+        </p:txBody>
+      </p:sp>
+      <p:sp>
+        <p:nvSpPr>
+          <p:cNvPr id="37" name="Rectangle 36"/>
+          <p:cNvSpPr/>
+          <p:nvPr/>
+        </p:nvSpPr>
+        <p:spPr>
+          <a:xfrm>
+            <a:off x="4451653" y="2696501"/>
+            <a:ext cx="1049367" cy="597228"/>
+          </a:xfrm>
+          <a:prstGeom prst="rect">
+            <a:avLst/>
+          </a:prstGeom>
+        </p:spPr>
+        <p:style>
+          <a:lnRef idx="1">
+            <a:schemeClr val="accent1"/>
+          </a:lnRef>
+          <a:fillRef idx="2">
+            <a:schemeClr val="accent1"/>
+          </a:fillRef>
+          <a:effectRef idx="1">
+            <a:schemeClr val="accent1"/>
+          </a:effectRef>
+          <a:fontRef idx="minor">
+            <a:schemeClr val="dk1"/>
+          </a:fontRef>
+        </p:style>
+        <p:txBody>
+          <a:bodyPr rtlCol="0" anchor="ctr"/>
+          <a:lstStyle/>
+          <a:p>
+            <a:pPr algn="ctr"/>
+            <a:r>
+              <a:rPr lang="en-US" sz="1200" dirty="0">
+                <a:solidFill>
+                  <a:schemeClr val="tx1"/>
+                </a:solidFill>
+              </a:rPr>
+              <a:t>Hyper-V VMs</a:t>
+            </a:r>
+          </a:p>
+        </p:txBody>
+      </p:sp>
+      <p:sp>
+        <p:nvSpPr>
+          <p:cNvPr id="38" name="Rectangle 37"/>
+          <p:cNvSpPr/>
+          <p:nvPr/>
+        </p:nvSpPr>
+        <p:spPr>
+          <a:xfrm>
+            <a:off x="3230203" y="2693641"/>
+            <a:ext cx="1049367" cy="597228"/>
+          </a:xfrm>
+          <a:prstGeom prst="rect">
+            <a:avLst/>
+          </a:prstGeom>
+        </p:spPr>
+        <p:style>
+          <a:lnRef idx="1">
+            <a:schemeClr val="accent1"/>
+          </a:lnRef>
+          <a:fillRef idx="2">
+            <a:schemeClr val="accent1"/>
+          </a:fillRef>
+          <a:effectRef idx="1">
+            <a:schemeClr val="accent1"/>
+          </a:effectRef>
+          <a:fontRef idx="minor">
+            <a:schemeClr val="dk1"/>
+          </a:fontRef>
+        </p:style>
+        <p:txBody>
+          <a:bodyPr rtlCol="0" anchor="ctr"/>
+          <a:lstStyle/>
+          <a:p>
+            <a:pPr algn="ctr"/>
+            <a:r>
+              <a:rPr lang="en-US" sz="1200" dirty="0">
+                <a:solidFill>
+                  <a:schemeClr val="tx1"/>
+                </a:solidFill>
+              </a:rPr>
+              <a:t>Hyper-V Container</a:t>
+            </a:r>
+          </a:p>
+        </p:txBody>
+      </p:sp>
+      <p:cxnSp>
+        <p:nvCxnSpPr>
+          <p:cNvPr id="40" name="Straight Connector 39"/>
+          <p:cNvCxnSpPr/>
+          <p:nvPr/>
+        </p:nvCxnSpPr>
+        <p:spPr>
+          <a:xfrm flipH="1">
+            <a:off x="1832174" y="1179980"/>
+            <a:ext cx="20245" cy="2558601"/>
+          </a:xfrm>
+          <a:prstGeom prst="line">
+            <a:avLst/>
+          </a:prstGeom>
+          <a:ln>
+            <a:prstDash val="sysDash"/>
+          </a:ln>
+        </p:spPr>
+        <p:style>
+          <a:lnRef idx="2">
+            <a:schemeClr val="accent1"/>
+          </a:lnRef>
+          <a:fillRef idx="0">
+            <a:schemeClr val="accent1"/>
+          </a:fillRef>
+          <a:effectRef idx="1">
+            <a:schemeClr val="accent1"/>
+          </a:effectRef>
+          <a:fontRef idx="minor">
+            <a:schemeClr val="tx1"/>
+          </a:fontRef>
+        </p:style>
+      </p:cxnSp>
+      <p:sp>
+        <p:nvSpPr>
+          <p:cNvPr id="41" name="TextBox 40"/>
+          <p:cNvSpPr txBox="1"/>
+          <p:nvPr/>
+        </p:nvSpPr>
+        <p:spPr>
+          <a:xfrm>
+            <a:off x="943080" y="918987"/>
+            <a:ext cx="1798432" cy="276999"/>
+          </a:xfrm>
+          <a:prstGeom prst="rect">
+            <a:avLst/>
+          </a:prstGeom>
+          <a:noFill/>
+        </p:spPr>
+        <p:txBody>
+          <a:bodyPr wrap="square" rtlCol="0">
+            <a:spAutoFit/>
+          </a:bodyPr>
+          <a:lstStyle/>
+          <a:p>
+            <a:pPr algn="ctr"/>
+            <a:r>
+              <a:rPr lang="en-US" sz="1200" dirty="0">
+                <a:solidFill>
+                  <a:schemeClr val="tx1"/>
+                </a:solidFill>
+              </a:rPr>
+              <a:t>Quotas, Limits</a:t>
+            </a:r>
+          </a:p>
+        </p:txBody>
+      </p:sp>
+      <p:cxnSp>
+        <p:nvCxnSpPr>
+          <p:cNvPr id="42" name="Straight Connector 41"/>
+          <p:cNvCxnSpPr/>
+          <p:nvPr/>
+        </p:nvCxnSpPr>
+        <p:spPr>
+          <a:xfrm flipH="1">
+            <a:off x="3132352" y="1179980"/>
+            <a:ext cx="25114" cy="3068101"/>
+          </a:xfrm>
+          <a:prstGeom prst="line">
+            <a:avLst/>
+          </a:prstGeom>
+          <a:ln>
+            <a:prstDash val="sysDash"/>
+          </a:ln>
+        </p:spPr>
+        <p:style>
+          <a:lnRef idx="2">
+            <a:schemeClr val="accent1"/>
+          </a:lnRef>
+          <a:fillRef idx="0">
+            <a:schemeClr val="accent1"/>
+          </a:fillRef>
+          <a:effectRef idx="1">
+            <a:schemeClr val="accent1"/>
+          </a:effectRef>
+          <a:fontRef idx="minor">
+            <a:schemeClr val="tx1"/>
+          </a:fontRef>
+        </p:style>
+      </p:cxnSp>
+      <p:sp>
+        <p:nvSpPr>
+          <p:cNvPr id="43" name="TextBox 42"/>
+          <p:cNvSpPr txBox="1"/>
+          <p:nvPr/>
+        </p:nvSpPr>
+        <p:spPr>
+          <a:xfrm>
+            <a:off x="2248126" y="918987"/>
+            <a:ext cx="1798432" cy="276999"/>
+          </a:xfrm>
+          <a:prstGeom prst="rect">
+            <a:avLst/>
+          </a:prstGeom>
+          <a:noFill/>
+        </p:spPr>
+        <p:txBody>
+          <a:bodyPr wrap="square" rtlCol="0">
+            <a:spAutoFit/>
+          </a:bodyPr>
+          <a:lstStyle/>
+          <a:p>
+            <a:pPr algn="ctr"/>
+            <a:r>
+              <a:rPr lang="en-US" sz="1200" dirty="0">
+                <a:solidFill>
+                  <a:schemeClr val="tx1"/>
+                </a:solidFill>
+              </a:rPr>
+              <a:t>Added Isolation</a:t>
+            </a:r>
+          </a:p>
+        </p:txBody>
+      </p:sp>
+      <p:sp>
+        <p:nvSpPr>
+          <p:cNvPr id="44" name="Rectangle 43"/>
+          <p:cNvSpPr/>
+          <p:nvPr/>
+        </p:nvSpPr>
+        <p:spPr>
+          <a:xfrm>
+            <a:off x="704359" y="2144365"/>
+            <a:ext cx="2312710" cy="182677"/>
+          </a:xfrm>
+          <a:prstGeom prst="rect">
+            <a:avLst/>
+          </a:prstGeom>
+        </p:spPr>
+        <p:style>
+          <a:lnRef idx="1">
+            <a:schemeClr val="accent2"/>
+          </a:lnRef>
+          <a:fillRef idx="2">
+            <a:schemeClr val="accent2"/>
+          </a:fillRef>
+          <a:effectRef idx="1">
+            <a:schemeClr val="accent2"/>
+          </a:effectRef>
+          <a:fontRef idx="minor">
+            <a:schemeClr val="dk1"/>
+          </a:fontRef>
+        </p:style>
+        <p:txBody>
+          <a:bodyPr rtlCol="0" anchor="ctr"/>
+          <a:lstStyle/>
+          <a:p>
+            <a:pPr algn="ctr"/>
+            <a:r>
+              <a:rPr lang="en-US" sz="800" dirty="0">
+                <a:solidFill>
+                  <a:schemeClr val="tx1"/>
+                </a:solidFill>
+              </a:rPr>
+              <a:t>Kernel</a:t>
+            </a:r>
+          </a:p>
+        </p:txBody>
+      </p:sp>
+      <p:sp>
+        <p:nvSpPr>
+          <p:cNvPr id="45" name="Rectangle 44"/>
+          <p:cNvSpPr/>
+          <p:nvPr/>
+        </p:nvSpPr>
+        <p:spPr>
+          <a:xfrm>
+            <a:off x="705201" y="3352553"/>
+            <a:ext cx="2312710" cy="182677"/>
+          </a:xfrm>
+          <a:prstGeom prst="rect">
+            <a:avLst/>
+          </a:prstGeom>
+        </p:spPr>
+        <p:style>
+          <a:lnRef idx="1">
+            <a:schemeClr val="accent2"/>
+          </a:lnRef>
+          <a:fillRef idx="2">
+            <a:schemeClr val="accent2"/>
+          </a:fillRef>
+          <a:effectRef idx="1">
+            <a:schemeClr val="accent2"/>
+          </a:effectRef>
+          <a:fontRef idx="minor">
+            <a:schemeClr val="dk1"/>
+          </a:fontRef>
+        </p:style>
+        <p:txBody>
+          <a:bodyPr rtlCol="0" anchor="ctr"/>
+          <a:lstStyle/>
+          <a:p>
+            <a:pPr algn="ctr"/>
+            <a:r>
+              <a:rPr lang="en-US" sz="800" dirty="0">
+                <a:solidFill>
+                  <a:schemeClr val="tx1"/>
+                </a:solidFill>
+              </a:rPr>
+              <a:t>Kernel</a:t>
+            </a:r>
+          </a:p>
+        </p:txBody>
+      </p:sp>
+      <p:sp>
+        <p:nvSpPr>
+          <p:cNvPr id="46" name="Left Arrow 45"/>
+          <p:cNvSpPr/>
+          <p:nvPr/>
+        </p:nvSpPr>
+        <p:spPr>
+          <a:xfrm>
+            <a:off x="707733" y="3803815"/>
+            <a:ext cx="2432861" cy="414852"/>
+          </a:xfrm>
+          <a:prstGeom prst="leftArrow">
+            <a:avLst/>
+          </a:prstGeom>
+          <a:ln>
+            <a:noFill/>
+          </a:ln>
+        </p:spPr>
+        <p:style>
+          <a:lnRef idx="1">
+            <a:schemeClr val="accent3"/>
+          </a:lnRef>
+          <a:fillRef idx="2">
+            <a:schemeClr val="accent3"/>
+          </a:fillRef>
+          <a:effectRef idx="1">
+            <a:schemeClr val="accent3"/>
+          </a:effectRef>
+          <a:fontRef idx="minor">
+            <a:schemeClr val="dk1"/>
+          </a:fontRef>
+        </p:style>
+        <p:txBody>
+          <a:bodyPr rtlCol="0" anchor="ctr"/>
+          <a:lstStyle/>
+          <a:p>
+            <a:pPr algn="ctr"/>
+            <a:r>
+              <a:rPr lang="en-US" sz="1200" dirty="0"/>
+              <a:t>Faster, more efficient</a:t>
+            </a:r>
+          </a:p>
+        </p:txBody>
+      </p:sp>
+      <p:sp>
+        <p:nvSpPr>
+          <p:cNvPr id="48" name="Right Arrow 47"/>
+          <p:cNvSpPr/>
+          <p:nvPr/>
+        </p:nvSpPr>
+        <p:spPr>
+          <a:xfrm>
+            <a:off x="3137220" y="3803816"/>
+            <a:ext cx="2531385" cy="414852"/>
+          </a:xfrm>
+          <a:prstGeom prst="rightArrow">
+            <a:avLst/>
+          </a:prstGeom>
+          <a:ln>
+            <a:noFill/>
+          </a:ln>
+        </p:spPr>
+        <p:style>
+          <a:lnRef idx="1">
+            <a:schemeClr val="accent3"/>
+          </a:lnRef>
+          <a:fillRef idx="2">
+            <a:schemeClr val="accent3"/>
+          </a:fillRef>
+          <a:effectRef idx="1">
+            <a:schemeClr val="accent3"/>
+          </a:effectRef>
+          <a:fontRef idx="minor">
+            <a:schemeClr val="dk1"/>
+          </a:fontRef>
+        </p:style>
+        <p:txBody>
+          <a:bodyPr rtlCol="0" anchor="ctr"/>
+          <a:lstStyle/>
+          <a:p>
+            <a:pPr algn="ctr"/>
+            <a:r>
+              <a:rPr lang="en-US" sz="1200" dirty="0">
+                <a:solidFill>
+                  <a:schemeClr val="dk1"/>
+                </a:solidFill>
+              </a:rPr>
+              <a:t>More isolated, more secure</a:t>
+            </a:r>
+          </a:p>
+        </p:txBody>
+      </p:sp>
     </p:spTree>
     <p:extLst>
       <p:ext uri="{BB962C8B-B14F-4D97-AF65-F5344CB8AC3E}">
-        <p14:creationId xmlns:p14="http://schemas.microsoft.com/office/powerpoint/2010/main" val="3697929488"/>
+        <p14:creationId xmlns:p14="http://schemas.microsoft.com/office/powerpoint/2010/main" val="3887228703"/>
       </p:ext>
     </p:extLst>
   </p:cSld>
@@ -45805,7 +47705,7 @@
       </p:grpSpPr>
       <p:sp>
         <p:nvSpPr>
-          <p:cNvPr id="2" name="Titel 1"/>
+          <p:cNvPr id="2" name="Title 1"/>
           <p:cNvSpPr>
             <a:spLocks noGrp="1"/>
           </p:cNvSpPr>
@@ -45820,14 +47720,14 @@
           <a:p>
             <a:r>
               <a:rPr lang="en-US" dirty="0"/>
-              <a:t>What’s Docker?</a:t>
+              <a:t>Docker‘s Technical Components</a:t>
             </a:r>
           </a:p>
         </p:txBody>
       </p:sp>
       <p:sp>
         <p:nvSpPr>
-          <p:cNvPr id="3" name="Inhaltsplatzhalter 2"/>
+          <p:cNvPr id="3" name="Content Placeholder 2"/>
           <p:cNvSpPr>
             <a:spLocks noGrp="1"/>
           </p:cNvSpPr>
@@ -45841,71 +47741,94 @@
           <a:lstStyle/>
           <a:p>
             <a:r>
-              <a:rPr lang="en-US" sz="2000" dirty="0"/>
-              <a:t>Command line tool, REST services</a:t>
+              <a:rPr lang="en-US" dirty="0"/>
+              <a:t>Linux container format (</a:t>
+            </a:r>
+            <a:r>
+              <a:rPr lang="en-US" dirty="0" err="1">
+                <a:latin typeface="Courier New" panose="02070309020205020404" pitchFamily="49" charset="0"/>
+                <a:cs typeface="Courier New" panose="02070309020205020404" pitchFamily="49" charset="0"/>
+              </a:rPr>
+              <a:t>libcontainer</a:t>
+            </a:r>
+            <a:r>
+              <a:rPr lang="en-US" dirty="0"/>
+              <a:t>)</a:t>
+            </a:r>
+          </a:p>
+          <a:p>
+            <a:r>
+              <a:rPr lang="en-US" dirty="0"/>
+              <a:t>Isolation layers</a:t>
             </a:r>
           </a:p>
           <a:p>
             <a:pPr lvl="1"/>
             <a:r>
-              <a:rPr lang="en-US" sz="1400" dirty="0"/>
-              <a:t>Docker client can manage remote Docker daemon</a:t>
-            </a:r>
-          </a:p>
-          <a:p>
-            <a:r>
-              <a:rPr lang="en-US" sz="2000" dirty="0"/>
-              <a:t>Container packaging format</a:t>
-            </a:r>
-          </a:p>
-          <a:p>
-            <a:r>
-              <a:rPr lang="en-US" sz="2000" dirty="0" err="1">
-                <a:hlinkClick r:id="rId2"/>
-              </a:rPr>
-              <a:t>Dockerfiles</a:t>
-            </a:r>
-            <a:r>
-              <a:rPr lang="en-US" sz="2000" dirty="0"/>
-              <a:t> for image creation from source code</a:t>
-            </a:r>
-          </a:p>
-          <a:p>
-            <a:r>
-              <a:rPr lang="en-US" sz="2000" dirty="0"/>
-              <a:t>Version management for images</a:t>
+              <a:rPr lang="en-US" dirty="0"/>
+              <a:t>Filesystem – each container has its own filesystem (layered, copy-on-write)</a:t>
             </a:r>
           </a:p>
           <a:p>
             <a:pPr lvl="1"/>
             <a:r>
-              <a:rPr lang="en-US" sz="1400" dirty="0"/>
-              <a:t>Images can be based on images</a:t>
-            </a:r>
-          </a:p>
-          <a:p>
-            <a:r>
-              <a:rPr lang="en-US" sz="2000" dirty="0"/>
-              <a:t>Docker Hub: Platform to exchange images and </a:t>
-            </a:r>
-            <a:r>
-              <a:rPr lang="en-US" sz="2000" dirty="0" err="1"/>
-              <a:t>Dockerfiles</a:t>
-            </a:r>
-            <a:endParaRPr lang="en-US" sz="2000" dirty="0"/>
+              <a:rPr lang="en-US" dirty="0"/>
+              <a:t>Processes – each container has its own process environment</a:t>
+            </a:r>
           </a:p>
           <a:p>
             <a:pPr lvl="1"/>
             <a:r>
-              <a:rPr lang="en-US" sz="1400" dirty="0"/>
-              <a:t>Publishing on Docker Hub is not in scope of this talk</a:t>
+              <a:rPr lang="en-US" dirty="0"/>
+              <a:t>Network – separate virtual network interfaces</a:t>
+            </a:r>
+          </a:p>
+          <a:p>
+            <a:pPr lvl="1"/>
+            <a:r>
+              <a:rPr lang="en-US" dirty="0"/>
+              <a:t>Resources – individually allocated CPUs, memory</a:t>
+            </a:r>
+          </a:p>
+          <a:p>
+            <a:r>
+              <a:rPr lang="en-US" dirty="0"/>
+              <a:t>Logging</a:t>
+            </a:r>
+          </a:p>
+          <a:p>
+            <a:pPr lvl="1"/>
+            <a:r>
+              <a:rPr lang="en-US" dirty="0"/>
+              <a:t>STDOUT, STDERR, STDIN are logged for analysis purposes</a:t>
+            </a:r>
+          </a:p>
+          <a:p>
+            <a:r>
+              <a:rPr lang="en-US" dirty="0"/>
+              <a:t>Interactive shell</a:t>
+            </a:r>
+          </a:p>
+          <a:p>
+            <a:pPr lvl="1"/>
+            <a:r>
+              <a:rPr lang="en-US" dirty="0"/>
+              <a:t>Pseudo-</a:t>
+            </a:r>
+            <a:r>
+              <a:rPr lang="en-US" dirty="0" err="1"/>
+              <a:t>tty</a:t>
+            </a:r>
+            <a:r>
+              <a:rPr lang="en-US" dirty="0"/>
+              <a:t> attached to STDIN</a:t>
             </a:r>
           </a:p>
         </p:txBody>
       </p:sp>
       <p:sp>
         <p:nvSpPr>
-          <p:cNvPr id="4" name="Textplatzhalter 3"/>
+          <p:cNvPr id="4" name="Text Placeholder 3"/>
           <p:cNvSpPr>
             <a:spLocks noGrp="1"/>
           </p:cNvSpPr>
@@ -45918,14 +47841,14 @@
           <a:bodyPr/>
           <a:lstStyle/>
           <a:p>
-            <a:endParaRPr lang="en-US"/>
+            <a:endParaRPr lang="en-US" dirty="0"/>
           </a:p>
         </p:txBody>
       </p:sp>
     </p:spTree>
     <p:extLst>
       <p:ext uri="{BB962C8B-B14F-4D97-AF65-F5344CB8AC3E}">
-        <p14:creationId xmlns:p14="http://schemas.microsoft.com/office/powerpoint/2010/main" val="2612317688"/>
+        <p14:creationId xmlns:p14="http://schemas.microsoft.com/office/powerpoint/2010/main" val="3697929488"/>
       </p:ext>
     </p:extLst>
   </p:cSld>
@@ -45957,7 +47880,7 @@
       </p:grpSpPr>
       <p:sp>
         <p:nvSpPr>
-          <p:cNvPr id="2" name="Title 1"/>
+          <p:cNvPr id="2" name="Titel 1"/>
           <p:cNvSpPr>
             <a:spLocks noGrp="1"/>
           </p:cNvSpPr>
@@ -45972,14 +47895,14 @@
           <a:p>
             <a:r>
               <a:rPr lang="en-US" dirty="0"/>
-              <a:t>What to Use Docker For?</a:t>
+              <a:t>What’s Docker?</a:t>
             </a:r>
           </a:p>
         </p:txBody>
       </p:sp>
       <p:sp>
         <p:nvSpPr>
-          <p:cNvPr id="3" name="Content Placeholder 2"/>
+          <p:cNvPr id="3" name="Inhaltsplatzhalter 2"/>
           <p:cNvSpPr>
             <a:spLocks noGrp="1"/>
           </p:cNvSpPr>
@@ -45993,83 +47916,71 @@
           <a:lstStyle/>
           <a:p>
             <a:r>
-              <a:rPr lang="en-US" dirty="0"/>
-              <a:t>Make dev/test/prod-cycle more productive</a:t>
+              <a:rPr lang="en-US" sz="2000" dirty="0"/>
+              <a:t>Command line tool, REST services</a:t>
             </a:r>
           </a:p>
           <a:p>
             <a:pPr lvl="1"/>
             <a:r>
-              <a:rPr lang="en-US" dirty="0"/>
-              <a:t>Developers build containers, not apps</a:t>
+              <a:rPr lang="en-US" sz="1400" dirty="0"/>
+              <a:t>Docker client can manage remote Docker daemon</a:t>
+            </a:r>
+          </a:p>
+          <a:p>
+            <a:r>
+              <a:rPr lang="en-US" sz="2000" dirty="0"/>
+              <a:t>Container packaging format</a:t>
+            </a:r>
+          </a:p>
+          <a:p>
+            <a:r>
+              <a:rPr lang="en-US" sz="2000" dirty="0" err="1">
+                <a:hlinkClick r:id="rId2"/>
+              </a:rPr>
+              <a:t>Dockerfiles</a:t>
+            </a:r>
+            <a:r>
+              <a:rPr lang="en-US" sz="2000" dirty="0"/>
+              <a:t> for image creation from source code</a:t>
+            </a:r>
+          </a:p>
+          <a:p>
+            <a:r>
+              <a:rPr lang="en-US" sz="2000" dirty="0"/>
+              <a:t>Version management for images</a:t>
             </a:r>
           </a:p>
           <a:p>
             <a:pPr lvl="1"/>
             <a:r>
-              <a:rPr lang="en-US" dirty="0"/>
-              <a:t>Containerize build-, test- and CI-tools</a:t>
-            </a:r>
-          </a:p>
-          <a:p>
-            <a:r>
-              <a:rPr lang="en-US" dirty="0"/>
-              <a:t>Segregation of duties</a:t>
-            </a:r>
+              <a:rPr lang="en-US" sz="1400" dirty="0"/>
+              <a:t>Images can be based on images</a:t>
+            </a:r>
+          </a:p>
+          <a:p>
+            <a:r>
+              <a:rPr lang="en-US" sz="2000" dirty="0"/>
+              <a:t>Docker Hub: Platform to exchange images and </a:t>
+            </a:r>
+            <a:r>
+              <a:rPr lang="en-US" sz="2000" dirty="0" err="1"/>
+              <a:t>Dockerfiles</a:t>
+            </a:r>
+            <a:endParaRPr lang="en-US" sz="2000" dirty="0"/>
           </a:p>
           <a:p>
             <a:pPr lvl="1"/>
             <a:r>
-              <a:rPr lang="en-US" dirty="0"/>
-              <a:t>Dev cares for app running in container, ops cares for managing containers</a:t>
-            </a:r>
-          </a:p>
-          <a:p>
-            <a:r>
-              <a:rPr lang="en-US" dirty="0" err="1"/>
-              <a:t>Microservices</a:t>
-            </a:r>
-            <a:endParaRPr lang="en-US" dirty="0"/>
-          </a:p>
-          <a:p>
-            <a:pPr lvl="1"/>
-            <a:r>
-              <a:rPr lang="en-US" dirty="0"/>
-              <a:t>Isolate services</a:t>
-            </a:r>
-          </a:p>
-          <a:p>
-            <a:pPr lvl="1"/>
-            <a:r>
-              <a:rPr lang="en-US" dirty="0"/>
-              <a:t>Consistency across stages (dev/test/prod)</a:t>
-            </a:r>
-          </a:p>
-          <a:p>
-            <a:r>
-              <a:rPr lang="en-US" dirty="0"/>
-              <a:t>Test even complex environments locally</a:t>
-            </a:r>
-          </a:p>
-          <a:p>
-            <a:pPr lvl="1"/>
-            <a:r>
-              <a:rPr lang="en-US" dirty="0"/>
-              <a:t>Containers are lightweight </a:t>
-            </a:r>
-            <a:r>
-              <a:rPr lang="en-US" dirty="0">
-                <a:sym typeface="Wingdings" panose="05000000000000000000" pitchFamily="2" charset="2"/>
-              </a:rPr>
-              <a:t> run on rather small dev boxes</a:t>
-            </a:r>
-            <a:endParaRPr lang="en-US" dirty="0"/>
+              <a:rPr lang="en-US" sz="1400" dirty="0"/>
+              <a:t>Publishing on Docker Hub is not in scope of this talk</a:t>
+            </a:r>
           </a:p>
         </p:txBody>
       </p:sp>
       <p:sp>
         <p:nvSpPr>
-          <p:cNvPr id="4" name="Text Placeholder 3"/>
+          <p:cNvPr id="4" name="Textplatzhalter 3"/>
           <p:cNvSpPr>
             <a:spLocks noGrp="1"/>
           </p:cNvSpPr>
@@ -46082,14 +47993,14 @@
           <a:bodyPr/>
           <a:lstStyle/>
           <a:p>
-            <a:endParaRPr lang="en-US" dirty="0"/>
+            <a:endParaRPr lang="en-US"/>
           </a:p>
         </p:txBody>
       </p:sp>
     </p:spTree>
     <p:extLst>
       <p:ext uri="{BB962C8B-B14F-4D97-AF65-F5344CB8AC3E}">
-        <p14:creationId xmlns:p14="http://schemas.microsoft.com/office/powerpoint/2010/main" val="1160898887"/>
+        <p14:creationId xmlns:p14="http://schemas.microsoft.com/office/powerpoint/2010/main" val="2612317688"/>
       </p:ext>
     </p:extLst>
   </p:cSld>
@@ -46136,19 +48047,19 @@
           <a:p>
             <a:r>
               <a:rPr lang="en-US" dirty="0"/>
-              <a:t>Docker Tools</a:t>
+              <a:t>What to Use Docker For?</a:t>
             </a:r>
           </a:p>
         </p:txBody>
       </p:sp>
       <p:sp>
         <p:nvSpPr>
-          <p:cNvPr id="3" name="Text Placeholder 2"/>
+          <p:cNvPr id="3" name="Content Placeholder 2"/>
           <p:cNvSpPr>
             <a:spLocks noGrp="1"/>
           </p:cNvSpPr>
           <p:nvPr>
-            <p:ph type="body" sz="quarter" idx="25"/>
+            <p:ph sz="quarter" idx="12"/>
           </p:nvPr>
         </p:nvSpPr>
         <p:spPr/>
@@ -46158,33 +48069,111 @@
           <a:p>
             <a:r>
               <a:rPr lang="en-US" dirty="0"/>
-              <a:t>Introduction</a:t>
-            </a:r>
+              <a:t>Make dev/test/prod-cycle more productive</a:t>
+            </a:r>
+          </a:p>
+          <a:p>
+            <a:pPr lvl="1"/>
+            <a:r>
+              <a:rPr lang="en-US" dirty="0"/>
+              <a:t>Developers build containers, not apps</a:t>
+            </a:r>
+          </a:p>
+          <a:p>
+            <a:pPr lvl="1"/>
+            <a:r>
+              <a:rPr lang="en-US" dirty="0"/>
+              <a:t>Containerize build-, test- and CI-tools</a:t>
+            </a:r>
+          </a:p>
+          <a:p>
+            <a:r>
+              <a:rPr lang="en-US" dirty="0"/>
+              <a:t>Segregation of duties</a:t>
+            </a:r>
+          </a:p>
+          <a:p>
+            <a:pPr lvl="1"/>
+            <a:r>
+              <a:rPr lang="en-US" dirty="0"/>
+              <a:t>Dev cares for app running in container, ops cares for managing containers</a:t>
+            </a:r>
+          </a:p>
+          <a:p>
+            <a:r>
+              <a:rPr lang="en-US" dirty="0" err="1"/>
+              <a:t>Microservices</a:t>
+            </a:r>
+            <a:endParaRPr lang="en-US" dirty="0"/>
+          </a:p>
+          <a:p>
+            <a:pPr lvl="1"/>
+            <a:r>
+              <a:rPr lang="en-US" dirty="0"/>
+              <a:t>Isolate services</a:t>
+            </a:r>
+          </a:p>
+          <a:p>
+            <a:pPr lvl="1"/>
+            <a:r>
+              <a:rPr lang="en-US" dirty="0"/>
+              <a:t>Consistency across stages (dev/test/prod)</a:t>
+            </a:r>
+          </a:p>
+          <a:p>
+            <a:r>
+              <a:rPr lang="en-US" dirty="0"/>
+              <a:t>Test even complex environments locally</a:t>
+            </a:r>
+          </a:p>
+          <a:p>
+            <a:pPr lvl="1"/>
+            <a:r>
+              <a:rPr lang="en-US" dirty="0"/>
+              <a:t>Containers are lightweight </a:t>
+            </a:r>
+            <a:r>
+              <a:rPr lang="en-US" dirty="0">
+                <a:sym typeface="Wingdings" panose="05000000000000000000" pitchFamily="2" charset="2"/>
+              </a:rPr>
+              <a:t> run on rather small dev boxes</a:t>
+            </a:r>
+            <a:endParaRPr lang="en-US" dirty="0"/>
+          </a:p>
+        </p:txBody>
+      </p:sp>
+      <p:sp>
+        <p:nvSpPr>
+          <p:cNvPr id="4" name="Text Placeholder 3"/>
+          <p:cNvSpPr>
+            <a:spLocks noGrp="1"/>
+          </p:cNvSpPr>
+          <p:nvPr>
+            <p:ph type="body" sz="quarter" idx="23"/>
+          </p:nvPr>
+        </p:nvSpPr>
+        <p:spPr/>
+        <p:txBody>
+          <a:bodyPr/>
+          <a:lstStyle/>
+          <a:p>
+            <a:endParaRPr lang="en-US" dirty="0"/>
           </a:p>
         </p:txBody>
       </p:sp>
     </p:spTree>
     <p:extLst>
       <p:ext uri="{BB962C8B-B14F-4D97-AF65-F5344CB8AC3E}">
-        <p14:creationId xmlns:p14="http://schemas.microsoft.com/office/powerpoint/2010/main" val="3532556765"/>
+        <p14:creationId xmlns:p14="http://schemas.microsoft.com/office/powerpoint/2010/main" val="1160898887"/>
       </p:ext>
     </p:extLst>
   </p:cSld>
   <p:clrMapOvr>
     <a:masterClrMapping/>
   </p:clrMapOvr>
-  <mc:AlternateContent xmlns:mc="http://schemas.openxmlformats.org/markup-compatibility/2006" xmlns:p14="http://schemas.microsoft.com/office/powerpoint/2010/main">
-    <mc:Choice Requires="p14">
-      <p:transition spd="med" p14:dur="700">
-        <p:fade/>
-      </p:transition>
-    </mc:Choice>
-    <mc:Fallback xmlns="">
-      <p:transition spd="med">
-        <p:fade/>
-      </p:transition>
-    </mc:Fallback>
-  </mc:AlternateContent>
+  <p:transition spd="slow">
+    <p:push/>
+  </p:transition>
 </p:sld>
 </file>
 

--- a/slides/Docker-Workshop.pptx
+++ b/slides/Docker-Workshop.pptx
@@ -38013,15 +38013,7 @@
           <a:p>
             <a:r>
               <a:rPr lang="en-US" dirty="0"/>
-              <a:t>// Create </a:t>
-            </a:r>
-            <a:r>
-              <a:rPr lang="en-US" dirty="0" err="1"/>
-              <a:t>postgres</a:t>
-            </a:r>
-            <a:r>
-              <a:rPr lang="en-US" dirty="0"/>
-              <a:t> DB with data on Azure Files</a:t>
+              <a:t>// Create container accessing volume</a:t>
             </a:r>
           </a:p>
           <a:p>
@@ -38031,49 +38023,84 @@
             </a:r>
             <a:r>
               <a:rPr lang="en-US" dirty="0"/>
-              <a:t> run –d --name </a:t>
+              <a:t> run --</a:t>
             </a:r>
             <a:r>
               <a:rPr lang="en-US" dirty="0" err="1"/>
-              <a:t>mydb</a:t>
-            </a:r>
-            <a:r>
-              <a:rPr lang="en-US" dirty="0"/>
-              <a:t> -e POSTGRES_PASSWORD=P@ssw0rd! </a:t>
-            </a:r>
-          </a:p>
-          <a:p>
-            <a:r>
-              <a:rPr lang="en-US" dirty="0"/>
-              <a:t>	-e PGDATA=/</a:t>
+              <a:t>rm</a:t>
+            </a:r>
+            <a:r>
+              <a:rPr lang="en-US" dirty="0"/>
+              <a:t> --volumes-from </a:t>
+            </a:r>
+            <a:r>
+              <a:rPr lang="en-US" dirty="0" err="1"/>
+              <a:t>dbstore</a:t>
+            </a:r>
+            <a:r>
+              <a:rPr lang="en-US" dirty="0"/>
+              <a:t> </a:t>
+            </a:r>
+          </a:p>
+          <a:p>
+            <a:endParaRPr lang="en-US" dirty="0"/>
+          </a:p>
+          <a:p>
+            <a:endParaRPr lang="en-US" dirty="0"/>
+          </a:p>
+          <a:p>
+            <a:endParaRPr lang="en-US" dirty="0"/>
+          </a:p>
+          <a:p>
+            <a:endParaRPr lang="en-US" dirty="0"/>
+          </a:p>
+          <a:p>
+            <a:r>
+              <a:rPr lang="en-US" dirty="0"/>
+              <a:t>	-v </a:t>
+            </a:r>
+            <a:r>
+              <a:rPr lang="en-US" dirty="0" err="1"/>
+              <a:t>dbdatavol</a:t>
+            </a:r>
+            <a:r>
+              <a:rPr lang="en-US" dirty="0"/>
+              <a:t>:/backup </a:t>
+            </a:r>
+            <a:r>
+              <a:rPr lang="en-US" dirty="0" err="1"/>
+              <a:t>ubuntu</a:t>
+            </a:r>
+            <a:r>
+              <a:rPr lang="en-US" dirty="0"/>
+              <a:t> </a:t>
+            </a:r>
+          </a:p>
+          <a:p>
+            <a:endParaRPr lang="en-US" dirty="0"/>
+          </a:p>
+          <a:p>
+            <a:endParaRPr lang="en-US" dirty="0"/>
+          </a:p>
+          <a:p>
+            <a:endParaRPr lang="en-US" dirty="0"/>
+          </a:p>
+          <a:p>
+            <a:r>
+              <a:rPr lang="en-US" dirty="0"/>
+              <a:t>	tar </a:t>
+            </a:r>
+            <a:r>
+              <a:rPr lang="en-US" dirty="0" err="1"/>
+              <a:t>cvf</a:t>
+            </a:r>
+            <a:r>
+              <a:rPr lang="en-US" dirty="0"/>
+              <a:t> /backup/backup.tar /</a:t>
             </a:r>
             <a:r>
               <a:rPr lang="en-US" dirty="0" err="1"/>
               <a:t>dbdata</a:t>
-            </a:r>
-            <a:r>
-              <a:rPr lang="en-US" dirty="0"/>
-              <a:t> -v </a:t>
-            </a:r>
-            <a:r>
-              <a:rPr lang="en-US" dirty="0" err="1"/>
-              <a:t>dbdatavol</a:t>
-            </a:r>
-            <a:r>
-              <a:rPr lang="en-US" dirty="0"/>
-              <a:t>:/</a:t>
-            </a:r>
-            <a:r>
-              <a:rPr lang="en-US" dirty="0" err="1"/>
-              <a:t>dbdata</a:t>
-            </a:r>
-            <a:r>
-              <a:rPr lang="en-US" dirty="0"/>
-              <a:t> -p 5432:5432 </a:t>
-            </a:r>
-            <a:r>
-              <a:rPr lang="en-US" dirty="0" err="1"/>
-              <a:t>postgres</a:t>
             </a:r>
             <a:endParaRPr lang="en-US" dirty="0"/>
           </a:p>
@@ -38395,10 +38422,10 @@
         </p:nvGrpSpPr>
         <p:grpSpPr>
           <a:xfrm>
-            <a:off x="2201961" y="2370626"/>
-            <a:ext cx="2836293" cy="369912"/>
+            <a:off x="919195" y="3099291"/>
+            <a:ext cx="2870277" cy="369912"/>
             <a:chOff x="3861990" y="1529049"/>
-            <a:chExt cx="2836293" cy="369912"/>
+            <a:chExt cx="2870277" cy="369912"/>
           </a:xfrm>
         </p:grpSpPr>
         <p:cxnSp>
@@ -38470,7 +38497,7 @@
           <p:spPr>
             <a:xfrm>
               <a:off x="4078014" y="1591184"/>
-              <a:ext cx="2620269" cy="307777"/>
+              <a:ext cx="2654253" cy="307777"/>
             </a:xfrm>
             <a:prstGeom prst="rect">
               <a:avLst/>
@@ -38501,131 +38528,8 @@
                     <a:srgbClr val="595959"/>
                   </a:solidFill>
                   <a:latin typeface="Segoe UI"/>
-                  <a:ea typeface="+mn-ea"/>
                 </a:rPr>
-                <a:t>Map Azure Files-based volume</a:t>
-              </a:r>
-            </a:p>
-          </p:txBody>
-        </p:sp>
-      </p:grpSp>
-      <p:grpSp>
-        <p:nvGrpSpPr>
-          <p:cNvPr id="23" name="Gruppieren 22"/>
-          <p:cNvGrpSpPr/>
-          <p:nvPr/>
-        </p:nvGrpSpPr>
-        <p:grpSpPr>
-          <a:xfrm>
-            <a:off x="669984" y="2370626"/>
-            <a:ext cx="3302895" cy="677109"/>
-            <a:chOff x="3861990" y="1221852"/>
-            <a:chExt cx="3302895" cy="677109"/>
-          </a:xfrm>
-        </p:grpSpPr>
-        <p:cxnSp>
-          <p:nvCxnSpPr>
-            <p:cNvPr id="24" name="Gerader Verbinder 23"/>
-            <p:cNvCxnSpPr/>
-            <p:nvPr/>
-          </p:nvCxnSpPr>
-          <p:spPr>
-            <a:xfrm>
-              <a:off x="3861990" y="1221852"/>
-              <a:ext cx="0" cy="523221"/>
-            </a:xfrm>
-            <a:prstGeom prst="line">
-              <a:avLst/>
-            </a:prstGeom>
-          </p:spPr>
-          <p:style>
-            <a:lnRef idx="2">
-              <a:schemeClr val="dk1"/>
-            </a:lnRef>
-            <a:fillRef idx="0">
-              <a:schemeClr val="dk1"/>
-            </a:fillRef>
-            <a:effectRef idx="1">
-              <a:schemeClr val="dk1"/>
-            </a:effectRef>
-            <a:fontRef idx="minor">
-              <a:schemeClr val="tx1"/>
-            </a:fontRef>
-          </p:style>
-        </p:cxnSp>
-        <p:cxnSp>
-          <p:nvCxnSpPr>
-            <p:cNvPr id="25" name="Gerader Verbinder 24"/>
-            <p:cNvCxnSpPr/>
-            <p:nvPr/>
-          </p:nvCxnSpPr>
-          <p:spPr>
-            <a:xfrm>
-              <a:off x="3861990" y="1745073"/>
-              <a:ext cx="216024" cy="0"/>
-            </a:xfrm>
-            <a:prstGeom prst="line">
-              <a:avLst/>
-            </a:prstGeom>
-          </p:spPr>
-          <p:style>
-            <a:lnRef idx="2">
-              <a:schemeClr val="dk1"/>
-            </a:lnRef>
-            <a:fillRef idx="0">
-              <a:schemeClr val="dk1"/>
-            </a:fillRef>
-            <a:effectRef idx="1">
-              <a:schemeClr val="dk1"/>
-            </a:effectRef>
-            <a:fontRef idx="minor">
-              <a:schemeClr val="tx1"/>
-            </a:fontRef>
-          </p:style>
-        </p:cxnSp>
-        <p:sp>
-          <p:nvSpPr>
-            <p:cNvPr id="26" name="Textfeld 25"/>
-            <p:cNvSpPr txBox="1"/>
-            <p:nvPr/>
-          </p:nvSpPr>
-          <p:spPr>
-            <a:xfrm>
-              <a:off x="4078014" y="1591184"/>
-              <a:ext cx="3086871" cy="307777"/>
-            </a:xfrm>
-            <a:prstGeom prst="rect">
-              <a:avLst/>
-            </a:prstGeom>
-            <a:noFill/>
-          </p:spPr>
-          <p:txBody>
-            <a:bodyPr wrap="none" rtlCol="0">
-              <a:spAutoFit/>
-            </a:bodyPr>
-            <a:lstStyle/>
-            <a:p>
-              <a:pPr defTabSz="914400" fontAlgn="auto">
-                <a:spcBef>
-                  <a:spcPts val="0"/>
-                </a:spcBef>
-                <a:spcAft>
-                  <a:spcPts val="0"/>
-                </a:spcAft>
-                <a:buClrTx/>
-                <a:buSzTx/>
-                <a:buFontTx/>
-                <a:buNone/>
-              </a:pPr>
-              <a:r>
-                <a:rPr lang="en-US" sz="1400" dirty="0">
-                  <a:solidFill>
-                    <a:srgbClr val="595959"/>
-                  </a:solidFill>
-                  <a:latin typeface="Segoe UI"/>
-                  <a:ea typeface="+mn-ea"/>
-                </a:rPr>
-                <a:t>Put data into volume-mapped folder</a:t>
+                <a:t>Volume mapping to Azure Files</a:t>
               </a:r>
             </a:p>
           </p:txBody>
@@ -38748,6 +38652,193 @@
                   <a:ea typeface="+mn-ea"/>
                 </a:rPr>
                 <a:t>Volume name</a:t>
+              </a:r>
+            </a:p>
+          </p:txBody>
+        </p:sp>
+      </p:grpSp>
+      <p:cxnSp>
+        <p:nvCxnSpPr>
+          <p:cNvPr id="31" name="Gerade Verbindung mit Pfeil 12"/>
+          <p:cNvCxnSpPr/>
+          <p:nvPr/>
+        </p:nvCxnSpPr>
+        <p:spPr>
+          <a:xfrm flipV="1">
+            <a:off x="970279" y="733428"/>
+            <a:ext cx="1357898" cy="2207698"/>
+          </a:xfrm>
+          <a:prstGeom prst="straightConnector1">
+            <a:avLst/>
+          </a:prstGeom>
+          <a:ln>
+            <a:tailEnd type="triangle"/>
+          </a:ln>
+        </p:spPr>
+        <p:style>
+          <a:lnRef idx="1">
+            <a:schemeClr val="accent3"/>
+          </a:lnRef>
+          <a:fillRef idx="0">
+            <a:schemeClr val="accent3"/>
+          </a:fillRef>
+          <a:effectRef idx="0">
+            <a:schemeClr val="accent3"/>
+          </a:effectRef>
+          <a:fontRef idx="minor">
+            <a:schemeClr val="tx1"/>
+          </a:fontRef>
+        </p:style>
+      </p:cxnSp>
+      <p:cxnSp>
+        <p:nvCxnSpPr>
+          <p:cNvPr id="32" name="Gerade Verbindung mit Pfeil 12"/>
+          <p:cNvCxnSpPr/>
+          <p:nvPr/>
+        </p:nvCxnSpPr>
+        <p:spPr>
+          <a:xfrm flipV="1">
+            <a:off x="1451618" y="3099291"/>
+            <a:ext cx="410024" cy="587003"/>
+          </a:xfrm>
+          <a:prstGeom prst="straightConnector1">
+            <a:avLst/>
+          </a:prstGeom>
+          <a:ln>
+            <a:tailEnd type="triangle"/>
+          </a:ln>
+        </p:spPr>
+        <p:style>
+          <a:lnRef idx="1">
+            <a:schemeClr val="accent3"/>
+          </a:lnRef>
+          <a:fillRef idx="0">
+            <a:schemeClr val="accent3"/>
+          </a:fillRef>
+          <a:effectRef idx="0">
+            <a:schemeClr val="accent3"/>
+          </a:effectRef>
+          <a:fontRef idx="minor">
+            <a:schemeClr val="tx1"/>
+          </a:fontRef>
+        </p:style>
+      </p:cxnSp>
+      <p:grpSp>
+        <p:nvGrpSpPr>
+          <p:cNvPr id="34" name="Gruppieren 18"/>
+          <p:cNvGrpSpPr/>
+          <p:nvPr/>
+        </p:nvGrpSpPr>
+        <p:grpSpPr>
+          <a:xfrm>
+            <a:off x="1861642" y="2185670"/>
+            <a:ext cx="2856427" cy="369912"/>
+            <a:chOff x="3861990" y="1529049"/>
+            <a:chExt cx="2856427" cy="369912"/>
+          </a:xfrm>
+        </p:grpSpPr>
+        <p:cxnSp>
+          <p:nvCxnSpPr>
+            <p:cNvPr id="35" name="Gerader Verbinder 19"/>
+            <p:cNvCxnSpPr/>
+            <p:nvPr/>
+          </p:nvCxnSpPr>
+          <p:spPr>
+            <a:xfrm>
+              <a:off x="3861990" y="1529049"/>
+              <a:ext cx="0" cy="216024"/>
+            </a:xfrm>
+            <a:prstGeom prst="line">
+              <a:avLst/>
+            </a:prstGeom>
+          </p:spPr>
+          <p:style>
+            <a:lnRef idx="2">
+              <a:schemeClr val="dk1"/>
+            </a:lnRef>
+            <a:fillRef idx="0">
+              <a:schemeClr val="dk1"/>
+            </a:fillRef>
+            <a:effectRef idx="1">
+              <a:schemeClr val="dk1"/>
+            </a:effectRef>
+            <a:fontRef idx="minor">
+              <a:schemeClr val="tx1"/>
+            </a:fontRef>
+          </p:style>
+        </p:cxnSp>
+        <p:cxnSp>
+          <p:nvCxnSpPr>
+            <p:cNvPr id="36" name="Gerader Verbinder 20"/>
+            <p:cNvCxnSpPr/>
+            <p:nvPr/>
+          </p:nvCxnSpPr>
+          <p:spPr>
+            <a:xfrm>
+              <a:off x="3861990" y="1745073"/>
+              <a:ext cx="216024" cy="0"/>
+            </a:xfrm>
+            <a:prstGeom prst="line">
+              <a:avLst/>
+            </a:prstGeom>
+          </p:spPr>
+          <p:style>
+            <a:lnRef idx="2">
+              <a:schemeClr val="dk1"/>
+            </a:lnRef>
+            <a:fillRef idx="0">
+              <a:schemeClr val="dk1"/>
+            </a:fillRef>
+            <a:effectRef idx="1">
+              <a:schemeClr val="dk1"/>
+            </a:effectRef>
+            <a:fontRef idx="minor">
+              <a:schemeClr val="tx1"/>
+            </a:fontRef>
+          </p:style>
+        </p:cxnSp>
+        <p:sp>
+          <p:nvSpPr>
+            <p:cNvPr id="37" name="Textfeld 21"/>
+            <p:cNvSpPr txBox="1"/>
+            <p:nvPr/>
+          </p:nvSpPr>
+          <p:spPr>
+            <a:xfrm>
+              <a:off x="4078014" y="1591184"/>
+              <a:ext cx="2640403" cy="307777"/>
+            </a:xfrm>
+            <a:prstGeom prst="rect">
+              <a:avLst/>
+            </a:prstGeom>
+            <a:noFill/>
+          </p:spPr>
+          <p:txBody>
+            <a:bodyPr wrap="none" rtlCol="0">
+              <a:spAutoFit/>
+            </a:bodyPr>
+            <a:lstStyle/>
+            <a:p>
+              <a:pPr defTabSz="914400" fontAlgn="auto">
+                <a:spcBef>
+                  <a:spcPts val="0"/>
+                </a:spcBef>
+                <a:spcAft>
+                  <a:spcPts val="0"/>
+                </a:spcAft>
+                <a:buClrTx/>
+                <a:buSzTx/>
+                <a:buFontTx/>
+                <a:buNone/>
+              </a:pPr>
+              <a:r>
+                <a:rPr lang="en-US" sz="1400" dirty="0">
+                  <a:solidFill>
+                    <a:srgbClr val="595959"/>
+                  </a:solidFill>
+                  <a:latin typeface="Segoe UI"/>
+                </a:rPr>
+                <a:t>Volume container with DB data</a:t>
               </a:r>
             </a:p>
           </p:txBody>

--- a/slides/Docker-Workshop.pptx
+++ b/slides/Docker-Workshop.pptx
@@ -5,6 +5,9 @@
     <p:sldMasterId id="2147483796" r:id="rId1"/>
     <p:sldMasterId id="2147483842" r:id="rId2"/>
   </p:sldMasterIdLst>
+  <p:notesMasterIdLst>
+    <p:notesMasterId r:id="rId58"/>
+  </p:notesMasterIdLst>
   <p:sldIdLst>
     <p:sldId id="297" r:id="rId3"/>
     <p:sldId id="266" r:id="rId4"/>
@@ -13,56 +16,54 @@
     <p:sldId id="271" r:id="rId7"/>
     <p:sldId id="327" r:id="rId8"/>
     <p:sldId id="326" r:id="rId9"/>
-    <p:sldId id="272" r:id="rId10"/>
-    <p:sldId id="324" r:id="rId11"/>
-    <p:sldId id="321" r:id="rId12"/>
-    <p:sldId id="273" r:id="rId13"/>
-    <p:sldId id="315" r:id="rId14"/>
-    <p:sldId id="314" r:id="rId15"/>
-    <p:sldId id="317" r:id="rId16"/>
-    <p:sldId id="316" r:id="rId17"/>
-    <p:sldId id="318" r:id="rId18"/>
-    <p:sldId id="319" r:id="rId19"/>
-    <p:sldId id="301" r:id="rId20"/>
-    <p:sldId id="295" r:id="rId21"/>
-    <p:sldId id="276" r:id="rId22"/>
-    <p:sldId id="325" r:id="rId23"/>
-    <p:sldId id="277" r:id="rId24"/>
-    <p:sldId id="278" r:id="rId25"/>
-    <p:sldId id="279" r:id="rId26"/>
-    <p:sldId id="280" r:id="rId27"/>
-    <p:sldId id="323" r:id="rId28"/>
-    <p:sldId id="302" r:id="rId29"/>
-    <p:sldId id="304" r:id="rId30"/>
-    <p:sldId id="303" r:id="rId31"/>
-    <p:sldId id="305" r:id="rId32"/>
-    <p:sldId id="307" r:id="rId33"/>
-    <p:sldId id="309" r:id="rId34"/>
-    <p:sldId id="310" r:id="rId35"/>
-    <p:sldId id="311" r:id="rId36"/>
-    <p:sldId id="328" r:id="rId37"/>
-    <p:sldId id="329" r:id="rId38"/>
-    <p:sldId id="281" r:id="rId39"/>
-    <p:sldId id="282" r:id="rId40"/>
-    <p:sldId id="308" r:id="rId41"/>
-    <p:sldId id="283" r:id="rId42"/>
-    <p:sldId id="284" r:id="rId43"/>
-    <p:sldId id="285" r:id="rId44"/>
+    <p:sldId id="330" r:id="rId10"/>
+    <p:sldId id="272" r:id="rId11"/>
+    <p:sldId id="324" r:id="rId12"/>
+    <p:sldId id="321" r:id="rId13"/>
+    <p:sldId id="273" r:id="rId14"/>
+    <p:sldId id="315" r:id="rId15"/>
+    <p:sldId id="314" r:id="rId16"/>
+    <p:sldId id="319" r:id="rId17"/>
+    <p:sldId id="301" r:id="rId18"/>
+    <p:sldId id="295" r:id="rId19"/>
+    <p:sldId id="276" r:id="rId20"/>
+    <p:sldId id="325" r:id="rId21"/>
+    <p:sldId id="277" r:id="rId22"/>
+    <p:sldId id="278" r:id="rId23"/>
+    <p:sldId id="279" r:id="rId24"/>
+    <p:sldId id="280" r:id="rId25"/>
+    <p:sldId id="323" r:id="rId26"/>
+    <p:sldId id="302" r:id="rId27"/>
+    <p:sldId id="304" r:id="rId28"/>
+    <p:sldId id="303" r:id="rId29"/>
+    <p:sldId id="305" r:id="rId30"/>
+    <p:sldId id="307" r:id="rId31"/>
+    <p:sldId id="309" r:id="rId32"/>
+    <p:sldId id="310" r:id="rId33"/>
+    <p:sldId id="311" r:id="rId34"/>
+    <p:sldId id="328" r:id="rId35"/>
+    <p:sldId id="329" r:id="rId36"/>
+    <p:sldId id="281" r:id="rId37"/>
+    <p:sldId id="282" r:id="rId38"/>
+    <p:sldId id="308" r:id="rId39"/>
+    <p:sldId id="283" r:id="rId40"/>
+    <p:sldId id="284" r:id="rId41"/>
+    <p:sldId id="285" r:id="rId42"/>
+    <p:sldId id="331" r:id="rId43"/>
+    <p:sldId id="332" r:id="rId44"/>
     <p:sldId id="286" r:id="rId45"/>
     <p:sldId id="287" r:id="rId46"/>
-    <p:sldId id="288" r:id="rId47"/>
-    <p:sldId id="289" r:id="rId48"/>
-    <p:sldId id="290" r:id="rId49"/>
-    <p:sldId id="291" r:id="rId50"/>
-    <p:sldId id="298" r:id="rId51"/>
-    <p:sldId id="299" r:id="rId52"/>
-    <p:sldId id="300" r:id="rId53"/>
-    <p:sldId id="292" r:id="rId54"/>
-    <p:sldId id="313" r:id="rId55"/>
-    <p:sldId id="312" r:id="rId56"/>
-    <p:sldId id="293" r:id="rId57"/>
-    <p:sldId id="294" r:id="rId58"/>
-    <p:sldId id="322" r:id="rId59"/>
+    <p:sldId id="333" r:id="rId47"/>
+    <p:sldId id="288" r:id="rId48"/>
+    <p:sldId id="289" r:id="rId49"/>
+    <p:sldId id="290" r:id="rId50"/>
+    <p:sldId id="291" r:id="rId51"/>
+    <p:sldId id="298" r:id="rId52"/>
+    <p:sldId id="299" r:id="rId53"/>
+    <p:sldId id="300" r:id="rId54"/>
+    <p:sldId id="292" r:id="rId55"/>
+    <p:sldId id="294" r:id="rId56"/>
+    <p:sldId id="322" r:id="rId57"/>
   </p:sldIdLst>
   <p:sldSz cx="9144000" cy="5143500" type="screen16x9"/>
   <p:notesSz cx="6858000" cy="9144000"/>
@@ -232,15 +233,13 @@
             <p14:sldId id="271"/>
             <p14:sldId id="327"/>
             <p14:sldId id="326"/>
+            <p14:sldId id="330"/>
             <p14:sldId id="272"/>
             <p14:sldId id="324"/>
             <p14:sldId id="321"/>
             <p14:sldId id="273"/>
             <p14:sldId id="315"/>
             <p14:sldId id="314"/>
-            <p14:sldId id="317"/>
-            <p14:sldId id="316"/>
-            <p14:sldId id="318"/>
             <p14:sldId id="319"/>
             <p14:sldId id="301"/>
             <p14:sldId id="295"/>
@@ -279,12 +278,15 @@
             <p14:sldId id="283"/>
             <p14:sldId id="284"/>
             <p14:sldId id="285"/>
+            <p14:sldId id="331"/>
+            <p14:sldId id="332"/>
           </p14:sldIdLst>
         </p14:section>
         <p14:section name="Dockerfiles" id="{0B355F9E-902A-4101-8CC5-E7701CDB0899}">
           <p14:sldIdLst>
             <p14:sldId id="286"/>
             <p14:sldId id="287"/>
+            <p14:sldId id="333"/>
             <p14:sldId id="288"/>
             <p14:sldId id="289"/>
             <p14:sldId id="290"/>
@@ -301,9 +303,6 @@
         <p14:section name="ASP.NET in Docker" id="{5980116B-2F2C-41FE-86CC-894B2A81C292}">
           <p14:sldIdLst>
             <p14:sldId id="292"/>
-            <p14:sldId id="313"/>
-            <p14:sldId id="312"/>
-            <p14:sldId id="293"/>
           </p14:sldIdLst>
         </p14:section>
         <p14:section name="Summary" id="{8F29695A-6C56-42BD-A9FB-696D3723D3AD}">
@@ -330,6 +329,460 @@
     </p:ext>
   </p:extLst>
 </p:presentation>
+</file>
+
+<file path=ppt/notesMasters/notesMaster1.xml><?xml version="1.0" encoding="utf-8"?>
+<p:notesMaster xmlns:a="http://schemas.openxmlformats.org/drawingml/2006/main" xmlns:r="http://schemas.openxmlformats.org/officeDocument/2006/relationships" xmlns:p="http://schemas.openxmlformats.org/presentationml/2006/main">
+  <p:cSld>
+    <p:bg>
+      <p:bgRef idx="1001">
+        <a:schemeClr val="bg1"/>
+      </p:bgRef>
+    </p:bg>
+    <p:spTree>
+      <p:nvGrpSpPr>
+        <p:cNvPr id="1" name=""/>
+        <p:cNvGrpSpPr/>
+        <p:nvPr/>
+      </p:nvGrpSpPr>
+      <p:grpSpPr>
+        <a:xfrm>
+          <a:off x="0" y="0"/>
+          <a:ext cx="0" cy="0"/>
+          <a:chOff x="0" y="0"/>
+          <a:chExt cx="0" cy="0"/>
+        </a:xfrm>
+      </p:grpSpPr>
+      <p:sp>
+        <p:nvSpPr>
+          <p:cNvPr id="2" name="Header Placeholder 1"/>
+          <p:cNvSpPr>
+            <a:spLocks noGrp="1"/>
+          </p:cNvSpPr>
+          <p:nvPr>
+            <p:ph type="hdr" sz="quarter"/>
+          </p:nvPr>
+        </p:nvSpPr>
+        <p:spPr>
+          <a:xfrm>
+            <a:off x="0" y="0"/>
+            <a:ext cx="2971800" cy="458788"/>
+          </a:xfrm>
+          <a:prstGeom prst="rect">
+            <a:avLst/>
+          </a:prstGeom>
+        </p:spPr>
+        <p:txBody>
+          <a:bodyPr vert="horz" lIns="91440" tIns="45720" rIns="91440" bIns="45720" rtlCol="0"/>
+          <a:lstStyle>
+            <a:lvl1pPr algn="l">
+              <a:defRPr sz="1200"/>
+            </a:lvl1pPr>
+          </a:lstStyle>
+          <a:p>
+            <a:endParaRPr lang="de-AT"/>
+          </a:p>
+        </p:txBody>
+      </p:sp>
+      <p:sp>
+        <p:nvSpPr>
+          <p:cNvPr id="3" name="Date Placeholder 2"/>
+          <p:cNvSpPr>
+            <a:spLocks noGrp="1"/>
+          </p:cNvSpPr>
+          <p:nvPr>
+            <p:ph type="dt" idx="1"/>
+          </p:nvPr>
+        </p:nvSpPr>
+        <p:spPr>
+          <a:xfrm>
+            <a:off x="3884613" y="0"/>
+            <a:ext cx="2971800" cy="458788"/>
+          </a:xfrm>
+          <a:prstGeom prst="rect">
+            <a:avLst/>
+          </a:prstGeom>
+        </p:spPr>
+        <p:txBody>
+          <a:bodyPr vert="horz" lIns="91440" tIns="45720" rIns="91440" bIns="45720" rtlCol="0"/>
+          <a:lstStyle>
+            <a:lvl1pPr algn="r">
+              <a:defRPr sz="1200"/>
+            </a:lvl1pPr>
+          </a:lstStyle>
+          <a:p>
+            <a:fld id="{D164E45F-6435-4E8D-8DA2-B4FA1A7A853C}" type="datetimeFigureOut">
+              <a:rPr lang="de-AT" smtClean="0"/>
+              <a:t>03.12.2018</a:t>
+            </a:fld>
+            <a:endParaRPr lang="de-AT"/>
+          </a:p>
+        </p:txBody>
+      </p:sp>
+      <p:sp>
+        <p:nvSpPr>
+          <p:cNvPr id="4" name="Slide Image Placeholder 3"/>
+          <p:cNvSpPr>
+            <a:spLocks noGrp="1" noRot="1" noChangeAspect="1"/>
+          </p:cNvSpPr>
+          <p:nvPr>
+            <p:ph type="sldImg" idx="2"/>
+          </p:nvPr>
+        </p:nvSpPr>
+        <p:spPr>
+          <a:xfrm>
+            <a:off x="685800" y="1143000"/>
+            <a:ext cx="5486400" cy="3086100"/>
+          </a:xfrm>
+          <a:prstGeom prst="rect">
+            <a:avLst/>
+          </a:prstGeom>
+          <a:noFill/>
+          <a:ln w="12700">
+            <a:solidFill>
+              <a:prstClr val="black"/>
+            </a:solidFill>
+          </a:ln>
+        </p:spPr>
+        <p:txBody>
+          <a:bodyPr vert="horz" lIns="91440" tIns="45720" rIns="91440" bIns="45720" rtlCol="0" anchor="ctr"/>
+          <a:lstStyle/>
+          <a:p>
+            <a:endParaRPr lang="de-AT"/>
+          </a:p>
+        </p:txBody>
+      </p:sp>
+      <p:sp>
+        <p:nvSpPr>
+          <p:cNvPr id="5" name="Notes Placeholder 4"/>
+          <p:cNvSpPr>
+            <a:spLocks noGrp="1"/>
+          </p:cNvSpPr>
+          <p:nvPr>
+            <p:ph type="body" sz="quarter" idx="3"/>
+          </p:nvPr>
+        </p:nvSpPr>
+        <p:spPr>
+          <a:xfrm>
+            <a:off x="685800" y="4400550"/>
+            <a:ext cx="5486400" cy="3600450"/>
+          </a:xfrm>
+          <a:prstGeom prst="rect">
+            <a:avLst/>
+          </a:prstGeom>
+        </p:spPr>
+        <p:txBody>
+          <a:bodyPr vert="horz" lIns="91440" tIns="45720" rIns="91440" bIns="45720" rtlCol="0"/>
+          <a:lstStyle/>
+          <a:p>
+            <a:pPr lvl="0"/>
+            <a:r>
+              <a:rPr lang="en-US"/>
+              <a:t>Edit Master text styles</a:t>
+            </a:r>
+          </a:p>
+          <a:p>
+            <a:pPr lvl="1"/>
+            <a:r>
+              <a:rPr lang="en-US"/>
+              <a:t>Second level</a:t>
+            </a:r>
+          </a:p>
+          <a:p>
+            <a:pPr lvl="2"/>
+            <a:r>
+              <a:rPr lang="en-US"/>
+              <a:t>Third level</a:t>
+            </a:r>
+          </a:p>
+          <a:p>
+            <a:pPr lvl="3"/>
+            <a:r>
+              <a:rPr lang="en-US"/>
+              <a:t>Fourth level</a:t>
+            </a:r>
+          </a:p>
+          <a:p>
+            <a:pPr lvl="4"/>
+            <a:r>
+              <a:rPr lang="en-US"/>
+              <a:t>Fifth level</a:t>
+            </a:r>
+            <a:endParaRPr lang="de-AT"/>
+          </a:p>
+        </p:txBody>
+      </p:sp>
+      <p:sp>
+        <p:nvSpPr>
+          <p:cNvPr id="6" name="Footer Placeholder 5"/>
+          <p:cNvSpPr>
+            <a:spLocks noGrp="1"/>
+          </p:cNvSpPr>
+          <p:nvPr>
+            <p:ph type="ftr" sz="quarter" idx="4"/>
+          </p:nvPr>
+        </p:nvSpPr>
+        <p:spPr>
+          <a:xfrm>
+            <a:off x="0" y="8685213"/>
+            <a:ext cx="2971800" cy="458787"/>
+          </a:xfrm>
+          <a:prstGeom prst="rect">
+            <a:avLst/>
+          </a:prstGeom>
+        </p:spPr>
+        <p:txBody>
+          <a:bodyPr vert="horz" lIns="91440" tIns="45720" rIns="91440" bIns="45720" rtlCol="0" anchor="b"/>
+          <a:lstStyle>
+            <a:lvl1pPr algn="l">
+              <a:defRPr sz="1200"/>
+            </a:lvl1pPr>
+          </a:lstStyle>
+          <a:p>
+            <a:endParaRPr lang="de-AT"/>
+          </a:p>
+        </p:txBody>
+      </p:sp>
+      <p:sp>
+        <p:nvSpPr>
+          <p:cNvPr id="7" name="Slide Number Placeholder 6"/>
+          <p:cNvSpPr>
+            <a:spLocks noGrp="1"/>
+          </p:cNvSpPr>
+          <p:nvPr>
+            <p:ph type="sldNum" sz="quarter" idx="5"/>
+          </p:nvPr>
+        </p:nvSpPr>
+        <p:spPr>
+          <a:xfrm>
+            <a:off x="3884613" y="8685213"/>
+            <a:ext cx="2971800" cy="458787"/>
+          </a:xfrm>
+          <a:prstGeom prst="rect">
+            <a:avLst/>
+          </a:prstGeom>
+        </p:spPr>
+        <p:txBody>
+          <a:bodyPr vert="horz" lIns="91440" tIns="45720" rIns="91440" bIns="45720" rtlCol="0" anchor="b"/>
+          <a:lstStyle>
+            <a:lvl1pPr algn="r">
+              <a:defRPr sz="1200"/>
+            </a:lvl1pPr>
+          </a:lstStyle>
+          <a:p>
+            <a:fld id="{A295081E-D3A8-4AE0-832B-52582237E66A}" type="slidenum">
+              <a:rPr lang="de-AT" smtClean="0"/>
+              <a:t>‹#›</a:t>
+            </a:fld>
+            <a:endParaRPr lang="de-AT"/>
+          </a:p>
+        </p:txBody>
+      </p:sp>
+    </p:spTree>
+    <p:extLst>
+      <p:ext uri="{BB962C8B-B14F-4D97-AF65-F5344CB8AC3E}">
+        <p14:creationId xmlns:p14="http://schemas.microsoft.com/office/powerpoint/2010/main" val="2518071869"/>
+      </p:ext>
+    </p:extLst>
+  </p:cSld>
+  <p:clrMap bg1="lt1" tx1="dk1" bg2="lt2" tx2="dk2" accent1="accent1" accent2="accent2" accent3="accent3" accent4="accent4" accent5="accent5" accent6="accent6" hlink="hlink" folHlink="folHlink"/>
+  <p:notesStyle>
+    <a:lvl1pPr marL="0" algn="l" defTabSz="914400" rtl="0" eaLnBrk="1" latinLnBrk="0" hangingPunct="1">
+      <a:defRPr sz="1200" kern="1200">
+        <a:solidFill>
+          <a:schemeClr val="tx1"/>
+        </a:solidFill>
+        <a:latin typeface="+mn-lt"/>
+        <a:ea typeface="+mn-ea"/>
+        <a:cs typeface="+mn-cs"/>
+      </a:defRPr>
+    </a:lvl1pPr>
+    <a:lvl2pPr marL="457200" algn="l" defTabSz="914400" rtl="0" eaLnBrk="1" latinLnBrk="0" hangingPunct="1">
+      <a:defRPr sz="1200" kern="1200">
+        <a:solidFill>
+          <a:schemeClr val="tx1"/>
+        </a:solidFill>
+        <a:latin typeface="+mn-lt"/>
+        <a:ea typeface="+mn-ea"/>
+        <a:cs typeface="+mn-cs"/>
+      </a:defRPr>
+    </a:lvl2pPr>
+    <a:lvl3pPr marL="914400" algn="l" defTabSz="914400" rtl="0" eaLnBrk="1" latinLnBrk="0" hangingPunct="1">
+      <a:defRPr sz="1200" kern="1200">
+        <a:solidFill>
+          <a:schemeClr val="tx1"/>
+        </a:solidFill>
+        <a:latin typeface="+mn-lt"/>
+        <a:ea typeface="+mn-ea"/>
+        <a:cs typeface="+mn-cs"/>
+      </a:defRPr>
+    </a:lvl3pPr>
+    <a:lvl4pPr marL="1371600" algn="l" defTabSz="914400" rtl="0" eaLnBrk="1" latinLnBrk="0" hangingPunct="1">
+      <a:defRPr sz="1200" kern="1200">
+        <a:solidFill>
+          <a:schemeClr val="tx1"/>
+        </a:solidFill>
+        <a:latin typeface="+mn-lt"/>
+        <a:ea typeface="+mn-ea"/>
+        <a:cs typeface="+mn-cs"/>
+      </a:defRPr>
+    </a:lvl4pPr>
+    <a:lvl5pPr marL="1828800" algn="l" defTabSz="914400" rtl="0" eaLnBrk="1" latinLnBrk="0" hangingPunct="1">
+      <a:defRPr sz="1200" kern="1200">
+        <a:solidFill>
+          <a:schemeClr val="tx1"/>
+        </a:solidFill>
+        <a:latin typeface="+mn-lt"/>
+        <a:ea typeface="+mn-ea"/>
+        <a:cs typeface="+mn-cs"/>
+      </a:defRPr>
+    </a:lvl5pPr>
+    <a:lvl6pPr marL="2286000" algn="l" defTabSz="914400" rtl="0" eaLnBrk="1" latinLnBrk="0" hangingPunct="1">
+      <a:defRPr sz="1200" kern="1200">
+        <a:solidFill>
+          <a:schemeClr val="tx1"/>
+        </a:solidFill>
+        <a:latin typeface="+mn-lt"/>
+        <a:ea typeface="+mn-ea"/>
+        <a:cs typeface="+mn-cs"/>
+      </a:defRPr>
+    </a:lvl6pPr>
+    <a:lvl7pPr marL="2743200" algn="l" defTabSz="914400" rtl="0" eaLnBrk="1" latinLnBrk="0" hangingPunct="1">
+      <a:defRPr sz="1200" kern="1200">
+        <a:solidFill>
+          <a:schemeClr val="tx1"/>
+        </a:solidFill>
+        <a:latin typeface="+mn-lt"/>
+        <a:ea typeface="+mn-ea"/>
+        <a:cs typeface="+mn-cs"/>
+      </a:defRPr>
+    </a:lvl7pPr>
+    <a:lvl8pPr marL="3200400" algn="l" defTabSz="914400" rtl="0" eaLnBrk="1" latinLnBrk="0" hangingPunct="1">
+      <a:defRPr sz="1200" kern="1200">
+        <a:solidFill>
+          <a:schemeClr val="tx1"/>
+        </a:solidFill>
+        <a:latin typeface="+mn-lt"/>
+        <a:ea typeface="+mn-ea"/>
+        <a:cs typeface="+mn-cs"/>
+      </a:defRPr>
+    </a:lvl8pPr>
+    <a:lvl9pPr marL="3657600" algn="l" defTabSz="914400" rtl="0" eaLnBrk="1" latinLnBrk="0" hangingPunct="1">
+      <a:defRPr sz="1200" kern="1200">
+        <a:solidFill>
+          <a:schemeClr val="tx1"/>
+        </a:solidFill>
+        <a:latin typeface="+mn-lt"/>
+        <a:ea typeface="+mn-ea"/>
+        <a:cs typeface="+mn-cs"/>
+      </a:defRPr>
+    </a:lvl9pPr>
+  </p:notesStyle>
+</p:notesMaster>
+</file>
+
+<file path=ppt/notesSlides/notesSlide1.xml><?xml version="1.0" encoding="utf-8"?>
+<p:notes xmlns:a="http://schemas.openxmlformats.org/drawingml/2006/main" xmlns:r="http://schemas.openxmlformats.org/officeDocument/2006/relationships" xmlns:p="http://schemas.openxmlformats.org/presentationml/2006/main">
+  <p:cSld>
+    <p:spTree>
+      <p:nvGrpSpPr>
+        <p:cNvPr id="1" name=""/>
+        <p:cNvGrpSpPr/>
+        <p:nvPr/>
+      </p:nvGrpSpPr>
+      <p:grpSpPr>
+        <a:xfrm>
+          <a:off x="0" y="0"/>
+          <a:ext cx="0" cy="0"/>
+          <a:chOff x="0" y="0"/>
+          <a:chExt cx="0" cy="0"/>
+        </a:xfrm>
+      </p:grpSpPr>
+      <p:sp>
+        <p:nvSpPr>
+          <p:cNvPr id="2" name="Slide Image Placeholder 1"/>
+          <p:cNvSpPr>
+            <a:spLocks noGrp="1" noRot="1" noChangeAspect="1"/>
+          </p:cNvSpPr>
+          <p:nvPr>
+            <p:ph type="sldImg"/>
+          </p:nvPr>
+        </p:nvSpPr>
+        <p:spPr/>
+      </p:sp>
+      <p:sp>
+        <p:nvSpPr>
+          <p:cNvPr id="3" name="Notes Placeholder 2"/>
+          <p:cNvSpPr>
+            <a:spLocks noGrp="1"/>
+          </p:cNvSpPr>
+          <p:nvPr>
+            <p:ph type="body" idx="1"/>
+          </p:nvPr>
+        </p:nvSpPr>
+        <p:spPr/>
+        <p:txBody>
+          <a:bodyPr/>
+          <a:lstStyle/>
+          <a:p>
+            <a:r>
+              <a:rPr lang="de-AT" dirty="0"/>
+              <a:t>Read </a:t>
+            </a:r>
+            <a:r>
+              <a:rPr lang="de-AT" dirty="0" err="1"/>
+              <a:t>docs</a:t>
+            </a:r>
+            <a:r>
+              <a:rPr lang="de-AT" dirty="0"/>
+              <a:t> offline: </a:t>
+            </a:r>
+            <a:r>
+              <a:rPr lang="en-US" dirty="0"/>
+              <a:t>docker run -it -p 4000:4000 docs/</a:t>
+            </a:r>
+            <a:r>
+              <a:rPr lang="en-US" dirty="0" err="1"/>
+              <a:t>docker.github.io:latest</a:t>
+            </a:r>
+            <a:endParaRPr lang="de-AT" dirty="0"/>
+          </a:p>
+        </p:txBody>
+      </p:sp>
+      <p:sp>
+        <p:nvSpPr>
+          <p:cNvPr id="4" name="Slide Number Placeholder 3"/>
+          <p:cNvSpPr>
+            <a:spLocks noGrp="1"/>
+          </p:cNvSpPr>
+          <p:nvPr>
+            <p:ph type="sldNum" sz="quarter" idx="5"/>
+          </p:nvPr>
+        </p:nvSpPr>
+        <p:spPr/>
+        <p:txBody>
+          <a:bodyPr/>
+          <a:lstStyle/>
+          <a:p>
+            <a:fld id="{A295081E-D3A8-4AE0-832B-52582237E66A}" type="slidenum">
+              <a:rPr lang="de-AT" smtClean="0"/>
+              <a:t>3</a:t>
+            </a:fld>
+            <a:endParaRPr lang="de-AT"/>
+          </a:p>
+        </p:txBody>
+      </p:sp>
+    </p:spTree>
+    <p:extLst>
+      <p:ext uri="{BB962C8B-B14F-4D97-AF65-F5344CB8AC3E}">
+        <p14:creationId xmlns:p14="http://schemas.microsoft.com/office/powerpoint/2010/main" val="892128343"/>
+      </p:ext>
+    </p:extLst>
+  </p:cSld>
+  <p:clrMapOvr>
+    <a:masterClrMapping/>
+  </p:clrMapOvr>
+</p:notes>
 </file>
 
 <file path=ppt/slideLayouts/slideLayout1.xml><?xml version="1.0" encoding="utf-8"?>
@@ -29457,12 +29910,8 @@
           <a:lstStyle/>
           <a:p>
             <a:r>
-              <a:rPr lang="de-AT" dirty="0" err="1"/>
-              <a:t>For</a:t>
-            </a:r>
-            <a:r>
               <a:rPr lang="de-AT" dirty="0"/>
-              <a:t> Software Developers</a:t>
+              <a:t>Basics</a:t>
             </a:r>
             <a:endParaRPr lang="en-US" dirty="0"/>
           </a:p>
@@ -29562,6 +30011,170 @@
           <a:p>
             <a:r>
               <a:rPr lang="en-US" dirty="0"/>
+              <a:t>What to Use Docker For?</a:t>
+            </a:r>
+          </a:p>
+        </p:txBody>
+      </p:sp>
+      <p:sp>
+        <p:nvSpPr>
+          <p:cNvPr id="3" name="Content Placeholder 2"/>
+          <p:cNvSpPr>
+            <a:spLocks noGrp="1"/>
+          </p:cNvSpPr>
+          <p:nvPr>
+            <p:ph sz="quarter" idx="12"/>
+          </p:nvPr>
+        </p:nvSpPr>
+        <p:spPr/>
+        <p:txBody>
+          <a:bodyPr/>
+          <a:lstStyle/>
+          <a:p>
+            <a:r>
+              <a:rPr lang="en-US" dirty="0"/>
+              <a:t>Make dev/test/prod-cycle more productive</a:t>
+            </a:r>
+          </a:p>
+          <a:p>
+            <a:pPr lvl="1"/>
+            <a:r>
+              <a:rPr lang="en-US" dirty="0"/>
+              <a:t>Developers build containers, not apps</a:t>
+            </a:r>
+          </a:p>
+          <a:p>
+            <a:pPr lvl="1"/>
+            <a:r>
+              <a:rPr lang="en-US" dirty="0"/>
+              <a:t>Containerize build-, test- and CI-tools</a:t>
+            </a:r>
+          </a:p>
+          <a:p>
+            <a:r>
+              <a:rPr lang="en-US" dirty="0"/>
+              <a:t>Segregation of duties</a:t>
+            </a:r>
+          </a:p>
+          <a:p>
+            <a:pPr lvl="1"/>
+            <a:r>
+              <a:rPr lang="en-US" dirty="0"/>
+              <a:t>Dev cares for app running in container, ops cares for managing containers</a:t>
+            </a:r>
+          </a:p>
+          <a:p>
+            <a:r>
+              <a:rPr lang="en-US" dirty="0" err="1"/>
+              <a:t>Microservices</a:t>
+            </a:r>
+            <a:endParaRPr lang="en-US" dirty="0"/>
+          </a:p>
+          <a:p>
+            <a:pPr lvl="1"/>
+            <a:r>
+              <a:rPr lang="en-US" dirty="0"/>
+              <a:t>Isolate services</a:t>
+            </a:r>
+          </a:p>
+          <a:p>
+            <a:pPr lvl="1"/>
+            <a:r>
+              <a:rPr lang="en-US" dirty="0"/>
+              <a:t>Consistency across stages (dev/test/prod)</a:t>
+            </a:r>
+          </a:p>
+          <a:p>
+            <a:r>
+              <a:rPr lang="en-US" dirty="0"/>
+              <a:t>Test even complex environments locally</a:t>
+            </a:r>
+          </a:p>
+          <a:p>
+            <a:pPr lvl="1"/>
+            <a:r>
+              <a:rPr lang="en-US" dirty="0"/>
+              <a:t>Containers are lightweight </a:t>
+            </a:r>
+            <a:r>
+              <a:rPr lang="en-US" dirty="0">
+                <a:sym typeface="Wingdings" panose="05000000000000000000" pitchFamily="2" charset="2"/>
+              </a:rPr>
+              <a:t> run on rather small dev boxes</a:t>
+            </a:r>
+            <a:endParaRPr lang="en-US" dirty="0"/>
+          </a:p>
+        </p:txBody>
+      </p:sp>
+      <p:sp>
+        <p:nvSpPr>
+          <p:cNvPr id="4" name="Text Placeholder 3"/>
+          <p:cNvSpPr>
+            <a:spLocks noGrp="1"/>
+          </p:cNvSpPr>
+          <p:nvPr>
+            <p:ph type="body" sz="quarter" idx="23"/>
+          </p:nvPr>
+        </p:nvSpPr>
+        <p:spPr/>
+        <p:txBody>
+          <a:bodyPr/>
+          <a:lstStyle/>
+          <a:p>
+            <a:endParaRPr lang="en-US" dirty="0"/>
+          </a:p>
+        </p:txBody>
+      </p:sp>
+    </p:spTree>
+    <p:extLst>
+      <p:ext uri="{BB962C8B-B14F-4D97-AF65-F5344CB8AC3E}">
+        <p14:creationId xmlns:p14="http://schemas.microsoft.com/office/powerpoint/2010/main" val="1160898887"/>
+      </p:ext>
+    </p:extLst>
+  </p:cSld>
+  <p:clrMapOvr>
+    <a:masterClrMapping/>
+  </p:clrMapOvr>
+  <p:transition spd="slow">
+    <p:push/>
+  </p:transition>
+</p:sld>
+</file>
+
+<file path=ppt/slides/slide11.xml><?xml version="1.0" encoding="utf-8"?>
+<p:sld xmlns:a="http://schemas.openxmlformats.org/drawingml/2006/main" xmlns:r="http://schemas.openxmlformats.org/officeDocument/2006/relationships" xmlns:p="http://schemas.openxmlformats.org/presentationml/2006/main">
+  <p:cSld>
+    <p:spTree>
+      <p:nvGrpSpPr>
+        <p:cNvPr id="1" name=""/>
+        <p:cNvGrpSpPr/>
+        <p:nvPr/>
+      </p:nvGrpSpPr>
+      <p:grpSpPr>
+        <a:xfrm>
+          <a:off x="0" y="0"/>
+          <a:ext cx="0" cy="0"/>
+          <a:chOff x="0" y="0"/>
+          <a:chExt cx="0" cy="0"/>
+        </a:xfrm>
+      </p:grpSpPr>
+      <p:sp>
+        <p:nvSpPr>
+          <p:cNvPr id="2" name="Title 1"/>
+          <p:cNvSpPr>
+            <a:spLocks noGrp="1"/>
+          </p:cNvSpPr>
+          <p:nvPr>
+            <p:ph type="title"/>
+          </p:nvPr>
+        </p:nvSpPr>
+        <p:spPr/>
+        <p:txBody>
+          <a:bodyPr/>
+          <a:lstStyle/>
+          <a:p>
+            <a:r>
+              <a:rPr lang="en-US" dirty="0"/>
               <a:t>Docker Tools</a:t>
             </a:r>
           </a:p>
@@ -29614,7 +30227,7 @@
 </p:sld>
 </file>
 
-<file path=ppt/slides/slide11.xml><?xml version="1.0" encoding="utf-8"?>
+<file path=ppt/slides/slide12.xml><?xml version="1.0" encoding="utf-8"?>
 <p:sld xmlns:a="http://schemas.openxmlformats.org/drawingml/2006/main" xmlns:r="http://schemas.openxmlformats.org/officeDocument/2006/relationships" xmlns:p="http://schemas.openxmlformats.org/presentationml/2006/main">
   <p:cSld>
     <p:spTree>
@@ -29672,7 +30285,7 @@
               <a:rPr lang="en-US" dirty="0">
                 <a:hlinkClick r:id="rId2"/>
               </a:rPr>
-              <a:t>Docker Toolbox</a:t>
+              <a:t>Docker Desktop</a:t>
             </a:r>
             <a:endParaRPr lang="en-US" dirty="0"/>
           </a:p>
@@ -29680,13 +30293,14 @@
             <a:pPr lvl="1"/>
             <a:r>
               <a:rPr lang="en-US" dirty="0"/>
-              <a:t>Docker environment for Windows and Mac incl. </a:t>
-            </a:r>
-            <a:r>
-              <a:rPr lang="en-US" dirty="0" err="1"/>
-              <a:t>VirtualBox</a:t>
-            </a:r>
-            <a:endParaRPr lang="en-US" dirty="0"/>
+              <a:t>Docker environment for Windows and Mac</a:t>
+            </a:r>
+          </a:p>
+          <a:p>
+            <a:r>
+              <a:rPr lang="en-US" dirty="0"/>
+              <a:t>Container virtualization in Windows</a:t>
+            </a:r>
           </a:p>
           <a:p>
             <a:pPr lvl="1"/>
@@ -29694,65 +30308,37 @@
               <a:rPr lang="en-US" dirty="0">
                 <a:hlinkClick r:id="rId3"/>
               </a:rPr>
-              <a:t>Docker Machine</a:t>
-            </a:r>
-            <a:r>
-              <a:rPr lang="en-US" dirty="0"/>
-              <a:t>: Support for </a:t>
+              <a:t>Windows Containers Quick Start</a:t>
+            </a:r>
+            <a:endParaRPr lang="en-US" dirty="0"/>
+          </a:p>
+          <a:p>
+            <a:r>
+              <a:rPr lang="en-US" dirty="0"/>
+              <a:t>Use Azure to play with Docker</a:t>
+            </a:r>
+          </a:p>
+          <a:p>
+            <a:pPr lvl="1"/>
+            <a:r>
+              <a:rPr lang="en-US" dirty="0"/>
+              <a:t>Existing VM image (</a:t>
+            </a:r>
+            <a:r>
+              <a:rPr lang="en-US" i="1" dirty="0"/>
+              <a:t>Docker on Ubuntu server</a:t>
+            </a:r>
+            <a:r>
+              <a:rPr lang="en-US" dirty="0"/>
+              <a:t>) in </a:t>
             </a:r>
             <a:r>
               <a:rPr lang="en-US" dirty="0">
                 <a:hlinkClick r:id="rId4"/>
               </a:rPr>
-              <a:t>Hyper-V</a:t>
-            </a:r>
-            <a:r>
-              <a:rPr lang="en-US" dirty="0"/>
-              <a:t> and </a:t>
-            </a:r>
-            <a:r>
-              <a:rPr lang="en-US" dirty="0">
-                <a:hlinkClick r:id="rId5"/>
-              </a:rPr>
-              <a:t>Microsoft Azure</a:t>
+              <a:t>Azure marketplace</a:t>
             </a:r>
             <a:endParaRPr lang="en-US" dirty="0"/>
-          </a:p>
-          <a:p>
-            <a:r>
-              <a:rPr lang="en-US" dirty="0"/>
-              <a:t>Container virtualization in Windows</a:t>
-            </a:r>
-          </a:p>
-          <a:p>
-            <a:pPr lvl="1"/>
-            <a:r>
-              <a:rPr lang="en-US" dirty="0"/>
-              <a:t>Announced for next version of Windows Server</a:t>
-            </a:r>
-          </a:p>
-          <a:p>
-            <a:pPr lvl="1"/>
-            <a:r>
-              <a:rPr lang="en-US" dirty="0">
-                <a:hlinkClick r:id="rId6"/>
-              </a:rPr>
-              <a:t>Windows Containers Quick Start</a:t>
-            </a:r>
-            <a:endParaRPr lang="en-US" dirty="0"/>
-          </a:p>
-          <a:p>
-            <a:r>
-              <a:rPr lang="en-US" dirty="0"/>
-              <a:t>Use Azure to play with Docker</a:t>
-            </a:r>
-          </a:p>
-          <a:p>
-            <a:pPr lvl="1"/>
-            <a:r>
-              <a:rPr lang="en-US" dirty="0"/>
-              <a:t>Existing VM image (Docker on Ubuntu server) in Azure marketplace</a:t>
-            </a:r>
           </a:p>
           <a:p>
             <a:pPr lvl="1"/>
@@ -29766,7 +30352,7 @@
             </a:r>
             <a:r>
               <a:rPr lang="en-US" sz="1400" dirty="0">
-                <a:hlinkClick r:id="rId7"/>
+                <a:hlinkClick r:id="rId5"/>
               </a:rPr>
               <a:t>https://hub.docker.com/r/microsoft/azure-cli/</a:t>
             </a:r>
@@ -29801,142 +30387,6 @@
     <p:extLst>
       <p:ext uri="{BB962C8B-B14F-4D97-AF65-F5344CB8AC3E}">
         <p14:creationId xmlns:p14="http://schemas.microsoft.com/office/powerpoint/2010/main" val="4210568527"/>
-      </p:ext>
-    </p:extLst>
-  </p:cSld>
-  <p:clrMapOvr>
-    <a:masterClrMapping/>
-  </p:clrMapOvr>
-  <p:transition spd="slow">
-    <p:push/>
-  </p:transition>
-</p:sld>
-</file>
-
-<file path=ppt/slides/slide12.xml><?xml version="1.0" encoding="utf-8"?>
-<p:sld xmlns:a="http://schemas.openxmlformats.org/drawingml/2006/main" xmlns:r="http://schemas.openxmlformats.org/officeDocument/2006/relationships" xmlns:p="http://schemas.openxmlformats.org/presentationml/2006/main">
-  <p:cSld>
-    <p:spTree>
-      <p:nvGrpSpPr>
-        <p:cNvPr id="1" name=""/>
-        <p:cNvGrpSpPr/>
-        <p:nvPr/>
-      </p:nvGrpSpPr>
-      <p:grpSpPr>
-        <a:xfrm>
-          <a:off x="0" y="0"/>
-          <a:ext cx="0" cy="0"/>
-          <a:chOff x="0" y="0"/>
-          <a:chExt cx="0" cy="0"/>
-        </a:xfrm>
-      </p:grpSpPr>
-      <p:sp>
-        <p:nvSpPr>
-          <p:cNvPr id="6" name="Title 5"/>
-          <p:cNvSpPr>
-            <a:spLocks noGrp="1"/>
-          </p:cNvSpPr>
-          <p:nvPr>
-            <p:ph type="title"/>
-          </p:nvPr>
-        </p:nvSpPr>
-        <p:spPr/>
-        <p:txBody>
-          <a:bodyPr/>
-          <a:lstStyle/>
-          <a:p>
-            <a:r>
-              <a:rPr lang="en-US" dirty="0"/>
-              <a:t>Visual Studio DevOps Tooling</a:t>
-            </a:r>
-          </a:p>
-        </p:txBody>
-      </p:sp>
-      <p:sp>
-        <p:nvSpPr>
-          <p:cNvPr id="7" name="Content Placeholder 6"/>
-          <p:cNvSpPr>
-            <a:spLocks noGrp="1"/>
-          </p:cNvSpPr>
-          <p:nvPr>
-            <p:ph sz="quarter" idx="12"/>
-          </p:nvPr>
-        </p:nvSpPr>
-        <p:spPr/>
-        <p:txBody>
-          <a:bodyPr/>
-          <a:lstStyle/>
-          <a:p>
-            <a:r>
-              <a:rPr lang="en-US" dirty="0"/>
-              <a:t>Docker Extension for Visual Studio Code</a:t>
-            </a:r>
-          </a:p>
-          <a:p>
-            <a:pPr lvl="1"/>
-            <a:r>
-              <a:rPr lang="en-US" dirty="0">
-                <a:hlinkClick r:id="rId2"/>
-              </a:rPr>
-              <a:t>https://code.visualstudio.com/Docs/languages/dockerfile</a:t>
-            </a:r>
-            <a:endParaRPr lang="en-US" dirty="0"/>
-          </a:p>
-          <a:p>
-            <a:r>
-              <a:rPr lang="en-US" dirty="0"/>
-              <a:t>Visual Studio 2015 Tools for Docker</a:t>
-            </a:r>
-          </a:p>
-          <a:p>
-            <a:pPr lvl="1"/>
-            <a:r>
-              <a:rPr lang="en-US" dirty="0">
-                <a:hlinkClick r:id="rId3"/>
-              </a:rPr>
-              <a:t>https://visualstudiogallery.msdn.microsoft.com/0f5b2caa-ea00-41c8-b8a2-058c7da0b3e4</a:t>
-            </a:r>
-            <a:endParaRPr lang="en-US" dirty="0"/>
-          </a:p>
-          <a:p>
-            <a:pPr lvl="1"/>
-            <a:r>
-              <a:rPr lang="en-US" dirty="0"/>
-              <a:t>Step-by-step description for </a:t>
-            </a:r>
-            <a:r>
-              <a:rPr lang="en-US" dirty="0">
-                <a:hlinkClick r:id="rId4"/>
-              </a:rPr>
-              <a:t>deploying an ASP.NET Web App</a:t>
-            </a:r>
-            <a:endParaRPr lang="en-US" dirty="0"/>
-          </a:p>
-        </p:txBody>
-      </p:sp>
-      <p:sp>
-        <p:nvSpPr>
-          <p:cNvPr id="8" name="Text Placeholder 7"/>
-          <p:cNvSpPr>
-            <a:spLocks noGrp="1"/>
-          </p:cNvSpPr>
-          <p:nvPr>
-            <p:ph type="body" sz="quarter" idx="23"/>
-          </p:nvPr>
-        </p:nvSpPr>
-        <p:spPr/>
-        <p:txBody>
-          <a:bodyPr/>
-          <a:lstStyle/>
-          <a:p>
-            <a:endParaRPr lang="en-US" dirty="0"/>
-          </a:p>
-        </p:txBody>
-      </p:sp>
-    </p:spTree>
-    <p:extLst>
-      <p:ext uri="{BB962C8B-B14F-4D97-AF65-F5344CB8AC3E}">
-        <p14:creationId xmlns:p14="http://schemas.microsoft.com/office/powerpoint/2010/main" val="2597850747"/>
       </p:ext>
     </p:extLst>
   </p:cSld>
@@ -29968,12 +30418,12 @@
       </p:grpSpPr>
       <p:sp>
         <p:nvSpPr>
-          <p:cNvPr id="2" name="Textplatzhalter 1"/>
+          <p:cNvPr id="6" name="Title 5"/>
           <p:cNvSpPr>
             <a:spLocks noGrp="1"/>
           </p:cNvSpPr>
           <p:nvPr>
-            <p:ph type="body" sz="quarter" idx="16"/>
+            <p:ph type="title"/>
           </p:nvPr>
         </p:nvSpPr>
         <p:spPr/>
@@ -29983,19 +30433,19 @@
           <a:p>
             <a:r>
               <a:rPr lang="en-US" dirty="0"/>
-              <a:t>Docker in Azure</a:t>
+              <a:t>Visual Studio DevOps Tooling</a:t>
             </a:r>
           </a:p>
         </p:txBody>
       </p:sp>
       <p:sp>
         <p:nvSpPr>
-          <p:cNvPr id="3" name="Textplatzhalter 2"/>
+          <p:cNvPr id="7" name="Content Placeholder 6"/>
           <p:cNvSpPr>
             <a:spLocks noGrp="1"/>
           </p:cNvSpPr>
           <p:nvPr>
-            <p:ph type="body" sz="quarter" idx="24"/>
+            <p:ph sz="quarter" idx="12"/>
           </p:nvPr>
         </p:nvSpPr>
         <p:spPr/>
@@ -30005,7 +30455,7 @@
           <a:p>
             <a:r>
               <a:rPr lang="en-US" dirty="0"/>
-              <a:t>Ubuntu server with Docker in Microsoft Azure</a:t>
+              <a:t>Docker Extension for Visual Studio Code</a:t>
             </a:r>
           </a:p>
           <a:p>
@@ -30014,40 +30464,40 @@
               <a:rPr lang="en-US" dirty="0">
                 <a:hlinkClick r:id="rId2"/>
               </a:rPr>
-              <a:t>Azure Docker Extension</a:t>
+              <a:t>https://marketplace.visualstudio.com/items?itemName=PeterJausovec.vscode-docker</a:t>
             </a:r>
             <a:endParaRPr lang="en-US" dirty="0"/>
           </a:p>
           <a:p>
             <a:r>
               <a:rPr lang="en-US" dirty="0"/>
-              <a:t>ARM Template</a:t>
+              <a:t>Docker in Visual Studio 2017</a:t>
             </a:r>
           </a:p>
           <a:p>
             <a:pPr lvl="1"/>
+            <a:r>
+              <a:rPr lang="en-US" dirty="0"/>
+              <a:t>Step-by-step description for </a:t>
+            </a:r>
             <a:r>
               <a:rPr lang="en-US" dirty="0">
                 <a:hlinkClick r:id="rId3"/>
               </a:rPr>
-              <a:t>https://github.com/rstropek/DockerVS2015Intro/tree/master/dockerDemos/00-AzureARM</a:t>
-            </a:r>
-            <a:endParaRPr lang="en-US" dirty="0"/>
-          </a:p>
-          <a:p>
-            <a:pPr lvl="1"/>
+              <a:t>deploying an ASP.NET Web App</a:t>
+            </a:r>
             <a:endParaRPr lang="en-US" dirty="0"/>
           </a:p>
         </p:txBody>
       </p:sp>
       <p:sp>
         <p:nvSpPr>
-          <p:cNvPr id="4" name="Textplatzhalter 3"/>
+          <p:cNvPr id="8" name="Text Placeholder 7"/>
           <p:cNvSpPr>
             <a:spLocks noGrp="1"/>
           </p:cNvSpPr>
           <p:nvPr>
-            <p:ph type="body" sz="quarter" idx="25"/>
+            <p:ph type="body" sz="quarter" idx="23"/>
           </p:nvPr>
         </p:nvSpPr>
         <p:spPr/>
@@ -30055,25 +30505,6 @@
           <a:bodyPr/>
           <a:lstStyle/>
           <a:p>
-            <a:endParaRPr lang="en-US"/>
-          </a:p>
-        </p:txBody>
-      </p:sp>
-      <p:sp>
-        <p:nvSpPr>
-          <p:cNvPr id="5" name="Textplatzhalter 4"/>
-          <p:cNvSpPr>
-            <a:spLocks noGrp="1"/>
-          </p:cNvSpPr>
-          <p:nvPr>
-            <p:ph type="body" sz="quarter" idx="26"/>
-          </p:nvPr>
-        </p:nvSpPr>
-        <p:spPr/>
-        <p:txBody>
-          <a:bodyPr/>
-          <a:lstStyle/>
-          <a:p>
             <a:endParaRPr lang="en-US" dirty="0"/>
           </a:p>
         </p:txBody>
@@ -30081,7 +30512,7 @@
     </p:spTree>
     <p:extLst>
       <p:ext uri="{BB962C8B-B14F-4D97-AF65-F5344CB8AC3E}">
-        <p14:creationId xmlns:p14="http://schemas.microsoft.com/office/powerpoint/2010/main" val="2815483392"/>
+        <p14:creationId xmlns:p14="http://schemas.microsoft.com/office/powerpoint/2010/main" val="2597850747"/>
       </p:ext>
     </p:extLst>
   </p:cSld>
@@ -30113,12 +30544,12 @@
       </p:grpSpPr>
       <p:sp>
         <p:nvSpPr>
-          <p:cNvPr id="5" name="Titel 4"/>
+          <p:cNvPr id="2" name="Textplatzhalter 1"/>
           <p:cNvSpPr>
             <a:spLocks noGrp="1"/>
           </p:cNvSpPr>
           <p:nvPr>
-            <p:ph type="title"/>
+            <p:ph type="body" sz="quarter" idx="16"/>
           </p:nvPr>
         </p:nvSpPr>
         <p:spPr/>
@@ -30128,19 +30559,19 @@
           <a:p>
             <a:r>
               <a:rPr lang="en-US" dirty="0"/>
-              <a:t>Docker Machine</a:t>
+              <a:t>Docker in Azure</a:t>
             </a:r>
           </a:p>
         </p:txBody>
       </p:sp>
       <p:sp>
         <p:nvSpPr>
-          <p:cNvPr id="6" name="Inhaltsplatzhalter 5"/>
+          <p:cNvPr id="3" name="Textplatzhalter 2"/>
           <p:cNvSpPr>
             <a:spLocks noGrp="1"/>
           </p:cNvSpPr>
           <p:nvPr>
-            <p:ph sz="quarter" idx="12"/>
+            <p:ph type="body" sz="quarter" idx="24"/>
           </p:nvPr>
         </p:nvSpPr>
         <p:spPr/>
@@ -30150,7 +30581,7 @@
           <a:p>
             <a:r>
               <a:rPr lang="en-US" dirty="0"/>
-              <a:t>Documentation</a:t>
+              <a:t>Ubuntu server with Docker in Microsoft Azure</a:t>
             </a:r>
           </a:p>
           <a:p>
@@ -30159,296 +30590,40 @@
               <a:rPr lang="en-US" dirty="0">
                 <a:hlinkClick r:id="rId2"/>
               </a:rPr>
-              <a:t>https://docs.docker.com/machine/overview/</a:t>
+              <a:t>Azure Docker Extension</a:t>
             </a:r>
             <a:endParaRPr lang="en-US" dirty="0"/>
           </a:p>
           <a:p>
             <a:r>
               <a:rPr lang="en-US" dirty="0"/>
-              <a:t>Important Commands for Docker Machine</a:t>
+              <a:t>ARM Template</a:t>
             </a:r>
           </a:p>
           <a:p>
             <a:pPr lvl="1"/>
             <a:r>
-              <a:rPr lang="en-US" dirty="0" err="1">
-                <a:latin typeface="Courier New" panose="02070309020205020404" pitchFamily="49" charset="0"/>
-                <a:cs typeface="Courier New" panose="02070309020205020404" pitchFamily="49" charset="0"/>
+              <a:rPr lang="en-US" dirty="0">
                 <a:hlinkClick r:id="rId3"/>
               </a:rPr>
-              <a:t>docker</a:t>
-            </a:r>
-            <a:r>
-              <a:rPr lang="en-US" dirty="0">
-                <a:latin typeface="Courier New" panose="02070309020205020404" pitchFamily="49" charset="0"/>
-                <a:cs typeface="Courier New" panose="02070309020205020404" pitchFamily="49" charset="0"/>
-                <a:hlinkClick r:id="rId3"/>
-              </a:rPr>
-              <a:t>-machine create</a:t>
-            </a:r>
-            <a:r>
-              <a:rPr lang="en-US" dirty="0"/>
-              <a:t> – Create a machine</a:t>
-            </a:r>
+              <a:t>https://github.com/rstropek/DockerVS2015Intro/tree/master/dockerDemos/00-AzureARM</a:t>
+            </a:r>
+            <a:endParaRPr lang="en-US" dirty="0"/>
           </a:p>
           <a:p>
             <a:pPr lvl="1"/>
-            <a:r>
-              <a:rPr lang="en-US" dirty="0" err="1">
-                <a:latin typeface="Courier New" panose="02070309020205020404" pitchFamily="49" charset="0"/>
-                <a:cs typeface="Courier New" panose="02070309020205020404" pitchFamily="49" charset="0"/>
-                <a:hlinkClick r:id="rId4"/>
-              </a:rPr>
-              <a:t>docker</a:t>
-            </a:r>
-            <a:r>
-              <a:rPr lang="en-US" dirty="0">
-                <a:latin typeface="Courier New" panose="02070309020205020404" pitchFamily="49" charset="0"/>
-                <a:cs typeface="Courier New" panose="02070309020205020404" pitchFamily="49" charset="0"/>
-                <a:hlinkClick r:id="rId4"/>
-              </a:rPr>
-              <a:t>-machine ls</a:t>
-            </a:r>
-            <a:r>
-              <a:rPr lang="en-US" dirty="0"/>
-              <a:t> – Lists machines</a:t>
-            </a:r>
-          </a:p>
-          <a:p>
-            <a:pPr lvl="1"/>
-            <a:r>
-              <a:rPr lang="en-US" dirty="0" err="1">
-                <a:latin typeface="Courier New" panose="02070309020205020404" pitchFamily="49" charset="0"/>
-                <a:cs typeface="Courier New" panose="02070309020205020404" pitchFamily="49" charset="0"/>
-                <a:hlinkClick r:id="rId5"/>
-              </a:rPr>
-              <a:t>docker</a:t>
-            </a:r>
-            <a:r>
-              <a:rPr lang="en-US" dirty="0">
-                <a:latin typeface="Courier New" panose="02070309020205020404" pitchFamily="49" charset="0"/>
-                <a:cs typeface="Courier New" panose="02070309020205020404" pitchFamily="49" charset="0"/>
-                <a:hlinkClick r:id="rId5"/>
-              </a:rPr>
-              <a:t>-machine </a:t>
-            </a:r>
-            <a:r>
-              <a:rPr lang="en-US" dirty="0" err="1">
-                <a:latin typeface="Courier New" panose="02070309020205020404" pitchFamily="49" charset="0"/>
-                <a:cs typeface="Courier New" panose="02070309020205020404" pitchFamily="49" charset="0"/>
-                <a:hlinkClick r:id="rId5"/>
-              </a:rPr>
-              <a:t>config</a:t>
-            </a:r>
-            <a:r>
-              <a:rPr lang="en-US" dirty="0"/>
-              <a:t> – Print the connection </a:t>
-            </a:r>
-            <a:r>
-              <a:rPr lang="en-US" dirty="0" err="1"/>
-              <a:t>config</a:t>
-            </a:r>
             <a:endParaRPr lang="en-US" dirty="0"/>
-          </a:p>
-          <a:p>
-            <a:pPr lvl="1"/>
-            <a:r>
-              <a:rPr lang="en-US" dirty="0" err="1">
-                <a:latin typeface="Courier New" panose="02070309020205020404" pitchFamily="49" charset="0"/>
-                <a:cs typeface="Courier New" panose="02070309020205020404" pitchFamily="49" charset="0"/>
-                <a:hlinkClick r:id="rId6"/>
-              </a:rPr>
-              <a:t>docker</a:t>
-            </a:r>
-            <a:r>
-              <a:rPr lang="en-US" dirty="0">
-                <a:latin typeface="Courier New" panose="02070309020205020404" pitchFamily="49" charset="0"/>
-                <a:cs typeface="Courier New" panose="02070309020205020404" pitchFamily="49" charset="0"/>
-                <a:hlinkClick r:id="rId6"/>
-              </a:rPr>
-              <a:t>-machine start</a:t>
-            </a:r>
-            <a:r>
-              <a:rPr lang="en-US" dirty="0">
-                <a:latin typeface="Courier New" panose="02070309020205020404" pitchFamily="49" charset="0"/>
-                <a:cs typeface="Courier New" panose="02070309020205020404" pitchFamily="49" charset="0"/>
-              </a:rPr>
-              <a:t>/</a:t>
-            </a:r>
-            <a:r>
-              <a:rPr lang="en-US" dirty="0">
-                <a:latin typeface="Courier New" panose="02070309020205020404" pitchFamily="49" charset="0"/>
-                <a:cs typeface="Courier New" panose="02070309020205020404" pitchFamily="49" charset="0"/>
-                <a:hlinkClick r:id="rId7"/>
-              </a:rPr>
-              <a:t>stop</a:t>
-            </a:r>
-            <a:r>
-              <a:rPr lang="en-US" dirty="0"/>
-              <a:t> – Restarts/stops a machine</a:t>
-            </a:r>
-          </a:p>
-          <a:p>
-            <a:pPr lvl="1"/>
-            <a:r>
-              <a:rPr lang="en-US" dirty="0" err="1">
-                <a:latin typeface="Courier New" panose="02070309020205020404" pitchFamily="49" charset="0"/>
-                <a:cs typeface="Courier New" panose="02070309020205020404" pitchFamily="49" charset="0"/>
-                <a:hlinkClick r:id="rId8"/>
-              </a:rPr>
-              <a:t>docker</a:t>
-            </a:r>
-            <a:r>
-              <a:rPr lang="en-US" dirty="0">
-                <a:latin typeface="Courier New" panose="02070309020205020404" pitchFamily="49" charset="0"/>
-                <a:cs typeface="Courier New" panose="02070309020205020404" pitchFamily="49" charset="0"/>
-                <a:hlinkClick r:id="rId8"/>
-              </a:rPr>
-              <a:t>-machine </a:t>
-            </a:r>
-            <a:r>
-              <a:rPr lang="en-US" dirty="0" err="1">
-                <a:latin typeface="Courier New" panose="02070309020205020404" pitchFamily="49" charset="0"/>
-                <a:cs typeface="Courier New" panose="02070309020205020404" pitchFamily="49" charset="0"/>
-                <a:hlinkClick r:id="rId8"/>
-              </a:rPr>
-              <a:t>rm</a:t>
-            </a:r>
-            <a:r>
-              <a:rPr lang="en-US" dirty="0"/>
-              <a:t> – Removes a machine</a:t>
-            </a:r>
-          </a:p>
-          <a:p>
-            <a:pPr lvl="1"/>
-            <a:r>
-              <a:rPr lang="en-US" dirty="0" err="1">
-                <a:latin typeface="Courier New" panose="02070309020205020404" pitchFamily="49" charset="0"/>
-                <a:cs typeface="Courier New" panose="02070309020205020404" pitchFamily="49" charset="0"/>
-                <a:hlinkClick r:id="rId9"/>
-              </a:rPr>
-              <a:t>docker</a:t>
-            </a:r>
-            <a:r>
-              <a:rPr lang="en-US" dirty="0">
-                <a:latin typeface="Courier New" panose="02070309020205020404" pitchFamily="49" charset="0"/>
-                <a:cs typeface="Courier New" panose="02070309020205020404" pitchFamily="49" charset="0"/>
-                <a:hlinkClick r:id="rId9"/>
-              </a:rPr>
-              <a:t>-machine </a:t>
-            </a:r>
-            <a:r>
-              <a:rPr lang="en-US" dirty="0" err="1">
-                <a:latin typeface="Courier New" panose="02070309020205020404" pitchFamily="49" charset="0"/>
-                <a:cs typeface="Courier New" panose="02070309020205020404" pitchFamily="49" charset="0"/>
-                <a:hlinkClick r:id="rId9"/>
-              </a:rPr>
-              <a:t>ssh</a:t>
-            </a:r>
-            <a:r>
-              <a:rPr lang="en-US" dirty="0">
-                <a:latin typeface="Courier New" panose="02070309020205020404" pitchFamily="49" charset="0"/>
-                <a:cs typeface="Courier New" panose="02070309020205020404" pitchFamily="49" charset="0"/>
-              </a:rPr>
-              <a:t> </a:t>
-            </a:r>
-            <a:r>
-              <a:rPr lang="en-US" dirty="0"/>
-              <a:t>– Log into or run a command on a machine using SSH</a:t>
-            </a:r>
-          </a:p>
-          <a:p>
-            <a:pPr lvl="1"/>
-            <a:r>
-              <a:rPr lang="en-US" dirty="0" err="1">
-                <a:latin typeface="Courier New" panose="02070309020205020404" pitchFamily="49" charset="0"/>
-                <a:cs typeface="Courier New" panose="02070309020205020404" pitchFamily="49" charset="0"/>
-                <a:hlinkClick r:id="rId10"/>
-              </a:rPr>
-              <a:t>docker</a:t>
-            </a:r>
-            <a:r>
-              <a:rPr lang="en-US" dirty="0">
-                <a:latin typeface="Courier New" panose="02070309020205020404" pitchFamily="49" charset="0"/>
-                <a:cs typeface="Courier New" panose="02070309020205020404" pitchFamily="49" charset="0"/>
-                <a:hlinkClick r:id="rId10"/>
-              </a:rPr>
-              <a:t>-machine </a:t>
-            </a:r>
-            <a:r>
-              <a:rPr lang="en-US" dirty="0" err="1">
-                <a:latin typeface="Courier New" panose="02070309020205020404" pitchFamily="49" charset="0"/>
-                <a:cs typeface="Courier New" panose="02070309020205020404" pitchFamily="49" charset="0"/>
-                <a:hlinkClick r:id="rId10"/>
-              </a:rPr>
-              <a:t>scp</a:t>
-            </a:r>
-            <a:r>
-              <a:rPr lang="en-US" dirty="0">
-                <a:latin typeface="Courier New" panose="02070309020205020404" pitchFamily="49" charset="0"/>
-                <a:cs typeface="Courier New" panose="02070309020205020404" pitchFamily="49" charset="0"/>
-              </a:rPr>
-              <a:t> </a:t>
-            </a:r>
-            <a:r>
-              <a:rPr lang="en-US" dirty="0"/>
-              <a:t>– Copy files using </a:t>
-            </a:r>
-            <a:r>
-              <a:rPr lang="en-US" i="1" dirty="0" err="1"/>
-              <a:t>scp</a:t>
-            </a:r>
-            <a:endParaRPr lang="en-US" i="1" dirty="0"/>
-          </a:p>
-          <a:p>
-            <a:pPr lvl="1"/>
-            <a:r>
-              <a:rPr lang="en-US" dirty="0" err="1">
-                <a:latin typeface="Courier New" panose="02070309020205020404" pitchFamily="49" charset="0"/>
-                <a:cs typeface="Courier New" panose="02070309020205020404" pitchFamily="49" charset="0"/>
-                <a:hlinkClick r:id="rId11"/>
-              </a:rPr>
-              <a:t>docker</a:t>
-            </a:r>
-            <a:r>
-              <a:rPr lang="en-US" dirty="0">
-                <a:latin typeface="Courier New" panose="02070309020205020404" pitchFamily="49" charset="0"/>
-                <a:cs typeface="Courier New" panose="02070309020205020404" pitchFamily="49" charset="0"/>
-                <a:hlinkClick r:id="rId11"/>
-              </a:rPr>
-              <a:t>-machine </a:t>
-            </a:r>
-            <a:r>
-              <a:rPr lang="en-US" dirty="0" err="1">
-                <a:latin typeface="Courier New" panose="02070309020205020404" pitchFamily="49" charset="0"/>
-                <a:cs typeface="Courier New" panose="02070309020205020404" pitchFamily="49" charset="0"/>
-                <a:hlinkClick r:id="rId11"/>
-              </a:rPr>
-              <a:t>env</a:t>
-            </a:r>
-            <a:r>
-              <a:rPr lang="en-US" dirty="0">
-                <a:latin typeface="Courier New" panose="02070309020205020404" pitchFamily="49" charset="0"/>
-                <a:cs typeface="Courier New" panose="02070309020205020404" pitchFamily="49" charset="0"/>
-              </a:rPr>
-              <a:t> </a:t>
-            </a:r>
-            <a:r>
-              <a:rPr lang="en-US" dirty="0"/>
-              <a:t>– Set environment variables to make Docker use a machine</a:t>
-            </a:r>
           </a:p>
         </p:txBody>
       </p:sp>
       <p:sp>
         <p:nvSpPr>
-          <p:cNvPr id="7" name="Textplatzhalter 6"/>
+          <p:cNvPr id="4" name="Textplatzhalter 3"/>
           <p:cNvSpPr>
             <a:spLocks noGrp="1"/>
           </p:cNvSpPr>
           <p:nvPr>
-            <p:ph type="body" sz="quarter" idx="23"/>
+            <p:ph type="body" sz="quarter" idx="25"/>
           </p:nvPr>
         </p:nvSpPr>
         <p:spPr/>
@@ -30460,10 +30635,29 @@
           </a:p>
         </p:txBody>
       </p:sp>
+      <p:sp>
+        <p:nvSpPr>
+          <p:cNvPr id="5" name="Textplatzhalter 4"/>
+          <p:cNvSpPr>
+            <a:spLocks noGrp="1"/>
+          </p:cNvSpPr>
+          <p:nvPr>
+            <p:ph type="body" sz="quarter" idx="26"/>
+          </p:nvPr>
+        </p:nvSpPr>
+        <p:spPr/>
+        <p:txBody>
+          <a:bodyPr/>
+          <a:lstStyle/>
+          <a:p>
+            <a:endParaRPr lang="en-US" dirty="0"/>
+          </a:p>
+        </p:txBody>
+      </p:sp>
     </p:spTree>
     <p:extLst>
       <p:ext uri="{BB962C8B-B14F-4D97-AF65-F5344CB8AC3E}">
-        <p14:creationId xmlns:p14="http://schemas.microsoft.com/office/powerpoint/2010/main" val="2678543314"/>
+        <p14:creationId xmlns:p14="http://schemas.microsoft.com/office/powerpoint/2010/main" val="2815483392"/>
       </p:ext>
     </p:extLst>
   </p:cSld>
@@ -30495,12 +30689,12 @@
       </p:grpSpPr>
       <p:sp>
         <p:nvSpPr>
-          <p:cNvPr id="2" name="Textplatzhalter 1"/>
+          <p:cNvPr id="2" name="Titel 1"/>
           <p:cNvSpPr>
             <a:spLocks noGrp="1"/>
           </p:cNvSpPr>
           <p:nvPr>
-            <p:ph type="body" sz="quarter" idx="16"/>
+            <p:ph type="title"/>
           </p:nvPr>
         </p:nvSpPr>
         <p:spPr/>
@@ -30510,19 +30704,19 @@
           <a:p>
             <a:r>
               <a:rPr lang="en-US" dirty="0"/>
-              <a:t>Docker in Azure</a:t>
+              <a:t>Docker Cluster Solutions</a:t>
             </a:r>
           </a:p>
         </p:txBody>
       </p:sp>
       <p:sp>
         <p:nvSpPr>
-          <p:cNvPr id="3" name="Textplatzhalter 2"/>
+          <p:cNvPr id="3" name="Inhaltsplatzhalter 2"/>
           <p:cNvSpPr>
             <a:spLocks noGrp="1"/>
           </p:cNvSpPr>
           <p:nvPr>
-            <p:ph type="body" sz="quarter" idx="24"/>
+            <p:ph sz="quarter" idx="12"/>
           </p:nvPr>
         </p:nvSpPr>
         <p:spPr/>
@@ -30532,13 +30726,7 @@
           <a:p>
             <a:r>
               <a:rPr lang="en-US" dirty="0"/>
-              <a:t>List Docker Machines</a:t>
-            </a:r>
-          </a:p>
-          <a:p>
-            <a:r>
-              <a:rPr lang="en-US" dirty="0"/>
-              <a:t>Create machines</a:t>
+              <a:t>Docker Swarm Mode</a:t>
             </a:r>
           </a:p>
           <a:p>
@@ -30547,9 +30735,25 @@
               <a:rPr lang="en-US" dirty="0">
                 <a:hlinkClick r:id="rId2"/>
               </a:rPr>
-              <a:t>Hyper-V</a:t>
-            </a:r>
-            <a:endParaRPr lang="en-US" dirty="0"/>
+              <a:t>https://docs.docker.com/engine/swarm/</a:t>
+            </a:r>
+            <a:r>
+              <a:rPr lang="en-US" dirty="0"/>
+              <a:t> </a:t>
+            </a:r>
+          </a:p>
+          <a:p>
+            <a:pPr lvl="1"/>
+            <a:r>
+              <a:rPr lang="en-US" dirty="0"/>
+              <a:t>Native clustering for Docker, turns a pool of Docker hosts into a single, virtual Docker host</a:t>
+            </a:r>
+          </a:p>
+          <a:p>
+            <a:r>
+              <a:rPr lang="en-US" dirty="0"/>
+              <a:t>Kubernetes</a:t>
+            </a:r>
           </a:p>
           <a:p>
             <a:pPr lvl="1"/>
@@ -30557,20 +30761,34 @@
               <a:rPr lang="en-US" dirty="0">
                 <a:hlinkClick r:id="rId3"/>
               </a:rPr>
-              <a:t>Azure</a:t>
+              <a:t>https://kubernetes.io/</a:t>
             </a:r>
             <a:endParaRPr lang="en-US" dirty="0"/>
           </a:p>
           <a:p>
             <a:r>
               <a:rPr lang="en-US" dirty="0"/>
-              <a:t>Create containers on machine</a:t>
-            </a:r>
-          </a:p>
-          <a:p>
-            <a:r>
-              <a:rPr lang="en-US" dirty="0"/>
-              <a:t>Remove machines</a:t>
+              <a:t>Azure Kubernetes Service (AKS)</a:t>
+            </a:r>
+          </a:p>
+          <a:p>
+            <a:pPr lvl="1"/>
+            <a:r>
+              <a:rPr lang="en-US" dirty="0">
+                <a:hlinkClick r:id="rId4"/>
+              </a:rPr>
+              <a:t>https://azure.microsoft.com/en-us/services/kubernetes-service/</a:t>
+            </a:r>
+            <a:r>
+              <a:rPr lang="en-US" dirty="0"/>
+              <a:t> </a:t>
+            </a:r>
+          </a:p>
+          <a:p>
+            <a:pPr lvl="1"/>
+            <a:r>
+              <a:rPr lang="en-US" dirty="0"/>
+              <a:t>Managed Kubernetes</a:t>
             </a:r>
           </a:p>
         </p:txBody>
@@ -30582,7 +30800,7 @@
             <a:spLocks noGrp="1"/>
           </p:cNvSpPr>
           <p:nvPr>
-            <p:ph type="body" sz="quarter" idx="25"/>
+            <p:ph type="body" sz="quarter" idx="23"/>
           </p:nvPr>
         </p:nvSpPr>
         <p:spPr/>
@@ -30594,29 +30812,10 @@
           </a:p>
         </p:txBody>
       </p:sp>
-      <p:sp>
-        <p:nvSpPr>
-          <p:cNvPr id="5" name="Textplatzhalter 4"/>
-          <p:cNvSpPr>
-            <a:spLocks noGrp="1"/>
-          </p:cNvSpPr>
-          <p:nvPr>
-            <p:ph type="body" sz="quarter" idx="26"/>
-          </p:nvPr>
-        </p:nvSpPr>
-        <p:spPr/>
-        <p:txBody>
-          <a:bodyPr/>
-          <a:lstStyle/>
-          <a:p>
-            <a:endParaRPr lang="en-US" dirty="0"/>
-          </a:p>
-        </p:txBody>
-      </p:sp>
     </p:spTree>
     <p:extLst>
       <p:ext uri="{BB962C8B-B14F-4D97-AF65-F5344CB8AC3E}">
-        <p14:creationId xmlns:p14="http://schemas.microsoft.com/office/powerpoint/2010/main" val="361501713"/>
+        <p14:creationId xmlns:p14="http://schemas.microsoft.com/office/powerpoint/2010/main" val="2156520220"/>
       </p:ext>
     </p:extLst>
   </p:cSld>
@@ -30630,6 +30829,165 @@
 </file>
 
 <file path=ppt/slides/slide16.xml><?xml version="1.0" encoding="utf-8"?>
+<p:sld xmlns:a="http://schemas.openxmlformats.org/drawingml/2006/main" xmlns:r="http://schemas.openxmlformats.org/officeDocument/2006/relationships" xmlns:p="http://schemas.openxmlformats.org/presentationml/2006/main">
+  <p:cSld>
+    <p:spTree>
+      <p:nvGrpSpPr>
+        <p:cNvPr id="1" name=""/>
+        <p:cNvGrpSpPr/>
+        <p:nvPr/>
+      </p:nvGrpSpPr>
+      <p:grpSpPr>
+        <a:xfrm>
+          <a:off x="0" y="0"/>
+          <a:ext cx="0" cy="0"/>
+          <a:chOff x="0" y="0"/>
+          <a:chExt cx="0" cy="0"/>
+        </a:xfrm>
+      </p:grpSpPr>
+      <p:sp>
+        <p:nvSpPr>
+          <p:cNvPr id="6" name="Titel 5"/>
+          <p:cNvSpPr>
+            <a:spLocks noGrp="1"/>
+          </p:cNvSpPr>
+          <p:nvPr>
+            <p:ph type="title"/>
+          </p:nvPr>
+        </p:nvSpPr>
+        <p:spPr/>
+        <p:txBody>
+          <a:bodyPr/>
+          <a:lstStyle/>
+          <a:p>
+            <a:r>
+              <a:rPr lang="en-US" dirty="0"/>
+              <a:t>Access Docker Remotely</a:t>
+            </a:r>
+            <a:endParaRPr lang="de-AT" dirty="0"/>
+          </a:p>
+        </p:txBody>
+      </p:sp>
+      <p:sp>
+        <p:nvSpPr>
+          <p:cNvPr id="7" name="Inhaltsplatzhalter 6"/>
+          <p:cNvSpPr>
+            <a:spLocks noGrp="1"/>
+          </p:cNvSpPr>
+          <p:nvPr>
+            <p:ph sz="quarter" idx="12"/>
+          </p:nvPr>
+        </p:nvSpPr>
+        <p:spPr/>
+        <p:txBody>
+          <a:bodyPr/>
+          <a:lstStyle/>
+          <a:p>
+            <a:r>
+              <a:rPr lang="en-US" dirty="0"/>
+              <a:t>Default: Docker runs on non-networked Unix socket</a:t>
+            </a:r>
+          </a:p>
+          <a:p>
+            <a:pPr lvl="1"/>
+            <a:r>
+              <a:rPr lang="en-US" dirty="0">
+                <a:latin typeface="Courier New" panose="02070309020205020404" pitchFamily="49" charset="0"/>
+                <a:cs typeface="Courier New" panose="02070309020205020404" pitchFamily="49" charset="0"/>
+              </a:rPr>
+              <a:t>unix:///var/run/docker.sock</a:t>
+            </a:r>
+          </a:p>
+          <a:p>
+            <a:pPr lvl="1"/>
+            <a:r>
+              <a:rPr lang="en-US" dirty="0"/>
+              <a:t>TCP socket can be enabled (see </a:t>
+            </a:r>
+            <a:r>
+              <a:rPr lang="en-US" dirty="0">
+                <a:hlinkClick r:id="rId2"/>
+              </a:rPr>
+              <a:t>Docker docs</a:t>
+            </a:r>
+            <a:r>
+              <a:rPr lang="en-US" dirty="0"/>
+              <a:t>) </a:t>
+            </a:r>
+            <a:r>
+              <a:rPr lang="en-US" dirty="0">
+                <a:sym typeface="Wingdings" panose="05000000000000000000" pitchFamily="2" charset="2"/>
+              </a:rPr>
+              <a:t> Docker Remote Web API</a:t>
+            </a:r>
+            <a:endParaRPr lang="en-US" dirty="0"/>
+          </a:p>
+          <a:p>
+            <a:r>
+              <a:rPr lang="en-US" dirty="0"/>
+              <a:t>Docker available on the network </a:t>
+            </a:r>
+            <a:r>
+              <a:rPr lang="en-US" dirty="0">
+                <a:sym typeface="Wingdings" panose="05000000000000000000" pitchFamily="2" charset="2"/>
+              </a:rPr>
+              <a:t> enable TLS</a:t>
+            </a:r>
+          </a:p>
+          <a:p>
+            <a:pPr lvl="1"/>
+            <a:r>
+              <a:rPr lang="en-US" dirty="0">
+                <a:sym typeface="Wingdings" panose="05000000000000000000" pitchFamily="2" charset="2"/>
+                <a:hlinkClick r:id="rId3"/>
+              </a:rPr>
+              <a:t>Docker docs</a:t>
+            </a:r>
+            <a:endParaRPr lang="en-US" dirty="0">
+              <a:sym typeface="Wingdings" panose="05000000000000000000" pitchFamily="2" charset="2"/>
+            </a:endParaRPr>
+          </a:p>
+          <a:p>
+            <a:endParaRPr lang="de-AT" dirty="0"/>
+          </a:p>
+        </p:txBody>
+      </p:sp>
+      <p:sp>
+        <p:nvSpPr>
+          <p:cNvPr id="8" name="Textplatzhalter 7"/>
+          <p:cNvSpPr>
+            <a:spLocks noGrp="1"/>
+          </p:cNvSpPr>
+          <p:nvPr>
+            <p:ph type="body" sz="quarter" idx="23"/>
+          </p:nvPr>
+        </p:nvSpPr>
+        <p:spPr/>
+        <p:txBody>
+          <a:bodyPr/>
+          <a:lstStyle/>
+          <a:p>
+            <a:endParaRPr lang="de-AT"/>
+          </a:p>
+        </p:txBody>
+      </p:sp>
+    </p:spTree>
+    <p:extLst>
+      <p:ext uri="{BB962C8B-B14F-4D97-AF65-F5344CB8AC3E}">
+        <p14:creationId xmlns:p14="http://schemas.microsoft.com/office/powerpoint/2010/main" val="2899236459"/>
+      </p:ext>
+    </p:extLst>
+  </p:cSld>
+  <p:clrMapOvr>
+    <a:masterClrMapping/>
+  </p:clrMapOvr>
+  <p:transition spd="slow">
+    <p:push/>
+  </p:transition>
+</p:sld>
+</file>
+
+<file path=ppt/slides/slide17.xml><?xml version="1.0" encoding="utf-8"?>
 <p:sld xmlns:a="http://schemas.openxmlformats.org/drawingml/2006/main" xmlns:r="http://schemas.openxmlformats.org/officeDocument/2006/relationships" xmlns:p="http://schemas.openxmlformats.org/presentationml/2006/main" show="0">
   <p:cSld>
     <p:spTree>
@@ -30663,7 +31021,7 @@
           <a:p>
             <a:r>
               <a:rPr lang="en-US" dirty="0"/>
-              <a:t>Docker Machine</a:t>
+              <a:t>Remote Docker</a:t>
             </a:r>
           </a:p>
         </p:txBody>
@@ -30685,57 +31043,21 @@
           <a:p>
             <a:pPr marL="180975" indent="-180975"/>
             <a:r>
-              <a:rPr lang="de-AT" noProof="1"/>
-              <a:t>docker-machine ls</a:t>
+              <a:rPr lang="de-DE" noProof="1"/>
+              <a:t>// Connect to Docker client in Azure</a:t>
             </a:r>
           </a:p>
           <a:p>
             <a:pPr marL="180975" indent="-180975"/>
-            <a:endParaRPr lang="de-AT" noProof="1"/>
-          </a:p>
-          <a:p>
-            <a:pPr marL="180975" indent="-180975"/>
             <a:r>
               <a:rPr lang="de-DE" noProof="1"/>
-              <a:t>docker-machine create --driver hyperv newMachine</a:t>
-            </a:r>
-          </a:p>
-          <a:p>
-            <a:pPr marL="180975" indent="-180975"/>
-            <a:r>
-              <a:rPr lang="de-DE" noProof="1"/>
-              <a:t>// Look at created Hyper-V Server</a:t>
-            </a:r>
-          </a:p>
-          <a:p>
-            <a:pPr marL="180975" indent="-180975"/>
-            <a:endParaRPr lang="de-DE" noProof="1"/>
-          </a:p>
-          <a:p>
-            <a:pPr marL="180975" indent="-180975"/>
-            <a:r>
-              <a:rPr lang="de-DE" noProof="1"/>
-              <a:t>docker-machine env newMachine</a:t>
-            </a:r>
-          </a:p>
-          <a:p>
-            <a:pPr marL="180975" indent="-180975"/>
-            <a:r>
-              <a:rPr lang="de-DE" noProof="1"/>
-              <a:t>// Play with Docker</a:t>
-            </a:r>
-          </a:p>
-          <a:p>
-            <a:pPr marL="180975" indent="-180975"/>
-            <a:r>
-              <a:rPr lang="de-DE" noProof="1"/>
-              <a:t>// SSH into newMachine (for details see </a:t>
+              <a:t>// (see also </a:t>
             </a:r>
             <a:r>
               <a:rPr lang="de-DE" noProof="1">
                 <a:hlinkClick r:id="rId2"/>
               </a:rPr>
-              <a:t>blog article</a:t>
+              <a:t>https://github.com/rstropek/DockerVS2015Intro</a:t>
             </a:r>
             <a:r>
               <a:rPr lang="de-DE" noProof="1"/>
@@ -30750,99 +31072,38 @@
             <a:pPr marL="180975" indent="-180975"/>
             <a:r>
               <a:rPr lang="de-DE" noProof="1"/>
-              <a:t>docker-machine rm newMachine</a:t>
+              <a:t>// Set environment variable (secure by default)</a:t>
+            </a:r>
+          </a:p>
+          <a:p>
+            <a:pPr marL="180975" indent="-180975"/>
+            <a:r>
+              <a:rPr lang="de-AT" dirty="0" err="1"/>
+              <a:t>export</a:t>
+            </a:r>
+            <a:r>
+              <a:rPr lang="de-AT" dirty="0"/>
+              <a:t> DOCKER_HOST=tcp://dockertraining .northeurope.cloudapp.azure.com:2376 DOCKER_TLS_VERIFY=1</a:t>
+            </a:r>
+            <a:endParaRPr lang="de-DE" noProof="1"/>
+          </a:p>
+          <a:p>
+            <a:pPr marL="180975" indent="-180975"/>
+            <a:r>
+              <a:rPr lang="de-DE" noProof="1"/>
+              <a:t>docker info</a:t>
+            </a:r>
+          </a:p>
+          <a:p>
+            <a:pPr marL="180975" indent="-180975"/>
+            <a:r>
+              <a:rPr lang="de-DE" noProof="1"/>
+              <a:t>docker ps</a:t>
             </a:r>
           </a:p>
           <a:p>
             <a:pPr marL="180975" indent="-180975"/>
             <a:endParaRPr lang="de-DE" noProof="1"/>
-          </a:p>
-          <a:p>
-            <a:pPr marL="180975" indent="-180975"/>
-            <a:endParaRPr lang="de-DE" noProof="1"/>
-          </a:p>
-          <a:p>
-            <a:pPr marL="180975" indent="-180975"/>
-            <a:endParaRPr lang="de-DE" noProof="1"/>
-          </a:p>
-          <a:p>
-            <a:pPr marL="180975" indent="-180975"/>
-            <a:endParaRPr lang="de-DE" noProof="1"/>
-          </a:p>
-          <a:p>
-            <a:pPr marL="180975" indent="-180975"/>
-            <a:r>
-              <a:rPr lang="de-DE" noProof="1"/>
-              <a:t>// Get publishsettings-file using</a:t>
-            </a:r>
-          </a:p>
-          <a:p>
-            <a:pPr marL="180975" indent="-180975"/>
-            <a:r>
-              <a:rPr lang="de-DE" noProof="1"/>
-              <a:t>// </a:t>
-            </a:r>
-            <a:r>
-              <a:rPr lang="de-DE" noProof="1">
-                <a:hlinkClick r:id="rId3"/>
-              </a:rPr>
-              <a:t>https://manage.windowsazure.com/publishsettings/index</a:t>
-            </a:r>
-            <a:endParaRPr lang="de-DE" noProof="1"/>
-          </a:p>
-          <a:p>
-            <a:pPr marL="180975" indent="-180975"/>
-            <a:endParaRPr lang="de-DE" noProof="1"/>
-          </a:p>
-          <a:p>
-            <a:pPr marL="180975" indent="-180975"/>
-            <a:r>
-              <a:rPr lang="de-DE" noProof="1"/>
-              <a:t>docker-machine create --driver azure --azure-subscription-id 26400a43-0000-0000-0000-000000000000 --azure-publish-settings-file my.publishsettings dockerMachineTest</a:t>
-            </a:r>
-          </a:p>
-          <a:p>
-            <a:pPr marL="180975" indent="-180975"/>
-            <a:r>
-              <a:rPr lang="de-DE" noProof="1"/>
-              <a:t>// Look at created Azure VM in </a:t>
-            </a:r>
-            <a:r>
-              <a:rPr lang="de-DE" noProof="1">
-                <a:hlinkClick r:id="rId4"/>
-              </a:rPr>
-              <a:t>http://portal.azure.com</a:t>
-            </a:r>
-            <a:endParaRPr lang="de-DE" noProof="1"/>
-          </a:p>
-          <a:p>
-            <a:pPr marL="180975" indent="-180975"/>
-            <a:endParaRPr lang="de-DE" noProof="1"/>
-          </a:p>
-          <a:p>
-            <a:pPr marL="180975" indent="-180975"/>
-            <a:r>
-              <a:rPr lang="de-DE" noProof="1"/>
-              <a:t>docker-machine env dockerMachineTest</a:t>
-            </a:r>
-          </a:p>
-          <a:p>
-            <a:pPr marL="180975" indent="-180975"/>
-            <a:r>
-              <a:rPr lang="de-DE" noProof="1"/>
-              <a:t>// Play with Docker</a:t>
-            </a:r>
-          </a:p>
-          <a:p>
-            <a:pPr marL="180975" indent="-180975"/>
-            <a:endParaRPr lang="de-DE" noProof="1"/>
-          </a:p>
-          <a:p>
-            <a:pPr marL="180975" indent="-180975"/>
-            <a:r>
-              <a:rPr lang="de-DE" noProof="1"/>
-              <a:t>docker-machine rm dockerMachineTest</a:t>
-            </a:r>
           </a:p>
         </p:txBody>
       </p:sp>
@@ -30906,187 +31167,7 @@
     </p:spTree>
     <p:extLst>
       <p:ext uri="{BB962C8B-B14F-4D97-AF65-F5344CB8AC3E}">
-        <p14:creationId xmlns:p14="http://schemas.microsoft.com/office/powerpoint/2010/main" val="1485569485"/>
-      </p:ext>
-    </p:extLst>
-  </p:cSld>
-  <p:clrMapOvr>
-    <a:masterClrMapping/>
-  </p:clrMapOvr>
-  <p:transition spd="slow">
-    <p:push/>
-  </p:transition>
-</p:sld>
-</file>
-
-<file path=ppt/slides/slide17.xml><?xml version="1.0" encoding="utf-8"?>
-<p:sld xmlns:a="http://schemas.openxmlformats.org/drawingml/2006/main" xmlns:r="http://schemas.openxmlformats.org/officeDocument/2006/relationships" xmlns:p="http://schemas.openxmlformats.org/presentationml/2006/main">
-  <p:cSld>
-    <p:spTree>
-      <p:nvGrpSpPr>
-        <p:cNvPr id="1" name=""/>
-        <p:cNvGrpSpPr/>
-        <p:nvPr/>
-      </p:nvGrpSpPr>
-      <p:grpSpPr>
-        <a:xfrm>
-          <a:off x="0" y="0"/>
-          <a:ext cx="0" cy="0"/>
-          <a:chOff x="0" y="0"/>
-          <a:chExt cx="0" cy="0"/>
-        </a:xfrm>
-      </p:grpSpPr>
-      <p:sp>
-        <p:nvSpPr>
-          <p:cNvPr id="2" name="Titel 1"/>
-          <p:cNvSpPr>
-            <a:spLocks noGrp="1"/>
-          </p:cNvSpPr>
-          <p:nvPr>
-            <p:ph type="title"/>
-          </p:nvPr>
-        </p:nvSpPr>
-        <p:spPr/>
-        <p:txBody>
-          <a:bodyPr/>
-          <a:lstStyle/>
-          <a:p>
-            <a:r>
-              <a:rPr lang="en-US" dirty="0"/>
-              <a:t>Docker Cluster Solutions</a:t>
-            </a:r>
-          </a:p>
-        </p:txBody>
-      </p:sp>
-      <p:sp>
-        <p:nvSpPr>
-          <p:cNvPr id="3" name="Inhaltsplatzhalter 2"/>
-          <p:cNvSpPr>
-            <a:spLocks noGrp="1"/>
-          </p:cNvSpPr>
-          <p:nvPr>
-            <p:ph sz="quarter" idx="12"/>
-          </p:nvPr>
-        </p:nvSpPr>
-        <p:spPr/>
-        <p:txBody>
-          <a:bodyPr/>
-          <a:lstStyle/>
-          <a:p>
-            <a:r>
-              <a:rPr lang="en-US" dirty="0"/>
-              <a:t>Docker Swarm</a:t>
-            </a:r>
-          </a:p>
-          <a:p>
-            <a:pPr lvl="1"/>
-            <a:r>
-              <a:rPr lang="en-US" dirty="0">
-                <a:hlinkClick r:id="rId2"/>
-              </a:rPr>
-              <a:t>https://docs.docker.com/swarm/overview/</a:t>
-            </a:r>
-            <a:endParaRPr lang="en-US" dirty="0"/>
-          </a:p>
-          <a:p>
-            <a:pPr lvl="1"/>
-            <a:r>
-              <a:rPr lang="en-US" dirty="0"/>
-              <a:t>Native clustering for Docker, turns a pool of Docker hosts into a single, virtual Docker host</a:t>
-            </a:r>
-          </a:p>
-          <a:p>
-            <a:r>
-              <a:rPr lang="en-US" dirty="0"/>
-              <a:t>Apache </a:t>
-            </a:r>
-            <a:r>
-              <a:rPr lang="en-US" dirty="0" err="1"/>
-              <a:t>Mesos</a:t>
-            </a:r>
-            <a:r>
-              <a:rPr lang="en-US" dirty="0"/>
-              <a:t> and Docker</a:t>
-            </a:r>
-          </a:p>
-          <a:p>
-            <a:pPr lvl="1"/>
-            <a:r>
-              <a:rPr lang="en-US" dirty="0">
-                <a:hlinkClick r:id="rId3"/>
-              </a:rPr>
-              <a:t>http://mesos.apache.org/documentation/latest/docker-containerizer/</a:t>
-            </a:r>
-            <a:endParaRPr lang="en-US" dirty="0"/>
-          </a:p>
-          <a:p>
-            <a:r>
-              <a:rPr lang="en-US" dirty="0"/>
-              <a:t>Azure Container Service</a:t>
-            </a:r>
-          </a:p>
-          <a:p>
-            <a:pPr lvl="1"/>
-            <a:r>
-              <a:rPr lang="en-US" dirty="0">
-                <a:hlinkClick r:id="rId4"/>
-              </a:rPr>
-              <a:t>https://azure.microsoft.com/en-us/services/container-service/</a:t>
-            </a:r>
-            <a:endParaRPr lang="en-US" dirty="0"/>
-          </a:p>
-          <a:p>
-            <a:pPr lvl="1"/>
-            <a:r>
-              <a:rPr lang="en-US" dirty="0"/>
-              <a:t>Set of templates to deploy </a:t>
-            </a:r>
-            <a:r>
-              <a:rPr lang="en-US" i="1" dirty="0"/>
-              <a:t>Apache </a:t>
-            </a:r>
-            <a:r>
-              <a:rPr lang="en-US" i="1" dirty="0" err="1"/>
-              <a:t>Mesos</a:t>
-            </a:r>
-            <a:r>
-              <a:rPr lang="en-US" dirty="0"/>
-              <a:t> or </a:t>
-            </a:r>
-            <a:r>
-              <a:rPr lang="en-US" i="1" dirty="0"/>
-              <a:t>Docker Swarm </a:t>
-            </a:r>
-            <a:r>
-              <a:rPr lang="en-US" dirty="0"/>
-              <a:t>into Azure</a:t>
-            </a:r>
-          </a:p>
-        </p:txBody>
-      </p:sp>
-      <p:sp>
-        <p:nvSpPr>
-          <p:cNvPr id="4" name="Textplatzhalter 3"/>
-          <p:cNvSpPr>
-            <a:spLocks noGrp="1"/>
-          </p:cNvSpPr>
-          <p:nvPr>
-            <p:ph type="body" sz="quarter" idx="23"/>
-          </p:nvPr>
-        </p:nvSpPr>
-        <p:spPr/>
-        <p:txBody>
-          <a:bodyPr/>
-          <a:lstStyle/>
-          <a:p>
-            <a:endParaRPr lang="en-US"/>
-          </a:p>
-        </p:txBody>
-      </p:sp>
-    </p:spTree>
-    <p:extLst>
-      <p:ext uri="{BB962C8B-B14F-4D97-AF65-F5344CB8AC3E}">
-        <p14:creationId xmlns:p14="http://schemas.microsoft.com/office/powerpoint/2010/main" val="2156520220"/>
+        <p14:creationId xmlns:p14="http://schemas.microsoft.com/office/powerpoint/2010/main" val="3753824539"/>
       </p:ext>
     </p:extLst>
   </p:cSld>
@@ -31118,7 +31199,7 @@
       </p:grpSpPr>
       <p:sp>
         <p:nvSpPr>
-          <p:cNvPr id="6" name="Titel 5"/>
+          <p:cNvPr id="2" name="Titel 1"/>
           <p:cNvSpPr>
             <a:spLocks noGrp="1"/>
           </p:cNvSpPr>
@@ -31133,20 +31214,19 @@
           <a:p>
             <a:r>
               <a:rPr lang="en-US" dirty="0"/>
-              <a:t>Access Docker Remotely</a:t>
-            </a:r>
-            <a:endParaRPr lang="de-AT" dirty="0"/>
+              <a:t>Container</a:t>
+            </a:r>
           </a:p>
         </p:txBody>
       </p:sp>
       <p:sp>
         <p:nvSpPr>
-          <p:cNvPr id="7" name="Inhaltsplatzhalter 6"/>
+          <p:cNvPr id="3" name="Textplatzhalter 2"/>
           <p:cNvSpPr>
             <a:spLocks noGrp="1"/>
           </p:cNvSpPr>
           <p:nvPr>
-            <p:ph sz="quarter" idx="12"/>
+            <p:ph type="body" sz="quarter" idx="25"/>
           </p:nvPr>
         </p:nvSpPr>
         <p:spPr/>
@@ -31156,110 +31236,38 @@
           <a:p>
             <a:r>
               <a:rPr lang="en-US" dirty="0"/>
-              <a:t>Default: Docker runs on non-networked Unix socket</a:t>
-            </a:r>
-          </a:p>
-          <a:p>
-            <a:pPr lvl="1"/>
-            <a:r>
-              <a:rPr lang="en-US" dirty="0">
-                <a:latin typeface="Courier New" panose="02070309020205020404" pitchFamily="49" charset="0"/>
-                <a:cs typeface="Courier New" panose="02070309020205020404" pitchFamily="49" charset="0"/>
-              </a:rPr>
-              <a:t>unix:///var/run/docker.sock</a:t>
-            </a:r>
-          </a:p>
-          <a:p>
-            <a:pPr lvl="1"/>
-            <a:r>
-              <a:rPr lang="en-US" dirty="0"/>
-              <a:t>TCP socket can be enabled (see </a:t>
-            </a:r>
-            <a:r>
-              <a:rPr lang="en-US" dirty="0">
-                <a:hlinkClick r:id="rId2"/>
-              </a:rPr>
-              <a:t>Docker docs</a:t>
-            </a:r>
-            <a:r>
-              <a:rPr lang="en-US" dirty="0"/>
-              <a:t>) </a:t>
-            </a:r>
-            <a:r>
-              <a:rPr lang="en-US" dirty="0">
-                <a:sym typeface="Wingdings" panose="05000000000000000000" pitchFamily="2" charset="2"/>
-              </a:rPr>
-              <a:t> Docker Remote Web API</a:t>
-            </a:r>
-            <a:endParaRPr lang="en-US" dirty="0"/>
-          </a:p>
-          <a:p>
-            <a:r>
-              <a:rPr lang="en-US" dirty="0"/>
-              <a:t>Docker available on the network </a:t>
-            </a:r>
-            <a:r>
-              <a:rPr lang="en-US" dirty="0">
-                <a:sym typeface="Wingdings" panose="05000000000000000000" pitchFamily="2" charset="2"/>
-              </a:rPr>
-              <a:t> enable TLS</a:t>
-            </a:r>
-          </a:p>
-          <a:p>
-            <a:pPr lvl="1"/>
-            <a:r>
-              <a:rPr lang="en-US" dirty="0">
-                <a:sym typeface="Wingdings" panose="05000000000000000000" pitchFamily="2" charset="2"/>
-                <a:hlinkClick r:id="rId3"/>
-              </a:rPr>
-              <a:t>Docker docs</a:t>
-            </a:r>
-            <a:endParaRPr lang="en-US" dirty="0">
-              <a:sym typeface="Wingdings" panose="05000000000000000000" pitchFamily="2" charset="2"/>
-            </a:endParaRPr>
-          </a:p>
-          <a:p>
-            <a:endParaRPr lang="de-AT" dirty="0"/>
-          </a:p>
-        </p:txBody>
-      </p:sp>
-      <p:sp>
-        <p:nvSpPr>
-          <p:cNvPr id="8" name="Textplatzhalter 7"/>
-          <p:cNvSpPr>
-            <a:spLocks noGrp="1"/>
-          </p:cNvSpPr>
-          <p:nvPr>
-            <p:ph type="body" sz="quarter" idx="23"/>
-          </p:nvPr>
-        </p:nvSpPr>
-        <p:spPr/>
-        <p:txBody>
-          <a:bodyPr/>
-          <a:lstStyle/>
-          <a:p>
-            <a:endParaRPr lang="de-AT"/>
+              <a:t>Working with containers</a:t>
+            </a:r>
           </a:p>
         </p:txBody>
       </p:sp>
     </p:spTree>
     <p:extLst>
       <p:ext uri="{BB962C8B-B14F-4D97-AF65-F5344CB8AC3E}">
-        <p14:creationId xmlns:p14="http://schemas.microsoft.com/office/powerpoint/2010/main" val="2899236459"/>
+        <p14:creationId xmlns:p14="http://schemas.microsoft.com/office/powerpoint/2010/main" val="4068012480"/>
       </p:ext>
     </p:extLst>
   </p:cSld>
   <p:clrMapOvr>
     <a:masterClrMapping/>
   </p:clrMapOvr>
-  <p:transition spd="slow">
-    <p:push/>
-  </p:transition>
+  <mc:AlternateContent xmlns:mc="http://schemas.openxmlformats.org/markup-compatibility/2006" xmlns:p14="http://schemas.microsoft.com/office/powerpoint/2010/main">
+    <mc:Choice Requires="p14">
+      <p:transition spd="med" p14:dur="700">
+        <p:fade/>
+      </p:transition>
+    </mc:Choice>
+    <mc:Fallback xmlns="">
+      <p:transition spd="med">
+        <p:fade/>
+      </p:transition>
+    </mc:Fallback>
+  </mc:AlternateContent>
 </p:sld>
 </file>
 
 <file path=ppt/slides/slide19.xml><?xml version="1.0" encoding="utf-8"?>
-<p:sld xmlns:a="http://schemas.openxmlformats.org/drawingml/2006/main" xmlns:r="http://schemas.openxmlformats.org/officeDocument/2006/relationships" xmlns:p="http://schemas.openxmlformats.org/presentationml/2006/main" show="0">
+<p:sld xmlns:a="http://schemas.openxmlformats.org/drawingml/2006/main" xmlns:r="http://schemas.openxmlformats.org/officeDocument/2006/relationships" xmlns:p="http://schemas.openxmlformats.org/presentationml/2006/main">
   <p:cSld>
     <p:spTree>
       <p:nvGrpSpPr>
@@ -31277,7 +31285,7 @@
       </p:grpSpPr>
       <p:sp>
         <p:nvSpPr>
-          <p:cNvPr id="11" name="Titel 10"/>
+          <p:cNvPr id="4" name="Title 3"/>
           <p:cNvSpPr>
             <a:spLocks noGrp="1"/>
           </p:cNvSpPr>
@@ -31292,19 +31300,19 @@
           <a:p>
             <a:r>
               <a:rPr lang="en-US" dirty="0"/>
-              <a:t>Remote Docker</a:t>
+              <a:t>Containers</a:t>
             </a:r>
           </a:p>
         </p:txBody>
       </p:sp>
       <p:sp>
         <p:nvSpPr>
-          <p:cNvPr id="12" name="Inhaltsplatzhalter 11"/>
+          <p:cNvPr id="5" name="Content Placeholder 4"/>
           <p:cNvSpPr>
             <a:spLocks noGrp="1"/>
           </p:cNvSpPr>
           <p:nvPr>
-            <p:ph sz="quarter" idx="22"/>
+            <p:ph sz="quarter" idx="12"/>
           </p:nvPr>
         </p:nvSpPr>
         <p:spPr/>
@@ -31312,75 +31320,83 @@
           <a:bodyPr/>
           <a:lstStyle/>
           <a:p>
-            <a:pPr marL="180975" indent="-180975"/>
-            <a:r>
-              <a:rPr lang="de-DE" noProof="1"/>
-              <a:t>// Connect to Docker client in Azure</a:t>
-            </a:r>
-          </a:p>
-          <a:p>
-            <a:pPr marL="180975" indent="-180975"/>
-            <a:r>
-              <a:rPr lang="de-DE" noProof="1"/>
-              <a:t>// (see also </a:t>
-            </a:r>
-            <a:r>
-              <a:rPr lang="de-DE" noProof="1">
-                <a:hlinkClick r:id="rId2"/>
+            <a:r>
+              <a:rPr lang="en-US" dirty="0"/>
+              <a:t>Launched from images</a:t>
+            </a:r>
+          </a:p>
+          <a:p>
+            <a:pPr lvl="1"/>
+            <a:r>
+              <a:rPr lang="en-US" dirty="0"/>
+              <a:t>Layered, copy-on-write</a:t>
+            </a:r>
+          </a:p>
+          <a:p>
+            <a:pPr lvl="1"/>
+            <a:r>
+              <a:rPr lang="en-US" dirty="0"/>
+              <a:t>Will be covered in details later</a:t>
+            </a:r>
+          </a:p>
+          <a:p>
+            <a:r>
+              <a:rPr lang="en-US" dirty="0"/>
+              <a:t>Contain one or more processes</a:t>
+            </a:r>
+          </a:p>
+          <a:p>
+            <a:r>
+              <a:rPr lang="en-US" dirty="0"/>
+              <a:t>Can be short-lived</a:t>
+            </a:r>
+          </a:p>
+          <a:p>
+            <a:pPr lvl="1"/>
+            <a:r>
+              <a:rPr lang="en-US" dirty="0"/>
+              <a:t>Sometimes even to run jus a single command</a:t>
+            </a:r>
+          </a:p>
+          <a:p>
+            <a:r>
+              <a:rPr lang="en-US" dirty="0"/>
+              <a:t>Shared via registries</a:t>
+            </a:r>
+          </a:p>
+          <a:p>
+            <a:pPr lvl="1"/>
+            <a:r>
+              <a:rPr lang="en-US" dirty="0"/>
+              <a:t>Docker Hub (private and public repositories)</a:t>
+            </a:r>
+          </a:p>
+          <a:p>
+            <a:pPr lvl="1"/>
+            <a:r>
+              <a:rPr lang="en-US" dirty="0"/>
+              <a:t>Run your own private registry (</a:t>
+            </a:r>
+            <a:r>
+              <a:rPr lang="en-US" dirty="0">
+                <a:latin typeface="Courier New" panose="02070309020205020404" pitchFamily="49" charset="0"/>
+                <a:cs typeface="Courier New" panose="02070309020205020404" pitchFamily="49" charset="0"/>
               </a:rPr>
-              <a:t>https://github.com/rstropek/DockerVS2015Intro</a:t>
-            </a:r>
-            <a:r>
-              <a:rPr lang="de-DE" noProof="1"/>
-              <a:t>)</a:t>
-            </a:r>
-          </a:p>
-          <a:p>
-            <a:pPr marL="180975" indent="-180975"/>
-            <a:endParaRPr lang="de-DE" noProof="1"/>
-          </a:p>
-          <a:p>
-            <a:pPr marL="180975" indent="-180975"/>
-            <a:r>
-              <a:rPr lang="de-DE" noProof="1"/>
-              <a:t>// Set environment variable (secure by default)</a:t>
-            </a:r>
-          </a:p>
-          <a:p>
-            <a:pPr marL="180975" indent="-180975"/>
-            <a:r>
-              <a:rPr lang="de-AT" dirty="0" err="1"/>
-              <a:t>export</a:t>
-            </a:r>
-            <a:r>
-              <a:rPr lang="de-AT" dirty="0"/>
-              <a:t> DOCKER_HOST=tcp://dockertraining .northeurope.cloudapp.azure.com:2376 DOCKER_TLS_VERIFY=1</a:t>
-            </a:r>
-            <a:endParaRPr lang="de-DE" noProof="1"/>
-          </a:p>
-          <a:p>
-            <a:pPr marL="180975" indent="-180975"/>
-            <a:r>
-              <a:rPr lang="de-DE" noProof="1"/>
-              <a:t>docker info</a:t>
-            </a:r>
-          </a:p>
-          <a:p>
-            <a:pPr marL="180975" indent="-180975"/>
-            <a:r>
-              <a:rPr lang="de-DE" noProof="1"/>
-              <a:t>docker ps</a:t>
-            </a:r>
-          </a:p>
-          <a:p>
-            <a:pPr marL="180975" indent="-180975"/>
-            <a:endParaRPr lang="de-DE" noProof="1"/>
+              <a:t>registry </a:t>
+            </a:r>
+            <a:r>
+              <a:rPr lang="en-US" dirty="0"/>
+              <a:t>image on Docker Hub)</a:t>
+            </a:r>
+          </a:p>
+          <a:p>
+            <a:endParaRPr lang="en-US" dirty="0"/>
           </a:p>
         </p:txBody>
       </p:sp>
       <p:sp>
         <p:nvSpPr>
-          <p:cNvPr id="13" name="Textplatzhalter 12"/>
+          <p:cNvPr id="6" name="Text Placeholder 5"/>
           <p:cNvSpPr>
             <a:spLocks noGrp="1"/>
           </p:cNvSpPr>
@@ -31393,52 +31409,14 @@
           <a:bodyPr/>
           <a:lstStyle/>
           <a:p>
-            <a:endParaRPr lang="en-US"/>
-          </a:p>
-        </p:txBody>
-      </p:sp>
-      <p:sp>
-        <p:nvSpPr>
-          <p:cNvPr id="14" name="Textplatzhalter 13"/>
-          <p:cNvSpPr>
-            <a:spLocks noGrp="1"/>
-          </p:cNvSpPr>
-          <p:nvPr>
-            <p:ph type="body" sz="quarter" idx="24"/>
-          </p:nvPr>
-        </p:nvSpPr>
-        <p:spPr/>
-        <p:txBody>
-          <a:bodyPr/>
-          <a:lstStyle/>
-          <a:p>
-            <a:endParaRPr lang="en-US"/>
-          </a:p>
-        </p:txBody>
-      </p:sp>
-      <p:sp>
-        <p:nvSpPr>
-          <p:cNvPr id="15" name="Textplatzhalter 14"/>
-          <p:cNvSpPr>
-            <a:spLocks noGrp="1"/>
-          </p:cNvSpPr>
-          <p:nvPr>
-            <p:ph type="body" sz="quarter" idx="25"/>
-          </p:nvPr>
-        </p:nvSpPr>
-        <p:spPr/>
-        <p:txBody>
-          <a:bodyPr/>
-          <a:lstStyle/>
-          <a:p>
-            <a:endParaRPr lang="en-US"/>
+            <a:endParaRPr lang="en-US" dirty="0"/>
           </a:p>
         </p:txBody>
       </p:sp>
     </p:spTree>
     <p:extLst>
       <p:ext uri="{BB962C8B-B14F-4D97-AF65-F5344CB8AC3E}">
-        <p14:creationId xmlns:p14="http://schemas.microsoft.com/office/powerpoint/2010/main" val="3753824539"/>
+        <p14:creationId xmlns:p14="http://schemas.microsoft.com/office/powerpoint/2010/main" val="504077091"/>
       </p:ext>
     </p:extLst>
   </p:cSld>
@@ -31682,255 +31660,6 @@
       </p:grpSpPr>
       <p:sp>
         <p:nvSpPr>
-          <p:cNvPr id="2" name="Titel 1"/>
-          <p:cNvSpPr>
-            <a:spLocks noGrp="1"/>
-          </p:cNvSpPr>
-          <p:nvPr>
-            <p:ph type="title"/>
-          </p:nvPr>
-        </p:nvSpPr>
-        <p:spPr/>
-        <p:txBody>
-          <a:bodyPr/>
-          <a:lstStyle/>
-          <a:p>
-            <a:r>
-              <a:rPr lang="en-US" dirty="0"/>
-              <a:t>Container</a:t>
-            </a:r>
-          </a:p>
-        </p:txBody>
-      </p:sp>
-      <p:sp>
-        <p:nvSpPr>
-          <p:cNvPr id="3" name="Textplatzhalter 2"/>
-          <p:cNvSpPr>
-            <a:spLocks noGrp="1"/>
-          </p:cNvSpPr>
-          <p:nvPr>
-            <p:ph type="body" sz="quarter" idx="25"/>
-          </p:nvPr>
-        </p:nvSpPr>
-        <p:spPr/>
-        <p:txBody>
-          <a:bodyPr/>
-          <a:lstStyle/>
-          <a:p>
-            <a:r>
-              <a:rPr lang="en-US" dirty="0"/>
-              <a:t>Working with containers</a:t>
-            </a:r>
-          </a:p>
-        </p:txBody>
-      </p:sp>
-    </p:spTree>
-    <p:extLst>
-      <p:ext uri="{BB962C8B-B14F-4D97-AF65-F5344CB8AC3E}">
-        <p14:creationId xmlns:p14="http://schemas.microsoft.com/office/powerpoint/2010/main" val="4068012480"/>
-      </p:ext>
-    </p:extLst>
-  </p:cSld>
-  <p:clrMapOvr>
-    <a:masterClrMapping/>
-  </p:clrMapOvr>
-  <mc:AlternateContent xmlns:mc="http://schemas.openxmlformats.org/markup-compatibility/2006" xmlns:p14="http://schemas.microsoft.com/office/powerpoint/2010/main">
-    <mc:Choice Requires="p14">
-      <p:transition spd="med" p14:dur="700">
-        <p:fade/>
-      </p:transition>
-    </mc:Choice>
-    <mc:Fallback xmlns="">
-      <p:transition spd="med">
-        <p:fade/>
-      </p:transition>
-    </mc:Fallback>
-  </mc:AlternateContent>
-</p:sld>
-</file>
-
-<file path=ppt/slides/slide21.xml><?xml version="1.0" encoding="utf-8"?>
-<p:sld xmlns:a="http://schemas.openxmlformats.org/drawingml/2006/main" xmlns:r="http://schemas.openxmlformats.org/officeDocument/2006/relationships" xmlns:p="http://schemas.openxmlformats.org/presentationml/2006/main">
-  <p:cSld>
-    <p:spTree>
-      <p:nvGrpSpPr>
-        <p:cNvPr id="1" name=""/>
-        <p:cNvGrpSpPr/>
-        <p:nvPr/>
-      </p:nvGrpSpPr>
-      <p:grpSpPr>
-        <a:xfrm>
-          <a:off x="0" y="0"/>
-          <a:ext cx="0" cy="0"/>
-          <a:chOff x="0" y="0"/>
-          <a:chExt cx="0" cy="0"/>
-        </a:xfrm>
-      </p:grpSpPr>
-      <p:sp>
-        <p:nvSpPr>
-          <p:cNvPr id="4" name="Title 3"/>
-          <p:cNvSpPr>
-            <a:spLocks noGrp="1"/>
-          </p:cNvSpPr>
-          <p:nvPr>
-            <p:ph type="title"/>
-          </p:nvPr>
-        </p:nvSpPr>
-        <p:spPr/>
-        <p:txBody>
-          <a:bodyPr/>
-          <a:lstStyle/>
-          <a:p>
-            <a:r>
-              <a:rPr lang="en-US" dirty="0"/>
-              <a:t>Containers</a:t>
-            </a:r>
-          </a:p>
-        </p:txBody>
-      </p:sp>
-      <p:sp>
-        <p:nvSpPr>
-          <p:cNvPr id="5" name="Content Placeholder 4"/>
-          <p:cNvSpPr>
-            <a:spLocks noGrp="1"/>
-          </p:cNvSpPr>
-          <p:nvPr>
-            <p:ph sz="quarter" idx="12"/>
-          </p:nvPr>
-        </p:nvSpPr>
-        <p:spPr/>
-        <p:txBody>
-          <a:bodyPr/>
-          <a:lstStyle/>
-          <a:p>
-            <a:r>
-              <a:rPr lang="en-US" dirty="0"/>
-              <a:t>Launched from images</a:t>
-            </a:r>
-          </a:p>
-          <a:p>
-            <a:pPr lvl="1"/>
-            <a:r>
-              <a:rPr lang="en-US" dirty="0"/>
-              <a:t>Layered, copy-on-write</a:t>
-            </a:r>
-          </a:p>
-          <a:p>
-            <a:pPr lvl="1"/>
-            <a:r>
-              <a:rPr lang="en-US" dirty="0"/>
-              <a:t>Will be covered in details later</a:t>
-            </a:r>
-          </a:p>
-          <a:p>
-            <a:r>
-              <a:rPr lang="en-US" dirty="0"/>
-              <a:t>Contain one or more processes</a:t>
-            </a:r>
-          </a:p>
-          <a:p>
-            <a:r>
-              <a:rPr lang="en-US" dirty="0"/>
-              <a:t>Can be short-lived</a:t>
-            </a:r>
-          </a:p>
-          <a:p>
-            <a:pPr lvl="1"/>
-            <a:r>
-              <a:rPr lang="en-US" dirty="0"/>
-              <a:t>Sometimes even to run jus a single command</a:t>
-            </a:r>
-          </a:p>
-          <a:p>
-            <a:r>
-              <a:rPr lang="en-US" dirty="0"/>
-              <a:t>Shared via registries</a:t>
-            </a:r>
-          </a:p>
-          <a:p>
-            <a:pPr lvl="1"/>
-            <a:r>
-              <a:rPr lang="en-US" dirty="0"/>
-              <a:t>Docker Hub (private and public repositories)</a:t>
-            </a:r>
-          </a:p>
-          <a:p>
-            <a:pPr lvl="1"/>
-            <a:r>
-              <a:rPr lang="en-US" dirty="0"/>
-              <a:t>Run your own private registry (</a:t>
-            </a:r>
-            <a:r>
-              <a:rPr lang="en-US" dirty="0">
-                <a:latin typeface="Courier New" panose="02070309020205020404" pitchFamily="49" charset="0"/>
-                <a:cs typeface="Courier New" panose="02070309020205020404" pitchFamily="49" charset="0"/>
-              </a:rPr>
-              <a:t>registry </a:t>
-            </a:r>
-            <a:r>
-              <a:rPr lang="en-US" dirty="0"/>
-              <a:t>image on Docker Hub)</a:t>
-            </a:r>
-          </a:p>
-          <a:p>
-            <a:endParaRPr lang="en-US" dirty="0"/>
-          </a:p>
-        </p:txBody>
-      </p:sp>
-      <p:sp>
-        <p:nvSpPr>
-          <p:cNvPr id="6" name="Text Placeholder 5"/>
-          <p:cNvSpPr>
-            <a:spLocks noGrp="1"/>
-          </p:cNvSpPr>
-          <p:nvPr>
-            <p:ph type="body" sz="quarter" idx="23"/>
-          </p:nvPr>
-        </p:nvSpPr>
-        <p:spPr/>
-        <p:txBody>
-          <a:bodyPr/>
-          <a:lstStyle/>
-          <a:p>
-            <a:endParaRPr lang="en-US" dirty="0"/>
-          </a:p>
-        </p:txBody>
-      </p:sp>
-    </p:spTree>
-    <p:extLst>
-      <p:ext uri="{BB962C8B-B14F-4D97-AF65-F5344CB8AC3E}">
-        <p14:creationId xmlns:p14="http://schemas.microsoft.com/office/powerpoint/2010/main" val="504077091"/>
-      </p:ext>
-    </p:extLst>
-  </p:cSld>
-  <p:clrMapOvr>
-    <a:masterClrMapping/>
-  </p:clrMapOvr>
-  <p:transition spd="slow">
-    <p:push/>
-  </p:transition>
-</p:sld>
-</file>
-
-<file path=ppt/slides/slide22.xml><?xml version="1.0" encoding="utf-8"?>
-<p:sld xmlns:a="http://schemas.openxmlformats.org/drawingml/2006/main" xmlns:r="http://schemas.openxmlformats.org/officeDocument/2006/relationships" xmlns:p="http://schemas.openxmlformats.org/presentationml/2006/main">
-  <p:cSld>
-    <p:spTree>
-      <p:nvGrpSpPr>
-        <p:cNvPr id="1" name=""/>
-        <p:cNvGrpSpPr/>
-        <p:nvPr/>
-      </p:nvGrpSpPr>
-      <p:grpSpPr>
-        <a:xfrm>
-          <a:off x="0" y="0"/>
-          <a:ext cx="0" cy="0"/>
-          <a:chOff x="0" y="0"/>
-          <a:chExt cx="0" cy="0"/>
-        </a:xfrm>
-      </p:grpSpPr>
-      <p:sp>
-        <p:nvSpPr>
           <p:cNvPr id="5" name="Titel 4"/>
           <p:cNvSpPr>
             <a:spLocks noGrp="1"/>
@@ -32130,22 +31859,29 @@
           <a:p>
             <a:pPr lvl="1"/>
             <a:r>
-              <a:rPr lang="en-US" dirty="0" err="1">
-                <a:latin typeface="Courier New" panose="02070309020205020404" pitchFamily="49" charset="0"/>
-                <a:cs typeface="Courier New" panose="02070309020205020404" pitchFamily="49" charset="0"/>
-              </a:rPr>
-              <a:t>docker</a:t>
-            </a:r>
-            <a:r>
               <a:rPr lang="en-US" dirty="0">
                 <a:latin typeface="Courier New" panose="02070309020205020404" pitchFamily="49" charset="0"/>
                 <a:cs typeface="Courier New" panose="02070309020205020404" pitchFamily="49" charset="0"/>
               </a:rPr>
-              <a:t> exec </a:t>
+              <a:t>docker exec </a:t>
             </a:r>
             <a:r>
               <a:rPr lang="en-US" dirty="0"/>
               <a:t>– Run a command in a container</a:t>
+            </a:r>
+          </a:p>
+          <a:p>
+            <a:pPr lvl="1"/>
+            <a:r>
+              <a:rPr lang="en-US" dirty="0">
+                <a:latin typeface="Courier New" panose="02070309020205020404" pitchFamily="49" charset="0"/>
+                <a:cs typeface="Courier New" panose="02070309020205020404" pitchFamily="49" charset="0"/>
+              </a:rPr>
+              <a:t>docker container prune </a:t>
+            </a:r>
+            <a:r>
+              <a:rPr lang="en-US" dirty="0"/>
+              <a:t>– Remove all stopped containers</a:t>
             </a:r>
           </a:p>
         </p:txBody>
@@ -32185,7 +31921,7 @@
 </p:sld>
 </file>
 
-<file path=ppt/slides/slide23.xml><?xml version="1.0" encoding="utf-8"?>
+<file path=ppt/slides/slide21.xml><?xml version="1.0" encoding="utf-8"?>
 <p:sld xmlns:a="http://schemas.openxmlformats.org/drawingml/2006/main" xmlns:r="http://schemas.openxmlformats.org/officeDocument/2006/relationships" xmlns:p="http://schemas.openxmlformats.org/presentationml/2006/main">
   <p:cSld>
     <p:spTree>
@@ -33393,7 +33129,7 @@
 </p:sld>
 </file>
 
-<file path=ppt/slides/slide24.xml><?xml version="1.0" encoding="utf-8"?>
+<file path=ppt/slides/slide22.xml><?xml version="1.0" encoding="utf-8"?>
 <p:sld xmlns:a="http://schemas.openxmlformats.org/drawingml/2006/main" xmlns:r="http://schemas.openxmlformats.org/officeDocument/2006/relationships" xmlns:p="http://schemas.openxmlformats.org/presentationml/2006/main" show="0">
   <p:cSld>
     <p:spTree>
@@ -33572,6 +33308,12 @@
               <a:t>docker rm `docker ps --no-trunc -aq`</a:t>
             </a:r>
           </a:p>
+          <a:p>
+            <a:r>
+              <a:rPr lang="en-US" noProof="1"/>
+              <a:t>docker container prune</a:t>
+            </a:r>
+          </a:p>
         </p:txBody>
       </p:sp>
       <p:sp>
@@ -33650,7 +33392,7 @@
 </p:sld>
 </file>
 
-<file path=ppt/slides/slide25.xml><?xml version="1.0" encoding="utf-8"?>
+<file path=ppt/slides/slide23.xml><?xml version="1.0" encoding="utf-8"?>
 <p:sld xmlns:a="http://schemas.openxmlformats.org/drawingml/2006/main" xmlns:r="http://schemas.openxmlformats.org/officeDocument/2006/relationships" xmlns:p="http://schemas.openxmlformats.org/presentationml/2006/main" show="0">
   <p:cSld>
     <p:spTree>
@@ -33796,16 +33538,12 @@
           </a:p>
           <a:p>
             <a:r>
+              <a:rPr lang="en-US" dirty="0"/>
+              <a:t>docker run –it mcr.microsoft.com/windows/</a:t>
+            </a:r>
+            <a:r>
               <a:rPr lang="en-US" dirty="0" err="1"/>
-              <a:t>docker</a:t>
-            </a:r>
-            <a:r>
-              <a:rPr lang="en-US" dirty="0"/>
-              <a:t> run -it </a:t>
-            </a:r>
-            <a:r>
-              <a:rPr lang="en-US" dirty="0" err="1"/>
-              <a:t>windowsservercore</a:t>
+              <a:t>servercore</a:t>
             </a:r>
             <a:r>
               <a:rPr lang="en-US" dirty="0"/>
@@ -33914,7 +33652,7 @@
 </p:sld>
 </file>
 
-<file path=ppt/slides/slide26.xml><?xml version="1.0" encoding="utf-8"?>
+<file path=ppt/slides/slide24.xml><?xml version="1.0" encoding="utf-8"?>
 <p:sld xmlns:a="http://schemas.openxmlformats.org/drawingml/2006/main" xmlns:r="http://schemas.openxmlformats.org/officeDocument/2006/relationships" xmlns:p="http://schemas.openxmlformats.org/presentationml/2006/main">
   <p:cSld>
     <p:spTree>
@@ -34073,7 +33811,7 @@
 </p:sld>
 </file>
 
-<file path=ppt/slides/slide27.xml><?xml version="1.0" encoding="utf-8"?>
+<file path=ppt/slides/slide25.xml><?xml version="1.0" encoding="utf-8"?>
 <p:sld xmlns:a="http://schemas.openxmlformats.org/drawingml/2006/main" xmlns:r="http://schemas.openxmlformats.org/officeDocument/2006/relationships" xmlns:p="http://schemas.openxmlformats.org/presentationml/2006/main">
   <p:cSld>
     <p:spTree>
@@ -34159,7 +33897,7 @@
 </p:sld>
 </file>
 
-<file path=ppt/slides/slide28.xml><?xml version="1.0" encoding="utf-8"?>
+<file path=ppt/slides/slide26.xml><?xml version="1.0" encoding="utf-8"?>
 <p:sld xmlns:a="http://schemas.openxmlformats.org/drawingml/2006/main" xmlns:r="http://schemas.openxmlformats.org/officeDocument/2006/relationships" xmlns:p="http://schemas.openxmlformats.org/presentationml/2006/main">
   <p:cSld>
     <p:spTree>
@@ -34431,7 +34169,7 @@
 </p:sld>
 </file>
 
-<file path=ppt/slides/slide29.xml><?xml version="1.0" encoding="utf-8"?>
+<file path=ppt/slides/slide27.xml><?xml version="1.0" encoding="utf-8"?>
 <p:sld xmlns:a="http://schemas.openxmlformats.org/drawingml/2006/main" xmlns:r="http://schemas.openxmlformats.org/officeDocument/2006/relationships" xmlns:p="http://schemas.openxmlformats.org/presentationml/2006/main">
   <p:cSld>
     <p:spTree>
@@ -35273,93 +35011,7 @@
 </p:sld>
 </file>
 
-<file path=ppt/slides/slide3.xml><?xml version="1.0" encoding="utf-8"?>
-<p:sld xmlns:a="http://schemas.openxmlformats.org/drawingml/2006/main" xmlns:r="http://schemas.openxmlformats.org/officeDocument/2006/relationships" xmlns:p="http://schemas.openxmlformats.org/presentationml/2006/main">
-  <p:cSld>
-    <p:spTree>
-      <p:nvGrpSpPr>
-        <p:cNvPr id="1" name=""/>
-        <p:cNvGrpSpPr/>
-        <p:nvPr/>
-      </p:nvGrpSpPr>
-      <p:grpSpPr>
-        <a:xfrm>
-          <a:off x="0" y="0"/>
-          <a:ext cx="0" cy="0"/>
-          <a:chOff x="0" y="0"/>
-          <a:chExt cx="0" cy="0"/>
-        </a:xfrm>
-      </p:grpSpPr>
-      <p:sp>
-        <p:nvSpPr>
-          <p:cNvPr id="2" name="Title 1"/>
-          <p:cNvSpPr>
-            <a:spLocks noGrp="1"/>
-          </p:cNvSpPr>
-          <p:nvPr>
-            <p:ph type="title"/>
-          </p:nvPr>
-        </p:nvSpPr>
-        <p:spPr/>
-        <p:txBody>
-          <a:bodyPr/>
-          <a:lstStyle/>
-          <a:p>
-            <a:r>
-              <a:rPr lang="en-US" dirty="0"/>
-              <a:t>What is Docker?</a:t>
-            </a:r>
-          </a:p>
-        </p:txBody>
-      </p:sp>
-      <p:sp>
-        <p:nvSpPr>
-          <p:cNvPr id="3" name="Text Placeholder 2"/>
-          <p:cNvSpPr>
-            <a:spLocks noGrp="1"/>
-          </p:cNvSpPr>
-          <p:nvPr>
-            <p:ph type="body" sz="quarter" idx="25"/>
-          </p:nvPr>
-        </p:nvSpPr>
-        <p:spPr/>
-        <p:txBody>
-          <a:bodyPr/>
-          <a:lstStyle/>
-          <a:p>
-            <a:r>
-              <a:rPr lang="en-US" dirty="0"/>
-              <a:t>Introduction</a:t>
-            </a:r>
-          </a:p>
-        </p:txBody>
-      </p:sp>
-    </p:spTree>
-    <p:extLst>
-      <p:ext uri="{BB962C8B-B14F-4D97-AF65-F5344CB8AC3E}">
-        <p14:creationId xmlns:p14="http://schemas.microsoft.com/office/powerpoint/2010/main" val="157276080"/>
-      </p:ext>
-    </p:extLst>
-  </p:cSld>
-  <p:clrMapOvr>
-    <a:masterClrMapping/>
-  </p:clrMapOvr>
-  <mc:AlternateContent xmlns:mc="http://schemas.openxmlformats.org/markup-compatibility/2006" xmlns:p14="http://schemas.microsoft.com/office/powerpoint/2010/main">
-    <mc:Choice Requires="p14">
-      <p:transition spd="med" p14:dur="700">
-        <p:fade/>
-      </p:transition>
-    </mc:Choice>
-    <mc:Fallback xmlns="">
-      <p:transition spd="med">
-        <p:fade/>
-      </p:transition>
-    </mc:Fallback>
-  </mc:AlternateContent>
-</p:sld>
-</file>
-
-<file path=ppt/slides/slide30.xml><?xml version="1.0" encoding="utf-8"?>
+<file path=ppt/slides/slide28.xml><?xml version="1.0" encoding="utf-8"?>
 <p:sld xmlns:a="http://schemas.openxmlformats.org/drawingml/2006/main" xmlns:r="http://schemas.openxmlformats.org/officeDocument/2006/relationships" xmlns:p="http://schemas.openxmlformats.org/presentationml/2006/main">
   <p:cSld>
     <p:spTree>
@@ -35928,7 +35580,7 @@
 </p:sld>
 </file>
 
-<file path=ppt/slides/slide31.xml><?xml version="1.0" encoding="utf-8"?>
+<file path=ppt/slides/slide29.xml><?xml version="1.0" encoding="utf-8"?>
 <p:sld xmlns:a="http://schemas.openxmlformats.org/drawingml/2006/main" xmlns:r="http://schemas.openxmlformats.org/officeDocument/2006/relationships" xmlns:p="http://schemas.openxmlformats.org/presentationml/2006/main">
   <p:cSld>
     <p:spTree>
@@ -36643,7 +36295,93 @@
 </p:sld>
 </file>
 
-<file path=ppt/slides/slide32.xml><?xml version="1.0" encoding="utf-8"?>
+<file path=ppt/slides/slide3.xml><?xml version="1.0" encoding="utf-8"?>
+<p:sld xmlns:a="http://schemas.openxmlformats.org/drawingml/2006/main" xmlns:r="http://schemas.openxmlformats.org/officeDocument/2006/relationships" xmlns:p="http://schemas.openxmlformats.org/presentationml/2006/main">
+  <p:cSld>
+    <p:spTree>
+      <p:nvGrpSpPr>
+        <p:cNvPr id="1" name=""/>
+        <p:cNvGrpSpPr/>
+        <p:nvPr/>
+      </p:nvGrpSpPr>
+      <p:grpSpPr>
+        <a:xfrm>
+          <a:off x="0" y="0"/>
+          <a:ext cx="0" cy="0"/>
+          <a:chOff x="0" y="0"/>
+          <a:chExt cx="0" cy="0"/>
+        </a:xfrm>
+      </p:grpSpPr>
+      <p:sp>
+        <p:nvSpPr>
+          <p:cNvPr id="2" name="Title 1"/>
+          <p:cNvSpPr>
+            <a:spLocks noGrp="1"/>
+          </p:cNvSpPr>
+          <p:nvPr>
+            <p:ph type="title"/>
+          </p:nvPr>
+        </p:nvSpPr>
+        <p:spPr/>
+        <p:txBody>
+          <a:bodyPr/>
+          <a:lstStyle/>
+          <a:p>
+            <a:r>
+              <a:rPr lang="en-US" dirty="0"/>
+              <a:t>What is Docker?</a:t>
+            </a:r>
+          </a:p>
+        </p:txBody>
+      </p:sp>
+      <p:sp>
+        <p:nvSpPr>
+          <p:cNvPr id="3" name="Text Placeholder 2"/>
+          <p:cNvSpPr>
+            <a:spLocks noGrp="1"/>
+          </p:cNvSpPr>
+          <p:nvPr>
+            <p:ph type="body" sz="quarter" idx="25"/>
+          </p:nvPr>
+        </p:nvSpPr>
+        <p:spPr/>
+        <p:txBody>
+          <a:bodyPr/>
+          <a:lstStyle/>
+          <a:p>
+            <a:r>
+              <a:rPr lang="en-US" dirty="0"/>
+              <a:t>Introduction</a:t>
+            </a:r>
+          </a:p>
+        </p:txBody>
+      </p:sp>
+    </p:spTree>
+    <p:extLst>
+      <p:ext uri="{BB962C8B-B14F-4D97-AF65-F5344CB8AC3E}">
+        <p14:creationId xmlns:p14="http://schemas.microsoft.com/office/powerpoint/2010/main" val="157276080"/>
+      </p:ext>
+    </p:extLst>
+  </p:cSld>
+  <p:clrMapOvr>
+    <a:masterClrMapping/>
+  </p:clrMapOvr>
+  <mc:AlternateContent xmlns:mc="http://schemas.openxmlformats.org/markup-compatibility/2006" xmlns:p14="http://schemas.microsoft.com/office/powerpoint/2010/main">
+    <mc:Choice Requires="p14">
+      <p:transition spd="med" p14:dur="700">
+        <p:fade/>
+      </p:transition>
+    </mc:Choice>
+    <mc:Fallback xmlns="">
+      <p:transition spd="med">
+        <p:fade/>
+      </p:transition>
+    </mc:Fallback>
+  </mc:AlternateContent>
+</p:sld>
+</file>
+
+<file path=ppt/slides/slide30.xml><?xml version="1.0" encoding="utf-8"?>
 <p:sld xmlns:a="http://schemas.openxmlformats.org/drawingml/2006/main" xmlns:r="http://schemas.openxmlformats.org/officeDocument/2006/relationships" xmlns:p="http://schemas.openxmlformats.org/presentationml/2006/main">
   <p:cSld>
     <p:spTree>
@@ -36847,7 +36585,7 @@
 </p:sld>
 </file>
 
-<file path=ppt/slides/slide33.xml><?xml version="1.0" encoding="utf-8"?>
+<file path=ppt/slides/slide31.xml><?xml version="1.0" encoding="utf-8"?>
 <p:sld xmlns:a="http://schemas.openxmlformats.org/drawingml/2006/main" xmlns:r="http://schemas.openxmlformats.org/officeDocument/2006/relationships" xmlns:p="http://schemas.openxmlformats.org/presentationml/2006/main" show="0">
   <p:cSld>
     <p:spTree>
@@ -37313,7 +37051,7 @@
 </p:sld>
 </file>
 
-<file path=ppt/slides/slide34.xml><?xml version="1.0" encoding="utf-8"?>
+<file path=ppt/slides/slide32.xml><?xml version="1.0" encoding="utf-8"?>
 <p:sld xmlns:a="http://schemas.openxmlformats.org/drawingml/2006/main" xmlns:r="http://schemas.openxmlformats.org/officeDocument/2006/relationships" xmlns:p="http://schemas.openxmlformats.org/presentationml/2006/main" show="0">
   <p:cSld>
     <p:spTree>
@@ -37758,7 +37496,7 @@
 </p:sld>
 </file>
 
-<file path=ppt/slides/slide35.xml><?xml version="1.0" encoding="utf-8"?>
+<file path=ppt/slides/slide33.xml><?xml version="1.0" encoding="utf-8"?>
 <p:sld xmlns:a="http://schemas.openxmlformats.org/drawingml/2006/main" xmlns:r="http://schemas.openxmlformats.org/officeDocument/2006/relationships" xmlns:p="http://schemas.openxmlformats.org/presentationml/2006/main">
   <p:cSld>
     <p:spTree>
@@ -37895,7 +37633,7 @@
 </p:sld>
 </file>
 
-<file path=ppt/slides/slide36.xml><?xml version="1.0" encoding="utf-8"?>
+<file path=ppt/slides/slide34.xml><?xml version="1.0" encoding="utf-8"?>
 <p:sld xmlns:a="http://schemas.openxmlformats.org/drawingml/2006/main" xmlns:r="http://schemas.openxmlformats.org/officeDocument/2006/relationships" xmlns:p="http://schemas.openxmlformats.org/presentationml/2006/main">
   <p:cSld>
     <p:spTree>
@@ -38860,7 +38598,7 @@
 </p:sld>
 </file>
 
-<file path=ppt/slides/slide37.xml><?xml version="1.0" encoding="utf-8"?>
+<file path=ppt/slides/slide35.xml><?xml version="1.0" encoding="utf-8"?>
 <p:sld xmlns:a="http://schemas.openxmlformats.org/drawingml/2006/main" xmlns:r="http://schemas.openxmlformats.org/officeDocument/2006/relationships" xmlns:p="http://schemas.openxmlformats.org/presentationml/2006/main">
   <p:cSld>
     <p:spTree>
@@ -38946,7 +38684,7 @@
 </p:sld>
 </file>
 
-<file path=ppt/slides/slide38.xml><?xml version="1.0" encoding="utf-8"?>
+<file path=ppt/slides/slide36.xml><?xml version="1.0" encoding="utf-8"?>
 <p:sld xmlns:a="http://schemas.openxmlformats.org/drawingml/2006/main" xmlns:r="http://schemas.openxmlformats.org/officeDocument/2006/relationships" xmlns:p="http://schemas.openxmlformats.org/presentationml/2006/main">
   <p:cSld>
     <p:spTree>
@@ -39165,7 +38903,7 @@
 </p:sld>
 </file>
 
-<file path=ppt/slides/slide39.xml><?xml version="1.0" encoding="utf-8"?>
+<file path=ppt/slides/slide37.xml><?xml version="1.0" encoding="utf-8"?>
 <p:sld xmlns:a="http://schemas.openxmlformats.org/drawingml/2006/main" xmlns:r="http://schemas.openxmlformats.org/officeDocument/2006/relationships" xmlns:p="http://schemas.openxmlformats.org/presentationml/2006/main">
   <p:cSld>
     <p:spTree>
@@ -39581,421 +39319,7 @@
 </p:sld>
 </file>
 
-<file path=ppt/slides/slide4.xml><?xml version="1.0" encoding="utf-8"?>
-<p:sld xmlns:a="http://schemas.openxmlformats.org/drawingml/2006/main" xmlns:r="http://schemas.openxmlformats.org/officeDocument/2006/relationships" xmlns:p="http://schemas.openxmlformats.org/presentationml/2006/main" showMasterPhAnim="0">
-  <p:cSld>
-    <p:spTree>
-      <p:nvGrpSpPr>
-        <p:cNvPr id="1" name=""/>
-        <p:cNvGrpSpPr/>
-        <p:nvPr/>
-      </p:nvGrpSpPr>
-      <p:grpSpPr>
-        <a:xfrm>
-          <a:off x="0" y="0"/>
-          <a:ext cx="0" cy="0"/>
-          <a:chOff x="0" y="0"/>
-          <a:chExt cx="0" cy="0"/>
-        </a:xfrm>
-      </p:grpSpPr>
-      <p:pic>
-        <p:nvPicPr>
-          <p:cNvPr id="1026" name="Picture 2" descr="Docker Diagram"/>
-          <p:cNvPicPr>
-            <a:picLocks noChangeAspect="1" noChangeArrowheads="1"/>
-          </p:cNvPicPr>
-          <p:nvPr/>
-        </p:nvPicPr>
-        <p:blipFill>
-          <a:blip r:embed="rId2" cstate="email">
-            <a:extLst>
-              <a:ext uri="{28A0092B-C50C-407E-A947-70E740481C1C}">
-                <a14:useLocalDpi xmlns:a14="http://schemas.microsoft.com/office/drawing/2010/main" val="0"/>
-              </a:ext>
-            </a:extLst>
-          </a:blip>
-          <a:srcRect/>
-          <a:stretch>
-            <a:fillRect/>
-          </a:stretch>
-        </p:blipFill>
-        <p:spPr bwMode="auto">
-          <a:xfrm>
-            <a:off x="830816" y="328622"/>
-            <a:ext cx="1737926" cy="1906816"/>
-          </a:xfrm>
-          <a:prstGeom prst="rect">
-            <a:avLst/>
-          </a:prstGeom>
-          <a:noFill/>
-          <a:extLst>
-            <a:ext uri="{909E8E84-426E-40DD-AFC4-6F175D3DCCD1}">
-              <a14:hiddenFill xmlns:a14="http://schemas.microsoft.com/office/drawing/2010/main">
-                <a:solidFill>
-                  <a:srgbClr val="FFFFFF"/>
-                </a:solidFill>
-              </a14:hiddenFill>
-            </a:ext>
-          </a:extLst>
-        </p:spPr>
-      </p:pic>
-      <p:sp>
-        <p:nvSpPr>
-          <p:cNvPr id="2" name="Titel 1"/>
-          <p:cNvSpPr>
-            <a:spLocks noGrp="1"/>
-          </p:cNvSpPr>
-          <p:nvPr>
-            <p:ph type="title"/>
-          </p:nvPr>
-        </p:nvSpPr>
-        <p:spPr/>
-        <p:txBody>
-          <a:bodyPr/>
-          <a:lstStyle/>
-          <a:p>
-            <a:r>
-              <a:rPr lang="en-US" dirty="0"/>
-              <a:t>What is Docker?</a:t>
-            </a:r>
-          </a:p>
-        </p:txBody>
-      </p:sp>
-      <p:sp>
-        <p:nvSpPr>
-          <p:cNvPr id="4" name="Textplatzhalter 3"/>
-          <p:cNvSpPr>
-            <a:spLocks noGrp="1"/>
-          </p:cNvSpPr>
-          <p:nvPr>
-            <p:ph type="body" sz="quarter" idx="23"/>
-          </p:nvPr>
-        </p:nvSpPr>
-        <p:spPr/>
-        <p:txBody>
-          <a:bodyPr/>
-          <a:lstStyle/>
-          <a:p>
-            <a:r>
-              <a:rPr lang="en-US" dirty="0"/>
-              <a:t>Virtual machines vs. Docker</a:t>
-            </a:r>
-          </a:p>
-        </p:txBody>
-      </p:sp>
-      <p:sp>
-        <p:nvSpPr>
-          <p:cNvPr id="5" name="Textplatzhalter 4"/>
-          <p:cNvSpPr>
-            <a:spLocks noGrp="1"/>
-          </p:cNvSpPr>
-          <p:nvPr>
-            <p:ph type="body" sz="quarter" idx="24"/>
-          </p:nvPr>
-        </p:nvSpPr>
-        <p:spPr/>
-        <p:txBody>
-          <a:bodyPr/>
-          <a:lstStyle/>
-          <a:p>
-            <a:r>
-              <a:rPr lang="en-US" dirty="0"/>
-              <a:t>Each VM runs its own guest operating system</a:t>
-            </a:r>
-          </a:p>
-          <a:p>
-            <a:r>
-              <a:rPr lang="en-US" dirty="0"/>
-              <a:t>Container reuse the host operating system</a:t>
-            </a:r>
-          </a:p>
-          <a:p>
-            <a:pPr lvl="1"/>
-            <a:r>
-              <a:rPr lang="en-US" dirty="0"/>
-              <a:t>Container run in user space</a:t>
-            </a:r>
-          </a:p>
-          <a:p>
-            <a:r>
-              <a:rPr lang="en-US" u="sng" dirty="0"/>
-              <a:t>Not</a:t>
-            </a:r>
-            <a:r>
-              <a:rPr lang="en-US" dirty="0"/>
-              <a:t> a total replacement of classical hypervisors or </a:t>
-            </a:r>
-            <a:r>
-              <a:rPr lang="en-US" dirty="0" err="1"/>
-              <a:t>config</a:t>
-            </a:r>
-            <a:r>
-              <a:rPr lang="en-US" dirty="0"/>
-              <a:t> management tools</a:t>
-            </a:r>
-          </a:p>
-        </p:txBody>
-      </p:sp>
-      <p:sp>
-        <p:nvSpPr>
-          <p:cNvPr id="6" name="Textplatzhalter 5"/>
-          <p:cNvSpPr>
-            <a:spLocks noGrp="1"/>
-          </p:cNvSpPr>
-          <p:nvPr>
-            <p:ph type="body" sz="quarter" idx="25"/>
-          </p:nvPr>
-        </p:nvSpPr>
-        <p:spPr/>
-        <p:txBody>
-          <a:bodyPr/>
-          <a:lstStyle/>
-          <a:p>
-            <a:r>
-              <a:rPr lang="en-US" dirty="0"/>
-              <a:t>Image Source:</a:t>
-            </a:r>
-            <a:br>
-              <a:rPr lang="en-US" dirty="0"/>
-            </a:br>
-            <a:r>
-              <a:rPr lang="en-US" dirty="0">
-                <a:hlinkClick r:id="rId3"/>
-              </a:rPr>
-              <a:t>https://www.docker.com/whatisdocker/</a:t>
-            </a:r>
-            <a:endParaRPr lang="en-US" dirty="0"/>
-          </a:p>
-        </p:txBody>
-      </p:sp>
-      <p:sp>
-        <p:nvSpPr>
-          <p:cNvPr id="8" name="Textfeld 7"/>
-          <p:cNvSpPr txBox="1"/>
-          <p:nvPr/>
-        </p:nvSpPr>
-        <p:spPr>
-          <a:xfrm>
-            <a:off x="3050313" y="665445"/>
-            <a:ext cx="1879297" cy="369332"/>
-          </a:xfrm>
-          <a:prstGeom prst="rect">
-            <a:avLst/>
-          </a:prstGeom>
-          <a:noFill/>
-        </p:spPr>
-        <p:txBody>
-          <a:bodyPr wrap="none" rtlCol="0">
-            <a:spAutoFit/>
-          </a:bodyPr>
-          <a:lstStyle/>
-          <a:p>
-            <a:pPr defTabSz="914400" fontAlgn="auto">
-              <a:spcBef>
-                <a:spcPts val="0"/>
-              </a:spcBef>
-              <a:spcAft>
-                <a:spcPts val="0"/>
-              </a:spcAft>
-              <a:buClrTx/>
-              <a:buSzTx/>
-              <a:buFontTx/>
-              <a:buNone/>
-            </a:pPr>
-            <a:r>
-              <a:rPr lang="en-US" dirty="0">
-                <a:solidFill>
-                  <a:srgbClr val="595959"/>
-                </a:solidFill>
-                <a:latin typeface="Segoe UI"/>
-                <a:ea typeface="+mn-ea"/>
-              </a:rPr>
-              <a:t>Virtual Machines</a:t>
-            </a:r>
-          </a:p>
-        </p:txBody>
-      </p:sp>
-      <p:sp>
-        <p:nvSpPr>
-          <p:cNvPr id="9" name="Textfeld 8"/>
-          <p:cNvSpPr txBox="1"/>
-          <p:nvPr/>
-        </p:nvSpPr>
-        <p:spPr>
-          <a:xfrm>
-            <a:off x="2959767" y="2977916"/>
-            <a:ext cx="1951368" cy="369332"/>
-          </a:xfrm>
-          <a:prstGeom prst="rect">
-            <a:avLst/>
-          </a:prstGeom>
-          <a:noFill/>
-        </p:spPr>
-        <p:txBody>
-          <a:bodyPr wrap="none" rtlCol="0">
-            <a:spAutoFit/>
-          </a:bodyPr>
-          <a:lstStyle/>
-          <a:p>
-            <a:pPr defTabSz="914400" fontAlgn="auto">
-              <a:spcBef>
-                <a:spcPts val="0"/>
-              </a:spcBef>
-              <a:spcAft>
-                <a:spcPts val="0"/>
-              </a:spcAft>
-              <a:buClrTx/>
-              <a:buSzTx/>
-              <a:buFontTx/>
-              <a:buNone/>
-            </a:pPr>
-            <a:r>
-              <a:rPr lang="en-US" dirty="0">
-                <a:solidFill>
-                  <a:srgbClr val="595959"/>
-                </a:solidFill>
-                <a:latin typeface="Segoe UI"/>
-                <a:ea typeface="+mn-ea"/>
-              </a:rPr>
-              <a:t>Docker Container</a:t>
-            </a:r>
-          </a:p>
-        </p:txBody>
-      </p:sp>
-      <p:pic>
-        <p:nvPicPr>
-          <p:cNvPr id="1028" name="Picture 4" descr="Virtual Machine Diagram"/>
-          <p:cNvPicPr>
-            <a:picLocks noChangeAspect="1" noChangeArrowheads="1"/>
-          </p:cNvPicPr>
-          <p:nvPr/>
-        </p:nvPicPr>
-        <p:blipFill>
-          <a:blip r:embed="rId4" cstate="email">
-            <a:extLst>
-              <a:ext uri="{28A0092B-C50C-407E-A947-70E740481C1C}">
-                <a14:useLocalDpi xmlns:a14="http://schemas.microsoft.com/office/drawing/2010/main" val="0"/>
-              </a:ext>
-            </a:extLst>
-          </a:blip>
-          <a:srcRect/>
-          <a:stretch>
-            <a:fillRect/>
-          </a:stretch>
-        </p:blipFill>
-        <p:spPr bwMode="auto">
-          <a:xfrm>
-            <a:off x="827053" y="2967795"/>
-            <a:ext cx="1741689" cy="1233924"/>
-          </a:xfrm>
-          <a:prstGeom prst="rect">
-            <a:avLst/>
-          </a:prstGeom>
-          <a:noFill/>
-          <a:extLst>
-            <a:ext uri="{909E8E84-426E-40DD-AFC4-6F175D3DCCD1}">
-              <a14:hiddenFill xmlns:a14="http://schemas.microsoft.com/office/drawing/2010/main">
-                <a:solidFill>
-                  <a:srgbClr val="FFFFFF"/>
-                </a:solidFill>
-              </a14:hiddenFill>
-            </a:ext>
-          </a:extLst>
-        </p:spPr>
-      </p:pic>
-      <p:sp>
-        <p:nvSpPr>
-          <p:cNvPr id="12" name="Geschweifte Klammer rechts 11"/>
-          <p:cNvSpPr/>
-          <p:nvPr/>
-        </p:nvSpPr>
-        <p:spPr>
-          <a:xfrm>
-            <a:off x="2731802" y="328622"/>
-            <a:ext cx="227965" cy="1042978"/>
-          </a:xfrm>
-          <a:prstGeom prst="rightBrace">
-            <a:avLst/>
-          </a:prstGeom>
-        </p:spPr>
-        <p:style>
-          <a:lnRef idx="3">
-            <a:schemeClr val="accent5"/>
-          </a:lnRef>
-          <a:fillRef idx="0">
-            <a:schemeClr val="accent5"/>
-          </a:fillRef>
-          <a:effectRef idx="2">
-            <a:schemeClr val="accent5"/>
-          </a:effectRef>
-          <a:fontRef idx="minor">
-            <a:schemeClr val="tx1"/>
-          </a:fontRef>
-        </p:style>
-        <p:txBody>
-          <a:bodyPr rtlCol="0" anchor="ctr"/>
-          <a:lstStyle/>
-          <a:p>
-            <a:pPr algn="ctr"/>
-            <a:endParaRPr lang="de-AT"/>
-          </a:p>
-        </p:txBody>
-      </p:sp>
-      <p:sp>
-        <p:nvSpPr>
-          <p:cNvPr id="15" name="Geschweifte Klammer rechts 14"/>
-          <p:cNvSpPr/>
-          <p:nvPr/>
-        </p:nvSpPr>
-        <p:spPr>
-          <a:xfrm>
-            <a:off x="2784465" y="2967794"/>
-            <a:ext cx="122637" cy="391021"/>
-          </a:xfrm>
-          <a:prstGeom prst="rightBrace">
-            <a:avLst/>
-          </a:prstGeom>
-        </p:spPr>
-        <p:style>
-          <a:lnRef idx="3">
-            <a:schemeClr val="accent5"/>
-          </a:lnRef>
-          <a:fillRef idx="0">
-            <a:schemeClr val="accent5"/>
-          </a:fillRef>
-          <a:effectRef idx="2">
-            <a:schemeClr val="accent5"/>
-          </a:effectRef>
-          <a:fontRef idx="minor">
-            <a:schemeClr val="tx1"/>
-          </a:fontRef>
-        </p:style>
-        <p:txBody>
-          <a:bodyPr rtlCol="0" anchor="ctr"/>
-          <a:lstStyle/>
-          <a:p>
-            <a:pPr algn="ctr"/>
-            <a:endParaRPr lang="de-AT"/>
-          </a:p>
-        </p:txBody>
-      </p:sp>
-    </p:spTree>
-    <p:extLst>
-      <p:ext uri="{BB962C8B-B14F-4D97-AF65-F5344CB8AC3E}">
-        <p14:creationId xmlns:p14="http://schemas.microsoft.com/office/powerpoint/2010/main" val="3095502645"/>
-      </p:ext>
-    </p:extLst>
-  </p:cSld>
-  <p:clrMapOvr>
-    <a:masterClrMapping/>
-  </p:clrMapOvr>
-  <p:transition spd="slow">
-    <p:push/>
-  </p:transition>
-</p:sld>
-</file>
-
-<file path=ppt/slides/slide40.xml><?xml version="1.0" encoding="utf-8"?>
+<file path=ppt/slides/slide38.xml><?xml version="1.0" encoding="utf-8"?>
 <p:sld xmlns:a="http://schemas.openxmlformats.org/drawingml/2006/main" xmlns:r="http://schemas.openxmlformats.org/officeDocument/2006/relationships" xmlns:p="http://schemas.openxmlformats.org/presentationml/2006/main">
   <p:cSld>
     <p:spTree>
@@ -40230,7 +39554,7 @@
 </p:sld>
 </file>
 
-<file path=ppt/slides/slide41.xml><?xml version="1.0" encoding="utf-8"?>
+<file path=ppt/slides/slide39.xml><?xml version="1.0" encoding="utf-8"?>
 <p:sld xmlns:a="http://schemas.openxmlformats.org/drawingml/2006/main" xmlns:r="http://schemas.openxmlformats.org/officeDocument/2006/relationships" xmlns:p="http://schemas.openxmlformats.org/presentationml/2006/main">
   <p:cSld>
     <p:spTree>
@@ -40987,7 +40311,451 @@
 </p:sld>
 </file>
 
-<file path=ppt/slides/slide42.xml><?xml version="1.0" encoding="utf-8"?>
+<file path=ppt/slides/slide4.xml><?xml version="1.0" encoding="utf-8"?>
+<p:sld xmlns:a="http://schemas.openxmlformats.org/drawingml/2006/main" xmlns:r="http://schemas.openxmlformats.org/officeDocument/2006/relationships" xmlns:p="http://schemas.openxmlformats.org/presentationml/2006/main" showMasterPhAnim="0">
+  <p:cSld>
+    <p:spTree>
+      <p:nvGrpSpPr>
+        <p:cNvPr id="1" name=""/>
+        <p:cNvGrpSpPr/>
+        <p:nvPr/>
+      </p:nvGrpSpPr>
+      <p:grpSpPr>
+        <a:xfrm>
+          <a:off x="0" y="0"/>
+          <a:ext cx="0" cy="0"/>
+          <a:chOff x="0" y="0"/>
+          <a:chExt cx="0" cy="0"/>
+        </a:xfrm>
+      </p:grpSpPr>
+      <p:pic>
+        <p:nvPicPr>
+          <p:cNvPr id="3" name="Picture 2" descr="Container stack example">
+            <a:extLst>
+              <a:ext uri="{FF2B5EF4-FFF2-40B4-BE49-F238E27FC236}">
+                <a16:creationId xmlns:a16="http://schemas.microsoft.com/office/drawing/2014/main" id="{04EC5D86-5B4A-4292-8594-1268F6E25292}"/>
+              </a:ext>
+            </a:extLst>
+          </p:cNvPr>
+          <p:cNvPicPr>
+            <a:picLocks noChangeAspect="1" noChangeArrowheads="1"/>
+          </p:cNvPicPr>
+          <p:nvPr/>
+        </p:nvPicPr>
+        <p:blipFill>
+          <a:blip r:embed="rId2" cstate="email">
+            <a:extLst>
+              <a:ext uri="{28A0092B-C50C-407E-A947-70E740481C1C}">
+                <a14:useLocalDpi xmlns:a14="http://schemas.microsoft.com/office/drawing/2010/main" val="0"/>
+              </a:ext>
+            </a:extLst>
+          </a:blip>
+          <a:srcRect/>
+          <a:stretch>
+            <a:fillRect/>
+          </a:stretch>
+        </p:blipFill>
+        <p:spPr bwMode="auto">
+          <a:xfrm>
+            <a:off x="581793" y="2571750"/>
+            <a:ext cx="2126925" cy="1906817"/>
+          </a:xfrm>
+          <a:prstGeom prst="rect">
+            <a:avLst/>
+          </a:prstGeom>
+          <a:noFill/>
+          <a:extLst>
+            <a:ext uri="{909E8E84-426E-40DD-AFC4-6F175D3DCCD1}">
+              <a14:hiddenFill xmlns:a14="http://schemas.microsoft.com/office/drawing/2010/main">
+                <a:solidFill>
+                  <a:srgbClr val="FFFFFF"/>
+                </a:solidFill>
+              </a14:hiddenFill>
+            </a:ext>
+          </a:extLst>
+        </p:spPr>
+      </p:pic>
+      <p:pic>
+        <p:nvPicPr>
+          <p:cNvPr id="7" name="Picture 4" descr="Virtual machine stack example">
+            <a:extLst>
+              <a:ext uri="{FF2B5EF4-FFF2-40B4-BE49-F238E27FC236}">
+                <a16:creationId xmlns:a16="http://schemas.microsoft.com/office/drawing/2014/main" id="{D2306639-B25D-4E5F-BB34-4391FC81C675}"/>
+              </a:ext>
+            </a:extLst>
+          </p:cNvPr>
+          <p:cNvPicPr>
+            <a:picLocks noChangeAspect="1" noChangeArrowheads="1"/>
+          </p:cNvPicPr>
+          <p:nvPr/>
+        </p:nvPicPr>
+        <p:blipFill>
+          <a:blip r:embed="rId3" cstate="email">
+            <a:extLst>
+              <a:ext uri="{28A0092B-C50C-407E-A947-70E740481C1C}">
+                <a14:useLocalDpi xmlns:a14="http://schemas.microsoft.com/office/drawing/2010/main" val="0"/>
+              </a:ext>
+            </a:extLst>
+          </a:blip>
+          <a:srcRect/>
+          <a:stretch>
+            <a:fillRect/>
+          </a:stretch>
+        </p:blipFill>
+        <p:spPr bwMode="auto">
+          <a:xfrm>
+            <a:off x="590023" y="81369"/>
+            <a:ext cx="2121627" cy="1906816"/>
+          </a:xfrm>
+          <a:prstGeom prst="rect">
+            <a:avLst/>
+          </a:prstGeom>
+          <a:noFill/>
+          <a:extLst>
+            <a:ext uri="{909E8E84-426E-40DD-AFC4-6F175D3DCCD1}">
+              <a14:hiddenFill xmlns:a14="http://schemas.microsoft.com/office/drawing/2010/main">
+                <a:solidFill>
+                  <a:srgbClr val="FFFFFF"/>
+                </a:solidFill>
+              </a14:hiddenFill>
+            </a:ext>
+          </a:extLst>
+        </p:spPr>
+      </p:pic>
+      <p:sp>
+        <p:nvSpPr>
+          <p:cNvPr id="2" name="Titel 1"/>
+          <p:cNvSpPr>
+            <a:spLocks noGrp="1"/>
+          </p:cNvSpPr>
+          <p:nvPr>
+            <p:ph type="title"/>
+          </p:nvPr>
+        </p:nvSpPr>
+        <p:spPr/>
+        <p:txBody>
+          <a:bodyPr/>
+          <a:lstStyle/>
+          <a:p>
+            <a:r>
+              <a:rPr lang="en-US" dirty="0"/>
+              <a:t>What is Docker?</a:t>
+            </a:r>
+          </a:p>
+        </p:txBody>
+      </p:sp>
+      <p:sp>
+        <p:nvSpPr>
+          <p:cNvPr id="4" name="Textplatzhalter 3"/>
+          <p:cNvSpPr>
+            <a:spLocks noGrp="1"/>
+          </p:cNvSpPr>
+          <p:nvPr>
+            <p:ph type="body" sz="quarter" idx="23"/>
+          </p:nvPr>
+        </p:nvSpPr>
+        <p:spPr/>
+        <p:txBody>
+          <a:bodyPr/>
+          <a:lstStyle/>
+          <a:p>
+            <a:r>
+              <a:rPr lang="en-US" dirty="0"/>
+              <a:t>Virtual machines vs. Docker</a:t>
+            </a:r>
+          </a:p>
+        </p:txBody>
+      </p:sp>
+      <p:sp>
+        <p:nvSpPr>
+          <p:cNvPr id="5" name="Textplatzhalter 4"/>
+          <p:cNvSpPr>
+            <a:spLocks noGrp="1"/>
+          </p:cNvSpPr>
+          <p:nvPr>
+            <p:ph type="body" sz="quarter" idx="24"/>
+          </p:nvPr>
+        </p:nvSpPr>
+        <p:spPr/>
+        <p:txBody>
+          <a:bodyPr/>
+          <a:lstStyle/>
+          <a:p>
+            <a:r>
+              <a:rPr lang="en-US" dirty="0"/>
+              <a:t>Each VM runs its own guest operating system</a:t>
+            </a:r>
+          </a:p>
+          <a:p>
+            <a:r>
+              <a:rPr lang="en-US" dirty="0"/>
+              <a:t>Container reuse the host operating system</a:t>
+            </a:r>
+          </a:p>
+          <a:p>
+            <a:pPr lvl="1"/>
+            <a:r>
+              <a:rPr lang="en-US" dirty="0"/>
+              <a:t>Container run in user space</a:t>
+            </a:r>
+          </a:p>
+          <a:p>
+            <a:r>
+              <a:rPr lang="en-US" u="sng" dirty="0"/>
+              <a:t>Not</a:t>
+            </a:r>
+            <a:r>
+              <a:rPr lang="en-US" dirty="0"/>
+              <a:t> a total replacement of classical hypervisors or </a:t>
+            </a:r>
+            <a:r>
+              <a:rPr lang="en-US" dirty="0" err="1"/>
+              <a:t>config</a:t>
+            </a:r>
+            <a:r>
+              <a:rPr lang="en-US" dirty="0"/>
+              <a:t> management tools</a:t>
+            </a:r>
+          </a:p>
+        </p:txBody>
+      </p:sp>
+      <p:sp>
+        <p:nvSpPr>
+          <p:cNvPr id="6" name="Textplatzhalter 5"/>
+          <p:cNvSpPr>
+            <a:spLocks noGrp="1"/>
+          </p:cNvSpPr>
+          <p:nvPr>
+            <p:ph type="body" sz="quarter" idx="25"/>
+          </p:nvPr>
+        </p:nvSpPr>
+        <p:spPr/>
+        <p:txBody>
+          <a:bodyPr/>
+          <a:lstStyle/>
+          <a:p>
+            <a:r>
+              <a:rPr lang="en-US" sz="700" dirty="0">
+                <a:solidFill>
+                  <a:schemeClr val="tx1"/>
+                </a:solidFill>
+              </a:rPr>
+              <a:t>Image Source:</a:t>
+            </a:r>
+            <a:br>
+              <a:rPr lang="en-US" sz="700" dirty="0">
+                <a:solidFill>
+                  <a:schemeClr val="tx1"/>
+                </a:solidFill>
+              </a:rPr>
+            </a:br>
+            <a:r>
+              <a:rPr lang="en-US" sz="700" dirty="0">
+                <a:solidFill>
+                  <a:schemeClr val="tx1"/>
+                </a:solidFill>
+                <a:hlinkClick r:id="rId4"/>
+              </a:rPr>
+              <a:t>https://docs.docker.com/get-started/#containers-and-virtual-machines</a:t>
+            </a:r>
+            <a:r>
+              <a:rPr lang="en-US" sz="700" dirty="0">
+                <a:solidFill>
+                  <a:schemeClr val="tx1"/>
+                </a:solidFill>
+              </a:rPr>
+              <a:t> </a:t>
+            </a:r>
+          </a:p>
+        </p:txBody>
+      </p:sp>
+      <p:sp>
+        <p:nvSpPr>
+          <p:cNvPr id="8" name="Textfeld 7"/>
+          <p:cNvSpPr txBox="1"/>
+          <p:nvPr/>
+        </p:nvSpPr>
+        <p:spPr>
+          <a:xfrm>
+            <a:off x="3050313" y="665445"/>
+            <a:ext cx="1879297" cy="369332"/>
+          </a:xfrm>
+          <a:prstGeom prst="rect">
+            <a:avLst/>
+          </a:prstGeom>
+          <a:noFill/>
+        </p:spPr>
+        <p:txBody>
+          <a:bodyPr wrap="none" rtlCol="0">
+            <a:spAutoFit/>
+          </a:bodyPr>
+          <a:lstStyle/>
+          <a:p>
+            <a:pPr defTabSz="914400" fontAlgn="auto">
+              <a:spcBef>
+                <a:spcPts val="0"/>
+              </a:spcBef>
+              <a:spcAft>
+                <a:spcPts val="0"/>
+              </a:spcAft>
+              <a:buClrTx/>
+              <a:buSzTx/>
+              <a:buFontTx/>
+              <a:buNone/>
+            </a:pPr>
+            <a:r>
+              <a:rPr lang="en-US" dirty="0">
+                <a:solidFill>
+                  <a:srgbClr val="595959"/>
+                </a:solidFill>
+                <a:latin typeface="Segoe UI"/>
+                <a:ea typeface="+mn-ea"/>
+              </a:rPr>
+              <a:t>Virtual Machines</a:t>
+            </a:r>
+          </a:p>
+        </p:txBody>
+      </p:sp>
+      <p:sp>
+        <p:nvSpPr>
+          <p:cNvPr id="9" name="Textfeld 8"/>
+          <p:cNvSpPr txBox="1"/>
+          <p:nvPr/>
+        </p:nvSpPr>
+        <p:spPr>
+          <a:xfrm>
+            <a:off x="2959767" y="2977916"/>
+            <a:ext cx="1951368" cy="369332"/>
+          </a:xfrm>
+          <a:prstGeom prst="rect">
+            <a:avLst/>
+          </a:prstGeom>
+          <a:noFill/>
+        </p:spPr>
+        <p:txBody>
+          <a:bodyPr wrap="none" rtlCol="0">
+            <a:spAutoFit/>
+          </a:bodyPr>
+          <a:lstStyle/>
+          <a:p>
+            <a:pPr defTabSz="914400" fontAlgn="auto">
+              <a:spcBef>
+                <a:spcPts val="0"/>
+              </a:spcBef>
+              <a:spcAft>
+                <a:spcPts val="0"/>
+              </a:spcAft>
+              <a:buClrTx/>
+              <a:buSzTx/>
+              <a:buFontTx/>
+              <a:buNone/>
+            </a:pPr>
+            <a:r>
+              <a:rPr lang="en-US" dirty="0">
+                <a:solidFill>
+                  <a:srgbClr val="595959"/>
+                </a:solidFill>
+                <a:latin typeface="Segoe UI"/>
+                <a:ea typeface="+mn-ea"/>
+              </a:rPr>
+              <a:t>Docker Container</a:t>
+            </a:r>
+          </a:p>
+        </p:txBody>
+      </p:sp>
+      <p:sp>
+        <p:nvSpPr>
+          <p:cNvPr id="12" name="Geschweifte Klammer rechts 11"/>
+          <p:cNvSpPr/>
+          <p:nvPr/>
+        </p:nvSpPr>
+        <p:spPr>
+          <a:xfrm>
+            <a:off x="2731802" y="328622"/>
+            <a:ext cx="227965" cy="1042978"/>
+          </a:xfrm>
+          <a:prstGeom prst="rightBrace">
+            <a:avLst/>
+          </a:prstGeom>
+        </p:spPr>
+        <p:style>
+          <a:lnRef idx="3">
+            <a:schemeClr val="accent5"/>
+          </a:lnRef>
+          <a:fillRef idx="0">
+            <a:schemeClr val="accent5"/>
+          </a:fillRef>
+          <a:effectRef idx="2">
+            <a:schemeClr val="accent5"/>
+          </a:effectRef>
+          <a:fontRef idx="minor">
+            <a:schemeClr val="tx1"/>
+          </a:fontRef>
+        </p:style>
+        <p:txBody>
+          <a:bodyPr rtlCol="0" anchor="ctr"/>
+          <a:lstStyle/>
+          <a:p>
+            <a:pPr algn="ctr"/>
+            <a:endParaRPr lang="de-AT"/>
+          </a:p>
+        </p:txBody>
+      </p:sp>
+      <p:sp>
+        <p:nvSpPr>
+          <p:cNvPr id="15" name="Geschweifte Klammer rechts 14"/>
+          <p:cNvSpPr/>
+          <p:nvPr/>
+        </p:nvSpPr>
+        <p:spPr>
+          <a:xfrm>
+            <a:off x="2784465" y="2967794"/>
+            <a:ext cx="122637" cy="391021"/>
+          </a:xfrm>
+          <a:prstGeom prst="rightBrace">
+            <a:avLst/>
+          </a:prstGeom>
+        </p:spPr>
+        <p:style>
+          <a:lnRef idx="3">
+            <a:schemeClr val="accent5"/>
+          </a:lnRef>
+          <a:fillRef idx="0">
+            <a:schemeClr val="accent5"/>
+          </a:fillRef>
+          <a:effectRef idx="2">
+            <a:schemeClr val="accent5"/>
+          </a:effectRef>
+          <a:fontRef idx="minor">
+            <a:schemeClr val="tx1"/>
+          </a:fontRef>
+        </p:style>
+        <p:txBody>
+          <a:bodyPr rtlCol="0" anchor="ctr"/>
+          <a:lstStyle/>
+          <a:p>
+            <a:pPr algn="ctr"/>
+            <a:endParaRPr lang="de-AT"/>
+          </a:p>
+        </p:txBody>
+      </p:sp>
+    </p:spTree>
+    <p:extLst>
+      <p:ext uri="{BB962C8B-B14F-4D97-AF65-F5344CB8AC3E}">
+        <p14:creationId xmlns:p14="http://schemas.microsoft.com/office/powerpoint/2010/main" val="3095502645"/>
+      </p:ext>
+    </p:extLst>
+  </p:cSld>
+  <p:clrMapOvr>
+    <a:masterClrMapping/>
+  </p:clrMapOvr>
+  <p:transition spd="slow">
+    <p:push/>
+  </p:transition>
+</p:sld>
+</file>
+
+<file path=ppt/slides/slide40.xml><?xml version="1.0" encoding="utf-8"?>
 <p:sld xmlns:a="http://schemas.openxmlformats.org/drawingml/2006/main" xmlns:r="http://schemas.openxmlformats.org/officeDocument/2006/relationships" xmlns:p="http://schemas.openxmlformats.org/presentationml/2006/main" show="0">
   <p:cSld>
     <p:spTree>
@@ -41145,43 +40913,6 @@
               <a:t>docker rmi rainer:withfile</a:t>
             </a:r>
           </a:p>
-          <a:p>
-            <a:endParaRPr lang="en-US" noProof="1"/>
-          </a:p>
-          <a:p>
-            <a:r>
-              <a:rPr lang="en-US" noProof="1"/>
-              <a:t># Run DockerUI in container</a:t>
-            </a:r>
-          </a:p>
-          <a:p>
-            <a:r>
-              <a:rPr lang="en-US" noProof="1">
-                <a:hlinkClick r:id="rId2"/>
-              </a:rPr>
-              <a:t># https://github.com/crosbymichael/dockerui</a:t>
-            </a:r>
-            <a:endParaRPr lang="en-US" noProof="1"/>
-          </a:p>
-          <a:p>
-            <a:r>
-              <a:rPr lang="sv-SE" dirty="0"/>
-              <a:t>docker run -d -p 9000:9000 --privileged \</a:t>
-            </a:r>
-          </a:p>
-          <a:p>
-            <a:r>
-              <a:rPr lang="sv-SE" dirty="0"/>
-              <a:t>  -v /var/run/docker.sock:/var/run/docker.sock \</a:t>
-            </a:r>
-          </a:p>
-          <a:p>
-            <a:r>
-              <a:rPr lang="sv-SE" dirty="0"/>
-              <a:t>  dockerui/dockerui</a:t>
-            </a:r>
-            <a:endParaRPr lang="en-US" noProof="1"/>
-          </a:p>
         </p:txBody>
       </p:sp>
       <p:sp>
@@ -41253,7 +40984,7 @@
           <p:nvPr/>
         </p:nvPicPr>
         <p:blipFill>
-          <a:blip r:embed="rId3"/>
+          <a:blip r:embed="rId2"/>
           <a:stretch>
             <a:fillRect/>
           </a:stretch>
@@ -41272,6 +41003,610 @@
     <p:extLst>
       <p:ext uri="{BB962C8B-B14F-4D97-AF65-F5344CB8AC3E}">
         <p14:creationId xmlns:p14="http://schemas.microsoft.com/office/powerpoint/2010/main" val="893490216"/>
+      </p:ext>
+    </p:extLst>
+  </p:cSld>
+  <p:clrMapOvr>
+    <a:masterClrMapping/>
+  </p:clrMapOvr>
+  <p:transition spd="slow">
+    <p:push/>
+  </p:transition>
+</p:sld>
+</file>
+
+<file path=ppt/slides/slide41.xml><?xml version="1.0" encoding="utf-8"?>
+<p:sld xmlns:a="http://schemas.openxmlformats.org/drawingml/2006/main" xmlns:r="http://schemas.openxmlformats.org/officeDocument/2006/relationships" xmlns:p="http://schemas.openxmlformats.org/presentationml/2006/main">
+  <p:cSld>
+    <p:spTree>
+      <p:nvGrpSpPr>
+        <p:cNvPr id="1" name=""/>
+        <p:cNvGrpSpPr/>
+        <p:nvPr/>
+      </p:nvGrpSpPr>
+      <p:grpSpPr>
+        <a:xfrm>
+          <a:off x="0" y="0"/>
+          <a:ext cx="0" cy="0"/>
+          <a:chOff x="0" y="0"/>
+          <a:chExt cx="0" cy="0"/>
+        </a:xfrm>
+      </p:grpSpPr>
+      <p:sp>
+        <p:nvSpPr>
+          <p:cNvPr id="7" name="Title 6">
+            <a:extLst>
+              <a:ext uri="{FF2B5EF4-FFF2-40B4-BE49-F238E27FC236}">
+                <a16:creationId xmlns:a16="http://schemas.microsoft.com/office/drawing/2014/main" id="{0D5E0E22-47BC-4C22-B7FA-62C1632C15E9}"/>
+              </a:ext>
+            </a:extLst>
+          </p:cNvPr>
+          <p:cNvSpPr>
+            <a:spLocks noGrp="1"/>
+          </p:cNvSpPr>
+          <p:nvPr>
+            <p:ph type="title"/>
+          </p:nvPr>
+        </p:nvSpPr>
+        <p:spPr/>
+        <p:txBody>
+          <a:bodyPr/>
+          <a:lstStyle/>
+          <a:p>
+            <a:r>
+              <a:rPr lang="de-AT" dirty="0"/>
+              <a:t>Checklist for </a:t>
+            </a:r>
+            <a:r>
+              <a:rPr lang="de-AT" dirty="0" err="1"/>
+              <a:t>Dockerfiles</a:t>
+            </a:r>
+            <a:endParaRPr lang="de-AT" dirty="0"/>
+          </a:p>
+        </p:txBody>
+      </p:sp>
+      <p:sp>
+        <p:nvSpPr>
+          <p:cNvPr id="8" name="Content Placeholder 7">
+            <a:extLst>
+              <a:ext uri="{FF2B5EF4-FFF2-40B4-BE49-F238E27FC236}">
+                <a16:creationId xmlns:a16="http://schemas.microsoft.com/office/drawing/2014/main" id="{2F77A696-ACF2-48A5-9D9C-0FB287ADF56A}"/>
+              </a:ext>
+            </a:extLst>
+          </p:cNvPr>
+          <p:cNvSpPr>
+            <a:spLocks noGrp="1"/>
+          </p:cNvSpPr>
+          <p:nvPr>
+            <p:ph sz="quarter" idx="12"/>
+          </p:nvPr>
+        </p:nvSpPr>
+        <p:spPr/>
+        <p:txBody>
+          <a:bodyPr/>
+          <a:lstStyle/>
+          <a:p>
+            <a:r>
+              <a:rPr lang="de-AT" dirty="0"/>
+              <a:t>Select </a:t>
+            </a:r>
+            <a:r>
+              <a:rPr lang="de-AT" dirty="0" err="1"/>
+              <a:t>approriate</a:t>
+            </a:r>
+            <a:r>
+              <a:rPr lang="de-AT" dirty="0"/>
+              <a:t> </a:t>
+            </a:r>
+            <a:r>
+              <a:rPr lang="de-AT" dirty="0" err="1"/>
+              <a:t>base</a:t>
+            </a:r>
+            <a:r>
+              <a:rPr lang="de-AT" dirty="0"/>
+              <a:t> </a:t>
+            </a:r>
+            <a:r>
+              <a:rPr lang="de-AT" dirty="0" err="1"/>
+              <a:t>image</a:t>
+            </a:r>
+            <a:endParaRPr lang="de-AT" dirty="0"/>
+          </a:p>
+          <a:p>
+            <a:pPr lvl="1"/>
+            <a:r>
+              <a:rPr lang="de-AT" dirty="0" err="1"/>
+              <a:t>Prefer</a:t>
+            </a:r>
+            <a:r>
+              <a:rPr lang="de-AT" dirty="0"/>
+              <a:t> </a:t>
+            </a:r>
+            <a:r>
+              <a:rPr lang="de-AT" dirty="0" err="1"/>
+              <a:t>existing</a:t>
+            </a:r>
+            <a:r>
+              <a:rPr lang="de-AT" dirty="0"/>
+              <a:t> (</a:t>
+            </a:r>
+            <a:r>
+              <a:rPr lang="de-AT" dirty="0" err="1"/>
+              <a:t>official</a:t>
+            </a:r>
+            <a:r>
+              <a:rPr lang="de-AT" dirty="0"/>
+              <a:t>) </a:t>
+            </a:r>
+            <a:r>
+              <a:rPr lang="de-AT" dirty="0" err="1"/>
+              <a:t>base</a:t>
+            </a:r>
+            <a:r>
+              <a:rPr lang="de-AT" dirty="0"/>
+              <a:t> </a:t>
+            </a:r>
+            <a:r>
+              <a:rPr lang="de-AT" dirty="0" err="1"/>
+              <a:t>images</a:t>
+            </a:r>
+            <a:endParaRPr lang="de-AT" dirty="0"/>
+          </a:p>
+          <a:p>
+            <a:r>
+              <a:rPr lang="de-AT" dirty="0"/>
+              <a:t>Use </a:t>
+            </a:r>
+            <a:r>
+              <a:rPr lang="de-AT" dirty="0" err="1"/>
+              <a:t>multistage</a:t>
+            </a:r>
+            <a:r>
+              <a:rPr lang="de-AT" dirty="0"/>
+              <a:t> </a:t>
+            </a:r>
+            <a:r>
+              <a:rPr lang="de-AT" dirty="0" err="1"/>
+              <a:t>builds</a:t>
+            </a:r>
+            <a:endParaRPr lang="de-AT" dirty="0"/>
+          </a:p>
+          <a:p>
+            <a:pPr lvl="1"/>
+            <a:r>
+              <a:rPr lang="de-AT" dirty="0"/>
+              <a:t>Use </a:t>
+            </a:r>
+            <a:r>
+              <a:rPr lang="de-AT" dirty="0" err="1"/>
+              <a:t>image</a:t>
+            </a:r>
+            <a:r>
+              <a:rPr lang="de-AT" dirty="0"/>
+              <a:t> </a:t>
+            </a:r>
+            <a:r>
+              <a:rPr lang="de-AT" dirty="0" err="1"/>
+              <a:t>with</a:t>
+            </a:r>
+            <a:r>
+              <a:rPr lang="de-AT" dirty="0"/>
+              <a:t> SDK just for </a:t>
+            </a:r>
+            <a:r>
+              <a:rPr lang="de-AT" dirty="0" err="1"/>
+              <a:t>building</a:t>
+            </a:r>
+            <a:endParaRPr lang="de-AT" dirty="0"/>
+          </a:p>
+          <a:p>
+            <a:pPr lvl="1"/>
+            <a:r>
+              <a:rPr lang="de-AT" dirty="0"/>
+              <a:t>Use </a:t>
+            </a:r>
+            <a:r>
+              <a:rPr lang="de-AT" dirty="0" err="1"/>
+              <a:t>specialized</a:t>
+            </a:r>
+            <a:r>
+              <a:rPr lang="de-AT" dirty="0"/>
+              <a:t> </a:t>
+            </a:r>
+            <a:r>
+              <a:rPr lang="de-AT" dirty="0" err="1"/>
+              <a:t>runtime</a:t>
+            </a:r>
+            <a:r>
+              <a:rPr lang="de-AT" dirty="0"/>
+              <a:t> </a:t>
+            </a:r>
+            <a:r>
+              <a:rPr lang="de-AT" dirty="0" err="1"/>
+              <a:t>images</a:t>
+            </a:r>
+            <a:r>
+              <a:rPr lang="de-AT" dirty="0"/>
+              <a:t> for </a:t>
+            </a:r>
+            <a:r>
+              <a:rPr lang="de-AT" dirty="0" err="1"/>
+              <a:t>running</a:t>
+            </a:r>
+            <a:r>
+              <a:rPr lang="de-AT" dirty="0"/>
+              <a:t> </a:t>
+            </a:r>
+            <a:r>
+              <a:rPr lang="de-AT" dirty="0" err="1"/>
+              <a:t>containers</a:t>
+            </a:r>
+            <a:endParaRPr lang="de-AT" dirty="0"/>
+          </a:p>
+          <a:p>
+            <a:r>
+              <a:rPr lang="de-AT" dirty="0" err="1"/>
+              <a:t>Consolidate</a:t>
+            </a:r>
+            <a:r>
+              <a:rPr lang="de-AT" dirty="0"/>
+              <a:t> </a:t>
+            </a:r>
+            <a:r>
+              <a:rPr lang="de-AT" i="1" dirty="0"/>
+              <a:t>RUN</a:t>
+            </a:r>
+            <a:r>
+              <a:rPr lang="de-AT" dirty="0"/>
+              <a:t> </a:t>
+            </a:r>
+            <a:r>
+              <a:rPr lang="de-AT" dirty="0" err="1"/>
+              <a:t>statements</a:t>
+            </a:r>
+            <a:endParaRPr lang="de-AT" dirty="0"/>
+          </a:p>
+          <a:p>
+            <a:pPr lvl="1"/>
+            <a:r>
+              <a:rPr lang="en-US" dirty="0">
+                <a:latin typeface="Courier New" panose="02070309020205020404" pitchFamily="49" charset="0"/>
+                <a:cs typeface="Courier New" panose="02070309020205020404" pitchFamily="49" charset="0"/>
+              </a:rPr>
+              <a:t>RUN apt-get -y update &amp;&amp; apt-get install -y python</a:t>
+            </a:r>
+          </a:p>
+          <a:p>
+            <a:r>
+              <a:rPr lang="de-AT" dirty="0"/>
+              <a:t>Use tags </a:t>
+            </a:r>
+            <a:r>
+              <a:rPr lang="de-AT" dirty="0" err="1"/>
+              <a:t>to</a:t>
+            </a:r>
+            <a:r>
+              <a:rPr lang="de-AT" dirty="0"/>
+              <a:t> </a:t>
+            </a:r>
+            <a:r>
+              <a:rPr lang="de-AT" dirty="0" err="1"/>
+              <a:t>describe</a:t>
+            </a:r>
+            <a:r>
+              <a:rPr lang="de-AT" dirty="0"/>
+              <a:t> </a:t>
+            </a:r>
+            <a:r>
+              <a:rPr lang="de-AT" dirty="0" err="1"/>
+              <a:t>purpose</a:t>
+            </a:r>
+            <a:r>
+              <a:rPr lang="de-AT" dirty="0"/>
+              <a:t> </a:t>
+            </a:r>
+            <a:r>
+              <a:rPr lang="de-AT" dirty="0" err="1"/>
+              <a:t>of</a:t>
+            </a:r>
+            <a:r>
+              <a:rPr lang="de-AT" dirty="0"/>
+              <a:t> </a:t>
+            </a:r>
+            <a:r>
+              <a:rPr lang="de-AT" dirty="0" err="1"/>
+              <a:t>images</a:t>
+            </a:r>
+            <a:endParaRPr lang="de-AT" dirty="0"/>
+          </a:p>
+          <a:p>
+            <a:pPr lvl="1"/>
+            <a:r>
+              <a:rPr lang="de-AT" dirty="0"/>
+              <a:t>E.g. </a:t>
+            </a:r>
+            <a:r>
+              <a:rPr lang="de-AT" dirty="0" err="1"/>
+              <a:t>dev</a:t>
+            </a:r>
+            <a:r>
+              <a:rPr lang="de-AT" dirty="0"/>
+              <a:t>, </a:t>
+            </a:r>
+            <a:r>
+              <a:rPr lang="de-AT" dirty="0" err="1"/>
+              <a:t>prod</a:t>
+            </a:r>
+            <a:r>
+              <a:rPr lang="de-AT" dirty="0"/>
+              <a:t>, </a:t>
+            </a:r>
+            <a:r>
+              <a:rPr lang="de-AT" dirty="0" err="1"/>
+              <a:t>version</a:t>
+            </a:r>
+            <a:r>
+              <a:rPr lang="de-AT" dirty="0"/>
+              <a:t>, </a:t>
+            </a:r>
+            <a:r>
+              <a:rPr lang="de-AT" dirty="0" err="1"/>
+              <a:t>base</a:t>
+            </a:r>
+            <a:r>
+              <a:rPr lang="de-AT" dirty="0"/>
+              <a:t> (e.g. </a:t>
+            </a:r>
+            <a:r>
+              <a:rPr lang="de-AT" i="1" dirty="0"/>
+              <a:t>alpine</a:t>
+            </a:r>
+            <a:r>
+              <a:rPr lang="de-AT" dirty="0"/>
+              <a:t>)</a:t>
+            </a:r>
+          </a:p>
+        </p:txBody>
+      </p:sp>
+      <p:sp>
+        <p:nvSpPr>
+          <p:cNvPr id="9" name="Text Placeholder 8">
+            <a:extLst>
+              <a:ext uri="{FF2B5EF4-FFF2-40B4-BE49-F238E27FC236}">
+                <a16:creationId xmlns:a16="http://schemas.microsoft.com/office/drawing/2014/main" id="{8284E30A-D4C0-444E-B3DB-EE54742B262A}"/>
+              </a:ext>
+            </a:extLst>
+          </p:cNvPr>
+          <p:cNvSpPr>
+            <a:spLocks noGrp="1"/>
+          </p:cNvSpPr>
+          <p:nvPr>
+            <p:ph type="body" sz="quarter" idx="23"/>
+          </p:nvPr>
+        </p:nvSpPr>
+        <p:spPr/>
+        <p:txBody>
+          <a:bodyPr/>
+          <a:lstStyle/>
+          <a:p>
+            <a:endParaRPr lang="de-AT"/>
+          </a:p>
+        </p:txBody>
+      </p:sp>
+    </p:spTree>
+    <p:extLst>
+      <p:ext uri="{BB962C8B-B14F-4D97-AF65-F5344CB8AC3E}">
+        <p14:creationId xmlns:p14="http://schemas.microsoft.com/office/powerpoint/2010/main" val="3481754035"/>
+      </p:ext>
+    </p:extLst>
+  </p:cSld>
+  <p:clrMapOvr>
+    <a:masterClrMapping/>
+  </p:clrMapOvr>
+  <p:transition spd="slow">
+    <p:push/>
+  </p:transition>
+</p:sld>
+</file>
+
+<file path=ppt/slides/slide42.xml><?xml version="1.0" encoding="utf-8"?>
+<p:sld xmlns:a="http://schemas.openxmlformats.org/drawingml/2006/main" xmlns:r="http://schemas.openxmlformats.org/officeDocument/2006/relationships" xmlns:p="http://schemas.openxmlformats.org/presentationml/2006/main">
+  <p:cSld>
+    <p:spTree>
+      <p:nvGrpSpPr>
+        <p:cNvPr id="1" name=""/>
+        <p:cNvGrpSpPr/>
+        <p:nvPr/>
+      </p:nvGrpSpPr>
+      <p:grpSpPr>
+        <a:xfrm>
+          <a:off x="0" y="0"/>
+          <a:ext cx="0" cy="0"/>
+          <a:chOff x="0" y="0"/>
+          <a:chExt cx="0" cy="0"/>
+        </a:xfrm>
+      </p:grpSpPr>
+      <p:sp>
+        <p:nvSpPr>
+          <p:cNvPr id="7" name="Title 6">
+            <a:extLst>
+              <a:ext uri="{FF2B5EF4-FFF2-40B4-BE49-F238E27FC236}">
+                <a16:creationId xmlns:a16="http://schemas.microsoft.com/office/drawing/2014/main" id="{0D5E0E22-47BC-4C22-B7FA-62C1632C15E9}"/>
+              </a:ext>
+            </a:extLst>
+          </p:cNvPr>
+          <p:cNvSpPr>
+            <a:spLocks noGrp="1"/>
+          </p:cNvSpPr>
+          <p:nvPr>
+            <p:ph type="title"/>
+          </p:nvPr>
+        </p:nvSpPr>
+        <p:spPr/>
+        <p:txBody>
+          <a:bodyPr/>
+          <a:lstStyle/>
+          <a:p>
+            <a:r>
+              <a:rPr lang="de-AT" dirty="0"/>
+              <a:t>Checklist for </a:t>
+            </a:r>
+            <a:r>
+              <a:rPr lang="de-AT" dirty="0" err="1"/>
+              <a:t>Dockerfiles</a:t>
+            </a:r>
+            <a:endParaRPr lang="de-AT" dirty="0"/>
+          </a:p>
+        </p:txBody>
+      </p:sp>
+      <p:sp>
+        <p:nvSpPr>
+          <p:cNvPr id="8" name="Content Placeholder 7">
+            <a:extLst>
+              <a:ext uri="{FF2B5EF4-FFF2-40B4-BE49-F238E27FC236}">
+                <a16:creationId xmlns:a16="http://schemas.microsoft.com/office/drawing/2014/main" id="{2F77A696-ACF2-48A5-9D9C-0FB287ADF56A}"/>
+              </a:ext>
+            </a:extLst>
+          </p:cNvPr>
+          <p:cNvSpPr>
+            <a:spLocks noGrp="1"/>
+          </p:cNvSpPr>
+          <p:nvPr>
+            <p:ph sz="quarter" idx="12"/>
+          </p:nvPr>
+        </p:nvSpPr>
+        <p:spPr/>
+        <p:txBody>
+          <a:bodyPr/>
+          <a:lstStyle/>
+          <a:p>
+            <a:r>
+              <a:rPr lang="de-AT" dirty="0"/>
+              <a:t>Never </a:t>
+            </a:r>
+            <a:r>
+              <a:rPr lang="de-AT" dirty="0" err="1"/>
+              <a:t>store</a:t>
+            </a:r>
+            <a:r>
+              <a:rPr lang="de-AT" dirty="0"/>
+              <a:t> </a:t>
+            </a:r>
+            <a:r>
+              <a:rPr lang="de-AT" dirty="0" err="1"/>
+              <a:t>data</a:t>
+            </a:r>
+            <a:r>
+              <a:rPr lang="de-AT" dirty="0"/>
+              <a:t> in </a:t>
+            </a:r>
+            <a:r>
+              <a:rPr lang="de-AT" dirty="0" err="1"/>
+              <a:t>container‘s</a:t>
+            </a:r>
+            <a:r>
+              <a:rPr lang="de-AT" dirty="0"/>
+              <a:t> </a:t>
+            </a:r>
+            <a:r>
+              <a:rPr lang="de-AT" dirty="0" err="1"/>
+              <a:t>writable</a:t>
+            </a:r>
+            <a:r>
+              <a:rPr lang="de-AT" dirty="0"/>
+              <a:t> </a:t>
+            </a:r>
+            <a:r>
+              <a:rPr lang="de-AT" dirty="0" err="1"/>
+              <a:t>layer</a:t>
+            </a:r>
+            <a:endParaRPr lang="de-AT" dirty="0"/>
+          </a:p>
+          <a:p>
+            <a:pPr lvl="1"/>
+            <a:r>
+              <a:rPr lang="de-AT" dirty="0"/>
+              <a:t>Use </a:t>
+            </a:r>
+            <a:r>
+              <a:rPr lang="de-AT" dirty="0" err="1"/>
+              <a:t>volumes</a:t>
+            </a:r>
+            <a:r>
+              <a:rPr lang="de-AT" dirty="0"/>
+              <a:t> </a:t>
+            </a:r>
+            <a:r>
+              <a:rPr lang="de-AT" dirty="0" err="1"/>
+              <a:t>instead</a:t>
+            </a:r>
+            <a:endParaRPr lang="de-AT" dirty="0"/>
+          </a:p>
+          <a:p>
+            <a:r>
+              <a:rPr lang="de-AT" dirty="0"/>
+              <a:t>Use </a:t>
+            </a:r>
+            <a:r>
+              <a:rPr lang="de-AT" dirty="0" err="1"/>
+              <a:t>automated</a:t>
+            </a:r>
+            <a:r>
+              <a:rPr lang="de-AT" dirty="0"/>
+              <a:t> CI/CD</a:t>
+            </a:r>
+          </a:p>
+          <a:p>
+            <a:pPr lvl="1"/>
+            <a:r>
+              <a:rPr lang="de-AT" dirty="0"/>
+              <a:t>E.g. Azure </a:t>
+            </a:r>
+            <a:r>
+              <a:rPr lang="de-AT" dirty="0" err="1"/>
+              <a:t>DevOps</a:t>
+            </a:r>
+            <a:r>
+              <a:rPr lang="de-AT" dirty="0"/>
+              <a:t>, GitHub </a:t>
+            </a:r>
+            <a:r>
+              <a:rPr lang="de-AT" dirty="0" err="1"/>
+              <a:t>integration</a:t>
+            </a:r>
+            <a:endParaRPr lang="de-AT" dirty="0"/>
+          </a:p>
+        </p:txBody>
+      </p:sp>
+      <p:sp>
+        <p:nvSpPr>
+          <p:cNvPr id="9" name="Text Placeholder 8">
+            <a:extLst>
+              <a:ext uri="{FF2B5EF4-FFF2-40B4-BE49-F238E27FC236}">
+                <a16:creationId xmlns:a16="http://schemas.microsoft.com/office/drawing/2014/main" id="{8284E30A-D4C0-444E-B3DB-EE54742B262A}"/>
+              </a:ext>
+            </a:extLst>
+          </p:cNvPr>
+          <p:cNvSpPr>
+            <a:spLocks noGrp="1"/>
+          </p:cNvSpPr>
+          <p:nvPr>
+            <p:ph type="body" sz="quarter" idx="23"/>
+          </p:nvPr>
+        </p:nvSpPr>
+        <p:spPr/>
+        <p:txBody>
+          <a:bodyPr/>
+          <a:lstStyle/>
+          <a:p>
+            <a:endParaRPr lang="de-AT"/>
+          </a:p>
+        </p:txBody>
+      </p:sp>
+    </p:spTree>
+    <p:extLst>
+      <p:ext uri="{BB962C8B-B14F-4D97-AF65-F5344CB8AC3E}">
+        <p14:creationId xmlns:p14="http://schemas.microsoft.com/office/powerpoint/2010/main" val="4214348377"/>
       </p:ext>
     </p:extLst>
   </p:cSld>
@@ -41431,8 +41766,19 @@
                 <a:latin typeface="Courier New" panose="02070309020205020404" pitchFamily="49" charset="0"/>
                 <a:cs typeface="Courier New" panose="02070309020205020404" pitchFamily="49" charset="0"/>
               </a:rPr>
-              <a:t># Version 0.0.1</a:t>
-            </a:r>
+              <a:t>FROM </a:t>
+            </a:r>
+            <a:r>
+              <a:rPr lang="en-US" dirty="0" err="1">
+                <a:latin typeface="Courier New" panose="02070309020205020404" pitchFamily="49" charset="0"/>
+                <a:cs typeface="Courier New" panose="02070309020205020404" pitchFamily="49" charset="0"/>
+              </a:rPr>
+              <a:t>nginx:alpine</a:t>
+            </a:r>
+            <a:endParaRPr lang="en-US" dirty="0">
+              <a:latin typeface="Courier New" panose="02070309020205020404" pitchFamily="49" charset="0"/>
+              <a:cs typeface="Courier New" panose="02070309020205020404" pitchFamily="49" charset="0"/>
+            </a:endParaRPr>
           </a:p>
           <a:p>
             <a:r>
@@ -41440,7 +41786,87 @@
                 <a:latin typeface="Courier New" panose="02070309020205020404" pitchFamily="49" charset="0"/>
                 <a:cs typeface="Courier New" panose="02070309020205020404" pitchFamily="49" charset="0"/>
               </a:rPr>
-              <a:t>FROM </a:t>
+              <a:t>LABEL </a:t>
+            </a:r>
+            <a:r>
+              <a:rPr lang="en-US" dirty="0">
+                <a:latin typeface="Courier New" panose="02070309020205020404" pitchFamily="49" charset="0"/>
+                <a:cs typeface="Courier New" panose="02070309020205020404" pitchFamily="49" charset="0"/>
+                <a:hlinkClick r:id="rId2"/>
+              </a:rPr>
+              <a:t>maintainer=rainer@timecockpit.com</a:t>
+            </a:r>
+            <a:endParaRPr lang="en-US" dirty="0">
+              <a:latin typeface="Courier New" panose="02070309020205020404" pitchFamily="49" charset="0"/>
+              <a:cs typeface="Courier New" panose="02070309020205020404" pitchFamily="49" charset="0"/>
+            </a:endParaRPr>
+          </a:p>
+          <a:p>
+            <a:r>
+              <a:rPr lang="en-US" dirty="0">
+                <a:latin typeface="Courier New" panose="02070309020205020404" pitchFamily="49" charset="0"/>
+                <a:cs typeface="Courier New" panose="02070309020205020404" pitchFamily="49" charset="0"/>
+              </a:rPr>
+              <a:t>RUN apt-get -y update </a:t>
+            </a:r>
+          </a:p>
+          <a:p>
+            <a:endParaRPr lang="en-US" dirty="0">
+              <a:latin typeface="Courier New" panose="02070309020205020404" pitchFamily="49" charset="0"/>
+              <a:cs typeface="Courier New" panose="02070309020205020404" pitchFamily="49" charset="0"/>
+            </a:endParaRPr>
+          </a:p>
+          <a:p>
+            <a:endParaRPr lang="en-US" dirty="0">
+              <a:latin typeface="Courier New" panose="02070309020205020404" pitchFamily="49" charset="0"/>
+              <a:cs typeface="Courier New" panose="02070309020205020404" pitchFamily="49" charset="0"/>
+            </a:endParaRPr>
+          </a:p>
+          <a:p>
+            <a:endParaRPr lang="en-US" dirty="0">
+              <a:latin typeface="Courier New" panose="02070309020205020404" pitchFamily="49" charset="0"/>
+              <a:cs typeface="Courier New" panose="02070309020205020404" pitchFamily="49" charset="0"/>
+            </a:endParaRPr>
+          </a:p>
+          <a:p>
+            <a:endParaRPr lang="en-US" dirty="0">
+              <a:latin typeface="Courier New" panose="02070309020205020404" pitchFamily="49" charset="0"/>
+              <a:cs typeface="Courier New" panose="02070309020205020404" pitchFamily="49" charset="0"/>
+            </a:endParaRPr>
+          </a:p>
+          <a:p>
+            <a:endParaRPr lang="en-US" dirty="0">
+              <a:latin typeface="Courier New" panose="02070309020205020404" pitchFamily="49" charset="0"/>
+              <a:cs typeface="Courier New" panose="02070309020205020404" pitchFamily="49" charset="0"/>
+            </a:endParaRPr>
+          </a:p>
+          <a:p>
+            <a:endParaRPr lang="en-US" dirty="0">
+              <a:latin typeface="Courier New" panose="02070309020205020404" pitchFamily="49" charset="0"/>
+              <a:cs typeface="Courier New" panose="02070309020205020404" pitchFamily="49" charset="0"/>
+            </a:endParaRPr>
+          </a:p>
+          <a:p>
+            <a:r>
+              <a:rPr lang="en-US" dirty="0">
+                <a:latin typeface="Courier New" panose="02070309020205020404" pitchFamily="49" charset="0"/>
+                <a:cs typeface="Courier New" panose="02070309020205020404" pitchFamily="49" charset="0"/>
+              </a:rPr>
+              <a:t>COPY app/ /</a:t>
+            </a:r>
+            <a:r>
+              <a:rPr lang="en-US" dirty="0" err="1">
+                <a:latin typeface="Courier New" panose="02070309020205020404" pitchFamily="49" charset="0"/>
+                <a:cs typeface="Courier New" panose="02070309020205020404" pitchFamily="49" charset="0"/>
+              </a:rPr>
+              <a:t>usr</a:t>
+            </a:r>
+            <a:r>
+              <a:rPr lang="en-US" dirty="0">
+                <a:latin typeface="Courier New" panose="02070309020205020404" pitchFamily="49" charset="0"/>
+                <a:cs typeface="Courier New" panose="02070309020205020404" pitchFamily="49" charset="0"/>
+              </a:rPr>
+              <a:t>/share/</a:t>
             </a:r>
             <a:r>
               <a:rPr lang="en-US" dirty="0" err="1">
@@ -41449,105 +41875,6 @@
               </a:rPr>
               <a:t>nginx</a:t>
             </a:r>
-            <a:endParaRPr lang="en-US" dirty="0">
-              <a:latin typeface="Courier New" panose="02070309020205020404" pitchFamily="49" charset="0"/>
-              <a:cs typeface="Courier New" panose="02070309020205020404" pitchFamily="49" charset="0"/>
-            </a:endParaRPr>
-          </a:p>
-          <a:p>
-            <a:r>
-              <a:rPr lang="en-US" dirty="0">
-                <a:latin typeface="Courier New" panose="02070309020205020404" pitchFamily="49" charset="0"/>
-                <a:cs typeface="Courier New" panose="02070309020205020404" pitchFamily="49" charset="0"/>
-              </a:rPr>
-              <a:t>MAINTAINER Rainer Stropek "rainer@timecockpit.com"</a:t>
-            </a:r>
-          </a:p>
-          <a:p>
-            <a:r>
-              <a:rPr lang="en-US" dirty="0">
-                <a:latin typeface="Courier New" panose="02070309020205020404" pitchFamily="49" charset="0"/>
-                <a:cs typeface="Courier New" panose="02070309020205020404" pitchFamily="49" charset="0"/>
-              </a:rPr>
-              <a:t>ENV REFRESHED_AT 2014-02-22</a:t>
-            </a:r>
-          </a:p>
-          <a:p>
-            <a:r>
-              <a:rPr lang="en-US" dirty="0">
-                <a:latin typeface="Courier New" panose="02070309020205020404" pitchFamily="49" charset="0"/>
-                <a:cs typeface="Courier New" panose="02070309020205020404" pitchFamily="49" charset="0"/>
-              </a:rPr>
-              <a:t>RUN apt-get -</a:t>
-            </a:r>
-            <a:r>
-              <a:rPr lang="en-US" dirty="0" err="1">
-                <a:latin typeface="Courier New" panose="02070309020205020404" pitchFamily="49" charset="0"/>
-                <a:cs typeface="Courier New" panose="02070309020205020404" pitchFamily="49" charset="0"/>
-              </a:rPr>
-              <a:t>qq</a:t>
-            </a:r>
-            <a:r>
-              <a:rPr lang="en-US" dirty="0">
-                <a:latin typeface="Courier New" panose="02070309020205020404" pitchFamily="49" charset="0"/>
-                <a:cs typeface="Courier New" panose="02070309020205020404" pitchFamily="49" charset="0"/>
-              </a:rPr>
-              <a:t> update</a:t>
-            </a:r>
-          </a:p>
-          <a:p>
-            <a:endParaRPr lang="en-US" dirty="0">
-              <a:latin typeface="Courier New" panose="02070309020205020404" pitchFamily="49" charset="0"/>
-              <a:cs typeface="Courier New" panose="02070309020205020404" pitchFamily="49" charset="0"/>
-            </a:endParaRPr>
-          </a:p>
-          <a:p>
-            <a:endParaRPr lang="en-US" dirty="0">
-              <a:latin typeface="Courier New" panose="02070309020205020404" pitchFamily="49" charset="0"/>
-              <a:cs typeface="Courier New" panose="02070309020205020404" pitchFamily="49" charset="0"/>
-            </a:endParaRPr>
-          </a:p>
-          <a:p>
-            <a:endParaRPr lang="en-US" dirty="0">
-              <a:latin typeface="Courier New" panose="02070309020205020404" pitchFamily="49" charset="0"/>
-              <a:cs typeface="Courier New" panose="02070309020205020404" pitchFamily="49" charset="0"/>
-            </a:endParaRPr>
-          </a:p>
-          <a:p>
-            <a:endParaRPr lang="en-US" dirty="0">
-              <a:latin typeface="Courier New" panose="02070309020205020404" pitchFamily="49" charset="0"/>
-              <a:cs typeface="Courier New" panose="02070309020205020404" pitchFamily="49" charset="0"/>
-            </a:endParaRPr>
-          </a:p>
-          <a:p>
-            <a:r>
-              <a:rPr lang="en-US" dirty="0">
-                <a:latin typeface="Courier New" panose="02070309020205020404" pitchFamily="49" charset="0"/>
-                <a:cs typeface="Courier New" panose="02070309020205020404" pitchFamily="49" charset="0"/>
-              </a:rPr>
-              <a:t>COPY *.html /</a:t>
-            </a:r>
-            <a:r>
-              <a:rPr lang="en-US" dirty="0" err="1">
-                <a:latin typeface="Courier New" panose="02070309020205020404" pitchFamily="49" charset="0"/>
-                <a:cs typeface="Courier New" panose="02070309020205020404" pitchFamily="49" charset="0"/>
-              </a:rPr>
-              <a:t>usr</a:t>
-            </a:r>
-            <a:r>
-              <a:rPr lang="en-US" dirty="0">
-                <a:latin typeface="Courier New" panose="02070309020205020404" pitchFamily="49" charset="0"/>
-                <a:cs typeface="Courier New" panose="02070309020205020404" pitchFamily="49" charset="0"/>
-              </a:rPr>
-              <a:t>/share/</a:t>
-            </a:r>
-            <a:r>
-              <a:rPr lang="en-US" dirty="0" err="1">
-                <a:latin typeface="Courier New" panose="02070309020205020404" pitchFamily="49" charset="0"/>
-                <a:cs typeface="Courier New" panose="02070309020205020404" pitchFamily="49" charset="0"/>
-              </a:rPr>
-              <a:t>nginx</a:t>
-            </a:r>
             <a:r>
               <a:rPr lang="en-US" dirty="0">
                 <a:latin typeface="Courier New" panose="02070309020205020404" pitchFamily="49" charset="0"/>
@@ -41555,10 +41882,11 @@
               </a:rPr>
               <a:t>/html/</a:t>
             </a:r>
+          </a:p>
+          <a:p>
             <a:endParaRPr lang="en-US" dirty="0">
               <a:latin typeface="Courier New" panose="02070309020205020404" pitchFamily="49" charset="0"/>
               <a:cs typeface="Courier New" panose="02070309020205020404" pitchFamily="49" charset="0"/>
-              <a:hlinkClick r:id="rId2"/>
             </a:endParaRPr>
           </a:p>
         </p:txBody>
@@ -41606,7 +41934,7 @@
             <a:pPr lvl="1"/>
             <a:r>
               <a:rPr lang="en-US" sz="1100" dirty="0">
-                <a:hlinkClick r:id="rId2"/>
+                <a:hlinkClick r:id="rId3"/>
               </a:rPr>
               <a:t>https://docs.docker.com/reference/builder/</a:t>
             </a:r>
@@ -41615,7 +41943,7 @@
             <a:pPr lvl="1"/>
             <a:r>
               <a:rPr lang="en-US" sz="1100" dirty="0">
-                <a:hlinkClick r:id="rId2"/>
+                <a:hlinkClick r:id="rId3"/>
               </a:rPr>
               <a:t>https://registry.hub.docker.com/_/nginx/</a:t>
             </a:r>
@@ -41653,7 +41981,7 @@
         </p:nvGrpSpPr>
         <p:grpSpPr>
           <a:xfrm>
-            <a:off x="539552" y="1076755"/>
+            <a:off x="539552" y="771955"/>
             <a:ext cx="4824593" cy="690159"/>
             <a:chOff x="3861990" y="1424245"/>
             <a:chExt cx="4824593" cy="690159"/>
@@ -41971,7 +42299,7 @@
                 <a:ea typeface="+mn-ea"/>
                 <a:cs typeface="Courier New" panose="02070309020205020404" pitchFamily="49" charset="0"/>
               </a:rPr>
-              <a:t>docker build –t staticweb .</a:t>
+              <a:t>docker build -t staticweb .</a:t>
             </a:r>
             <a:endParaRPr lang="en-US" sz="1400" dirty="0">
               <a:solidFill>
@@ -42247,6 +42575,399 @@
 </file>
 
 <file path=ppt/slides/slide45.xml><?xml version="1.0" encoding="utf-8"?>
+<p:sld xmlns:a="http://schemas.openxmlformats.org/drawingml/2006/main" xmlns:r="http://schemas.openxmlformats.org/officeDocument/2006/relationships" xmlns:p="http://schemas.openxmlformats.org/presentationml/2006/main">
+  <p:cSld>
+    <p:spTree>
+      <p:nvGrpSpPr>
+        <p:cNvPr id="1" name=""/>
+        <p:cNvGrpSpPr/>
+        <p:nvPr/>
+      </p:nvGrpSpPr>
+      <p:grpSpPr>
+        <a:xfrm>
+          <a:off x="0" y="0"/>
+          <a:ext cx="0" cy="0"/>
+          <a:chOff x="0" y="0"/>
+          <a:chExt cx="0" cy="0"/>
+        </a:xfrm>
+      </p:grpSpPr>
+      <p:sp>
+        <p:nvSpPr>
+          <p:cNvPr id="5" name="Titel 4"/>
+          <p:cNvSpPr>
+            <a:spLocks noGrp="1"/>
+          </p:cNvSpPr>
+          <p:nvPr>
+            <p:ph type="title"/>
+          </p:nvPr>
+        </p:nvSpPr>
+        <p:spPr/>
+        <p:txBody>
+          <a:bodyPr/>
+          <a:lstStyle/>
+          <a:p>
+            <a:r>
+              <a:rPr lang="en-US" dirty="0" err="1"/>
+              <a:t>Dockerfiles</a:t>
+            </a:r>
+            <a:endParaRPr lang="en-US" dirty="0"/>
+          </a:p>
+        </p:txBody>
+      </p:sp>
+      <p:sp>
+        <p:nvSpPr>
+          <p:cNvPr id="6" name="Inhaltsplatzhalter 5"/>
+          <p:cNvSpPr>
+            <a:spLocks noGrp="1"/>
+          </p:cNvSpPr>
+          <p:nvPr>
+            <p:ph sz="quarter" idx="22"/>
+          </p:nvPr>
+        </p:nvSpPr>
+        <p:spPr/>
+        <p:txBody>
+          <a:bodyPr/>
+          <a:lstStyle/>
+          <a:p>
+            <a:r>
+              <a:rPr lang="de-AT" dirty="0"/>
+              <a:t>FROM </a:t>
+            </a:r>
+            <a:r>
+              <a:rPr lang="de-AT" dirty="0" err="1"/>
+              <a:t>node</a:t>
+            </a:r>
+            <a:r>
+              <a:rPr lang="de-AT" dirty="0"/>
+              <a:t> </a:t>
+            </a:r>
+            <a:r>
+              <a:rPr lang="de-AT" dirty="0" err="1"/>
+              <a:t>as</a:t>
+            </a:r>
+            <a:r>
+              <a:rPr lang="de-AT" dirty="0"/>
+              <a:t> </a:t>
+            </a:r>
+            <a:r>
+              <a:rPr lang="de-AT" dirty="0" err="1"/>
+              <a:t>build</a:t>
+            </a:r>
+            <a:endParaRPr lang="de-AT" dirty="0"/>
+          </a:p>
+          <a:p>
+            <a:r>
+              <a:rPr lang="de-AT" dirty="0"/>
+              <a:t>ENV </a:t>
+            </a:r>
+            <a:r>
+              <a:rPr lang="de-AT" dirty="0" err="1"/>
+              <a:t>approot</a:t>
+            </a:r>
+            <a:r>
+              <a:rPr lang="de-AT" dirty="0"/>
+              <a:t> /</a:t>
+            </a:r>
+            <a:r>
+              <a:rPr lang="de-AT" dirty="0" err="1"/>
+              <a:t>app</a:t>
+            </a:r>
+            <a:endParaRPr lang="de-AT" dirty="0"/>
+          </a:p>
+          <a:p>
+            <a:r>
+              <a:rPr lang="de-AT" dirty="0"/>
+              <a:t>COPY ./</a:t>
+            </a:r>
+            <a:r>
+              <a:rPr lang="de-AT" dirty="0" err="1"/>
+              <a:t>app</a:t>
+            </a:r>
+            <a:r>
+              <a:rPr lang="de-AT" dirty="0"/>
+              <a:t> ${</a:t>
+            </a:r>
+            <a:r>
+              <a:rPr lang="de-AT" dirty="0" err="1"/>
+              <a:t>approot</a:t>
+            </a:r>
+            <a:r>
+              <a:rPr lang="de-AT" dirty="0"/>
+              <a:t>}</a:t>
+            </a:r>
+          </a:p>
+          <a:p>
+            <a:r>
+              <a:rPr lang="de-AT" dirty="0"/>
+              <a:t>WORKDIR ${</a:t>
+            </a:r>
+            <a:r>
+              <a:rPr lang="de-AT" dirty="0" err="1"/>
+              <a:t>approot</a:t>
+            </a:r>
+            <a:r>
+              <a:rPr lang="de-AT" dirty="0"/>
+              <a:t>}</a:t>
+            </a:r>
+          </a:p>
+          <a:p>
+            <a:r>
+              <a:rPr lang="de-AT" dirty="0"/>
+              <a:t>RUN </a:t>
+            </a:r>
+            <a:r>
+              <a:rPr lang="de-AT" dirty="0" err="1"/>
+              <a:t>rm</a:t>
+            </a:r>
+            <a:r>
+              <a:rPr lang="de-AT" dirty="0"/>
+              <a:t> -</a:t>
+            </a:r>
+            <a:r>
+              <a:rPr lang="de-AT" dirty="0" err="1"/>
+              <a:t>rf</a:t>
+            </a:r>
+            <a:r>
+              <a:rPr lang="de-AT" dirty="0"/>
+              <a:t> ./</a:t>
+            </a:r>
+            <a:r>
+              <a:rPr lang="de-AT" dirty="0" err="1"/>
+              <a:t>dist</a:t>
+            </a:r>
+            <a:r>
+              <a:rPr lang="de-AT" dirty="0"/>
+              <a:t> &amp;&amp; </a:t>
+            </a:r>
+            <a:r>
+              <a:rPr lang="de-AT" dirty="0" err="1"/>
+              <a:t>rm</a:t>
+            </a:r>
+            <a:r>
+              <a:rPr lang="de-AT" dirty="0"/>
+              <a:t> -</a:t>
+            </a:r>
+            <a:r>
+              <a:rPr lang="de-AT" dirty="0" err="1"/>
+              <a:t>rf</a:t>
+            </a:r>
+            <a:r>
+              <a:rPr lang="de-AT" dirty="0"/>
+              <a:t> ./</a:t>
+            </a:r>
+            <a:r>
+              <a:rPr lang="de-AT" dirty="0" err="1"/>
+              <a:t>node_modules</a:t>
+            </a:r>
+            <a:r>
+              <a:rPr lang="de-AT" dirty="0"/>
+              <a:t> &amp;&amp; </a:t>
+            </a:r>
+            <a:r>
+              <a:rPr lang="de-AT" dirty="0" err="1"/>
+              <a:t>npm</a:t>
+            </a:r>
+            <a:r>
+              <a:rPr lang="de-AT" dirty="0"/>
+              <a:t> </a:t>
+            </a:r>
+            <a:r>
+              <a:rPr lang="de-AT" dirty="0" err="1"/>
+              <a:t>install</a:t>
+            </a:r>
+            <a:r>
+              <a:rPr lang="de-AT" dirty="0"/>
+              <a:t> &amp;&amp; </a:t>
+            </a:r>
+            <a:r>
+              <a:rPr lang="de-AT" dirty="0" err="1"/>
+              <a:t>npm</a:t>
+            </a:r>
+            <a:r>
+              <a:rPr lang="de-AT" dirty="0"/>
+              <a:t> </a:t>
+            </a:r>
+            <a:r>
+              <a:rPr lang="de-AT" dirty="0" err="1"/>
+              <a:t>run</a:t>
+            </a:r>
+            <a:r>
+              <a:rPr lang="de-AT" dirty="0"/>
+              <a:t> </a:t>
+            </a:r>
+            <a:r>
+              <a:rPr lang="de-AT" dirty="0" err="1"/>
+              <a:t>build</a:t>
+            </a:r>
+            <a:endParaRPr lang="de-AT" dirty="0"/>
+          </a:p>
+          <a:p>
+            <a:br>
+              <a:rPr lang="de-AT" dirty="0"/>
+            </a:br>
+            <a:r>
+              <a:rPr lang="de-AT" dirty="0"/>
+              <a:t>FROM </a:t>
+            </a:r>
+            <a:r>
+              <a:rPr lang="de-AT" dirty="0" err="1"/>
+              <a:t>nginx:alpine</a:t>
+            </a:r>
+            <a:endParaRPr lang="de-AT" dirty="0"/>
+          </a:p>
+          <a:p>
+            <a:r>
+              <a:rPr lang="de-AT" dirty="0"/>
+              <a:t>COPY --from=</a:t>
+            </a:r>
+            <a:r>
+              <a:rPr lang="de-AT" dirty="0" err="1"/>
+              <a:t>build</a:t>
+            </a:r>
+            <a:r>
+              <a:rPr lang="de-AT" dirty="0"/>
+              <a:t> /</a:t>
+            </a:r>
+            <a:r>
+              <a:rPr lang="de-AT" dirty="0" err="1"/>
+              <a:t>app</a:t>
+            </a:r>
+            <a:r>
+              <a:rPr lang="de-AT" dirty="0"/>
+              <a:t>/</a:t>
+            </a:r>
+            <a:r>
+              <a:rPr lang="de-AT" dirty="0" err="1"/>
+              <a:t>dist</a:t>
+            </a:r>
+            <a:r>
+              <a:rPr lang="de-AT" dirty="0"/>
+              <a:t>/ /</a:t>
+            </a:r>
+            <a:r>
+              <a:rPr lang="de-AT" dirty="0" err="1"/>
+              <a:t>usr</a:t>
+            </a:r>
+            <a:r>
+              <a:rPr lang="de-AT" dirty="0"/>
+              <a:t>/</a:t>
+            </a:r>
+            <a:r>
+              <a:rPr lang="de-AT" dirty="0" err="1"/>
+              <a:t>share</a:t>
+            </a:r>
+            <a:r>
+              <a:rPr lang="de-AT" dirty="0"/>
+              <a:t>/</a:t>
+            </a:r>
+            <a:r>
+              <a:rPr lang="de-AT" dirty="0" err="1"/>
+              <a:t>nginx</a:t>
+            </a:r>
+            <a:r>
+              <a:rPr lang="de-AT" dirty="0"/>
+              <a:t>/</a:t>
+            </a:r>
+            <a:r>
+              <a:rPr lang="de-AT" dirty="0" err="1"/>
+              <a:t>html</a:t>
+            </a:r>
+            <a:r>
+              <a:rPr lang="de-AT" dirty="0"/>
+              <a:t>/</a:t>
+            </a:r>
+          </a:p>
+          <a:p>
+            <a:br>
+              <a:rPr lang="de-AT" dirty="0"/>
+            </a:br>
+            <a:endParaRPr lang="de-AT" dirty="0"/>
+          </a:p>
+          <a:p>
+            <a:endParaRPr lang="en-US" dirty="0">
+              <a:latin typeface="Courier New" panose="02070309020205020404" pitchFamily="49" charset="0"/>
+              <a:cs typeface="Courier New" panose="02070309020205020404" pitchFamily="49" charset="0"/>
+            </a:endParaRPr>
+          </a:p>
+        </p:txBody>
+      </p:sp>
+      <p:sp>
+        <p:nvSpPr>
+          <p:cNvPr id="2" name="Textplatzhalter 1"/>
+          <p:cNvSpPr>
+            <a:spLocks noGrp="1"/>
+          </p:cNvSpPr>
+          <p:nvPr>
+            <p:ph type="body" sz="quarter" idx="23"/>
+          </p:nvPr>
+        </p:nvSpPr>
+        <p:spPr/>
+        <p:txBody>
+          <a:bodyPr/>
+          <a:lstStyle/>
+          <a:p>
+            <a:endParaRPr lang="en-US"/>
+          </a:p>
+        </p:txBody>
+      </p:sp>
+      <p:sp>
+        <p:nvSpPr>
+          <p:cNvPr id="3" name="Textplatzhalter 2"/>
+          <p:cNvSpPr>
+            <a:spLocks noGrp="1"/>
+          </p:cNvSpPr>
+          <p:nvPr>
+            <p:ph type="body" sz="quarter" idx="24"/>
+          </p:nvPr>
+        </p:nvSpPr>
+        <p:spPr/>
+        <p:txBody>
+          <a:bodyPr/>
+          <a:lstStyle/>
+          <a:p>
+            <a:r>
+              <a:rPr lang="en-US" dirty="0"/>
+              <a:t>Multistep Build</a:t>
+            </a:r>
+          </a:p>
+        </p:txBody>
+      </p:sp>
+      <p:sp>
+        <p:nvSpPr>
+          <p:cNvPr id="4" name="Textplatzhalter 3"/>
+          <p:cNvSpPr>
+            <a:spLocks noGrp="1"/>
+          </p:cNvSpPr>
+          <p:nvPr>
+            <p:ph type="body" sz="quarter" idx="25"/>
+          </p:nvPr>
+        </p:nvSpPr>
+        <p:spPr/>
+        <p:txBody>
+          <a:bodyPr/>
+          <a:lstStyle/>
+          <a:p>
+            <a:endParaRPr lang="en-US"/>
+          </a:p>
+        </p:txBody>
+      </p:sp>
+    </p:spTree>
+    <p:extLst>
+      <p:ext uri="{BB962C8B-B14F-4D97-AF65-F5344CB8AC3E}">
+        <p14:creationId xmlns:p14="http://schemas.microsoft.com/office/powerpoint/2010/main" val="1181738589"/>
+      </p:ext>
+    </p:extLst>
+  </p:cSld>
+  <p:clrMapOvr>
+    <a:masterClrMapping/>
+  </p:clrMapOvr>
+  <p:transition spd="slow">
+    <p:push/>
+  </p:transition>
+</p:sld>
+</file>
+
+<file path=ppt/slides/slide46.xml><?xml version="1.0" encoding="utf-8"?>
 <p:sld xmlns:a="http://schemas.openxmlformats.org/drawingml/2006/main" xmlns:r="http://schemas.openxmlformats.org/officeDocument/2006/relationships" xmlns:p="http://schemas.openxmlformats.org/presentationml/2006/main">
   <p:cSld>
     <p:spTree>
@@ -42719,312 +43440,6 @@
 </p:sld>
 </file>
 
-<file path=ppt/slides/slide46.xml><?xml version="1.0" encoding="utf-8"?>
-<p:sld xmlns:a="http://schemas.openxmlformats.org/drawingml/2006/main" xmlns:r="http://schemas.openxmlformats.org/officeDocument/2006/relationships" xmlns:p="http://schemas.openxmlformats.org/presentationml/2006/main" show="0">
-  <p:cSld>
-    <p:spTree>
-      <p:nvGrpSpPr>
-        <p:cNvPr id="1" name=""/>
-        <p:cNvGrpSpPr/>
-        <p:nvPr/>
-      </p:nvGrpSpPr>
-      <p:grpSpPr>
-        <a:xfrm>
-          <a:off x="0" y="0"/>
-          <a:ext cx="0" cy="0"/>
-          <a:chOff x="0" y="0"/>
-          <a:chExt cx="0" cy="0"/>
-        </a:xfrm>
-      </p:grpSpPr>
-      <p:sp>
-        <p:nvSpPr>
-          <p:cNvPr id="5" name="Titel 4"/>
-          <p:cNvSpPr>
-            <a:spLocks noGrp="1"/>
-          </p:cNvSpPr>
-          <p:nvPr>
-            <p:ph type="title"/>
-          </p:nvPr>
-        </p:nvSpPr>
-        <p:spPr/>
-        <p:txBody>
-          <a:bodyPr/>
-          <a:lstStyle/>
-          <a:p>
-            <a:r>
-              <a:rPr lang="en-US" dirty="0"/>
-              <a:t>Demo</a:t>
-            </a:r>
-          </a:p>
-        </p:txBody>
-      </p:sp>
-      <p:sp>
-        <p:nvSpPr>
-          <p:cNvPr id="6" name="Inhaltsplatzhalter 5"/>
-          <p:cNvSpPr>
-            <a:spLocks noGrp="1"/>
-          </p:cNvSpPr>
-          <p:nvPr>
-            <p:ph sz="quarter" idx="22"/>
-          </p:nvPr>
-        </p:nvSpPr>
-        <p:spPr/>
-        <p:txBody>
-          <a:bodyPr/>
-          <a:lstStyle/>
-          <a:p>
-            <a:r>
-              <a:rPr lang="en-US" dirty="0"/>
-              <a:t># Get sample code from GitHub</a:t>
-            </a:r>
-          </a:p>
-          <a:p>
-            <a:r>
-              <a:rPr lang="en-US" dirty="0" err="1"/>
-              <a:t>git</a:t>
-            </a:r>
-            <a:r>
-              <a:rPr lang="en-US" dirty="0"/>
-              <a:t> clone https://github.com/rstropek/DockerVS2015Intro.git</a:t>
-            </a:r>
-          </a:p>
-          <a:p>
-            <a:endParaRPr lang="en-US" dirty="0"/>
-          </a:p>
-          <a:p>
-            <a:r>
-              <a:rPr lang="en-US" dirty="0"/>
-              <a:t># Build website</a:t>
-            </a:r>
-          </a:p>
-          <a:p>
-            <a:r>
-              <a:rPr lang="en-US" dirty="0"/>
-              <a:t>cd </a:t>
-            </a:r>
-            <a:r>
-              <a:rPr lang="en-US" dirty="0" err="1"/>
-              <a:t>dockerDemos</a:t>
-            </a:r>
-            <a:r>
-              <a:rPr lang="en-US" dirty="0"/>
-              <a:t>/01-staticWeb/app</a:t>
-            </a:r>
-          </a:p>
-          <a:p>
-            <a:r>
-              <a:rPr lang="en-US" dirty="0" err="1"/>
-              <a:t>npm</a:t>
-            </a:r>
-            <a:r>
-              <a:rPr lang="en-US" dirty="0"/>
-              <a:t> install</a:t>
-            </a:r>
-          </a:p>
-          <a:p>
-            <a:r>
-              <a:rPr lang="en-US" dirty="0"/>
-              <a:t>grunt</a:t>
-            </a:r>
-          </a:p>
-          <a:p>
-            <a:r>
-              <a:rPr lang="en-US" dirty="0"/>
-              <a:t>cd ..</a:t>
-            </a:r>
-          </a:p>
-          <a:p>
-            <a:endParaRPr lang="en-US" dirty="0"/>
-          </a:p>
-          <a:p>
-            <a:r>
-              <a:rPr lang="en-US" dirty="0"/>
-              <a:t># Build image from Dockerfile</a:t>
-            </a:r>
-          </a:p>
-          <a:p>
-            <a:r>
-              <a:rPr lang="en-US" dirty="0" err="1"/>
-              <a:t>docker</a:t>
-            </a:r>
-            <a:r>
-              <a:rPr lang="en-US" dirty="0"/>
-              <a:t> build -t </a:t>
-            </a:r>
-            <a:r>
-              <a:rPr lang="en-US" dirty="0" err="1"/>
-              <a:t>staticweb</a:t>
-            </a:r>
-            <a:r>
-              <a:rPr lang="en-US" dirty="0"/>
-              <a:t> .</a:t>
-            </a:r>
-          </a:p>
-          <a:p>
-            <a:r>
-              <a:rPr lang="en-US" dirty="0" err="1"/>
-              <a:t>docker</a:t>
-            </a:r>
-            <a:r>
-              <a:rPr lang="en-US" dirty="0"/>
-              <a:t> run -d -p 80:80 </a:t>
-            </a:r>
-            <a:r>
-              <a:rPr lang="en-US" dirty="0" err="1"/>
-              <a:t>staticweb</a:t>
-            </a:r>
-            <a:endParaRPr lang="en-US" dirty="0"/>
-          </a:p>
-          <a:p>
-            <a:endParaRPr lang="en-US" dirty="0"/>
-          </a:p>
-          <a:p>
-            <a:r>
-              <a:rPr lang="en-US" dirty="0"/>
-              <a:t># Change website content and rebuild container</a:t>
-            </a:r>
-          </a:p>
-          <a:p>
-            <a:endParaRPr lang="en-US" dirty="0"/>
-          </a:p>
-          <a:p>
-            <a:r>
-              <a:rPr lang="en-US" dirty="0"/>
-              <a:t># Run a second container, run a third container (linked)</a:t>
-            </a:r>
-          </a:p>
-          <a:p>
-            <a:r>
-              <a:rPr lang="en-US" dirty="0" err="1"/>
-              <a:t>docker</a:t>
-            </a:r>
-            <a:r>
-              <a:rPr lang="en-US" dirty="0"/>
-              <a:t> run -</a:t>
-            </a:r>
-            <a:r>
-              <a:rPr lang="en-US" dirty="0" err="1"/>
-              <a:t>i</a:t>
-            </a:r>
-            <a:r>
-              <a:rPr lang="en-US" dirty="0"/>
-              <a:t> -t --link &lt;cont1&gt;:sweb1 --link &lt;cont2&gt;:sweb2 </a:t>
-            </a:r>
-            <a:r>
-              <a:rPr lang="en-US" dirty="0" err="1"/>
-              <a:t>ubuntu</a:t>
-            </a:r>
-            <a:r>
-              <a:rPr lang="en-US" dirty="0"/>
-              <a:t> /bin/bash</a:t>
-            </a:r>
-          </a:p>
-          <a:p>
-            <a:r>
-              <a:rPr lang="en-US" dirty="0"/>
-              <a:t>	apt-get install curl</a:t>
-            </a:r>
-          </a:p>
-          <a:p>
-            <a:r>
-              <a:rPr lang="en-US" dirty="0"/>
-              <a:t>	curl http://sweb1</a:t>
-            </a:r>
-          </a:p>
-          <a:p>
-            <a:endParaRPr lang="en-US" dirty="0"/>
-          </a:p>
-        </p:txBody>
-      </p:sp>
-      <p:sp>
-        <p:nvSpPr>
-          <p:cNvPr id="2" name="Textplatzhalter 1"/>
-          <p:cNvSpPr>
-            <a:spLocks noGrp="1"/>
-          </p:cNvSpPr>
-          <p:nvPr>
-            <p:ph type="body" sz="quarter" idx="23"/>
-          </p:nvPr>
-        </p:nvSpPr>
-        <p:spPr/>
-        <p:txBody>
-          <a:bodyPr/>
-          <a:lstStyle/>
-          <a:p>
-            <a:r>
-              <a:rPr lang="en-US" dirty="0"/>
-              <a:t>Dockerfile</a:t>
-            </a:r>
-          </a:p>
-        </p:txBody>
-      </p:sp>
-      <p:sp>
-        <p:nvSpPr>
-          <p:cNvPr id="3" name="Textplatzhalter 2"/>
-          <p:cNvSpPr>
-            <a:spLocks noGrp="1"/>
-          </p:cNvSpPr>
-          <p:nvPr>
-            <p:ph type="body" sz="quarter" idx="24"/>
-          </p:nvPr>
-        </p:nvSpPr>
-        <p:spPr/>
-        <p:txBody>
-          <a:bodyPr/>
-          <a:lstStyle/>
-          <a:p>
-            <a:endParaRPr lang="en-US" dirty="0"/>
-          </a:p>
-        </p:txBody>
-      </p:sp>
-      <p:sp>
-        <p:nvSpPr>
-          <p:cNvPr id="4" name="Textplatzhalter 3"/>
-          <p:cNvSpPr>
-            <a:spLocks noGrp="1"/>
-          </p:cNvSpPr>
-          <p:nvPr>
-            <p:ph type="body" sz="quarter" idx="25"/>
-          </p:nvPr>
-        </p:nvSpPr>
-        <p:spPr/>
-        <p:txBody>
-          <a:bodyPr/>
-          <a:lstStyle/>
-          <a:p>
-            <a:r>
-              <a:rPr lang="en-US" dirty="0"/>
-              <a:t>Sample files see </a:t>
-            </a:r>
-            <a:r>
-              <a:rPr lang="en-US" dirty="0">
-                <a:hlinkClick r:id="rId2"/>
-              </a:rPr>
-              <a:t>https://github.com/rstropek/DockerVS2015Intro/tree/master/dockerDemos/01-staticWeb</a:t>
-            </a:r>
-            <a:r>
-              <a:rPr lang="en-US" dirty="0"/>
-              <a:t> </a:t>
-            </a:r>
-          </a:p>
-        </p:txBody>
-      </p:sp>
-    </p:spTree>
-    <p:extLst>
-      <p:ext uri="{BB962C8B-B14F-4D97-AF65-F5344CB8AC3E}">
-        <p14:creationId xmlns:p14="http://schemas.microsoft.com/office/powerpoint/2010/main" val="1157928134"/>
-      </p:ext>
-    </p:extLst>
-  </p:cSld>
-  <p:clrMapOvr>
-    <a:masterClrMapping/>
-  </p:clrMapOvr>
-  <p:transition spd="slow">
-    <p:push/>
-  </p:transition>
-</p:sld>
-</file>
-
 <file path=ppt/slides/slide47.xml><?xml version="1.0" encoding="utf-8"?>
 <p:sld xmlns:a="http://schemas.openxmlformats.org/drawingml/2006/main" xmlns:r="http://schemas.openxmlformats.org/officeDocument/2006/relationships" xmlns:p="http://schemas.openxmlformats.org/presentationml/2006/main" show="0">
   <p:cSld>
@@ -43058,10 +43473,9 @@
           <a:lstStyle/>
           <a:p>
             <a:r>
-              <a:rPr lang="en-US"/>
+              <a:rPr lang="en-US" dirty="0"/>
               <a:t>Demo</a:t>
             </a:r>
-            <a:endParaRPr lang="en-US" dirty="0"/>
           </a:p>
         </p:txBody>
       </p:sp>
@@ -43082,15 +43496,93 @@
           <a:p>
             <a:r>
               <a:rPr lang="en-US" dirty="0"/>
-              <a:t># Run grunt inside a </a:t>
-            </a:r>
+              <a:t># Get sample code from GitHub</a:t>
+            </a:r>
+          </a:p>
+          <a:p>
+            <a:r>
+              <a:rPr lang="en-US" dirty="0" err="1"/>
+              <a:t>git</a:t>
+            </a:r>
+            <a:r>
+              <a:rPr lang="en-US" dirty="0"/>
+              <a:t> clone https://github.com/rstropek/DockerVS2015Intro.git</a:t>
+            </a:r>
+          </a:p>
+          <a:p>
+            <a:endParaRPr lang="en-US" dirty="0"/>
+          </a:p>
+          <a:p>
+            <a:r>
+              <a:rPr lang="en-US" dirty="0"/>
+              <a:t># Build website</a:t>
+            </a:r>
+          </a:p>
+          <a:p>
+            <a:r>
+              <a:rPr lang="en-US" dirty="0"/>
+              <a:t>cd </a:t>
+            </a:r>
+            <a:r>
+              <a:rPr lang="en-US" dirty="0" err="1"/>
+              <a:t>dockerDemos</a:t>
+            </a:r>
+            <a:r>
+              <a:rPr lang="en-US" dirty="0"/>
+              <a:t>/01-staticWeb/app</a:t>
+            </a:r>
+          </a:p>
+          <a:p>
+            <a:r>
+              <a:rPr lang="en-US" dirty="0" err="1"/>
+              <a:t>npm</a:t>
+            </a:r>
+            <a:r>
+              <a:rPr lang="en-US" dirty="0"/>
+              <a:t> install</a:t>
+            </a:r>
+          </a:p>
+          <a:p>
+            <a:r>
+              <a:rPr lang="en-US" dirty="0" err="1"/>
+              <a:t>npm</a:t>
+            </a:r>
+            <a:r>
+              <a:rPr lang="en-US" dirty="0"/>
+              <a:t> run build</a:t>
+            </a:r>
+          </a:p>
+          <a:p>
+            <a:r>
+              <a:rPr lang="en-US" dirty="0"/>
+              <a:t>cd ..</a:t>
+            </a:r>
+          </a:p>
+          <a:p>
+            <a:endParaRPr lang="en-US" dirty="0"/>
+          </a:p>
+          <a:p>
+            <a:r>
+              <a:rPr lang="en-US" dirty="0"/>
+              <a:t># Build image from Dockerfile</a:t>
+            </a:r>
+          </a:p>
+          <a:p>
             <a:r>
               <a:rPr lang="en-US" dirty="0" err="1"/>
               <a:t>docker</a:t>
             </a:r>
             <a:r>
               <a:rPr lang="en-US" dirty="0"/>
-              <a:t> container</a:t>
+              <a:t> build -t </a:t>
+            </a:r>
+            <a:r>
+              <a:rPr lang="en-US" dirty="0" err="1"/>
+              <a:t>staticweb</a:t>
+            </a:r>
+            <a:r>
+              <a:rPr lang="en-US" dirty="0"/>
+              <a:t> .</a:t>
             </a:r>
           </a:p>
           <a:p>
@@ -43100,104 +43592,267 @@
             </a:r>
             <a:r>
               <a:rPr lang="en-US" dirty="0"/>
-              <a:t> run --</a:t>
+              <a:t> run -d -p 80:80 </a:t>
             </a:r>
             <a:r>
               <a:rPr lang="en-US" dirty="0" err="1"/>
-              <a:t>rm</a:t>
-            </a:r>
-            <a:r>
-              <a:rPr lang="en-US" dirty="0"/>
-              <a:t> -v ~/DockerVS2015Intro/</a:t>
-            </a:r>
-            <a:r>
-              <a:rPr lang="en-US" dirty="0" err="1"/>
-              <a:t>dockerDemos</a:t>
-            </a:r>
-            <a:r>
-              <a:rPr lang="en-US" dirty="0"/>
-              <a:t>/01-staticWeb/app:/data </a:t>
-            </a:r>
-            <a:r>
-              <a:rPr lang="en-US" dirty="0" err="1"/>
-              <a:t>digitallyseamless</a:t>
-            </a:r>
-            <a:r>
-              <a:rPr lang="en-US" dirty="0"/>
-              <a:t>/</a:t>
-            </a:r>
-            <a:r>
-              <a:rPr lang="en-US" dirty="0" err="1"/>
-              <a:t>nodejs</a:t>
-            </a:r>
-            <a:r>
-              <a:rPr lang="en-US" dirty="0"/>
-              <a:t>-bower-grunt grunt</a:t>
-            </a:r>
-          </a:p>
-          <a:p>
+              <a:t>staticweb</a:t>
+            </a:r>
             <a:endParaRPr lang="en-US" dirty="0"/>
           </a:p>
           <a:p>
             <a:endParaRPr lang="en-US" dirty="0"/>
           </a:p>
           <a:p>
+            <a:r>
+              <a:rPr lang="en-US" dirty="0"/>
+              <a:t># Change website content and rebuild container</a:t>
+            </a:r>
+          </a:p>
+          <a:p>
             <a:endParaRPr lang="en-US" dirty="0"/>
           </a:p>
           <a:p>
             <a:r>
               <a:rPr lang="en-US" dirty="0"/>
-              <a:t># Run </a:t>
-            </a:r>
-            <a:r>
-              <a:rPr lang="en-US" b="1" dirty="0" err="1"/>
-              <a:t>daemonized</a:t>
-            </a:r>
-            <a:r>
-              <a:rPr lang="en-US" dirty="0"/>
-              <a:t> grunt inside a </a:t>
-            </a:r>
+              <a:t># Run a second container, run a third container (linked)</a:t>
+            </a:r>
+          </a:p>
+          <a:p>
             <a:r>
               <a:rPr lang="en-US" dirty="0" err="1"/>
               <a:t>docker</a:t>
             </a:r>
             <a:r>
               <a:rPr lang="en-US" dirty="0"/>
-              <a:t> container</a:t>
-            </a:r>
-          </a:p>
-          <a:p>
+              <a:t> run -</a:t>
+            </a:r>
             <a:r>
               <a:rPr lang="en-US" dirty="0" err="1"/>
-              <a:t>docker</a:t>
-            </a:r>
-            <a:r>
-              <a:rPr lang="en-US" dirty="0"/>
-              <a:t> run -d -v ~/DockerVS2015Intro/</a:t>
+              <a:t>i</a:t>
+            </a:r>
+            <a:r>
+              <a:rPr lang="en-US" dirty="0"/>
+              <a:t> -t --link &lt;cont1&gt;:sweb1 --link &lt;cont2&gt;:sweb2 </a:t>
             </a:r>
             <a:r>
               <a:rPr lang="en-US" dirty="0" err="1"/>
-              <a:t>dockerDemos</a:t>
-            </a:r>
-            <a:r>
-              <a:rPr lang="en-US" dirty="0"/>
-              <a:t>/01-staticWeb/app:/data </a:t>
+              <a:t>ubuntu</a:t>
+            </a:r>
+            <a:r>
+              <a:rPr lang="en-US" dirty="0"/>
+              <a:t> /bin/bash</a:t>
+            </a:r>
+          </a:p>
+          <a:p>
+            <a:r>
+              <a:rPr lang="en-US" dirty="0"/>
+              <a:t>	apt-get install curl</a:t>
+            </a:r>
+          </a:p>
+          <a:p>
+            <a:r>
+              <a:rPr lang="en-US" dirty="0"/>
+              <a:t>	curl http://sweb1</a:t>
+            </a:r>
+          </a:p>
+          <a:p>
+            <a:endParaRPr lang="en-US" dirty="0"/>
+          </a:p>
+        </p:txBody>
+      </p:sp>
+      <p:sp>
+        <p:nvSpPr>
+          <p:cNvPr id="2" name="Textplatzhalter 1"/>
+          <p:cNvSpPr>
+            <a:spLocks noGrp="1"/>
+          </p:cNvSpPr>
+          <p:nvPr>
+            <p:ph type="body" sz="quarter" idx="23"/>
+          </p:nvPr>
+        </p:nvSpPr>
+        <p:spPr/>
+        <p:txBody>
+          <a:bodyPr/>
+          <a:lstStyle/>
+          <a:p>
+            <a:r>
+              <a:rPr lang="en-US" dirty="0"/>
+              <a:t>Dockerfile</a:t>
+            </a:r>
+          </a:p>
+        </p:txBody>
+      </p:sp>
+      <p:sp>
+        <p:nvSpPr>
+          <p:cNvPr id="3" name="Textplatzhalter 2"/>
+          <p:cNvSpPr>
+            <a:spLocks noGrp="1"/>
+          </p:cNvSpPr>
+          <p:nvPr>
+            <p:ph type="body" sz="quarter" idx="24"/>
+          </p:nvPr>
+        </p:nvSpPr>
+        <p:spPr/>
+        <p:txBody>
+          <a:bodyPr/>
+          <a:lstStyle/>
+          <a:p>
+            <a:endParaRPr lang="en-US" dirty="0"/>
+          </a:p>
+        </p:txBody>
+      </p:sp>
+      <p:sp>
+        <p:nvSpPr>
+          <p:cNvPr id="4" name="Textplatzhalter 3"/>
+          <p:cNvSpPr>
+            <a:spLocks noGrp="1"/>
+          </p:cNvSpPr>
+          <p:nvPr>
+            <p:ph type="body" sz="quarter" idx="25"/>
+          </p:nvPr>
+        </p:nvSpPr>
+        <p:spPr/>
+        <p:txBody>
+          <a:bodyPr/>
+          <a:lstStyle/>
+          <a:p>
+            <a:r>
+              <a:rPr lang="en-US" dirty="0"/>
+              <a:t>Sample files see </a:t>
+            </a:r>
+            <a:r>
+              <a:rPr lang="en-US" dirty="0">
+                <a:hlinkClick r:id="rId2"/>
+              </a:rPr>
+              <a:t>https://github.com/rstropek/DockerVS2015Intro/tree/master/dockerDemos/01-staticWeb</a:t>
+            </a:r>
+            <a:r>
+              <a:rPr lang="en-US" dirty="0"/>
+              <a:t> </a:t>
+            </a:r>
+          </a:p>
+        </p:txBody>
+      </p:sp>
+    </p:spTree>
+    <p:extLst>
+      <p:ext uri="{BB962C8B-B14F-4D97-AF65-F5344CB8AC3E}">
+        <p14:creationId xmlns:p14="http://schemas.microsoft.com/office/powerpoint/2010/main" val="1157928134"/>
+      </p:ext>
+    </p:extLst>
+  </p:cSld>
+  <p:clrMapOvr>
+    <a:masterClrMapping/>
+  </p:clrMapOvr>
+  <p:transition spd="slow">
+    <p:push/>
+  </p:transition>
+</p:sld>
+</file>
+
+<file path=ppt/slides/slide48.xml><?xml version="1.0" encoding="utf-8"?>
+<p:sld xmlns:a="http://schemas.openxmlformats.org/drawingml/2006/main" xmlns:r="http://schemas.openxmlformats.org/officeDocument/2006/relationships" xmlns:p="http://schemas.openxmlformats.org/presentationml/2006/main" show="0">
+  <p:cSld>
+    <p:spTree>
+      <p:nvGrpSpPr>
+        <p:cNvPr id="1" name=""/>
+        <p:cNvGrpSpPr/>
+        <p:nvPr/>
+      </p:nvGrpSpPr>
+      <p:grpSpPr>
+        <a:xfrm>
+          <a:off x="0" y="0"/>
+          <a:ext cx="0" cy="0"/>
+          <a:chOff x="0" y="0"/>
+          <a:chExt cx="0" cy="0"/>
+        </a:xfrm>
+      </p:grpSpPr>
+      <p:sp>
+        <p:nvSpPr>
+          <p:cNvPr id="5" name="Titel 4"/>
+          <p:cNvSpPr>
+            <a:spLocks noGrp="1"/>
+          </p:cNvSpPr>
+          <p:nvPr>
+            <p:ph type="title"/>
+          </p:nvPr>
+        </p:nvSpPr>
+        <p:spPr/>
+        <p:txBody>
+          <a:bodyPr/>
+          <a:lstStyle/>
+          <a:p>
+            <a:r>
+              <a:rPr lang="en-US"/>
+              <a:t>Demo</a:t>
+            </a:r>
+            <a:endParaRPr lang="en-US" dirty="0"/>
+          </a:p>
+        </p:txBody>
+      </p:sp>
+      <p:sp>
+        <p:nvSpPr>
+          <p:cNvPr id="6" name="Inhaltsplatzhalter 5"/>
+          <p:cNvSpPr>
+            <a:spLocks noGrp="1"/>
+          </p:cNvSpPr>
+          <p:nvPr>
+            <p:ph sz="quarter" idx="22"/>
+          </p:nvPr>
+        </p:nvSpPr>
+        <p:spPr>
+          <a:xfrm>
+            <a:off x="467544" y="183178"/>
+            <a:ext cx="5328592" cy="4721065"/>
+          </a:xfrm>
+        </p:spPr>
+        <p:txBody>
+          <a:bodyPr/>
+          <a:lstStyle/>
+          <a:p>
+            <a:r>
+              <a:rPr lang="en-US" dirty="0"/>
+              <a:t># Run webpack inside a docker container</a:t>
+            </a:r>
+          </a:p>
+          <a:p>
+            <a:r>
+              <a:rPr lang="en-US" dirty="0"/>
+              <a:t>docker run -t --rm -v C:\...\dockerDemos\01-staticWeb\app:/app -w /app node </a:t>
             </a:r>
             <a:r>
               <a:rPr lang="en-US" dirty="0" err="1"/>
-              <a:t>digitallyseamless</a:t>
-            </a:r>
-            <a:r>
-              <a:rPr lang="en-US" dirty="0"/>
-              <a:t>/</a:t>
+              <a:t>npm</a:t>
+            </a:r>
+            <a:r>
+              <a:rPr lang="en-US" dirty="0"/>
+              <a:t> run build</a:t>
+            </a:r>
+          </a:p>
+          <a:p>
+            <a:endParaRPr lang="en-US" dirty="0"/>
+          </a:p>
+          <a:p>
+            <a:endParaRPr lang="en-US" dirty="0"/>
+          </a:p>
+          <a:p>
+            <a:r>
+              <a:rPr lang="en-US" dirty="0"/>
+              <a:t># Run webpack inside a docker container (watch mode)</a:t>
+            </a:r>
+          </a:p>
+          <a:p>
+            <a:r>
+              <a:rPr lang="en-US" dirty="0"/>
+              <a:t>docker run -t --rm -v C:\...\dockerDemos\01-staticWeb\app:/app -w /app node bash -c "</a:t>
             </a:r>
             <a:r>
               <a:rPr lang="en-US" dirty="0" err="1"/>
-              <a:t>nodejs</a:t>
-            </a:r>
-            <a:r>
-              <a:rPr lang="en-US" dirty="0"/>
-              <a:t>-bower-grunt grunt watch</a:t>
+              <a:t>npm</a:t>
+            </a:r>
+            <a:r>
+              <a:rPr lang="en-US" dirty="0"/>
+              <a:t> run watch -- --watch-poll 1000"</a:t>
             </a:r>
           </a:p>
           <a:p>
@@ -43217,57 +43872,13 @@
             </a:r>
             <a:r>
               <a:rPr lang="en-US" dirty="0"/>
-              <a:t> webserver inside </a:t>
-            </a:r>
-            <a:r>
-              <a:rPr lang="en-US" dirty="0" err="1"/>
-              <a:t>daemonized</a:t>
-            </a:r>
-            <a:r>
-              <a:rPr lang="en-US" dirty="0"/>
-              <a:t> container</a:t>
+              <a:t> webserver inside container</a:t>
             </a:r>
           </a:p>
           <a:p>
             <a:r>
               <a:rPr lang="sv-SE" dirty="0"/>
-              <a:t>docker run -d -p 80:80 -v ~/DockerVS2015Intro/dockerDemos/01-staticWeb/app:</a:t>
-            </a:r>
-            <a:r>
-              <a:rPr lang="de-AT" dirty="0"/>
-              <a:t>/</a:t>
-            </a:r>
-            <a:r>
-              <a:rPr lang="de-AT" dirty="0" err="1"/>
-              <a:t>usr</a:t>
-            </a:r>
-            <a:r>
-              <a:rPr lang="de-AT" dirty="0"/>
-              <a:t>/</a:t>
-            </a:r>
-            <a:r>
-              <a:rPr lang="de-AT" dirty="0" err="1"/>
-              <a:t>share</a:t>
-            </a:r>
-            <a:r>
-              <a:rPr lang="de-AT" dirty="0"/>
-              <a:t>/</a:t>
-            </a:r>
-            <a:r>
-              <a:rPr lang="de-AT" dirty="0" err="1"/>
-              <a:t>nginx</a:t>
-            </a:r>
-            <a:r>
-              <a:rPr lang="de-AT" dirty="0"/>
-              <a:t>/</a:t>
-            </a:r>
-            <a:r>
-              <a:rPr lang="de-AT" dirty="0" err="1"/>
-              <a:t>html</a:t>
-            </a:r>
-            <a:r>
-              <a:rPr lang="sv-SE" dirty="0"/>
-              <a:t> nginx</a:t>
+              <a:t>docker run --rm -t -p 8081:80 -v C:\...\dockerDemos\01-staticWeb\app\dist:/usr/share/nginx/html/ nginx:alpine</a:t>
             </a:r>
           </a:p>
           <a:p>
@@ -43354,7 +43965,7 @@
 </p:sld>
 </file>
 
-<file path=ppt/slides/slide48.xml><?xml version="1.0" encoding="utf-8"?>
+<file path=ppt/slides/slide49.xml><?xml version="1.0" encoding="utf-8"?>
 <p:sld xmlns:a="http://schemas.openxmlformats.org/drawingml/2006/main" xmlns:r="http://schemas.openxmlformats.org/officeDocument/2006/relationships" xmlns:p="http://schemas.openxmlformats.org/presentationml/2006/main">
   <p:cSld>
     <p:spTree>
@@ -43489,7 +44100,7 @@
                 <a:latin typeface="Courier New" panose="02070309020205020404" pitchFamily="49" charset="0"/>
                 <a:cs typeface="Courier New" panose="02070309020205020404" pitchFamily="49" charset="0"/>
               </a:rPr>
-              <a:t>  -v ~/DockerVS2015Intro/</a:t>
+              <a:t>  -v ~/</a:t>
             </a:r>
             <a:r>
               <a:rPr lang="en-US" dirty="0" err="1">
@@ -43503,7 +44114,48 @@
                 <a:latin typeface="Courier New" panose="02070309020205020404" pitchFamily="49" charset="0"/>
                 <a:cs typeface="Courier New" panose="02070309020205020404" pitchFamily="49" charset="0"/>
               </a:rPr>
-              <a:t>/01-staticWeb/app:/data </a:t>
+              <a:t>/01-staticWeb/app/</a:t>
+            </a:r>
+            <a:r>
+              <a:rPr lang="en-US" dirty="0" err="1">
+                <a:latin typeface="Courier New" panose="02070309020205020404" pitchFamily="49" charset="0"/>
+                <a:cs typeface="Courier New" panose="02070309020205020404" pitchFamily="49" charset="0"/>
+              </a:rPr>
+              <a:t>dist</a:t>
+            </a:r>
+            <a:r>
+              <a:rPr lang="en-US" dirty="0">
+                <a:latin typeface="Courier New" panose="02070309020205020404" pitchFamily="49" charset="0"/>
+                <a:cs typeface="Courier New" panose="02070309020205020404" pitchFamily="49" charset="0"/>
+              </a:rPr>
+              <a:t>:/app </a:t>
+            </a:r>
+          </a:p>
+          <a:p>
+            <a:endParaRPr lang="en-US" dirty="0">
+              <a:latin typeface="Courier New" panose="02070309020205020404" pitchFamily="49" charset="0"/>
+              <a:cs typeface="Courier New" panose="02070309020205020404" pitchFamily="49" charset="0"/>
+            </a:endParaRPr>
+          </a:p>
+          <a:p>
+            <a:endParaRPr lang="en-US" dirty="0">
+              <a:latin typeface="Courier New" panose="02070309020205020404" pitchFamily="49" charset="0"/>
+              <a:cs typeface="Courier New" panose="02070309020205020404" pitchFamily="49" charset="0"/>
+            </a:endParaRPr>
+          </a:p>
+          <a:p>
+            <a:endParaRPr lang="en-US" dirty="0">
+              <a:latin typeface="Courier New" panose="02070309020205020404" pitchFamily="49" charset="0"/>
+              <a:cs typeface="Courier New" panose="02070309020205020404" pitchFamily="49" charset="0"/>
+            </a:endParaRPr>
+          </a:p>
+          <a:p>
+            <a:r>
+              <a:rPr lang="en-US" dirty="0">
+                <a:latin typeface="Courier New" panose="02070309020205020404" pitchFamily="49" charset="0"/>
+                <a:cs typeface="Courier New" panose="02070309020205020404" pitchFamily="49" charset="0"/>
+              </a:rPr>
+              <a:t>  node</a:t>
             </a:r>
           </a:p>
           <a:p>
@@ -43536,64 +44188,15 @@
               <a:rPr lang="en-US" dirty="0" err="1">
                 <a:latin typeface="Courier New" panose="02070309020205020404" pitchFamily="49" charset="0"/>
                 <a:cs typeface="Courier New" panose="02070309020205020404" pitchFamily="49" charset="0"/>
-                <a:hlinkClick r:id="rId2"/>
               </a:rPr>
-              <a:t>dockerfile</a:t>
-            </a:r>
-            <a:r>
-              <a:rPr lang="en-US" dirty="0">
-                <a:latin typeface="Courier New" panose="02070309020205020404" pitchFamily="49" charset="0"/>
-                <a:cs typeface="Courier New" panose="02070309020205020404" pitchFamily="49" charset="0"/>
-                <a:hlinkClick r:id="rId2"/>
-              </a:rPr>
-              <a:t>/</a:t>
-            </a:r>
-            <a:r>
-              <a:rPr lang="en-US" dirty="0" err="1">
-                <a:latin typeface="Courier New" panose="02070309020205020404" pitchFamily="49" charset="0"/>
-                <a:cs typeface="Courier New" panose="02070309020205020404" pitchFamily="49" charset="0"/>
-                <a:hlinkClick r:id="rId2"/>
-              </a:rPr>
-              <a:t>nodejs</a:t>
-            </a:r>
-            <a:r>
-              <a:rPr lang="en-US" dirty="0">
-                <a:latin typeface="Courier New" panose="02070309020205020404" pitchFamily="49" charset="0"/>
-                <a:cs typeface="Courier New" panose="02070309020205020404" pitchFamily="49" charset="0"/>
-                <a:hlinkClick r:id="rId2"/>
-              </a:rPr>
-              <a:t>-bower-grunt</a:t>
-            </a:r>
-            <a:endParaRPr lang="en-US" dirty="0">
-              <a:latin typeface="Courier New" panose="02070309020205020404" pitchFamily="49" charset="0"/>
-              <a:cs typeface="Courier New" panose="02070309020205020404" pitchFamily="49" charset="0"/>
-            </a:endParaRPr>
-          </a:p>
-          <a:p>
-            <a:endParaRPr lang="en-US" dirty="0">
-              <a:latin typeface="Courier New" panose="02070309020205020404" pitchFamily="49" charset="0"/>
-              <a:cs typeface="Courier New" panose="02070309020205020404" pitchFamily="49" charset="0"/>
-            </a:endParaRPr>
-          </a:p>
-          <a:p>
-            <a:endParaRPr lang="en-US" dirty="0">
-              <a:latin typeface="Courier New" panose="02070309020205020404" pitchFamily="49" charset="0"/>
-              <a:cs typeface="Courier New" panose="02070309020205020404" pitchFamily="49" charset="0"/>
-            </a:endParaRPr>
-          </a:p>
-          <a:p>
-            <a:endParaRPr lang="en-US" dirty="0">
-              <a:latin typeface="Courier New" panose="02070309020205020404" pitchFamily="49" charset="0"/>
-              <a:cs typeface="Courier New" panose="02070309020205020404" pitchFamily="49" charset="0"/>
-            </a:endParaRPr>
-          </a:p>
-          <a:p>
+              <a:t>npm</a:t>
+            </a:r>
             <a:r>
               <a:rPr lang="en-US" dirty="0">
                 <a:latin typeface="Courier New" panose="02070309020205020404" pitchFamily="49" charset="0"/>
                 <a:cs typeface="Courier New" panose="02070309020205020404" pitchFamily="49" charset="0"/>
               </a:rPr>
-              <a:t>  grunt</a:t>
+              <a:t> run build</a:t>
             </a:r>
           </a:p>
         </p:txBody>
@@ -44054,9 +44657,9 @@
         <p:grpSpPr>
           <a:xfrm>
             <a:off x="674242" y="2792744"/>
-            <a:ext cx="1296769" cy="474716"/>
+            <a:ext cx="1511571" cy="474716"/>
             <a:chOff x="3861990" y="1424245"/>
-            <a:chExt cx="1296769" cy="474716"/>
+            <a:chExt cx="1511571" cy="474716"/>
           </a:xfrm>
         </p:grpSpPr>
         <p:cxnSp>
@@ -44128,7 +44731,7 @@
           <p:spPr>
             <a:xfrm>
               <a:off x="4078014" y="1591184"/>
-              <a:ext cx="1080745" cy="307777"/>
+              <a:ext cx="1295547" cy="307777"/>
             </a:xfrm>
             <a:prstGeom prst="rect">
               <a:avLst/>
@@ -44172,7 +44775,7 @@
                   <a:ea typeface="+mn-ea"/>
                   <a:cs typeface="Courier New" panose="02070309020205020404" pitchFamily="49" charset="0"/>
                 </a:rPr>
-                <a:t>grunt</a:t>
+                <a:t>webpack</a:t>
               </a:r>
             </a:p>
           </p:txBody>
@@ -44191,92 +44794,6 @@
   <p:transition spd="slow">
     <p:push/>
   </p:transition>
-</p:sld>
-</file>
-
-<file path=ppt/slides/slide49.xml><?xml version="1.0" encoding="utf-8"?>
-<p:sld xmlns:a="http://schemas.openxmlformats.org/drawingml/2006/main" xmlns:r="http://schemas.openxmlformats.org/officeDocument/2006/relationships" xmlns:p="http://schemas.openxmlformats.org/presentationml/2006/main">
-  <p:cSld>
-    <p:spTree>
-      <p:nvGrpSpPr>
-        <p:cNvPr id="1" name=""/>
-        <p:cNvGrpSpPr/>
-        <p:nvPr/>
-      </p:nvGrpSpPr>
-      <p:grpSpPr>
-        <a:xfrm>
-          <a:off x="0" y="0"/>
-          <a:ext cx="0" cy="0"/>
-          <a:chOff x="0" y="0"/>
-          <a:chExt cx="0" cy="0"/>
-        </a:xfrm>
-      </p:grpSpPr>
-      <p:sp>
-        <p:nvSpPr>
-          <p:cNvPr id="2" name="Titel 1"/>
-          <p:cNvSpPr>
-            <a:spLocks noGrp="1"/>
-          </p:cNvSpPr>
-          <p:nvPr>
-            <p:ph type="title"/>
-          </p:nvPr>
-        </p:nvSpPr>
-        <p:spPr/>
-        <p:txBody>
-          <a:bodyPr/>
-          <a:lstStyle/>
-          <a:p>
-            <a:r>
-              <a:rPr lang="en-US" dirty="0"/>
-              <a:t>Docker Compose</a:t>
-            </a:r>
-          </a:p>
-        </p:txBody>
-      </p:sp>
-      <p:sp>
-        <p:nvSpPr>
-          <p:cNvPr id="3" name="Textplatzhalter 2"/>
-          <p:cNvSpPr>
-            <a:spLocks noGrp="1"/>
-          </p:cNvSpPr>
-          <p:nvPr>
-            <p:ph type="body" sz="quarter" idx="25"/>
-          </p:nvPr>
-        </p:nvSpPr>
-        <p:spPr/>
-        <p:txBody>
-          <a:bodyPr/>
-          <a:lstStyle/>
-          <a:p>
-            <a:r>
-              <a:rPr lang="en-US" dirty="0"/>
-              <a:t>Tool for running multi-container applications</a:t>
-            </a:r>
-          </a:p>
-        </p:txBody>
-      </p:sp>
-    </p:spTree>
-    <p:extLst>
-      <p:ext uri="{BB962C8B-B14F-4D97-AF65-F5344CB8AC3E}">
-        <p14:creationId xmlns:p14="http://schemas.microsoft.com/office/powerpoint/2010/main" val="587113999"/>
-      </p:ext>
-    </p:extLst>
-  </p:cSld>
-  <p:clrMapOvr>
-    <a:masterClrMapping/>
-  </p:clrMapOvr>
-  <mc:AlternateContent xmlns:mc="http://schemas.openxmlformats.org/markup-compatibility/2006" xmlns:p14="http://schemas.microsoft.com/office/powerpoint/2010/main">
-    <mc:Choice Requires="p14">
-      <p:transition spd="med" p14:dur="700">
-        <p:fade/>
-      </p:transition>
-    </mc:Choice>
-    <mc:Fallback xmlns="">
-      <p:transition spd="med">
-        <p:fade/>
-      </p:transition>
-    </mc:Fallback>
-  </mc:AlternateContent>
 </p:sld>
 </file>
 
@@ -44475,6 +44992,92 @@
 </file>
 
 <file path=ppt/slides/slide50.xml><?xml version="1.0" encoding="utf-8"?>
+<p:sld xmlns:a="http://schemas.openxmlformats.org/drawingml/2006/main" xmlns:r="http://schemas.openxmlformats.org/officeDocument/2006/relationships" xmlns:p="http://schemas.openxmlformats.org/presentationml/2006/main">
+  <p:cSld>
+    <p:spTree>
+      <p:nvGrpSpPr>
+        <p:cNvPr id="1" name=""/>
+        <p:cNvGrpSpPr/>
+        <p:nvPr/>
+      </p:nvGrpSpPr>
+      <p:grpSpPr>
+        <a:xfrm>
+          <a:off x="0" y="0"/>
+          <a:ext cx="0" cy="0"/>
+          <a:chOff x="0" y="0"/>
+          <a:chExt cx="0" cy="0"/>
+        </a:xfrm>
+      </p:grpSpPr>
+      <p:sp>
+        <p:nvSpPr>
+          <p:cNvPr id="2" name="Titel 1"/>
+          <p:cNvSpPr>
+            <a:spLocks noGrp="1"/>
+          </p:cNvSpPr>
+          <p:nvPr>
+            <p:ph type="title"/>
+          </p:nvPr>
+        </p:nvSpPr>
+        <p:spPr/>
+        <p:txBody>
+          <a:bodyPr/>
+          <a:lstStyle/>
+          <a:p>
+            <a:r>
+              <a:rPr lang="en-US" dirty="0"/>
+              <a:t>Docker Compose</a:t>
+            </a:r>
+          </a:p>
+        </p:txBody>
+      </p:sp>
+      <p:sp>
+        <p:nvSpPr>
+          <p:cNvPr id="3" name="Textplatzhalter 2"/>
+          <p:cNvSpPr>
+            <a:spLocks noGrp="1"/>
+          </p:cNvSpPr>
+          <p:nvPr>
+            <p:ph type="body" sz="quarter" idx="25"/>
+          </p:nvPr>
+        </p:nvSpPr>
+        <p:spPr/>
+        <p:txBody>
+          <a:bodyPr/>
+          <a:lstStyle/>
+          <a:p>
+            <a:r>
+              <a:rPr lang="en-US" dirty="0"/>
+              <a:t>Tool for running multi-container applications</a:t>
+            </a:r>
+          </a:p>
+        </p:txBody>
+      </p:sp>
+    </p:spTree>
+    <p:extLst>
+      <p:ext uri="{BB962C8B-B14F-4D97-AF65-F5344CB8AC3E}">
+        <p14:creationId xmlns:p14="http://schemas.microsoft.com/office/powerpoint/2010/main" val="587113999"/>
+      </p:ext>
+    </p:extLst>
+  </p:cSld>
+  <p:clrMapOvr>
+    <a:masterClrMapping/>
+  </p:clrMapOvr>
+  <mc:AlternateContent xmlns:mc="http://schemas.openxmlformats.org/markup-compatibility/2006" xmlns:p14="http://schemas.microsoft.com/office/powerpoint/2010/main">
+    <mc:Choice Requires="p14">
+      <p:transition spd="med" p14:dur="700">
+        <p:fade/>
+      </p:transition>
+    </mc:Choice>
+    <mc:Fallback xmlns="">
+      <p:transition spd="med">
+        <p:fade/>
+      </p:transition>
+    </mc:Fallback>
+  </mc:AlternateContent>
+</p:sld>
+</file>
+
+<file path=ppt/slides/slide51.xml><?xml version="1.0" encoding="utf-8"?>
 <p:sld xmlns:a="http://schemas.openxmlformats.org/drawingml/2006/main" xmlns:r="http://schemas.openxmlformats.org/officeDocument/2006/relationships" xmlns:p="http://schemas.openxmlformats.org/presentationml/2006/main">
   <p:cSld>
     <p:spTree>
@@ -45135,7 +45738,7 @@
 </p:sld>
 </file>
 
-<file path=ppt/slides/slide51.xml><?xml version="1.0" encoding="utf-8"?>
+<file path=ppt/slides/slide52.xml><?xml version="1.0" encoding="utf-8"?>
 <p:sld xmlns:a="http://schemas.openxmlformats.org/drawingml/2006/main" xmlns:r="http://schemas.openxmlformats.org/officeDocument/2006/relationships" xmlns:p="http://schemas.openxmlformats.org/presentationml/2006/main" show="0">
   <p:cSld>
     <p:spTree>
@@ -45369,92 +45972,6 @@
   <p:transition spd="slow">
     <p:push/>
   </p:transition>
-</p:sld>
-</file>
-
-<file path=ppt/slides/slide52.xml><?xml version="1.0" encoding="utf-8"?>
-<p:sld xmlns:a="http://schemas.openxmlformats.org/drawingml/2006/main" xmlns:r="http://schemas.openxmlformats.org/officeDocument/2006/relationships" xmlns:p="http://schemas.openxmlformats.org/presentationml/2006/main">
-  <p:cSld>
-    <p:spTree>
-      <p:nvGrpSpPr>
-        <p:cNvPr id="1" name=""/>
-        <p:cNvGrpSpPr/>
-        <p:nvPr/>
-      </p:nvGrpSpPr>
-      <p:grpSpPr>
-        <a:xfrm>
-          <a:off x="0" y="0"/>
-          <a:ext cx="0" cy="0"/>
-          <a:chOff x="0" y="0"/>
-          <a:chExt cx="0" cy="0"/>
-        </a:xfrm>
-      </p:grpSpPr>
-      <p:sp>
-        <p:nvSpPr>
-          <p:cNvPr id="2" name="Titel 1"/>
-          <p:cNvSpPr>
-            <a:spLocks noGrp="1"/>
-          </p:cNvSpPr>
-          <p:nvPr>
-            <p:ph type="title"/>
-          </p:nvPr>
-        </p:nvSpPr>
-        <p:spPr/>
-        <p:txBody>
-          <a:bodyPr/>
-          <a:lstStyle/>
-          <a:p>
-            <a:r>
-              <a:rPr lang="en-US" dirty="0"/>
-              <a:t>ASP.NET in Docker</a:t>
-            </a:r>
-          </a:p>
-        </p:txBody>
-      </p:sp>
-      <p:sp>
-        <p:nvSpPr>
-          <p:cNvPr id="3" name="Textplatzhalter 2"/>
-          <p:cNvSpPr>
-            <a:spLocks noGrp="1"/>
-          </p:cNvSpPr>
-          <p:nvPr>
-            <p:ph type="body" sz="quarter" idx="25"/>
-          </p:nvPr>
-        </p:nvSpPr>
-        <p:spPr/>
-        <p:txBody>
-          <a:bodyPr/>
-          <a:lstStyle/>
-          <a:p>
-            <a:r>
-              <a:rPr lang="en-US" dirty="0"/>
-              <a:t>Running ASP.NET in Docker</a:t>
-            </a:r>
-          </a:p>
-        </p:txBody>
-      </p:sp>
-    </p:spTree>
-    <p:extLst>
-      <p:ext uri="{BB962C8B-B14F-4D97-AF65-F5344CB8AC3E}">
-        <p14:creationId xmlns:p14="http://schemas.microsoft.com/office/powerpoint/2010/main" val="286049027"/>
-      </p:ext>
-    </p:extLst>
-  </p:cSld>
-  <p:clrMapOvr>
-    <a:masterClrMapping/>
-  </p:clrMapOvr>
-  <mc:AlternateContent xmlns:mc="http://schemas.openxmlformats.org/markup-compatibility/2006" xmlns:p14="http://schemas.microsoft.com/office/powerpoint/2010/main">
-    <mc:Choice Requires="p14">
-      <p:transition spd="med" p14:dur="700">
-        <p:fade/>
-      </p:transition>
-    </mc:Choice>
-    <mc:Fallback xmlns="">
-      <p:transition spd="med">
-        <p:fade/>
-      </p:transition>
-    </mc:Fallback>
-  </mc:AlternateContent>
 </p:sld>
 </file>
 
@@ -45492,202 +46009,14 @@
           <a:p>
             <a:r>
               <a:rPr lang="en-US" dirty="0"/>
-              <a:t>Simple ASP.NET</a:t>
-            </a:r>
-            <a:endParaRPr lang="de-AT" dirty="0"/>
+              <a:t>ASP.NET in Docker</a:t>
+            </a:r>
           </a:p>
         </p:txBody>
       </p:sp>
       <p:sp>
         <p:nvSpPr>
-          <p:cNvPr id="3" name="Inhaltsplatzhalter 2"/>
-          <p:cNvSpPr>
-            <a:spLocks noGrp="1"/>
-          </p:cNvSpPr>
-          <p:nvPr>
-            <p:ph sz="quarter" idx="22"/>
-          </p:nvPr>
-        </p:nvSpPr>
-        <p:spPr/>
-        <p:txBody>
-          <a:bodyPr/>
-          <a:lstStyle/>
-          <a:p>
-            <a:r>
-              <a:rPr lang="en-US" dirty="0"/>
-              <a:t>FROM </a:t>
-            </a:r>
-            <a:r>
-              <a:rPr lang="en-US" dirty="0" err="1"/>
-              <a:t>microsoft</a:t>
-            </a:r>
-            <a:r>
-              <a:rPr lang="en-US" dirty="0"/>
-              <a:t>/</a:t>
-            </a:r>
-            <a:r>
-              <a:rPr lang="en-US" dirty="0" err="1"/>
-              <a:t>aspnet</a:t>
-            </a:r>
-            <a:endParaRPr lang="en-US" dirty="0"/>
-          </a:p>
-          <a:p>
-            <a:endParaRPr lang="en-US" dirty="0"/>
-          </a:p>
-          <a:p>
-            <a:r>
-              <a:rPr lang="en-US" dirty="0"/>
-              <a:t>RUN apt-get install -y curl</a:t>
-            </a:r>
-          </a:p>
-          <a:p>
-            <a:r>
-              <a:rPr lang="en-US" dirty="0"/>
-              <a:t>RUN curl -</a:t>
-            </a:r>
-            <a:r>
-              <a:rPr lang="en-US" dirty="0" err="1"/>
-              <a:t>sL</a:t>
-            </a:r>
-            <a:r>
-              <a:rPr lang="en-US" dirty="0"/>
-              <a:t> https://deb.nodesource.com/setup_5.x | bash -</a:t>
-            </a:r>
-          </a:p>
-          <a:p>
-            <a:r>
-              <a:rPr lang="en-US" dirty="0"/>
-              <a:t>RUN apt-get install -y </a:t>
-            </a:r>
-            <a:r>
-              <a:rPr lang="en-US" dirty="0" err="1"/>
-              <a:t>nodejs</a:t>
-            </a:r>
-            <a:endParaRPr lang="en-US" dirty="0"/>
-          </a:p>
-          <a:p>
-            <a:endParaRPr lang="en-US" dirty="0"/>
-          </a:p>
-          <a:p>
-            <a:r>
-              <a:rPr lang="en-US" dirty="0"/>
-              <a:t>COPY ./my-web /</a:t>
-            </a:r>
-            <a:r>
-              <a:rPr lang="en-US" dirty="0" err="1"/>
-              <a:t>src</a:t>
-            </a:r>
-            <a:endParaRPr lang="en-US" dirty="0"/>
-          </a:p>
-          <a:p>
-            <a:endParaRPr lang="en-US" dirty="0"/>
-          </a:p>
-          <a:p>
-            <a:r>
-              <a:rPr lang="en-US" dirty="0"/>
-              <a:t>RUN cd /</a:t>
-            </a:r>
-            <a:r>
-              <a:rPr lang="en-US" dirty="0" err="1"/>
-              <a:t>src</a:t>
-            </a:r>
-            <a:r>
-              <a:rPr lang="en-US" dirty="0"/>
-              <a:t> &amp;&amp; </a:t>
-            </a:r>
-            <a:r>
-              <a:rPr lang="en-US" dirty="0" err="1"/>
-              <a:t>dnu</a:t>
-            </a:r>
-            <a:r>
-              <a:rPr lang="en-US" dirty="0"/>
-              <a:t> restore</a:t>
-            </a:r>
-          </a:p>
-          <a:p>
-            <a:endParaRPr lang="en-US" dirty="0"/>
-          </a:p>
-          <a:p>
-            <a:r>
-              <a:rPr lang="en-US" dirty="0"/>
-              <a:t>EXPOSE 5000</a:t>
-            </a:r>
-          </a:p>
-          <a:p>
-            <a:endParaRPr lang="en-US" dirty="0"/>
-          </a:p>
-          <a:p>
-            <a:r>
-              <a:rPr lang="en-US" dirty="0"/>
-              <a:t>WORKDIR /</a:t>
-            </a:r>
-            <a:r>
-              <a:rPr lang="en-US" dirty="0" err="1"/>
-              <a:t>src</a:t>
-            </a:r>
-            <a:endParaRPr lang="en-US" dirty="0"/>
-          </a:p>
-          <a:p>
-            <a:r>
-              <a:rPr lang="en-US" dirty="0"/>
-              <a:t>CMD ["</a:t>
-            </a:r>
-            <a:r>
-              <a:rPr lang="en-US" dirty="0" err="1"/>
-              <a:t>dnx</a:t>
-            </a:r>
-            <a:r>
-              <a:rPr lang="en-US" dirty="0"/>
-              <a:t>", "web"]</a:t>
-            </a:r>
-          </a:p>
-        </p:txBody>
-      </p:sp>
-      <p:sp>
-        <p:nvSpPr>
-          <p:cNvPr id="4" name="Textplatzhalter 3"/>
-          <p:cNvSpPr>
-            <a:spLocks noGrp="1"/>
-          </p:cNvSpPr>
-          <p:nvPr>
-            <p:ph type="body" sz="quarter" idx="23"/>
-          </p:nvPr>
-        </p:nvSpPr>
-        <p:spPr/>
-        <p:txBody>
-          <a:bodyPr/>
-          <a:lstStyle/>
-          <a:p>
-            <a:r>
-              <a:rPr lang="en-US" dirty="0" err="1"/>
-              <a:t>Dockerfile</a:t>
-            </a:r>
-            <a:endParaRPr lang="de-AT" dirty="0"/>
-          </a:p>
-        </p:txBody>
-      </p:sp>
-      <p:sp>
-        <p:nvSpPr>
-          <p:cNvPr id="5" name="Textplatzhalter 4"/>
-          <p:cNvSpPr>
-            <a:spLocks noGrp="1"/>
-          </p:cNvSpPr>
-          <p:nvPr>
-            <p:ph type="body" sz="quarter" idx="24"/>
-          </p:nvPr>
-        </p:nvSpPr>
-        <p:spPr/>
-        <p:txBody>
-          <a:bodyPr/>
-          <a:lstStyle/>
-          <a:p>
-            <a:endParaRPr lang="de-AT"/>
-          </a:p>
-        </p:txBody>
-      </p:sp>
-      <p:sp>
-        <p:nvSpPr>
-          <p:cNvPr id="6" name="Textplatzhalter 5"/>
+          <p:cNvPr id="3" name="Textplatzhalter 2"/>
           <p:cNvSpPr>
             <a:spLocks noGrp="1"/>
           </p:cNvSpPr>
@@ -45702,724 +46031,45 @@
           <a:p>
             <a:r>
               <a:rPr lang="en-US" dirty="0"/>
-              <a:t>Sample files see </a:t>
-            </a:r>
-            <a:r>
-              <a:rPr lang="en-US" dirty="0">
-                <a:hlinkClick r:id="rId2"/>
-              </a:rPr>
-              <a:t>https://github.com/rstropek/DockerVS2015Intro/tree/master/dockerDemos/04-aspnet</a:t>
-            </a:r>
-            <a:r>
-              <a:rPr lang="en-US" dirty="0"/>
-              <a:t> </a:t>
-            </a:r>
-            <a:endParaRPr lang="de-AT" dirty="0"/>
+              <a:t>Running ASP.NET in Docker (</a:t>
+            </a:r>
+            <a:r>
+              <a:rPr lang="en-US" i="1" dirty="0"/>
+              <a:t>Docker-and-dot-net.pptx</a:t>
+            </a:r>
+            <a:r>
+              <a:rPr lang="en-US" dirty="0"/>
+              <a:t>)</a:t>
+            </a:r>
           </a:p>
         </p:txBody>
       </p:sp>
     </p:spTree>
     <p:extLst>
       <p:ext uri="{BB962C8B-B14F-4D97-AF65-F5344CB8AC3E}">
-        <p14:creationId xmlns:p14="http://schemas.microsoft.com/office/powerpoint/2010/main" val="906093209"/>
+        <p14:creationId xmlns:p14="http://schemas.microsoft.com/office/powerpoint/2010/main" val="286049027"/>
       </p:ext>
     </p:extLst>
   </p:cSld>
   <p:clrMapOvr>
     <a:masterClrMapping/>
   </p:clrMapOvr>
-  <p:transition spd="slow">
-    <p:push/>
-  </p:transition>
+  <mc:AlternateContent xmlns:mc="http://schemas.openxmlformats.org/markup-compatibility/2006" xmlns:p14="http://schemas.microsoft.com/office/powerpoint/2010/main">
+    <mc:Choice Requires="p14">
+      <p:transition spd="med" p14:dur="700">
+        <p:fade/>
+      </p:transition>
+    </mc:Choice>
+    <mc:Fallback xmlns="">
+      <p:transition spd="med">
+        <p:fade/>
+      </p:transition>
+    </mc:Fallback>
+  </mc:AlternateContent>
 </p:sld>
 </file>
 
 <file path=ppt/slides/slide54.xml><?xml version="1.0" encoding="utf-8"?>
-<p:sld xmlns:a="http://schemas.openxmlformats.org/drawingml/2006/main" xmlns:r="http://schemas.openxmlformats.org/officeDocument/2006/relationships" xmlns:p="http://schemas.openxmlformats.org/presentationml/2006/main">
-  <p:cSld>
-    <p:spTree>
-      <p:nvGrpSpPr>
-        <p:cNvPr id="1" name=""/>
-        <p:cNvGrpSpPr/>
-        <p:nvPr/>
-      </p:nvGrpSpPr>
-      <p:grpSpPr>
-        <a:xfrm>
-          <a:off x="0" y="0"/>
-          <a:ext cx="0" cy="0"/>
-          <a:chOff x="0" y="0"/>
-          <a:chExt cx="0" cy="0"/>
-        </a:xfrm>
-      </p:grpSpPr>
-      <p:sp>
-        <p:nvSpPr>
-          <p:cNvPr id="2" name="Titel 1"/>
-          <p:cNvSpPr>
-            <a:spLocks noGrp="1"/>
-          </p:cNvSpPr>
-          <p:nvPr>
-            <p:ph type="title"/>
-          </p:nvPr>
-        </p:nvSpPr>
-        <p:spPr/>
-        <p:txBody>
-          <a:bodyPr/>
-          <a:lstStyle/>
-          <a:p>
-            <a:r>
-              <a:rPr lang="en-US" dirty="0"/>
-              <a:t>Simple ASP.NET</a:t>
-            </a:r>
-            <a:endParaRPr lang="de-AT" dirty="0"/>
-          </a:p>
-        </p:txBody>
-      </p:sp>
-      <p:sp>
-        <p:nvSpPr>
-          <p:cNvPr id="3" name="Inhaltsplatzhalter 2"/>
-          <p:cNvSpPr>
-            <a:spLocks noGrp="1"/>
-          </p:cNvSpPr>
-          <p:nvPr>
-            <p:ph sz="quarter" idx="22"/>
-          </p:nvPr>
-        </p:nvSpPr>
-        <p:spPr/>
-        <p:txBody>
-          <a:bodyPr/>
-          <a:lstStyle/>
-          <a:p>
-            <a:r>
-              <a:rPr lang="en-US" dirty="0"/>
-              <a:t># Generate an ASP.NET web app</a:t>
-            </a:r>
-          </a:p>
-          <a:p>
-            <a:r>
-              <a:rPr lang="en-US" dirty="0" err="1"/>
-              <a:t>yo</a:t>
-            </a:r>
-            <a:r>
-              <a:rPr lang="en-US" dirty="0"/>
-              <a:t> </a:t>
-            </a:r>
-            <a:r>
-              <a:rPr lang="en-US" dirty="0" err="1"/>
-              <a:t>aspnet</a:t>
-            </a:r>
-            <a:r>
-              <a:rPr lang="en-US" dirty="0"/>
-              <a:t> </a:t>
-            </a:r>
-            <a:r>
-              <a:rPr lang="en-US" dirty="0" err="1"/>
-              <a:t>webbasic</a:t>
-            </a:r>
-            <a:r>
-              <a:rPr lang="en-US" dirty="0"/>
-              <a:t> "my-web"</a:t>
-            </a:r>
-          </a:p>
-          <a:p>
-            <a:endParaRPr lang="en-US" dirty="0"/>
-          </a:p>
-          <a:p>
-            <a:r>
-              <a:rPr lang="en-US" dirty="0"/>
-              <a:t># Add “</a:t>
-            </a:r>
-            <a:r>
-              <a:rPr lang="de-AT" dirty="0"/>
-              <a:t>--</a:t>
-            </a:r>
-            <a:r>
-              <a:rPr lang="de-AT" dirty="0" err="1"/>
-              <a:t>server.urls</a:t>
-            </a:r>
-            <a:r>
-              <a:rPr lang="de-AT" dirty="0"/>
-              <a:t>=http://*:5000/“ </a:t>
-            </a:r>
-            <a:r>
-              <a:rPr lang="de-AT" dirty="0" err="1"/>
-              <a:t>to</a:t>
-            </a:r>
-            <a:r>
-              <a:rPr lang="de-AT" dirty="0"/>
-              <a:t> </a:t>
-            </a:r>
-            <a:r>
-              <a:rPr lang="de-AT" dirty="0" err="1"/>
-              <a:t>project.json</a:t>
-            </a:r>
-            <a:r>
-              <a:rPr lang="de-AT" dirty="0"/>
-              <a:t> so</a:t>
-            </a:r>
-          </a:p>
-          <a:p>
-            <a:r>
-              <a:rPr lang="en-US" dirty="0"/>
-              <a:t># that ASP.NET listens not only on localhost</a:t>
-            </a:r>
-          </a:p>
-          <a:p>
-            <a:endParaRPr lang="en-US" dirty="0"/>
-          </a:p>
-          <a:p>
-            <a:r>
-              <a:rPr lang="en-US" dirty="0"/>
-              <a:t># Build image with sample app</a:t>
-            </a:r>
-          </a:p>
-          <a:p>
-            <a:r>
-              <a:rPr lang="de-AT" dirty="0" err="1"/>
-              <a:t>docker</a:t>
-            </a:r>
-            <a:r>
-              <a:rPr lang="de-AT" dirty="0"/>
-              <a:t> </a:t>
-            </a:r>
-            <a:r>
-              <a:rPr lang="de-AT" dirty="0" err="1"/>
-              <a:t>build</a:t>
-            </a:r>
-            <a:r>
-              <a:rPr lang="de-AT" dirty="0"/>
-              <a:t> -t </a:t>
-            </a:r>
-            <a:r>
-              <a:rPr lang="de-AT" dirty="0" err="1"/>
-              <a:t>rainer:myweb</a:t>
-            </a:r>
-            <a:r>
-              <a:rPr lang="de-AT" dirty="0"/>
-              <a:t> .</a:t>
-            </a:r>
-          </a:p>
-          <a:p>
-            <a:endParaRPr lang="en-US" dirty="0"/>
-          </a:p>
-          <a:p>
-            <a:r>
-              <a:rPr lang="en-US" dirty="0"/>
-              <a:t># Run ASP.NET container</a:t>
-            </a:r>
-          </a:p>
-          <a:p>
-            <a:r>
-              <a:rPr lang="de-AT" dirty="0" err="1"/>
-              <a:t>docker</a:t>
-            </a:r>
-            <a:r>
-              <a:rPr lang="de-AT" dirty="0"/>
-              <a:t> </a:t>
-            </a:r>
-            <a:r>
-              <a:rPr lang="de-AT" dirty="0" err="1"/>
-              <a:t>run</a:t>
-            </a:r>
-            <a:r>
-              <a:rPr lang="de-AT" dirty="0"/>
-              <a:t> -d -p 80:5000 </a:t>
-            </a:r>
-            <a:r>
-              <a:rPr lang="de-AT" dirty="0" err="1"/>
-              <a:t>rainer:myweb</a:t>
-            </a:r>
-            <a:endParaRPr lang="de-AT" dirty="0"/>
-          </a:p>
-        </p:txBody>
-      </p:sp>
-      <p:sp>
-        <p:nvSpPr>
-          <p:cNvPr id="4" name="Textplatzhalter 3"/>
-          <p:cNvSpPr>
-            <a:spLocks noGrp="1"/>
-          </p:cNvSpPr>
-          <p:nvPr>
-            <p:ph type="body" sz="quarter" idx="23"/>
-          </p:nvPr>
-        </p:nvSpPr>
-        <p:spPr/>
-        <p:txBody>
-          <a:bodyPr/>
-          <a:lstStyle/>
-          <a:p>
-            <a:endParaRPr lang="de-AT"/>
-          </a:p>
-        </p:txBody>
-      </p:sp>
-      <p:sp>
-        <p:nvSpPr>
-          <p:cNvPr id="5" name="Textplatzhalter 4"/>
-          <p:cNvSpPr>
-            <a:spLocks noGrp="1"/>
-          </p:cNvSpPr>
-          <p:nvPr>
-            <p:ph type="body" sz="quarter" idx="24"/>
-          </p:nvPr>
-        </p:nvSpPr>
-        <p:spPr/>
-        <p:txBody>
-          <a:bodyPr/>
-          <a:lstStyle/>
-          <a:p>
-            <a:endParaRPr lang="de-AT"/>
-          </a:p>
-        </p:txBody>
-      </p:sp>
-      <p:sp>
-        <p:nvSpPr>
-          <p:cNvPr id="6" name="Textplatzhalter 5"/>
-          <p:cNvSpPr>
-            <a:spLocks noGrp="1"/>
-          </p:cNvSpPr>
-          <p:nvPr>
-            <p:ph type="body" sz="quarter" idx="25"/>
-          </p:nvPr>
-        </p:nvSpPr>
-        <p:spPr/>
-        <p:txBody>
-          <a:bodyPr/>
-          <a:lstStyle/>
-          <a:p>
-            <a:r>
-              <a:rPr lang="en-US" dirty="0"/>
-              <a:t>Sample files see </a:t>
-            </a:r>
-            <a:r>
-              <a:rPr lang="en-US" dirty="0">
-                <a:hlinkClick r:id="rId2"/>
-              </a:rPr>
-              <a:t>https://</a:t>
-            </a:r>
-            <a:r>
-              <a:rPr lang="en-US">
-                <a:hlinkClick r:id="rId2"/>
-              </a:rPr>
-              <a:t>github.com/rstropek/DockerVS2015Intro/tree/master/dockerDemos/04-aspnet</a:t>
-            </a:r>
-            <a:r>
-              <a:rPr lang="en-US"/>
-              <a:t> </a:t>
-            </a:r>
-            <a:endParaRPr lang="de-AT"/>
-          </a:p>
-        </p:txBody>
-      </p:sp>
-    </p:spTree>
-    <p:extLst>
-      <p:ext uri="{BB962C8B-B14F-4D97-AF65-F5344CB8AC3E}">
-        <p14:creationId xmlns:p14="http://schemas.microsoft.com/office/powerpoint/2010/main" val="3273169084"/>
-      </p:ext>
-    </p:extLst>
-  </p:cSld>
-  <p:clrMapOvr>
-    <a:masterClrMapping/>
-  </p:clrMapOvr>
-  <p:transition spd="slow">
-    <p:push/>
-  </p:transition>
-</p:sld>
-</file>
-
-<file path=ppt/slides/slide55.xml><?xml version="1.0" encoding="utf-8"?>
-<p:sld xmlns:a="http://schemas.openxmlformats.org/drawingml/2006/main" xmlns:r="http://schemas.openxmlformats.org/officeDocument/2006/relationships" xmlns:p="http://schemas.openxmlformats.org/presentationml/2006/main">
-  <p:cSld>
-    <p:spTree>
-      <p:nvGrpSpPr>
-        <p:cNvPr id="1" name=""/>
-        <p:cNvGrpSpPr/>
-        <p:nvPr/>
-      </p:nvGrpSpPr>
-      <p:grpSpPr>
-        <a:xfrm>
-          <a:off x="0" y="0"/>
-          <a:ext cx="0" cy="0"/>
-          <a:chOff x="0" y="0"/>
-          <a:chExt cx="0" cy="0"/>
-        </a:xfrm>
-      </p:grpSpPr>
-      <p:sp>
-        <p:nvSpPr>
-          <p:cNvPr id="4" name="Titel 3"/>
-          <p:cNvSpPr>
-            <a:spLocks noGrp="1"/>
-          </p:cNvSpPr>
-          <p:nvPr>
-            <p:ph type="title"/>
-          </p:nvPr>
-        </p:nvSpPr>
-        <p:spPr/>
-        <p:txBody>
-          <a:bodyPr/>
-          <a:lstStyle/>
-          <a:p>
-            <a:r>
-              <a:rPr lang="en-US" dirty="0"/>
-              <a:t>Dockerfile</a:t>
-            </a:r>
-          </a:p>
-        </p:txBody>
-      </p:sp>
-      <p:sp>
-        <p:nvSpPr>
-          <p:cNvPr id="5" name="Inhaltsplatzhalter 4"/>
-          <p:cNvSpPr>
-            <a:spLocks noGrp="1"/>
-          </p:cNvSpPr>
-          <p:nvPr>
-            <p:ph sz="quarter" idx="22"/>
-          </p:nvPr>
-        </p:nvSpPr>
-        <p:spPr/>
-        <p:txBody>
-          <a:bodyPr/>
-          <a:lstStyle/>
-          <a:p>
-            <a:r>
-              <a:rPr lang="en-US" dirty="0"/>
-              <a:t>FROM </a:t>
-            </a:r>
-            <a:r>
-              <a:rPr lang="en-US" dirty="0" err="1"/>
-              <a:t>microsoft</a:t>
-            </a:r>
-            <a:r>
-              <a:rPr lang="en-US" dirty="0"/>
-              <a:t>/</a:t>
-            </a:r>
-            <a:r>
-              <a:rPr lang="en-US" dirty="0" err="1"/>
-              <a:t>aspnet</a:t>
-            </a:r>
-            <a:endParaRPr lang="en-US" dirty="0"/>
-          </a:p>
-          <a:p>
-            <a:r>
-              <a:rPr lang="en-US" dirty="0"/>
-              <a:t>MAINTAINER Rainer Stropek "rainer@timecockpit.com"</a:t>
-            </a:r>
-          </a:p>
-          <a:p>
-            <a:r>
-              <a:rPr lang="en-US" dirty="0"/>
-              <a:t>ENV REFRESHED_AT 2015-01-02</a:t>
-            </a:r>
-          </a:p>
-          <a:p>
-            <a:endParaRPr lang="en-US" dirty="0"/>
-          </a:p>
-          <a:p>
-            <a:r>
-              <a:rPr lang="en-US" dirty="0"/>
-              <a:t>ENV SOURCE_DIR /app/</a:t>
-            </a:r>
-            <a:r>
-              <a:rPr lang="en-US" dirty="0" err="1"/>
-              <a:t>src</a:t>
-            </a:r>
-            <a:endParaRPr lang="en-US" dirty="0"/>
-          </a:p>
-          <a:p>
-            <a:endParaRPr lang="en-US" dirty="0"/>
-          </a:p>
-          <a:p>
-            <a:r>
-              <a:rPr lang="en-US" dirty="0"/>
-              <a:t>RUN </a:t>
-            </a:r>
-            <a:r>
-              <a:rPr lang="en-US" dirty="0" err="1"/>
-              <a:t>mkdir</a:t>
-            </a:r>
-            <a:r>
-              <a:rPr lang="en-US" dirty="0"/>
-              <a:t> -p $SOURCE_DIR</a:t>
-            </a:r>
-          </a:p>
-          <a:p>
-            <a:r>
-              <a:rPr lang="en-US" dirty="0"/>
-              <a:t>WORKDIR $SOURCE_DIR</a:t>
-            </a:r>
-          </a:p>
-          <a:p>
-            <a:endParaRPr lang="en-US" dirty="0"/>
-          </a:p>
-          <a:p>
-            <a:r>
-              <a:rPr lang="en-US" dirty="0"/>
-              <a:t>COPY refreshAndRunSample.sh $SOURCE_DIR/</a:t>
-            </a:r>
-          </a:p>
-          <a:p>
-            <a:r>
-              <a:rPr lang="en-US" dirty="0"/>
-              <a:t>RUN </a:t>
-            </a:r>
-            <a:r>
-              <a:rPr lang="en-US" dirty="0" err="1"/>
-              <a:t>chmod</a:t>
-            </a:r>
-            <a:r>
-              <a:rPr lang="en-US" dirty="0"/>
-              <a:t> </a:t>
-            </a:r>
-            <a:r>
-              <a:rPr lang="en-US" dirty="0" err="1"/>
-              <a:t>a+x</a:t>
-            </a:r>
-            <a:r>
-              <a:rPr lang="en-US" dirty="0"/>
-              <a:t> $SOURCE_DIR/refreshAndRunSample.sh</a:t>
-            </a:r>
-          </a:p>
-          <a:p>
-            <a:endParaRPr lang="en-US" dirty="0"/>
-          </a:p>
-          <a:p>
-            <a:r>
-              <a:rPr lang="en-US" dirty="0"/>
-              <a:t>RUN apt-get -</a:t>
-            </a:r>
-            <a:r>
-              <a:rPr lang="en-US" dirty="0" err="1"/>
-              <a:t>qqy</a:t>
-            </a:r>
-            <a:r>
-              <a:rPr lang="en-US" dirty="0"/>
-              <a:t> install </a:t>
-            </a:r>
-            <a:r>
-              <a:rPr lang="en-US" dirty="0" err="1"/>
-              <a:t>git</a:t>
-            </a:r>
-            <a:endParaRPr lang="en-US" dirty="0"/>
-          </a:p>
-          <a:p>
-            <a:r>
-              <a:rPr lang="en-US" dirty="0"/>
-              <a:t>RUN </a:t>
-            </a:r>
-            <a:r>
-              <a:rPr lang="en-US" dirty="0" err="1"/>
-              <a:t>git</a:t>
-            </a:r>
-            <a:r>
-              <a:rPr lang="en-US" dirty="0"/>
-              <a:t> </a:t>
-            </a:r>
-            <a:r>
-              <a:rPr lang="en-US" dirty="0" err="1"/>
-              <a:t>init</a:t>
-            </a:r>
-            <a:r>
-              <a:rPr lang="en-US" dirty="0"/>
-              <a:t> \</a:t>
-            </a:r>
-          </a:p>
-          <a:p>
-            <a:r>
-              <a:rPr lang="en-US" dirty="0"/>
-              <a:t> &amp;&amp; </a:t>
-            </a:r>
-            <a:r>
-              <a:rPr lang="en-US" dirty="0" err="1"/>
-              <a:t>git</a:t>
-            </a:r>
-            <a:r>
-              <a:rPr lang="en-US" dirty="0"/>
-              <a:t> pull https://github.com/aspnet/Home.git \</a:t>
-            </a:r>
-          </a:p>
-          <a:p>
-            <a:r>
-              <a:rPr lang="en-US" dirty="0"/>
-              <a:t> &amp;&amp; cd  samples/</a:t>
-            </a:r>
-            <a:r>
-              <a:rPr lang="en-US" dirty="0" err="1"/>
-              <a:t>HelloMvc</a:t>
-            </a:r>
-            <a:r>
-              <a:rPr lang="en-US" dirty="0"/>
-              <a:t>/ \</a:t>
-            </a:r>
-          </a:p>
-          <a:p>
-            <a:r>
-              <a:rPr lang="en-US" dirty="0"/>
-              <a:t> &amp;&amp; </a:t>
-            </a:r>
-            <a:r>
-              <a:rPr lang="en-US" dirty="0" err="1"/>
-              <a:t>kpm</a:t>
-            </a:r>
-            <a:r>
-              <a:rPr lang="en-US" dirty="0"/>
-              <a:t> restore</a:t>
-            </a:r>
-          </a:p>
-          <a:p>
-            <a:endParaRPr lang="en-US" dirty="0"/>
-          </a:p>
-          <a:p>
-            <a:r>
-              <a:rPr lang="en-US" dirty="0"/>
-              <a:t>ENTRYPOINT ["/app/</a:t>
-            </a:r>
-            <a:r>
-              <a:rPr lang="en-US" dirty="0" err="1"/>
-              <a:t>src</a:t>
-            </a:r>
-            <a:r>
-              <a:rPr lang="en-US" dirty="0"/>
-              <a:t>/refreshAndRunSample.sh"]</a:t>
-            </a:r>
-          </a:p>
-        </p:txBody>
-      </p:sp>
-      <p:sp>
-        <p:nvSpPr>
-          <p:cNvPr id="6" name="Textplatzhalter 5"/>
-          <p:cNvSpPr>
-            <a:spLocks noGrp="1"/>
-          </p:cNvSpPr>
-          <p:nvPr>
-            <p:ph type="body" sz="quarter" idx="23"/>
-          </p:nvPr>
-        </p:nvSpPr>
-        <p:spPr/>
-        <p:txBody>
-          <a:bodyPr/>
-          <a:lstStyle/>
-          <a:p>
-            <a:endParaRPr lang="en-US" dirty="0"/>
-          </a:p>
-        </p:txBody>
-      </p:sp>
-      <p:sp>
-        <p:nvSpPr>
-          <p:cNvPr id="7" name="Textplatzhalter 6"/>
-          <p:cNvSpPr>
-            <a:spLocks noGrp="1"/>
-          </p:cNvSpPr>
-          <p:nvPr>
-            <p:ph type="body" sz="quarter" idx="24"/>
-          </p:nvPr>
-        </p:nvSpPr>
-        <p:spPr/>
-        <p:txBody>
-          <a:bodyPr/>
-          <a:lstStyle/>
-          <a:p>
-            <a:r>
-              <a:rPr lang="en-US" sz="1600" dirty="0"/>
-              <a:t>Base image: </a:t>
-            </a:r>
-            <a:r>
-              <a:rPr lang="en-US" sz="1600" dirty="0">
-                <a:hlinkClick r:id="rId2"/>
-              </a:rPr>
-              <a:t>https://registry.hub.docker.com/u/microsoft/aspnet/</a:t>
-            </a:r>
-            <a:endParaRPr lang="en-US" sz="1600" dirty="0"/>
-          </a:p>
-          <a:p>
-            <a:r>
-              <a:rPr lang="en-US" sz="1600" dirty="0"/>
-              <a:t>Run container</a:t>
-            </a:r>
-          </a:p>
-          <a:p>
-            <a:pPr lvl="1"/>
-            <a:r>
-              <a:rPr lang="de-AT" sz="1200" dirty="0" err="1">
-                <a:latin typeface="Courier New" panose="02070309020205020404" pitchFamily="49" charset="0"/>
-                <a:cs typeface="Courier New" panose="02070309020205020404" pitchFamily="49" charset="0"/>
-              </a:rPr>
-              <a:t>docker</a:t>
-            </a:r>
-            <a:r>
-              <a:rPr lang="de-AT" sz="1200" dirty="0">
-                <a:latin typeface="Courier New" panose="02070309020205020404" pitchFamily="49" charset="0"/>
-                <a:cs typeface="Courier New" panose="02070309020205020404" pitchFamily="49" charset="0"/>
-              </a:rPr>
-              <a:t> </a:t>
-            </a:r>
-            <a:r>
-              <a:rPr lang="de-AT" sz="1200" dirty="0" err="1">
-                <a:latin typeface="Courier New" panose="02070309020205020404" pitchFamily="49" charset="0"/>
-                <a:cs typeface="Courier New" panose="02070309020205020404" pitchFamily="49" charset="0"/>
-              </a:rPr>
-              <a:t>run</a:t>
-            </a:r>
-            <a:r>
-              <a:rPr lang="de-AT" sz="1200" dirty="0">
-                <a:latin typeface="Courier New" panose="02070309020205020404" pitchFamily="49" charset="0"/>
-                <a:cs typeface="Courier New" panose="02070309020205020404" pitchFamily="49" charset="0"/>
-              </a:rPr>
-              <a:t> -d -t </a:t>
-            </a:r>
-            <a:br>
-              <a:rPr lang="de-AT" sz="1200" dirty="0">
-                <a:latin typeface="Courier New" panose="02070309020205020404" pitchFamily="49" charset="0"/>
-                <a:cs typeface="Courier New" panose="02070309020205020404" pitchFamily="49" charset="0"/>
-              </a:rPr>
-            </a:br>
-            <a:r>
-              <a:rPr lang="de-AT" sz="1200" dirty="0">
-                <a:latin typeface="Courier New" panose="02070309020205020404" pitchFamily="49" charset="0"/>
-                <a:cs typeface="Courier New" panose="02070309020205020404" pitchFamily="49" charset="0"/>
-              </a:rPr>
-              <a:t>-p 80:5004 aspnet-beta8</a:t>
-            </a:r>
-            <a:endParaRPr lang="en-US" sz="1200" dirty="0">
-              <a:latin typeface="Courier New" panose="02070309020205020404" pitchFamily="49" charset="0"/>
-              <a:cs typeface="Courier New" panose="02070309020205020404" pitchFamily="49" charset="0"/>
-            </a:endParaRPr>
-          </a:p>
-        </p:txBody>
-      </p:sp>
-      <p:sp>
-        <p:nvSpPr>
-          <p:cNvPr id="8" name="Textplatzhalter 7"/>
-          <p:cNvSpPr>
-            <a:spLocks noGrp="1"/>
-          </p:cNvSpPr>
-          <p:nvPr>
-            <p:ph type="body" sz="quarter" idx="25"/>
-          </p:nvPr>
-        </p:nvSpPr>
-        <p:spPr/>
-        <p:txBody>
-          <a:bodyPr/>
-          <a:lstStyle/>
-          <a:p>
-            <a:endParaRPr lang="en-US"/>
-          </a:p>
-        </p:txBody>
-      </p:sp>
-    </p:spTree>
-    <p:extLst>
-      <p:ext uri="{BB962C8B-B14F-4D97-AF65-F5344CB8AC3E}">
-        <p14:creationId xmlns:p14="http://schemas.microsoft.com/office/powerpoint/2010/main" val="2187140522"/>
-      </p:ext>
-    </p:extLst>
-  </p:cSld>
-  <p:clrMapOvr>
-    <a:masterClrMapping/>
-  </p:clrMapOvr>
-  <p:transition spd="slow">
-    <p:push/>
-  </p:transition>
-</p:sld>
-</file>
-
-<file path=ppt/slides/slide56.xml><?xml version="1.0" encoding="utf-8"?>
 <p:sld xmlns:a="http://schemas.openxmlformats.org/drawingml/2006/main" xmlns:r="http://schemas.openxmlformats.org/officeDocument/2006/relationships" xmlns:p="http://schemas.openxmlformats.org/presentationml/2006/main">
   <p:cSld>
     <p:spTree>
@@ -46566,7 +46216,7 @@
 </p:sld>
 </file>
 
-<file path=ppt/slides/slide57.xml><?xml version="1.0" encoding="utf-8"?>
+<file path=ppt/slides/slide55.xml><?xml version="1.0" encoding="utf-8"?>
 <p:sld xmlns:a="http://schemas.openxmlformats.org/drawingml/2006/main" xmlns:r="http://schemas.openxmlformats.org/officeDocument/2006/relationships" xmlns:p="http://schemas.openxmlformats.org/presentationml/2006/main">
   <p:cSld>
     <p:spTree>
@@ -46935,7 +46585,7 @@
               <a:rPr lang="en-US" dirty="0">
                 <a:hlinkClick r:id="rId2"/>
               </a:rPr>
-              <a:t>MSDN</a:t>
+              <a:t>Microsoft Docs</a:t>
             </a:r>
             <a:endParaRPr lang="en-US" dirty="0"/>
           </a:p>
@@ -47971,7 +47621,38 @@
       </p:grpSpPr>
       <p:sp>
         <p:nvSpPr>
-          <p:cNvPr id="2" name="Titel 1"/>
+          <p:cNvPr id="3" name="Text Placeholder 2">
+            <a:extLst>
+              <a:ext uri="{FF2B5EF4-FFF2-40B4-BE49-F238E27FC236}">
+                <a16:creationId xmlns:a16="http://schemas.microsoft.com/office/drawing/2014/main" id="{ABBB4266-8805-4A7B-8350-4FFF8E711331}"/>
+              </a:ext>
+            </a:extLst>
+          </p:cNvPr>
+          <p:cNvSpPr>
+            <a:spLocks noGrp="1"/>
+          </p:cNvSpPr>
+          <p:nvPr>
+            <p:ph type="body" sz="quarter" idx="23"/>
+          </p:nvPr>
+        </p:nvSpPr>
+        <p:spPr/>
+        <p:txBody>
+          <a:bodyPr/>
+          <a:lstStyle/>
+          <a:p>
+            <a:endParaRPr lang="de-AT"/>
+          </a:p>
+        </p:txBody>
+      </p:sp>
+      <p:sp>
+        <p:nvSpPr>
+          <p:cNvPr id="4" name="Title 3">
+            <a:extLst>
+              <a:ext uri="{FF2B5EF4-FFF2-40B4-BE49-F238E27FC236}">
+                <a16:creationId xmlns:a16="http://schemas.microsoft.com/office/drawing/2014/main" id="{E8EFAD18-2CA2-4892-BC4C-8E374352DAE3}"/>
+              </a:ext>
+            </a:extLst>
+          </p:cNvPr>
           <p:cNvSpPr>
             <a:spLocks noGrp="1"/>
           </p:cNvSpPr>
@@ -47985,20 +47666,30 @@
           <a:lstStyle/>
           <a:p>
             <a:r>
-              <a:rPr lang="en-US" dirty="0"/>
-              <a:t>What’s Docker?</a:t>
+              <a:rPr lang="de-AT" dirty="0" err="1"/>
+              <a:t>What‘s</a:t>
+            </a:r>
+            <a:r>
+              <a:rPr lang="de-AT" dirty="0"/>
+              <a:t> Docker?</a:t>
             </a:r>
           </a:p>
         </p:txBody>
       </p:sp>
       <p:sp>
         <p:nvSpPr>
-          <p:cNvPr id="3" name="Inhaltsplatzhalter 2"/>
+          <p:cNvPr id="5" name="Text Placeholder 4">
+            <a:extLst>
+              <a:ext uri="{FF2B5EF4-FFF2-40B4-BE49-F238E27FC236}">
+                <a16:creationId xmlns:a16="http://schemas.microsoft.com/office/drawing/2014/main" id="{CDC091C2-0B59-4EDA-9D1F-667534B56EF6}"/>
+              </a:ext>
+            </a:extLst>
+          </p:cNvPr>
           <p:cNvSpPr>
             <a:spLocks noGrp="1"/>
           </p:cNvSpPr>
           <p:nvPr>
-            <p:ph sz="quarter" idx="12"/>
+            <p:ph type="body" sz="quarter" idx="25"/>
           </p:nvPr>
         </p:nvSpPr>
         <p:spPr/>
@@ -48007,91 +47698,109 @@
           <a:lstStyle/>
           <a:p>
             <a:r>
-              <a:rPr lang="en-US" sz="2000" dirty="0"/>
-              <a:t>Command line tool, REST services</a:t>
-            </a:r>
-          </a:p>
-          <a:p>
-            <a:pPr lvl="1"/>
-            <a:r>
-              <a:rPr lang="en-US" sz="1400" dirty="0"/>
-              <a:t>Docker client can manage remote Docker daemon</a:t>
-            </a:r>
-          </a:p>
-          <a:p>
-            <a:r>
-              <a:rPr lang="en-US" sz="2000" dirty="0"/>
-              <a:t>Container packaging format</a:t>
-            </a:r>
-          </a:p>
-          <a:p>
-            <a:r>
-              <a:rPr lang="en-US" sz="2000" dirty="0" err="1">
+              <a:rPr lang="de-AT" dirty="0"/>
+              <a:t>Image Source: </a:t>
+            </a:r>
+            <a:r>
+              <a:rPr lang="de-AT" dirty="0">
                 <a:hlinkClick r:id="rId2"/>
               </a:rPr>
-              <a:t>Dockerfiles</a:t>
-            </a:r>
-            <a:r>
-              <a:rPr lang="en-US" sz="2000" dirty="0"/>
-              <a:t> for image creation from source code</a:t>
-            </a:r>
-          </a:p>
-          <a:p>
-            <a:r>
-              <a:rPr lang="en-US" sz="2000" dirty="0"/>
-              <a:t>Version management for images</a:t>
-            </a:r>
-          </a:p>
-          <a:p>
-            <a:pPr lvl="1"/>
-            <a:r>
-              <a:rPr lang="en-US" sz="1400" dirty="0"/>
-              <a:t>Images can be based on images</a:t>
-            </a:r>
-          </a:p>
-          <a:p>
-            <a:r>
-              <a:rPr lang="en-US" sz="2000" dirty="0"/>
-              <a:t>Docker Hub: Platform to exchange images and </a:t>
-            </a:r>
-            <a:r>
-              <a:rPr lang="en-US" sz="2000" dirty="0" err="1"/>
-              <a:t>Dockerfiles</a:t>
-            </a:r>
-            <a:endParaRPr lang="en-US" sz="2000" dirty="0"/>
-          </a:p>
-          <a:p>
-            <a:pPr lvl="1"/>
-            <a:r>
-              <a:rPr lang="en-US" sz="1400" dirty="0"/>
-              <a:t>Publishing on Docker Hub is not in scope of this talk</a:t>
-            </a:r>
+              <a:t>https://docs.docker.com/engine/docker-overview/#docker-architecture</a:t>
+            </a:r>
+            <a:endParaRPr lang="de-AT" dirty="0"/>
           </a:p>
         </p:txBody>
       </p:sp>
-      <p:sp>
-        <p:nvSpPr>
-          <p:cNvPr id="4" name="Textplatzhalter 3"/>
-          <p:cNvSpPr>
-            <a:spLocks noGrp="1"/>
-          </p:cNvSpPr>
+      <p:pic>
+        <p:nvPicPr>
+          <p:cNvPr id="2050" name="Picture 2" descr="Docker Engine Components Flow">
+            <a:extLst>
+              <a:ext uri="{FF2B5EF4-FFF2-40B4-BE49-F238E27FC236}">
+                <a16:creationId xmlns:a16="http://schemas.microsoft.com/office/drawing/2014/main" id="{7297F9CF-0C42-4844-AEF1-17A3744BAC16}"/>
+              </a:ext>
+            </a:extLst>
+          </p:cNvPr>
+          <p:cNvPicPr>
+            <a:picLocks noGrp="1" noChangeAspect="1" noChangeArrowheads="1"/>
+          </p:cNvPicPr>
           <p:nvPr>
-            <p:ph type="body" sz="quarter" idx="23"/>
+            <p:ph sz="quarter" idx="22"/>
           </p:nvPr>
-        </p:nvSpPr>
-        <p:spPr/>
-        <p:txBody>
-          <a:bodyPr/>
-          <a:lstStyle/>
-          <a:p>
-            <a:endParaRPr lang="en-US"/>
-          </a:p>
-        </p:txBody>
-      </p:sp>
+        </p:nvPicPr>
+        <p:blipFill>
+          <a:blip r:embed="rId3" cstate="email">
+            <a:extLst>
+              <a:ext uri="{28A0092B-C50C-407E-A947-70E740481C1C}">
+                <a14:useLocalDpi xmlns:a14="http://schemas.microsoft.com/office/drawing/2010/main" val="0"/>
+              </a:ext>
+            </a:extLst>
+          </a:blip>
+          <a:srcRect/>
+          <a:stretch>
+            <a:fillRect/>
+          </a:stretch>
+        </p:blipFill>
+        <p:spPr bwMode="auto">
+          <a:xfrm>
+            <a:off x="0" y="556446"/>
+            <a:ext cx="3746807" cy="2931953"/>
+          </a:xfrm>
+          <a:prstGeom prst="rect">
+            <a:avLst/>
+          </a:prstGeom>
+          <a:noFill/>
+          <a:extLst>
+            <a:ext uri="{909E8E84-426E-40DD-AFC4-6F175D3DCCD1}">
+              <a14:hiddenFill xmlns:a14="http://schemas.microsoft.com/office/drawing/2010/main">
+                <a:solidFill>
+                  <a:srgbClr val="FFFFFF"/>
+                </a:solidFill>
+              </a14:hiddenFill>
+            </a:ext>
+          </a:extLst>
+        </p:spPr>
+      </p:pic>
+      <p:pic>
+        <p:nvPicPr>
+          <p:cNvPr id="8" name="Picture 7">
+            <a:extLst>
+              <a:ext uri="{FF2B5EF4-FFF2-40B4-BE49-F238E27FC236}">
+                <a16:creationId xmlns:a16="http://schemas.microsoft.com/office/drawing/2014/main" id="{C39EA6CB-4A27-463A-894C-344B3F3852F5}"/>
+              </a:ext>
+            </a:extLst>
+          </p:cNvPr>
+          <p:cNvPicPr>
+            <a:picLocks noChangeAspect="1"/>
+          </p:cNvPicPr>
+          <p:nvPr/>
+        </p:nvPicPr>
+        <p:blipFill rotWithShape="1">
+          <a:blip r:embed="rId4"/>
+          <a:srcRect l="1077" r="-624"/>
+          <a:stretch/>
+        </p:blipFill>
+        <p:spPr>
+          <a:xfrm>
+            <a:off x="3746806" y="556446"/>
+            <a:ext cx="5397193" cy="2931953"/>
+          </a:xfrm>
+          <a:prstGeom prst="rect">
+            <a:avLst/>
+          </a:prstGeom>
+          <a:solidFill>
+            <a:schemeClr val="bg1"/>
+          </a:solidFill>
+          <a:ln>
+            <a:solidFill>
+              <a:schemeClr val="bg1"/>
+            </a:solidFill>
+          </a:ln>
+        </p:spPr>
+      </p:pic>
     </p:spTree>
     <p:extLst>
       <p:ext uri="{BB962C8B-B14F-4D97-AF65-F5344CB8AC3E}">
-        <p14:creationId xmlns:p14="http://schemas.microsoft.com/office/powerpoint/2010/main" val="2612317688"/>
+        <p14:creationId xmlns:p14="http://schemas.microsoft.com/office/powerpoint/2010/main" val="3431379336"/>
       </p:ext>
     </p:extLst>
   </p:cSld>
@@ -48099,7 +47808,7 @@
     <a:masterClrMapping/>
   </p:clrMapOvr>
   <p:transition spd="slow">
-    <p:push/>
+    <p:push dir="u"/>
   </p:transition>
 </p:sld>
 </file>
@@ -48123,7 +47832,7 @@
       </p:grpSpPr>
       <p:sp>
         <p:nvSpPr>
-          <p:cNvPr id="2" name="Title 1"/>
+          <p:cNvPr id="2" name="Titel 1"/>
           <p:cNvSpPr>
             <a:spLocks noGrp="1"/>
           </p:cNvSpPr>
@@ -48138,14 +47847,14 @@
           <a:p>
             <a:r>
               <a:rPr lang="en-US" dirty="0"/>
-              <a:t>What to Use Docker For?</a:t>
+              <a:t>What’s Docker?</a:t>
             </a:r>
           </a:p>
         </p:txBody>
       </p:sp>
       <p:sp>
         <p:nvSpPr>
-          <p:cNvPr id="3" name="Content Placeholder 2"/>
+          <p:cNvPr id="3" name="Inhaltsplatzhalter 2"/>
           <p:cNvSpPr>
             <a:spLocks noGrp="1"/>
           </p:cNvSpPr>
@@ -48159,83 +47868,109 @@
           <a:lstStyle/>
           <a:p>
             <a:r>
-              <a:rPr lang="en-US" dirty="0"/>
-              <a:t>Make dev/test/prod-cycle more productive</a:t>
+              <a:rPr lang="en-US" sz="2000" dirty="0"/>
+              <a:t>Docker Daemon</a:t>
             </a:r>
           </a:p>
           <a:p>
             <a:pPr lvl="1"/>
             <a:r>
-              <a:rPr lang="en-US" dirty="0"/>
-              <a:t>Developers build containers, not apps</a:t>
+              <a:rPr lang="en-US" sz="1400" dirty="0"/>
+              <a:t>Server</a:t>
+            </a:r>
+          </a:p>
+          <a:p>
+            <a:pPr>
+              <a:spcBef>
+                <a:spcPts val="1200"/>
+              </a:spcBef>
+            </a:pPr>
+            <a:r>
+              <a:rPr lang="en-US" sz="2000" dirty="0"/>
+              <a:t>Command line tool, REST services</a:t>
             </a:r>
           </a:p>
           <a:p>
             <a:pPr lvl="1"/>
             <a:r>
-              <a:rPr lang="en-US" dirty="0"/>
-              <a:t>Containerize build-, test- and CI-tools</a:t>
-            </a:r>
-          </a:p>
-          <a:p>
-            <a:r>
-              <a:rPr lang="en-US" dirty="0"/>
-              <a:t>Segregation of duties</a:t>
+              <a:rPr lang="en-US" sz="1400" dirty="0"/>
+              <a:t>Docker client can manage remote Docker daemon</a:t>
+            </a:r>
+          </a:p>
+          <a:p>
+            <a:pPr>
+              <a:spcBef>
+                <a:spcPts val="1200"/>
+              </a:spcBef>
+            </a:pPr>
+            <a:r>
+              <a:rPr lang="en-US" sz="2000" dirty="0"/>
+              <a:t>Container packaging format</a:t>
+            </a:r>
+          </a:p>
+          <a:p>
+            <a:pPr>
+              <a:spcBef>
+                <a:spcPts val="1200"/>
+              </a:spcBef>
+            </a:pPr>
+            <a:r>
+              <a:rPr lang="en-US" sz="2000" dirty="0" err="1">
+                <a:hlinkClick r:id="rId2"/>
+              </a:rPr>
+              <a:t>Dockerfiles</a:t>
+            </a:r>
+            <a:r>
+              <a:rPr lang="en-US" sz="2000" dirty="0"/>
+              <a:t> for image creation from source code</a:t>
+            </a:r>
+          </a:p>
+          <a:p>
+            <a:pPr>
+              <a:spcBef>
+                <a:spcPts val="1200"/>
+              </a:spcBef>
+            </a:pPr>
+            <a:r>
+              <a:rPr lang="en-US" sz="2000" dirty="0"/>
+              <a:t>Version management for images</a:t>
             </a:r>
           </a:p>
           <a:p>
             <a:pPr lvl="1"/>
             <a:r>
-              <a:rPr lang="en-US" dirty="0"/>
-              <a:t>Dev cares for app running in container, ops cares for managing containers</a:t>
-            </a:r>
-          </a:p>
-          <a:p>
-            <a:r>
-              <a:rPr lang="en-US" dirty="0" err="1"/>
-              <a:t>Microservices</a:t>
-            </a:r>
-            <a:endParaRPr lang="en-US" dirty="0"/>
+              <a:rPr lang="en-US" sz="1400" dirty="0"/>
+              <a:t>Images can be based on images</a:t>
+            </a:r>
+          </a:p>
+          <a:p>
+            <a:pPr>
+              <a:spcBef>
+                <a:spcPts val="1200"/>
+              </a:spcBef>
+            </a:pPr>
+            <a:r>
+              <a:rPr lang="en-US" sz="2000" dirty="0"/>
+              <a:t>Docker Hub: Platform to exchange images and </a:t>
+            </a:r>
+            <a:r>
+              <a:rPr lang="en-US" sz="2000" dirty="0" err="1"/>
+              <a:t>Dockerfiles</a:t>
+            </a:r>
+            <a:endParaRPr lang="en-US" sz="2000" dirty="0"/>
           </a:p>
           <a:p>
             <a:pPr lvl="1"/>
             <a:r>
-              <a:rPr lang="en-US" dirty="0"/>
-              <a:t>Isolate services</a:t>
-            </a:r>
-          </a:p>
-          <a:p>
-            <a:pPr lvl="1"/>
-            <a:r>
-              <a:rPr lang="en-US" dirty="0"/>
-              <a:t>Consistency across stages (dev/test/prod)</a:t>
-            </a:r>
-          </a:p>
-          <a:p>
-            <a:r>
-              <a:rPr lang="en-US" dirty="0"/>
-              <a:t>Test even complex environments locally</a:t>
-            </a:r>
-          </a:p>
-          <a:p>
-            <a:pPr lvl="1"/>
-            <a:r>
-              <a:rPr lang="en-US" dirty="0"/>
-              <a:t>Containers are lightweight </a:t>
-            </a:r>
-            <a:r>
-              <a:rPr lang="en-US" dirty="0">
-                <a:sym typeface="Wingdings" panose="05000000000000000000" pitchFamily="2" charset="2"/>
-              </a:rPr>
-              <a:t> run on rather small dev boxes</a:t>
-            </a:r>
-            <a:endParaRPr lang="en-US" dirty="0"/>
+              <a:rPr lang="en-US" sz="1400" dirty="0"/>
+              <a:t>Publishing on Docker Hub is not in scope of this talk</a:t>
+            </a:r>
           </a:p>
         </p:txBody>
       </p:sp>
       <p:sp>
         <p:nvSpPr>
-          <p:cNvPr id="4" name="Text Placeholder 3"/>
+          <p:cNvPr id="4" name="Textplatzhalter 3"/>
           <p:cNvSpPr>
             <a:spLocks noGrp="1"/>
           </p:cNvSpPr>
@@ -48248,14 +47983,14 @@
           <a:bodyPr/>
           <a:lstStyle/>
           <a:p>
-            <a:endParaRPr lang="en-US" dirty="0"/>
+            <a:endParaRPr lang="en-US"/>
           </a:p>
         </p:txBody>
       </p:sp>
     </p:spTree>
     <p:extLst>
       <p:ext uri="{BB962C8B-B14F-4D97-AF65-F5344CB8AC3E}">
-        <p14:creationId xmlns:p14="http://schemas.microsoft.com/office/powerpoint/2010/main" val="1160898887"/>
+        <p14:creationId xmlns:p14="http://schemas.microsoft.com/office/powerpoint/2010/main" val="2612317688"/>
       </p:ext>
     </p:extLst>
   </p:cSld>
@@ -48722,4 +48457,299 @@
   </a:objectDefaults>
   <a:extraClrSchemeLst/>
 </a:theme>
+</file>
+
+<file path=ppt/theme/theme3.xml><?xml version="1.0" encoding="utf-8"?>
+<a:theme xmlns:a="http://schemas.openxmlformats.org/drawingml/2006/main" name="Office Theme">
+  <a:themeElements>
+    <a:clrScheme name="Office">
+      <a:dk1>
+        <a:sysClr val="windowText" lastClr="000000"/>
+      </a:dk1>
+      <a:lt1>
+        <a:sysClr val="window" lastClr="FFFFFF"/>
+      </a:lt1>
+      <a:dk2>
+        <a:srgbClr val="44546A"/>
+      </a:dk2>
+      <a:lt2>
+        <a:srgbClr val="E7E6E6"/>
+      </a:lt2>
+      <a:accent1>
+        <a:srgbClr val="4472C4"/>
+      </a:accent1>
+      <a:accent2>
+        <a:srgbClr val="ED7D31"/>
+      </a:accent2>
+      <a:accent3>
+        <a:srgbClr val="A5A5A5"/>
+      </a:accent3>
+      <a:accent4>
+        <a:srgbClr val="FFC000"/>
+      </a:accent4>
+      <a:accent5>
+        <a:srgbClr val="5B9BD5"/>
+      </a:accent5>
+      <a:accent6>
+        <a:srgbClr val="70AD47"/>
+      </a:accent6>
+      <a:hlink>
+        <a:srgbClr val="0563C1"/>
+      </a:hlink>
+      <a:folHlink>
+        <a:srgbClr val="954F72"/>
+      </a:folHlink>
+    </a:clrScheme>
+    <a:fontScheme name="Office">
+      <a:majorFont>
+        <a:latin typeface="Calibri Light" panose="020F0302020204030204"/>
+        <a:ea typeface=""/>
+        <a:cs typeface=""/>
+        <a:font script="Jpan" typeface="游ゴシック Light"/>
+        <a:font script="Hang" typeface="맑은 고딕"/>
+        <a:font script="Hans" typeface="等线 Light"/>
+        <a:font script="Hant" typeface="新細明體"/>
+        <a:font script="Arab" typeface="Times New Roman"/>
+        <a:font script="Hebr" typeface="Times New Roman"/>
+        <a:font script="Thai" typeface="Angsana New"/>
+        <a:font script="Ethi" typeface="Nyala"/>
+        <a:font script="Beng" typeface="Vrinda"/>
+        <a:font script="Gujr" typeface="Shruti"/>
+        <a:font script="Khmr" typeface="MoolBoran"/>
+        <a:font script="Knda" typeface="Tunga"/>
+        <a:font script="Guru" typeface="Raavi"/>
+        <a:font script="Cans" typeface="Euphemia"/>
+        <a:font script="Cher" typeface="Plantagenet Cherokee"/>
+        <a:font script="Yiii" typeface="Microsoft Yi Baiti"/>
+        <a:font script="Tibt" typeface="Microsoft Himalaya"/>
+        <a:font script="Thaa" typeface="MV Boli"/>
+        <a:font script="Deva" typeface="Mangal"/>
+        <a:font script="Telu" typeface="Gautami"/>
+        <a:font script="Taml" typeface="Latha"/>
+        <a:font script="Syrc" typeface="Estrangelo Edessa"/>
+        <a:font script="Orya" typeface="Kalinga"/>
+        <a:font script="Mlym" typeface="Kartika"/>
+        <a:font script="Laoo" typeface="DokChampa"/>
+        <a:font script="Sinh" typeface="Iskoola Pota"/>
+        <a:font script="Mong" typeface="Mongolian Baiti"/>
+        <a:font script="Viet" typeface="Times New Roman"/>
+        <a:font script="Uigh" typeface="Microsoft Uighur"/>
+        <a:font script="Geor" typeface="Sylfaen"/>
+        <a:font script="Armn" typeface="Arial"/>
+        <a:font script="Bugi" typeface="Leelawadee UI"/>
+        <a:font script="Bopo" typeface="Microsoft JhengHei"/>
+        <a:font script="Java" typeface="Javanese Text"/>
+        <a:font script="Lisu" typeface="Segoe UI"/>
+        <a:font script="Mymr" typeface="Myanmar Text"/>
+        <a:font script="Nkoo" typeface="Ebrima"/>
+        <a:font script="Olck" typeface="Nirmala UI"/>
+        <a:font script="Osma" typeface="Ebrima"/>
+        <a:font script="Phag" typeface="Phagspa"/>
+        <a:font script="Syrn" typeface="Estrangelo Edessa"/>
+        <a:font script="Syrj" typeface="Estrangelo Edessa"/>
+        <a:font script="Syre" typeface="Estrangelo Edessa"/>
+        <a:font script="Sora" typeface="Nirmala UI"/>
+        <a:font script="Tale" typeface="Microsoft Tai Le"/>
+        <a:font script="Talu" typeface="Microsoft New Tai Lue"/>
+        <a:font script="Tfng" typeface="Ebrima"/>
+      </a:majorFont>
+      <a:minorFont>
+        <a:latin typeface="Calibri" panose="020F0502020204030204"/>
+        <a:ea typeface=""/>
+        <a:cs typeface=""/>
+        <a:font script="Jpan" typeface="游ゴシック"/>
+        <a:font script="Hang" typeface="맑은 고딕"/>
+        <a:font script="Hans" typeface="等线"/>
+        <a:font script="Hant" typeface="新細明體"/>
+        <a:font script="Arab" typeface="Arial"/>
+        <a:font script="Hebr" typeface="Arial"/>
+        <a:font script="Thai" typeface="Cordia New"/>
+        <a:font script="Ethi" typeface="Nyala"/>
+        <a:font script="Beng" typeface="Vrinda"/>
+        <a:font script="Gujr" typeface="Shruti"/>
+        <a:font script="Khmr" typeface="DaunPenh"/>
+        <a:font script="Knda" typeface="Tunga"/>
+        <a:font script="Guru" typeface="Raavi"/>
+        <a:font script="Cans" typeface="Euphemia"/>
+        <a:font script="Cher" typeface="Plantagenet Cherokee"/>
+        <a:font script="Yiii" typeface="Microsoft Yi Baiti"/>
+        <a:font script="Tibt" typeface="Microsoft Himalaya"/>
+        <a:font script="Thaa" typeface="MV Boli"/>
+        <a:font script="Deva" typeface="Mangal"/>
+        <a:font script="Telu" typeface="Gautami"/>
+        <a:font script="Taml" typeface="Latha"/>
+        <a:font script="Syrc" typeface="Estrangelo Edessa"/>
+        <a:font script="Orya" typeface="Kalinga"/>
+        <a:font script="Mlym" typeface="Kartika"/>
+        <a:font script="Laoo" typeface="DokChampa"/>
+        <a:font script="Sinh" typeface="Iskoola Pota"/>
+        <a:font script="Mong" typeface="Mongolian Baiti"/>
+        <a:font script="Viet" typeface="Arial"/>
+        <a:font script="Uigh" typeface="Microsoft Uighur"/>
+        <a:font script="Geor" typeface="Sylfaen"/>
+        <a:font script="Armn" typeface="Arial"/>
+        <a:font script="Bugi" typeface="Leelawadee UI"/>
+        <a:font script="Bopo" typeface="Microsoft JhengHei"/>
+        <a:font script="Java" typeface="Javanese Text"/>
+        <a:font script="Lisu" typeface="Segoe UI"/>
+        <a:font script="Mymr" typeface="Myanmar Text"/>
+        <a:font script="Nkoo" typeface="Ebrima"/>
+        <a:font script="Olck" typeface="Nirmala UI"/>
+        <a:font script="Osma" typeface="Ebrima"/>
+        <a:font script="Phag" typeface="Phagspa"/>
+        <a:font script="Syrn" typeface="Estrangelo Edessa"/>
+        <a:font script="Syrj" typeface="Estrangelo Edessa"/>
+        <a:font script="Syre" typeface="Estrangelo Edessa"/>
+        <a:font script="Sora" typeface="Nirmala UI"/>
+        <a:font script="Tale" typeface="Microsoft Tai Le"/>
+        <a:font script="Talu" typeface="Microsoft New Tai Lue"/>
+        <a:font script="Tfng" typeface="Ebrima"/>
+      </a:minorFont>
+    </a:fontScheme>
+    <a:fmtScheme name="Office">
+      <a:fillStyleLst>
+        <a:solidFill>
+          <a:schemeClr val="phClr"/>
+        </a:solidFill>
+        <a:gradFill rotWithShape="1">
+          <a:gsLst>
+            <a:gs pos="0">
+              <a:schemeClr val="phClr">
+                <a:lumMod val="110000"/>
+                <a:satMod val="105000"/>
+                <a:tint val="67000"/>
+              </a:schemeClr>
+            </a:gs>
+            <a:gs pos="50000">
+              <a:schemeClr val="phClr">
+                <a:lumMod val="105000"/>
+                <a:satMod val="103000"/>
+                <a:tint val="73000"/>
+              </a:schemeClr>
+            </a:gs>
+            <a:gs pos="100000">
+              <a:schemeClr val="phClr">
+                <a:lumMod val="105000"/>
+                <a:satMod val="109000"/>
+                <a:tint val="81000"/>
+              </a:schemeClr>
+            </a:gs>
+          </a:gsLst>
+          <a:lin ang="5400000" scaled="0"/>
+        </a:gradFill>
+        <a:gradFill rotWithShape="1">
+          <a:gsLst>
+            <a:gs pos="0">
+              <a:schemeClr val="phClr">
+                <a:satMod val="103000"/>
+                <a:lumMod val="102000"/>
+                <a:tint val="94000"/>
+              </a:schemeClr>
+            </a:gs>
+            <a:gs pos="50000">
+              <a:schemeClr val="phClr">
+                <a:satMod val="110000"/>
+                <a:lumMod val="100000"/>
+                <a:shade val="100000"/>
+              </a:schemeClr>
+            </a:gs>
+            <a:gs pos="100000">
+              <a:schemeClr val="phClr">
+                <a:lumMod val="99000"/>
+                <a:satMod val="120000"/>
+                <a:shade val="78000"/>
+              </a:schemeClr>
+            </a:gs>
+          </a:gsLst>
+          <a:lin ang="5400000" scaled="0"/>
+        </a:gradFill>
+      </a:fillStyleLst>
+      <a:lnStyleLst>
+        <a:ln w="6350" cap="flat" cmpd="sng" algn="ctr">
+          <a:solidFill>
+            <a:schemeClr val="phClr"/>
+          </a:solidFill>
+          <a:prstDash val="solid"/>
+          <a:miter lim="800000"/>
+        </a:ln>
+        <a:ln w="12700" cap="flat" cmpd="sng" algn="ctr">
+          <a:solidFill>
+            <a:schemeClr val="phClr"/>
+          </a:solidFill>
+          <a:prstDash val="solid"/>
+          <a:miter lim="800000"/>
+        </a:ln>
+        <a:ln w="19050" cap="flat" cmpd="sng" algn="ctr">
+          <a:solidFill>
+            <a:schemeClr val="phClr"/>
+          </a:solidFill>
+          <a:prstDash val="solid"/>
+          <a:miter lim="800000"/>
+        </a:ln>
+      </a:lnStyleLst>
+      <a:effectStyleLst>
+        <a:effectStyle>
+          <a:effectLst/>
+        </a:effectStyle>
+        <a:effectStyle>
+          <a:effectLst/>
+        </a:effectStyle>
+        <a:effectStyle>
+          <a:effectLst>
+            <a:outerShdw blurRad="57150" dist="19050" dir="5400000" algn="ctr" rotWithShape="0">
+              <a:srgbClr val="000000">
+                <a:alpha val="63000"/>
+              </a:srgbClr>
+            </a:outerShdw>
+          </a:effectLst>
+        </a:effectStyle>
+      </a:effectStyleLst>
+      <a:bgFillStyleLst>
+        <a:solidFill>
+          <a:schemeClr val="phClr"/>
+        </a:solidFill>
+        <a:solidFill>
+          <a:schemeClr val="phClr">
+            <a:tint val="95000"/>
+            <a:satMod val="170000"/>
+          </a:schemeClr>
+        </a:solidFill>
+        <a:gradFill rotWithShape="1">
+          <a:gsLst>
+            <a:gs pos="0">
+              <a:schemeClr val="phClr">
+                <a:tint val="93000"/>
+                <a:satMod val="150000"/>
+                <a:shade val="98000"/>
+                <a:lumMod val="102000"/>
+              </a:schemeClr>
+            </a:gs>
+            <a:gs pos="50000">
+              <a:schemeClr val="phClr">
+                <a:tint val="98000"/>
+                <a:satMod val="130000"/>
+                <a:shade val="90000"/>
+                <a:lumMod val="103000"/>
+              </a:schemeClr>
+            </a:gs>
+            <a:gs pos="100000">
+              <a:schemeClr val="phClr">
+                <a:shade val="63000"/>
+                <a:satMod val="120000"/>
+              </a:schemeClr>
+            </a:gs>
+          </a:gsLst>
+          <a:lin ang="5400000" scaled="0"/>
+        </a:gradFill>
+      </a:bgFillStyleLst>
+    </a:fmtScheme>
+  </a:themeElements>
+  <a:objectDefaults/>
+  <a:extraClrSchemeLst/>
+  <a:extLst>
+    <a:ext uri="{05A4C25C-085E-4340-85A3-A5531E510DB2}">
+      <thm15:themeFamily xmlns:thm15="http://schemas.microsoft.com/office/thememl/2012/main" name="Office Theme" id="{62F939B6-93AF-4DB8-9C6B-D6C7DFDC589F}" vid="{4A3C46E8-61CC-4603-A589-7422A47A8E4A}"/>
+    </a:ext>
+  </a:extLst>
+</a:theme>
 </file>
--- a/slides/Docker-Workshop.pptx
+++ b/slides/Docker-Workshop.pptx
@@ -22,24 +22,24 @@
     <p:sldId id="321" r:id="rId13"/>
     <p:sldId id="273" r:id="rId14"/>
     <p:sldId id="315" r:id="rId15"/>
-    <p:sldId id="314" r:id="rId16"/>
-    <p:sldId id="319" r:id="rId17"/>
-    <p:sldId id="301" r:id="rId18"/>
-    <p:sldId id="295" r:id="rId19"/>
-    <p:sldId id="276" r:id="rId20"/>
-    <p:sldId id="325" r:id="rId21"/>
-    <p:sldId id="277" r:id="rId22"/>
-    <p:sldId id="278" r:id="rId23"/>
-    <p:sldId id="279" r:id="rId24"/>
-    <p:sldId id="280" r:id="rId25"/>
-    <p:sldId id="323" r:id="rId26"/>
-    <p:sldId id="302" r:id="rId27"/>
-    <p:sldId id="304" r:id="rId28"/>
-    <p:sldId id="303" r:id="rId29"/>
-    <p:sldId id="305" r:id="rId30"/>
-    <p:sldId id="307" r:id="rId31"/>
-    <p:sldId id="309" r:id="rId32"/>
-    <p:sldId id="310" r:id="rId33"/>
+    <p:sldId id="319" r:id="rId16"/>
+    <p:sldId id="301" r:id="rId17"/>
+    <p:sldId id="295" r:id="rId18"/>
+    <p:sldId id="276" r:id="rId19"/>
+    <p:sldId id="325" r:id="rId20"/>
+    <p:sldId id="277" r:id="rId21"/>
+    <p:sldId id="278" r:id="rId22"/>
+    <p:sldId id="279" r:id="rId23"/>
+    <p:sldId id="280" r:id="rId24"/>
+    <p:sldId id="323" r:id="rId25"/>
+    <p:sldId id="302" r:id="rId26"/>
+    <p:sldId id="304" r:id="rId27"/>
+    <p:sldId id="303" r:id="rId28"/>
+    <p:sldId id="305" r:id="rId29"/>
+    <p:sldId id="307" r:id="rId30"/>
+    <p:sldId id="309" r:id="rId31"/>
+    <p:sldId id="310" r:id="rId32"/>
+    <p:sldId id="334" r:id="rId33"/>
     <p:sldId id="311" r:id="rId34"/>
     <p:sldId id="328" r:id="rId35"/>
     <p:sldId id="329" r:id="rId36"/>
@@ -239,7 +239,6 @@
             <p14:sldId id="321"/>
             <p14:sldId id="273"/>
             <p14:sldId id="315"/>
-            <p14:sldId id="314"/>
             <p14:sldId id="319"/>
             <p14:sldId id="301"/>
             <p14:sldId id="295"/>
@@ -265,6 +264,7 @@
             <p14:sldId id="307"/>
             <p14:sldId id="309"/>
             <p14:sldId id="310"/>
+            <p14:sldId id="334"/>
             <p14:sldId id="311"/>
             <p14:sldId id="328"/>
             <p14:sldId id="329"/>
@@ -413,7 +413,7 @@
           <a:p>
             <a:fld id="{D164E45F-6435-4E8D-8DA2-B4FA1A7A853C}" type="datetimeFigureOut">
               <a:rPr lang="de-AT" smtClean="0"/>
-              <a:t>03.12.2018</a:t>
+              <a:t>17.06.2019</a:t>
             </a:fld>
             <a:endParaRPr lang="de-AT"/>
           </a:p>
@@ -30360,6 +30360,27 @@
               <a:rPr lang="en-US" sz="1400" dirty="0"/>
               <a:t>) </a:t>
             </a:r>
+          </a:p>
+          <a:p>
+            <a:pPr lvl="1"/>
+            <a:r>
+              <a:rPr lang="en-US" sz="1400" dirty="0"/>
+              <a:t>Azure Container Instance</a:t>
+            </a:r>
+          </a:p>
+          <a:p>
+            <a:pPr lvl="1"/>
+            <a:r>
+              <a:rPr lang="en-US" sz="1400" dirty="0"/>
+              <a:t>Azure Container Registry</a:t>
+            </a:r>
+          </a:p>
+          <a:p>
+            <a:pPr lvl="1"/>
+            <a:r>
+              <a:rPr lang="en-US" sz="1400" dirty="0"/>
+              <a:t>Azure Kubernetes Service</a:t>
+            </a:r>
             <a:endParaRPr lang="en-US" dirty="0"/>
           </a:p>
         </p:txBody>
@@ -30471,20 +30492,16 @@
           <a:p>
             <a:r>
               <a:rPr lang="en-US" dirty="0"/>
-              <a:t>Docker in Visual Studio 2017</a:t>
+              <a:t>Container Tools in Visual Studio</a:t>
             </a:r>
           </a:p>
           <a:p>
             <a:pPr lvl="1"/>
             <a:r>
-              <a:rPr lang="en-US" dirty="0"/>
-              <a:t>Step-by-step description for </a:t>
-            </a:r>
-            <a:r>
-              <a:rPr lang="en-US" dirty="0">
+              <a:rPr lang="de-AT" dirty="0">
                 <a:hlinkClick r:id="rId3"/>
               </a:rPr>
-              <a:t>deploying an ASP.NET Web App</a:t>
+              <a:t>https://docs.microsoft.com/en-us/visualstudio/containers/overview?view=vs-2019</a:t>
             </a:r>
             <a:endParaRPr lang="en-US" dirty="0"/>
           </a:p>
@@ -30544,12 +30561,12 @@
       </p:grpSpPr>
       <p:sp>
         <p:nvSpPr>
-          <p:cNvPr id="2" name="Textplatzhalter 1"/>
+          <p:cNvPr id="2" name="Titel 1"/>
           <p:cNvSpPr>
             <a:spLocks noGrp="1"/>
           </p:cNvSpPr>
           <p:nvPr>
-            <p:ph type="body" sz="quarter" idx="16"/>
+            <p:ph type="title"/>
           </p:nvPr>
         </p:nvSpPr>
         <p:spPr/>
@@ -30559,19 +30576,19 @@
           <a:p>
             <a:r>
               <a:rPr lang="en-US" dirty="0"/>
-              <a:t>Docker in Azure</a:t>
+              <a:t>Docker Cluster Solutions</a:t>
             </a:r>
           </a:p>
         </p:txBody>
       </p:sp>
       <p:sp>
         <p:nvSpPr>
-          <p:cNvPr id="3" name="Textplatzhalter 2"/>
+          <p:cNvPr id="3" name="Inhaltsplatzhalter 2"/>
           <p:cNvSpPr>
             <a:spLocks noGrp="1"/>
           </p:cNvSpPr>
           <p:nvPr>
-            <p:ph type="body" sz="quarter" idx="24"/>
+            <p:ph sz="quarter" idx="12"/>
           </p:nvPr>
         </p:nvSpPr>
         <p:spPr/>
@@ -30581,7 +30598,7 @@
           <a:p>
             <a:r>
               <a:rPr lang="en-US" dirty="0"/>
-              <a:t>Ubuntu server with Docker in Microsoft Azure</a:t>
+              <a:t>Docker Swarm Mode</a:t>
             </a:r>
           </a:p>
           <a:p>
@@ -30590,14 +30607,24 @@
               <a:rPr lang="en-US" dirty="0">
                 <a:hlinkClick r:id="rId2"/>
               </a:rPr>
-              <a:t>Azure Docker Extension</a:t>
-            </a:r>
-            <a:endParaRPr lang="en-US" dirty="0"/>
-          </a:p>
-          <a:p>
-            <a:r>
-              <a:rPr lang="en-US" dirty="0"/>
-              <a:t>ARM Template</a:t>
+              <a:t>https://docs.docker.com/engine/swarm/</a:t>
+            </a:r>
+            <a:r>
+              <a:rPr lang="en-US" dirty="0"/>
+              <a:t> </a:t>
+            </a:r>
+          </a:p>
+          <a:p>
+            <a:pPr lvl="1"/>
+            <a:r>
+              <a:rPr lang="en-US" dirty="0"/>
+              <a:t>Native clustering for Docker, turns a pool of Docker hosts into a single, virtual Docker host</a:t>
+            </a:r>
+          </a:p>
+          <a:p>
+            <a:r>
+              <a:rPr lang="en-US" dirty="0"/>
+              <a:t>Kubernetes</a:t>
             </a:r>
           </a:p>
           <a:p>
@@ -30606,13 +30633,35 @@
               <a:rPr lang="en-US" dirty="0">
                 <a:hlinkClick r:id="rId3"/>
               </a:rPr>
-              <a:t>https://github.com/rstropek/DockerVS2015Intro/tree/master/dockerDemos/00-AzureARM</a:t>
+              <a:t>https://kubernetes.io/</a:t>
             </a:r>
             <a:endParaRPr lang="en-US" dirty="0"/>
           </a:p>
           <a:p>
+            <a:r>
+              <a:rPr lang="en-US" dirty="0"/>
+              <a:t>Azure Kubernetes Service (AKS)</a:t>
+            </a:r>
+          </a:p>
+          <a:p>
             <a:pPr lvl="1"/>
-            <a:endParaRPr lang="en-US" dirty="0"/>
+            <a:r>
+              <a:rPr lang="en-US" dirty="0">
+                <a:hlinkClick r:id="rId4"/>
+              </a:rPr>
+              <a:t>https://azure.microsoft.com/en-us/services/kubernetes-service/</a:t>
+            </a:r>
+            <a:r>
+              <a:rPr lang="en-US" dirty="0"/>
+              <a:t> </a:t>
+            </a:r>
+          </a:p>
+          <a:p>
+            <a:pPr lvl="1"/>
+            <a:r>
+              <a:rPr lang="en-US" dirty="0"/>
+              <a:t>Managed Kubernetes</a:t>
+            </a:r>
           </a:p>
         </p:txBody>
       </p:sp>
@@ -30623,7 +30672,7 @@
             <a:spLocks noGrp="1"/>
           </p:cNvSpPr>
           <p:nvPr>
-            <p:ph type="body" sz="quarter" idx="25"/>
+            <p:ph type="body" sz="quarter" idx="23"/>
           </p:nvPr>
         </p:nvSpPr>
         <p:spPr/>
@@ -30635,29 +30684,10 @@
           </a:p>
         </p:txBody>
       </p:sp>
-      <p:sp>
-        <p:nvSpPr>
-          <p:cNvPr id="5" name="Textplatzhalter 4"/>
-          <p:cNvSpPr>
-            <a:spLocks noGrp="1"/>
-          </p:cNvSpPr>
-          <p:nvPr>
-            <p:ph type="body" sz="quarter" idx="26"/>
-          </p:nvPr>
-        </p:nvSpPr>
-        <p:spPr/>
-        <p:txBody>
-          <a:bodyPr/>
-          <a:lstStyle/>
-          <a:p>
-            <a:endParaRPr lang="en-US" dirty="0"/>
-          </a:p>
-        </p:txBody>
-      </p:sp>
     </p:spTree>
     <p:extLst>
       <p:ext uri="{BB962C8B-B14F-4D97-AF65-F5344CB8AC3E}">
-        <p14:creationId xmlns:p14="http://schemas.microsoft.com/office/powerpoint/2010/main" val="2815483392"/>
+        <p14:creationId xmlns:p14="http://schemas.microsoft.com/office/powerpoint/2010/main" val="2156520220"/>
       </p:ext>
     </p:extLst>
   </p:cSld>
@@ -30689,164 +30719,6 @@
       </p:grpSpPr>
       <p:sp>
         <p:nvSpPr>
-          <p:cNvPr id="2" name="Titel 1"/>
-          <p:cNvSpPr>
-            <a:spLocks noGrp="1"/>
-          </p:cNvSpPr>
-          <p:nvPr>
-            <p:ph type="title"/>
-          </p:nvPr>
-        </p:nvSpPr>
-        <p:spPr/>
-        <p:txBody>
-          <a:bodyPr/>
-          <a:lstStyle/>
-          <a:p>
-            <a:r>
-              <a:rPr lang="en-US" dirty="0"/>
-              <a:t>Docker Cluster Solutions</a:t>
-            </a:r>
-          </a:p>
-        </p:txBody>
-      </p:sp>
-      <p:sp>
-        <p:nvSpPr>
-          <p:cNvPr id="3" name="Inhaltsplatzhalter 2"/>
-          <p:cNvSpPr>
-            <a:spLocks noGrp="1"/>
-          </p:cNvSpPr>
-          <p:nvPr>
-            <p:ph sz="quarter" idx="12"/>
-          </p:nvPr>
-        </p:nvSpPr>
-        <p:spPr/>
-        <p:txBody>
-          <a:bodyPr/>
-          <a:lstStyle/>
-          <a:p>
-            <a:r>
-              <a:rPr lang="en-US" dirty="0"/>
-              <a:t>Docker Swarm Mode</a:t>
-            </a:r>
-          </a:p>
-          <a:p>
-            <a:pPr lvl="1"/>
-            <a:r>
-              <a:rPr lang="en-US" dirty="0">
-                <a:hlinkClick r:id="rId2"/>
-              </a:rPr>
-              <a:t>https://docs.docker.com/engine/swarm/</a:t>
-            </a:r>
-            <a:r>
-              <a:rPr lang="en-US" dirty="0"/>
-              <a:t> </a:t>
-            </a:r>
-          </a:p>
-          <a:p>
-            <a:pPr lvl="1"/>
-            <a:r>
-              <a:rPr lang="en-US" dirty="0"/>
-              <a:t>Native clustering for Docker, turns a pool of Docker hosts into a single, virtual Docker host</a:t>
-            </a:r>
-          </a:p>
-          <a:p>
-            <a:r>
-              <a:rPr lang="en-US" dirty="0"/>
-              <a:t>Kubernetes</a:t>
-            </a:r>
-          </a:p>
-          <a:p>
-            <a:pPr lvl="1"/>
-            <a:r>
-              <a:rPr lang="en-US" dirty="0">
-                <a:hlinkClick r:id="rId3"/>
-              </a:rPr>
-              <a:t>https://kubernetes.io/</a:t>
-            </a:r>
-            <a:endParaRPr lang="en-US" dirty="0"/>
-          </a:p>
-          <a:p>
-            <a:r>
-              <a:rPr lang="en-US" dirty="0"/>
-              <a:t>Azure Kubernetes Service (AKS)</a:t>
-            </a:r>
-          </a:p>
-          <a:p>
-            <a:pPr lvl="1"/>
-            <a:r>
-              <a:rPr lang="en-US" dirty="0">
-                <a:hlinkClick r:id="rId4"/>
-              </a:rPr>
-              <a:t>https://azure.microsoft.com/en-us/services/kubernetes-service/</a:t>
-            </a:r>
-            <a:r>
-              <a:rPr lang="en-US" dirty="0"/>
-              <a:t> </a:t>
-            </a:r>
-          </a:p>
-          <a:p>
-            <a:pPr lvl="1"/>
-            <a:r>
-              <a:rPr lang="en-US" dirty="0"/>
-              <a:t>Managed Kubernetes</a:t>
-            </a:r>
-          </a:p>
-        </p:txBody>
-      </p:sp>
-      <p:sp>
-        <p:nvSpPr>
-          <p:cNvPr id="4" name="Textplatzhalter 3"/>
-          <p:cNvSpPr>
-            <a:spLocks noGrp="1"/>
-          </p:cNvSpPr>
-          <p:nvPr>
-            <p:ph type="body" sz="quarter" idx="23"/>
-          </p:nvPr>
-        </p:nvSpPr>
-        <p:spPr/>
-        <p:txBody>
-          <a:bodyPr/>
-          <a:lstStyle/>
-          <a:p>
-            <a:endParaRPr lang="en-US"/>
-          </a:p>
-        </p:txBody>
-      </p:sp>
-    </p:spTree>
-    <p:extLst>
-      <p:ext uri="{BB962C8B-B14F-4D97-AF65-F5344CB8AC3E}">
-        <p14:creationId xmlns:p14="http://schemas.microsoft.com/office/powerpoint/2010/main" val="2156520220"/>
-      </p:ext>
-    </p:extLst>
-  </p:cSld>
-  <p:clrMapOvr>
-    <a:masterClrMapping/>
-  </p:clrMapOvr>
-  <p:transition spd="slow">
-    <p:push/>
-  </p:transition>
-</p:sld>
-</file>
-
-<file path=ppt/slides/slide16.xml><?xml version="1.0" encoding="utf-8"?>
-<p:sld xmlns:a="http://schemas.openxmlformats.org/drawingml/2006/main" xmlns:r="http://schemas.openxmlformats.org/officeDocument/2006/relationships" xmlns:p="http://schemas.openxmlformats.org/presentationml/2006/main">
-  <p:cSld>
-    <p:spTree>
-      <p:nvGrpSpPr>
-        <p:cNvPr id="1" name=""/>
-        <p:cNvGrpSpPr/>
-        <p:nvPr/>
-      </p:nvGrpSpPr>
-      <p:grpSpPr>
-        <a:xfrm>
-          <a:off x="0" y="0"/>
-          <a:ext cx="0" cy="0"/>
-          <a:chOff x="0" y="0"/>
-          <a:chExt cx="0" cy="0"/>
-        </a:xfrm>
-      </p:grpSpPr>
-      <p:sp>
-        <p:nvSpPr>
           <p:cNvPr id="6" name="Titel 5"/>
           <p:cNvSpPr>
             <a:spLocks noGrp="1"/>
@@ -30987,7 +30859,7 @@
 </p:sld>
 </file>
 
-<file path=ppt/slides/slide17.xml><?xml version="1.0" encoding="utf-8"?>
+<file path=ppt/slides/slide16.xml><?xml version="1.0" encoding="utf-8"?>
 <p:sld xmlns:a="http://schemas.openxmlformats.org/drawingml/2006/main" xmlns:r="http://schemas.openxmlformats.org/officeDocument/2006/relationships" xmlns:p="http://schemas.openxmlformats.org/presentationml/2006/main" show="0">
   <p:cSld>
     <p:spTree>
@@ -31180,7 +31052,7 @@
 </p:sld>
 </file>
 
-<file path=ppt/slides/slide18.xml><?xml version="1.0" encoding="utf-8"?>
+<file path=ppt/slides/slide17.xml><?xml version="1.0" encoding="utf-8"?>
 <p:sld xmlns:a="http://schemas.openxmlformats.org/drawingml/2006/main" xmlns:r="http://schemas.openxmlformats.org/officeDocument/2006/relationships" xmlns:p="http://schemas.openxmlformats.org/presentationml/2006/main">
   <p:cSld>
     <p:spTree>
@@ -31266,7 +31138,7 @@
 </p:sld>
 </file>
 
-<file path=ppt/slides/slide19.xml><?xml version="1.0" encoding="utf-8"?>
+<file path=ppt/slides/slide18.xml><?xml version="1.0" encoding="utf-8"?>
 <p:sld xmlns:a="http://schemas.openxmlformats.org/drawingml/2006/main" xmlns:r="http://schemas.openxmlformats.org/officeDocument/2006/relationships" xmlns:p="http://schemas.openxmlformats.org/presentationml/2006/main">
   <p:cSld>
     <p:spTree>
@@ -31417,6 +31289,286 @@
     <p:extLst>
       <p:ext uri="{BB962C8B-B14F-4D97-AF65-F5344CB8AC3E}">
         <p14:creationId xmlns:p14="http://schemas.microsoft.com/office/powerpoint/2010/main" val="504077091"/>
+      </p:ext>
+    </p:extLst>
+  </p:cSld>
+  <p:clrMapOvr>
+    <a:masterClrMapping/>
+  </p:clrMapOvr>
+  <p:transition spd="slow">
+    <p:push/>
+  </p:transition>
+</p:sld>
+</file>
+
+<file path=ppt/slides/slide19.xml><?xml version="1.0" encoding="utf-8"?>
+<p:sld xmlns:a="http://schemas.openxmlformats.org/drawingml/2006/main" xmlns:r="http://schemas.openxmlformats.org/officeDocument/2006/relationships" xmlns:p="http://schemas.openxmlformats.org/presentationml/2006/main">
+  <p:cSld>
+    <p:spTree>
+      <p:nvGrpSpPr>
+        <p:cNvPr id="1" name=""/>
+        <p:cNvGrpSpPr/>
+        <p:nvPr/>
+      </p:nvGrpSpPr>
+      <p:grpSpPr>
+        <a:xfrm>
+          <a:off x="0" y="0"/>
+          <a:ext cx="0" cy="0"/>
+          <a:chOff x="0" y="0"/>
+          <a:chExt cx="0" cy="0"/>
+        </a:xfrm>
+      </p:grpSpPr>
+      <p:sp>
+        <p:nvSpPr>
+          <p:cNvPr id="5" name="Titel 4"/>
+          <p:cNvSpPr>
+            <a:spLocks noGrp="1"/>
+          </p:cNvSpPr>
+          <p:nvPr>
+            <p:ph type="title"/>
+          </p:nvPr>
+        </p:nvSpPr>
+        <p:spPr/>
+        <p:txBody>
+          <a:bodyPr/>
+          <a:lstStyle/>
+          <a:p>
+            <a:r>
+              <a:rPr lang="en-US" dirty="0"/>
+              <a:t>Docker CLI</a:t>
+            </a:r>
+          </a:p>
+        </p:txBody>
+      </p:sp>
+      <p:sp>
+        <p:nvSpPr>
+          <p:cNvPr id="6" name="Inhaltsplatzhalter 5"/>
+          <p:cNvSpPr>
+            <a:spLocks noGrp="1"/>
+          </p:cNvSpPr>
+          <p:nvPr>
+            <p:ph sz="quarter" idx="12"/>
+          </p:nvPr>
+        </p:nvSpPr>
+        <p:spPr/>
+        <p:txBody>
+          <a:bodyPr/>
+          <a:lstStyle/>
+          <a:p>
+            <a:r>
+              <a:rPr lang="en-US" dirty="0"/>
+              <a:t>Documentation</a:t>
+            </a:r>
+          </a:p>
+          <a:p>
+            <a:pPr lvl="1"/>
+            <a:r>
+              <a:rPr lang="en-US" dirty="0">
+                <a:hlinkClick r:id="rId2"/>
+              </a:rPr>
+              <a:t>http://docs.docker.com/reference/commandline/cli</a:t>
+            </a:r>
+            <a:endParaRPr lang="en-US" dirty="0"/>
+          </a:p>
+          <a:p>
+            <a:r>
+              <a:rPr lang="en-US" dirty="0"/>
+              <a:t>Important Commands for Containers</a:t>
+            </a:r>
+          </a:p>
+          <a:p>
+            <a:pPr lvl="1"/>
+            <a:r>
+              <a:rPr lang="en-US" dirty="0" err="1">
+                <a:latin typeface="Courier New" panose="02070309020205020404" pitchFamily="49" charset="0"/>
+                <a:cs typeface="Courier New" panose="02070309020205020404" pitchFamily="49" charset="0"/>
+              </a:rPr>
+              <a:t>docker</a:t>
+            </a:r>
+            <a:r>
+              <a:rPr lang="en-US" dirty="0">
+                <a:latin typeface="Courier New" panose="02070309020205020404" pitchFamily="49" charset="0"/>
+                <a:cs typeface="Courier New" panose="02070309020205020404" pitchFamily="49" charset="0"/>
+              </a:rPr>
+              <a:t> run</a:t>
+            </a:r>
+            <a:r>
+              <a:rPr lang="en-US" dirty="0"/>
+              <a:t> – Run a command in a new container</a:t>
+            </a:r>
+          </a:p>
+          <a:p>
+            <a:pPr lvl="1"/>
+            <a:r>
+              <a:rPr lang="en-US" dirty="0" err="1">
+                <a:latin typeface="Courier New" panose="02070309020205020404" pitchFamily="49" charset="0"/>
+                <a:cs typeface="Courier New" panose="02070309020205020404" pitchFamily="49" charset="0"/>
+              </a:rPr>
+              <a:t>docker</a:t>
+            </a:r>
+            <a:r>
+              <a:rPr lang="en-US" dirty="0">
+                <a:latin typeface="Courier New" panose="02070309020205020404" pitchFamily="49" charset="0"/>
+                <a:cs typeface="Courier New" panose="02070309020205020404" pitchFamily="49" charset="0"/>
+              </a:rPr>
+              <a:t> </a:t>
+            </a:r>
+            <a:r>
+              <a:rPr lang="en-US" dirty="0" err="1">
+                <a:latin typeface="Courier New" panose="02070309020205020404" pitchFamily="49" charset="0"/>
+                <a:cs typeface="Courier New" panose="02070309020205020404" pitchFamily="49" charset="0"/>
+              </a:rPr>
+              <a:t>ps</a:t>
+            </a:r>
+            <a:r>
+              <a:rPr lang="en-US" dirty="0"/>
+              <a:t> – List containers</a:t>
+            </a:r>
+          </a:p>
+          <a:p>
+            <a:pPr lvl="1"/>
+            <a:r>
+              <a:rPr lang="en-US" dirty="0" err="1">
+                <a:latin typeface="Courier New" panose="02070309020205020404" pitchFamily="49" charset="0"/>
+                <a:cs typeface="Courier New" panose="02070309020205020404" pitchFamily="49" charset="0"/>
+              </a:rPr>
+              <a:t>docker</a:t>
+            </a:r>
+            <a:r>
+              <a:rPr lang="en-US" dirty="0">
+                <a:latin typeface="Courier New" panose="02070309020205020404" pitchFamily="49" charset="0"/>
+                <a:cs typeface="Courier New" panose="02070309020205020404" pitchFamily="49" charset="0"/>
+              </a:rPr>
+              <a:t> start/stop</a:t>
+            </a:r>
+            <a:r>
+              <a:rPr lang="en-US" dirty="0"/>
+              <a:t> – Restarts/stops a container</a:t>
+            </a:r>
+          </a:p>
+          <a:p>
+            <a:pPr lvl="1"/>
+            <a:r>
+              <a:rPr lang="en-US" dirty="0" err="1">
+                <a:latin typeface="Courier New" panose="02070309020205020404" pitchFamily="49" charset="0"/>
+                <a:cs typeface="Courier New" panose="02070309020205020404" pitchFamily="49" charset="0"/>
+              </a:rPr>
+              <a:t>docker</a:t>
+            </a:r>
+            <a:r>
+              <a:rPr lang="en-US" dirty="0">
+                <a:latin typeface="Courier New" panose="02070309020205020404" pitchFamily="49" charset="0"/>
+                <a:cs typeface="Courier New" panose="02070309020205020404" pitchFamily="49" charset="0"/>
+              </a:rPr>
+              <a:t> </a:t>
+            </a:r>
+            <a:r>
+              <a:rPr lang="en-US" dirty="0" err="1">
+                <a:latin typeface="Courier New" panose="02070309020205020404" pitchFamily="49" charset="0"/>
+                <a:cs typeface="Courier New" panose="02070309020205020404" pitchFamily="49" charset="0"/>
+              </a:rPr>
+              <a:t>rm</a:t>
+            </a:r>
+            <a:r>
+              <a:rPr lang="en-US" dirty="0"/>
+              <a:t> – Removes container(s)</a:t>
+            </a:r>
+          </a:p>
+          <a:p>
+            <a:pPr lvl="1"/>
+            <a:r>
+              <a:rPr lang="en-US" dirty="0" err="1">
+                <a:latin typeface="Courier New" panose="02070309020205020404" pitchFamily="49" charset="0"/>
+                <a:cs typeface="Courier New" panose="02070309020205020404" pitchFamily="49" charset="0"/>
+              </a:rPr>
+              <a:t>docker</a:t>
+            </a:r>
+            <a:r>
+              <a:rPr lang="en-US" dirty="0">
+                <a:latin typeface="Courier New" panose="02070309020205020404" pitchFamily="49" charset="0"/>
+                <a:cs typeface="Courier New" panose="02070309020205020404" pitchFamily="49" charset="0"/>
+              </a:rPr>
+              <a:t> attach </a:t>
+            </a:r>
+            <a:r>
+              <a:rPr lang="en-US" dirty="0"/>
+              <a:t>– Attach to running container</a:t>
+            </a:r>
+          </a:p>
+          <a:p>
+            <a:pPr lvl="1"/>
+            <a:r>
+              <a:rPr lang="en-US" dirty="0" err="1">
+                <a:latin typeface="Courier New" panose="02070309020205020404" pitchFamily="49" charset="0"/>
+                <a:cs typeface="Courier New" panose="02070309020205020404" pitchFamily="49" charset="0"/>
+              </a:rPr>
+              <a:t>docker</a:t>
+            </a:r>
+            <a:r>
+              <a:rPr lang="en-US" dirty="0">
+                <a:latin typeface="Courier New" panose="02070309020205020404" pitchFamily="49" charset="0"/>
+                <a:cs typeface="Courier New" panose="02070309020205020404" pitchFamily="49" charset="0"/>
+              </a:rPr>
+              <a:t> top </a:t>
+            </a:r>
+            <a:r>
+              <a:rPr lang="en-US" dirty="0"/>
+              <a:t>– Display processes running in container</a:t>
+            </a:r>
+          </a:p>
+          <a:p>
+            <a:pPr lvl="1"/>
+            <a:r>
+              <a:rPr lang="en-US" dirty="0">
+                <a:latin typeface="Courier New" panose="02070309020205020404" pitchFamily="49" charset="0"/>
+                <a:cs typeface="Courier New" panose="02070309020205020404" pitchFamily="49" charset="0"/>
+              </a:rPr>
+              <a:t>docker exec </a:t>
+            </a:r>
+            <a:r>
+              <a:rPr lang="en-US" dirty="0"/>
+              <a:t>– Run a command in a container</a:t>
+            </a:r>
+          </a:p>
+          <a:p>
+            <a:pPr lvl="1"/>
+            <a:r>
+              <a:rPr lang="en-US" dirty="0">
+                <a:latin typeface="Courier New" panose="02070309020205020404" pitchFamily="49" charset="0"/>
+                <a:cs typeface="Courier New" panose="02070309020205020404" pitchFamily="49" charset="0"/>
+              </a:rPr>
+              <a:t>docker container prune </a:t>
+            </a:r>
+            <a:r>
+              <a:rPr lang="en-US" dirty="0"/>
+              <a:t>– Remove all stopped containers</a:t>
+            </a:r>
+          </a:p>
+        </p:txBody>
+      </p:sp>
+      <p:sp>
+        <p:nvSpPr>
+          <p:cNvPr id="7" name="Textplatzhalter 6"/>
+          <p:cNvSpPr>
+            <a:spLocks noGrp="1"/>
+          </p:cNvSpPr>
+          <p:nvPr>
+            <p:ph type="body" sz="quarter" idx="23"/>
+          </p:nvPr>
+        </p:nvSpPr>
+        <p:spPr/>
+        <p:txBody>
+          <a:bodyPr/>
+          <a:lstStyle/>
+          <a:p>
+            <a:endParaRPr lang="en-US"/>
+          </a:p>
+        </p:txBody>
+      </p:sp>
+    </p:spTree>
+    <p:extLst>
+      <p:ext uri="{BB962C8B-B14F-4D97-AF65-F5344CB8AC3E}">
+        <p14:creationId xmlns:p14="http://schemas.microsoft.com/office/powerpoint/2010/main" val="3428865817"/>
       </p:ext>
     </p:extLst>
   </p:cSld>
@@ -31642,286 +31794,6 @@
 </file>
 
 <file path=ppt/slides/slide20.xml><?xml version="1.0" encoding="utf-8"?>
-<p:sld xmlns:a="http://schemas.openxmlformats.org/drawingml/2006/main" xmlns:r="http://schemas.openxmlformats.org/officeDocument/2006/relationships" xmlns:p="http://schemas.openxmlformats.org/presentationml/2006/main">
-  <p:cSld>
-    <p:spTree>
-      <p:nvGrpSpPr>
-        <p:cNvPr id="1" name=""/>
-        <p:cNvGrpSpPr/>
-        <p:nvPr/>
-      </p:nvGrpSpPr>
-      <p:grpSpPr>
-        <a:xfrm>
-          <a:off x="0" y="0"/>
-          <a:ext cx="0" cy="0"/>
-          <a:chOff x="0" y="0"/>
-          <a:chExt cx="0" cy="0"/>
-        </a:xfrm>
-      </p:grpSpPr>
-      <p:sp>
-        <p:nvSpPr>
-          <p:cNvPr id="5" name="Titel 4"/>
-          <p:cNvSpPr>
-            <a:spLocks noGrp="1"/>
-          </p:cNvSpPr>
-          <p:nvPr>
-            <p:ph type="title"/>
-          </p:nvPr>
-        </p:nvSpPr>
-        <p:spPr/>
-        <p:txBody>
-          <a:bodyPr/>
-          <a:lstStyle/>
-          <a:p>
-            <a:r>
-              <a:rPr lang="en-US" dirty="0"/>
-              <a:t>Docker CLI</a:t>
-            </a:r>
-          </a:p>
-        </p:txBody>
-      </p:sp>
-      <p:sp>
-        <p:nvSpPr>
-          <p:cNvPr id="6" name="Inhaltsplatzhalter 5"/>
-          <p:cNvSpPr>
-            <a:spLocks noGrp="1"/>
-          </p:cNvSpPr>
-          <p:nvPr>
-            <p:ph sz="quarter" idx="12"/>
-          </p:nvPr>
-        </p:nvSpPr>
-        <p:spPr/>
-        <p:txBody>
-          <a:bodyPr/>
-          <a:lstStyle/>
-          <a:p>
-            <a:r>
-              <a:rPr lang="en-US" dirty="0"/>
-              <a:t>Documentation</a:t>
-            </a:r>
-          </a:p>
-          <a:p>
-            <a:pPr lvl="1"/>
-            <a:r>
-              <a:rPr lang="en-US" dirty="0">
-                <a:hlinkClick r:id="rId2"/>
-              </a:rPr>
-              <a:t>http://docs.docker.com/reference/commandline/cli</a:t>
-            </a:r>
-            <a:endParaRPr lang="en-US" dirty="0"/>
-          </a:p>
-          <a:p>
-            <a:r>
-              <a:rPr lang="en-US" dirty="0"/>
-              <a:t>Important Commands for Containers</a:t>
-            </a:r>
-          </a:p>
-          <a:p>
-            <a:pPr lvl="1"/>
-            <a:r>
-              <a:rPr lang="en-US" dirty="0" err="1">
-                <a:latin typeface="Courier New" panose="02070309020205020404" pitchFamily="49" charset="0"/>
-                <a:cs typeface="Courier New" panose="02070309020205020404" pitchFamily="49" charset="0"/>
-              </a:rPr>
-              <a:t>docker</a:t>
-            </a:r>
-            <a:r>
-              <a:rPr lang="en-US" dirty="0">
-                <a:latin typeface="Courier New" panose="02070309020205020404" pitchFamily="49" charset="0"/>
-                <a:cs typeface="Courier New" panose="02070309020205020404" pitchFamily="49" charset="0"/>
-              </a:rPr>
-              <a:t> run</a:t>
-            </a:r>
-            <a:r>
-              <a:rPr lang="en-US" dirty="0"/>
-              <a:t> – Run a command in a new container</a:t>
-            </a:r>
-          </a:p>
-          <a:p>
-            <a:pPr lvl="1"/>
-            <a:r>
-              <a:rPr lang="en-US" dirty="0" err="1">
-                <a:latin typeface="Courier New" panose="02070309020205020404" pitchFamily="49" charset="0"/>
-                <a:cs typeface="Courier New" panose="02070309020205020404" pitchFamily="49" charset="0"/>
-              </a:rPr>
-              <a:t>docker</a:t>
-            </a:r>
-            <a:r>
-              <a:rPr lang="en-US" dirty="0">
-                <a:latin typeface="Courier New" panose="02070309020205020404" pitchFamily="49" charset="0"/>
-                <a:cs typeface="Courier New" panose="02070309020205020404" pitchFamily="49" charset="0"/>
-              </a:rPr>
-              <a:t> </a:t>
-            </a:r>
-            <a:r>
-              <a:rPr lang="en-US" dirty="0" err="1">
-                <a:latin typeface="Courier New" panose="02070309020205020404" pitchFamily="49" charset="0"/>
-                <a:cs typeface="Courier New" panose="02070309020205020404" pitchFamily="49" charset="0"/>
-              </a:rPr>
-              <a:t>ps</a:t>
-            </a:r>
-            <a:r>
-              <a:rPr lang="en-US" dirty="0"/>
-              <a:t> – List containers</a:t>
-            </a:r>
-          </a:p>
-          <a:p>
-            <a:pPr lvl="1"/>
-            <a:r>
-              <a:rPr lang="en-US" dirty="0" err="1">
-                <a:latin typeface="Courier New" panose="02070309020205020404" pitchFamily="49" charset="0"/>
-                <a:cs typeface="Courier New" panose="02070309020205020404" pitchFamily="49" charset="0"/>
-              </a:rPr>
-              <a:t>docker</a:t>
-            </a:r>
-            <a:r>
-              <a:rPr lang="en-US" dirty="0">
-                <a:latin typeface="Courier New" panose="02070309020205020404" pitchFamily="49" charset="0"/>
-                <a:cs typeface="Courier New" panose="02070309020205020404" pitchFamily="49" charset="0"/>
-              </a:rPr>
-              <a:t> start/stop</a:t>
-            </a:r>
-            <a:r>
-              <a:rPr lang="en-US" dirty="0"/>
-              <a:t> – Restarts/stops a container</a:t>
-            </a:r>
-          </a:p>
-          <a:p>
-            <a:pPr lvl="1"/>
-            <a:r>
-              <a:rPr lang="en-US" dirty="0" err="1">
-                <a:latin typeface="Courier New" panose="02070309020205020404" pitchFamily="49" charset="0"/>
-                <a:cs typeface="Courier New" panose="02070309020205020404" pitchFamily="49" charset="0"/>
-              </a:rPr>
-              <a:t>docker</a:t>
-            </a:r>
-            <a:r>
-              <a:rPr lang="en-US" dirty="0">
-                <a:latin typeface="Courier New" panose="02070309020205020404" pitchFamily="49" charset="0"/>
-                <a:cs typeface="Courier New" panose="02070309020205020404" pitchFamily="49" charset="0"/>
-              </a:rPr>
-              <a:t> </a:t>
-            </a:r>
-            <a:r>
-              <a:rPr lang="en-US" dirty="0" err="1">
-                <a:latin typeface="Courier New" panose="02070309020205020404" pitchFamily="49" charset="0"/>
-                <a:cs typeface="Courier New" panose="02070309020205020404" pitchFamily="49" charset="0"/>
-              </a:rPr>
-              <a:t>rm</a:t>
-            </a:r>
-            <a:r>
-              <a:rPr lang="en-US" dirty="0"/>
-              <a:t> – Removes container(s)</a:t>
-            </a:r>
-          </a:p>
-          <a:p>
-            <a:pPr lvl="1"/>
-            <a:r>
-              <a:rPr lang="en-US" dirty="0" err="1">
-                <a:latin typeface="Courier New" panose="02070309020205020404" pitchFamily="49" charset="0"/>
-                <a:cs typeface="Courier New" panose="02070309020205020404" pitchFamily="49" charset="0"/>
-              </a:rPr>
-              <a:t>docker</a:t>
-            </a:r>
-            <a:r>
-              <a:rPr lang="en-US" dirty="0">
-                <a:latin typeface="Courier New" panose="02070309020205020404" pitchFamily="49" charset="0"/>
-                <a:cs typeface="Courier New" panose="02070309020205020404" pitchFamily="49" charset="0"/>
-              </a:rPr>
-              <a:t> attach </a:t>
-            </a:r>
-            <a:r>
-              <a:rPr lang="en-US" dirty="0"/>
-              <a:t>– Attach to running container</a:t>
-            </a:r>
-          </a:p>
-          <a:p>
-            <a:pPr lvl="1"/>
-            <a:r>
-              <a:rPr lang="en-US" dirty="0" err="1">
-                <a:latin typeface="Courier New" panose="02070309020205020404" pitchFamily="49" charset="0"/>
-                <a:cs typeface="Courier New" panose="02070309020205020404" pitchFamily="49" charset="0"/>
-              </a:rPr>
-              <a:t>docker</a:t>
-            </a:r>
-            <a:r>
-              <a:rPr lang="en-US" dirty="0">
-                <a:latin typeface="Courier New" panose="02070309020205020404" pitchFamily="49" charset="0"/>
-                <a:cs typeface="Courier New" panose="02070309020205020404" pitchFamily="49" charset="0"/>
-              </a:rPr>
-              <a:t> top </a:t>
-            </a:r>
-            <a:r>
-              <a:rPr lang="en-US" dirty="0"/>
-              <a:t>– Display processes running in container</a:t>
-            </a:r>
-          </a:p>
-          <a:p>
-            <a:pPr lvl="1"/>
-            <a:r>
-              <a:rPr lang="en-US" dirty="0">
-                <a:latin typeface="Courier New" panose="02070309020205020404" pitchFamily="49" charset="0"/>
-                <a:cs typeface="Courier New" panose="02070309020205020404" pitchFamily="49" charset="0"/>
-              </a:rPr>
-              <a:t>docker exec </a:t>
-            </a:r>
-            <a:r>
-              <a:rPr lang="en-US" dirty="0"/>
-              <a:t>– Run a command in a container</a:t>
-            </a:r>
-          </a:p>
-          <a:p>
-            <a:pPr lvl="1"/>
-            <a:r>
-              <a:rPr lang="en-US" dirty="0">
-                <a:latin typeface="Courier New" panose="02070309020205020404" pitchFamily="49" charset="0"/>
-                <a:cs typeface="Courier New" panose="02070309020205020404" pitchFamily="49" charset="0"/>
-              </a:rPr>
-              <a:t>docker container prune </a:t>
-            </a:r>
-            <a:r>
-              <a:rPr lang="en-US" dirty="0"/>
-              <a:t>– Remove all stopped containers</a:t>
-            </a:r>
-          </a:p>
-        </p:txBody>
-      </p:sp>
-      <p:sp>
-        <p:nvSpPr>
-          <p:cNvPr id="7" name="Textplatzhalter 6"/>
-          <p:cNvSpPr>
-            <a:spLocks noGrp="1"/>
-          </p:cNvSpPr>
-          <p:nvPr>
-            <p:ph type="body" sz="quarter" idx="23"/>
-          </p:nvPr>
-        </p:nvSpPr>
-        <p:spPr/>
-        <p:txBody>
-          <a:bodyPr/>
-          <a:lstStyle/>
-          <a:p>
-            <a:endParaRPr lang="en-US"/>
-          </a:p>
-        </p:txBody>
-      </p:sp>
-    </p:spTree>
-    <p:extLst>
-      <p:ext uri="{BB962C8B-B14F-4D97-AF65-F5344CB8AC3E}">
-        <p14:creationId xmlns:p14="http://schemas.microsoft.com/office/powerpoint/2010/main" val="3428865817"/>
-      </p:ext>
-    </p:extLst>
-  </p:cSld>
-  <p:clrMapOvr>
-    <a:masterClrMapping/>
-  </p:clrMapOvr>
-  <p:transition spd="slow">
-    <p:push/>
-  </p:transition>
-</p:sld>
-</file>
-
-<file path=ppt/slides/slide21.xml><?xml version="1.0" encoding="utf-8"?>
 <p:sld xmlns:a="http://schemas.openxmlformats.org/drawingml/2006/main" xmlns:r="http://schemas.openxmlformats.org/officeDocument/2006/relationships" xmlns:p="http://schemas.openxmlformats.org/presentationml/2006/main">
   <p:cSld>
     <p:spTree>
@@ -33129,6 +33001,269 @@
 </p:sld>
 </file>
 
+<file path=ppt/slides/slide21.xml><?xml version="1.0" encoding="utf-8"?>
+<p:sld xmlns:a="http://schemas.openxmlformats.org/drawingml/2006/main" xmlns:r="http://schemas.openxmlformats.org/officeDocument/2006/relationships" xmlns:p="http://schemas.openxmlformats.org/presentationml/2006/main" show="0">
+  <p:cSld>
+    <p:spTree>
+      <p:nvGrpSpPr>
+        <p:cNvPr id="1" name=""/>
+        <p:cNvGrpSpPr/>
+        <p:nvPr/>
+      </p:nvGrpSpPr>
+      <p:grpSpPr>
+        <a:xfrm>
+          <a:off x="0" y="0"/>
+          <a:ext cx="0" cy="0"/>
+          <a:chOff x="0" y="0"/>
+          <a:chExt cx="0" cy="0"/>
+        </a:xfrm>
+      </p:grpSpPr>
+      <p:sp>
+        <p:nvSpPr>
+          <p:cNvPr id="5" name="Titel 4"/>
+          <p:cNvSpPr>
+            <a:spLocks noGrp="1"/>
+          </p:cNvSpPr>
+          <p:nvPr>
+            <p:ph type="title"/>
+          </p:nvPr>
+        </p:nvSpPr>
+        <p:spPr/>
+        <p:txBody>
+          <a:bodyPr/>
+          <a:lstStyle/>
+          <a:p>
+            <a:r>
+              <a:rPr lang="en-US"/>
+              <a:t>Demo</a:t>
+            </a:r>
+            <a:endParaRPr lang="en-US" dirty="0"/>
+          </a:p>
+        </p:txBody>
+      </p:sp>
+      <p:sp>
+        <p:nvSpPr>
+          <p:cNvPr id="6" name="Inhaltsplatzhalter 5"/>
+          <p:cNvSpPr>
+            <a:spLocks noGrp="1"/>
+          </p:cNvSpPr>
+          <p:nvPr>
+            <p:ph sz="quarter" idx="22"/>
+          </p:nvPr>
+        </p:nvSpPr>
+        <p:spPr/>
+        <p:txBody>
+          <a:bodyPr/>
+          <a:lstStyle/>
+          <a:p>
+            <a:r>
+              <a:rPr lang="en-US" noProof="1"/>
+              <a:t># Check if docker is running</a:t>
+            </a:r>
+          </a:p>
+          <a:p>
+            <a:r>
+              <a:rPr lang="en-US" noProof="1"/>
+              <a:t>docker info</a:t>
+            </a:r>
+          </a:p>
+          <a:p>
+            <a:endParaRPr lang="en-US" noProof="1"/>
+          </a:p>
+          <a:p>
+            <a:r>
+              <a:rPr lang="en-US" noProof="1"/>
+              <a:t># Start interactive container</a:t>
+            </a:r>
+          </a:p>
+          <a:p>
+            <a:r>
+              <a:rPr lang="en-US" noProof="1"/>
+              <a:t>docker run -it ubuntu /bin/bash</a:t>
+            </a:r>
+          </a:p>
+          <a:p>
+            <a:pPr lvl="1"/>
+            <a:r>
+              <a:rPr lang="en-US" noProof="1"/>
+              <a:t>echo Hello &gt; hello.txt</a:t>
+            </a:r>
+          </a:p>
+          <a:p>
+            <a:pPr lvl="1"/>
+            <a:r>
+              <a:rPr lang="en-US" noProof="1"/>
+              <a:t>exit</a:t>
+            </a:r>
+          </a:p>
+          <a:p>
+            <a:endParaRPr lang="en-US" noProof="1"/>
+          </a:p>
+          <a:p>
+            <a:r>
+              <a:rPr lang="en-US" noProof="1"/>
+              <a:t># List containers</a:t>
+            </a:r>
+          </a:p>
+          <a:p>
+            <a:r>
+              <a:rPr lang="en-US" noProof="1"/>
+              <a:t>docker ps</a:t>
+            </a:r>
+          </a:p>
+          <a:p>
+            <a:r>
+              <a:rPr lang="en-US" noProof="1"/>
+              <a:t>docker ps –a</a:t>
+            </a:r>
+          </a:p>
+          <a:p>
+            <a:r>
+              <a:rPr lang="en-US" noProof="1"/>
+              <a:t>docker ps --no-trunc -aq</a:t>
+            </a:r>
+          </a:p>
+          <a:p>
+            <a:endParaRPr lang="en-US" noProof="1"/>
+          </a:p>
+          <a:p>
+            <a:r>
+              <a:rPr lang="en-US" noProof="1"/>
+              <a:t># Restart container</a:t>
+            </a:r>
+          </a:p>
+          <a:p>
+            <a:r>
+              <a:rPr lang="en-US" noProof="1"/>
+              <a:t>docker start …</a:t>
+            </a:r>
+          </a:p>
+          <a:p>
+            <a:endParaRPr lang="en-US" noProof="1"/>
+          </a:p>
+          <a:p>
+            <a:r>
+              <a:rPr lang="en-US" noProof="1"/>
+              <a:t># Attach to container</a:t>
+            </a:r>
+          </a:p>
+          <a:p>
+            <a:r>
+              <a:rPr lang="en-US" noProof="1"/>
+              <a:t>docker attach …</a:t>
+            </a:r>
+          </a:p>
+          <a:p>
+            <a:endParaRPr lang="en-US" noProof="1"/>
+          </a:p>
+          <a:p>
+            <a:r>
+              <a:rPr lang="en-US" noProof="1"/>
+              <a:t># Remove container</a:t>
+            </a:r>
+          </a:p>
+          <a:p>
+            <a:r>
+              <a:rPr lang="en-US" noProof="1"/>
+              <a:t>docker rm …</a:t>
+            </a:r>
+          </a:p>
+          <a:p>
+            <a:r>
+              <a:rPr lang="en-US" noProof="1"/>
+              <a:t># Remove all containers</a:t>
+            </a:r>
+          </a:p>
+          <a:p>
+            <a:r>
+              <a:rPr lang="en-US" noProof="1"/>
+              <a:t>docker rm `docker ps --no-trunc -aq`</a:t>
+            </a:r>
+          </a:p>
+          <a:p>
+            <a:r>
+              <a:rPr lang="en-US" noProof="1"/>
+              <a:t>docker container prune</a:t>
+            </a:r>
+          </a:p>
+        </p:txBody>
+      </p:sp>
+      <p:sp>
+        <p:nvSpPr>
+          <p:cNvPr id="7" name="Textplatzhalter 6"/>
+          <p:cNvSpPr>
+            <a:spLocks noGrp="1"/>
+          </p:cNvSpPr>
+          <p:nvPr>
+            <p:ph type="body" sz="quarter" idx="23"/>
+          </p:nvPr>
+        </p:nvSpPr>
+        <p:spPr/>
+        <p:txBody>
+          <a:bodyPr/>
+          <a:lstStyle/>
+          <a:p>
+            <a:r>
+              <a:rPr lang="en-US" dirty="0"/>
+              <a:t>Interactive Container</a:t>
+            </a:r>
+          </a:p>
+        </p:txBody>
+      </p:sp>
+      <p:sp>
+        <p:nvSpPr>
+          <p:cNvPr id="10" name="Textplatzhalter 9"/>
+          <p:cNvSpPr>
+            <a:spLocks noGrp="1"/>
+          </p:cNvSpPr>
+          <p:nvPr>
+            <p:ph type="body" sz="quarter" idx="24"/>
+          </p:nvPr>
+        </p:nvSpPr>
+        <p:spPr/>
+        <p:txBody>
+          <a:bodyPr/>
+          <a:lstStyle/>
+          <a:p>
+            <a:endParaRPr lang="en-US"/>
+          </a:p>
+        </p:txBody>
+      </p:sp>
+      <p:sp>
+        <p:nvSpPr>
+          <p:cNvPr id="11" name="Textplatzhalter 10"/>
+          <p:cNvSpPr>
+            <a:spLocks noGrp="1"/>
+          </p:cNvSpPr>
+          <p:nvPr>
+            <p:ph type="body" sz="quarter" idx="25"/>
+          </p:nvPr>
+        </p:nvSpPr>
+        <p:spPr/>
+        <p:txBody>
+          <a:bodyPr/>
+          <a:lstStyle/>
+          <a:p>
+            <a:endParaRPr lang="en-US"/>
+          </a:p>
+        </p:txBody>
+      </p:sp>
+    </p:spTree>
+    <p:extLst>
+      <p:ext uri="{BB962C8B-B14F-4D97-AF65-F5344CB8AC3E}">
+        <p14:creationId xmlns:p14="http://schemas.microsoft.com/office/powerpoint/2010/main" val="3660217317"/>
+      </p:ext>
+    </p:extLst>
+  </p:cSld>
+  <p:clrMapOvr>
+    <a:masterClrMapping/>
+  </p:clrMapOvr>
+  <p:transition spd="slow">
+    <p:push/>
+  </p:transition>
+</p:sld>
+</file>
+
 <file path=ppt/slides/slide22.xml><?xml version="1.0" encoding="utf-8"?>
 <p:sld xmlns:a="http://schemas.openxmlformats.org/drawingml/2006/main" xmlns:r="http://schemas.openxmlformats.org/officeDocument/2006/relationships" xmlns:p="http://schemas.openxmlformats.org/presentationml/2006/main" show="0">
   <p:cSld>
@@ -33186,13 +33321,19 @@
           <a:p>
             <a:r>
               <a:rPr lang="en-US" noProof="1"/>
-              <a:t># Check if docker is running</a:t>
+              <a:t># Start demonized container and get logs</a:t>
             </a:r>
           </a:p>
           <a:p>
             <a:r>
               <a:rPr lang="en-US" noProof="1"/>
-              <a:t>docker info</a:t>
+              <a:t>docker run -d ubuntu /bin/bash \</a:t>
+            </a:r>
+          </a:p>
+          <a:p>
+            <a:r>
+              <a:rPr lang="en-US" noProof="1"/>
+              <a:t>	-c "while true; do echo hello world; sleep 1; done"</a:t>
             </a:r>
           </a:p>
           <a:p>
@@ -33201,27 +33342,28 @@
           <a:p>
             <a:r>
               <a:rPr lang="en-US" noProof="1"/>
-              <a:t># Start interactive container</a:t>
+              <a:t># Get the logs (-f for continuous monitoring)</a:t>
             </a:r>
           </a:p>
           <a:p>
             <a:r>
               <a:rPr lang="en-US" noProof="1"/>
-              <a:t>docker run -it ubuntu /bin/bash</a:t>
-            </a:r>
-          </a:p>
-          <a:p>
-            <a:pPr lvl="1"/>
+              <a:t>docker logs …</a:t>
+            </a:r>
+          </a:p>
+          <a:p>
+            <a:endParaRPr lang="en-US" noProof="1"/>
+          </a:p>
+          <a:p>
             <a:r>
               <a:rPr lang="en-US" noProof="1"/>
-              <a:t>echo Hello &gt; hello.txt</a:t>
-            </a:r>
-          </a:p>
-          <a:p>
-            <a:pPr lvl="1"/>
+              <a:t># Check the processes in docker container</a:t>
+            </a:r>
+          </a:p>
+          <a:p>
             <a:r>
               <a:rPr lang="en-US" noProof="1"/>
-              <a:t>exit</a:t>
+              <a:t>docker top …</a:t>
             </a:r>
           </a:p>
           <a:p>
@@ -33230,88 +33372,74 @@
           <a:p>
             <a:r>
               <a:rPr lang="en-US" noProof="1"/>
-              <a:t># List containers</a:t>
+              <a:t># Open interactive shell in running container</a:t>
             </a:r>
           </a:p>
           <a:p>
             <a:r>
               <a:rPr lang="en-US" noProof="1"/>
-              <a:t>docker ps</a:t>
-            </a:r>
+              <a:t>docker exec -it … /bin/bash</a:t>
+            </a:r>
+          </a:p>
+          <a:p>
+            <a:endParaRPr lang="en-US" noProof="1"/>
           </a:p>
           <a:p>
             <a:r>
               <a:rPr lang="en-US" noProof="1"/>
-              <a:t>docker ps –a</a:t>
+              <a:t># Inspect the details of a running container</a:t>
             </a:r>
           </a:p>
           <a:p>
             <a:r>
               <a:rPr lang="en-US" noProof="1"/>
-              <a:t>docker ps --no-trunc -aq</a:t>
+              <a:t>docker inspect …</a:t>
             </a:r>
           </a:p>
           <a:p>
             <a:endParaRPr lang="en-US" noProof="1"/>
           </a:p>
           <a:p>
+            <a:endParaRPr lang="en-US" noProof="1"/>
+          </a:p>
+          <a:p>
             <a:r>
               <a:rPr lang="en-US" noProof="1"/>
-              <a:t># Restart container</a:t>
-            </a:r>
+              <a:t># WINDOWS</a:t>
+            </a:r>
+          </a:p>
+          <a:p>
+            <a:r>
+              <a:rPr lang="en-US" dirty="0"/>
+              <a:t>docker run –it mcr.microsoft.com/windows/</a:t>
+            </a:r>
+            <a:r>
+              <a:rPr lang="en-US" dirty="0" err="1"/>
+              <a:t>servercore</a:t>
+            </a:r>
+            <a:r>
+              <a:rPr lang="en-US" dirty="0"/>
+              <a:t> </a:t>
+            </a:r>
+            <a:r>
+              <a:rPr lang="en-US" dirty="0" err="1"/>
+              <a:t>cmd</a:t>
+            </a:r>
+            <a:endParaRPr lang="en-US" noProof="1"/>
+          </a:p>
+          <a:p>
+            <a:endParaRPr lang="en-US" noProof="1"/>
           </a:p>
           <a:p>
             <a:r>
               <a:rPr lang="en-US" noProof="1"/>
-              <a:t>docker start …</a:t>
-            </a:r>
-          </a:p>
-          <a:p>
-            <a:endParaRPr lang="en-US" noProof="1"/>
+              <a:t>docker build –t myweb .</a:t>
+            </a:r>
           </a:p>
           <a:p>
             <a:r>
               <a:rPr lang="en-US" noProof="1"/>
-              <a:t># Attach to container</a:t>
-            </a:r>
-          </a:p>
-          <a:p>
-            <a:r>
-              <a:rPr lang="en-US" noProof="1"/>
-              <a:t>docker attach …</a:t>
-            </a:r>
-          </a:p>
-          <a:p>
-            <a:endParaRPr lang="en-US" noProof="1"/>
-          </a:p>
-          <a:p>
-            <a:r>
-              <a:rPr lang="en-US" noProof="1"/>
-              <a:t># Remove container</a:t>
-            </a:r>
-          </a:p>
-          <a:p>
-            <a:r>
-              <a:rPr lang="en-US" noProof="1"/>
-              <a:t>docker rm …</a:t>
-            </a:r>
-          </a:p>
-          <a:p>
-            <a:r>
-              <a:rPr lang="en-US" noProof="1"/>
-              <a:t># Remove all containers</a:t>
-            </a:r>
-          </a:p>
-          <a:p>
-            <a:r>
-              <a:rPr lang="en-US" noProof="1"/>
-              <a:t>docker rm `docker ps --no-trunc -aq`</a:t>
-            </a:r>
-          </a:p>
-          <a:p>
-            <a:r>
-              <a:rPr lang="en-US" noProof="1"/>
-              <a:t>docker container prune</a:t>
+              <a:t>docker run </a:t>
             </a:r>
           </a:p>
         </p:txBody>
@@ -33332,15 +33460,19 @@
           <a:lstStyle/>
           <a:p>
             <a:r>
-              <a:rPr lang="en-US" dirty="0"/>
-              <a:t>Interactive Container</a:t>
+              <a:rPr lang="en-US" dirty="0" err="1"/>
+              <a:t>Daemonized</a:t>
+            </a:r>
+            <a:r>
+              <a:rPr lang="en-US" dirty="0"/>
+              <a:t> Container</a:t>
             </a:r>
           </a:p>
         </p:txBody>
       </p:sp>
       <p:sp>
         <p:nvSpPr>
-          <p:cNvPr id="10" name="Textplatzhalter 9"/>
+          <p:cNvPr id="13" name="Textplatzhalter 12"/>
           <p:cNvSpPr>
             <a:spLocks noGrp="1"/>
           </p:cNvSpPr>
@@ -33359,7 +33491,7 @@
       </p:sp>
       <p:sp>
         <p:nvSpPr>
-          <p:cNvPr id="11" name="Textplatzhalter 10"/>
+          <p:cNvPr id="14" name="Textplatzhalter 13"/>
           <p:cNvSpPr>
             <a:spLocks noGrp="1"/>
           </p:cNvSpPr>
@@ -33379,7 +33511,7 @@
     </p:spTree>
     <p:extLst>
       <p:ext uri="{BB962C8B-B14F-4D97-AF65-F5344CB8AC3E}">
-        <p14:creationId xmlns:p14="http://schemas.microsoft.com/office/powerpoint/2010/main" val="3660217317"/>
+        <p14:creationId xmlns:p14="http://schemas.microsoft.com/office/powerpoint/2010/main" val="212164436"/>
       </p:ext>
     </p:extLst>
   </p:cSld>
@@ -33393,7 +33525,7 @@
 </file>
 
 <file path=ppt/slides/slide23.xml><?xml version="1.0" encoding="utf-8"?>
-<p:sld xmlns:a="http://schemas.openxmlformats.org/drawingml/2006/main" xmlns:r="http://schemas.openxmlformats.org/officeDocument/2006/relationships" xmlns:p="http://schemas.openxmlformats.org/presentationml/2006/main" show="0">
+<p:sld xmlns:a="http://schemas.openxmlformats.org/drawingml/2006/main" xmlns:r="http://schemas.openxmlformats.org/officeDocument/2006/relationships" xmlns:p="http://schemas.openxmlformats.org/presentationml/2006/main">
   <p:cSld>
     <p:spTree>
       <p:nvGrpSpPr>
@@ -33411,7 +33543,7 @@
       </p:grpSpPr>
       <p:sp>
         <p:nvSpPr>
-          <p:cNvPr id="5" name="Titel 4"/>
+          <p:cNvPr id="7" name="Title 6"/>
           <p:cNvSpPr>
             <a:spLocks noGrp="1"/>
           </p:cNvSpPr>
@@ -33425,21 +33557,20 @@
           <a:lstStyle/>
           <a:p>
             <a:r>
-              <a:rPr lang="en-US"/>
-              <a:t>Demo</a:t>
-            </a:r>
-            <a:endParaRPr lang="en-US" dirty="0"/>
+              <a:rPr lang="en-US" dirty="0"/>
+              <a:t>Docker Events</a:t>
+            </a:r>
           </a:p>
         </p:txBody>
       </p:sp>
       <p:sp>
         <p:nvSpPr>
-          <p:cNvPr id="6" name="Inhaltsplatzhalter 5"/>
+          <p:cNvPr id="8" name="Content Placeholder 7"/>
           <p:cNvSpPr>
             <a:spLocks noGrp="1"/>
           </p:cNvSpPr>
           <p:nvPr>
-            <p:ph sz="quarter" idx="22"/>
+            <p:ph sz="quarter" idx="12"/>
           </p:nvPr>
         </p:nvSpPr>
         <p:spPr/>
@@ -33448,133 +33579,78 @@
           <a:lstStyle/>
           <a:p>
             <a:r>
-              <a:rPr lang="en-US" noProof="1"/>
-              <a:t># Start demonized container and get logs</a:t>
-            </a:r>
-          </a:p>
-          <a:p>
-            <a:r>
-              <a:rPr lang="en-US" noProof="1"/>
-              <a:t>docker run -d ubuntu /bin/bash \</a:t>
-            </a:r>
-          </a:p>
-          <a:p>
-            <a:r>
-              <a:rPr lang="en-US" noProof="1"/>
-              <a:t>	-c "while true; do echo hello world; sleep 1; done"</a:t>
-            </a:r>
-          </a:p>
-          <a:p>
-            <a:endParaRPr lang="en-US" noProof="1"/>
-          </a:p>
-          <a:p>
-            <a:r>
-              <a:rPr lang="en-US" noProof="1"/>
-              <a:t># Get the logs (-f for continuous monitoring)</a:t>
-            </a:r>
-          </a:p>
-          <a:p>
-            <a:r>
-              <a:rPr lang="en-US" noProof="1"/>
-              <a:t>docker logs …</a:t>
-            </a:r>
-          </a:p>
-          <a:p>
-            <a:endParaRPr lang="en-US" noProof="1"/>
-          </a:p>
-          <a:p>
-            <a:r>
-              <a:rPr lang="en-US" noProof="1"/>
-              <a:t># Check the processes in docker container</a:t>
-            </a:r>
-          </a:p>
-          <a:p>
-            <a:r>
-              <a:rPr lang="en-US" noProof="1"/>
-              <a:t>docker top …</a:t>
-            </a:r>
-          </a:p>
-          <a:p>
-            <a:endParaRPr lang="en-US" noProof="1"/>
-          </a:p>
-          <a:p>
-            <a:r>
-              <a:rPr lang="en-US" noProof="1"/>
-              <a:t># Open interactive shell in running container</a:t>
-            </a:r>
-          </a:p>
-          <a:p>
-            <a:r>
-              <a:rPr lang="en-US" noProof="1"/>
-              <a:t>docker exec -it … /bin/bash</a:t>
-            </a:r>
-          </a:p>
-          <a:p>
-            <a:endParaRPr lang="en-US" noProof="1"/>
-          </a:p>
-          <a:p>
-            <a:r>
-              <a:rPr lang="en-US" noProof="1"/>
-              <a:t># Inspect the details of a running container</a:t>
-            </a:r>
-          </a:p>
-          <a:p>
-            <a:r>
-              <a:rPr lang="en-US" noProof="1"/>
-              <a:t>docker inspect …</a:t>
-            </a:r>
-          </a:p>
-          <a:p>
-            <a:endParaRPr lang="en-US" noProof="1"/>
-          </a:p>
-          <a:p>
-            <a:endParaRPr lang="en-US" noProof="1"/>
-          </a:p>
-          <a:p>
-            <a:r>
-              <a:rPr lang="en-US" noProof="1"/>
-              <a:t># WINDOWS</a:t>
-            </a:r>
-          </a:p>
-          <a:p>
-            <a:r>
-              <a:rPr lang="en-US" dirty="0"/>
-              <a:t>docker run –it mcr.microsoft.com/windows/</a:t>
-            </a:r>
-            <a:r>
-              <a:rPr lang="en-US" dirty="0" err="1"/>
-              <a:t>servercore</a:t>
-            </a:r>
-            <a:r>
-              <a:rPr lang="en-US" dirty="0"/>
-              <a:t> </a:t>
-            </a:r>
-            <a:r>
-              <a:rPr lang="en-US" dirty="0" err="1"/>
-              <a:t>cmd</a:t>
-            </a:r>
-            <a:endParaRPr lang="en-US" noProof="1"/>
-          </a:p>
-          <a:p>
-            <a:endParaRPr lang="en-US" noProof="1"/>
-          </a:p>
-          <a:p>
-            <a:r>
-              <a:rPr lang="en-US" noProof="1"/>
-              <a:t>docker build –t myweb .</a:t>
-            </a:r>
-          </a:p>
-          <a:p>
-            <a:r>
-              <a:rPr lang="en-US" noProof="1"/>
-              <a:t>docker run </a:t>
+              <a:rPr lang="en-US" dirty="0"/>
+              <a:t>Docker reports real time events from the server</a:t>
+            </a:r>
+          </a:p>
+          <a:p>
+            <a:pPr lvl="1"/>
+            <a:r>
+              <a:rPr lang="en-US" dirty="0" err="1">
+                <a:latin typeface="Courier New" panose="02070309020205020404" pitchFamily="49" charset="0"/>
+                <a:cs typeface="Courier New" panose="02070309020205020404" pitchFamily="49" charset="0"/>
+                <a:hlinkClick r:id="rId2"/>
+              </a:rPr>
+              <a:t>docker</a:t>
+            </a:r>
+            <a:r>
+              <a:rPr lang="en-US" dirty="0">
+                <a:latin typeface="Courier New" panose="02070309020205020404" pitchFamily="49" charset="0"/>
+                <a:cs typeface="Courier New" panose="02070309020205020404" pitchFamily="49" charset="0"/>
+                <a:hlinkClick r:id="rId2"/>
+              </a:rPr>
+              <a:t> events</a:t>
+            </a:r>
+            <a:endParaRPr lang="en-US" dirty="0">
+              <a:latin typeface="Courier New" panose="02070309020205020404" pitchFamily="49" charset="0"/>
+              <a:cs typeface="Courier New" panose="02070309020205020404" pitchFamily="49" charset="0"/>
+            </a:endParaRPr>
+          </a:p>
+          <a:p>
+            <a:r>
+              <a:rPr lang="en-US" dirty="0"/>
+              <a:t>Usages</a:t>
+            </a:r>
+          </a:p>
+          <a:p>
+            <a:pPr lvl="1"/>
+            <a:r>
+              <a:rPr lang="en-US" dirty="0"/>
+              <a:t>Admin and monitoring purposes</a:t>
+            </a:r>
+          </a:p>
+          <a:p>
+            <a:pPr lvl="1"/>
+            <a:r>
+              <a:rPr lang="en-US" dirty="0"/>
+              <a:t>Triggering auto-configurations (e.g. load balancer configuration with </a:t>
+            </a:r>
+            <a:r>
+              <a:rPr lang="en-US" dirty="0">
+                <a:hlinkClick r:id="rId3"/>
+              </a:rPr>
+              <a:t>Interlock</a:t>
+            </a:r>
+            <a:r>
+              <a:rPr lang="en-US" dirty="0"/>
+              <a:t> and </a:t>
+            </a:r>
+            <a:r>
+              <a:rPr lang="en-US" dirty="0">
+                <a:hlinkClick r:id="rId4"/>
+              </a:rPr>
+              <a:t>Nginx</a:t>
+            </a:r>
+            <a:r>
+              <a:rPr lang="en-US" dirty="0"/>
+              <a:t>)</a:t>
             </a:r>
           </a:p>
         </p:txBody>
       </p:sp>
       <p:sp>
         <p:nvSpPr>
-          <p:cNvPr id="7" name="Textplatzhalter 6"/>
+          <p:cNvPr id="9" name="Text Placeholder 8"/>
           <p:cNvSpPr>
             <a:spLocks noGrp="1"/>
           </p:cNvSpPr>
@@ -33587,59 +33663,14 @@
           <a:bodyPr/>
           <a:lstStyle/>
           <a:p>
-            <a:r>
-              <a:rPr lang="en-US" dirty="0" err="1"/>
-              <a:t>Daemonized</a:t>
-            </a:r>
-            <a:r>
-              <a:rPr lang="en-US" dirty="0"/>
-              <a:t> Container</a:t>
-            </a:r>
-          </a:p>
-        </p:txBody>
-      </p:sp>
-      <p:sp>
-        <p:nvSpPr>
-          <p:cNvPr id="13" name="Textplatzhalter 12"/>
-          <p:cNvSpPr>
-            <a:spLocks noGrp="1"/>
-          </p:cNvSpPr>
-          <p:nvPr>
-            <p:ph type="body" sz="quarter" idx="24"/>
-          </p:nvPr>
-        </p:nvSpPr>
-        <p:spPr/>
-        <p:txBody>
-          <a:bodyPr/>
-          <a:lstStyle/>
-          <a:p>
-            <a:endParaRPr lang="en-US"/>
-          </a:p>
-        </p:txBody>
-      </p:sp>
-      <p:sp>
-        <p:nvSpPr>
-          <p:cNvPr id="14" name="Textplatzhalter 13"/>
-          <p:cNvSpPr>
-            <a:spLocks noGrp="1"/>
-          </p:cNvSpPr>
-          <p:nvPr>
-            <p:ph type="body" sz="quarter" idx="25"/>
-          </p:nvPr>
-        </p:nvSpPr>
-        <p:spPr/>
-        <p:txBody>
-          <a:bodyPr/>
-          <a:lstStyle/>
-          <a:p>
-            <a:endParaRPr lang="en-US"/>
+            <a:endParaRPr lang="en-US" dirty="0"/>
           </a:p>
         </p:txBody>
       </p:sp>
     </p:spTree>
     <p:extLst>
       <p:ext uri="{BB962C8B-B14F-4D97-AF65-F5344CB8AC3E}">
-        <p14:creationId xmlns:p14="http://schemas.microsoft.com/office/powerpoint/2010/main" val="212164436"/>
+        <p14:creationId xmlns:p14="http://schemas.microsoft.com/office/powerpoint/2010/main" val="1284987664"/>
       </p:ext>
     </p:extLst>
   </p:cSld>
@@ -33671,165 +33702,6 @@
       </p:grpSpPr>
       <p:sp>
         <p:nvSpPr>
-          <p:cNvPr id="7" name="Title 6"/>
-          <p:cNvSpPr>
-            <a:spLocks noGrp="1"/>
-          </p:cNvSpPr>
-          <p:nvPr>
-            <p:ph type="title"/>
-          </p:nvPr>
-        </p:nvSpPr>
-        <p:spPr/>
-        <p:txBody>
-          <a:bodyPr/>
-          <a:lstStyle/>
-          <a:p>
-            <a:r>
-              <a:rPr lang="en-US" dirty="0"/>
-              <a:t>Docker Events</a:t>
-            </a:r>
-          </a:p>
-        </p:txBody>
-      </p:sp>
-      <p:sp>
-        <p:nvSpPr>
-          <p:cNvPr id="8" name="Content Placeholder 7"/>
-          <p:cNvSpPr>
-            <a:spLocks noGrp="1"/>
-          </p:cNvSpPr>
-          <p:nvPr>
-            <p:ph sz="quarter" idx="12"/>
-          </p:nvPr>
-        </p:nvSpPr>
-        <p:spPr/>
-        <p:txBody>
-          <a:bodyPr/>
-          <a:lstStyle/>
-          <a:p>
-            <a:r>
-              <a:rPr lang="en-US" dirty="0"/>
-              <a:t>Docker reports real time events from the server</a:t>
-            </a:r>
-          </a:p>
-          <a:p>
-            <a:pPr lvl="1"/>
-            <a:r>
-              <a:rPr lang="en-US" dirty="0" err="1">
-                <a:latin typeface="Courier New" panose="02070309020205020404" pitchFamily="49" charset="0"/>
-                <a:cs typeface="Courier New" panose="02070309020205020404" pitchFamily="49" charset="0"/>
-                <a:hlinkClick r:id="rId2"/>
-              </a:rPr>
-              <a:t>docker</a:t>
-            </a:r>
-            <a:r>
-              <a:rPr lang="en-US" dirty="0">
-                <a:latin typeface="Courier New" panose="02070309020205020404" pitchFamily="49" charset="0"/>
-                <a:cs typeface="Courier New" panose="02070309020205020404" pitchFamily="49" charset="0"/>
-                <a:hlinkClick r:id="rId2"/>
-              </a:rPr>
-              <a:t> events</a:t>
-            </a:r>
-            <a:endParaRPr lang="en-US" dirty="0">
-              <a:latin typeface="Courier New" panose="02070309020205020404" pitchFamily="49" charset="0"/>
-              <a:cs typeface="Courier New" panose="02070309020205020404" pitchFamily="49" charset="0"/>
-            </a:endParaRPr>
-          </a:p>
-          <a:p>
-            <a:r>
-              <a:rPr lang="en-US" dirty="0"/>
-              <a:t>Usages</a:t>
-            </a:r>
-          </a:p>
-          <a:p>
-            <a:pPr lvl="1"/>
-            <a:r>
-              <a:rPr lang="en-US" dirty="0"/>
-              <a:t>Admin and monitoring purposes</a:t>
-            </a:r>
-          </a:p>
-          <a:p>
-            <a:pPr lvl="1"/>
-            <a:r>
-              <a:rPr lang="en-US" dirty="0"/>
-              <a:t>Triggering auto-configurations (e.g. load balancer configuration with </a:t>
-            </a:r>
-            <a:r>
-              <a:rPr lang="en-US" dirty="0">
-                <a:hlinkClick r:id="rId3"/>
-              </a:rPr>
-              <a:t>Interlock</a:t>
-            </a:r>
-            <a:r>
-              <a:rPr lang="en-US" dirty="0"/>
-              <a:t> and </a:t>
-            </a:r>
-            <a:r>
-              <a:rPr lang="en-US" dirty="0">
-                <a:hlinkClick r:id="rId4"/>
-              </a:rPr>
-              <a:t>Nginx</a:t>
-            </a:r>
-            <a:r>
-              <a:rPr lang="en-US" dirty="0"/>
-              <a:t>)</a:t>
-            </a:r>
-          </a:p>
-        </p:txBody>
-      </p:sp>
-      <p:sp>
-        <p:nvSpPr>
-          <p:cNvPr id="9" name="Text Placeholder 8"/>
-          <p:cNvSpPr>
-            <a:spLocks noGrp="1"/>
-          </p:cNvSpPr>
-          <p:nvPr>
-            <p:ph type="body" sz="quarter" idx="23"/>
-          </p:nvPr>
-        </p:nvSpPr>
-        <p:spPr/>
-        <p:txBody>
-          <a:bodyPr/>
-          <a:lstStyle/>
-          <a:p>
-            <a:endParaRPr lang="en-US" dirty="0"/>
-          </a:p>
-        </p:txBody>
-      </p:sp>
-    </p:spTree>
-    <p:extLst>
-      <p:ext uri="{BB962C8B-B14F-4D97-AF65-F5344CB8AC3E}">
-        <p14:creationId xmlns:p14="http://schemas.microsoft.com/office/powerpoint/2010/main" val="1284987664"/>
-      </p:ext>
-    </p:extLst>
-  </p:cSld>
-  <p:clrMapOvr>
-    <a:masterClrMapping/>
-  </p:clrMapOvr>
-  <p:transition spd="slow">
-    <p:push/>
-  </p:transition>
-</p:sld>
-</file>
-
-<file path=ppt/slides/slide25.xml><?xml version="1.0" encoding="utf-8"?>
-<p:sld xmlns:a="http://schemas.openxmlformats.org/drawingml/2006/main" xmlns:r="http://schemas.openxmlformats.org/officeDocument/2006/relationships" xmlns:p="http://schemas.openxmlformats.org/presentationml/2006/main">
-  <p:cSld>
-    <p:spTree>
-      <p:nvGrpSpPr>
-        <p:cNvPr id="1" name=""/>
-        <p:cNvGrpSpPr/>
-        <p:nvPr/>
-      </p:nvGrpSpPr>
-      <p:grpSpPr>
-        <a:xfrm>
-          <a:off x="0" y="0"/>
-          <a:ext cx="0" cy="0"/>
-          <a:chOff x="0" y="0"/>
-          <a:chExt cx="0" cy="0"/>
-        </a:xfrm>
-      </p:grpSpPr>
-      <p:sp>
-        <p:nvSpPr>
           <p:cNvPr id="2" name="Titel 1"/>
           <p:cNvSpPr>
             <a:spLocks noGrp="1"/>
@@ -33897,7 +33769,7 @@
 </p:sld>
 </file>
 
-<file path=ppt/slides/slide26.xml><?xml version="1.0" encoding="utf-8"?>
+<file path=ppt/slides/slide25.xml><?xml version="1.0" encoding="utf-8"?>
 <p:sld xmlns:a="http://schemas.openxmlformats.org/drawingml/2006/main" xmlns:r="http://schemas.openxmlformats.org/officeDocument/2006/relationships" xmlns:p="http://schemas.openxmlformats.org/presentationml/2006/main">
   <p:cSld>
     <p:spTree>
@@ -34169,7 +34041,7 @@
 </p:sld>
 </file>
 
-<file path=ppt/slides/slide27.xml><?xml version="1.0" encoding="utf-8"?>
+<file path=ppt/slides/slide26.xml><?xml version="1.0" encoding="utf-8"?>
 <p:sld xmlns:a="http://schemas.openxmlformats.org/drawingml/2006/main" xmlns:r="http://schemas.openxmlformats.org/officeDocument/2006/relationships" xmlns:p="http://schemas.openxmlformats.org/presentationml/2006/main">
   <p:cSld>
     <p:spTree>
@@ -35011,7 +34883,7 @@
 </p:sld>
 </file>
 
-<file path=ppt/slides/slide28.xml><?xml version="1.0" encoding="utf-8"?>
+<file path=ppt/slides/slide27.xml><?xml version="1.0" encoding="utf-8"?>
 <p:sld xmlns:a="http://schemas.openxmlformats.org/drawingml/2006/main" xmlns:r="http://schemas.openxmlformats.org/officeDocument/2006/relationships" xmlns:p="http://schemas.openxmlformats.org/presentationml/2006/main">
   <p:cSld>
     <p:spTree>
@@ -35580,7 +35452,7 @@
 </p:sld>
 </file>
 
-<file path=ppt/slides/slide29.xml><?xml version="1.0" encoding="utf-8"?>
+<file path=ppt/slides/slide28.xml><?xml version="1.0" encoding="utf-8"?>
 <p:sld xmlns:a="http://schemas.openxmlformats.org/drawingml/2006/main" xmlns:r="http://schemas.openxmlformats.org/officeDocument/2006/relationships" xmlns:p="http://schemas.openxmlformats.org/presentationml/2006/main">
   <p:cSld>
     <p:spTree>
@@ -36295,93 +36167,7 @@
 </p:sld>
 </file>
 
-<file path=ppt/slides/slide3.xml><?xml version="1.0" encoding="utf-8"?>
-<p:sld xmlns:a="http://schemas.openxmlformats.org/drawingml/2006/main" xmlns:r="http://schemas.openxmlformats.org/officeDocument/2006/relationships" xmlns:p="http://schemas.openxmlformats.org/presentationml/2006/main">
-  <p:cSld>
-    <p:spTree>
-      <p:nvGrpSpPr>
-        <p:cNvPr id="1" name=""/>
-        <p:cNvGrpSpPr/>
-        <p:nvPr/>
-      </p:nvGrpSpPr>
-      <p:grpSpPr>
-        <a:xfrm>
-          <a:off x="0" y="0"/>
-          <a:ext cx="0" cy="0"/>
-          <a:chOff x="0" y="0"/>
-          <a:chExt cx="0" cy="0"/>
-        </a:xfrm>
-      </p:grpSpPr>
-      <p:sp>
-        <p:nvSpPr>
-          <p:cNvPr id="2" name="Title 1"/>
-          <p:cNvSpPr>
-            <a:spLocks noGrp="1"/>
-          </p:cNvSpPr>
-          <p:nvPr>
-            <p:ph type="title"/>
-          </p:nvPr>
-        </p:nvSpPr>
-        <p:spPr/>
-        <p:txBody>
-          <a:bodyPr/>
-          <a:lstStyle/>
-          <a:p>
-            <a:r>
-              <a:rPr lang="en-US" dirty="0"/>
-              <a:t>What is Docker?</a:t>
-            </a:r>
-          </a:p>
-        </p:txBody>
-      </p:sp>
-      <p:sp>
-        <p:nvSpPr>
-          <p:cNvPr id="3" name="Text Placeholder 2"/>
-          <p:cNvSpPr>
-            <a:spLocks noGrp="1"/>
-          </p:cNvSpPr>
-          <p:nvPr>
-            <p:ph type="body" sz="quarter" idx="25"/>
-          </p:nvPr>
-        </p:nvSpPr>
-        <p:spPr/>
-        <p:txBody>
-          <a:bodyPr/>
-          <a:lstStyle/>
-          <a:p>
-            <a:r>
-              <a:rPr lang="en-US" dirty="0"/>
-              <a:t>Introduction</a:t>
-            </a:r>
-          </a:p>
-        </p:txBody>
-      </p:sp>
-    </p:spTree>
-    <p:extLst>
-      <p:ext uri="{BB962C8B-B14F-4D97-AF65-F5344CB8AC3E}">
-        <p14:creationId xmlns:p14="http://schemas.microsoft.com/office/powerpoint/2010/main" val="157276080"/>
-      </p:ext>
-    </p:extLst>
-  </p:cSld>
-  <p:clrMapOvr>
-    <a:masterClrMapping/>
-  </p:clrMapOvr>
-  <mc:AlternateContent xmlns:mc="http://schemas.openxmlformats.org/markup-compatibility/2006" xmlns:p14="http://schemas.microsoft.com/office/powerpoint/2010/main">
-    <mc:Choice Requires="p14">
-      <p:transition spd="med" p14:dur="700">
-        <p:fade/>
-      </p:transition>
-    </mc:Choice>
-    <mc:Fallback xmlns="">
-      <p:transition spd="med">
-        <p:fade/>
-      </p:transition>
-    </mc:Fallback>
-  </mc:AlternateContent>
-</p:sld>
-</file>
-
-<file path=ppt/slides/slide30.xml><?xml version="1.0" encoding="utf-8"?>
+<file path=ppt/slides/slide29.xml><?xml version="1.0" encoding="utf-8"?>
 <p:sld xmlns:a="http://schemas.openxmlformats.org/drawingml/2006/main" xmlns:r="http://schemas.openxmlformats.org/officeDocument/2006/relationships" xmlns:p="http://schemas.openxmlformats.org/presentationml/2006/main">
   <p:cSld>
     <p:spTree>
@@ -36585,6 +36371,422 @@
 </p:sld>
 </file>
 
+<file path=ppt/slides/slide3.xml><?xml version="1.0" encoding="utf-8"?>
+<p:sld xmlns:a="http://schemas.openxmlformats.org/drawingml/2006/main" xmlns:r="http://schemas.openxmlformats.org/officeDocument/2006/relationships" xmlns:p="http://schemas.openxmlformats.org/presentationml/2006/main">
+  <p:cSld>
+    <p:spTree>
+      <p:nvGrpSpPr>
+        <p:cNvPr id="1" name=""/>
+        <p:cNvGrpSpPr/>
+        <p:nvPr/>
+      </p:nvGrpSpPr>
+      <p:grpSpPr>
+        <a:xfrm>
+          <a:off x="0" y="0"/>
+          <a:ext cx="0" cy="0"/>
+          <a:chOff x="0" y="0"/>
+          <a:chExt cx="0" cy="0"/>
+        </a:xfrm>
+      </p:grpSpPr>
+      <p:sp>
+        <p:nvSpPr>
+          <p:cNvPr id="2" name="Title 1"/>
+          <p:cNvSpPr>
+            <a:spLocks noGrp="1"/>
+          </p:cNvSpPr>
+          <p:nvPr>
+            <p:ph type="title"/>
+          </p:nvPr>
+        </p:nvSpPr>
+        <p:spPr/>
+        <p:txBody>
+          <a:bodyPr/>
+          <a:lstStyle/>
+          <a:p>
+            <a:r>
+              <a:rPr lang="en-US" dirty="0"/>
+              <a:t>What is Docker?</a:t>
+            </a:r>
+          </a:p>
+        </p:txBody>
+      </p:sp>
+      <p:sp>
+        <p:nvSpPr>
+          <p:cNvPr id="3" name="Text Placeholder 2"/>
+          <p:cNvSpPr>
+            <a:spLocks noGrp="1"/>
+          </p:cNvSpPr>
+          <p:nvPr>
+            <p:ph type="body" sz="quarter" idx="25"/>
+          </p:nvPr>
+        </p:nvSpPr>
+        <p:spPr/>
+        <p:txBody>
+          <a:bodyPr/>
+          <a:lstStyle/>
+          <a:p>
+            <a:r>
+              <a:rPr lang="en-US" dirty="0"/>
+              <a:t>Introduction</a:t>
+            </a:r>
+          </a:p>
+        </p:txBody>
+      </p:sp>
+    </p:spTree>
+    <p:extLst>
+      <p:ext uri="{BB962C8B-B14F-4D97-AF65-F5344CB8AC3E}">
+        <p14:creationId xmlns:p14="http://schemas.microsoft.com/office/powerpoint/2010/main" val="157276080"/>
+      </p:ext>
+    </p:extLst>
+  </p:cSld>
+  <p:clrMapOvr>
+    <a:masterClrMapping/>
+  </p:clrMapOvr>
+  <mc:AlternateContent xmlns:mc="http://schemas.openxmlformats.org/markup-compatibility/2006" xmlns:p14="http://schemas.microsoft.com/office/powerpoint/2010/main">
+    <mc:Choice Requires="p14">
+      <p:transition spd="med" p14:dur="700">
+        <p:fade/>
+      </p:transition>
+    </mc:Choice>
+    <mc:Fallback xmlns="">
+      <p:transition spd="med">
+        <p:fade/>
+      </p:transition>
+    </mc:Fallback>
+  </mc:AlternateContent>
+</p:sld>
+</file>
+
+<file path=ppt/slides/slide30.xml><?xml version="1.0" encoding="utf-8"?>
+<p:sld xmlns:a="http://schemas.openxmlformats.org/drawingml/2006/main" xmlns:r="http://schemas.openxmlformats.org/officeDocument/2006/relationships" xmlns:p="http://schemas.openxmlformats.org/presentationml/2006/main" show="0">
+  <p:cSld>
+    <p:spTree>
+      <p:nvGrpSpPr>
+        <p:cNvPr id="1" name=""/>
+        <p:cNvGrpSpPr/>
+        <p:nvPr/>
+      </p:nvGrpSpPr>
+      <p:grpSpPr>
+        <a:xfrm>
+          <a:off x="0" y="0"/>
+          <a:ext cx="0" cy="0"/>
+          <a:chOff x="0" y="0"/>
+          <a:chExt cx="0" cy="0"/>
+        </a:xfrm>
+      </p:grpSpPr>
+      <p:sp>
+        <p:nvSpPr>
+          <p:cNvPr id="7" name="Titel 6"/>
+          <p:cNvSpPr>
+            <a:spLocks noGrp="1"/>
+          </p:cNvSpPr>
+          <p:nvPr>
+            <p:ph type="title"/>
+          </p:nvPr>
+        </p:nvSpPr>
+        <p:spPr/>
+        <p:txBody>
+          <a:bodyPr/>
+          <a:lstStyle/>
+          <a:p>
+            <a:r>
+              <a:rPr lang="en-US" dirty="0"/>
+              <a:t>Mount Host</a:t>
+            </a:r>
+            <a:endParaRPr lang="de-AT" dirty="0"/>
+          </a:p>
+        </p:txBody>
+      </p:sp>
+      <p:sp>
+        <p:nvSpPr>
+          <p:cNvPr id="8" name="Inhaltsplatzhalter 7"/>
+          <p:cNvSpPr>
+            <a:spLocks noGrp="1"/>
+          </p:cNvSpPr>
+          <p:nvPr>
+            <p:ph sz="quarter" idx="22"/>
+          </p:nvPr>
+        </p:nvSpPr>
+        <p:spPr/>
+        <p:txBody>
+          <a:bodyPr/>
+          <a:lstStyle/>
+          <a:p>
+            <a:r>
+              <a:rPr lang="en-US" dirty="0"/>
+              <a:t># Run </a:t>
+            </a:r>
+            <a:r>
+              <a:rPr lang="en-US" dirty="0" err="1"/>
+              <a:t>postgres</a:t>
+            </a:r>
+            <a:r>
+              <a:rPr lang="en-US" dirty="0"/>
+              <a:t> in a new container</a:t>
+            </a:r>
+            <a:endParaRPr lang="de-AT" dirty="0"/>
+          </a:p>
+          <a:p>
+            <a:r>
+              <a:rPr lang="de-AT" dirty="0" err="1"/>
+              <a:t>docker</a:t>
+            </a:r>
+            <a:r>
+              <a:rPr lang="de-AT" dirty="0"/>
+              <a:t> </a:t>
+            </a:r>
+            <a:r>
+              <a:rPr lang="de-AT" dirty="0" err="1"/>
+              <a:t>run</a:t>
+            </a:r>
+            <a:r>
+              <a:rPr lang="de-AT" dirty="0"/>
+              <a:t> --name </a:t>
+            </a:r>
+            <a:r>
+              <a:rPr lang="de-AT" dirty="0" err="1"/>
+              <a:t>mydb</a:t>
+            </a:r>
+            <a:r>
+              <a:rPr lang="de-AT" dirty="0"/>
+              <a:t> -e POSTGRES_PASSWORD=P@ssw0rd \</a:t>
+            </a:r>
+          </a:p>
+          <a:p>
+            <a:r>
+              <a:rPr lang="de-AT" dirty="0"/>
+              <a:t>	-d </a:t>
+            </a:r>
+            <a:r>
+              <a:rPr lang="de-AT" dirty="0" err="1"/>
+              <a:t>postgres</a:t>
+            </a:r>
+            <a:endParaRPr lang="de-AT" dirty="0"/>
+          </a:p>
+          <a:p>
+            <a:r>
+              <a:rPr lang="en-US" dirty="0"/>
+              <a:t>docker inspect </a:t>
+            </a:r>
+            <a:r>
+              <a:rPr lang="en-US" dirty="0" err="1"/>
+              <a:t>mydb</a:t>
+            </a:r>
+            <a:endParaRPr lang="en-US" dirty="0"/>
+          </a:p>
+          <a:p>
+            <a:endParaRPr lang="en-US" dirty="0"/>
+          </a:p>
+          <a:p>
+            <a:r>
+              <a:rPr lang="en-US" dirty="0"/>
+              <a:t># Run client and execute some SQL</a:t>
+            </a:r>
+          </a:p>
+          <a:p>
+            <a:r>
+              <a:rPr lang="de-AT" dirty="0" err="1"/>
+              <a:t>docker</a:t>
+            </a:r>
+            <a:r>
+              <a:rPr lang="de-AT" dirty="0"/>
+              <a:t> </a:t>
+            </a:r>
+            <a:r>
+              <a:rPr lang="de-AT" dirty="0" err="1"/>
+              <a:t>run</a:t>
+            </a:r>
+            <a:r>
+              <a:rPr lang="de-AT" dirty="0"/>
+              <a:t> -</a:t>
+            </a:r>
+            <a:r>
+              <a:rPr lang="de-AT" dirty="0" err="1"/>
+              <a:t>it</a:t>
+            </a:r>
+            <a:r>
+              <a:rPr lang="de-AT" dirty="0"/>
+              <a:t> --</a:t>
+            </a:r>
+            <a:r>
+              <a:rPr lang="de-AT" dirty="0" err="1"/>
+              <a:t>rm</a:t>
+            </a:r>
+            <a:r>
+              <a:rPr lang="de-AT" dirty="0"/>
+              <a:t> </a:t>
+            </a:r>
+            <a:r>
+              <a:rPr lang="de-AT" dirty="0" err="1"/>
+              <a:t>postgres</a:t>
+            </a:r>
+            <a:r>
+              <a:rPr lang="de-AT" dirty="0"/>
+              <a:t> /bin/bash</a:t>
+            </a:r>
+          </a:p>
+          <a:p>
+            <a:r>
+              <a:rPr lang="de-AT" dirty="0"/>
+              <a:t>  </a:t>
+            </a:r>
+            <a:r>
+              <a:rPr lang="en-US" dirty="0" err="1"/>
+              <a:t>psql</a:t>
+            </a:r>
+            <a:r>
+              <a:rPr lang="en-US" dirty="0"/>
+              <a:t> -h 172.17.0.2 -p 5432 -U </a:t>
+            </a:r>
+            <a:r>
+              <a:rPr lang="en-US" dirty="0" err="1"/>
+              <a:t>postgres</a:t>
+            </a:r>
+            <a:endParaRPr lang="en-US" dirty="0"/>
+          </a:p>
+          <a:p>
+            <a:endParaRPr lang="en-US" dirty="0"/>
+          </a:p>
+          <a:p>
+            <a:r>
+              <a:rPr lang="en-US" dirty="0"/>
+              <a:t>	# Execute some SQL (e.g. create and fill a table)</a:t>
+            </a:r>
+          </a:p>
+          <a:p>
+            <a:r>
+              <a:rPr lang="en-US" dirty="0"/>
+              <a:t>	CREATE TABLE Test (ID INT PRIMARY KEY);</a:t>
+            </a:r>
+          </a:p>
+          <a:p>
+            <a:r>
+              <a:rPr lang="en-US" dirty="0"/>
+              <a:t>	INSERT INTO Test VALUES (1);</a:t>
+            </a:r>
+          </a:p>
+          <a:p>
+            <a:r>
+              <a:rPr lang="en-US" dirty="0"/>
+              <a:t>	SELECT * FROM Test;</a:t>
+            </a:r>
+          </a:p>
+          <a:p>
+            <a:r>
+              <a:rPr lang="en-US" dirty="0"/>
+              <a:t>	\q</a:t>
+            </a:r>
+          </a:p>
+          <a:p>
+            <a:endParaRPr lang="en-US" dirty="0"/>
+          </a:p>
+          <a:p>
+            <a:r>
+              <a:rPr lang="en-US" dirty="0"/>
+              <a:t># Delete container --&gt; data is gone</a:t>
+            </a:r>
+          </a:p>
+          <a:p>
+            <a:r>
+              <a:rPr lang="en-US" dirty="0" err="1"/>
+              <a:t>docker</a:t>
+            </a:r>
+            <a:r>
+              <a:rPr lang="en-US" dirty="0"/>
+              <a:t> </a:t>
+            </a:r>
+            <a:r>
+              <a:rPr lang="en-US" dirty="0" err="1"/>
+              <a:t>rm</a:t>
+            </a:r>
+            <a:r>
+              <a:rPr lang="en-US" dirty="0"/>
+              <a:t> –f </a:t>
+            </a:r>
+            <a:r>
+              <a:rPr lang="en-US" dirty="0" err="1"/>
+              <a:t>mydb</a:t>
+            </a:r>
+            <a:endParaRPr lang="en-US" dirty="0"/>
+          </a:p>
+          <a:p>
+            <a:endParaRPr lang="de-AT" dirty="0"/>
+          </a:p>
+        </p:txBody>
+      </p:sp>
+      <p:sp>
+        <p:nvSpPr>
+          <p:cNvPr id="9" name="Textplatzhalter 8"/>
+          <p:cNvSpPr>
+            <a:spLocks noGrp="1"/>
+          </p:cNvSpPr>
+          <p:nvPr>
+            <p:ph type="body" sz="quarter" idx="23"/>
+          </p:nvPr>
+        </p:nvSpPr>
+        <p:spPr/>
+        <p:txBody>
+          <a:bodyPr/>
+          <a:lstStyle/>
+          <a:p>
+            <a:endParaRPr lang="de-AT"/>
+          </a:p>
+        </p:txBody>
+      </p:sp>
+      <p:sp>
+        <p:nvSpPr>
+          <p:cNvPr id="10" name="Textplatzhalter 9"/>
+          <p:cNvSpPr>
+            <a:spLocks noGrp="1"/>
+          </p:cNvSpPr>
+          <p:nvPr>
+            <p:ph type="body" sz="quarter" idx="24"/>
+          </p:nvPr>
+        </p:nvSpPr>
+        <p:spPr/>
+        <p:txBody>
+          <a:bodyPr/>
+          <a:lstStyle/>
+          <a:p>
+            <a:endParaRPr lang="de-AT"/>
+          </a:p>
+        </p:txBody>
+      </p:sp>
+      <p:sp>
+        <p:nvSpPr>
+          <p:cNvPr id="11" name="Textplatzhalter 10"/>
+          <p:cNvSpPr>
+            <a:spLocks noGrp="1"/>
+          </p:cNvSpPr>
+          <p:nvPr>
+            <p:ph type="body" sz="quarter" idx="25"/>
+          </p:nvPr>
+        </p:nvSpPr>
+        <p:spPr/>
+        <p:txBody>
+          <a:bodyPr/>
+          <a:lstStyle/>
+          <a:p>
+            <a:endParaRPr lang="de-AT"/>
+          </a:p>
+        </p:txBody>
+      </p:sp>
+    </p:spTree>
+    <p:extLst>
+      <p:ext uri="{BB962C8B-B14F-4D97-AF65-F5344CB8AC3E}">
+        <p14:creationId xmlns:p14="http://schemas.microsoft.com/office/powerpoint/2010/main" val="1819977818"/>
+      </p:ext>
+    </p:extLst>
+  </p:cSld>
+  <p:clrMapOvr>
+    <a:masterClrMapping/>
+  </p:clrMapOvr>
+  <p:transition spd="slow">
+    <p:push/>
+  </p:transition>
+</p:sld>
+</file>
+
 <file path=ppt/slides/slide31.xml><?xml version="1.0" encoding="utf-8"?>
 <p:sld xmlns:a="http://schemas.openxmlformats.org/drawingml/2006/main" xmlns:r="http://schemas.openxmlformats.org/officeDocument/2006/relationships" xmlns:p="http://schemas.openxmlformats.org/presentationml/2006/main" show="0">
   <p:cSld>
@@ -36642,226 +36844,6 @@
           <a:p>
             <a:r>
               <a:rPr lang="en-US" dirty="0"/>
-              <a:t># Run </a:t>
-            </a:r>
-            <a:r>
-              <a:rPr lang="en-US" dirty="0" err="1"/>
-              <a:t>postgres</a:t>
-            </a:r>
-            <a:r>
-              <a:rPr lang="en-US" dirty="0"/>
-              <a:t> in a new container</a:t>
-            </a:r>
-            <a:endParaRPr lang="de-AT" dirty="0"/>
-          </a:p>
-          <a:p>
-            <a:r>
-              <a:rPr lang="de-AT" dirty="0" err="1"/>
-              <a:t>docker</a:t>
-            </a:r>
-            <a:r>
-              <a:rPr lang="de-AT" dirty="0"/>
-              <a:t> </a:t>
-            </a:r>
-            <a:r>
-              <a:rPr lang="de-AT" dirty="0" err="1"/>
-              <a:t>run</a:t>
-            </a:r>
-            <a:r>
-              <a:rPr lang="de-AT" dirty="0"/>
-              <a:t> --name </a:t>
-            </a:r>
-            <a:r>
-              <a:rPr lang="de-AT" dirty="0" err="1"/>
-              <a:t>mydb</a:t>
-            </a:r>
-            <a:r>
-              <a:rPr lang="de-AT" dirty="0"/>
-              <a:t> -e POSTGRES_PASSWORD=P@ssw0rd! </a:t>
-            </a:r>
-          </a:p>
-          <a:p>
-            <a:r>
-              <a:rPr lang="de-AT" dirty="0"/>
-              <a:t>	-d </a:t>
-            </a:r>
-            <a:r>
-              <a:rPr lang="de-AT" dirty="0" err="1"/>
-              <a:t>postgres</a:t>
-            </a:r>
-            <a:endParaRPr lang="de-AT" dirty="0"/>
-          </a:p>
-          <a:p>
-            <a:endParaRPr lang="en-US" dirty="0"/>
-          </a:p>
-          <a:p>
-            <a:r>
-              <a:rPr lang="en-US" dirty="0"/>
-              <a:t># Run client and execute some SQL</a:t>
-            </a:r>
-          </a:p>
-          <a:p>
-            <a:r>
-              <a:rPr lang="de-AT" dirty="0" err="1"/>
-              <a:t>docker</a:t>
-            </a:r>
-            <a:r>
-              <a:rPr lang="de-AT" dirty="0"/>
-              <a:t> </a:t>
-            </a:r>
-            <a:r>
-              <a:rPr lang="de-AT" dirty="0" err="1"/>
-              <a:t>run</a:t>
-            </a:r>
-            <a:r>
-              <a:rPr lang="de-AT" dirty="0"/>
-              <a:t> -</a:t>
-            </a:r>
-            <a:r>
-              <a:rPr lang="de-AT" dirty="0" err="1"/>
-              <a:t>it</a:t>
-            </a:r>
-            <a:r>
-              <a:rPr lang="de-AT" dirty="0"/>
-              <a:t> --link </a:t>
-            </a:r>
-            <a:r>
-              <a:rPr lang="de-AT" dirty="0" err="1"/>
-              <a:t>mydb</a:t>
-            </a:r>
-            <a:r>
-              <a:rPr lang="de-AT" dirty="0"/>
-              <a:t> --</a:t>
-            </a:r>
-            <a:r>
-              <a:rPr lang="de-AT" dirty="0" err="1"/>
-              <a:t>rm</a:t>
-            </a:r>
-            <a:r>
-              <a:rPr lang="de-AT" dirty="0"/>
-              <a:t> </a:t>
-            </a:r>
-            <a:r>
-              <a:rPr lang="de-AT" dirty="0" err="1"/>
-              <a:t>postgres</a:t>
-            </a:r>
-            <a:r>
-              <a:rPr lang="de-AT" dirty="0"/>
-              <a:t> /bin/</a:t>
-            </a:r>
-            <a:r>
-              <a:rPr lang="de-AT" dirty="0" err="1"/>
-              <a:t>bash</a:t>
-            </a:r>
-            <a:endParaRPr lang="de-AT" dirty="0"/>
-          </a:p>
-          <a:p>
-            <a:r>
-              <a:rPr lang="en-US" dirty="0"/>
-              <a:t>	</a:t>
-            </a:r>
-            <a:r>
-              <a:rPr lang="en-US" dirty="0" err="1"/>
-              <a:t>psql</a:t>
-            </a:r>
-            <a:r>
-              <a:rPr lang="en-US" dirty="0"/>
-              <a:t> -h </a:t>
-            </a:r>
-            <a:r>
-              <a:rPr lang="en-US" dirty="0" err="1"/>
-              <a:t>mydb</a:t>
-            </a:r>
-            <a:r>
-              <a:rPr lang="en-US" dirty="0"/>
-              <a:t> -p 5432 -U </a:t>
-            </a:r>
-            <a:r>
-              <a:rPr lang="en-US" dirty="0" err="1"/>
-              <a:t>postgres</a:t>
-            </a:r>
-            <a:endParaRPr lang="en-US" dirty="0"/>
-          </a:p>
-          <a:p>
-            <a:endParaRPr lang="en-US" dirty="0"/>
-          </a:p>
-          <a:p>
-            <a:r>
-              <a:rPr lang="en-US" dirty="0"/>
-              <a:t>	# Execute some SQL (e.g. create and fill a table)</a:t>
-            </a:r>
-          </a:p>
-          <a:p>
-            <a:r>
-              <a:rPr lang="en-US" dirty="0"/>
-              <a:t>	CREATE TABLE Test (ID INT PRIMARY KEY);</a:t>
-            </a:r>
-          </a:p>
-          <a:p>
-            <a:r>
-              <a:rPr lang="en-US" dirty="0"/>
-              <a:t>	INSERT INTO Test VALUES (1);</a:t>
-            </a:r>
-          </a:p>
-          <a:p>
-            <a:r>
-              <a:rPr lang="en-US" dirty="0"/>
-              <a:t>	SELECT * FROM Test;</a:t>
-            </a:r>
-          </a:p>
-          <a:p>
-            <a:r>
-              <a:rPr lang="en-US" dirty="0"/>
-              <a:t>	\q</a:t>
-            </a:r>
-          </a:p>
-          <a:p>
-            <a:endParaRPr lang="en-US" dirty="0"/>
-          </a:p>
-          <a:p>
-            <a:r>
-              <a:rPr lang="en-US" dirty="0"/>
-              <a:t># Delete container --&gt; data is gone</a:t>
-            </a:r>
-          </a:p>
-          <a:p>
-            <a:r>
-              <a:rPr lang="en-US" dirty="0" err="1"/>
-              <a:t>docker</a:t>
-            </a:r>
-            <a:r>
-              <a:rPr lang="en-US" dirty="0"/>
-              <a:t> </a:t>
-            </a:r>
-            <a:r>
-              <a:rPr lang="en-US" dirty="0" err="1"/>
-              <a:t>rm</a:t>
-            </a:r>
-            <a:r>
-              <a:rPr lang="en-US" dirty="0"/>
-              <a:t> –f </a:t>
-            </a:r>
-            <a:r>
-              <a:rPr lang="en-US" dirty="0" err="1"/>
-              <a:t>mydb</a:t>
-            </a:r>
-            <a:endParaRPr lang="en-US" dirty="0"/>
-          </a:p>
-          <a:p>
-            <a:endParaRPr lang="en-US" dirty="0"/>
-          </a:p>
-          <a:p>
-            <a:r>
-              <a:rPr lang="en-US" dirty="0"/>
-              <a:t>-------------------</a:t>
-            </a:r>
-          </a:p>
-          <a:p>
-            <a:endParaRPr lang="en-US" dirty="0"/>
-          </a:p>
-          <a:p>
-            <a:r>
-              <a:rPr lang="en-US" dirty="0"/>
               <a:t># Create data directory on host</a:t>
             </a:r>
           </a:p>
@@ -36892,7 +36874,7 @@
           <a:p>
             <a:r>
               <a:rPr lang="sv-SE" dirty="0"/>
-              <a:t>docker run --name mydb -e POSTGRES_PASSWORD=P@ssw0rd! </a:t>
+              <a:t>docker run --name mydb -e POSTGRES_PASSWORD=P@ssw0rd! \</a:t>
             </a:r>
           </a:p>
           <a:p>
@@ -36902,7 +36884,7 @@
             </a:r>
             <a:r>
               <a:rPr lang="sv-SE" b="1" dirty="0"/>
-              <a:t>-v ~/dbdata:/var/lib/postgresql/data </a:t>
+              <a:t>--mount 'type=bind,src=/home/rainer/dbdata,dst=/var/lib/postgresql/data' </a:t>
             </a:r>
             <a:r>
               <a:rPr lang="sv-SE" dirty="0"/>
@@ -36946,7 +36928,13 @@
           <a:bodyPr/>
           <a:lstStyle/>
           <a:p>
-            <a:endParaRPr lang="de-AT"/>
+            <a:r>
+              <a:rPr lang="de-AT" dirty="0">
+                <a:hlinkClick r:id="rId2"/>
+              </a:rPr>
+              <a:t>Bind Mount</a:t>
+            </a:r>
+            <a:endParaRPr lang="de-AT" dirty="0"/>
           </a:p>
         </p:txBody>
       </p:sp>
@@ -36969,76 +36957,10 @@
           </a:p>
         </p:txBody>
       </p:sp>
-      <p:cxnSp>
-        <p:nvCxnSpPr>
-          <p:cNvPr id="13" name="Gerade Verbindung mit Pfeil 12"/>
-          <p:cNvCxnSpPr/>
-          <p:nvPr/>
-        </p:nvCxnSpPr>
-        <p:spPr>
-          <a:xfrm>
-            <a:off x="2009274" y="535405"/>
-            <a:ext cx="300789" cy="613611"/>
-          </a:xfrm>
-          <a:prstGeom prst="straightConnector1">
-            <a:avLst/>
-          </a:prstGeom>
-          <a:ln>
-            <a:tailEnd type="triangle"/>
-          </a:ln>
-        </p:spPr>
-        <p:style>
-          <a:lnRef idx="1">
-            <a:schemeClr val="accent3"/>
-          </a:lnRef>
-          <a:fillRef idx="0">
-            <a:schemeClr val="accent3"/>
-          </a:fillRef>
-          <a:effectRef idx="0">
-            <a:schemeClr val="accent3"/>
-          </a:effectRef>
-          <a:fontRef idx="minor">
-            <a:schemeClr val="tx1"/>
-          </a:fontRef>
-        </p:style>
-      </p:cxnSp>
-      <p:cxnSp>
-        <p:nvCxnSpPr>
-          <p:cNvPr id="17" name="Gerade Verbindung mit Pfeil 16"/>
-          <p:cNvCxnSpPr/>
-          <p:nvPr/>
-        </p:nvCxnSpPr>
-        <p:spPr>
-          <a:xfrm flipH="1">
-            <a:off x="1359568" y="535405"/>
-            <a:ext cx="649706" cy="766011"/>
-          </a:xfrm>
-          <a:prstGeom prst="straightConnector1">
-            <a:avLst/>
-          </a:prstGeom>
-          <a:ln>
-            <a:tailEnd type="triangle"/>
-          </a:ln>
-        </p:spPr>
-        <p:style>
-          <a:lnRef idx="1">
-            <a:schemeClr val="accent3"/>
-          </a:lnRef>
-          <a:fillRef idx="0">
-            <a:schemeClr val="accent3"/>
-          </a:fillRef>
-          <a:effectRef idx="0">
-            <a:schemeClr val="accent3"/>
-          </a:effectRef>
-          <a:fontRef idx="minor">
-            <a:schemeClr val="tx1"/>
-          </a:fontRef>
-        </p:style>
-      </p:cxnSp>
     </p:spTree>
     <p:extLst>
       <p:ext uri="{BB962C8B-B14F-4D97-AF65-F5344CB8AC3E}">
-        <p14:creationId xmlns:p14="http://schemas.microsoft.com/office/powerpoint/2010/main" val="1819977818"/>
+        <p14:creationId xmlns:p14="http://schemas.microsoft.com/office/powerpoint/2010/main" val="555689719"/>
       </p:ext>
     </p:extLst>
   </p:cSld>
@@ -37108,7 +37030,7 @@
           <a:p>
             <a:r>
               <a:rPr lang="en-US" dirty="0"/>
-              <a:t># Create data volume container</a:t>
+              <a:t># Create volume</a:t>
             </a:r>
             <a:endParaRPr lang="de-AT" dirty="0"/>
           </a:p>
@@ -37126,6 +37048,18 @@
               <a:t> </a:t>
             </a:r>
             <a:r>
+              <a:rPr lang="de-AT" dirty="0" err="1">
+                <a:hlinkClick r:id="rId2"/>
+              </a:rPr>
+              <a:t>volume</a:t>
+            </a:r>
+            <a:r>
+              <a:rPr lang="de-AT" dirty="0">
+                <a:hlinkClick r:id="rId2"/>
+              </a:rPr>
+              <a:t> </a:t>
+            </a:r>
+            <a:r>
               <a:rPr lang="de-AT" b="1" dirty="0" err="1">
                 <a:hlinkClick r:id="rId2"/>
               </a:rPr>
@@ -37133,55 +37067,44 @@
             </a:r>
             <a:r>
               <a:rPr lang="de-AT" b="1" dirty="0"/>
-              <a:t> -v /</a:t>
+              <a:t> </a:t>
             </a:r>
             <a:r>
               <a:rPr lang="de-AT" b="1" dirty="0" err="1"/>
-              <a:t>dbdata</a:t>
+              <a:t>dbstore</a:t>
+            </a:r>
+            <a:endParaRPr lang="de-AT" b="1" dirty="0"/>
+          </a:p>
+          <a:p>
+            <a:r>
+              <a:rPr lang="de-AT" dirty="0" err="1"/>
+              <a:t>docker</a:t>
             </a:r>
             <a:r>
               <a:rPr lang="de-AT" dirty="0"/>
-              <a:t> --name </a:t>
+              <a:t> </a:t>
+            </a:r>
+            <a:r>
+              <a:rPr lang="de-AT" dirty="0" err="1"/>
+              <a:t>volume</a:t>
+            </a:r>
+            <a:r>
+              <a:rPr lang="de-AT" dirty="0"/>
+              <a:t> </a:t>
+            </a:r>
+            <a:r>
+              <a:rPr lang="de-AT" dirty="0" err="1"/>
+              <a:t>inspect</a:t>
+            </a:r>
+            <a:r>
+              <a:rPr lang="de-AT" dirty="0"/>
+              <a:t> </a:t>
             </a:r>
             <a:r>
               <a:rPr lang="de-AT" dirty="0" err="1"/>
               <a:t>dbstore</a:t>
             </a:r>
-            <a:r>
-              <a:rPr lang="de-AT" dirty="0"/>
-              <a:t> </a:t>
-            </a:r>
-            <a:r>
-              <a:rPr lang="de-AT" dirty="0" err="1"/>
-              <a:t>postgres</a:t>
-            </a:r>
-            <a:r>
-              <a:rPr lang="de-AT" dirty="0"/>
-              <a:t> /bin/</a:t>
-            </a:r>
-            <a:r>
-              <a:rPr lang="de-AT" dirty="0" err="1"/>
-              <a:t>true</a:t>
-            </a:r>
             <a:endParaRPr lang="de-AT" dirty="0"/>
-          </a:p>
-          <a:p>
-            <a:r>
-              <a:rPr lang="en-US" dirty="0" err="1"/>
-              <a:t>docker</a:t>
-            </a:r>
-            <a:r>
-              <a:rPr lang="en-US" dirty="0"/>
-              <a:t> </a:t>
-            </a:r>
-            <a:r>
-              <a:rPr lang="en-US" dirty="0" err="1"/>
-              <a:t>ps</a:t>
-            </a:r>
-            <a:r>
-              <a:rPr lang="en-US" dirty="0"/>
-              <a:t> –a</a:t>
-            </a:r>
           </a:p>
           <a:p>
             <a:endParaRPr lang="en-US" dirty="0"/>
@@ -37202,12 +37125,8 @@
           </a:p>
           <a:p>
             <a:r>
-              <a:rPr lang="en-US" dirty="0" err="1"/>
-              <a:t>docker</a:t>
-            </a:r>
-            <a:r>
-              <a:rPr lang="en-US" dirty="0"/>
-              <a:t> run --name </a:t>
+              <a:rPr lang="en-US" dirty="0"/>
+              <a:t>docker run --name </a:t>
             </a:r>
             <a:r>
               <a:rPr lang="en-US" dirty="0" err="1"/>
@@ -37215,7 +37134,7 @@
             </a:r>
             <a:r>
               <a:rPr lang="en-US" dirty="0"/>
-              <a:t> -e POSTGRES_PASSWORD=P@ssw0rd! </a:t>
+              <a:t> -e POSTGRES_PASSWORD=P@ssw0rd \</a:t>
             </a:r>
           </a:p>
           <a:p>
@@ -37229,15 +37148,43 @@
             </a:r>
             <a:r>
               <a:rPr lang="en-US" dirty="0"/>
-              <a:t> --volumes-from </a:t>
+              <a:t> \</a:t>
+            </a:r>
+          </a:p>
+          <a:p>
+            <a:r>
+              <a:rPr lang="en-US" dirty="0"/>
+              <a:t>  --mount 'type=</a:t>
             </a:r>
             <a:r>
               <a:rPr lang="en-US" dirty="0" err="1"/>
-              <a:t>dbstore</a:t>
-            </a:r>
-            <a:r>
-              <a:rPr lang="en-US" dirty="0"/>
-              <a:t> -d </a:t>
+              <a:t>volume,src</a:t>
+            </a:r>
+            <a:r>
+              <a:rPr lang="en-US" dirty="0"/>
+              <a:t>=</a:t>
+            </a:r>
+            <a:r>
+              <a:rPr lang="en-US" dirty="0" err="1"/>
+              <a:t>dbstore,dst</a:t>
+            </a:r>
+            <a:r>
+              <a:rPr lang="en-US" dirty="0"/>
+              <a:t>=/</a:t>
+            </a:r>
+            <a:r>
+              <a:rPr lang="en-US" dirty="0" err="1"/>
+              <a:t>dbdata</a:t>
+            </a:r>
+            <a:r>
+              <a:rPr lang="en-US" dirty="0"/>
+              <a:t>' \</a:t>
+            </a:r>
+          </a:p>
+          <a:p>
+            <a:r>
+              <a:rPr lang="en-US" dirty="0"/>
+              <a:t>  -d </a:t>
             </a:r>
             <a:r>
               <a:rPr lang="en-US" dirty="0" err="1"/>
@@ -37289,42 +37236,74 @@
           </a:p>
           <a:p>
             <a:r>
+              <a:rPr lang="en-US" dirty="0"/>
+              <a:t>docker run --rm \</a:t>
+            </a:r>
+          </a:p>
+          <a:p>
+            <a:r>
+              <a:rPr lang="en-US" dirty="0"/>
+              <a:t>  --mount 'type=</a:t>
+            </a:r>
+            <a:r>
               <a:rPr lang="en-US" dirty="0" err="1"/>
-              <a:t>docker</a:t>
-            </a:r>
-            <a:r>
-              <a:rPr lang="en-US" dirty="0"/>
-              <a:t> run --</a:t>
+              <a:t>volume,src</a:t>
+            </a:r>
+            <a:r>
+              <a:rPr lang="en-US" dirty="0"/>
+              <a:t>=</a:t>
             </a:r>
             <a:r>
               <a:rPr lang="en-US" dirty="0" err="1"/>
-              <a:t>rm</a:t>
-            </a:r>
-            <a:r>
-              <a:rPr lang="en-US" dirty="0"/>
-              <a:t> --volumes-from </a:t>
+              <a:t>dbstore,dst</a:t>
+            </a:r>
+            <a:r>
+              <a:rPr lang="en-US" dirty="0"/>
+              <a:t>=/</a:t>
             </a:r>
             <a:r>
               <a:rPr lang="en-US" dirty="0" err="1"/>
-              <a:t>dbstore</a:t>
-            </a:r>
-            <a:r>
-              <a:rPr lang="en-US" dirty="0"/>
-              <a:t> </a:t>
-            </a:r>
-          </a:p>
-          <a:p>
-            <a:r>
-              <a:rPr lang="en-US" dirty="0"/>
-              <a:t>	-v ~/backup:/backup </a:t>
+              <a:t>dbdata</a:t>
+            </a:r>
+            <a:r>
+              <a:rPr lang="en-US" dirty="0"/>
+              <a:t>' \</a:t>
+            </a:r>
+          </a:p>
+          <a:p>
+            <a:r>
+              <a:rPr lang="en-US" dirty="0"/>
+              <a:t>  --mount 'type=</a:t>
             </a:r>
             <a:r>
               <a:rPr lang="en-US" dirty="0" err="1"/>
-              <a:t>ubuntu</a:t>
-            </a:r>
-            <a:r>
-              <a:rPr lang="en-US" dirty="0"/>
-              <a:t> tar </a:t>
+              <a:t>bind,src</a:t>
+            </a:r>
+            <a:r>
+              <a:rPr lang="en-US" dirty="0"/>
+              <a:t>=/home/</a:t>
+            </a:r>
+            <a:r>
+              <a:rPr lang="en-US" dirty="0" err="1"/>
+              <a:t>rainer</a:t>
+            </a:r>
+            <a:r>
+              <a:rPr lang="en-US" dirty="0"/>
+              <a:t>/</a:t>
+            </a:r>
+            <a:r>
+              <a:rPr lang="en-US" dirty="0" err="1"/>
+              <a:t>backup,dst</a:t>
+            </a:r>
+            <a:r>
+              <a:rPr lang="en-US" dirty="0"/>
+              <a:t>=/backup' \</a:t>
+            </a:r>
+          </a:p>
+          <a:p>
+            <a:r>
+              <a:rPr lang="en-US" dirty="0"/>
+              <a:t>	ubuntu tar </a:t>
             </a:r>
             <a:r>
               <a:rPr lang="en-US" dirty="0" err="1"/>
@@ -37414,72 +37393,6 @@
           </a:p>
         </p:txBody>
       </p:sp>
-      <p:cxnSp>
-        <p:nvCxnSpPr>
-          <p:cNvPr id="12" name="Gerade Verbindung mit Pfeil 11"/>
-          <p:cNvCxnSpPr/>
-          <p:nvPr/>
-        </p:nvCxnSpPr>
-        <p:spPr>
-          <a:xfrm>
-            <a:off x="3176337" y="535405"/>
-            <a:ext cx="252663" cy="794084"/>
-          </a:xfrm>
-          <a:prstGeom prst="straightConnector1">
-            <a:avLst/>
-          </a:prstGeom>
-          <a:ln>
-            <a:tailEnd type="triangle"/>
-          </a:ln>
-        </p:spPr>
-        <p:style>
-          <a:lnRef idx="1">
-            <a:schemeClr val="accent3"/>
-          </a:lnRef>
-          <a:fillRef idx="0">
-            <a:schemeClr val="accent3"/>
-          </a:fillRef>
-          <a:effectRef idx="0">
-            <a:schemeClr val="accent3"/>
-          </a:effectRef>
-          <a:fontRef idx="minor">
-            <a:schemeClr val="tx1"/>
-          </a:fontRef>
-        </p:style>
-      </p:cxnSp>
-      <p:cxnSp>
-        <p:nvCxnSpPr>
-          <p:cNvPr id="13" name="Gerade Verbindung mit Pfeil 12"/>
-          <p:cNvCxnSpPr/>
-          <p:nvPr/>
-        </p:nvCxnSpPr>
-        <p:spPr>
-          <a:xfrm flipH="1">
-            <a:off x="3074068" y="535405"/>
-            <a:ext cx="102269" cy="2063416"/>
-          </a:xfrm>
-          <a:prstGeom prst="straightConnector1">
-            <a:avLst/>
-          </a:prstGeom>
-          <a:ln>
-            <a:tailEnd type="triangle"/>
-          </a:ln>
-        </p:spPr>
-        <p:style>
-          <a:lnRef idx="1">
-            <a:schemeClr val="accent3"/>
-          </a:lnRef>
-          <a:fillRef idx="0">
-            <a:schemeClr val="accent3"/>
-          </a:fillRef>
-          <a:effectRef idx="0">
-            <a:schemeClr val="accent3"/>
-          </a:effectRef>
-          <a:fontRef idx="minor">
-            <a:schemeClr val="tx1"/>
-          </a:fontRef>
-        </p:style>
-      </p:cxnSp>
     </p:spTree>
     <p:extLst>
       <p:ext uri="{BB962C8B-B14F-4D97-AF65-F5344CB8AC3E}">

--- a/slides/Docker-Workshop.pptx
+++ b/slides/Docker-Workshop.pptx
@@ -413,7 +413,7 @@
           <a:p>
             <a:fld id="{D164E45F-6435-4E8D-8DA2-B4FA1A7A853C}" type="datetimeFigureOut">
               <a:rPr lang="de-AT" smtClean="0"/>
-              <a:t>17.06.2019</a:t>
+              <a:t>11.10.2020</a:t>
             </a:fld>
             <a:endParaRPr lang="de-AT"/>
           </a:p>
@@ -30322,15 +30322,7 @@
             <a:pPr lvl="1"/>
             <a:r>
               <a:rPr lang="en-US" dirty="0"/>
-              <a:t>Existing VM image (</a:t>
-            </a:r>
-            <a:r>
-              <a:rPr lang="en-US" i="1" dirty="0"/>
-              <a:t>Docker on Ubuntu server</a:t>
-            </a:r>
-            <a:r>
-              <a:rPr lang="en-US" dirty="0"/>
-              <a:t>) in </a:t>
+              <a:t>Existing VM images in </a:t>
             </a:r>
             <a:r>
               <a:rPr lang="en-US" dirty="0">
@@ -30354,11 +30346,18 @@
               <a:rPr lang="en-US" sz="1400" dirty="0">
                 <a:hlinkClick r:id="rId5"/>
               </a:rPr>
-              <a:t>https://hub.docker.com/r/microsoft/azure-cli/</a:t>
+              <a:t>https://hub.docker.com/_/microsoft-azure-cli</a:t>
             </a:r>
             <a:r>
               <a:rPr lang="en-US" sz="1400" dirty="0"/>
               <a:t>) </a:t>
+            </a:r>
+          </a:p>
+          <a:p>
+            <a:pPr lvl="1"/>
+            <a:r>
+              <a:rPr lang="en-US" sz="1400" dirty="0"/>
+              <a:t>Azure App Service</a:t>
             </a:r>
           </a:p>
           <a:p>
@@ -30485,13 +30484,29 @@
               <a:rPr lang="en-US" dirty="0">
                 <a:hlinkClick r:id="rId2"/>
               </a:rPr>
-              <a:t>https://marketplace.visualstudio.com/items?itemName=PeterJausovec.vscode-docker</a:t>
+              <a:t>https://marketplace.visualstudio.com/items?itemName=ms-azuretools.vscode-docker</a:t>
             </a:r>
             <a:endParaRPr lang="en-US" dirty="0"/>
           </a:p>
           <a:p>
             <a:r>
               <a:rPr lang="en-US" dirty="0"/>
+              <a:t>Remote Container Tools</a:t>
+            </a:r>
+          </a:p>
+          <a:p>
+            <a:pPr lvl="1"/>
+            <a:r>
+              <a:rPr lang="en-US" dirty="0">
+                <a:hlinkClick r:id="rId3"/>
+              </a:rPr>
+              <a:t>https://marketplace.visualstudio.com/items?itemName=ms-vscode-remote.vscode-remote-extensionpack</a:t>
+            </a:r>
+            <a:endParaRPr lang="en-US" dirty="0"/>
+          </a:p>
+          <a:p>
+            <a:r>
+              <a:rPr lang="en-US" dirty="0"/>
               <a:t>Container Tools in Visual Studio</a:t>
             </a:r>
           </a:p>
@@ -30499,7 +30514,7 @@
             <a:pPr lvl="1"/>
             <a:r>
               <a:rPr lang="de-AT" dirty="0">
-                <a:hlinkClick r:id="rId3"/>
+                <a:hlinkClick r:id="rId4"/>
               </a:rPr>
               <a:t>https://docs.microsoft.com/en-us/visualstudio/containers/overview?view=vs-2019</a:t>
             </a:r>
@@ -30916,34 +30931,6 @@
             <a:pPr marL="180975" indent="-180975"/>
             <a:r>
               <a:rPr lang="de-DE" noProof="1"/>
-              <a:t>// Connect to Docker client in Azure</a:t>
-            </a:r>
-          </a:p>
-          <a:p>
-            <a:pPr marL="180975" indent="-180975"/>
-            <a:r>
-              <a:rPr lang="de-DE" noProof="1"/>
-              <a:t>// (see also </a:t>
-            </a:r>
-            <a:r>
-              <a:rPr lang="de-DE" noProof="1">
-                <a:hlinkClick r:id="rId2"/>
-              </a:rPr>
-              <a:t>https://github.com/rstropek/DockerVS2015Intro</a:t>
-            </a:r>
-            <a:r>
-              <a:rPr lang="de-DE" noProof="1"/>
-              <a:t>)</a:t>
-            </a:r>
-          </a:p>
-          <a:p>
-            <a:pPr marL="180975" indent="-180975"/>
-            <a:endParaRPr lang="de-DE" noProof="1"/>
-          </a:p>
-          <a:p>
-            <a:pPr marL="180975" indent="-180975"/>
-            <a:r>
-              <a:rPr lang="de-DE" noProof="1"/>
               <a:t>// Set environment variable (secure by default)</a:t>
             </a:r>
           </a:p>
@@ -30955,7 +30942,7 @@
             </a:r>
             <a:r>
               <a:rPr lang="de-AT" dirty="0"/>
-              <a:t> DOCKER_HOST=tcp://dockertraining .northeurope.cloudapp.azure.com:2376 DOCKER_TLS_VERIFY=1</a:t>
+              <a:t> DOCKER_HOST=tcp://40.68.81.114:2375</a:t>
             </a:r>
             <a:endParaRPr lang="de-DE" noProof="1"/>
           </a:p>
@@ -33623,23 +33610,23 @@
             <a:pPr lvl="1"/>
             <a:r>
               <a:rPr lang="en-US" dirty="0"/>
-              <a:t>Triggering auto-configurations (e.g. load balancer configuration with </a:t>
+              <a:t>Triggering auto-configurations (</a:t>
+            </a:r>
+            <a:r>
+              <a:rPr lang="en-US" dirty="0" err="1"/>
+              <a:t>e.g.</a:t>
+            </a:r>
+            <a:r>
+              <a:rPr lang="en-US" dirty="0" err="1">
+                <a:hlinkClick r:id="rId3"/>
+              </a:rPr>
+              <a:t>nginx</a:t>
             </a:r>
             <a:r>
               <a:rPr lang="en-US" dirty="0">
                 <a:hlinkClick r:id="rId3"/>
               </a:rPr>
-              <a:t>Interlock</a:t>
-            </a:r>
-            <a:r>
-              <a:rPr lang="en-US" dirty="0"/>
-              <a:t> and </a:t>
-            </a:r>
-            <a:r>
-              <a:rPr lang="en-US" dirty="0">
-                <a:hlinkClick r:id="rId4"/>
-              </a:rPr>
-              <a:t>Nginx</a:t>
+              <a:t>-proxy</a:t>
             </a:r>
             <a:r>
               <a:rPr lang="en-US" dirty="0"/>
@@ -44827,7 +44814,17 @@
             <a:pPr lvl="1"/>
             <a:r>
               <a:rPr lang="en-US" dirty="0"/>
-              <a:t>Linux on Linux and Windows on Windows, no mix</a:t>
+              <a:t>Linux on Linux and Windows on Windows, no mix (consider </a:t>
+            </a:r>
+            <a:r>
+              <a:rPr lang="en-US" dirty="0">
+                <a:hlinkClick r:id="rId2"/>
+              </a:rPr>
+              <a:t>WSL2</a:t>
+            </a:r>
+            <a:r>
+              <a:rPr lang="en-US" dirty="0"/>
+              <a:t>)</a:t>
             </a:r>
           </a:p>
           <a:p>
@@ -44867,7 +44864,7 @@
           <p:nvPr/>
         </p:nvPicPr>
         <p:blipFill>
-          <a:blip r:embed="rId2" cstate="email">
+          <a:blip r:embed="rId3" cstate="email">
             <a:extLst>
               <a:ext uri="{28A0092B-C50C-407E-A947-70E740481C1C}">
                 <a14:useLocalDpi xmlns:a14="http://schemas.microsoft.com/office/drawing/2010/main" val="0"/>

--- a/slides/Docker-Workshop.pptx
+++ b/slides/Docker-Workshop.pptx
@@ -6,7 +6,7 @@
     <p:sldMasterId id="2147483842" r:id="rId2"/>
   </p:sldMasterIdLst>
   <p:notesMasterIdLst>
-    <p:notesMasterId r:id="rId58"/>
+    <p:notesMasterId r:id="rId60"/>
   </p:notesMasterIdLst>
   <p:sldIdLst>
     <p:sldId id="297" r:id="rId3"/>
@@ -21,49 +21,51 @@
     <p:sldId id="324" r:id="rId12"/>
     <p:sldId id="321" r:id="rId13"/>
     <p:sldId id="273" r:id="rId14"/>
-    <p:sldId id="315" r:id="rId15"/>
-    <p:sldId id="319" r:id="rId16"/>
-    <p:sldId id="301" r:id="rId17"/>
-    <p:sldId id="295" r:id="rId18"/>
-    <p:sldId id="276" r:id="rId19"/>
-    <p:sldId id="325" r:id="rId20"/>
-    <p:sldId id="277" r:id="rId21"/>
-    <p:sldId id="278" r:id="rId22"/>
-    <p:sldId id="279" r:id="rId23"/>
-    <p:sldId id="280" r:id="rId24"/>
-    <p:sldId id="323" r:id="rId25"/>
-    <p:sldId id="302" r:id="rId26"/>
-    <p:sldId id="304" r:id="rId27"/>
-    <p:sldId id="303" r:id="rId28"/>
-    <p:sldId id="305" r:id="rId29"/>
-    <p:sldId id="307" r:id="rId30"/>
-    <p:sldId id="309" r:id="rId31"/>
-    <p:sldId id="310" r:id="rId32"/>
-    <p:sldId id="334" r:id="rId33"/>
-    <p:sldId id="311" r:id="rId34"/>
-    <p:sldId id="328" r:id="rId35"/>
-    <p:sldId id="329" r:id="rId36"/>
-    <p:sldId id="281" r:id="rId37"/>
-    <p:sldId id="282" r:id="rId38"/>
-    <p:sldId id="308" r:id="rId39"/>
-    <p:sldId id="283" r:id="rId40"/>
-    <p:sldId id="284" r:id="rId41"/>
-    <p:sldId id="285" r:id="rId42"/>
-    <p:sldId id="331" r:id="rId43"/>
-    <p:sldId id="332" r:id="rId44"/>
-    <p:sldId id="286" r:id="rId45"/>
-    <p:sldId id="287" r:id="rId46"/>
-    <p:sldId id="333" r:id="rId47"/>
-    <p:sldId id="288" r:id="rId48"/>
-    <p:sldId id="289" r:id="rId49"/>
-    <p:sldId id="290" r:id="rId50"/>
-    <p:sldId id="291" r:id="rId51"/>
-    <p:sldId id="298" r:id="rId52"/>
-    <p:sldId id="299" r:id="rId53"/>
-    <p:sldId id="300" r:id="rId54"/>
-    <p:sldId id="292" r:id="rId55"/>
-    <p:sldId id="294" r:id="rId56"/>
-    <p:sldId id="322" r:id="rId57"/>
+    <p:sldId id="336" r:id="rId15"/>
+    <p:sldId id="315" r:id="rId16"/>
+    <p:sldId id="319" r:id="rId17"/>
+    <p:sldId id="301" r:id="rId18"/>
+    <p:sldId id="295" r:id="rId19"/>
+    <p:sldId id="276" r:id="rId20"/>
+    <p:sldId id="325" r:id="rId21"/>
+    <p:sldId id="277" r:id="rId22"/>
+    <p:sldId id="278" r:id="rId23"/>
+    <p:sldId id="279" r:id="rId24"/>
+    <p:sldId id="280" r:id="rId25"/>
+    <p:sldId id="323" r:id="rId26"/>
+    <p:sldId id="302" r:id="rId27"/>
+    <p:sldId id="304" r:id="rId28"/>
+    <p:sldId id="303" r:id="rId29"/>
+    <p:sldId id="305" r:id="rId30"/>
+    <p:sldId id="307" r:id="rId31"/>
+    <p:sldId id="309" r:id="rId32"/>
+    <p:sldId id="310" r:id="rId33"/>
+    <p:sldId id="334" r:id="rId34"/>
+    <p:sldId id="311" r:id="rId35"/>
+    <p:sldId id="328" r:id="rId36"/>
+    <p:sldId id="329" r:id="rId37"/>
+    <p:sldId id="281" r:id="rId38"/>
+    <p:sldId id="282" r:id="rId39"/>
+    <p:sldId id="308" r:id="rId40"/>
+    <p:sldId id="283" r:id="rId41"/>
+    <p:sldId id="284" r:id="rId42"/>
+    <p:sldId id="285" r:id="rId43"/>
+    <p:sldId id="331" r:id="rId44"/>
+    <p:sldId id="332" r:id="rId45"/>
+    <p:sldId id="286" r:id="rId46"/>
+    <p:sldId id="287" r:id="rId47"/>
+    <p:sldId id="333" r:id="rId48"/>
+    <p:sldId id="288" r:id="rId49"/>
+    <p:sldId id="289" r:id="rId50"/>
+    <p:sldId id="290" r:id="rId51"/>
+    <p:sldId id="291" r:id="rId52"/>
+    <p:sldId id="298" r:id="rId53"/>
+    <p:sldId id="335" r:id="rId54"/>
+    <p:sldId id="299" r:id="rId55"/>
+    <p:sldId id="300" r:id="rId56"/>
+    <p:sldId id="292" r:id="rId57"/>
+    <p:sldId id="294" r:id="rId58"/>
+    <p:sldId id="322" r:id="rId59"/>
   </p:sldIdLst>
   <p:sldSz cx="9144000" cy="5143500" type="screen16x9"/>
   <p:notesSz cx="6858000" cy="9144000"/>
@@ -238,6 +240,7 @@
             <p14:sldId id="324"/>
             <p14:sldId id="321"/>
             <p14:sldId id="273"/>
+            <p14:sldId id="336"/>
             <p14:sldId id="315"/>
             <p14:sldId id="319"/>
             <p14:sldId id="301"/>
@@ -296,6 +299,7 @@
         <p14:section name="Docker Compose" id="{3FDF1CDE-E2E9-44D4-A979-918AC1D847D4}">
           <p14:sldIdLst>
             <p14:sldId id="298"/>
+            <p14:sldId id="335"/>
             <p14:sldId id="299"/>
             <p14:sldId id="300"/>
           </p14:sldIdLst>
@@ -413,7 +417,7 @@
           <a:p>
             <a:fld id="{D164E45F-6435-4E8D-8DA2-B4FA1A7A853C}" type="datetimeFigureOut">
               <a:rPr lang="de-AT" smtClean="0"/>
-              <a:t>11.10.2020</a:t>
+              <a:t>24.01.2022</a:t>
             </a:fld>
             <a:endParaRPr lang="de-AT"/>
           </a:p>
@@ -30340,7 +30344,7 @@
             </a:r>
             <a:r>
               <a:rPr lang="en-US" sz="1400" dirty="0"/>
-              <a:t>(e.g. </a:t>
+              <a:t>(e.g., </a:t>
             </a:r>
             <a:r>
               <a:rPr lang="en-US" sz="1400" dirty="0">
@@ -30436,9 +30440,62 @@
           <a:chExt cx="0" cy="0"/>
         </a:xfrm>
       </p:grpSpPr>
+      <p:pic>
+        <p:nvPicPr>
+          <p:cNvPr id="1026" name="Picture 2">
+            <a:extLst>
+              <a:ext uri="{FF2B5EF4-FFF2-40B4-BE49-F238E27FC236}">
+                <a16:creationId xmlns:a16="http://schemas.microsoft.com/office/drawing/2014/main" id="{B91E8176-0A0D-4EEC-81A0-E6ADDB7698B8}"/>
+              </a:ext>
+            </a:extLst>
+          </p:cNvPr>
+          <p:cNvPicPr>
+            <a:picLocks noChangeAspect="1" noChangeArrowheads="1"/>
+          </p:cNvPicPr>
+          <p:nvPr/>
+        </p:nvPicPr>
+        <p:blipFill>
+          <a:blip r:embed="rId2" cstate="email">
+            <a:extLst>
+              <a:ext uri="{28A0092B-C50C-407E-A947-70E740481C1C}">
+                <a14:useLocalDpi xmlns:a14="http://schemas.microsoft.com/office/drawing/2010/main" val="0"/>
+              </a:ext>
+            </a:extLst>
+          </a:blip>
+          <a:srcRect/>
+          <a:stretch>
+            <a:fillRect/>
+          </a:stretch>
+        </p:blipFill>
+        <p:spPr bwMode="auto">
+          <a:xfrm>
+            <a:off x="5876592" y="2933395"/>
+            <a:ext cx="3283779" cy="2210105"/>
+          </a:xfrm>
+          <a:prstGeom prst="rect">
+            <a:avLst/>
+          </a:prstGeom>
+          <a:noFill/>
+          <a:extLst>
+            <a:ext uri="{909E8E84-426E-40DD-AFC4-6F175D3DCCD1}">
+              <a14:hiddenFill xmlns:a14="http://schemas.microsoft.com/office/drawing/2010/main">
+                <a:solidFill>
+                  <a:srgbClr val="FFFFFF"/>
+                </a:solidFill>
+              </a14:hiddenFill>
+            </a:ext>
+          </a:extLst>
+        </p:spPr>
+      </p:pic>
       <p:sp>
         <p:nvSpPr>
-          <p:cNvPr id="6" name="Title 5"/>
+          <p:cNvPr id="2" name="Title 1">
+            <a:extLst>
+              <a:ext uri="{FF2B5EF4-FFF2-40B4-BE49-F238E27FC236}">
+                <a16:creationId xmlns:a16="http://schemas.microsoft.com/office/drawing/2014/main" id="{2C63B67D-D25E-4063-880E-DE365F21CD80}"/>
+              </a:ext>
+            </a:extLst>
+          </p:cNvPr>
           <p:cNvSpPr>
             <a:spLocks noGrp="1"/>
           </p:cNvSpPr>
@@ -30453,14 +30510,21 @@
           <a:p>
             <a:r>
               <a:rPr lang="en-US" dirty="0"/>
-              <a:t>Visual Studio DevOps Tooling</a:t>
-            </a:r>
+              <a:t>Docker Desktop</a:t>
+            </a:r>
+            <a:endParaRPr lang="en-AT" dirty="0"/>
           </a:p>
         </p:txBody>
       </p:sp>
       <p:sp>
         <p:nvSpPr>
-          <p:cNvPr id="7" name="Content Placeholder 6"/>
+          <p:cNvPr id="3" name="Content Placeholder 2">
+            <a:extLst>
+              <a:ext uri="{FF2B5EF4-FFF2-40B4-BE49-F238E27FC236}">
+                <a16:creationId xmlns:a16="http://schemas.microsoft.com/office/drawing/2014/main" id="{617C4F52-C2E2-4E25-A957-0A23982EE6DA}"/>
+              </a:ext>
+            </a:extLst>
+          </p:cNvPr>
           <p:cNvSpPr>
             <a:spLocks noGrp="1"/>
           </p:cNvSpPr>
@@ -30475,56 +30539,86 @@
           <a:p>
             <a:r>
               <a:rPr lang="en-US" dirty="0"/>
-              <a:t>Docker Extension for Visual Studio Code</a:t>
+              <a:t>Docker Desktop (free for </a:t>
+            </a:r>
+            <a:r>
+              <a:rPr lang="en-US" dirty="0" err="1"/>
+              <a:t>edu</a:t>
+            </a:r>
+            <a:r>
+              <a:rPr lang="en-US" dirty="0"/>
+              <a:t>/small companies)</a:t>
             </a:r>
           </a:p>
           <a:p>
             <a:pPr lvl="1"/>
             <a:r>
-              <a:rPr lang="en-US" dirty="0">
-                <a:hlinkClick r:id="rId2"/>
-              </a:rPr>
-              <a:t>https://marketplace.visualstudio.com/items?itemName=ms-azuretools.vscode-docker</a:t>
-            </a:r>
-            <a:endParaRPr lang="en-US" dirty="0"/>
-          </a:p>
-          <a:p>
-            <a:r>
-              <a:rPr lang="en-US" dirty="0"/>
-              <a:t>Remote Container Tools</a:t>
+              <a:rPr lang="en-US" dirty="0"/>
+              <a:t>A secure, optimized Linux VM that runs Linux tools and containers </a:t>
             </a:r>
           </a:p>
           <a:p>
             <a:pPr lvl="1"/>
             <a:r>
-              <a:rPr lang="en-US" dirty="0">
-                <a:hlinkClick r:id="rId3"/>
-              </a:rPr>
-              <a:t>https://marketplace.visualstudio.com/items?itemName=ms-vscode-remote.vscode-remote-extensionpack</a:t>
-            </a:r>
-            <a:endParaRPr lang="en-US" dirty="0"/>
-          </a:p>
-          <a:p>
-            <a:r>
-              <a:rPr lang="en-US" dirty="0"/>
-              <a:t>Container Tools in Visual Studio</a:t>
+              <a:rPr lang="en-US" dirty="0"/>
+              <a:t>Seamless plumbing into the host OS giving containers access to the filesystem and networking </a:t>
             </a:r>
           </a:p>
           <a:p>
             <a:pPr lvl="1"/>
             <a:r>
-              <a:rPr lang="de-AT" dirty="0">
-                <a:hlinkClick r:id="rId4"/>
-              </a:rPr>
-              <a:t>https://docs.microsoft.com/en-us/visualstudio/containers/overview?view=vs-2019</a:t>
-            </a:r>
-            <a:endParaRPr lang="en-US" dirty="0"/>
+              <a:rPr lang="en-US" dirty="0"/>
+              <a:t>Bundled container tools including Kubernetes, Docker Compose, </a:t>
+            </a:r>
+            <a:r>
+              <a:rPr lang="en-US" dirty="0" err="1"/>
+              <a:t>buildkit</a:t>
+            </a:r>
+            <a:r>
+              <a:rPr lang="en-US" dirty="0"/>
+              <a:t>, scanning </a:t>
+            </a:r>
+          </a:p>
+          <a:p>
+            <a:pPr lvl="1"/>
+            <a:r>
+              <a:rPr lang="en-US" dirty="0"/>
+              <a:t>Docker Dashboard for visually managing all your container content </a:t>
+            </a:r>
+          </a:p>
+          <a:p>
+            <a:pPr lvl="1"/>
+            <a:r>
+              <a:rPr lang="en-US" dirty="0"/>
+              <a:t>A simple one click installer for Mac and Windows </a:t>
+            </a:r>
+          </a:p>
+          <a:p>
+            <a:pPr lvl="1"/>
+            <a:r>
+              <a:rPr lang="en-US" dirty="0"/>
+              <a:t>Preconfigured sane and secure defaults</a:t>
+            </a:r>
+          </a:p>
+          <a:p>
+            <a:pPr lvl="1"/>
+            <a:r>
+              <a:rPr lang="en-US" dirty="0"/>
+              <a:t>Automatic incremental updates to keep your system running securely</a:t>
+            </a:r>
+            <a:endParaRPr lang="en-AT" dirty="0"/>
           </a:p>
         </p:txBody>
       </p:sp>
       <p:sp>
         <p:nvSpPr>
-          <p:cNvPr id="8" name="Text Placeholder 7"/>
+          <p:cNvPr id="4" name="Text Placeholder 3">
+            <a:extLst>
+              <a:ext uri="{FF2B5EF4-FFF2-40B4-BE49-F238E27FC236}">
+                <a16:creationId xmlns:a16="http://schemas.microsoft.com/office/drawing/2014/main" id="{164877FD-15FC-48F0-9CCC-CDA022506E1A}"/>
+              </a:ext>
+            </a:extLst>
+          </p:cNvPr>
           <p:cNvSpPr>
             <a:spLocks noGrp="1"/>
           </p:cNvSpPr>
@@ -30537,14 +30631,35 @@
           <a:bodyPr/>
           <a:lstStyle/>
           <a:p>
-            <a:endParaRPr lang="en-US" dirty="0"/>
+            <a:r>
+              <a:rPr lang="en-US" dirty="0">
+                <a:solidFill>
+                  <a:schemeClr val="accent1"/>
+                </a:solidFill>
+              </a:rPr>
+              <a:t>Source: </a:t>
+            </a:r>
+            <a:r>
+              <a:rPr lang="en-US" dirty="0">
+                <a:solidFill>
+                  <a:schemeClr val="accent1"/>
+                </a:solidFill>
+                <a:hlinkClick r:id="rId3"/>
+              </a:rPr>
+              <a:t>https://www.docker.com/blog/the-magic-behind-the-scenes-of-docker-desktop/</a:t>
+            </a:r>
+            <a:endParaRPr lang="en-AT" dirty="0">
+              <a:solidFill>
+                <a:schemeClr val="accent1"/>
+              </a:solidFill>
+            </a:endParaRPr>
           </a:p>
         </p:txBody>
       </p:sp>
     </p:spTree>
     <p:extLst>
       <p:ext uri="{BB962C8B-B14F-4D97-AF65-F5344CB8AC3E}">
-        <p14:creationId xmlns:p14="http://schemas.microsoft.com/office/powerpoint/2010/main" val="2597850747"/>
+        <p14:creationId xmlns:p14="http://schemas.microsoft.com/office/powerpoint/2010/main" val="4151479731"/>
       </p:ext>
     </p:extLst>
   </p:cSld>
@@ -30576,7 +30691,7 @@
       </p:grpSpPr>
       <p:sp>
         <p:nvSpPr>
-          <p:cNvPr id="2" name="Titel 1"/>
+          <p:cNvPr id="6" name="Title 5"/>
           <p:cNvSpPr>
             <a:spLocks noGrp="1"/>
           </p:cNvSpPr>
@@ -30591,14 +30706,14 @@
           <a:p>
             <a:r>
               <a:rPr lang="en-US" dirty="0"/>
-              <a:t>Docker Cluster Solutions</a:t>
+              <a:t>Visual Studio DevOps Tooling</a:t>
             </a:r>
           </a:p>
         </p:txBody>
       </p:sp>
       <p:sp>
         <p:nvSpPr>
-          <p:cNvPr id="3" name="Inhaltsplatzhalter 2"/>
+          <p:cNvPr id="7" name="Content Placeholder 6"/>
           <p:cNvSpPr>
             <a:spLocks noGrp="1"/>
           </p:cNvSpPr>
@@ -30613,7 +30728,7 @@
           <a:p>
             <a:r>
               <a:rPr lang="en-US" dirty="0"/>
-              <a:t>Docker Swarm Mode</a:t>
+              <a:t>Docker Extension for Visual Studio Code</a:t>
             </a:r>
           </a:p>
           <a:p>
@@ -30622,24 +30737,14 @@
               <a:rPr lang="en-US" dirty="0">
                 <a:hlinkClick r:id="rId2"/>
               </a:rPr>
-              <a:t>https://docs.docker.com/engine/swarm/</a:t>
-            </a:r>
-            <a:r>
-              <a:rPr lang="en-US" dirty="0"/>
-              <a:t> </a:t>
-            </a:r>
-          </a:p>
-          <a:p>
-            <a:pPr lvl="1"/>
-            <a:r>
-              <a:rPr lang="en-US" dirty="0"/>
-              <a:t>Native clustering for Docker, turns a pool of Docker hosts into a single, virtual Docker host</a:t>
-            </a:r>
-          </a:p>
-          <a:p>
-            <a:r>
-              <a:rPr lang="en-US" dirty="0"/>
-              <a:t>Kubernetes</a:t>
+              <a:t>https://marketplace.visualstudio.com/items?itemName=ms-azuretools.vscode-docker</a:t>
+            </a:r>
+            <a:endParaRPr lang="en-US" dirty="0"/>
+          </a:p>
+          <a:p>
+            <a:r>
+              <a:rPr lang="en-US" dirty="0"/>
+              <a:t>Remote Container Tools</a:t>
             </a:r>
           </a:p>
           <a:p>
@@ -30648,41 +30753,31 @@
               <a:rPr lang="en-US" dirty="0">
                 <a:hlinkClick r:id="rId3"/>
               </a:rPr>
-              <a:t>https://kubernetes.io/</a:t>
+              <a:t>https://marketplace.visualstudio.com/items?itemName=ms-vscode-remote.vscode-remote-extensionpack</a:t>
             </a:r>
             <a:endParaRPr lang="en-US" dirty="0"/>
           </a:p>
           <a:p>
             <a:r>
               <a:rPr lang="en-US" dirty="0"/>
-              <a:t>Azure Kubernetes Service (AKS)</a:t>
+              <a:t>Container Tools in Visual Studio</a:t>
             </a:r>
           </a:p>
           <a:p>
             <a:pPr lvl="1"/>
             <a:r>
-              <a:rPr lang="en-US" dirty="0">
+              <a:rPr lang="de-AT" dirty="0">
                 <a:hlinkClick r:id="rId4"/>
               </a:rPr>
-              <a:t>https://azure.microsoft.com/en-us/services/kubernetes-service/</a:t>
-            </a:r>
-            <a:r>
-              <a:rPr lang="en-US" dirty="0"/>
-              <a:t> </a:t>
-            </a:r>
-          </a:p>
-          <a:p>
-            <a:pPr lvl="1"/>
-            <a:r>
-              <a:rPr lang="en-US" dirty="0"/>
-              <a:t>Managed Kubernetes</a:t>
-            </a:r>
+              <a:t>https://docs.microsoft.com/en-us/visualstudio/containers/overview?view=vs-2019</a:t>
+            </a:r>
+            <a:endParaRPr lang="en-US" dirty="0"/>
           </a:p>
         </p:txBody>
       </p:sp>
       <p:sp>
         <p:nvSpPr>
-          <p:cNvPr id="4" name="Textplatzhalter 3"/>
+          <p:cNvPr id="8" name="Text Placeholder 7"/>
           <p:cNvSpPr>
             <a:spLocks noGrp="1"/>
           </p:cNvSpPr>
@@ -30695,14 +30790,14 @@
           <a:bodyPr/>
           <a:lstStyle/>
           <a:p>
-            <a:endParaRPr lang="en-US"/>
+            <a:endParaRPr lang="en-US" dirty="0"/>
           </a:p>
         </p:txBody>
       </p:sp>
     </p:spTree>
     <p:extLst>
       <p:ext uri="{BB962C8B-B14F-4D97-AF65-F5344CB8AC3E}">
-        <p14:creationId xmlns:p14="http://schemas.microsoft.com/office/powerpoint/2010/main" val="2156520220"/>
+        <p14:creationId xmlns:p14="http://schemas.microsoft.com/office/powerpoint/2010/main" val="2597850747"/>
       </p:ext>
     </p:extLst>
   </p:cSld>
@@ -30734,6 +30829,164 @@
       </p:grpSpPr>
       <p:sp>
         <p:nvSpPr>
+          <p:cNvPr id="2" name="Titel 1"/>
+          <p:cNvSpPr>
+            <a:spLocks noGrp="1"/>
+          </p:cNvSpPr>
+          <p:nvPr>
+            <p:ph type="title"/>
+          </p:nvPr>
+        </p:nvSpPr>
+        <p:spPr/>
+        <p:txBody>
+          <a:bodyPr/>
+          <a:lstStyle/>
+          <a:p>
+            <a:r>
+              <a:rPr lang="en-US" dirty="0"/>
+              <a:t>Docker Cluster Solutions</a:t>
+            </a:r>
+          </a:p>
+        </p:txBody>
+      </p:sp>
+      <p:sp>
+        <p:nvSpPr>
+          <p:cNvPr id="3" name="Inhaltsplatzhalter 2"/>
+          <p:cNvSpPr>
+            <a:spLocks noGrp="1"/>
+          </p:cNvSpPr>
+          <p:nvPr>
+            <p:ph sz="quarter" idx="12"/>
+          </p:nvPr>
+        </p:nvSpPr>
+        <p:spPr/>
+        <p:txBody>
+          <a:bodyPr/>
+          <a:lstStyle/>
+          <a:p>
+            <a:r>
+              <a:rPr lang="en-US" dirty="0"/>
+              <a:t>Docker Swarm Mode</a:t>
+            </a:r>
+          </a:p>
+          <a:p>
+            <a:pPr lvl="1"/>
+            <a:r>
+              <a:rPr lang="en-US" dirty="0">
+                <a:hlinkClick r:id="rId2"/>
+              </a:rPr>
+              <a:t>https://docs.docker.com/engine/swarm/</a:t>
+            </a:r>
+            <a:r>
+              <a:rPr lang="en-US" dirty="0"/>
+              <a:t> </a:t>
+            </a:r>
+          </a:p>
+          <a:p>
+            <a:pPr lvl="1"/>
+            <a:r>
+              <a:rPr lang="en-US" dirty="0"/>
+              <a:t>Native clustering for Docker, turns a pool of Docker hosts into a single, virtual Docker host</a:t>
+            </a:r>
+          </a:p>
+          <a:p>
+            <a:r>
+              <a:rPr lang="en-US" dirty="0"/>
+              <a:t>Kubernetes</a:t>
+            </a:r>
+          </a:p>
+          <a:p>
+            <a:pPr lvl="1"/>
+            <a:r>
+              <a:rPr lang="en-US" dirty="0">
+                <a:hlinkClick r:id="rId3"/>
+              </a:rPr>
+              <a:t>https://kubernetes.io/</a:t>
+            </a:r>
+            <a:endParaRPr lang="en-US" dirty="0"/>
+          </a:p>
+          <a:p>
+            <a:r>
+              <a:rPr lang="en-US" dirty="0"/>
+              <a:t>Azure Kubernetes Service (AKS)</a:t>
+            </a:r>
+          </a:p>
+          <a:p>
+            <a:pPr lvl="1"/>
+            <a:r>
+              <a:rPr lang="en-US" dirty="0">
+                <a:hlinkClick r:id="rId4"/>
+              </a:rPr>
+              <a:t>https://azure.microsoft.com/en-us/services/kubernetes-service/</a:t>
+            </a:r>
+            <a:r>
+              <a:rPr lang="en-US" dirty="0"/>
+              <a:t> </a:t>
+            </a:r>
+          </a:p>
+          <a:p>
+            <a:pPr lvl="1"/>
+            <a:r>
+              <a:rPr lang="en-US" dirty="0"/>
+              <a:t>Managed Kubernetes</a:t>
+            </a:r>
+          </a:p>
+        </p:txBody>
+      </p:sp>
+      <p:sp>
+        <p:nvSpPr>
+          <p:cNvPr id="4" name="Textplatzhalter 3"/>
+          <p:cNvSpPr>
+            <a:spLocks noGrp="1"/>
+          </p:cNvSpPr>
+          <p:nvPr>
+            <p:ph type="body" sz="quarter" idx="23"/>
+          </p:nvPr>
+        </p:nvSpPr>
+        <p:spPr/>
+        <p:txBody>
+          <a:bodyPr/>
+          <a:lstStyle/>
+          <a:p>
+            <a:endParaRPr lang="en-US"/>
+          </a:p>
+        </p:txBody>
+      </p:sp>
+    </p:spTree>
+    <p:extLst>
+      <p:ext uri="{BB962C8B-B14F-4D97-AF65-F5344CB8AC3E}">
+        <p14:creationId xmlns:p14="http://schemas.microsoft.com/office/powerpoint/2010/main" val="2156520220"/>
+      </p:ext>
+    </p:extLst>
+  </p:cSld>
+  <p:clrMapOvr>
+    <a:masterClrMapping/>
+  </p:clrMapOvr>
+  <p:transition spd="slow">
+    <p:push/>
+  </p:transition>
+</p:sld>
+</file>
+
+<file path=ppt/slides/slide16.xml><?xml version="1.0" encoding="utf-8"?>
+<p:sld xmlns:a="http://schemas.openxmlformats.org/drawingml/2006/main" xmlns:r="http://schemas.openxmlformats.org/officeDocument/2006/relationships" xmlns:p="http://schemas.openxmlformats.org/presentationml/2006/main">
+  <p:cSld>
+    <p:spTree>
+      <p:nvGrpSpPr>
+        <p:cNvPr id="1" name=""/>
+        <p:cNvGrpSpPr/>
+        <p:nvPr/>
+      </p:nvGrpSpPr>
+      <p:grpSpPr>
+        <a:xfrm>
+          <a:off x="0" y="0"/>
+          <a:ext cx="0" cy="0"/>
+          <a:chOff x="0" y="0"/>
+          <a:chExt cx="0" cy="0"/>
+        </a:xfrm>
+      </p:grpSpPr>
+      <p:sp>
+        <p:nvSpPr>
           <p:cNvPr id="6" name="Titel 5"/>
           <p:cNvSpPr>
             <a:spLocks noGrp="1"/>
@@ -30874,7 +31127,7 @@
 </p:sld>
 </file>
 
-<file path=ppt/slides/slide16.xml><?xml version="1.0" encoding="utf-8"?>
+<file path=ppt/slides/slide17.xml><?xml version="1.0" encoding="utf-8"?>
 <p:sld xmlns:a="http://schemas.openxmlformats.org/drawingml/2006/main" xmlns:r="http://schemas.openxmlformats.org/officeDocument/2006/relationships" xmlns:p="http://schemas.openxmlformats.org/presentationml/2006/main" show="0">
   <p:cSld>
     <p:spTree>
@@ -31039,7 +31292,7 @@
 </p:sld>
 </file>
 
-<file path=ppt/slides/slide17.xml><?xml version="1.0" encoding="utf-8"?>
+<file path=ppt/slides/slide18.xml><?xml version="1.0" encoding="utf-8"?>
 <p:sld xmlns:a="http://schemas.openxmlformats.org/drawingml/2006/main" xmlns:r="http://schemas.openxmlformats.org/officeDocument/2006/relationships" xmlns:p="http://schemas.openxmlformats.org/presentationml/2006/main">
   <p:cSld>
     <p:spTree>
@@ -31125,7 +31378,7 @@
 </p:sld>
 </file>
 
-<file path=ppt/slides/slide18.xml><?xml version="1.0" encoding="utf-8"?>
+<file path=ppt/slides/slide19.xml><?xml version="1.0" encoding="utf-8"?>
 <p:sld xmlns:a="http://schemas.openxmlformats.org/drawingml/2006/main" xmlns:r="http://schemas.openxmlformats.org/officeDocument/2006/relationships" xmlns:p="http://schemas.openxmlformats.org/presentationml/2006/main">
   <p:cSld>
     <p:spTree>
@@ -31195,7 +31448,7 @@
             <a:pPr lvl="1"/>
             <a:r>
               <a:rPr lang="en-US" dirty="0"/>
-              <a:t>Will be covered in details later</a:t>
+              <a:t>Will be covered in detail later</a:t>
             </a:r>
           </a:p>
           <a:p>
@@ -31276,286 +31529,6 @@
     <p:extLst>
       <p:ext uri="{BB962C8B-B14F-4D97-AF65-F5344CB8AC3E}">
         <p14:creationId xmlns:p14="http://schemas.microsoft.com/office/powerpoint/2010/main" val="504077091"/>
-      </p:ext>
-    </p:extLst>
-  </p:cSld>
-  <p:clrMapOvr>
-    <a:masterClrMapping/>
-  </p:clrMapOvr>
-  <p:transition spd="slow">
-    <p:push/>
-  </p:transition>
-</p:sld>
-</file>
-
-<file path=ppt/slides/slide19.xml><?xml version="1.0" encoding="utf-8"?>
-<p:sld xmlns:a="http://schemas.openxmlformats.org/drawingml/2006/main" xmlns:r="http://schemas.openxmlformats.org/officeDocument/2006/relationships" xmlns:p="http://schemas.openxmlformats.org/presentationml/2006/main">
-  <p:cSld>
-    <p:spTree>
-      <p:nvGrpSpPr>
-        <p:cNvPr id="1" name=""/>
-        <p:cNvGrpSpPr/>
-        <p:nvPr/>
-      </p:nvGrpSpPr>
-      <p:grpSpPr>
-        <a:xfrm>
-          <a:off x="0" y="0"/>
-          <a:ext cx="0" cy="0"/>
-          <a:chOff x="0" y="0"/>
-          <a:chExt cx="0" cy="0"/>
-        </a:xfrm>
-      </p:grpSpPr>
-      <p:sp>
-        <p:nvSpPr>
-          <p:cNvPr id="5" name="Titel 4"/>
-          <p:cNvSpPr>
-            <a:spLocks noGrp="1"/>
-          </p:cNvSpPr>
-          <p:nvPr>
-            <p:ph type="title"/>
-          </p:nvPr>
-        </p:nvSpPr>
-        <p:spPr/>
-        <p:txBody>
-          <a:bodyPr/>
-          <a:lstStyle/>
-          <a:p>
-            <a:r>
-              <a:rPr lang="en-US" dirty="0"/>
-              <a:t>Docker CLI</a:t>
-            </a:r>
-          </a:p>
-        </p:txBody>
-      </p:sp>
-      <p:sp>
-        <p:nvSpPr>
-          <p:cNvPr id="6" name="Inhaltsplatzhalter 5"/>
-          <p:cNvSpPr>
-            <a:spLocks noGrp="1"/>
-          </p:cNvSpPr>
-          <p:nvPr>
-            <p:ph sz="quarter" idx="12"/>
-          </p:nvPr>
-        </p:nvSpPr>
-        <p:spPr/>
-        <p:txBody>
-          <a:bodyPr/>
-          <a:lstStyle/>
-          <a:p>
-            <a:r>
-              <a:rPr lang="en-US" dirty="0"/>
-              <a:t>Documentation</a:t>
-            </a:r>
-          </a:p>
-          <a:p>
-            <a:pPr lvl="1"/>
-            <a:r>
-              <a:rPr lang="en-US" dirty="0">
-                <a:hlinkClick r:id="rId2"/>
-              </a:rPr>
-              <a:t>http://docs.docker.com/reference/commandline/cli</a:t>
-            </a:r>
-            <a:endParaRPr lang="en-US" dirty="0"/>
-          </a:p>
-          <a:p>
-            <a:r>
-              <a:rPr lang="en-US" dirty="0"/>
-              <a:t>Important Commands for Containers</a:t>
-            </a:r>
-          </a:p>
-          <a:p>
-            <a:pPr lvl="1"/>
-            <a:r>
-              <a:rPr lang="en-US" dirty="0" err="1">
-                <a:latin typeface="Courier New" panose="02070309020205020404" pitchFamily="49" charset="0"/>
-                <a:cs typeface="Courier New" panose="02070309020205020404" pitchFamily="49" charset="0"/>
-              </a:rPr>
-              <a:t>docker</a:t>
-            </a:r>
-            <a:r>
-              <a:rPr lang="en-US" dirty="0">
-                <a:latin typeface="Courier New" panose="02070309020205020404" pitchFamily="49" charset="0"/>
-                <a:cs typeface="Courier New" panose="02070309020205020404" pitchFamily="49" charset="0"/>
-              </a:rPr>
-              <a:t> run</a:t>
-            </a:r>
-            <a:r>
-              <a:rPr lang="en-US" dirty="0"/>
-              <a:t> – Run a command in a new container</a:t>
-            </a:r>
-          </a:p>
-          <a:p>
-            <a:pPr lvl="1"/>
-            <a:r>
-              <a:rPr lang="en-US" dirty="0" err="1">
-                <a:latin typeface="Courier New" panose="02070309020205020404" pitchFamily="49" charset="0"/>
-                <a:cs typeface="Courier New" panose="02070309020205020404" pitchFamily="49" charset="0"/>
-              </a:rPr>
-              <a:t>docker</a:t>
-            </a:r>
-            <a:r>
-              <a:rPr lang="en-US" dirty="0">
-                <a:latin typeface="Courier New" panose="02070309020205020404" pitchFamily="49" charset="0"/>
-                <a:cs typeface="Courier New" panose="02070309020205020404" pitchFamily="49" charset="0"/>
-              </a:rPr>
-              <a:t> </a:t>
-            </a:r>
-            <a:r>
-              <a:rPr lang="en-US" dirty="0" err="1">
-                <a:latin typeface="Courier New" panose="02070309020205020404" pitchFamily="49" charset="0"/>
-                <a:cs typeface="Courier New" panose="02070309020205020404" pitchFamily="49" charset="0"/>
-              </a:rPr>
-              <a:t>ps</a:t>
-            </a:r>
-            <a:r>
-              <a:rPr lang="en-US" dirty="0"/>
-              <a:t> – List containers</a:t>
-            </a:r>
-          </a:p>
-          <a:p>
-            <a:pPr lvl="1"/>
-            <a:r>
-              <a:rPr lang="en-US" dirty="0" err="1">
-                <a:latin typeface="Courier New" panose="02070309020205020404" pitchFamily="49" charset="0"/>
-                <a:cs typeface="Courier New" panose="02070309020205020404" pitchFamily="49" charset="0"/>
-              </a:rPr>
-              <a:t>docker</a:t>
-            </a:r>
-            <a:r>
-              <a:rPr lang="en-US" dirty="0">
-                <a:latin typeface="Courier New" panose="02070309020205020404" pitchFamily="49" charset="0"/>
-                <a:cs typeface="Courier New" panose="02070309020205020404" pitchFamily="49" charset="0"/>
-              </a:rPr>
-              <a:t> start/stop</a:t>
-            </a:r>
-            <a:r>
-              <a:rPr lang="en-US" dirty="0"/>
-              <a:t> – Restarts/stops a container</a:t>
-            </a:r>
-          </a:p>
-          <a:p>
-            <a:pPr lvl="1"/>
-            <a:r>
-              <a:rPr lang="en-US" dirty="0" err="1">
-                <a:latin typeface="Courier New" panose="02070309020205020404" pitchFamily="49" charset="0"/>
-                <a:cs typeface="Courier New" panose="02070309020205020404" pitchFamily="49" charset="0"/>
-              </a:rPr>
-              <a:t>docker</a:t>
-            </a:r>
-            <a:r>
-              <a:rPr lang="en-US" dirty="0">
-                <a:latin typeface="Courier New" panose="02070309020205020404" pitchFamily="49" charset="0"/>
-                <a:cs typeface="Courier New" panose="02070309020205020404" pitchFamily="49" charset="0"/>
-              </a:rPr>
-              <a:t> </a:t>
-            </a:r>
-            <a:r>
-              <a:rPr lang="en-US" dirty="0" err="1">
-                <a:latin typeface="Courier New" panose="02070309020205020404" pitchFamily="49" charset="0"/>
-                <a:cs typeface="Courier New" panose="02070309020205020404" pitchFamily="49" charset="0"/>
-              </a:rPr>
-              <a:t>rm</a:t>
-            </a:r>
-            <a:r>
-              <a:rPr lang="en-US" dirty="0"/>
-              <a:t> – Removes container(s)</a:t>
-            </a:r>
-          </a:p>
-          <a:p>
-            <a:pPr lvl="1"/>
-            <a:r>
-              <a:rPr lang="en-US" dirty="0" err="1">
-                <a:latin typeface="Courier New" panose="02070309020205020404" pitchFamily="49" charset="0"/>
-                <a:cs typeface="Courier New" panose="02070309020205020404" pitchFamily="49" charset="0"/>
-              </a:rPr>
-              <a:t>docker</a:t>
-            </a:r>
-            <a:r>
-              <a:rPr lang="en-US" dirty="0">
-                <a:latin typeface="Courier New" panose="02070309020205020404" pitchFamily="49" charset="0"/>
-                <a:cs typeface="Courier New" panose="02070309020205020404" pitchFamily="49" charset="0"/>
-              </a:rPr>
-              <a:t> attach </a:t>
-            </a:r>
-            <a:r>
-              <a:rPr lang="en-US" dirty="0"/>
-              <a:t>– Attach to running container</a:t>
-            </a:r>
-          </a:p>
-          <a:p>
-            <a:pPr lvl="1"/>
-            <a:r>
-              <a:rPr lang="en-US" dirty="0" err="1">
-                <a:latin typeface="Courier New" panose="02070309020205020404" pitchFamily="49" charset="0"/>
-                <a:cs typeface="Courier New" panose="02070309020205020404" pitchFamily="49" charset="0"/>
-              </a:rPr>
-              <a:t>docker</a:t>
-            </a:r>
-            <a:r>
-              <a:rPr lang="en-US" dirty="0">
-                <a:latin typeface="Courier New" panose="02070309020205020404" pitchFamily="49" charset="0"/>
-                <a:cs typeface="Courier New" panose="02070309020205020404" pitchFamily="49" charset="0"/>
-              </a:rPr>
-              <a:t> top </a:t>
-            </a:r>
-            <a:r>
-              <a:rPr lang="en-US" dirty="0"/>
-              <a:t>– Display processes running in container</a:t>
-            </a:r>
-          </a:p>
-          <a:p>
-            <a:pPr lvl="1"/>
-            <a:r>
-              <a:rPr lang="en-US" dirty="0">
-                <a:latin typeface="Courier New" panose="02070309020205020404" pitchFamily="49" charset="0"/>
-                <a:cs typeface="Courier New" panose="02070309020205020404" pitchFamily="49" charset="0"/>
-              </a:rPr>
-              <a:t>docker exec </a:t>
-            </a:r>
-            <a:r>
-              <a:rPr lang="en-US" dirty="0"/>
-              <a:t>– Run a command in a container</a:t>
-            </a:r>
-          </a:p>
-          <a:p>
-            <a:pPr lvl="1"/>
-            <a:r>
-              <a:rPr lang="en-US" dirty="0">
-                <a:latin typeface="Courier New" panose="02070309020205020404" pitchFamily="49" charset="0"/>
-                <a:cs typeface="Courier New" panose="02070309020205020404" pitchFamily="49" charset="0"/>
-              </a:rPr>
-              <a:t>docker container prune </a:t>
-            </a:r>
-            <a:r>
-              <a:rPr lang="en-US" dirty="0"/>
-              <a:t>– Remove all stopped containers</a:t>
-            </a:r>
-          </a:p>
-        </p:txBody>
-      </p:sp>
-      <p:sp>
-        <p:nvSpPr>
-          <p:cNvPr id="7" name="Textplatzhalter 6"/>
-          <p:cNvSpPr>
-            <a:spLocks noGrp="1"/>
-          </p:cNvSpPr>
-          <p:nvPr>
-            <p:ph type="body" sz="quarter" idx="23"/>
-          </p:nvPr>
-        </p:nvSpPr>
-        <p:spPr/>
-        <p:txBody>
-          <a:bodyPr/>
-          <a:lstStyle/>
-          <a:p>
-            <a:endParaRPr lang="en-US"/>
-          </a:p>
-        </p:txBody>
-      </p:sp>
-    </p:spTree>
-    <p:extLst>
-      <p:ext uri="{BB962C8B-B14F-4D97-AF65-F5344CB8AC3E}">
-        <p14:creationId xmlns:p14="http://schemas.microsoft.com/office/powerpoint/2010/main" val="3428865817"/>
       </p:ext>
     </p:extLst>
   </p:cSld>
@@ -31639,13 +31612,6 @@
             <a:r>
               <a:rPr lang="en-US" dirty="0"/>
               <a:t>Azure MVP, MS Regional Director</a:t>
-            </a:r>
-          </a:p>
-          <a:p>
-            <a:pPr lvl="1"/>
-            <a:r>
-              <a:rPr lang="en-US" dirty="0"/>
-              <a:t>IT-Visions</a:t>
             </a:r>
           </a:p>
           <a:p>
@@ -31781,6 +31747,237 @@
 </file>
 
 <file path=ppt/slides/slide20.xml><?xml version="1.0" encoding="utf-8"?>
+<p:sld xmlns:a="http://schemas.openxmlformats.org/drawingml/2006/main" xmlns:r="http://schemas.openxmlformats.org/officeDocument/2006/relationships" xmlns:p="http://schemas.openxmlformats.org/presentationml/2006/main">
+  <p:cSld>
+    <p:spTree>
+      <p:nvGrpSpPr>
+        <p:cNvPr id="1" name=""/>
+        <p:cNvGrpSpPr/>
+        <p:nvPr/>
+      </p:nvGrpSpPr>
+      <p:grpSpPr>
+        <a:xfrm>
+          <a:off x="0" y="0"/>
+          <a:ext cx="0" cy="0"/>
+          <a:chOff x="0" y="0"/>
+          <a:chExt cx="0" cy="0"/>
+        </a:xfrm>
+      </p:grpSpPr>
+      <p:sp>
+        <p:nvSpPr>
+          <p:cNvPr id="5" name="Titel 4"/>
+          <p:cNvSpPr>
+            <a:spLocks noGrp="1"/>
+          </p:cNvSpPr>
+          <p:nvPr>
+            <p:ph type="title"/>
+          </p:nvPr>
+        </p:nvSpPr>
+        <p:spPr/>
+        <p:txBody>
+          <a:bodyPr/>
+          <a:lstStyle/>
+          <a:p>
+            <a:r>
+              <a:rPr lang="en-US" dirty="0"/>
+              <a:t>Docker CLI</a:t>
+            </a:r>
+          </a:p>
+        </p:txBody>
+      </p:sp>
+      <p:sp>
+        <p:nvSpPr>
+          <p:cNvPr id="6" name="Inhaltsplatzhalter 5"/>
+          <p:cNvSpPr>
+            <a:spLocks noGrp="1"/>
+          </p:cNvSpPr>
+          <p:nvPr>
+            <p:ph sz="quarter" idx="12"/>
+          </p:nvPr>
+        </p:nvSpPr>
+        <p:spPr/>
+        <p:txBody>
+          <a:bodyPr/>
+          <a:lstStyle/>
+          <a:p>
+            <a:r>
+              <a:rPr lang="en-US" dirty="0"/>
+              <a:t>Documentation</a:t>
+            </a:r>
+          </a:p>
+          <a:p>
+            <a:pPr lvl="1"/>
+            <a:r>
+              <a:rPr lang="en-US" dirty="0">
+                <a:hlinkClick r:id="rId2"/>
+              </a:rPr>
+              <a:t>http://docs.docker.com/reference/commandline/cli</a:t>
+            </a:r>
+            <a:endParaRPr lang="en-US" dirty="0"/>
+          </a:p>
+          <a:p>
+            <a:r>
+              <a:rPr lang="en-US" dirty="0"/>
+              <a:t>Important Commands for Containers</a:t>
+            </a:r>
+          </a:p>
+          <a:p>
+            <a:pPr lvl="1"/>
+            <a:r>
+              <a:rPr lang="en-US" noProof="1">
+                <a:latin typeface="Courier New" panose="02070309020205020404" pitchFamily="49" charset="0"/>
+                <a:cs typeface="Courier New" panose="02070309020205020404" pitchFamily="49" charset="0"/>
+              </a:rPr>
+              <a:t>docker run</a:t>
+            </a:r>
+            <a:r>
+              <a:rPr lang="en-US" noProof="1"/>
+              <a:t> – Run a command in a new container</a:t>
+            </a:r>
+          </a:p>
+          <a:p>
+            <a:pPr lvl="1"/>
+            <a:r>
+              <a:rPr lang="en-US" noProof="1">
+                <a:latin typeface="Courier New" panose="02070309020205020404" pitchFamily="49" charset="0"/>
+                <a:cs typeface="Courier New" panose="02070309020205020404" pitchFamily="49" charset="0"/>
+              </a:rPr>
+              <a:t>docker ps</a:t>
+            </a:r>
+            <a:r>
+              <a:rPr lang="en-US" noProof="1"/>
+              <a:t> – List containers</a:t>
+            </a:r>
+          </a:p>
+          <a:p>
+            <a:pPr lvl="1"/>
+            <a:r>
+              <a:rPr lang="en-US" noProof="1">
+                <a:latin typeface="Courier New" panose="02070309020205020404" pitchFamily="49" charset="0"/>
+                <a:cs typeface="Courier New" panose="02070309020205020404" pitchFamily="49" charset="0"/>
+              </a:rPr>
+              <a:t>docker start/stop</a:t>
+            </a:r>
+            <a:r>
+              <a:rPr lang="en-US" noProof="1"/>
+              <a:t> – Restarts/stops a container</a:t>
+            </a:r>
+          </a:p>
+          <a:p>
+            <a:pPr lvl="1"/>
+            <a:r>
+              <a:rPr lang="en-US" noProof="1">
+                <a:latin typeface="Courier New" panose="02070309020205020404" pitchFamily="49" charset="0"/>
+                <a:cs typeface="Courier New" panose="02070309020205020404" pitchFamily="49" charset="0"/>
+              </a:rPr>
+              <a:t>docker rm</a:t>
+            </a:r>
+            <a:r>
+              <a:rPr lang="en-US" noProof="1"/>
+              <a:t> – Removes container(s)</a:t>
+            </a:r>
+          </a:p>
+          <a:p>
+            <a:pPr lvl="1"/>
+            <a:r>
+              <a:rPr lang="en-US" noProof="1">
+                <a:latin typeface="Courier New" panose="02070309020205020404" pitchFamily="49" charset="0"/>
+                <a:cs typeface="Courier New" panose="02070309020205020404" pitchFamily="49" charset="0"/>
+              </a:rPr>
+              <a:t>docker attach </a:t>
+            </a:r>
+            <a:r>
+              <a:rPr lang="en-US" noProof="1"/>
+              <a:t>– Attach to running container</a:t>
+            </a:r>
+          </a:p>
+          <a:p>
+            <a:pPr lvl="1"/>
+            <a:r>
+              <a:rPr lang="en-US" noProof="1">
+                <a:latin typeface="Courier New" panose="02070309020205020404" pitchFamily="49" charset="0"/>
+                <a:cs typeface="Courier New" panose="02070309020205020404" pitchFamily="49" charset="0"/>
+              </a:rPr>
+              <a:t>docker top </a:t>
+            </a:r>
+            <a:r>
+              <a:rPr lang="en-US" noProof="1"/>
+              <a:t>– Display processes running in container</a:t>
+            </a:r>
+          </a:p>
+          <a:p>
+            <a:pPr lvl="1"/>
+            <a:r>
+              <a:rPr lang="en-US" noProof="1">
+                <a:latin typeface="Courier New" panose="02070309020205020404" pitchFamily="49" charset="0"/>
+                <a:cs typeface="Courier New" panose="02070309020205020404" pitchFamily="49" charset="0"/>
+              </a:rPr>
+              <a:t>docker exec </a:t>
+            </a:r>
+            <a:r>
+              <a:rPr lang="en-US" noProof="1"/>
+              <a:t>– Run a command in a container</a:t>
+            </a:r>
+          </a:p>
+          <a:p>
+            <a:pPr lvl="1"/>
+            <a:r>
+              <a:rPr lang="en-US" noProof="1">
+                <a:latin typeface="Courier New" panose="02070309020205020404" pitchFamily="49" charset="0"/>
+                <a:cs typeface="Courier New" panose="02070309020205020404" pitchFamily="49" charset="0"/>
+              </a:rPr>
+              <a:t>docker [container | system</a:t>
+            </a:r>
+            <a:r>
+              <a:rPr lang="en-US" dirty="0">
+                <a:latin typeface="Courier New" panose="02070309020205020404" pitchFamily="49" charset="0"/>
+                <a:cs typeface="Courier New" panose="02070309020205020404" pitchFamily="49" charset="0"/>
+              </a:rPr>
+              <a:t>] prune </a:t>
+            </a:r>
+            <a:r>
+              <a:rPr lang="en-US" dirty="0"/>
+              <a:t>– Remove all stopped containers</a:t>
+            </a:r>
+          </a:p>
+        </p:txBody>
+      </p:sp>
+      <p:sp>
+        <p:nvSpPr>
+          <p:cNvPr id="7" name="Textplatzhalter 6"/>
+          <p:cNvSpPr>
+            <a:spLocks noGrp="1"/>
+          </p:cNvSpPr>
+          <p:nvPr>
+            <p:ph type="body" sz="quarter" idx="23"/>
+          </p:nvPr>
+        </p:nvSpPr>
+        <p:spPr/>
+        <p:txBody>
+          <a:bodyPr/>
+          <a:lstStyle/>
+          <a:p>
+            <a:endParaRPr lang="en-US"/>
+          </a:p>
+        </p:txBody>
+      </p:sp>
+    </p:spTree>
+    <p:extLst>
+      <p:ext uri="{BB962C8B-B14F-4D97-AF65-F5344CB8AC3E}">
+        <p14:creationId xmlns:p14="http://schemas.microsoft.com/office/powerpoint/2010/main" val="3428865817"/>
+      </p:ext>
+    </p:extLst>
+  </p:cSld>
+  <p:clrMapOvr>
+    <a:masterClrMapping/>
+  </p:clrMapOvr>
+  <p:transition spd="slow">
+    <p:push/>
+  </p:transition>
+</p:sld>
+</file>
+
+<file path=ppt/slides/slide21.xml><?xml version="1.0" encoding="utf-8"?>
 <p:sld xmlns:a="http://schemas.openxmlformats.org/drawingml/2006/main" xmlns:r="http://schemas.openxmlformats.org/officeDocument/2006/relationships" xmlns:p="http://schemas.openxmlformats.org/presentationml/2006/main">
   <p:cSld>
     <p:spTree>
@@ -32988,269 +33185,6 @@
 </p:sld>
 </file>
 
-<file path=ppt/slides/slide21.xml><?xml version="1.0" encoding="utf-8"?>
-<p:sld xmlns:a="http://schemas.openxmlformats.org/drawingml/2006/main" xmlns:r="http://schemas.openxmlformats.org/officeDocument/2006/relationships" xmlns:p="http://schemas.openxmlformats.org/presentationml/2006/main" show="0">
-  <p:cSld>
-    <p:spTree>
-      <p:nvGrpSpPr>
-        <p:cNvPr id="1" name=""/>
-        <p:cNvGrpSpPr/>
-        <p:nvPr/>
-      </p:nvGrpSpPr>
-      <p:grpSpPr>
-        <a:xfrm>
-          <a:off x="0" y="0"/>
-          <a:ext cx="0" cy="0"/>
-          <a:chOff x="0" y="0"/>
-          <a:chExt cx="0" cy="0"/>
-        </a:xfrm>
-      </p:grpSpPr>
-      <p:sp>
-        <p:nvSpPr>
-          <p:cNvPr id="5" name="Titel 4"/>
-          <p:cNvSpPr>
-            <a:spLocks noGrp="1"/>
-          </p:cNvSpPr>
-          <p:nvPr>
-            <p:ph type="title"/>
-          </p:nvPr>
-        </p:nvSpPr>
-        <p:spPr/>
-        <p:txBody>
-          <a:bodyPr/>
-          <a:lstStyle/>
-          <a:p>
-            <a:r>
-              <a:rPr lang="en-US"/>
-              <a:t>Demo</a:t>
-            </a:r>
-            <a:endParaRPr lang="en-US" dirty="0"/>
-          </a:p>
-        </p:txBody>
-      </p:sp>
-      <p:sp>
-        <p:nvSpPr>
-          <p:cNvPr id="6" name="Inhaltsplatzhalter 5"/>
-          <p:cNvSpPr>
-            <a:spLocks noGrp="1"/>
-          </p:cNvSpPr>
-          <p:nvPr>
-            <p:ph sz="quarter" idx="22"/>
-          </p:nvPr>
-        </p:nvSpPr>
-        <p:spPr/>
-        <p:txBody>
-          <a:bodyPr/>
-          <a:lstStyle/>
-          <a:p>
-            <a:r>
-              <a:rPr lang="en-US" noProof="1"/>
-              <a:t># Check if docker is running</a:t>
-            </a:r>
-          </a:p>
-          <a:p>
-            <a:r>
-              <a:rPr lang="en-US" noProof="1"/>
-              <a:t>docker info</a:t>
-            </a:r>
-          </a:p>
-          <a:p>
-            <a:endParaRPr lang="en-US" noProof="1"/>
-          </a:p>
-          <a:p>
-            <a:r>
-              <a:rPr lang="en-US" noProof="1"/>
-              <a:t># Start interactive container</a:t>
-            </a:r>
-          </a:p>
-          <a:p>
-            <a:r>
-              <a:rPr lang="en-US" noProof="1"/>
-              <a:t>docker run -it ubuntu /bin/bash</a:t>
-            </a:r>
-          </a:p>
-          <a:p>
-            <a:pPr lvl="1"/>
-            <a:r>
-              <a:rPr lang="en-US" noProof="1"/>
-              <a:t>echo Hello &gt; hello.txt</a:t>
-            </a:r>
-          </a:p>
-          <a:p>
-            <a:pPr lvl="1"/>
-            <a:r>
-              <a:rPr lang="en-US" noProof="1"/>
-              <a:t>exit</a:t>
-            </a:r>
-          </a:p>
-          <a:p>
-            <a:endParaRPr lang="en-US" noProof="1"/>
-          </a:p>
-          <a:p>
-            <a:r>
-              <a:rPr lang="en-US" noProof="1"/>
-              <a:t># List containers</a:t>
-            </a:r>
-          </a:p>
-          <a:p>
-            <a:r>
-              <a:rPr lang="en-US" noProof="1"/>
-              <a:t>docker ps</a:t>
-            </a:r>
-          </a:p>
-          <a:p>
-            <a:r>
-              <a:rPr lang="en-US" noProof="1"/>
-              <a:t>docker ps –a</a:t>
-            </a:r>
-          </a:p>
-          <a:p>
-            <a:r>
-              <a:rPr lang="en-US" noProof="1"/>
-              <a:t>docker ps --no-trunc -aq</a:t>
-            </a:r>
-          </a:p>
-          <a:p>
-            <a:endParaRPr lang="en-US" noProof="1"/>
-          </a:p>
-          <a:p>
-            <a:r>
-              <a:rPr lang="en-US" noProof="1"/>
-              <a:t># Restart container</a:t>
-            </a:r>
-          </a:p>
-          <a:p>
-            <a:r>
-              <a:rPr lang="en-US" noProof="1"/>
-              <a:t>docker start …</a:t>
-            </a:r>
-          </a:p>
-          <a:p>
-            <a:endParaRPr lang="en-US" noProof="1"/>
-          </a:p>
-          <a:p>
-            <a:r>
-              <a:rPr lang="en-US" noProof="1"/>
-              <a:t># Attach to container</a:t>
-            </a:r>
-          </a:p>
-          <a:p>
-            <a:r>
-              <a:rPr lang="en-US" noProof="1"/>
-              <a:t>docker attach …</a:t>
-            </a:r>
-          </a:p>
-          <a:p>
-            <a:endParaRPr lang="en-US" noProof="1"/>
-          </a:p>
-          <a:p>
-            <a:r>
-              <a:rPr lang="en-US" noProof="1"/>
-              <a:t># Remove container</a:t>
-            </a:r>
-          </a:p>
-          <a:p>
-            <a:r>
-              <a:rPr lang="en-US" noProof="1"/>
-              <a:t>docker rm …</a:t>
-            </a:r>
-          </a:p>
-          <a:p>
-            <a:r>
-              <a:rPr lang="en-US" noProof="1"/>
-              <a:t># Remove all containers</a:t>
-            </a:r>
-          </a:p>
-          <a:p>
-            <a:r>
-              <a:rPr lang="en-US" noProof="1"/>
-              <a:t>docker rm `docker ps --no-trunc -aq`</a:t>
-            </a:r>
-          </a:p>
-          <a:p>
-            <a:r>
-              <a:rPr lang="en-US" noProof="1"/>
-              <a:t>docker container prune</a:t>
-            </a:r>
-          </a:p>
-        </p:txBody>
-      </p:sp>
-      <p:sp>
-        <p:nvSpPr>
-          <p:cNvPr id="7" name="Textplatzhalter 6"/>
-          <p:cNvSpPr>
-            <a:spLocks noGrp="1"/>
-          </p:cNvSpPr>
-          <p:nvPr>
-            <p:ph type="body" sz="quarter" idx="23"/>
-          </p:nvPr>
-        </p:nvSpPr>
-        <p:spPr/>
-        <p:txBody>
-          <a:bodyPr/>
-          <a:lstStyle/>
-          <a:p>
-            <a:r>
-              <a:rPr lang="en-US" dirty="0"/>
-              <a:t>Interactive Container</a:t>
-            </a:r>
-          </a:p>
-        </p:txBody>
-      </p:sp>
-      <p:sp>
-        <p:nvSpPr>
-          <p:cNvPr id="10" name="Textplatzhalter 9"/>
-          <p:cNvSpPr>
-            <a:spLocks noGrp="1"/>
-          </p:cNvSpPr>
-          <p:nvPr>
-            <p:ph type="body" sz="quarter" idx="24"/>
-          </p:nvPr>
-        </p:nvSpPr>
-        <p:spPr/>
-        <p:txBody>
-          <a:bodyPr/>
-          <a:lstStyle/>
-          <a:p>
-            <a:endParaRPr lang="en-US"/>
-          </a:p>
-        </p:txBody>
-      </p:sp>
-      <p:sp>
-        <p:nvSpPr>
-          <p:cNvPr id="11" name="Textplatzhalter 10"/>
-          <p:cNvSpPr>
-            <a:spLocks noGrp="1"/>
-          </p:cNvSpPr>
-          <p:nvPr>
-            <p:ph type="body" sz="quarter" idx="25"/>
-          </p:nvPr>
-        </p:nvSpPr>
-        <p:spPr/>
-        <p:txBody>
-          <a:bodyPr/>
-          <a:lstStyle/>
-          <a:p>
-            <a:endParaRPr lang="en-US"/>
-          </a:p>
-        </p:txBody>
-      </p:sp>
-    </p:spTree>
-    <p:extLst>
-      <p:ext uri="{BB962C8B-B14F-4D97-AF65-F5344CB8AC3E}">
-        <p14:creationId xmlns:p14="http://schemas.microsoft.com/office/powerpoint/2010/main" val="3660217317"/>
-      </p:ext>
-    </p:extLst>
-  </p:cSld>
-  <p:clrMapOvr>
-    <a:masterClrMapping/>
-  </p:clrMapOvr>
-  <p:transition spd="slow">
-    <p:push/>
-  </p:transition>
-</p:sld>
-</file>
-
 <file path=ppt/slides/slide22.xml><?xml version="1.0" encoding="utf-8"?>
 <p:sld xmlns:a="http://schemas.openxmlformats.org/drawingml/2006/main" xmlns:r="http://schemas.openxmlformats.org/officeDocument/2006/relationships" xmlns:p="http://schemas.openxmlformats.org/presentationml/2006/main" show="0">
   <p:cSld>
@@ -33308,19 +33242,42 @@
           <a:p>
             <a:r>
               <a:rPr lang="en-US" noProof="1"/>
-              <a:t># Start demonized container and get logs</a:t>
+              <a:t># Check if docker is running</a:t>
             </a:r>
           </a:p>
           <a:p>
             <a:r>
               <a:rPr lang="en-US" noProof="1"/>
-              <a:t>docker run -d ubuntu /bin/bash \</a:t>
-            </a:r>
+              <a:t>docker info</a:t>
+            </a:r>
+          </a:p>
+          <a:p>
+            <a:endParaRPr lang="en-US" noProof="1"/>
           </a:p>
           <a:p>
             <a:r>
               <a:rPr lang="en-US" noProof="1"/>
-              <a:t>	-c "while true; do echo hello world; sleep 1; done"</a:t>
+              <a:t># Start interactive container</a:t>
+            </a:r>
+          </a:p>
+          <a:p>
+            <a:r>
+              <a:rPr lang="en-US" noProof="1"/>
+              <a:t>docker run -it ubuntu /bin/bash</a:t>
+            </a:r>
+          </a:p>
+          <a:p>
+            <a:pPr lvl="1"/>
+            <a:r>
+              <a:rPr lang="en-US" noProof="1"/>
+              <a:t>echo Hello &gt; hello.txt</a:t>
+            </a:r>
+          </a:p>
+          <a:p>
+            <a:pPr lvl="1"/>
+            <a:r>
+              <a:rPr lang="en-US" noProof="1"/>
+              <a:t>exit</a:t>
             </a:r>
           </a:p>
           <a:p>
@@ -33329,13 +33286,25 @@
           <a:p>
             <a:r>
               <a:rPr lang="en-US" noProof="1"/>
-              <a:t># Get the logs (-f for continuous monitoring)</a:t>
+              <a:t># List containers</a:t>
             </a:r>
           </a:p>
           <a:p>
             <a:r>
               <a:rPr lang="en-US" noProof="1"/>
-              <a:t>docker logs …</a:t>
+              <a:t>docker ps</a:t>
+            </a:r>
+          </a:p>
+          <a:p>
+            <a:r>
+              <a:rPr lang="en-US" noProof="1"/>
+              <a:t>docker ps –a</a:t>
+            </a:r>
+          </a:p>
+          <a:p>
+            <a:r>
+              <a:rPr lang="en-US" noProof="1"/>
+              <a:t>docker ps --no-trunc -aq</a:t>
             </a:r>
           </a:p>
           <a:p>
@@ -33344,13 +33313,13 @@
           <a:p>
             <a:r>
               <a:rPr lang="en-US" noProof="1"/>
-              <a:t># Check the processes in docker container</a:t>
+              <a:t># Restart container</a:t>
             </a:r>
           </a:p>
           <a:p>
             <a:r>
               <a:rPr lang="en-US" noProof="1"/>
-              <a:t>docker top …</a:t>
+              <a:t>docker start …</a:t>
             </a:r>
           </a:p>
           <a:p>
@@ -33359,13 +33328,13 @@
           <a:p>
             <a:r>
               <a:rPr lang="en-US" noProof="1"/>
-              <a:t># Open interactive shell in running container</a:t>
+              <a:t># Attach to container</a:t>
             </a:r>
           </a:p>
           <a:p>
             <a:r>
               <a:rPr lang="en-US" noProof="1"/>
-              <a:t>docker exec -it … /bin/bash</a:t>
+              <a:t>docker attach …</a:t>
             </a:r>
           </a:p>
           <a:p>
@@ -33374,59 +33343,31 @@
           <a:p>
             <a:r>
               <a:rPr lang="en-US" noProof="1"/>
-              <a:t># Inspect the details of a running container</a:t>
+              <a:t># Remove container</a:t>
             </a:r>
           </a:p>
           <a:p>
             <a:r>
               <a:rPr lang="en-US" noProof="1"/>
-              <a:t>docker inspect …</a:t>
-            </a:r>
-          </a:p>
-          <a:p>
-            <a:endParaRPr lang="en-US" noProof="1"/>
-          </a:p>
-          <a:p>
-            <a:endParaRPr lang="en-US" noProof="1"/>
+              <a:t>docker rm …</a:t>
+            </a:r>
           </a:p>
           <a:p>
             <a:r>
               <a:rPr lang="en-US" noProof="1"/>
-              <a:t># WINDOWS</a:t>
-            </a:r>
-          </a:p>
-          <a:p>
-            <a:r>
-              <a:rPr lang="en-US" dirty="0"/>
-              <a:t>docker run –it mcr.microsoft.com/windows/</a:t>
-            </a:r>
-            <a:r>
-              <a:rPr lang="en-US" dirty="0" err="1"/>
-              <a:t>servercore</a:t>
-            </a:r>
-            <a:r>
-              <a:rPr lang="en-US" dirty="0"/>
-              <a:t> </a:t>
-            </a:r>
-            <a:r>
-              <a:rPr lang="en-US" dirty="0" err="1"/>
-              <a:t>cmd</a:t>
-            </a:r>
-            <a:endParaRPr lang="en-US" noProof="1"/>
-          </a:p>
-          <a:p>
-            <a:endParaRPr lang="en-US" noProof="1"/>
+              <a:t># Remove all containers</a:t>
+            </a:r>
           </a:p>
           <a:p>
             <a:r>
               <a:rPr lang="en-US" noProof="1"/>
-              <a:t>docker build –t myweb .</a:t>
+              <a:t>docker rm `docker ps --no-trunc -aq`</a:t>
             </a:r>
           </a:p>
           <a:p>
             <a:r>
               <a:rPr lang="en-US" noProof="1"/>
-              <a:t>docker run </a:t>
+              <a:t>docker container prune</a:t>
             </a:r>
           </a:p>
         </p:txBody>
@@ -33447,19 +33388,15 @@
           <a:lstStyle/>
           <a:p>
             <a:r>
-              <a:rPr lang="en-US" dirty="0" err="1"/>
-              <a:t>Daemonized</a:t>
-            </a:r>
-            <a:r>
-              <a:rPr lang="en-US" dirty="0"/>
-              <a:t> Container</a:t>
+              <a:rPr lang="en-US" dirty="0"/>
+              <a:t>Interactive Container</a:t>
             </a:r>
           </a:p>
         </p:txBody>
       </p:sp>
       <p:sp>
         <p:nvSpPr>
-          <p:cNvPr id="13" name="Textplatzhalter 12"/>
+          <p:cNvPr id="10" name="Textplatzhalter 9"/>
           <p:cNvSpPr>
             <a:spLocks noGrp="1"/>
           </p:cNvSpPr>
@@ -33478,7 +33415,7 @@
       </p:sp>
       <p:sp>
         <p:nvSpPr>
-          <p:cNvPr id="14" name="Textplatzhalter 13"/>
+          <p:cNvPr id="11" name="Textplatzhalter 10"/>
           <p:cNvSpPr>
             <a:spLocks noGrp="1"/>
           </p:cNvSpPr>
@@ -33498,7 +33435,7 @@
     </p:spTree>
     <p:extLst>
       <p:ext uri="{BB962C8B-B14F-4D97-AF65-F5344CB8AC3E}">
-        <p14:creationId xmlns:p14="http://schemas.microsoft.com/office/powerpoint/2010/main" val="212164436"/>
+        <p14:creationId xmlns:p14="http://schemas.microsoft.com/office/powerpoint/2010/main" val="3660217317"/>
       </p:ext>
     </p:extLst>
   </p:cSld>
@@ -33512,7 +33449,7 @@
 </file>
 
 <file path=ppt/slides/slide23.xml><?xml version="1.0" encoding="utf-8"?>
-<p:sld xmlns:a="http://schemas.openxmlformats.org/drawingml/2006/main" xmlns:r="http://schemas.openxmlformats.org/officeDocument/2006/relationships" xmlns:p="http://schemas.openxmlformats.org/presentationml/2006/main">
+<p:sld xmlns:a="http://schemas.openxmlformats.org/drawingml/2006/main" xmlns:r="http://schemas.openxmlformats.org/officeDocument/2006/relationships" xmlns:p="http://schemas.openxmlformats.org/presentationml/2006/main" show="0">
   <p:cSld>
     <p:spTree>
       <p:nvGrpSpPr>
@@ -33530,7 +33467,7 @@
       </p:grpSpPr>
       <p:sp>
         <p:nvSpPr>
-          <p:cNvPr id="7" name="Title 6"/>
+          <p:cNvPr id="5" name="Titel 4"/>
           <p:cNvSpPr>
             <a:spLocks noGrp="1"/>
           </p:cNvSpPr>
@@ -33544,20 +33481,21 @@
           <a:lstStyle/>
           <a:p>
             <a:r>
-              <a:rPr lang="en-US" dirty="0"/>
-              <a:t>Docker Events</a:t>
-            </a:r>
+              <a:rPr lang="en-US"/>
+              <a:t>Demo</a:t>
+            </a:r>
+            <a:endParaRPr lang="en-US" dirty="0"/>
           </a:p>
         </p:txBody>
       </p:sp>
       <p:sp>
         <p:nvSpPr>
-          <p:cNvPr id="8" name="Content Placeholder 7"/>
+          <p:cNvPr id="6" name="Inhaltsplatzhalter 5"/>
           <p:cNvSpPr>
             <a:spLocks noGrp="1"/>
           </p:cNvSpPr>
           <p:nvPr>
-            <p:ph sz="quarter" idx="12"/>
+            <p:ph sz="quarter" idx="22"/>
           </p:nvPr>
         </p:nvSpPr>
         <p:spPr/>
@@ -33566,78 +33504,133 @@
           <a:lstStyle/>
           <a:p>
             <a:r>
-              <a:rPr lang="en-US" dirty="0"/>
-              <a:t>Docker reports real time events from the server</a:t>
-            </a:r>
-          </a:p>
-          <a:p>
-            <a:pPr lvl="1"/>
-            <a:r>
-              <a:rPr lang="en-US" dirty="0" err="1">
-                <a:latin typeface="Courier New" panose="02070309020205020404" pitchFamily="49" charset="0"/>
-                <a:cs typeface="Courier New" panose="02070309020205020404" pitchFamily="49" charset="0"/>
-                <a:hlinkClick r:id="rId2"/>
-              </a:rPr>
-              <a:t>docker</a:t>
-            </a:r>
-            <a:r>
-              <a:rPr lang="en-US" dirty="0">
-                <a:latin typeface="Courier New" panose="02070309020205020404" pitchFamily="49" charset="0"/>
-                <a:cs typeface="Courier New" panose="02070309020205020404" pitchFamily="49" charset="0"/>
-                <a:hlinkClick r:id="rId2"/>
-              </a:rPr>
-              <a:t> events</a:t>
-            </a:r>
-            <a:endParaRPr lang="en-US" dirty="0">
-              <a:latin typeface="Courier New" panose="02070309020205020404" pitchFamily="49" charset="0"/>
-              <a:cs typeface="Courier New" panose="02070309020205020404" pitchFamily="49" charset="0"/>
-            </a:endParaRPr>
-          </a:p>
-          <a:p>
-            <a:r>
-              <a:rPr lang="en-US" dirty="0"/>
-              <a:t>Usages</a:t>
-            </a:r>
-          </a:p>
-          <a:p>
-            <a:pPr lvl="1"/>
-            <a:r>
-              <a:rPr lang="en-US" dirty="0"/>
-              <a:t>Admin and monitoring purposes</a:t>
-            </a:r>
-          </a:p>
-          <a:p>
-            <a:pPr lvl="1"/>
-            <a:r>
-              <a:rPr lang="en-US" dirty="0"/>
-              <a:t>Triggering auto-configurations (</a:t>
+              <a:rPr lang="en-US" noProof="1"/>
+              <a:t># Start demonized container and get logs</a:t>
+            </a:r>
+          </a:p>
+          <a:p>
+            <a:r>
+              <a:rPr lang="en-US" noProof="1"/>
+              <a:t>docker run -d ubuntu /bin/bash \</a:t>
+            </a:r>
+          </a:p>
+          <a:p>
+            <a:r>
+              <a:rPr lang="en-US" noProof="1"/>
+              <a:t>	-c "while true; do echo hello world; sleep 1; done"</a:t>
+            </a:r>
+          </a:p>
+          <a:p>
+            <a:endParaRPr lang="en-US" noProof="1"/>
+          </a:p>
+          <a:p>
+            <a:r>
+              <a:rPr lang="en-US" noProof="1"/>
+              <a:t># Get the logs (-f for continuous monitoring)</a:t>
+            </a:r>
+          </a:p>
+          <a:p>
+            <a:r>
+              <a:rPr lang="en-US" noProof="1"/>
+              <a:t>docker logs …</a:t>
+            </a:r>
+          </a:p>
+          <a:p>
+            <a:endParaRPr lang="en-US" noProof="1"/>
+          </a:p>
+          <a:p>
+            <a:r>
+              <a:rPr lang="en-US" noProof="1"/>
+              <a:t># Check the processes in docker container</a:t>
+            </a:r>
+          </a:p>
+          <a:p>
+            <a:r>
+              <a:rPr lang="en-US" noProof="1"/>
+              <a:t>docker top …</a:t>
+            </a:r>
+          </a:p>
+          <a:p>
+            <a:endParaRPr lang="en-US" noProof="1"/>
+          </a:p>
+          <a:p>
+            <a:r>
+              <a:rPr lang="en-US" noProof="1"/>
+              <a:t># Open interactive shell in running container</a:t>
+            </a:r>
+          </a:p>
+          <a:p>
+            <a:r>
+              <a:rPr lang="en-US" noProof="1"/>
+              <a:t>docker exec -it … /bin/bash</a:t>
+            </a:r>
+          </a:p>
+          <a:p>
+            <a:endParaRPr lang="en-US" noProof="1"/>
+          </a:p>
+          <a:p>
+            <a:r>
+              <a:rPr lang="en-US" noProof="1"/>
+              <a:t># Inspect the details of a running container</a:t>
+            </a:r>
+          </a:p>
+          <a:p>
+            <a:r>
+              <a:rPr lang="en-US" noProof="1"/>
+              <a:t>docker inspect …</a:t>
+            </a:r>
+          </a:p>
+          <a:p>
+            <a:endParaRPr lang="en-US" noProof="1"/>
+          </a:p>
+          <a:p>
+            <a:endParaRPr lang="en-US" noProof="1"/>
+          </a:p>
+          <a:p>
+            <a:r>
+              <a:rPr lang="en-US" noProof="1"/>
+              <a:t># WINDOWS</a:t>
+            </a:r>
+          </a:p>
+          <a:p>
+            <a:r>
+              <a:rPr lang="en-US" dirty="0"/>
+              <a:t>docker run –it mcr.microsoft.com/windows/</a:t>
             </a:r>
             <a:r>
               <a:rPr lang="en-US" dirty="0" err="1"/>
-              <a:t>e.g.</a:t>
-            </a:r>
-            <a:r>
-              <a:rPr lang="en-US" dirty="0" err="1">
-                <a:hlinkClick r:id="rId3"/>
-              </a:rPr>
-              <a:t>nginx</a:t>
-            </a:r>
-            <a:r>
-              <a:rPr lang="en-US" dirty="0">
-                <a:hlinkClick r:id="rId3"/>
-              </a:rPr>
-              <a:t>-proxy</a:t>
-            </a:r>
-            <a:r>
-              <a:rPr lang="en-US" dirty="0"/>
-              <a:t>)</a:t>
+              <a:t>servercore</a:t>
+            </a:r>
+            <a:r>
+              <a:rPr lang="en-US" dirty="0"/>
+              <a:t> </a:t>
+            </a:r>
+            <a:r>
+              <a:rPr lang="en-US" dirty="0" err="1"/>
+              <a:t>cmd</a:t>
+            </a:r>
+            <a:endParaRPr lang="en-US" noProof="1"/>
+          </a:p>
+          <a:p>
+            <a:endParaRPr lang="en-US" noProof="1"/>
+          </a:p>
+          <a:p>
+            <a:r>
+              <a:rPr lang="en-US" noProof="1"/>
+              <a:t>docker build –t myweb .</a:t>
+            </a:r>
+          </a:p>
+          <a:p>
+            <a:r>
+              <a:rPr lang="en-US" noProof="1"/>
+              <a:t>docker run </a:t>
             </a:r>
           </a:p>
         </p:txBody>
       </p:sp>
       <p:sp>
         <p:nvSpPr>
-          <p:cNvPr id="9" name="Text Placeholder 8"/>
+          <p:cNvPr id="7" name="Textplatzhalter 6"/>
           <p:cNvSpPr>
             <a:spLocks noGrp="1"/>
           </p:cNvSpPr>
@@ -33650,14 +33643,59 @@
           <a:bodyPr/>
           <a:lstStyle/>
           <a:p>
-            <a:endParaRPr lang="en-US" dirty="0"/>
+            <a:r>
+              <a:rPr lang="en-US" dirty="0" err="1"/>
+              <a:t>Daemonized</a:t>
+            </a:r>
+            <a:r>
+              <a:rPr lang="en-US" dirty="0"/>
+              <a:t> Container</a:t>
+            </a:r>
+          </a:p>
+        </p:txBody>
+      </p:sp>
+      <p:sp>
+        <p:nvSpPr>
+          <p:cNvPr id="13" name="Textplatzhalter 12"/>
+          <p:cNvSpPr>
+            <a:spLocks noGrp="1"/>
+          </p:cNvSpPr>
+          <p:nvPr>
+            <p:ph type="body" sz="quarter" idx="24"/>
+          </p:nvPr>
+        </p:nvSpPr>
+        <p:spPr/>
+        <p:txBody>
+          <a:bodyPr/>
+          <a:lstStyle/>
+          <a:p>
+            <a:endParaRPr lang="en-US"/>
+          </a:p>
+        </p:txBody>
+      </p:sp>
+      <p:sp>
+        <p:nvSpPr>
+          <p:cNvPr id="14" name="Textplatzhalter 13"/>
+          <p:cNvSpPr>
+            <a:spLocks noGrp="1"/>
+          </p:cNvSpPr>
+          <p:nvPr>
+            <p:ph type="body" sz="quarter" idx="25"/>
+          </p:nvPr>
+        </p:nvSpPr>
+        <p:spPr/>
+        <p:txBody>
+          <a:bodyPr/>
+          <a:lstStyle/>
+          <a:p>
+            <a:endParaRPr lang="en-US"/>
           </a:p>
         </p:txBody>
       </p:sp>
     </p:spTree>
     <p:extLst>
       <p:ext uri="{BB962C8B-B14F-4D97-AF65-F5344CB8AC3E}">
-        <p14:creationId xmlns:p14="http://schemas.microsoft.com/office/powerpoint/2010/main" val="1284987664"/>
+        <p14:creationId xmlns:p14="http://schemas.microsoft.com/office/powerpoint/2010/main" val="212164436"/>
       </p:ext>
     </p:extLst>
   </p:cSld>
@@ -33689,6 +33727,165 @@
       </p:grpSpPr>
       <p:sp>
         <p:nvSpPr>
+          <p:cNvPr id="7" name="Title 6"/>
+          <p:cNvSpPr>
+            <a:spLocks noGrp="1"/>
+          </p:cNvSpPr>
+          <p:nvPr>
+            <p:ph type="title"/>
+          </p:nvPr>
+        </p:nvSpPr>
+        <p:spPr/>
+        <p:txBody>
+          <a:bodyPr/>
+          <a:lstStyle/>
+          <a:p>
+            <a:r>
+              <a:rPr lang="en-US" dirty="0"/>
+              <a:t>Docker Events</a:t>
+            </a:r>
+          </a:p>
+        </p:txBody>
+      </p:sp>
+      <p:sp>
+        <p:nvSpPr>
+          <p:cNvPr id="8" name="Content Placeholder 7"/>
+          <p:cNvSpPr>
+            <a:spLocks noGrp="1"/>
+          </p:cNvSpPr>
+          <p:nvPr>
+            <p:ph sz="quarter" idx="12"/>
+          </p:nvPr>
+        </p:nvSpPr>
+        <p:spPr/>
+        <p:txBody>
+          <a:bodyPr/>
+          <a:lstStyle/>
+          <a:p>
+            <a:r>
+              <a:rPr lang="en-US" dirty="0"/>
+              <a:t>Docker reports real time events from the server</a:t>
+            </a:r>
+          </a:p>
+          <a:p>
+            <a:pPr lvl="1"/>
+            <a:r>
+              <a:rPr lang="en-US" dirty="0" err="1">
+                <a:latin typeface="Courier New" panose="02070309020205020404" pitchFamily="49" charset="0"/>
+                <a:cs typeface="Courier New" panose="02070309020205020404" pitchFamily="49" charset="0"/>
+                <a:hlinkClick r:id="rId2"/>
+              </a:rPr>
+              <a:t>docker</a:t>
+            </a:r>
+            <a:r>
+              <a:rPr lang="en-US" dirty="0">
+                <a:latin typeface="Courier New" panose="02070309020205020404" pitchFamily="49" charset="0"/>
+                <a:cs typeface="Courier New" panose="02070309020205020404" pitchFamily="49" charset="0"/>
+                <a:hlinkClick r:id="rId2"/>
+              </a:rPr>
+              <a:t> events</a:t>
+            </a:r>
+            <a:endParaRPr lang="en-US" dirty="0">
+              <a:latin typeface="Courier New" panose="02070309020205020404" pitchFamily="49" charset="0"/>
+              <a:cs typeface="Courier New" panose="02070309020205020404" pitchFamily="49" charset="0"/>
+            </a:endParaRPr>
+          </a:p>
+          <a:p>
+            <a:r>
+              <a:rPr lang="en-US" dirty="0"/>
+              <a:t>Usages</a:t>
+            </a:r>
+          </a:p>
+          <a:p>
+            <a:pPr lvl="1"/>
+            <a:r>
+              <a:rPr lang="en-US" dirty="0"/>
+              <a:t>Admin and monitoring purposes</a:t>
+            </a:r>
+          </a:p>
+          <a:p>
+            <a:pPr lvl="1"/>
+            <a:r>
+              <a:rPr lang="en-US" dirty="0"/>
+              <a:t>Triggering auto-configurations (</a:t>
+            </a:r>
+            <a:r>
+              <a:rPr lang="en-US" dirty="0" err="1"/>
+              <a:t>e.g.</a:t>
+            </a:r>
+            <a:r>
+              <a:rPr lang="en-US" dirty="0" err="1">
+                <a:hlinkClick r:id="rId3"/>
+              </a:rPr>
+              <a:t>nginx</a:t>
+            </a:r>
+            <a:r>
+              <a:rPr lang="en-US" dirty="0">
+                <a:hlinkClick r:id="rId3"/>
+              </a:rPr>
+              <a:t>-proxy</a:t>
+            </a:r>
+            <a:r>
+              <a:rPr lang="en-US" dirty="0"/>
+              <a:t>)</a:t>
+            </a:r>
+          </a:p>
+        </p:txBody>
+      </p:sp>
+      <p:sp>
+        <p:nvSpPr>
+          <p:cNvPr id="9" name="Text Placeholder 8"/>
+          <p:cNvSpPr>
+            <a:spLocks noGrp="1"/>
+          </p:cNvSpPr>
+          <p:nvPr>
+            <p:ph type="body" sz="quarter" idx="23"/>
+          </p:nvPr>
+        </p:nvSpPr>
+        <p:spPr/>
+        <p:txBody>
+          <a:bodyPr/>
+          <a:lstStyle/>
+          <a:p>
+            <a:endParaRPr lang="en-US" dirty="0"/>
+          </a:p>
+        </p:txBody>
+      </p:sp>
+    </p:spTree>
+    <p:extLst>
+      <p:ext uri="{BB962C8B-B14F-4D97-AF65-F5344CB8AC3E}">
+        <p14:creationId xmlns:p14="http://schemas.microsoft.com/office/powerpoint/2010/main" val="1284987664"/>
+      </p:ext>
+    </p:extLst>
+  </p:cSld>
+  <p:clrMapOvr>
+    <a:masterClrMapping/>
+  </p:clrMapOvr>
+  <p:transition spd="slow">
+    <p:push/>
+  </p:transition>
+</p:sld>
+</file>
+
+<file path=ppt/slides/slide25.xml><?xml version="1.0" encoding="utf-8"?>
+<p:sld xmlns:a="http://schemas.openxmlformats.org/drawingml/2006/main" xmlns:r="http://schemas.openxmlformats.org/officeDocument/2006/relationships" xmlns:p="http://schemas.openxmlformats.org/presentationml/2006/main">
+  <p:cSld>
+    <p:spTree>
+      <p:nvGrpSpPr>
+        <p:cNvPr id="1" name=""/>
+        <p:cNvGrpSpPr/>
+        <p:nvPr/>
+      </p:nvGrpSpPr>
+      <p:grpSpPr>
+        <a:xfrm>
+          <a:off x="0" y="0"/>
+          <a:ext cx="0" cy="0"/>
+          <a:chOff x="0" y="0"/>
+          <a:chExt cx="0" cy="0"/>
+        </a:xfrm>
+      </p:grpSpPr>
+      <p:sp>
+        <p:nvSpPr>
           <p:cNvPr id="2" name="Titel 1"/>
           <p:cNvSpPr>
             <a:spLocks noGrp="1"/>
@@ -33756,7 +33953,7 @@
 </p:sld>
 </file>
 
-<file path=ppt/slides/slide25.xml><?xml version="1.0" encoding="utf-8"?>
+<file path=ppt/slides/slide26.xml><?xml version="1.0" encoding="utf-8"?>
 <p:sld xmlns:a="http://schemas.openxmlformats.org/drawingml/2006/main" xmlns:r="http://schemas.openxmlformats.org/officeDocument/2006/relationships" xmlns:p="http://schemas.openxmlformats.org/presentationml/2006/main">
   <p:cSld>
     <p:spTree>
@@ -34028,7 +34225,7 @@
 </p:sld>
 </file>
 
-<file path=ppt/slides/slide26.xml><?xml version="1.0" encoding="utf-8"?>
+<file path=ppt/slides/slide27.xml><?xml version="1.0" encoding="utf-8"?>
 <p:sld xmlns:a="http://schemas.openxmlformats.org/drawingml/2006/main" xmlns:r="http://schemas.openxmlformats.org/officeDocument/2006/relationships" xmlns:p="http://schemas.openxmlformats.org/presentationml/2006/main">
   <p:cSld>
     <p:spTree>
@@ -34870,7 +35067,7 @@
 </p:sld>
 </file>
 
-<file path=ppt/slides/slide27.xml><?xml version="1.0" encoding="utf-8"?>
+<file path=ppt/slides/slide28.xml><?xml version="1.0" encoding="utf-8"?>
 <p:sld xmlns:a="http://schemas.openxmlformats.org/drawingml/2006/main" xmlns:r="http://schemas.openxmlformats.org/officeDocument/2006/relationships" xmlns:p="http://schemas.openxmlformats.org/presentationml/2006/main">
   <p:cSld>
     <p:spTree>
@@ -35439,7 +35636,7 @@
 </p:sld>
 </file>
 
-<file path=ppt/slides/slide28.xml><?xml version="1.0" encoding="utf-8"?>
+<file path=ppt/slides/slide29.xml><?xml version="1.0" encoding="utf-8"?>
 <p:sld xmlns:a="http://schemas.openxmlformats.org/drawingml/2006/main" xmlns:r="http://schemas.openxmlformats.org/officeDocument/2006/relationships" xmlns:p="http://schemas.openxmlformats.org/presentationml/2006/main">
   <p:cSld>
     <p:spTree>
@@ -36154,7 +36351,93 @@
 </p:sld>
 </file>
 
-<file path=ppt/slides/slide29.xml><?xml version="1.0" encoding="utf-8"?>
+<file path=ppt/slides/slide3.xml><?xml version="1.0" encoding="utf-8"?>
+<p:sld xmlns:a="http://schemas.openxmlformats.org/drawingml/2006/main" xmlns:r="http://schemas.openxmlformats.org/officeDocument/2006/relationships" xmlns:p="http://schemas.openxmlformats.org/presentationml/2006/main">
+  <p:cSld>
+    <p:spTree>
+      <p:nvGrpSpPr>
+        <p:cNvPr id="1" name=""/>
+        <p:cNvGrpSpPr/>
+        <p:nvPr/>
+      </p:nvGrpSpPr>
+      <p:grpSpPr>
+        <a:xfrm>
+          <a:off x="0" y="0"/>
+          <a:ext cx="0" cy="0"/>
+          <a:chOff x="0" y="0"/>
+          <a:chExt cx="0" cy="0"/>
+        </a:xfrm>
+      </p:grpSpPr>
+      <p:sp>
+        <p:nvSpPr>
+          <p:cNvPr id="2" name="Title 1"/>
+          <p:cNvSpPr>
+            <a:spLocks noGrp="1"/>
+          </p:cNvSpPr>
+          <p:nvPr>
+            <p:ph type="title"/>
+          </p:nvPr>
+        </p:nvSpPr>
+        <p:spPr/>
+        <p:txBody>
+          <a:bodyPr/>
+          <a:lstStyle/>
+          <a:p>
+            <a:r>
+              <a:rPr lang="en-US" dirty="0"/>
+              <a:t>What is Docker?</a:t>
+            </a:r>
+          </a:p>
+        </p:txBody>
+      </p:sp>
+      <p:sp>
+        <p:nvSpPr>
+          <p:cNvPr id="3" name="Text Placeholder 2"/>
+          <p:cNvSpPr>
+            <a:spLocks noGrp="1"/>
+          </p:cNvSpPr>
+          <p:nvPr>
+            <p:ph type="body" sz="quarter" idx="25"/>
+          </p:nvPr>
+        </p:nvSpPr>
+        <p:spPr/>
+        <p:txBody>
+          <a:bodyPr/>
+          <a:lstStyle/>
+          <a:p>
+            <a:r>
+              <a:rPr lang="en-US" dirty="0"/>
+              <a:t>Introduction</a:t>
+            </a:r>
+          </a:p>
+        </p:txBody>
+      </p:sp>
+    </p:spTree>
+    <p:extLst>
+      <p:ext uri="{BB962C8B-B14F-4D97-AF65-F5344CB8AC3E}">
+        <p14:creationId xmlns:p14="http://schemas.microsoft.com/office/powerpoint/2010/main" val="157276080"/>
+      </p:ext>
+    </p:extLst>
+  </p:cSld>
+  <p:clrMapOvr>
+    <a:masterClrMapping/>
+  </p:clrMapOvr>
+  <mc:AlternateContent xmlns:mc="http://schemas.openxmlformats.org/markup-compatibility/2006" xmlns:p14="http://schemas.microsoft.com/office/powerpoint/2010/main">
+    <mc:Choice Requires="p14">
+      <p:transition spd="med" p14:dur="700">
+        <p:fade/>
+      </p:transition>
+    </mc:Choice>
+    <mc:Fallback xmlns="">
+      <p:transition spd="med">
+        <p:fade/>
+      </p:transition>
+    </mc:Fallback>
+  </mc:AlternateContent>
+</p:sld>
+</file>
+
+<file path=ppt/slides/slide30.xml><?xml version="1.0" encoding="utf-8"?>
 <p:sld xmlns:a="http://schemas.openxmlformats.org/drawingml/2006/main" xmlns:r="http://schemas.openxmlformats.org/officeDocument/2006/relationships" xmlns:p="http://schemas.openxmlformats.org/presentationml/2006/main">
   <p:cSld>
     <p:spTree>
@@ -36358,422 +36641,6 @@
 </p:sld>
 </file>
 
-<file path=ppt/slides/slide3.xml><?xml version="1.0" encoding="utf-8"?>
-<p:sld xmlns:a="http://schemas.openxmlformats.org/drawingml/2006/main" xmlns:r="http://schemas.openxmlformats.org/officeDocument/2006/relationships" xmlns:p="http://schemas.openxmlformats.org/presentationml/2006/main">
-  <p:cSld>
-    <p:spTree>
-      <p:nvGrpSpPr>
-        <p:cNvPr id="1" name=""/>
-        <p:cNvGrpSpPr/>
-        <p:nvPr/>
-      </p:nvGrpSpPr>
-      <p:grpSpPr>
-        <a:xfrm>
-          <a:off x="0" y="0"/>
-          <a:ext cx="0" cy="0"/>
-          <a:chOff x="0" y="0"/>
-          <a:chExt cx="0" cy="0"/>
-        </a:xfrm>
-      </p:grpSpPr>
-      <p:sp>
-        <p:nvSpPr>
-          <p:cNvPr id="2" name="Title 1"/>
-          <p:cNvSpPr>
-            <a:spLocks noGrp="1"/>
-          </p:cNvSpPr>
-          <p:nvPr>
-            <p:ph type="title"/>
-          </p:nvPr>
-        </p:nvSpPr>
-        <p:spPr/>
-        <p:txBody>
-          <a:bodyPr/>
-          <a:lstStyle/>
-          <a:p>
-            <a:r>
-              <a:rPr lang="en-US" dirty="0"/>
-              <a:t>What is Docker?</a:t>
-            </a:r>
-          </a:p>
-        </p:txBody>
-      </p:sp>
-      <p:sp>
-        <p:nvSpPr>
-          <p:cNvPr id="3" name="Text Placeholder 2"/>
-          <p:cNvSpPr>
-            <a:spLocks noGrp="1"/>
-          </p:cNvSpPr>
-          <p:nvPr>
-            <p:ph type="body" sz="quarter" idx="25"/>
-          </p:nvPr>
-        </p:nvSpPr>
-        <p:spPr/>
-        <p:txBody>
-          <a:bodyPr/>
-          <a:lstStyle/>
-          <a:p>
-            <a:r>
-              <a:rPr lang="en-US" dirty="0"/>
-              <a:t>Introduction</a:t>
-            </a:r>
-          </a:p>
-        </p:txBody>
-      </p:sp>
-    </p:spTree>
-    <p:extLst>
-      <p:ext uri="{BB962C8B-B14F-4D97-AF65-F5344CB8AC3E}">
-        <p14:creationId xmlns:p14="http://schemas.microsoft.com/office/powerpoint/2010/main" val="157276080"/>
-      </p:ext>
-    </p:extLst>
-  </p:cSld>
-  <p:clrMapOvr>
-    <a:masterClrMapping/>
-  </p:clrMapOvr>
-  <mc:AlternateContent xmlns:mc="http://schemas.openxmlformats.org/markup-compatibility/2006" xmlns:p14="http://schemas.microsoft.com/office/powerpoint/2010/main">
-    <mc:Choice Requires="p14">
-      <p:transition spd="med" p14:dur="700">
-        <p:fade/>
-      </p:transition>
-    </mc:Choice>
-    <mc:Fallback xmlns="">
-      <p:transition spd="med">
-        <p:fade/>
-      </p:transition>
-    </mc:Fallback>
-  </mc:AlternateContent>
-</p:sld>
-</file>
-
-<file path=ppt/slides/slide30.xml><?xml version="1.0" encoding="utf-8"?>
-<p:sld xmlns:a="http://schemas.openxmlformats.org/drawingml/2006/main" xmlns:r="http://schemas.openxmlformats.org/officeDocument/2006/relationships" xmlns:p="http://schemas.openxmlformats.org/presentationml/2006/main" show="0">
-  <p:cSld>
-    <p:spTree>
-      <p:nvGrpSpPr>
-        <p:cNvPr id="1" name=""/>
-        <p:cNvGrpSpPr/>
-        <p:nvPr/>
-      </p:nvGrpSpPr>
-      <p:grpSpPr>
-        <a:xfrm>
-          <a:off x="0" y="0"/>
-          <a:ext cx="0" cy="0"/>
-          <a:chOff x="0" y="0"/>
-          <a:chExt cx="0" cy="0"/>
-        </a:xfrm>
-      </p:grpSpPr>
-      <p:sp>
-        <p:nvSpPr>
-          <p:cNvPr id="7" name="Titel 6"/>
-          <p:cNvSpPr>
-            <a:spLocks noGrp="1"/>
-          </p:cNvSpPr>
-          <p:nvPr>
-            <p:ph type="title"/>
-          </p:nvPr>
-        </p:nvSpPr>
-        <p:spPr/>
-        <p:txBody>
-          <a:bodyPr/>
-          <a:lstStyle/>
-          <a:p>
-            <a:r>
-              <a:rPr lang="en-US" dirty="0"/>
-              <a:t>Mount Host</a:t>
-            </a:r>
-            <a:endParaRPr lang="de-AT" dirty="0"/>
-          </a:p>
-        </p:txBody>
-      </p:sp>
-      <p:sp>
-        <p:nvSpPr>
-          <p:cNvPr id="8" name="Inhaltsplatzhalter 7"/>
-          <p:cNvSpPr>
-            <a:spLocks noGrp="1"/>
-          </p:cNvSpPr>
-          <p:nvPr>
-            <p:ph sz="quarter" idx="22"/>
-          </p:nvPr>
-        </p:nvSpPr>
-        <p:spPr/>
-        <p:txBody>
-          <a:bodyPr/>
-          <a:lstStyle/>
-          <a:p>
-            <a:r>
-              <a:rPr lang="en-US" dirty="0"/>
-              <a:t># Run </a:t>
-            </a:r>
-            <a:r>
-              <a:rPr lang="en-US" dirty="0" err="1"/>
-              <a:t>postgres</a:t>
-            </a:r>
-            <a:r>
-              <a:rPr lang="en-US" dirty="0"/>
-              <a:t> in a new container</a:t>
-            </a:r>
-            <a:endParaRPr lang="de-AT" dirty="0"/>
-          </a:p>
-          <a:p>
-            <a:r>
-              <a:rPr lang="de-AT" dirty="0" err="1"/>
-              <a:t>docker</a:t>
-            </a:r>
-            <a:r>
-              <a:rPr lang="de-AT" dirty="0"/>
-              <a:t> </a:t>
-            </a:r>
-            <a:r>
-              <a:rPr lang="de-AT" dirty="0" err="1"/>
-              <a:t>run</a:t>
-            </a:r>
-            <a:r>
-              <a:rPr lang="de-AT" dirty="0"/>
-              <a:t> --name </a:t>
-            </a:r>
-            <a:r>
-              <a:rPr lang="de-AT" dirty="0" err="1"/>
-              <a:t>mydb</a:t>
-            </a:r>
-            <a:r>
-              <a:rPr lang="de-AT" dirty="0"/>
-              <a:t> -e POSTGRES_PASSWORD=P@ssw0rd \</a:t>
-            </a:r>
-          </a:p>
-          <a:p>
-            <a:r>
-              <a:rPr lang="de-AT" dirty="0"/>
-              <a:t>	-d </a:t>
-            </a:r>
-            <a:r>
-              <a:rPr lang="de-AT" dirty="0" err="1"/>
-              <a:t>postgres</a:t>
-            </a:r>
-            <a:endParaRPr lang="de-AT" dirty="0"/>
-          </a:p>
-          <a:p>
-            <a:r>
-              <a:rPr lang="en-US" dirty="0"/>
-              <a:t>docker inspect </a:t>
-            </a:r>
-            <a:r>
-              <a:rPr lang="en-US" dirty="0" err="1"/>
-              <a:t>mydb</a:t>
-            </a:r>
-            <a:endParaRPr lang="en-US" dirty="0"/>
-          </a:p>
-          <a:p>
-            <a:endParaRPr lang="en-US" dirty="0"/>
-          </a:p>
-          <a:p>
-            <a:r>
-              <a:rPr lang="en-US" dirty="0"/>
-              <a:t># Run client and execute some SQL</a:t>
-            </a:r>
-          </a:p>
-          <a:p>
-            <a:r>
-              <a:rPr lang="de-AT" dirty="0" err="1"/>
-              <a:t>docker</a:t>
-            </a:r>
-            <a:r>
-              <a:rPr lang="de-AT" dirty="0"/>
-              <a:t> </a:t>
-            </a:r>
-            <a:r>
-              <a:rPr lang="de-AT" dirty="0" err="1"/>
-              <a:t>run</a:t>
-            </a:r>
-            <a:r>
-              <a:rPr lang="de-AT" dirty="0"/>
-              <a:t> -</a:t>
-            </a:r>
-            <a:r>
-              <a:rPr lang="de-AT" dirty="0" err="1"/>
-              <a:t>it</a:t>
-            </a:r>
-            <a:r>
-              <a:rPr lang="de-AT" dirty="0"/>
-              <a:t> --</a:t>
-            </a:r>
-            <a:r>
-              <a:rPr lang="de-AT" dirty="0" err="1"/>
-              <a:t>rm</a:t>
-            </a:r>
-            <a:r>
-              <a:rPr lang="de-AT" dirty="0"/>
-              <a:t> </a:t>
-            </a:r>
-            <a:r>
-              <a:rPr lang="de-AT" dirty="0" err="1"/>
-              <a:t>postgres</a:t>
-            </a:r>
-            <a:r>
-              <a:rPr lang="de-AT" dirty="0"/>
-              <a:t> /bin/bash</a:t>
-            </a:r>
-          </a:p>
-          <a:p>
-            <a:r>
-              <a:rPr lang="de-AT" dirty="0"/>
-              <a:t>  </a:t>
-            </a:r>
-            <a:r>
-              <a:rPr lang="en-US" dirty="0" err="1"/>
-              <a:t>psql</a:t>
-            </a:r>
-            <a:r>
-              <a:rPr lang="en-US" dirty="0"/>
-              <a:t> -h 172.17.0.2 -p 5432 -U </a:t>
-            </a:r>
-            <a:r>
-              <a:rPr lang="en-US" dirty="0" err="1"/>
-              <a:t>postgres</a:t>
-            </a:r>
-            <a:endParaRPr lang="en-US" dirty="0"/>
-          </a:p>
-          <a:p>
-            <a:endParaRPr lang="en-US" dirty="0"/>
-          </a:p>
-          <a:p>
-            <a:r>
-              <a:rPr lang="en-US" dirty="0"/>
-              <a:t>	# Execute some SQL (e.g. create and fill a table)</a:t>
-            </a:r>
-          </a:p>
-          <a:p>
-            <a:r>
-              <a:rPr lang="en-US" dirty="0"/>
-              <a:t>	CREATE TABLE Test (ID INT PRIMARY KEY);</a:t>
-            </a:r>
-          </a:p>
-          <a:p>
-            <a:r>
-              <a:rPr lang="en-US" dirty="0"/>
-              <a:t>	INSERT INTO Test VALUES (1);</a:t>
-            </a:r>
-          </a:p>
-          <a:p>
-            <a:r>
-              <a:rPr lang="en-US" dirty="0"/>
-              <a:t>	SELECT * FROM Test;</a:t>
-            </a:r>
-          </a:p>
-          <a:p>
-            <a:r>
-              <a:rPr lang="en-US" dirty="0"/>
-              <a:t>	\q</a:t>
-            </a:r>
-          </a:p>
-          <a:p>
-            <a:endParaRPr lang="en-US" dirty="0"/>
-          </a:p>
-          <a:p>
-            <a:r>
-              <a:rPr lang="en-US" dirty="0"/>
-              <a:t># Delete container --&gt; data is gone</a:t>
-            </a:r>
-          </a:p>
-          <a:p>
-            <a:r>
-              <a:rPr lang="en-US" dirty="0" err="1"/>
-              <a:t>docker</a:t>
-            </a:r>
-            <a:r>
-              <a:rPr lang="en-US" dirty="0"/>
-              <a:t> </a:t>
-            </a:r>
-            <a:r>
-              <a:rPr lang="en-US" dirty="0" err="1"/>
-              <a:t>rm</a:t>
-            </a:r>
-            <a:r>
-              <a:rPr lang="en-US" dirty="0"/>
-              <a:t> –f </a:t>
-            </a:r>
-            <a:r>
-              <a:rPr lang="en-US" dirty="0" err="1"/>
-              <a:t>mydb</a:t>
-            </a:r>
-            <a:endParaRPr lang="en-US" dirty="0"/>
-          </a:p>
-          <a:p>
-            <a:endParaRPr lang="de-AT" dirty="0"/>
-          </a:p>
-        </p:txBody>
-      </p:sp>
-      <p:sp>
-        <p:nvSpPr>
-          <p:cNvPr id="9" name="Textplatzhalter 8"/>
-          <p:cNvSpPr>
-            <a:spLocks noGrp="1"/>
-          </p:cNvSpPr>
-          <p:nvPr>
-            <p:ph type="body" sz="quarter" idx="23"/>
-          </p:nvPr>
-        </p:nvSpPr>
-        <p:spPr/>
-        <p:txBody>
-          <a:bodyPr/>
-          <a:lstStyle/>
-          <a:p>
-            <a:endParaRPr lang="de-AT"/>
-          </a:p>
-        </p:txBody>
-      </p:sp>
-      <p:sp>
-        <p:nvSpPr>
-          <p:cNvPr id="10" name="Textplatzhalter 9"/>
-          <p:cNvSpPr>
-            <a:spLocks noGrp="1"/>
-          </p:cNvSpPr>
-          <p:nvPr>
-            <p:ph type="body" sz="quarter" idx="24"/>
-          </p:nvPr>
-        </p:nvSpPr>
-        <p:spPr/>
-        <p:txBody>
-          <a:bodyPr/>
-          <a:lstStyle/>
-          <a:p>
-            <a:endParaRPr lang="de-AT"/>
-          </a:p>
-        </p:txBody>
-      </p:sp>
-      <p:sp>
-        <p:nvSpPr>
-          <p:cNvPr id="11" name="Textplatzhalter 10"/>
-          <p:cNvSpPr>
-            <a:spLocks noGrp="1"/>
-          </p:cNvSpPr>
-          <p:nvPr>
-            <p:ph type="body" sz="quarter" idx="25"/>
-          </p:nvPr>
-        </p:nvSpPr>
-        <p:spPr/>
-        <p:txBody>
-          <a:bodyPr/>
-          <a:lstStyle/>
-          <a:p>
-            <a:endParaRPr lang="de-AT"/>
-          </a:p>
-        </p:txBody>
-      </p:sp>
-    </p:spTree>
-    <p:extLst>
-      <p:ext uri="{BB962C8B-B14F-4D97-AF65-F5344CB8AC3E}">
-        <p14:creationId xmlns:p14="http://schemas.microsoft.com/office/powerpoint/2010/main" val="1819977818"/>
-      </p:ext>
-    </p:extLst>
-  </p:cSld>
-  <p:clrMapOvr>
-    <a:masterClrMapping/>
-  </p:clrMapOvr>
-  <p:transition spd="slow">
-    <p:push/>
-  </p:transition>
-</p:sld>
-</file>
-
 <file path=ppt/slides/slide31.xml><?xml version="1.0" encoding="utf-8"?>
 <p:sld xmlns:a="http://schemas.openxmlformats.org/drawingml/2006/main" xmlns:r="http://schemas.openxmlformats.org/officeDocument/2006/relationships" xmlns:p="http://schemas.openxmlformats.org/presentationml/2006/main" show="0">
   <p:cSld>
@@ -36831,21 +36698,63 @@
           <a:p>
             <a:r>
               <a:rPr lang="en-US" dirty="0"/>
-              <a:t># Create data directory on host</a:t>
-            </a:r>
-          </a:p>
-          <a:p>
+              <a:t># Run </a:t>
+            </a:r>
             <a:r>
               <a:rPr lang="en-US" dirty="0" err="1"/>
-              <a:t>mkdir</a:t>
-            </a:r>
-            <a:r>
-              <a:rPr lang="en-US" dirty="0"/>
+              <a:t>postgres</a:t>
+            </a:r>
+            <a:r>
+              <a:rPr lang="en-US" dirty="0"/>
+              <a:t> in a new container</a:t>
+            </a:r>
+            <a:endParaRPr lang="de-AT" dirty="0"/>
+          </a:p>
+          <a:p>
+            <a:r>
+              <a:rPr lang="de-AT" dirty="0" err="1"/>
+              <a:t>docker</a:t>
+            </a:r>
+            <a:r>
+              <a:rPr lang="de-AT" dirty="0"/>
               <a:t> </a:t>
             </a:r>
             <a:r>
+              <a:rPr lang="de-AT" dirty="0" err="1"/>
+              <a:t>run</a:t>
+            </a:r>
+            <a:r>
+              <a:rPr lang="de-AT" dirty="0"/>
+              <a:t> --name </a:t>
+            </a:r>
+            <a:r>
+              <a:rPr lang="de-AT" dirty="0" err="1"/>
+              <a:t>mydb</a:t>
+            </a:r>
+            <a:r>
+              <a:rPr lang="de-AT" dirty="0"/>
+              <a:t> -e POSTGRES_PASSWORD=P@ssw0rd \</a:t>
+            </a:r>
+          </a:p>
+          <a:p>
+            <a:r>
+              <a:rPr lang="de-AT" dirty="0"/>
+              <a:t>	-d </a:t>
+            </a:r>
+            <a:r>
+              <a:rPr lang="de-AT" dirty="0" err="1"/>
+              <a:t>postgres</a:t>
+            </a:r>
+            <a:endParaRPr lang="de-AT" dirty="0"/>
+          </a:p>
+          <a:p>
+            <a:r>
+              <a:rPr lang="en-US" dirty="0"/>
+              <a:t>docker inspect </a:t>
+            </a:r>
+            <a:r>
               <a:rPr lang="en-US" dirty="0" err="1"/>
-              <a:t>dbdata</a:t>
+              <a:t>mydb</a:t>
             </a:r>
             <a:endParaRPr lang="en-US" dirty="0"/>
           </a:p>
@@ -36855,28 +36764,136 @@
           <a:p>
             <a:r>
               <a:rPr lang="en-US" dirty="0"/>
-              <a:t># Repeat the same example but this time with volume mapping</a:t>
-            </a:r>
-          </a:p>
-          <a:p>
-            <a:r>
-              <a:rPr lang="sv-SE" dirty="0"/>
-              <a:t>docker run --name mydb -e POSTGRES_PASSWORD=P@ssw0rd! \</a:t>
-            </a:r>
-          </a:p>
-          <a:p>
-            <a:r>
-              <a:rPr lang="sv-SE" dirty="0"/>
-              <a:t>	</a:t>
-            </a:r>
-            <a:r>
-              <a:rPr lang="sv-SE" b="1" dirty="0"/>
-              <a:t>--mount 'type=bind,src=/home/rainer/dbdata,dst=/var/lib/postgresql/data' </a:t>
-            </a:r>
-            <a:r>
-              <a:rPr lang="sv-SE" dirty="0"/>
-              <a:t>-d postgres</a:t>
-            </a:r>
+              <a:t># Run client and execute some SQL</a:t>
+            </a:r>
+          </a:p>
+          <a:p>
+            <a:r>
+              <a:rPr lang="de-AT" dirty="0" err="1"/>
+              <a:t>docker</a:t>
+            </a:r>
+            <a:r>
+              <a:rPr lang="de-AT" dirty="0"/>
+              <a:t> </a:t>
+            </a:r>
+            <a:r>
+              <a:rPr lang="de-AT" dirty="0" err="1"/>
+              <a:t>run</a:t>
+            </a:r>
+            <a:r>
+              <a:rPr lang="de-AT" dirty="0"/>
+              <a:t> -</a:t>
+            </a:r>
+            <a:r>
+              <a:rPr lang="de-AT" dirty="0" err="1"/>
+              <a:t>it</a:t>
+            </a:r>
+            <a:r>
+              <a:rPr lang="de-AT" dirty="0"/>
+              <a:t> --</a:t>
+            </a:r>
+            <a:r>
+              <a:rPr lang="de-AT" dirty="0" err="1"/>
+              <a:t>rm</a:t>
+            </a:r>
+            <a:r>
+              <a:rPr lang="de-AT" dirty="0"/>
+              <a:t> </a:t>
+            </a:r>
+            <a:r>
+              <a:rPr lang="de-AT" dirty="0" err="1"/>
+              <a:t>postgres</a:t>
+            </a:r>
+            <a:r>
+              <a:rPr lang="de-AT" dirty="0"/>
+              <a:t> /bin/bash</a:t>
+            </a:r>
+          </a:p>
+          <a:p>
+            <a:r>
+              <a:rPr lang="de-AT" dirty="0"/>
+              <a:t>  </a:t>
+            </a:r>
+            <a:r>
+              <a:rPr lang="en-US" dirty="0" err="1"/>
+              <a:t>psql</a:t>
+            </a:r>
+            <a:r>
+              <a:rPr lang="en-US" dirty="0"/>
+              <a:t> -h 172.17.0.2 -p 5432 -U </a:t>
+            </a:r>
+            <a:r>
+              <a:rPr lang="en-US" dirty="0" err="1"/>
+              <a:t>postgres</a:t>
+            </a:r>
+            <a:endParaRPr lang="en-US" dirty="0"/>
+          </a:p>
+          <a:p>
+            <a:endParaRPr lang="en-US" dirty="0"/>
+          </a:p>
+          <a:p>
+            <a:r>
+              <a:rPr lang="en-US" dirty="0"/>
+              <a:t>	# Execute some SQL (e.g. create and fill a table)</a:t>
+            </a:r>
+          </a:p>
+          <a:p>
+            <a:r>
+              <a:rPr lang="en-US" dirty="0"/>
+              <a:t>	CREATE TABLE Test (ID INT PRIMARY KEY);</a:t>
+            </a:r>
+          </a:p>
+          <a:p>
+            <a:r>
+              <a:rPr lang="en-US" dirty="0"/>
+              <a:t>	INSERT INTO Test VALUES (1);</a:t>
+            </a:r>
+          </a:p>
+          <a:p>
+            <a:r>
+              <a:rPr lang="en-US" dirty="0"/>
+              <a:t>	SELECT * FROM Test;</a:t>
+            </a:r>
+          </a:p>
+          <a:p>
+            <a:r>
+              <a:rPr lang="en-US" dirty="0"/>
+              <a:t>	\q</a:t>
+            </a:r>
+          </a:p>
+          <a:p>
+            <a:endParaRPr lang="en-US" dirty="0"/>
+          </a:p>
+          <a:p>
+            <a:r>
+              <a:rPr lang="en-US" dirty="0"/>
+              <a:t># Delete container --&gt; data is gone</a:t>
+            </a:r>
+          </a:p>
+          <a:p>
+            <a:r>
+              <a:rPr lang="en-US" dirty="0" err="1"/>
+              <a:t>docker</a:t>
+            </a:r>
+            <a:r>
+              <a:rPr lang="en-US" dirty="0"/>
+              <a:t> </a:t>
+            </a:r>
+            <a:r>
+              <a:rPr lang="en-US" dirty="0" err="1"/>
+              <a:t>rm</a:t>
+            </a:r>
+            <a:r>
+              <a:rPr lang="en-US" dirty="0"/>
+              <a:t> –f </a:t>
+            </a:r>
+            <a:r>
+              <a:rPr lang="en-US" dirty="0" err="1"/>
+              <a:t>mydb</a:t>
+            </a:r>
+            <a:endParaRPr lang="en-US" dirty="0"/>
+          </a:p>
+          <a:p>
             <a:endParaRPr lang="de-AT" dirty="0"/>
           </a:p>
         </p:txBody>
@@ -36915,13 +36932,7 @@
           <a:bodyPr/>
           <a:lstStyle/>
           <a:p>
-            <a:r>
-              <a:rPr lang="de-AT" dirty="0">
-                <a:hlinkClick r:id="rId2"/>
-              </a:rPr>
-              <a:t>Bind Mount</a:t>
-            </a:r>
-            <a:endParaRPr lang="de-AT" dirty="0"/>
+            <a:endParaRPr lang="de-AT"/>
           </a:p>
         </p:txBody>
       </p:sp>
@@ -36947,7 +36958,7 @@
     </p:spTree>
     <p:extLst>
       <p:ext uri="{BB962C8B-B14F-4D97-AF65-F5344CB8AC3E}">
-        <p14:creationId xmlns:p14="http://schemas.microsoft.com/office/powerpoint/2010/main" val="555689719"/>
+        <p14:creationId xmlns:p14="http://schemas.microsoft.com/office/powerpoint/2010/main" val="1819977818"/>
       </p:ext>
     </p:extLst>
   </p:cSld>
@@ -36993,6 +37004,192 @@
           <a:lstStyle/>
           <a:p>
             <a:r>
+              <a:rPr lang="en-US" dirty="0"/>
+              <a:t>Mount Host</a:t>
+            </a:r>
+            <a:endParaRPr lang="de-AT" dirty="0"/>
+          </a:p>
+        </p:txBody>
+      </p:sp>
+      <p:sp>
+        <p:nvSpPr>
+          <p:cNvPr id="8" name="Inhaltsplatzhalter 7"/>
+          <p:cNvSpPr>
+            <a:spLocks noGrp="1"/>
+          </p:cNvSpPr>
+          <p:nvPr>
+            <p:ph sz="quarter" idx="22"/>
+          </p:nvPr>
+        </p:nvSpPr>
+        <p:spPr/>
+        <p:txBody>
+          <a:bodyPr/>
+          <a:lstStyle/>
+          <a:p>
+            <a:r>
+              <a:rPr lang="en-US" dirty="0"/>
+              <a:t># Create data directory on host</a:t>
+            </a:r>
+          </a:p>
+          <a:p>
+            <a:r>
+              <a:rPr lang="en-US" dirty="0" err="1"/>
+              <a:t>mkdir</a:t>
+            </a:r>
+            <a:r>
+              <a:rPr lang="en-US" dirty="0"/>
+              <a:t> </a:t>
+            </a:r>
+            <a:r>
+              <a:rPr lang="en-US" dirty="0" err="1"/>
+              <a:t>dbdata</a:t>
+            </a:r>
+            <a:endParaRPr lang="en-US" dirty="0"/>
+          </a:p>
+          <a:p>
+            <a:endParaRPr lang="en-US" dirty="0"/>
+          </a:p>
+          <a:p>
+            <a:r>
+              <a:rPr lang="en-US" dirty="0"/>
+              <a:t># Repeat the same example but this time with volume mapping</a:t>
+            </a:r>
+          </a:p>
+          <a:p>
+            <a:r>
+              <a:rPr lang="sv-SE" dirty="0"/>
+              <a:t>docker run --name mydb -e POSTGRES_PASSWORD=P@ssw0rd! \</a:t>
+            </a:r>
+          </a:p>
+          <a:p>
+            <a:r>
+              <a:rPr lang="sv-SE" dirty="0"/>
+              <a:t>	</a:t>
+            </a:r>
+            <a:r>
+              <a:rPr lang="sv-SE" b="1" dirty="0"/>
+              <a:t>--mount 'type=bind,src=/home/rainer/dbdata,dst=/var/lib/postgresql/data' </a:t>
+            </a:r>
+            <a:r>
+              <a:rPr lang="sv-SE" dirty="0"/>
+              <a:t>-d postgres</a:t>
+            </a:r>
+            <a:endParaRPr lang="de-AT" dirty="0"/>
+          </a:p>
+        </p:txBody>
+      </p:sp>
+      <p:sp>
+        <p:nvSpPr>
+          <p:cNvPr id="9" name="Textplatzhalter 8"/>
+          <p:cNvSpPr>
+            <a:spLocks noGrp="1"/>
+          </p:cNvSpPr>
+          <p:nvPr>
+            <p:ph type="body" sz="quarter" idx="23"/>
+          </p:nvPr>
+        </p:nvSpPr>
+        <p:spPr/>
+        <p:txBody>
+          <a:bodyPr/>
+          <a:lstStyle/>
+          <a:p>
+            <a:endParaRPr lang="de-AT"/>
+          </a:p>
+        </p:txBody>
+      </p:sp>
+      <p:sp>
+        <p:nvSpPr>
+          <p:cNvPr id="10" name="Textplatzhalter 9"/>
+          <p:cNvSpPr>
+            <a:spLocks noGrp="1"/>
+          </p:cNvSpPr>
+          <p:nvPr>
+            <p:ph type="body" sz="quarter" idx="24"/>
+          </p:nvPr>
+        </p:nvSpPr>
+        <p:spPr/>
+        <p:txBody>
+          <a:bodyPr/>
+          <a:lstStyle/>
+          <a:p>
+            <a:r>
+              <a:rPr lang="de-AT" dirty="0">
+                <a:hlinkClick r:id="rId2"/>
+              </a:rPr>
+              <a:t>Bind Mount</a:t>
+            </a:r>
+            <a:endParaRPr lang="de-AT" dirty="0"/>
+          </a:p>
+        </p:txBody>
+      </p:sp>
+      <p:sp>
+        <p:nvSpPr>
+          <p:cNvPr id="11" name="Textplatzhalter 10"/>
+          <p:cNvSpPr>
+            <a:spLocks noGrp="1"/>
+          </p:cNvSpPr>
+          <p:nvPr>
+            <p:ph type="body" sz="quarter" idx="25"/>
+          </p:nvPr>
+        </p:nvSpPr>
+        <p:spPr/>
+        <p:txBody>
+          <a:bodyPr/>
+          <a:lstStyle/>
+          <a:p>
+            <a:endParaRPr lang="de-AT"/>
+          </a:p>
+        </p:txBody>
+      </p:sp>
+    </p:spTree>
+    <p:extLst>
+      <p:ext uri="{BB962C8B-B14F-4D97-AF65-F5344CB8AC3E}">
+        <p14:creationId xmlns:p14="http://schemas.microsoft.com/office/powerpoint/2010/main" val="555689719"/>
+      </p:ext>
+    </p:extLst>
+  </p:cSld>
+  <p:clrMapOvr>
+    <a:masterClrMapping/>
+  </p:clrMapOvr>
+  <p:transition spd="slow">
+    <p:push/>
+  </p:transition>
+</p:sld>
+</file>
+
+<file path=ppt/slides/slide33.xml><?xml version="1.0" encoding="utf-8"?>
+<p:sld xmlns:a="http://schemas.openxmlformats.org/drawingml/2006/main" xmlns:r="http://schemas.openxmlformats.org/officeDocument/2006/relationships" xmlns:p="http://schemas.openxmlformats.org/presentationml/2006/main" show="0">
+  <p:cSld>
+    <p:spTree>
+      <p:nvGrpSpPr>
+        <p:cNvPr id="1" name=""/>
+        <p:cNvGrpSpPr/>
+        <p:nvPr/>
+      </p:nvGrpSpPr>
+      <p:grpSpPr>
+        <a:xfrm>
+          <a:off x="0" y="0"/>
+          <a:ext cx="0" cy="0"/>
+          <a:chOff x="0" y="0"/>
+          <a:chExt cx="0" cy="0"/>
+        </a:xfrm>
+      </p:grpSpPr>
+      <p:sp>
+        <p:nvSpPr>
+          <p:cNvPr id="7" name="Titel 6"/>
+          <p:cNvSpPr>
+            <a:spLocks noGrp="1"/>
+          </p:cNvSpPr>
+          <p:nvPr>
+            <p:ph type="title"/>
+          </p:nvPr>
+        </p:nvSpPr>
+        <p:spPr/>
+        <p:txBody>
+          <a:bodyPr/>
+          <a:lstStyle/>
+          <a:p>
+            <a:r>
               <a:rPr lang="en-US" sz="2000" dirty="0"/>
               <a:t>Data Volume Container</a:t>
             </a:r>
@@ -37396,7 +37593,7 @@
 </p:sld>
 </file>
 
-<file path=ppt/slides/slide33.xml><?xml version="1.0" encoding="utf-8"?>
+<file path=ppt/slides/slide34.xml><?xml version="1.0" encoding="utf-8"?>
 <p:sld xmlns:a="http://schemas.openxmlformats.org/drawingml/2006/main" xmlns:r="http://schemas.openxmlformats.org/officeDocument/2006/relationships" xmlns:p="http://schemas.openxmlformats.org/presentationml/2006/main">
   <p:cSld>
     <p:spTree>
@@ -37533,7 +37730,7 @@
 </p:sld>
 </file>
 
-<file path=ppt/slides/slide34.xml><?xml version="1.0" encoding="utf-8"?>
+<file path=ppt/slides/slide35.xml><?xml version="1.0" encoding="utf-8"?>
 <p:sld xmlns:a="http://schemas.openxmlformats.org/drawingml/2006/main" xmlns:r="http://schemas.openxmlformats.org/officeDocument/2006/relationships" xmlns:p="http://schemas.openxmlformats.org/presentationml/2006/main">
   <p:cSld>
     <p:spTree>
@@ -38498,7 +38695,7 @@
 </p:sld>
 </file>
 
-<file path=ppt/slides/slide35.xml><?xml version="1.0" encoding="utf-8"?>
+<file path=ppt/slides/slide36.xml><?xml version="1.0" encoding="utf-8"?>
 <p:sld xmlns:a="http://schemas.openxmlformats.org/drawingml/2006/main" xmlns:r="http://schemas.openxmlformats.org/officeDocument/2006/relationships" xmlns:p="http://schemas.openxmlformats.org/presentationml/2006/main">
   <p:cSld>
     <p:spTree>
@@ -38584,7 +38781,7 @@
 </p:sld>
 </file>
 
-<file path=ppt/slides/slide36.xml><?xml version="1.0" encoding="utf-8"?>
+<file path=ppt/slides/slide37.xml><?xml version="1.0" encoding="utf-8"?>
 <p:sld xmlns:a="http://schemas.openxmlformats.org/drawingml/2006/main" xmlns:r="http://schemas.openxmlformats.org/officeDocument/2006/relationships" xmlns:p="http://schemas.openxmlformats.org/presentationml/2006/main">
   <p:cSld>
     <p:spTree>
@@ -38803,7 +39000,7 @@
 </p:sld>
 </file>
 
-<file path=ppt/slides/slide37.xml><?xml version="1.0" encoding="utf-8"?>
+<file path=ppt/slides/slide38.xml><?xml version="1.0" encoding="utf-8"?>
 <p:sld xmlns:a="http://schemas.openxmlformats.org/drawingml/2006/main" xmlns:r="http://schemas.openxmlformats.org/officeDocument/2006/relationships" xmlns:p="http://schemas.openxmlformats.org/presentationml/2006/main">
   <p:cSld>
     <p:spTree>
@@ -39219,7 +39416,7 @@
 </p:sld>
 </file>
 
-<file path=ppt/slides/slide38.xml><?xml version="1.0" encoding="utf-8"?>
+<file path=ppt/slides/slide39.xml><?xml version="1.0" encoding="utf-8"?>
 <p:sld xmlns:a="http://schemas.openxmlformats.org/drawingml/2006/main" xmlns:r="http://schemas.openxmlformats.org/officeDocument/2006/relationships" xmlns:p="http://schemas.openxmlformats.org/presentationml/2006/main">
   <p:cSld>
     <p:spTree>
@@ -39454,7 +39651,451 @@
 </p:sld>
 </file>
 
-<file path=ppt/slides/slide39.xml><?xml version="1.0" encoding="utf-8"?>
+<file path=ppt/slides/slide4.xml><?xml version="1.0" encoding="utf-8"?>
+<p:sld xmlns:a="http://schemas.openxmlformats.org/drawingml/2006/main" xmlns:r="http://schemas.openxmlformats.org/officeDocument/2006/relationships" xmlns:p="http://schemas.openxmlformats.org/presentationml/2006/main" showMasterPhAnim="0">
+  <p:cSld>
+    <p:spTree>
+      <p:nvGrpSpPr>
+        <p:cNvPr id="1" name=""/>
+        <p:cNvGrpSpPr/>
+        <p:nvPr/>
+      </p:nvGrpSpPr>
+      <p:grpSpPr>
+        <a:xfrm>
+          <a:off x="0" y="0"/>
+          <a:ext cx="0" cy="0"/>
+          <a:chOff x="0" y="0"/>
+          <a:chExt cx="0" cy="0"/>
+        </a:xfrm>
+      </p:grpSpPr>
+      <p:pic>
+        <p:nvPicPr>
+          <p:cNvPr id="3" name="Picture 2" descr="Container stack example">
+            <a:extLst>
+              <a:ext uri="{FF2B5EF4-FFF2-40B4-BE49-F238E27FC236}">
+                <a16:creationId xmlns:a16="http://schemas.microsoft.com/office/drawing/2014/main" id="{04EC5D86-5B4A-4292-8594-1268F6E25292}"/>
+              </a:ext>
+            </a:extLst>
+          </p:cNvPr>
+          <p:cNvPicPr>
+            <a:picLocks noChangeAspect="1" noChangeArrowheads="1"/>
+          </p:cNvPicPr>
+          <p:nvPr/>
+        </p:nvPicPr>
+        <p:blipFill>
+          <a:blip r:embed="rId2" cstate="email">
+            <a:extLst>
+              <a:ext uri="{28A0092B-C50C-407E-A947-70E740481C1C}">
+                <a14:useLocalDpi xmlns:a14="http://schemas.microsoft.com/office/drawing/2010/main" val="0"/>
+              </a:ext>
+            </a:extLst>
+          </a:blip>
+          <a:srcRect/>
+          <a:stretch>
+            <a:fillRect/>
+          </a:stretch>
+        </p:blipFill>
+        <p:spPr bwMode="auto">
+          <a:xfrm>
+            <a:off x="581793" y="2571750"/>
+            <a:ext cx="2126925" cy="1906817"/>
+          </a:xfrm>
+          <a:prstGeom prst="rect">
+            <a:avLst/>
+          </a:prstGeom>
+          <a:noFill/>
+          <a:extLst>
+            <a:ext uri="{909E8E84-426E-40DD-AFC4-6F175D3DCCD1}">
+              <a14:hiddenFill xmlns:a14="http://schemas.microsoft.com/office/drawing/2010/main">
+                <a:solidFill>
+                  <a:srgbClr val="FFFFFF"/>
+                </a:solidFill>
+              </a14:hiddenFill>
+            </a:ext>
+          </a:extLst>
+        </p:spPr>
+      </p:pic>
+      <p:pic>
+        <p:nvPicPr>
+          <p:cNvPr id="7" name="Picture 4" descr="Virtual machine stack example">
+            <a:extLst>
+              <a:ext uri="{FF2B5EF4-FFF2-40B4-BE49-F238E27FC236}">
+                <a16:creationId xmlns:a16="http://schemas.microsoft.com/office/drawing/2014/main" id="{D2306639-B25D-4E5F-BB34-4391FC81C675}"/>
+              </a:ext>
+            </a:extLst>
+          </p:cNvPr>
+          <p:cNvPicPr>
+            <a:picLocks noChangeAspect="1" noChangeArrowheads="1"/>
+          </p:cNvPicPr>
+          <p:nvPr/>
+        </p:nvPicPr>
+        <p:blipFill>
+          <a:blip r:embed="rId3" cstate="email">
+            <a:extLst>
+              <a:ext uri="{28A0092B-C50C-407E-A947-70E740481C1C}">
+                <a14:useLocalDpi xmlns:a14="http://schemas.microsoft.com/office/drawing/2010/main" val="0"/>
+              </a:ext>
+            </a:extLst>
+          </a:blip>
+          <a:srcRect/>
+          <a:stretch>
+            <a:fillRect/>
+          </a:stretch>
+        </p:blipFill>
+        <p:spPr bwMode="auto">
+          <a:xfrm>
+            <a:off x="590023" y="81369"/>
+            <a:ext cx="2121627" cy="1906816"/>
+          </a:xfrm>
+          <a:prstGeom prst="rect">
+            <a:avLst/>
+          </a:prstGeom>
+          <a:noFill/>
+          <a:extLst>
+            <a:ext uri="{909E8E84-426E-40DD-AFC4-6F175D3DCCD1}">
+              <a14:hiddenFill xmlns:a14="http://schemas.microsoft.com/office/drawing/2010/main">
+                <a:solidFill>
+                  <a:srgbClr val="FFFFFF"/>
+                </a:solidFill>
+              </a14:hiddenFill>
+            </a:ext>
+          </a:extLst>
+        </p:spPr>
+      </p:pic>
+      <p:sp>
+        <p:nvSpPr>
+          <p:cNvPr id="2" name="Titel 1"/>
+          <p:cNvSpPr>
+            <a:spLocks noGrp="1"/>
+          </p:cNvSpPr>
+          <p:nvPr>
+            <p:ph type="title"/>
+          </p:nvPr>
+        </p:nvSpPr>
+        <p:spPr/>
+        <p:txBody>
+          <a:bodyPr/>
+          <a:lstStyle/>
+          <a:p>
+            <a:r>
+              <a:rPr lang="en-US" dirty="0"/>
+              <a:t>What is Docker?</a:t>
+            </a:r>
+          </a:p>
+        </p:txBody>
+      </p:sp>
+      <p:sp>
+        <p:nvSpPr>
+          <p:cNvPr id="4" name="Textplatzhalter 3"/>
+          <p:cNvSpPr>
+            <a:spLocks noGrp="1"/>
+          </p:cNvSpPr>
+          <p:nvPr>
+            <p:ph type="body" sz="quarter" idx="23"/>
+          </p:nvPr>
+        </p:nvSpPr>
+        <p:spPr/>
+        <p:txBody>
+          <a:bodyPr/>
+          <a:lstStyle/>
+          <a:p>
+            <a:r>
+              <a:rPr lang="en-US" dirty="0"/>
+              <a:t>Virtual machines vs. Docker</a:t>
+            </a:r>
+          </a:p>
+        </p:txBody>
+      </p:sp>
+      <p:sp>
+        <p:nvSpPr>
+          <p:cNvPr id="5" name="Textplatzhalter 4"/>
+          <p:cNvSpPr>
+            <a:spLocks noGrp="1"/>
+          </p:cNvSpPr>
+          <p:nvPr>
+            <p:ph type="body" sz="quarter" idx="24"/>
+          </p:nvPr>
+        </p:nvSpPr>
+        <p:spPr/>
+        <p:txBody>
+          <a:bodyPr/>
+          <a:lstStyle/>
+          <a:p>
+            <a:r>
+              <a:rPr lang="en-US" dirty="0"/>
+              <a:t>Each VM runs its own guest operating system</a:t>
+            </a:r>
+          </a:p>
+          <a:p>
+            <a:r>
+              <a:rPr lang="en-US" dirty="0"/>
+              <a:t>Container reuse the host operating system</a:t>
+            </a:r>
+          </a:p>
+          <a:p>
+            <a:pPr lvl="1"/>
+            <a:r>
+              <a:rPr lang="en-US" dirty="0"/>
+              <a:t>Container run in user space</a:t>
+            </a:r>
+          </a:p>
+          <a:p>
+            <a:r>
+              <a:rPr lang="en-US" u="sng" dirty="0"/>
+              <a:t>Not</a:t>
+            </a:r>
+            <a:r>
+              <a:rPr lang="en-US" dirty="0"/>
+              <a:t> a total replacement of classical hypervisors or </a:t>
+            </a:r>
+            <a:r>
+              <a:rPr lang="en-US" dirty="0" err="1"/>
+              <a:t>config</a:t>
+            </a:r>
+            <a:r>
+              <a:rPr lang="en-US" dirty="0"/>
+              <a:t> management tools</a:t>
+            </a:r>
+          </a:p>
+        </p:txBody>
+      </p:sp>
+      <p:sp>
+        <p:nvSpPr>
+          <p:cNvPr id="6" name="Textplatzhalter 5"/>
+          <p:cNvSpPr>
+            <a:spLocks noGrp="1"/>
+          </p:cNvSpPr>
+          <p:nvPr>
+            <p:ph type="body" sz="quarter" idx="25"/>
+          </p:nvPr>
+        </p:nvSpPr>
+        <p:spPr/>
+        <p:txBody>
+          <a:bodyPr/>
+          <a:lstStyle/>
+          <a:p>
+            <a:r>
+              <a:rPr lang="en-US" sz="700" dirty="0">
+                <a:solidFill>
+                  <a:schemeClr val="tx1"/>
+                </a:solidFill>
+              </a:rPr>
+              <a:t>Image Source:</a:t>
+            </a:r>
+            <a:br>
+              <a:rPr lang="en-US" sz="700" dirty="0">
+                <a:solidFill>
+                  <a:schemeClr val="tx1"/>
+                </a:solidFill>
+              </a:rPr>
+            </a:br>
+            <a:r>
+              <a:rPr lang="en-US" sz="700" dirty="0">
+                <a:solidFill>
+                  <a:schemeClr val="tx1"/>
+                </a:solidFill>
+                <a:hlinkClick r:id="rId4"/>
+              </a:rPr>
+              <a:t>https://docs.docker.com/get-started/#containers-and-virtual-machines</a:t>
+            </a:r>
+            <a:r>
+              <a:rPr lang="en-US" sz="700" dirty="0">
+                <a:solidFill>
+                  <a:schemeClr val="tx1"/>
+                </a:solidFill>
+              </a:rPr>
+              <a:t> </a:t>
+            </a:r>
+          </a:p>
+        </p:txBody>
+      </p:sp>
+      <p:sp>
+        <p:nvSpPr>
+          <p:cNvPr id="8" name="Textfeld 7"/>
+          <p:cNvSpPr txBox="1"/>
+          <p:nvPr/>
+        </p:nvSpPr>
+        <p:spPr>
+          <a:xfrm>
+            <a:off x="3050313" y="665445"/>
+            <a:ext cx="1879297" cy="369332"/>
+          </a:xfrm>
+          <a:prstGeom prst="rect">
+            <a:avLst/>
+          </a:prstGeom>
+          <a:noFill/>
+        </p:spPr>
+        <p:txBody>
+          <a:bodyPr wrap="none" rtlCol="0">
+            <a:spAutoFit/>
+          </a:bodyPr>
+          <a:lstStyle/>
+          <a:p>
+            <a:pPr defTabSz="914400" fontAlgn="auto">
+              <a:spcBef>
+                <a:spcPts val="0"/>
+              </a:spcBef>
+              <a:spcAft>
+                <a:spcPts val="0"/>
+              </a:spcAft>
+              <a:buClrTx/>
+              <a:buSzTx/>
+              <a:buFontTx/>
+              <a:buNone/>
+            </a:pPr>
+            <a:r>
+              <a:rPr lang="en-US" dirty="0">
+                <a:solidFill>
+                  <a:srgbClr val="595959"/>
+                </a:solidFill>
+                <a:latin typeface="Segoe UI"/>
+                <a:ea typeface="+mn-ea"/>
+              </a:rPr>
+              <a:t>Virtual Machines</a:t>
+            </a:r>
+          </a:p>
+        </p:txBody>
+      </p:sp>
+      <p:sp>
+        <p:nvSpPr>
+          <p:cNvPr id="9" name="Textfeld 8"/>
+          <p:cNvSpPr txBox="1"/>
+          <p:nvPr/>
+        </p:nvSpPr>
+        <p:spPr>
+          <a:xfrm>
+            <a:off x="2959767" y="2977916"/>
+            <a:ext cx="1951368" cy="369332"/>
+          </a:xfrm>
+          <a:prstGeom prst="rect">
+            <a:avLst/>
+          </a:prstGeom>
+          <a:noFill/>
+        </p:spPr>
+        <p:txBody>
+          <a:bodyPr wrap="none" rtlCol="0">
+            <a:spAutoFit/>
+          </a:bodyPr>
+          <a:lstStyle/>
+          <a:p>
+            <a:pPr defTabSz="914400" fontAlgn="auto">
+              <a:spcBef>
+                <a:spcPts val="0"/>
+              </a:spcBef>
+              <a:spcAft>
+                <a:spcPts val="0"/>
+              </a:spcAft>
+              <a:buClrTx/>
+              <a:buSzTx/>
+              <a:buFontTx/>
+              <a:buNone/>
+            </a:pPr>
+            <a:r>
+              <a:rPr lang="en-US" dirty="0">
+                <a:solidFill>
+                  <a:srgbClr val="595959"/>
+                </a:solidFill>
+                <a:latin typeface="Segoe UI"/>
+                <a:ea typeface="+mn-ea"/>
+              </a:rPr>
+              <a:t>Docker Container</a:t>
+            </a:r>
+          </a:p>
+        </p:txBody>
+      </p:sp>
+      <p:sp>
+        <p:nvSpPr>
+          <p:cNvPr id="12" name="Geschweifte Klammer rechts 11"/>
+          <p:cNvSpPr/>
+          <p:nvPr/>
+        </p:nvSpPr>
+        <p:spPr>
+          <a:xfrm>
+            <a:off x="2731802" y="328622"/>
+            <a:ext cx="227965" cy="1042978"/>
+          </a:xfrm>
+          <a:prstGeom prst="rightBrace">
+            <a:avLst/>
+          </a:prstGeom>
+        </p:spPr>
+        <p:style>
+          <a:lnRef idx="3">
+            <a:schemeClr val="accent5"/>
+          </a:lnRef>
+          <a:fillRef idx="0">
+            <a:schemeClr val="accent5"/>
+          </a:fillRef>
+          <a:effectRef idx="2">
+            <a:schemeClr val="accent5"/>
+          </a:effectRef>
+          <a:fontRef idx="minor">
+            <a:schemeClr val="tx1"/>
+          </a:fontRef>
+        </p:style>
+        <p:txBody>
+          <a:bodyPr rtlCol="0" anchor="ctr"/>
+          <a:lstStyle/>
+          <a:p>
+            <a:pPr algn="ctr"/>
+            <a:endParaRPr lang="de-AT"/>
+          </a:p>
+        </p:txBody>
+      </p:sp>
+      <p:sp>
+        <p:nvSpPr>
+          <p:cNvPr id="15" name="Geschweifte Klammer rechts 14"/>
+          <p:cNvSpPr/>
+          <p:nvPr/>
+        </p:nvSpPr>
+        <p:spPr>
+          <a:xfrm>
+            <a:off x="2784465" y="2967794"/>
+            <a:ext cx="122637" cy="391021"/>
+          </a:xfrm>
+          <a:prstGeom prst="rightBrace">
+            <a:avLst/>
+          </a:prstGeom>
+        </p:spPr>
+        <p:style>
+          <a:lnRef idx="3">
+            <a:schemeClr val="accent5"/>
+          </a:lnRef>
+          <a:fillRef idx="0">
+            <a:schemeClr val="accent5"/>
+          </a:fillRef>
+          <a:effectRef idx="2">
+            <a:schemeClr val="accent5"/>
+          </a:effectRef>
+          <a:fontRef idx="minor">
+            <a:schemeClr val="tx1"/>
+          </a:fontRef>
+        </p:style>
+        <p:txBody>
+          <a:bodyPr rtlCol="0" anchor="ctr"/>
+          <a:lstStyle/>
+          <a:p>
+            <a:pPr algn="ctr"/>
+            <a:endParaRPr lang="de-AT"/>
+          </a:p>
+        </p:txBody>
+      </p:sp>
+    </p:spTree>
+    <p:extLst>
+      <p:ext uri="{BB962C8B-B14F-4D97-AF65-F5344CB8AC3E}">
+        <p14:creationId xmlns:p14="http://schemas.microsoft.com/office/powerpoint/2010/main" val="3095502645"/>
+      </p:ext>
+    </p:extLst>
+  </p:cSld>
+  <p:clrMapOvr>
+    <a:masterClrMapping/>
+  </p:clrMapOvr>
+  <p:transition spd="slow">
+    <p:push/>
+  </p:transition>
+</p:sld>
+</file>
+
+<file path=ppt/slides/slide40.xml><?xml version="1.0" encoding="utf-8"?>
 <p:sld xmlns:a="http://schemas.openxmlformats.org/drawingml/2006/main" xmlns:r="http://schemas.openxmlformats.org/officeDocument/2006/relationships" xmlns:p="http://schemas.openxmlformats.org/presentationml/2006/main">
   <p:cSld>
     <p:spTree>
@@ -40211,451 +40852,7 @@
 </p:sld>
 </file>
 
-<file path=ppt/slides/slide4.xml><?xml version="1.0" encoding="utf-8"?>
-<p:sld xmlns:a="http://schemas.openxmlformats.org/drawingml/2006/main" xmlns:r="http://schemas.openxmlformats.org/officeDocument/2006/relationships" xmlns:p="http://schemas.openxmlformats.org/presentationml/2006/main" showMasterPhAnim="0">
-  <p:cSld>
-    <p:spTree>
-      <p:nvGrpSpPr>
-        <p:cNvPr id="1" name=""/>
-        <p:cNvGrpSpPr/>
-        <p:nvPr/>
-      </p:nvGrpSpPr>
-      <p:grpSpPr>
-        <a:xfrm>
-          <a:off x="0" y="0"/>
-          <a:ext cx="0" cy="0"/>
-          <a:chOff x="0" y="0"/>
-          <a:chExt cx="0" cy="0"/>
-        </a:xfrm>
-      </p:grpSpPr>
-      <p:pic>
-        <p:nvPicPr>
-          <p:cNvPr id="3" name="Picture 2" descr="Container stack example">
-            <a:extLst>
-              <a:ext uri="{FF2B5EF4-FFF2-40B4-BE49-F238E27FC236}">
-                <a16:creationId xmlns:a16="http://schemas.microsoft.com/office/drawing/2014/main" id="{04EC5D86-5B4A-4292-8594-1268F6E25292}"/>
-              </a:ext>
-            </a:extLst>
-          </p:cNvPr>
-          <p:cNvPicPr>
-            <a:picLocks noChangeAspect="1" noChangeArrowheads="1"/>
-          </p:cNvPicPr>
-          <p:nvPr/>
-        </p:nvPicPr>
-        <p:blipFill>
-          <a:blip r:embed="rId2" cstate="email">
-            <a:extLst>
-              <a:ext uri="{28A0092B-C50C-407E-A947-70E740481C1C}">
-                <a14:useLocalDpi xmlns:a14="http://schemas.microsoft.com/office/drawing/2010/main" val="0"/>
-              </a:ext>
-            </a:extLst>
-          </a:blip>
-          <a:srcRect/>
-          <a:stretch>
-            <a:fillRect/>
-          </a:stretch>
-        </p:blipFill>
-        <p:spPr bwMode="auto">
-          <a:xfrm>
-            <a:off x="581793" y="2571750"/>
-            <a:ext cx="2126925" cy="1906817"/>
-          </a:xfrm>
-          <a:prstGeom prst="rect">
-            <a:avLst/>
-          </a:prstGeom>
-          <a:noFill/>
-          <a:extLst>
-            <a:ext uri="{909E8E84-426E-40DD-AFC4-6F175D3DCCD1}">
-              <a14:hiddenFill xmlns:a14="http://schemas.microsoft.com/office/drawing/2010/main">
-                <a:solidFill>
-                  <a:srgbClr val="FFFFFF"/>
-                </a:solidFill>
-              </a14:hiddenFill>
-            </a:ext>
-          </a:extLst>
-        </p:spPr>
-      </p:pic>
-      <p:pic>
-        <p:nvPicPr>
-          <p:cNvPr id="7" name="Picture 4" descr="Virtual machine stack example">
-            <a:extLst>
-              <a:ext uri="{FF2B5EF4-FFF2-40B4-BE49-F238E27FC236}">
-                <a16:creationId xmlns:a16="http://schemas.microsoft.com/office/drawing/2014/main" id="{D2306639-B25D-4E5F-BB34-4391FC81C675}"/>
-              </a:ext>
-            </a:extLst>
-          </p:cNvPr>
-          <p:cNvPicPr>
-            <a:picLocks noChangeAspect="1" noChangeArrowheads="1"/>
-          </p:cNvPicPr>
-          <p:nvPr/>
-        </p:nvPicPr>
-        <p:blipFill>
-          <a:blip r:embed="rId3" cstate="email">
-            <a:extLst>
-              <a:ext uri="{28A0092B-C50C-407E-A947-70E740481C1C}">
-                <a14:useLocalDpi xmlns:a14="http://schemas.microsoft.com/office/drawing/2010/main" val="0"/>
-              </a:ext>
-            </a:extLst>
-          </a:blip>
-          <a:srcRect/>
-          <a:stretch>
-            <a:fillRect/>
-          </a:stretch>
-        </p:blipFill>
-        <p:spPr bwMode="auto">
-          <a:xfrm>
-            <a:off x="590023" y="81369"/>
-            <a:ext cx="2121627" cy="1906816"/>
-          </a:xfrm>
-          <a:prstGeom prst="rect">
-            <a:avLst/>
-          </a:prstGeom>
-          <a:noFill/>
-          <a:extLst>
-            <a:ext uri="{909E8E84-426E-40DD-AFC4-6F175D3DCCD1}">
-              <a14:hiddenFill xmlns:a14="http://schemas.microsoft.com/office/drawing/2010/main">
-                <a:solidFill>
-                  <a:srgbClr val="FFFFFF"/>
-                </a:solidFill>
-              </a14:hiddenFill>
-            </a:ext>
-          </a:extLst>
-        </p:spPr>
-      </p:pic>
-      <p:sp>
-        <p:nvSpPr>
-          <p:cNvPr id="2" name="Titel 1"/>
-          <p:cNvSpPr>
-            <a:spLocks noGrp="1"/>
-          </p:cNvSpPr>
-          <p:nvPr>
-            <p:ph type="title"/>
-          </p:nvPr>
-        </p:nvSpPr>
-        <p:spPr/>
-        <p:txBody>
-          <a:bodyPr/>
-          <a:lstStyle/>
-          <a:p>
-            <a:r>
-              <a:rPr lang="en-US" dirty="0"/>
-              <a:t>What is Docker?</a:t>
-            </a:r>
-          </a:p>
-        </p:txBody>
-      </p:sp>
-      <p:sp>
-        <p:nvSpPr>
-          <p:cNvPr id="4" name="Textplatzhalter 3"/>
-          <p:cNvSpPr>
-            <a:spLocks noGrp="1"/>
-          </p:cNvSpPr>
-          <p:nvPr>
-            <p:ph type="body" sz="quarter" idx="23"/>
-          </p:nvPr>
-        </p:nvSpPr>
-        <p:spPr/>
-        <p:txBody>
-          <a:bodyPr/>
-          <a:lstStyle/>
-          <a:p>
-            <a:r>
-              <a:rPr lang="en-US" dirty="0"/>
-              <a:t>Virtual machines vs. Docker</a:t>
-            </a:r>
-          </a:p>
-        </p:txBody>
-      </p:sp>
-      <p:sp>
-        <p:nvSpPr>
-          <p:cNvPr id="5" name="Textplatzhalter 4"/>
-          <p:cNvSpPr>
-            <a:spLocks noGrp="1"/>
-          </p:cNvSpPr>
-          <p:nvPr>
-            <p:ph type="body" sz="quarter" idx="24"/>
-          </p:nvPr>
-        </p:nvSpPr>
-        <p:spPr/>
-        <p:txBody>
-          <a:bodyPr/>
-          <a:lstStyle/>
-          <a:p>
-            <a:r>
-              <a:rPr lang="en-US" dirty="0"/>
-              <a:t>Each VM runs its own guest operating system</a:t>
-            </a:r>
-          </a:p>
-          <a:p>
-            <a:r>
-              <a:rPr lang="en-US" dirty="0"/>
-              <a:t>Container reuse the host operating system</a:t>
-            </a:r>
-          </a:p>
-          <a:p>
-            <a:pPr lvl="1"/>
-            <a:r>
-              <a:rPr lang="en-US" dirty="0"/>
-              <a:t>Container run in user space</a:t>
-            </a:r>
-          </a:p>
-          <a:p>
-            <a:r>
-              <a:rPr lang="en-US" u="sng" dirty="0"/>
-              <a:t>Not</a:t>
-            </a:r>
-            <a:r>
-              <a:rPr lang="en-US" dirty="0"/>
-              <a:t> a total replacement of classical hypervisors or </a:t>
-            </a:r>
-            <a:r>
-              <a:rPr lang="en-US" dirty="0" err="1"/>
-              <a:t>config</a:t>
-            </a:r>
-            <a:r>
-              <a:rPr lang="en-US" dirty="0"/>
-              <a:t> management tools</a:t>
-            </a:r>
-          </a:p>
-        </p:txBody>
-      </p:sp>
-      <p:sp>
-        <p:nvSpPr>
-          <p:cNvPr id="6" name="Textplatzhalter 5"/>
-          <p:cNvSpPr>
-            <a:spLocks noGrp="1"/>
-          </p:cNvSpPr>
-          <p:nvPr>
-            <p:ph type="body" sz="quarter" idx="25"/>
-          </p:nvPr>
-        </p:nvSpPr>
-        <p:spPr/>
-        <p:txBody>
-          <a:bodyPr/>
-          <a:lstStyle/>
-          <a:p>
-            <a:r>
-              <a:rPr lang="en-US" sz="700" dirty="0">
-                <a:solidFill>
-                  <a:schemeClr val="tx1"/>
-                </a:solidFill>
-              </a:rPr>
-              <a:t>Image Source:</a:t>
-            </a:r>
-            <a:br>
-              <a:rPr lang="en-US" sz="700" dirty="0">
-                <a:solidFill>
-                  <a:schemeClr val="tx1"/>
-                </a:solidFill>
-              </a:rPr>
-            </a:br>
-            <a:r>
-              <a:rPr lang="en-US" sz="700" dirty="0">
-                <a:solidFill>
-                  <a:schemeClr val="tx1"/>
-                </a:solidFill>
-                <a:hlinkClick r:id="rId4"/>
-              </a:rPr>
-              <a:t>https://docs.docker.com/get-started/#containers-and-virtual-machines</a:t>
-            </a:r>
-            <a:r>
-              <a:rPr lang="en-US" sz="700" dirty="0">
-                <a:solidFill>
-                  <a:schemeClr val="tx1"/>
-                </a:solidFill>
-              </a:rPr>
-              <a:t> </a:t>
-            </a:r>
-          </a:p>
-        </p:txBody>
-      </p:sp>
-      <p:sp>
-        <p:nvSpPr>
-          <p:cNvPr id="8" name="Textfeld 7"/>
-          <p:cNvSpPr txBox="1"/>
-          <p:nvPr/>
-        </p:nvSpPr>
-        <p:spPr>
-          <a:xfrm>
-            <a:off x="3050313" y="665445"/>
-            <a:ext cx="1879297" cy="369332"/>
-          </a:xfrm>
-          <a:prstGeom prst="rect">
-            <a:avLst/>
-          </a:prstGeom>
-          <a:noFill/>
-        </p:spPr>
-        <p:txBody>
-          <a:bodyPr wrap="none" rtlCol="0">
-            <a:spAutoFit/>
-          </a:bodyPr>
-          <a:lstStyle/>
-          <a:p>
-            <a:pPr defTabSz="914400" fontAlgn="auto">
-              <a:spcBef>
-                <a:spcPts val="0"/>
-              </a:spcBef>
-              <a:spcAft>
-                <a:spcPts val="0"/>
-              </a:spcAft>
-              <a:buClrTx/>
-              <a:buSzTx/>
-              <a:buFontTx/>
-              <a:buNone/>
-            </a:pPr>
-            <a:r>
-              <a:rPr lang="en-US" dirty="0">
-                <a:solidFill>
-                  <a:srgbClr val="595959"/>
-                </a:solidFill>
-                <a:latin typeface="Segoe UI"/>
-                <a:ea typeface="+mn-ea"/>
-              </a:rPr>
-              <a:t>Virtual Machines</a:t>
-            </a:r>
-          </a:p>
-        </p:txBody>
-      </p:sp>
-      <p:sp>
-        <p:nvSpPr>
-          <p:cNvPr id="9" name="Textfeld 8"/>
-          <p:cNvSpPr txBox="1"/>
-          <p:nvPr/>
-        </p:nvSpPr>
-        <p:spPr>
-          <a:xfrm>
-            <a:off x="2959767" y="2977916"/>
-            <a:ext cx="1951368" cy="369332"/>
-          </a:xfrm>
-          <a:prstGeom prst="rect">
-            <a:avLst/>
-          </a:prstGeom>
-          <a:noFill/>
-        </p:spPr>
-        <p:txBody>
-          <a:bodyPr wrap="none" rtlCol="0">
-            <a:spAutoFit/>
-          </a:bodyPr>
-          <a:lstStyle/>
-          <a:p>
-            <a:pPr defTabSz="914400" fontAlgn="auto">
-              <a:spcBef>
-                <a:spcPts val="0"/>
-              </a:spcBef>
-              <a:spcAft>
-                <a:spcPts val="0"/>
-              </a:spcAft>
-              <a:buClrTx/>
-              <a:buSzTx/>
-              <a:buFontTx/>
-              <a:buNone/>
-            </a:pPr>
-            <a:r>
-              <a:rPr lang="en-US" dirty="0">
-                <a:solidFill>
-                  <a:srgbClr val="595959"/>
-                </a:solidFill>
-                <a:latin typeface="Segoe UI"/>
-                <a:ea typeface="+mn-ea"/>
-              </a:rPr>
-              <a:t>Docker Container</a:t>
-            </a:r>
-          </a:p>
-        </p:txBody>
-      </p:sp>
-      <p:sp>
-        <p:nvSpPr>
-          <p:cNvPr id="12" name="Geschweifte Klammer rechts 11"/>
-          <p:cNvSpPr/>
-          <p:nvPr/>
-        </p:nvSpPr>
-        <p:spPr>
-          <a:xfrm>
-            <a:off x="2731802" y="328622"/>
-            <a:ext cx="227965" cy="1042978"/>
-          </a:xfrm>
-          <a:prstGeom prst="rightBrace">
-            <a:avLst/>
-          </a:prstGeom>
-        </p:spPr>
-        <p:style>
-          <a:lnRef idx="3">
-            <a:schemeClr val="accent5"/>
-          </a:lnRef>
-          <a:fillRef idx="0">
-            <a:schemeClr val="accent5"/>
-          </a:fillRef>
-          <a:effectRef idx="2">
-            <a:schemeClr val="accent5"/>
-          </a:effectRef>
-          <a:fontRef idx="minor">
-            <a:schemeClr val="tx1"/>
-          </a:fontRef>
-        </p:style>
-        <p:txBody>
-          <a:bodyPr rtlCol="0" anchor="ctr"/>
-          <a:lstStyle/>
-          <a:p>
-            <a:pPr algn="ctr"/>
-            <a:endParaRPr lang="de-AT"/>
-          </a:p>
-        </p:txBody>
-      </p:sp>
-      <p:sp>
-        <p:nvSpPr>
-          <p:cNvPr id="15" name="Geschweifte Klammer rechts 14"/>
-          <p:cNvSpPr/>
-          <p:nvPr/>
-        </p:nvSpPr>
-        <p:spPr>
-          <a:xfrm>
-            <a:off x="2784465" y="2967794"/>
-            <a:ext cx="122637" cy="391021"/>
-          </a:xfrm>
-          <a:prstGeom prst="rightBrace">
-            <a:avLst/>
-          </a:prstGeom>
-        </p:spPr>
-        <p:style>
-          <a:lnRef idx="3">
-            <a:schemeClr val="accent5"/>
-          </a:lnRef>
-          <a:fillRef idx="0">
-            <a:schemeClr val="accent5"/>
-          </a:fillRef>
-          <a:effectRef idx="2">
-            <a:schemeClr val="accent5"/>
-          </a:effectRef>
-          <a:fontRef idx="minor">
-            <a:schemeClr val="tx1"/>
-          </a:fontRef>
-        </p:style>
-        <p:txBody>
-          <a:bodyPr rtlCol="0" anchor="ctr"/>
-          <a:lstStyle/>
-          <a:p>
-            <a:pPr algn="ctr"/>
-            <a:endParaRPr lang="de-AT"/>
-          </a:p>
-        </p:txBody>
-      </p:sp>
-    </p:spTree>
-    <p:extLst>
-      <p:ext uri="{BB962C8B-B14F-4D97-AF65-F5344CB8AC3E}">
-        <p14:creationId xmlns:p14="http://schemas.microsoft.com/office/powerpoint/2010/main" val="3095502645"/>
-      </p:ext>
-    </p:extLst>
-  </p:cSld>
-  <p:clrMapOvr>
-    <a:masterClrMapping/>
-  </p:clrMapOvr>
-  <p:transition spd="slow">
-    <p:push/>
-  </p:transition>
-</p:sld>
-</file>
-
-<file path=ppt/slides/slide40.xml><?xml version="1.0" encoding="utf-8"?>
+<file path=ppt/slides/slide41.xml><?xml version="1.0" encoding="utf-8"?>
 <p:sld xmlns:a="http://schemas.openxmlformats.org/drawingml/2006/main" xmlns:r="http://schemas.openxmlformats.org/officeDocument/2006/relationships" xmlns:p="http://schemas.openxmlformats.org/presentationml/2006/main" show="0">
   <p:cSld>
     <p:spTree>
@@ -40903,400 +41100,6 @@
     <p:extLst>
       <p:ext uri="{BB962C8B-B14F-4D97-AF65-F5344CB8AC3E}">
         <p14:creationId xmlns:p14="http://schemas.microsoft.com/office/powerpoint/2010/main" val="893490216"/>
-      </p:ext>
-    </p:extLst>
-  </p:cSld>
-  <p:clrMapOvr>
-    <a:masterClrMapping/>
-  </p:clrMapOvr>
-  <p:transition spd="slow">
-    <p:push/>
-  </p:transition>
-</p:sld>
-</file>
-
-<file path=ppt/slides/slide41.xml><?xml version="1.0" encoding="utf-8"?>
-<p:sld xmlns:a="http://schemas.openxmlformats.org/drawingml/2006/main" xmlns:r="http://schemas.openxmlformats.org/officeDocument/2006/relationships" xmlns:p="http://schemas.openxmlformats.org/presentationml/2006/main">
-  <p:cSld>
-    <p:spTree>
-      <p:nvGrpSpPr>
-        <p:cNvPr id="1" name=""/>
-        <p:cNvGrpSpPr/>
-        <p:nvPr/>
-      </p:nvGrpSpPr>
-      <p:grpSpPr>
-        <a:xfrm>
-          <a:off x="0" y="0"/>
-          <a:ext cx="0" cy="0"/>
-          <a:chOff x="0" y="0"/>
-          <a:chExt cx="0" cy="0"/>
-        </a:xfrm>
-      </p:grpSpPr>
-      <p:sp>
-        <p:nvSpPr>
-          <p:cNvPr id="7" name="Title 6">
-            <a:extLst>
-              <a:ext uri="{FF2B5EF4-FFF2-40B4-BE49-F238E27FC236}">
-                <a16:creationId xmlns:a16="http://schemas.microsoft.com/office/drawing/2014/main" id="{0D5E0E22-47BC-4C22-B7FA-62C1632C15E9}"/>
-              </a:ext>
-            </a:extLst>
-          </p:cNvPr>
-          <p:cNvSpPr>
-            <a:spLocks noGrp="1"/>
-          </p:cNvSpPr>
-          <p:nvPr>
-            <p:ph type="title"/>
-          </p:nvPr>
-        </p:nvSpPr>
-        <p:spPr/>
-        <p:txBody>
-          <a:bodyPr/>
-          <a:lstStyle/>
-          <a:p>
-            <a:r>
-              <a:rPr lang="de-AT" dirty="0"/>
-              <a:t>Checklist for </a:t>
-            </a:r>
-            <a:r>
-              <a:rPr lang="de-AT" dirty="0" err="1"/>
-              <a:t>Dockerfiles</a:t>
-            </a:r>
-            <a:endParaRPr lang="de-AT" dirty="0"/>
-          </a:p>
-        </p:txBody>
-      </p:sp>
-      <p:sp>
-        <p:nvSpPr>
-          <p:cNvPr id="8" name="Content Placeholder 7">
-            <a:extLst>
-              <a:ext uri="{FF2B5EF4-FFF2-40B4-BE49-F238E27FC236}">
-                <a16:creationId xmlns:a16="http://schemas.microsoft.com/office/drawing/2014/main" id="{2F77A696-ACF2-48A5-9D9C-0FB287ADF56A}"/>
-              </a:ext>
-            </a:extLst>
-          </p:cNvPr>
-          <p:cNvSpPr>
-            <a:spLocks noGrp="1"/>
-          </p:cNvSpPr>
-          <p:nvPr>
-            <p:ph sz="quarter" idx="12"/>
-          </p:nvPr>
-        </p:nvSpPr>
-        <p:spPr/>
-        <p:txBody>
-          <a:bodyPr/>
-          <a:lstStyle/>
-          <a:p>
-            <a:r>
-              <a:rPr lang="de-AT" dirty="0"/>
-              <a:t>Select </a:t>
-            </a:r>
-            <a:r>
-              <a:rPr lang="de-AT" dirty="0" err="1"/>
-              <a:t>approriate</a:t>
-            </a:r>
-            <a:r>
-              <a:rPr lang="de-AT" dirty="0"/>
-              <a:t> </a:t>
-            </a:r>
-            <a:r>
-              <a:rPr lang="de-AT" dirty="0" err="1"/>
-              <a:t>base</a:t>
-            </a:r>
-            <a:r>
-              <a:rPr lang="de-AT" dirty="0"/>
-              <a:t> </a:t>
-            </a:r>
-            <a:r>
-              <a:rPr lang="de-AT" dirty="0" err="1"/>
-              <a:t>image</a:t>
-            </a:r>
-            <a:endParaRPr lang="de-AT" dirty="0"/>
-          </a:p>
-          <a:p>
-            <a:pPr lvl="1"/>
-            <a:r>
-              <a:rPr lang="de-AT" dirty="0" err="1"/>
-              <a:t>Prefer</a:t>
-            </a:r>
-            <a:r>
-              <a:rPr lang="de-AT" dirty="0"/>
-              <a:t> </a:t>
-            </a:r>
-            <a:r>
-              <a:rPr lang="de-AT" dirty="0" err="1"/>
-              <a:t>existing</a:t>
-            </a:r>
-            <a:r>
-              <a:rPr lang="de-AT" dirty="0"/>
-              <a:t> (</a:t>
-            </a:r>
-            <a:r>
-              <a:rPr lang="de-AT" dirty="0" err="1"/>
-              <a:t>official</a:t>
-            </a:r>
-            <a:r>
-              <a:rPr lang="de-AT" dirty="0"/>
-              <a:t>) </a:t>
-            </a:r>
-            <a:r>
-              <a:rPr lang="de-AT" dirty="0" err="1"/>
-              <a:t>base</a:t>
-            </a:r>
-            <a:r>
-              <a:rPr lang="de-AT" dirty="0"/>
-              <a:t> </a:t>
-            </a:r>
-            <a:r>
-              <a:rPr lang="de-AT" dirty="0" err="1"/>
-              <a:t>images</a:t>
-            </a:r>
-            <a:endParaRPr lang="de-AT" dirty="0"/>
-          </a:p>
-          <a:p>
-            <a:r>
-              <a:rPr lang="de-AT" dirty="0"/>
-              <a:t>Use </a:t>
-            </a:r>
-            <a:r>
-              <a:rPr lang="de-AT" dirty="0" err="1"/>
-              <a:t>multistage</a:t>
-            </a:r>
-            <a:r>
-              <a:rPr lang="de-AT" dirty="0"/>
-              <a:t> </a:t>
-            </a:r>
-            <a:r>
-              <a:rPr lang="de-AT" dirty="0" err="1"/>
-              <a:t>builds</a:t>
-            </a:r>
-            <a:endParaRPr lang="de-AT" dirty="0"/>
-          </a:p>
-          <a:p>
-            <a:pPr lvl="1"/>
-            <a:r>
-              <a:rPr lang="de-AT" dirty="0"/>
-              <a:t>Use </a:t>
-            </a:r>
-            <a:r>
-              <a:rPr lang="de-AT" dirty="0" err="1"/>
-              <a:t>image</a:t>
-            </a:r>
-            <a:r>
-              <a:rPr lang="de-AT" dirty="0"/>
-              <a:t> </a:t>
-            </a:r>
-            <a:r>
-              <a:rPr lang="de-AT" dirty="0" err="1"/>
-              <a:t>with</a:t>
-            </a:r>
-            <a:r>
-              <a:rPr lang="de-AT" dirty="0"/>
-              <a:t> SDK just for </a:t>
-            </a:r>
-            <a:r>
-              <a:rPr lang="de-AT" dirty="0" err="1"/>
-              <a:t>building</a:t>
-            </a:r>
-            <a:endParaRPr lang="de-AT" dirty="0"/>
-          </a:p>
-          <a:p>
-            <a:pPr lvl="1"/>
-            <a:r>
-              <a:rPr lang="de-AT" dirty="0"/>
-              <a:t>Use </a:t>
-            </a:r>
-            <a:r>
-              <a:rPr lang="de-AT" dirty="0" err="1"/>
-              <a:t>specialized</a:t>
-            </a:r>
-            <a:r>
-              <a:rPr lang="de-AT" dirty="0"/>
-              <a:t> </a:t>
-            </a:r>
-            <a:r>
-              <a:rPr lang="de-AT" dirty="0" err="1"/>
-              <a:t>runtime</a:t>
-            </a:r>
-            <a:r>
-              <a:rPr lang="de-AT" dirty="0"/>
-              <a:t> </a:t>
-            </a:r>
-            <a:r>
-              <a:rPr lang="de-AT" dirty="0" err="1"/>
-              <a:t>images</a:t>
-            </a:r>
-            <a:r>
-              <a:rPr lang="de-AT" dirty="0"/>
-              <a:t> for </a:t>
-            </a:r>
-            <a:r>
-              <a:rPr lang="de-AT" dirty="0" err="1"/>
-              <a:t>running</a:t>
-            </a:r>
-            <a:r>
-              <a:rPr lang="de-AT" dirty="0"/>
-              <a:t> </a:t>
-            </a:r>
-            <a:r>
-              <a:rPr lang="de-AT" dirty="0" err="1"/>
-              <a:t>containers</a:t>
-            </a:r>
-            <a:endParaRPr lang="de-AT" dirty="0"/>
-          </a:p>
-          <a:p>
-            <a:r>
-              <a:rPr lang="de-AT" dirty="0" err="1"/>
-              <a:t>Consolidate</a:t>
-            </a:r>
-            <a:r>
-              <a:rPr lang="de-AT" dirty="0"/>
-              <a:t> </a:t>
-            </a:r>
-            <a:r>
-              <a:rPr lang="de-AT" i="1" dirty="0"/>
-              <a:t>RUN</a:t>
-            </a:r>
-            <a:r>
-              <a:rPr lang="de-AT" dirty="0"/>
-              <a:t> </a:t>
-            </a:r>
-            <a:r>
-              <a:rPr lang="de-AT" dirty="0" err="1"/>
-              <a:t>statements</a:t>
-            </a:r>
-            <a:endParaRPr lang="de-AT" dirty="0"/>
-          </a:p>
-          <a:p>
-            <a:pPr lvl="1"/>
-            <a:r>
-              <a:rPr lang="en-US" dirty="0">
-                <a:latin typeface="Courier New" panose="02070309020205020404" pitchFamily="49" charset="0"/>
-                <a:cs typeface="Courier New" panose="02070309020205020404" pitchFamily="49" charset="0"/>
-              </a:rPr>
-              <a:t>RUN apt-get -y update &amp;&amp; apt-get install -y python</a:t>
-            </a:r>
-          </a:p>
-          <a:p>
-            <a:r>
-              <a:rPr lang="de-AT" dirty="0"/>
-              <a:t>Use tags </a:t>
-            </a:r>
-            <a:r>
-              <a:rPr lang="de-AT" dirty="0" err="1"/>
-              <a:t>to</a:t>
-            </a:r>
-            <a:r>
-              <a:rPr lang="de-AT" dirty="0"/>
-              <a:t> </a:t>
-            </a:r>
-            <a:r>
-              <a:rPr lang="de-AT" dirty="0" err="1"/>
-              <a:t>describe</a:t>
-            </a:r>
-            <a:r>
-              <a:rPr lang="de-AT" dirty="0"/>
-              <a:t> </a:t>
-            </a:r>
-            <a:r>
-              <a:rPr lang="de-AT" dirty="0" err="1"/>
-              <a:t>purpose</a:t>
-            </a:r>
-            <a:r>
-              <a:rPr lang="de-AT" dirty="0"/>
-              <a:t> </a:t>
-            </a:r>
-            <a:r>
-              <a:rPr lang="de-AT" dirty="0" err="1"/>
-              <a:t>of</a:t>
-            </a:r>
-            <a:r>
-              <a:rPr lang="de-AT" dirty="0"/>
-              <a:t> </a:t>
-            </a:r>
-            <a:r>
-              <a:rPr lang="de-AT" dirty="0" err="1"/>
-              <a:t>images</a:t>
-            </a:r>
-            <a:endParaRPr lang="de-AT" dirty="0"/>
-          </a:p>
-          <a:p>
-            <a:pPr lvl="1"/>
-            <a:r>
-              <a:rPr lang="de-AT" dirty="0"/>
-              <a:t>E.g. </a:t>
-            </a:r>
-            <a:r>
-              <a:rPr lang="de-AT" dirty="0" err="1"/>
-              <a:t>dev</a:t>
-            </a:r>
-            <a:r>
-              <a:rPr lang="de-AT" dirty="0"/>
-              <a:t>, </a:t>
-            </a:r>
-            <a:r>
-              <a:rPr lang="de-AT" dirty="0" err="1"/>
-              <a:t>prod</a:t>
-            </a:r>
-            <a:r>
-              <a:rPr lang="de-AT" dirty="0"/>
-              <a:t>, </a:t>
-            </a:r>
-            <a:r>
-              <a:rPr lang="de-AT" dirty="0" err="1"/>
-              <a:t>version</a:t>
-            </a:r>
-            <a:r>
-              <a:rPr lang="de-AT" dirty="0"/>
-              <a:t>, </a:t>
-            </a:r>
-            <a:r>
-              <a:rPr lang="de-AT" dirty="0" err="1"/>
-              <a:t>base</a:t>
-            </a:r>
-            <a:r>
-              <a:rPr lang="de-AT" dirty="0"/>
-              <a:t> (e.g. </a:t>
-            </a:r>
-            <a:r>
-              <a:rPr lang="de-AT" i="1" dirty="0"/>
-              <a:t>alpine</a:t>
-            </a:r>
-            <a:r>
-              <a:rPr lang="de-AT" dirty="0"/>
-              <a:t>)</a:t>
-            </a:r>
-          </a:p>
-        </p:txBody>
-      </p:sp>
-      <p:sp>
-        <p:nvSpPr>
-          <p:cNvPr id="9" name="Text Placeholder 8">
-            <a:extLst>
-              <a:ext uri="{FF2B5EF4-FFF2-40B4-BE49-F238E27FC236}">
-                <a16:creationId xmlns:a16="http://schemas.microsoft.com/office/drawing/2014/main" id="{8284E30A-D4C0-444E-B3DB-EE54742B262A}"/>
-              </a:ext>
-            </a:extLst>
-          </p:cNvPr>
-          <p:cNvSpPr>
-            <a:spLocks noGrp="1"/>
-          </p:cNvSpPr>
-          <p:nvPr>
-            <p:ph type="body" sz="quarter" idx="23"/>
-          </p:nvPr>
-        </p:nvSpPr>
-        <p:spPr/>
-        <p:txBody>
-          <a:bodyPr/>
-          <a:lstStyle/>
-          <a:p>
-            <a:endParaRPr lang="de-AT"/>
-          </a:p>
-        </p:txBody>
-      </p:sp>
-    </p:spTree>
-    <p:extLst>
-      <p:ext uri="{BB962C8B-B14F-4D97-AF65-F5344CB8AC3E}">
-        <p14:creationId xmlns:p14="http://schemas.microsoft.com/office/powerpoint/2010/main" val="3481754035"/>
       </p:ext>
     </p:extLst>
   </p:cSld>
@@ -41382,11 +41185,11 @@
           <a:p>
             <a:r>
               <a:rPr lang="de-AT" dirty="0"/>
-              <a:t>Never </a:t>
+              <a:t>Select </a:t>
             </a:r>
             <a:r>
               <a:rPr lang="de-AT" dirty="0" err="1"/>
-              <a:t>store</a:t>
+              <a:t>approriate</a:t>
             </a:r>
             <a:r>
               <a:rPr lang="de-AT" dirty="0"/>
@@ -41394,15 +41197,7 @@
             </a:r>
             <a:r>
               <a:rPr lang="de-AT" dirty="0" err="1"/>
-              <a:t>data</a:t>
-            </a:r>
-            <a:r>
-              <a:rPr lang="de-AT" dirty="0"/>
-              <a:t> in </a:t>
-            </a:r>
-            <a:r>
-              <a:rPr lang="de-AT" dirty="0" err="1"/>
-              <a:t>container‘s</a:t>
+              <a:t>base</a:t>
             </a:r>
             <a:r>
               <a:rPr lang="de-AT" dirty="0"/>
@@ -41410,7 +41205,15 @@
             </a:r>
             <a:r>
               <a:rPr lang="de-AT" dirty="0" err="1"/>
-              <a:t>writable</a:t>
+              <a:t>image</a:t>
+            </a:r>
+            <a:endParaRPr lang="de-AT" dirty="0"/>
+          </a:p>
+          <a:p>
+            <a:pPr lvl="1"/>
+            <a:r>
+              <a:rPr lang="de-AT" dirty="0" err="1"/>
+              <a:t>Prefer</a:t>
             </a:r>
             <a:r>
               <a:rPr lang="de-AT" dirty="0"/>
@@ -41418,19 +41221,42 @@
             </a:r>
             <a:r>
               <a:rPr lang="de-AT" dirty="0" err="1"/>
-              <a:t>layer</a:t>
+              <a:t>existing</a:t>
+            </a:r>
+            <a:r>
+              <a:rPr lang="de-AT" dirty="0"/>
+              <a:t> (</a:t>
+            </a:r>
+            <a:r>
+              <a:rPr lang="de-AT" dirty="0" err="1"/>
+              <a:t>official</a:t>
+            </a:r>
+            <a:r>
+              <a:rPr lang="de-AT" dirty="0"/>
+              <a:t>) </a:t>
+            </a:r>
+            <a:r>
+              <a:rPr lang="de-AT" dirty="0" err="1"/>
+              <a:t>base</a:t>
+            </a:r>
+            <a:r>
+              <a:rPr lang="de-AT" dirty="0"/>
+              <a:t> </a:t>
+            </a:r>
+            <a:r>
+              <a:rPr lang="de-AT" dirty="0" err="1"/>
+              <a:t>images</a:t>
             </a:r>
             <a:endParaRPr lang="de-AT" dirty="0"/>
           </a:p>
           <a:p>
-            <a:pPr lvl="1"/>
             <a:r>
               <a:rPr lang="de-AT" dirty="0"/>
               <a:t>Use </a:t>
             </a:r>
             <a:r>
               <a:rPr lang="de-AT" dirty="0" err="1"/>
-              <a:t>volumes</a:t>
+              <a:t>multistage</a:t>
             </a:r>
             <a:r>
               <a:rPr lang="de-AT" dirty="0"/>
@@ -41438,43 +41264,204 @@
             </a:r>
             <a:r>
               <a:rPr lang="de-AT" dirty="0" err="1"/>
-              <a:t>instead</a:t>
+              <a:t>builds</a:t>
             </a:r>
             <a:endParaRPr lang="de-AT" dirty="0"/>
           </a:p>
           <a:p>
+            <a:pPr lvl="1"/>
             <a:r>
               <a:rPr lang="de-AT" dirty="0"/>
               <a:t>Use </a:t>
             </a:r>
             <a:r>
               <a:rPr lang="de-AT" dirty="0" err="1"/>
-              <a:t>automated</a:t>
+              <a:t>image</a:t>
             </a:r>
             <a:r>
               <a:rPr lang="de-AT" dirty="0"/>
-              <a:t> CI/CD</a:t>
-            </a:r>
+              <a:t> </a:t>
+            </a:r>
+            <a:r>
+              <a:rPr lang="de-AT" dirty="0" err="1"/>
+              <a:t>with</a:t>
+            </a:r>
+            <a:r>
+              <a:rPr lang="de-AT" dirty="0"/>
+              <a:t> SDK just for </a:t>
+            </a:r>
+            <a:r>
+              <a:rPr lang="de-AT" dirty="0" err="1"/>
+              <a:t>building</a:t>
+            </a:r>
+            <a:endParaRPr lang="de-AT" dirty="0"/>
           </a:p>
           <a:p>
             <a:pPr lvl="1"/>
             <a:r>
               <a:rPr lang="de-AT" dirty="0"/>
-              <a:t>E.g. Azure </a:t>
+              <a:t>Use </a:t>
             </a:r>
             <a:r>
               <a:rPr lang="de-AT" dirty="0" err="1"/>
-              <a:t>DevOps</a:t>
+              <a:t>specialized</a:t>
             </a:r>
             <a:r>
               <a:rPr lang="de-AT" dirty="0"/>
-              <a:t>, GitHub </a:t>
+              <a:t> </a:t>
             </a:r>
             <a:r>
               <a:rPr lang="de-AT" dirty="0" err="1"/>
-              <a:t>integration</a:t>
+              <a:t>runtime</a:t>
+            </a:r>
+            <a:r>
+              <a:rPr lang="de-AT" dirty="0"/>
+              <a:t> </a:t>
+            </a:r>
+            <a:r>
+              <a:rPr lang="de-AT" dirty="0" err="1"/>
+              <a:t>images</a:t>
+            </a:r>
+            <a:r>
+              <a:rPr lang="de-AT" dirty="0"/>
+              <a:t> for </a:t>
+            </a:r>
+            <a:r>
+              <a:rPr lang="de-AT" dirty="0" err="1"/>
+              <a:t>running</a:t>
+            </a:r>
+            <a:r>
+              <a:rPr lang="de-AT" dirty="0"/>
+              <a:t> </a:t>
+            </a:r>
+            <a:r>
+              <a:rPr lang="de-AT" dirty="0" err="1"/>
+              <a:t>containers</a:t>
             </a:r>
             <a:endParaRPr lang="de-AT" dirty="0"/>
+          </a:p>
+          <a:p>
+            <a:r>
+              <a:rPr lang="de-AT" dirty="0" err="1"/>
+              <a:t>Consolidate</a:t>
+            </a:r>
+            <a:r>
+              <a:rPr lang="de-AT" dirty="0"/>
+              <a:t> </a:t>
+            </a:r>
+            <a:r>
+              <a:rPr lang="de-AT" i="1" dirty="0"/>
+              <a:t>RUN</a:t>
+            </a:r>
+            <a:r>
+              <a:rPr lang="de-AT" dirty="0"/>
+              <a:t> </a:t>
+            </a:r>
+            <a:r>
+              <a:rPr lang="de-AT" dirty="0" err="1"/>
+              <a:t>statements</a:t>
+            </a:r>
+            <a:endParaRPr lang="de-AT" dirty="0"/>
+          </a:p>
+          <a:p>
+            <a:pPr lvl="1"/>
+            <a:r>
+              <a:rPr lang="en-US" dirty="0">
+                <a:latin typeface="Courier New" panose="02070309020205020404" pitchFamily="49" charset="0"/>
+                <a:cs typeface="Courier New" panose="02070309020205020404" pitchFamily="49" charset="0"/>
+              </a:rPr>
+              <a:t>RUN apt-get -y update &amp;&amp; apt-get install -y python</a:t>
+            </a:r>
+          </a:p>
+          <a:p>
+            <a:r>
+              <a:rPr lang="de-AT" dirty="0"/>
+              <a:t>Use tags </a:t>
+            </a:r>
+            <a:r>
+              <a:rPr lang="de-AT" dirty="0" err="1"/>
+              <a:t>to</a:t>
+            </a:r>
+            <a:r>
+              <a:rPr lang="de-AT" dirty="0"/>
+              <a:t> </a:t>
+            </a:r>
+            <a:r>
+              <a:rPr lang="de-AT" dirty="0" err="1"/>
+              <a:t>describe</a:t>
+            </a:r>
+            <a:r>
+              <a:rPr lang="de-AT" dirty="0"/>
+              <a:t> </a:t>
+            </a:r>
+            <a:r>
+              <a:rPr lang="de-AT" dirty="0" err="1"/>
+              <a:t>purpose</a:t>
+            </a:r>
+            <a:r>
+              <a:rPr lang="de-AT" dirty="0"/>
+              <a:t> </a:t>
+            </a:r>
+            <a:r>
+              <a:rPr lang="de-AT" dirty="0" err="1"/>
+              <a:t>of</a:t>
+            </a:r>
+            <a:r>
+              <a:rPr lang="de-AT" dirty="0"/>
+              <a:t> </a:t>
+            </a:r>
+            <a:r>
+              <a:rPr lang="de-AT" dirty="0" err="1"/>
+              <a:t>images</a:t>
+            </a:r>
+            <a:endParaRPr lang="de-AT" dirty="0"/>
+          </a:p>
+          <a:p>
+            <a:pPr lvl="1"/>
+            <a:r>
+              <a:rPr lang="de-AT" dirty="0"/>
+              <a:t>E.g. </a:t>
+            </a:r>
+            <a:r>
+              <a:rPr lang="de-AT" dirty="0" err="1"/>
+              <a:t>dev</a:t>
+            </a:r>
+            <a:r>
+              <a:rPr lang="de-AT" dirty="0"/>
+              <a:t>, </a:t>
+            </a:r>
+            <a:r>
+              <a:rPr lang="de-AT" dirty="0" err="1"/>
+              <a:t>prod</a:t>
+            </a:r>
+            <a:r>
+              <a:rPr lang="de-AT" dirty="0"/>
+              <a:t>, </a:t>
+            </a:r>
+            <a:r>
+              <a:rPr lang="de-AT" dirty="0" err="1"/>
+              <a:t>version</a:t>
+            </a:r>
+            <a:r>
+              <a:rPr lang="de-AT" dirty="0"/>
+              <a:t>, </a:t>
+            </a:r>
+            <a:r>
+              <a:rPr lang="de-AT" dirty="0" err="1"/>
+              <a:t>base</a:t>
+            </a:r>
+            <a:r>
+              <a:rPr lang="de-AT" dirty="0"/>
+              <a:t> (e.g. </a:t>
+            </a:r>
+            <a:r>
+              <a:rPr lang="de-AT" i="1" dirty="0"/>
+              <a:t>alpine</a:t>
+            </a:r>
+            <a:r>
+              <a:rPr lang="de-AT" dirty="0"/>
+              <a:t>)</a:t>
+            </a:r>
           </a:p>
         </p:txBody>
       </p:sp>
@@ -41506,7 +41493,7 @@
     </p:spTree>
     <p:extLst>
       <p:ext uri="{BB962C8B-B14F-4D97-AF65-F5344CB8AC3E}">
-        <p14:creationId xmlns:p14="http://schemas.microsoft.com/office/powerpoint/2010/main" val="4214348377"/>
+        <p14:creationId xmlns:p14="http://schemas.microsoft.com/office/powerpoint/2010/main" val="3481754035"/>
       </p:ext>
     </p:extLst>
   </p:cSld>
@@ -41538,6 +41525,216 @@
       </p:grpSpPr>
       <p:sp>
         <p:nvSpPr>
+          <p:cNvPr id="7" name="Title 6">
+            <a:extLst>
+              <a:ext uri="{FF2B5EF4-FFF2-40B4-BE49-F238E27FC236}">
+                <a16:creationId xmlns:a16="http://schemas.microsoft.com/office/drawing/2014/main" id="{0D5E0E22-47BC-4C22-B7FA-62C1632C15E9}"/>
+              </a:ext>
+            </a:extLst>
+          </p:cNvPr>
+          <p:cNvSpPr>
+            <a:spLocks noGrp="1"/>
+          </p:cNvSpPr>
+          <p:nvPr>
+            <p:ph type="title"/>
+          </p:nvPr>
+        </p:nvSpPr>
+        <p:spPr/>
+        <p:txBody>
+          <a:bodyPr/>
+          <a:lstStyle/>
+          <a:p>
+            <a:r>
+              <a:rPr lang="de-AT" dirty="0"/>
+              <a:t>Checklist for </a:t>
+            </a:r>
+            <a:r>
+              <a:rPr lang="de-AT" dirty="0" err="1"/>
+              <a:t>Dockerfiles</a:t>
+            </a:r>
+            <a:endParaRPr lang="de-AT" dirty="0"/>
+          </a:p>
+        </p:txBody>
+      </p:sp>
+      <p:sp>
+        <p:nvSpPr>
+          <p:cNvPr id="8" name="Content Placeholder 7">
+            <a:extLst>
+              <a:ext uri="{FF2B5EF4-FFF2-40B4-BE49-F238E27FC236}">
+                <a16:creationId xmlns:a16="http://schemas.microsoft.com/office/drawing/2014/main" id="{2F77A696-ACF2-48A5-9D9C-0FB287ADF56A}"/>
+              </a:ext>
+            </a:extLst>
+          </p:cNvPr>
+          <p:cNvSpPr>
+            <a:spLocks noGrp="1"/>
+          </p:cNvSpPr>
+          <p:nvPr>
+            <p:ph sz="quarter" idx="12"/>
+          </p:nvPr>
+        </p:nvSpPr>
+        <p:spPr/>
+        <p:txBody>
+          <a:bodyPr/>
+          <a:lstStyle/>
+          <a:p>
+            <a:r>
+              <a:rPr lang="de-AT" dirty="0"/>
+              <a:t>Never </a:t>
+            </a:r>
+            <a:r>
+              <a:rPr lang="de-AT" dirty="0" err="1"/>
+              <a:t>store</a:t>
+            </a:r>
+            <a:r>
+              <a:rPr lang="de-AT" dirty="0"/>
+              <a:t> </a:t>
+            </a:r>
+            <a:r>
+              <a:rPr lang="de-AT" dirty="0" err="1"/>
+              <a:t>data</a:t>
+            </a:r>
+            <a:r>
+              <a:rPr lang="de-AT" dirty="0"/>
+              <a:t> in </a:t>
+            </a:r>
+            <a:r>
+              <a:rPr lang="de-AT" dirty="0" err="1"/>
+              <a:t>container‘s</a:t>
+            </a:r>
+            <a:r>
+              <a:rPr lang="de-AT" dirty="0"/>
+              <a:t> </a:t>
+            </a:r>
+            <a:r>
+              <a:rPr lang="de-AT" dirty="0" err="1"/>
+              <a:t>writable</a:t>
+            </a:r>
+            <a:r>
+              <a:rPr lang="de-AT" dirty="0"/>
+              <a:t> </a:t>
+            </a:r>
+            <a:r>
+              <a:rPr lang="de-AT" dirty="0" err="1"/>
+              <a:t>layer</a:t>
+            </a:r>
+            <a:endParaRPr lang="de-AT" dirty="0"/>
+          </a:p>
+          <a:p>
+            <a:pPr lvl="1"/>
+            <a:r>
+              <a:rPr lang="de-AT" dirty="0"/>
+              <a:t>Use </a:t>
+            </a:r>
+            <a:r>
+              <a:rPr lang="de-AT" dirty="0" err="1"/>
+              <a:t>volumes</a:t>
+            </a:r>
+            <a:r>
+              <a:rPr lang="de-AT" dirty="0"/>
+              <a:t> </a:t>
+            </a:r>
+            <a:r>
+              <a:rPr lang="de-AT" dirty="0" err="1"/>
+              <a:t>instead</a:t>
+            </a:r>
+            <a:endParaRPr lang="de-AT" dirty="0"/>
+          </a:p>
+          <a:p>
+            <a:r>
+              <a:rPr lang="de-AT" dirty="0"/>
+              <a:t>Use </a:t>
+            </a:r>
+            <a:r>
+              <a:rPr lang="de-AT" dirty="0" err="1"/>
+              <a:t>automated</a:t>
+            </a:r>
+            <a:r>
+              <a:rPr lang="de-AT" dirty="0"/>
+              <a:t> CI/CD</a:t>
+            </a:r>
+          </a:p>
+          <a:p>
+            <a:pPr lvl="1"/>
+            <a:r>
+              <a:rPr lang="de-AT" dirty="0"/>
+              <a:t>E.g. Azure </a:t>
+            </a:r>
+            <a:r>
+              <a:rPr lang="de-AT" dirty="0" err="1"/>
+              <a:t>DevOps</a:t>
+            </a:r>
+            <a:r>
+              <a:rPr lang="de-AT" dirty="0"/>
+              <a:t>, GitHub </a:t>
+            </a:r>
+            <a:r>
+              <a:rPr lang="de-AT" dirty="0" err="1"/>
+              <a:t>integration</a:t>
+            </a:r>
+            <a:endParaRPr lang="de-AT" dirty="0"/>
+          </a:p>
+        </p:txBody>
+      </p:sp>
+      <p:sp>
+        <p:nvSpPr>
+          <p:cNvPr id="9" name="Text Placeholder 8">
+            <a:extLst>
+              <a:ext uri="{FF2B5EF4-FFF2-40B4-BE49-F238E27FC236}">
+                <a16:creationId xmlns:a16="http://schemas.microsoft.com/office/drawing/2014/main" id="{8284E30A-D4C0-444E-B3DB-EE54742B262A}"/>
+              </a:ext>
+            </a:extLst>
+          </p:cNvPr>
+          <p:cNvSpPr>
+            <a:spLocks noGrp="1"/>
+          </p:cNvSpPr>
+          <p:nvPr>
+            <p:ph type="body" sz="quarter" idx="23"/>
+          </p:nvPr>
+        </p:nvSpPr>
+        <p:spPr/>
+        <p:txBody>
+          <a:bodyPr/>
+          <a:lstStyle/>
+          <a:p>
+            <a:endParaRPr lang="de-AT"/>
+          </a:p>
+        </p:txBody>
+      </p:sp>
+    </p:spTree>
+    <p:extLst>
+      <p:ext uri="{BB962C8B-B14F-4D97-AF65-F5344CB8AC3E}">
+        <p14:creationId xmlns:p14="http://schemas.microsoft.com/office/powerpoint/2010/main" val="4214348377"/>
+      </p:ext>
+    </p:extLst>
+  </p:cSld>
+  <p:clrMapOvr>
+    <a:masterClrMapping/>
+  </p:clrMapOvr>
+  <p:transition spd="slow">
+    <p:push/>
+  </p:transition>
+</p:sld>
+</file>
+
+<file path=ppt/slides/slide44.xml><?xml version="1.0" encoding="utf-8"?>
+<p:sld xmlns:a="http://schemas.openxmlformats.org/drawingml/2006/main" xmlns:r="http://schemas.openxmlformats.org/officeDocument/2006/relationships" xmlns:p="http://schemas.openxmlformats.org/presentationml/2006/main">
+  <p:cSld>
+    <p:spTree>
+      <p:nvGrpSpPr>
+        <p:cNvPr id="1" name=""/>
+        <p:cNvGrpSpPr/>
+        <p:nvPr/>
+      </p:nvGrpSpPr>
+      <p:grpSpPr>
+        <a:xfrm>
+          <a:off x="0" y="0"/>
+          <a:ext cx="0" cy="0"/>
+          <a:chOff x="0" y="0"/>
+          <a:chExt cx="0" cy="0"/>
+        </a:xfrm>
+      </p:grpSpPr>
+      <p:sp>
+        <p:nvSpPr>
           <p:cNvPr id="2" name="Titel 1"/>
           <p:cNvSpPr>
             <a:spLocks noGrp="1"/>
@@ -41606,7 +41803,7 @@
 </p:sld>
 </file>
 
-<file path=ppt/slides/slide44.xml><?xml version="1.0" encoding="utf-8"?>
+<file path=ppt/slides/slide45.xml><?xml version="1.0" encoding="utf-8"?>
 <p:sld xmlns:a="http://schemas.openxmlformats.org/drawingml/2006/main" xmlns:r="http://schemas.openxmlformats.org/officeDocument/2006/relationships" xmlns:p="http://schemas.openxmlformats.org/presentationml/2006/main">
   <p:cSld>
     <p:spTree>
@@ -42474,7 +42671,7 @@
 </p:sld>
 </file>
 
-<file path=ppt/slides/slide45.xml><?xml version="1.0" encoding="utf-8"?>
+<file path=ppt/slides/slide46.xml><?xml version="1.0" encoding="utf-8"?>
 <p:sld xmlns:a="http://schemas.openxmlformats.org/drawingml/2006/main" xmlns:r="http://schemas.openxmlformats.org/officeDocument/2006/relationships" xmlns:p="http://schemas.openxmlformats.org/presentationml/2006/main">
   <p:cSld>
     <p:spTree>
@@ -42867,7 +43064,7 @@
 </p:sld>
 </file>
 
-<file path=ppt/slides/slide46.xml><?xml version="1.0" encoding="utf-8"?>
+<file path=ppt/slides/slide47.xml><?xml version="1.0" encoding="utf-8"?>
 <p:sld xmlns:a="http://schemas.openxmlformats.org/drawingml/2006/main" xmlns:r="http://schemas.openxmlformats.org/officeDocument/2006/relationships" xmlns:p="http://schemas.openxmlformats.org/presentationml/2006/main">
   <p:cSld>
     <p:spTree>
@@ -43340,316 +43537,6 @@
 </p:sld>
 </file>
 
-<file path=ppt/slides/slide47.xml><?xml version="1.0" encoding="utf-8"?>
-<p:sld xmlns:a="http://schemas.openxmlformats.org/drawingml/2006/main" xmlns:r="http://schemas.openxmlformats.org/officeDocument/2006/relationships" xmlns:p="http://schemas.openxmlformats.org/presentationml/2006/main" show="0">
-  <p:cSld>
-    <p:spTree>
-      <p:nvGrpSpPr>
-        <p:cNvPr id="1" name=""/>
-        <p:cNvGrpSpPr/>
-        <p:nvPr/>
-      </p:nvGrpSpPr>
-      <p:grpSpPr>
-        <a:xfrm>
-          <a:off x="0" y="0"/>
-          <a:ext cx="0" cy="0"/>
-          <a:chOff x="0" y="0"/>
-          <a:chExt cx="0" cy="0"/>
-        </a:xfrm>
-      </p:grpSpPr>
-      <p:sp>
-        <p:nvSpPr>
-          <p:cNvPr id="5" name="Titel 4"/>
-          <p:cNvSpPr>
-            <a:spLocks noGrp="1"/>
-          </p:cNvSpPr>
-          <p:nvPr>
-            <p:ph type="title"/>
-          </p:nvPr>
-        </p:nvSpPr>
-        <p:spPr/>
-        <p:txBody>
-          <a:bodyPr/>
-          <a:lstStyle/>
-          <a:p>
-            <a:r>
-              <a:rPr lang="en-US" dirty="0"/>
-              <a:t>Demo</a:t>
-            </a:r>
-          </a:p>
-        </p:txBody>
-      </p:sp>
-      <p:sp>
-        <p:nvSpPr>
-          <p:cNvPr id="6" name="Inhaltsplatzhalter 5"/>
-          <p:cNvSpPr>
-            <a:spLocks noGrp="1"/>
-          </p:cNvSpPr>
-          <p:nvPr>
-            <p:ph sz="quarter" idx="22"/>
-          </p:nvPr>
-        </p:nvSpPr>
-        <p:spPr/>
-        <p:txBody>
-          <a:bodyPr/>
-          <a:lstStyle/>
-          <a:p>
-            <a:r>
-              <a:rPr lang="en-US" dirty="0"/>
-              <a:t># Get sample code from GitHub</a:t>
-            </a:r>
-          </a:p>
-          <a:p>
-            <a:r>
-              <a:rPr lang="en-US" dirty="0" err="1"/>
-              <a:t>git</a:t>
-            </a:r>
-            <a:r>
-              <a:rPr lang="en-US" dirty="0"/>
-              <a:t> clone https://github.com/rstropek/DockerVS2015Intro.git</a:t>
-            </a:r>
-          </a:p>
-          <a:p>
-            <a:endParaRPr lang="en-US" dirty="0"/>
-          </a:p>
-          <a:p>
-            <a:r>
-              <a:rPr lang="en-US" dirty="0"/>
-              <a:t># Build website</a:t>
-            </a:r>
-          </a:p>
-          <a:p>
-            <a:r>
-              <a:rPr lang="en-US" dirty="0"/>
-              <a:t>cd </a:t>
-            </a:r>
-            <a:r>
-              <a:rPr lang="en-US" dirty="0" err="1"/>
-              <a:t>dockerDemos</a:t>
-            </a:r>
-            <a:r>
-              <a:rPr lang="en-US" dirty="0"/>
-              <a:t>/01-staticWeb/app</a:t>
-            </a:r>
-          </a:p>
-          <a:p>
-            <a:r>
-              <a:rPr lang="en-US" dirty="0" err="1"/>
-              <a:t>npm</a:t>
-            </a:r>
-            <a:r>
-              <a:rPr lang="en-US" dirty="0"/>
-              <a:t> install</a:t>
-            </a:r>
-          </a:p>
-          <a:p>
-            <a:r>
-              <a:rPr lang="en-US" dirty="0" err="1"/>
-              <a:t>npm</a:t>
-            </a:r>
-            <a:r>
-              <a:rPr lang="en-US" dirty="0"/>
-              <a:t> run build</a:t>
-            </a:r>
-          </a:p>
-          <a:p>
-            <a:r>
-              <a:rPr lang="en-US" dirty="0"/>
-              <a:t>cd ..</a:t>
-            </a:r>
-          </a:p>
-          <a:p>
-            <a:endParaRPr lang="en-US" dirty="0"/>
-          </a:p>
-          <a:p>
-            <a:r>
-              <a:rPr lang="en-US" dirty="0"/>
-              <a:t># Build image from Dockerfile</a:t>
-            </a:r>
-          </a:p>
-          <a:p>
-            <a:r>
-              <a:rPr lang="en-US" dirty="0" err="1"/>
-              <a:t>docker</a:t>
-            </a:r>
-            <a:r>
-              <a:rPr lang="en-US" dirty="0"/>
-              <a:t> build -t </a:t>
-            </a:r>
-            <a:r>
-              <a:rPr lang="en-US" dirty="0" err="1"/>
-              <a:t>staticweb</a:t>
-            </a:r>
-            <a:r>
-              <a:rPr lang="en-US" dirty="0"/>
-              <a:t> .</a:t>
-            </a:r>
-          </a:p>
-          <a:p>
-            <a:r>
-              <a:rPr lang="en-US" dirty="0" err="1"/>
-              <a:t>docker</a:t>
-            </a:r>
-            <a:r>
-              <a:rPr lang="en-US" dirty="0"/>
-              <a:t> run -d -p 80:80 </a:t>
-            </a:r>
-            <a:r>
-              <a:rPr lang="en-US" dirty="0" err="1"/>
-              <a:t>staticweb</a:t>
-            </a:r>
-            <a:endParaRPr lang="en-US" dirty="0"/>
-          </a:p>
-          <a:p>
-            <a:endParaRPr lang="en-US" dirty="0"/>
-          </a:p>
-          <a:p>
-            <a:r>
-              <a:rPr lang="en-US" dirty="0"/>
-              <a:t># Change website content and rebuild container</a:t>
-            </a:r>
-          </a:p>
-          <a:p>
-            <a:endParaRPr lang="en-US" dirty="0"/>
-          </a:p>
-          <a:p>
-            <a:r>
-              <a:rPr lang="en-US" dirty="0"/>
-              <a:t># Run a second container, run a third container (linked)</a:t>
-            </a:r>
-          </a:p>
-          <a:p>
-            <a:r>
-              <a:rPr lang="en-US" dirty="0" err="1"/>
-              <a:t>docker</a:t>
-            </a:r>
-            <a:r>
-              <a:rPr lang="en-US" dirty="0"/>
-              <a:t> run -</a:t>
-            </a:r>
-            <a:r>
-              <a:rPr lang="en-US" dirty="0" err="1"/>
-              <a:t>i</a:t>
-            </a:r>
-            <a:r>
-              <a:rPr lang="en-US" dirty="0"/>
-              <a:t> -t --link &lt;cont1&gt;:sweb1 --link &lt;cont2&gt;:sweb2 </a:t>
-            </a:r>
-            <a:r>
-              <a:rPr lang="en-US" dirty="0" err="1"/>
-              <a:t>ubuntu</a:t>
-            </a:r>
-            <a:r>
-              <a:rPr lang="en-US" dirty="0"/>
-              <a:t> /bin/bash</a:t>
-            </a:r>
-          </a:p>
-          <a:p>
-            <a:r>
-              <a:rPr lang="en-US" dirty="0"/>
-              <a:t>	apt-get install curl</a:t>
-            </a:r>
-          </a:p>
-          <a:p>
-            <a:r>
-              <a:rPr lang="en-US" dirty="0"/>
-              <a:t>	curl http://sweb1</a:t>
-            </a:r>
-          </a:p>
-          <a:p>
-            <a:endParaRPr lang="en-US" dirty="0"/>
-          </a:p>
-        </p:txBody>
-      </p:sp>
-      <p:sp>
-        <p:nvSpPr>
-          <p:cNvPr id="2" name="Textplatzhalter 1"/>
-          <p:cNvSpPr>
-            <a:spLocks noGrp="1"/>
-          </p:cNvSpPr>
-          <p:nvPr>
-            <p:ph type="body" sz="quarter" idx="23"/>
-          </p:nvPr>
-        </p:nvSpPr>
-        <p:spPr/>
-        <p:txBody>
-          <a:bodyPr/>
-          <a:lstStyle/>
-          <a:p>
-            <a:r>
-              <a:rPr lang="en-US" dirty="0"/>
-              <a:t>Dockerfile</a:t>
-            </a:r>
-          </a:p>
-        </p:txBody>
-      </p:sp>
-      <p:sp>
-        <p:nvSpPr>
-          <p:cNvPr id="3" name="Textplatzhalter 2"/>
-          <p:cNvSpPr>
-            <a:spLocks noGrp="1"/>
-          </p:cNvSpPr>
-          <p:nvPr>
-            <p:ph type="body" sz="quarter" idx="24"/>
-          </p:nvPr>
-        </p:nvSpPr>
-        <p:spPr/>
-        <p:txBody>
-          <a:bodyPr/>
-          <a:lstStyle/>
-          <a:p>
-            <a:endParaRPr lang="en-US" dirty="0"/>
-          </a:p>
-        </p:txBody>
-      </p:sp>
-      <p:sp>
-        <p:nvSpPr>
-          <p:cNvPr id="4" name="Textplatzhalter 3"/>
-          <p:cNvSpPr>
-            <a:spLocks noGrp="1"/>
-          </p:cNvSpPr>
-          <p:nvPr>
-            <p:ph type="body" sz="quarter" idx="25"/>
-          </p:nvPr>
-        </p:nvSpPr>
-        <p:spPr/>
-        <p:txBody>
-          <a:bodyPr/>
-          <a:lstStyle/>
-          <a:p>
-            <a:r>
-              <a:rPr lang="en-US" dirty="0"/>
-              <a:t>Sample files see </a:t>
-            </a:r>
-            <a:r>
-              <a:rPr lang="en-US" dirty="0">
-                <a:hlinkClick r:id="rId2"/>
-              </a:rPr>
-              <a:t>https://github.com/rstropek/DockerVS2015Intro/tree/master/dockerDemos/01-staticWeb</a:t>
-            </a:r>
-            <a:r>
-              <a:rPr lang="en-US" dirty="0"/>
-              <a:t> </a:t>
-            </a:r>
-          </a:p>
-        </p:txBody>
-      </p:sp>
-    </p:spTree>
-    <p:extLst>
-      <p:ext uri="{BB962C8B-B14F-4D97-AF65-F5344CB8AC3E}">
-        <p14:creationId xmlns:p14="http://schemas.microsoft.com/office/powerpoint/2010/main" val="1157928134"/>
-      </p:ext>
-    </p:extLst>
-  </p:cSld>
-  <p:clrMapOvr>
-    <a:masterClrMapping/>
-  </p:clrMapOvr>
-  <p:transition spd="slow">
-    <p:push/>
-  </p:transition>
-</p:sld>
-</file>
-
 <file path=ppt/slides/slide48.xml><?xml version="1.0" encoding="utf-8"?>
 <p:sld xmlns:a="http://schemas.openxmlformats.org/drawingml/2006/main" xmlns:r="http://schemas.openxmlformats.org/officeDocument/2006/relationships" xmlns:p="http://schemas.openxmlformats.org/presentationml/2006/main" show="0">
   <p:cSld>
@@ -43683,6 +43570,316 @@
           <a:lstStyle/>
           <a:p>
             <a:r>
+              <a:rPr lang="en-US" dirty="0"/>
+              <a:t>Demo</a:t>
+            </a:r>
+          </a:p>
+        </p:txBody>
+      </p:sp>
+      <p:sp>
+        <p:nvSpPr>
+          <p:cNvPr id="6" name="Inhaltsplatzhalter 5"/>
+          <p:cNvSpPr>
+            <a:spLocks noGrp="1"/>
+          </p:cNvSpPr>
+          <p:nvPr>
+            <p:ph sz="quarter" idx="22"/>
+          </p:nvPr>
+        </p:nvSpPr>
+        <p:spPr/>
+        <p:txBody>
+          <a:bodyPr/>
+          <a:lstStyle/>
+          <a:p>
+            <a:r>
+              <a:rPr lang="en-US" dirty="0"/>
+              <a:t># Get sample code from GitHub</a:t>
+            </a:r>
+          </a:p>
+          <a:p>
+            <a:r>
+              <a:rPr lang="en-US" dirty="0" err="1"/>
+              <a:t>git</a:t>
+            </a:r>
+            <a:r>
+              <a:rPr lang="en-US" dirty="0"/>
+              <a:t> clone https://github.com/rstropek/DockerVS2015Intro.git</a:t>
+            </a:r>
+          </a:p>
+          <a:p>
+            <a:endParaRPr lang="en-US" dirty="0"/>
+          </a:p>
+          <a:p>
+            <a:r>
+              <a:rPr lang="en-US" dirty="0"/>
+              <a:t># Build website</a:t>
+            </a:r>
+          </a:p>
+          <a:p>
+            <a:r>
+              <a:rPr lang="en-US" dirty="0"/>
+              <a:t>cd </a:t>
+            </a:r>
+            <a:r>
+              <a:rPr lang="en-US" dirty="0" err="1"/>
+              <a:t>dockerDemos</a:t>
+            </a:r>
+            <a:r>
+              <a:rPr lang="en-US" dirty="0"/>
+              <a:t>/01-staticWeb/app</a:t>
+            </a:r>
+          </a:p>
+          <a:p>
+            <a:r>
+              <a:rPr lang="en-US" dirty="0" err="1"/>
+              <a:t>npm</a:t>
+            </a:r>
+            <a:r>
+              <a:rPr lang="en-US" dirty="0"/>
+              <a:t> install</a:t>
+            </a:r>
+          </a:p>
+          <a:p>
+            <a:r>
+              <a:rPr lang="en-US" dirty="0" err="1"/>
+              <a:t>npm</a:t>
+            </a:r>
+            <a:r>
+              <a:rPr lang="en-US" dirty="0"/>
+              <a:t> run build</a:t>
+            </a:r>
+          </a:p>
+          <a:p>
+            <a:r>
+              <a:rPr lang="en-US" dirty="0"/>
+              <a:t>cd ..</a:t>
+            </a:r>
+          </a:p>
+          <a:p>
+            <a:endParaRPr lang="en-US" dirty="0"/>
+          </a:p>
+          <a:p>
+            <a:r>
+              <a:rPr lang="en-US" dirty="0"/>
+              <a:t># Build image from Dockerfile</a:t>
+            </a:r>
+          </a:p>
+          <a:p>
+            <a:r>
+              <a:rPr lang="en-US" dirty="0" err="1"/>
+              <a:t>docker</a:t>
+            </a:r>
+            <a:r>
+              <a:rPr lang="en-US" dirty="0"/>
+              <a:t> build -t </a:t>
+            </a:r>
+            <a:r>
+              <a:rPr lang="en-US" dirty="0" err="1"/>
+              <a:t>staticweb</a:t>
+            </a:r>
+            <a:r>
+              <a:rPr lang="en-US" dirty="0"/>
+              <a:t> .</a:t>
+            </a:r>
+          </a:p>
+          <a:p>
+            <a:r>
+              <a:rPr lang="en-US" dirty="0" err="1"/>
+              <a:t>docker</a:t>
+            </a:r>
+            <a:r>
+              <a:rPr lang="en-US" dirty="0"/>
+              <a:t> run -d -p 80:80 </a:t>
+            </a:r>
+            <a:r>
+              <a:rPr lang="en-US" dirty="0" err="1"/>
+              <a:t>staticweb</a:t>
+            </a:r>
+            <a:endParaRPr lang="en-US" dirty="0"/>
+          </a:p>
+          <a:p>
+            <a:endParaRPr lang="en-US" dirty="0"/>
+          </a:p>
+          <a:p>
+            <a:r>
+              <a:rPr lang="en-US" dirty="0"/>
+              <a:t># Change website content and rebuild container</a:t>
+            </a:r>
+          </a:p>
+          <a:p>
+            <a:endParaRPr lang="en-US" dirty="0"/>
+          </a:p>
+          <a:p>
+            <a:r>
+              <a:rPr lang="en-US" dirty="0"/>
+              <a:t># Run a second container, run a third container (linked)</a:t>
+            </a:r>
+          </a:p>
+          <a:p>
+            <a:r>
+              <a:rPr lang="en-US" dirty="0" err="1"/>
+              <a:t>docker</a:t>
+            </a:r>
+            <a:r>
+              <a:rPr lang="en-US" dirty="0"/>
+              <a:t> run -</a:t>
+            </a:r>
+            <a:r>
+              <a:rPr lang="en-US" dirty="0" err="1"/>
+              <a:t>i</a:t>
+            </a:r>
+            <a:r>
+              <a:rPr lang="en-US" dirty="0"/>
+              <a:t> -t --link &lt;cont1&gt;:sweb1 --link &lt;cont2&gt;:sweb2 </a:t>
+            </a:r>
+            <a:r>
+              <a:rPr lang="en-US" dirty="0" err="1"/>
+              <a:t>ubuntu</a:t>
+            </a:r>
+            <a:r>
+              <a:rPr lang="en-US" dirty="0"/>
+              <a:t> /bin/bash</a:t>
+            </a:r>
+          </a:p>
+          <a:p>
+            <a:r>
+              <a:rPr lang="en-US" dirty="0"/>
+              <a:t>	apt-get install curl</a:t>
+            </a:r>
+          </a:p>
+          <a:p>
+            <a:r>
+              <a:rPr lang="en-US" dirty="0"/>
+              <a:t>	curl http://sweb1</a:t>
+            </a:r>
+          </a:p>
+          <a:p>
+            <a:endParaRPr lang="en-US" dirty="0"/>
+          </a:p>
+        </p:txBody>
+      </p:sp>
+      <p:sp>
+        <p:nvSpPr>
+          <p:cNvPr id="2" name="Textplatzhalter 1"/>
+          <p:cNvSpPr>
+            <a:spLocks noGrp="1"/>
+          </p:cNvSpPr>
+          <p:nvPr>
+            <p:ph type="body" sz="quarter" idx="23"/>
+          </p:nvPr>
+        </p:nvSpPr>
+        <p:spPr/>
+        <p:txBody>
+          <a:bodyPr/>
+          <a:lstStyle/>
+          <a:p>
+            <a:r>
+              <a:rPr lang="en-US" dirty="0"/>
+              <a:t>Dockerfile</a:t>
+            </a:r>
+          </a:p>
+        </p:txBody>
+      </p:sp>
+      <p:sp>
+        <p:nvSpPr>
+          <p:cNvPr id="3" name="Textplatzhalter 2"/>
+          <p:cNvSpPr>
+            <a:spLocks noGrp="1"/>
+          </p:cNvSpPr>
+          <p:nvPr>
+            <p:ph type="body" sz="quarter" idx="24"/>
+          </p:nvPr>
+        </p:nvSpPr>
+        <p:spPr/>
+        <p:txBody>
+          <a:bodyPr/>
+          <a:lstStyle/>
+          <a:p>
+            <a:endParaRPr lang="en-US" dirty="0"/>
+          </a:p>
+        </p:txBody>
+      </p:sp>
+      <p:sp>
+        <p:nvSpPr>
+          <p:cNvPr id="4" name="Textplatzhalter 3"/>
+          <p:cNvSpPr>
+            <a:spLocks noGrp="1"/>
+          </p:cNvSpPr>
+          <p:nvPr>
+            <p:ph type="body" sz="quarter" idx="25"/>
+          </p:nvPr>
+        </p:nvSpPr>
+        <p:spPr/>
+        <p:txBody>
+          <a:bodyPr/>
+          <a:lstStyle/>
+          <a:p>
+            <a:r>
+              <a:rPr lang="en-US" dirty="0"/>
+              <a:t>Sample files see </a:t>
+            </a:r>
+            <a:r>
+              <a:rPr lang="en-US" dirty="0">
+                <a:hlinkClick r:id="rId2"/>
+              </a:rPr>
+              <a:t>https://github.com/rstropek/DockerVS2015Intro/tree/master/dockerDemos/01-staticWeb</a:t>
+            </a:r>
+            <a:r>
+              <a:rPr lang="en-US" dirty="0"/>
+              <a:t> </a:t>
+            </a:r>
+          </a:p>
+        </p:txBody>
+      </p:sp>
+    </p:spTree>
+    <p:extLst>
+      <p:ext uri="{BB962C8B-B14F-4D97-AF65-F5344CB8AC3E}">
+        <p14:creationId xmlns:p14="http://schemas.microsoft.com/office/powerpoint/2010/main" val="1157928134"/>
+      </p:ext>
+    </p:extLst>
+  </p:cSld>
+  <p:clrMapOvr>
+    <a:masterClrMapping/>
+  </p:clrMapOvr>
+  <p:transition spd="slow">
+    <p:push/>
+  </p:transition>
+</p:sld>
+</file>
+
+<file path=ppt/slides/slide49.xml><?xml version="1.0" encoding="utf-8"?>
+<p:sld xmlns:a="http://schemas.openxmlformats.org/drawingml/2006/main" xmlns:r="http://schemas.openxmlformats.org/officeDocument/2006/relationships" xmlns:p="http://schemas.openxmlformats.org/presentationml/2006/main" show="0">
+  <p:cSld>
+    <p:spTree>
+      <p:nvGrpSpPr>
+        <p:cNvPr id="1" name=""/>
+        <p:cNvGrpSpPr/>
+        <p:nvPr/>
+      </p:nvGrpSpPr>
+      <p:grpSpPr>
+        <a:xfrm>
+          <a:off x="0" y="0"/>
+          <a:ext cx="0" cy="0"/>
+          <a:chOff x="0" y="0"/>
+          <a:chExt cx="0" cy="0"/>
+        </a:xfrm>
+      </p:grpSpPr>
+      <p:sp>
+        <p:nvSpPr>
+          <p:cNvPr id="5" name="Titel 4"/>
+          <p:cNvSpPr>
+            <a:spLocks noGrp="1"/>
+          </p:cNvSpPr>
+          <p:nvPr>
+            <p:ph type="title"/>
+          </p:nvPr>
+        </p:nvSpPr>
+        <p:spPr/>
+        <p:txBody>
+          <a:bodyPr/>
+          <a:lstStyle/>
+          <a:p>
+            <a:r>
               <a:rPr lang="en-US"/>
               <a:t>Demo</a:t>
             </a:r>
@@ -43865,7 +44062,211 @@
 </p:sld>
 </file>
 
-<file path=ppt/slides/slide49.xml><?xml version="1.0" encoding="utf-8"?>
+<file path=ppt/slides/slide5.xml><?xml version="1.0" encoding="utf-8"?>
+<p:sld xmlns:a="http://schemas.openxmlformats.org/drawingml/2006/main" xmlns:r="http://schemas.openxmlformats.org/officeDocument/2006/relationships" xmlns:p="http://schemas.openxmlformats.org/presentationml/2006/main">
+  <p:cSld>
+    <p:spTree>
+      <p:nvGrpSpPr>
+        <p:cNvPr id="1" name=""/>
+        <p:cNvGrpSpPr/>
+        <p:nvPr/>
+      </p:nvGrpSpPr>
+      <p:grpSpPr>
+        <a:xfrm>
+          <a:off x="0" y="0"/>
+          <a:ext cx="0" cy="0"/>
+          <a:chOff x="0" y="0"/>
+          <a:chExt cx="0" cy="0"/>
+        </a:xfrm>
+      </p:grpSpPr>
+      <p:sp>
+        <p:nvSpPr>
+          <p:cNvPr id="2" name="Titel 1"/>
+          <p:cNvSpPr>
+            <a:spLocks noGrp="1"/>
+          </p:cNvSpPr>
+          <p:nvPr>
+            <p:ph type="title"/>
+          </p:nvPr>
+        </p:nvSpPr>
+        <p:spPr/>
+        <p:txBody>
+          <a:bodyPr/>
+          <a:lstStyle/>
+          <a:p>
+            <a:r>
+              <a:rPr lang="en-US" dirty="0"/>
+              <a:t>What’s Docker?</a:t>
+            </a:r>
+          </a:p>
+        </p:txBody>
+      </p:sp>
+      <p:sp>
+        <p:nvSpPr>
+          <p:cNvPr id="3" name="Inhaltsplatzhalter 2"/>
+          <p:cNvSpPr>
+            <a:spLocks noGrp="1"/>
+          </p:cNvSpPr>
+          <p:nvPr>
+            <p:ph sz="quarter" idx="12"/>
+          </p:nvPr>
+        </p:nvSpPr>
+        <p:spPr/>
+        <p:txBody>
+          <a:bodyPr/>
+          <a:lstStyle/>
+          <a:p>
+            <a:r>
+              <a:rPr lang="en-US" dirty="0"/>
+              <a:t>Container virtualization</a:t>
+            </a:r>
+          </a:p>
+          <a:p>
+            <a:pPr lvl="1"/>
+            <a:r>
+              <a:rPr lang="en-US" dirty="0"/>
+              <a:t>Container run in user space and use kernel of host</a:t>
+            </a:r>
+          </a:p>
+          <a:p>
+            <a:pPr lvl="1"/>
+            <a:r>
+              <a:rPr lang="en-US" dirty="0"/>
+              <a:t>Has been existing in Linux for quite a while</a:t>
+            </a:r>
+          </a:p>
+          <a:p>
+            <a:pPr lvl="1"/>
+            <a:r>
+              <a:rPr lang="en-US" dirty="0"/>
+              <a:t>Docker builds on Linux Containers (LXC) and makes it easy to use and consume</a:t>
+            </a:r>
+          </a:p>
+          <a:p>
+            <a:r>
+              <a:rPr lang="en-US" dirty="0"/>
+              <a:t>Advantages?</a:t>
+            </a:r>
+          </a:p>
+          <a:p>
+            <a:pPr lvl="1"/>
+            <a:r>
+              <a:rPr lang="en-US" dirty="0"/>
+              <a:t>Fast (boot time), small, and agile (e.g., Docker in Docker)</a:t>
+            </a:r>
+          </a:p>
+          <a:p>
+            <a:pPr lvl="1"/>
+            <a:r>
+              <a:rPr lang="en-US" dirty="0"/>
+              <a:t>Portable</a:t>
+            </a:r>
+          </a:p>
+          <a:p>
+            <a:pPr lvl="1"/>
+            <a:r>
+              <a:rPr lang="en-US" dirty="0"/>
+              <a:t>Immutable</a:t>
+            </a:r>
+          </a:p>
+          <a:p>
+            <a:r>
+              <a:rPr lang="en-US" dirty="0"/>
+              <a:t>Disadvantages?</a:t>
+            </a:r>
+          </a:p>
+          <a:p>
+            <a:pPr lvl="1"/>
+            <a:r>
+              <a:rPr lang="en-US" dirty="0"/>
+              <a:t>Linux on Linux and Windows on Windows, no mix (consider </a:t>
+            </a:r>
+            <a:r>
+              <a:rPr lang="en-US" dirty="0">
+                <a:hlinkClick r:id="rId2"/>
+              </a:rPr>
+              <a:t>WSL2</a:t>
+            </a:r>
+            <a:r>
+              <a:rPr lang="en-US" dirty="0"/>
+              <a:t>)</a:t>
+            </a:r>
+          </a:p>
+          <a:p>
+            <a:pPr lvl="1"/>
+            <a:r>
+              <a:rPr lang="en-US" dirty="0"/>
+              <a:t>Security (less isolated)</a:t>
+            </a:r>
+          </a:p>
+        </p:txBody>
+      </p:sp>
+      <p:sp>
+        <p:nvSpPr>
+          <p:cNvPr id="4" name="Textplatzhalter 3"/>
+          <p:cNvSpPr>
+            <a:spLocks noGrp="1"/>
+          </p:cNvSpPr>
+          <p:nvPr>
+            <p:ph type="body" sz="quarter" idx="23"/>
+          </p:nvPr>
+        </p:nvSpPr>
+        <p:spPr/>
+        <p:txBody>
+          <a:bodyPr/>
+          <a:lstStyle/>
+          <a:p>
+            <a:endParaRPr lang="en-US" dirty="0"/>
+          </a:p>
+        </p:txBody>
+      </p:sp>
+      <p:pic>
+        <p:nvPicPr>
+          <p:cNvPr id="5" name="Grafik 4"/>
+          <p:cNvPicPr>
+            <a:picLocks noChangeAspect="1"/>
+          </p:cNvPicPr>
+          <p:nvPr/>
+        </p:nvPicPr>
+        <p:blipFill>
+          <a:blip r:embed="rId3" cstate="email">
+            <a:extLst>
+              <a:ext uri="{28A0092B-C50C-407E-A947-70E740481C1C}">
+                <a14:useLocalDpi xmlns:a14="http://schemas.microsoft.com/office/drawing/2010/main" val="0"/>
+              </a:ext>
+            </a:extLst>
+          </a:blip>
+          <a:stretch>
+            <a:fillRect/>
+          </a:stretch>
+        </p:blipFill>
+        <p:spPr>
+          <a:xfrm>
+            <a:off x="6400690" y="2212347"/>
+            <a:ext cx="2876660" cy="2566474"/>
+          </a:xfrm>
+          <a:prstGeom prst="rect">
+            <a:avLst/>
+          </a:prstGeom>
+        </p:spPr>
+      </p:pic>
+    </p:spTree>
+    <p:extLst>
+      <p:ext uri="{BB962C8B-B14F-4D97-AF65-F5344CB8AC3E}">
+        <p14:creationId xmlns:p14="http://schemas.microsoft.com/office/powerpoint/2010/main" val="1202846377"/>
+      </p:ext>
+    </p:extLst>
+  </p:cSld>
+  <p:clrMapOvr>
+    <a:masterClrMapping/>
+  </p:clrMapOvr>
+  <p:transition spd="slow">
+    <p:push/>
+  </p:transition>
+</p:sld>
+</file>
+
+<file path=ppt/slides/slide50.xml><?xml version="1.0" encoding="utf-8"?>
 <p:sld xmlns:a="http://schemas.openxmlformats.org/drawingml/2006/main" xmlns:r="http://schemas.openxmlformats.org/officeDocument/2006/relationships" xmlns:p="http://schemas.openxmlformats.org/presentationml/2006/main">
   <p:cSld>
     <p:spTree>
@@ -44697,7 +45098,7 @@
 </p:sld>
 </file>
 
-<file path=ppt/slides/slide5.xml><?xml version="1.0" encoding="utf-8"?>
+<file path=ppt/slides/slide51.xml><?xml version="1.0" encoding="utf-8"?>
 <p:sld xmlns:a="http://schemas.openxmlformats.org/drawingml/2006/main" xmlns:r="http://schemas.openxmlformats.org/officeDocument/2006/relationships" xmlns:p="http://schemas.openxmlformats.org/presentationml/2006/main">
   <p:cSld>
     <p:spTree>
@@ -44731,210 +45132,6 @@
           <a:p>
             <a:r>
               <a:rPr lang="en-US" dirty="0"/>
-              <a:t>What’s Docker?</a:t>
-            </a:r>
-          </a:p>
-        </p:txBody>
-      </p:sp>
-      <p:sp>
-        <p:nvSpPr>
-          <p:cNvPr id="3" name="Inhaltsplatzhalter 2"/>
-          <p:cNvSpPr>
-            <a:spLocks noGrp="1"/>
-          </p:cNvSpPr>
-          <p:nvPr>
-            <p:ph sz="quarter" idx="12"/>
-          </p:nvPr>
-        </p:nvSpPr>
-        <p:spPr/>
-        <p:txBody>
-          <a:bodyPr/>
-          <a:lstStyle/>
-          <a:p>
-            <a:r>
-              <a:rPr lang="en-US" dirty="0"/>
-              <a:t>Container virtualization</a:t>
-            </a:r>
-          </a:p>
-          <a:p>
-            <a:pPr lvl="1"/>
-            <a:r>
-              <a:rPr lang="en-US" dirty="0"/>
-              <a:t>Container run in user space and use kernel of host</a:t>
-            </a:r>
-          </a:p>
-          <a:p>
-            <a:pPr lvl="1"/>
-            <a:r>
-              <a:rPr lang="en-US" dirty="0"/>
-              <a:t>Has been existing in Linux for quite a while</a:t>
-            </a:r>
-          </a:p>
-          <a:p>
-            <a:pPr lvl="1"/>
-            <a:r>
-              <a:rPr lang="en-US" dirty="0"/>
-              <a:t>Docker builds on Linux Containers (LXC) and makes it easy to use and consume</a:t>
-            </a:r>
-          </a:p>
-          <a:p>
-            <a:r>
-              <a:rPr lang="en-US" dirty="0"/>
-              <a:t>Advantages?</a:t>
-            </a:r>
-          </a:p>
-          <a:p>
-            <a:pPr lvl="1"/>
-            <a:r>
-              <a:rPr lang="en-US" dirty="0"/>
-              <a:t>Fast (boot time), small, and agile (e.g. Docker in Docker)</a:t>
-            </a:r>
-          </a:p>
-          <a:p>
-            <a:pPr lvl="1"/>
-            <a:r>
-              <a:rPr lang="en-US" dirty="0"/>
-              <a:t>Portable</a:t>
-            </a:r>
-          </a:p>
-          <a:p>
-            <a:pPr lvl="1"/>
-            <a:r>
-              <a:rPr lang="en-US" dirty="0"/>
-              <a:t>Immutable</a:t>
-            </a:r>
-          </a:p>
-          <a:p>
-            <a:r>
-              <a:rPr lang="en-US" dirty="0"/>
-              <a:t>Disadvantages?</a:t>
-            </a:r>
-          </a:p>
-          <a:p>
-            <a:pPr lvl="1"/>
-            <a:r>
-              <a:rPr lang="en-US" dirty="0"/>
-              <a:t>Linux on Linux and Windows on Windows, no mix (consider </a:t>
-            </a:r>
-            <a:r>
-              <a:rPr lang="en-US" dirty="0">
-                <a:hlinkClick r:id="rId2"/>
-              </a:rPr>
-              <a:t>WSL2</a:t>
-            </a:r>
-            <a:r>
-              <a:rPr lang="en-US" dirty="0"/>
-              <a:t>)</a:t>
-            </a:r>
-          </a:p>
-          <a:p>
-            <a:pPr lvl="1"/>
-            <a:r>
-              <a:rPr lang="en-US" dirty="0"/>
-              <a:t>Security (less isolated)</a:t>
-            </a:r>
-          </a:p>
-        </p:txBody>
-      </p:sp>
-      <p:sp>
-        <p:nvSpPr>
-          <p:cNvPr id="4" name="Textplatzhalter 3"/>
-          <p:cNvSpPr>
-            <a:spLocks noGrp="1"/>
-          </p:cNvSpPr>
-          <p:nvPr>
-            <p:ph type="body" sz="quarter" idx="23"/>
-          </p:nvPr>
-        </p:nvSpPr>
-        <p:spPr/>
-        <p:txBody>
-          <a:bodyPr/>
-          <a:lstStyle/>
-          <a:p>
-            <a:endParaRPr lang="en-US" dirty="0"/>
-          </a:p>
-        </p:txBody>
-      </p:sp>
-      <p:pic>
-        <p:nvPicPr>
-          <p:cNvPr id="5" name="Grafik 4"/>
-          <p:cNvPicPr>
-            <a:picLocks noChangeAspect="1"/>
-          </p:cNvPicPr>
-          <p:nvPr/>
-        </p:nvPicPr>
-        <p:blipFill>
-          <a:blip r:embed="rId3" cstate="email">
-            <a:extLst>
-              <a:ext uri="{28A0092B-C50C-407E-A947-70E740481C1C}">
-                <a14:useLocalDpi xmlns:a14="http://schemas.microsoft.com/office/drawing/2010/main" val="0"/>
-              </a:ext>
-            </a:extLst>
-          </a:blip>
-          <a:stretch>
-            <a:fillRect/>
-          </a:stretch>
-        </p:blipFill>
-        <p:spPr>
-          <a:xfrm>
-            <a:off x="6400690" y="2212347"/>
-            <a:ext cx="2876660" cy="2566474"/>
-          </a:xfrm>
-          <a:prstGeom prst="rect">
-            <a:avLst/>
-          </a:prstGeom>
-        </p:spPr>
-      </p:pic>
-    </p:spTree>
-    <p:extLst>
-      <p:ext uri="{BB962C8B-B14F-4D97-AF65-F5344CB8AC3E}">
-        <p14:creationId xmlns:p14="http://schemas.microsoft.com/office/powerpoint/2010/main" val="1202846377"/>
-      </p:ext>
-    </p:extLst>
-  </p:cSld>
-  <p:clrMapOvr>
-    <a:masterClrMapping/>
-  </p:clrMapOvr>
-  <p:transition spd="slow">
-    <p:push/>
-  </p:transition>
-</p:sld>
-</file>
-
-<file path=ppt/slides/slide50.xml><?xml version="1.0" encoding="utf-8"?>
-<p:sld xmlns:a="http://schemas.openxmlformats.org/drawingml/2006/main" xmlns:r="http://schemas.openxmlformats.org/officeDocument/2006/relationships" xmlns:p="http://schemas.openxmlformats.org/presentationml/2006/main">
-  <p:cSld>
-    <p:spTree>
-      <p:nvGrpSpPr>
-        <p:cNvPr id="1" name=""/>
-        <p:cNvGrpSpPr/>
-        <p:nvPr/>
-      </p:nvGrpSpPr>
-      <p:grpSpPr>
-        <a:xfrm>
-          <a:off x="0" y="0"/>
-          <a:ext cx="0" cy="0"/>
-          <a:chOff x="0" y="0"/>
-          <a:chExt cx="0" cy="0"/>
-        </a:xfrm>
-      </p:grpSpPr>
-      <p:sp>
-        <p:nvSpPr>
-          <p:cNvPr id="2" name="Titel 1"/>
-          <p:cNvSpPr>
-            <a:spLocks noGrp="1"/>
-          </p:cNvSpPr>
-          <p:nvPr>
-            <p:ph type="title"/>
-          </p:nvPr>
-        </p:nvSpPr>
-        <p:spPr/>
-        <p:txBody>
-          <a:bodyPr/>
-          <a:lstStyle/>
-          <a:p>
-            <a:r>
-              <a:rPr lang="en-US" dirty="0"/>
               <a:t>Docker Compose</a:t>
             </a:r>
           </a:p>
@@ -44987,7 +45184,172 @@
 </p:sld>
 </file>
 
-<file path=ppt/slides/slide51.xml><?xml version="1.0" encoding="utf-8"?>
+<file path=ppt/slides/slide52.xml><?xml version="1.0" encoding="utf-8"?>
+<p:sld xmlns:a="http://schemas.openxmlformats.org/drawingml/2006/main" xmlns:r="http://schemas.openxmlformats.org/officeDocument/2006/relationships" xmlns:p="http://schemas.openxmlformats.org/presentationml/2006/main">
+  <p:cSld>
+    <p:spTree>
+      <p:nvGrpSpPr>
+        <p:cNvPr id="1" name=""/>
+        <p:cNvGrpSpPr/>
+        <p:nvPr/>
+      </p:nvGrpSpPr>
+      <p:grpSpPr>
+        <a:xfrm>
+          <a:off x="0" y="0"/>
+          <a:ext cx="0" cy="0"/>
+          <a:chOff x="0" y="0"/>
+          <a:chExt cx="0" cy="0"/>
+        </a:xfrm>
+      </p:grpSpPr>
+      <p:sp>
+        <p:nvSpPr>
+          <p:cNvPr id="4" name="Title 3">
+            <a:extLst>
+              <a:ext uri="{FF2B5EF4-FFF2-40B4-BE49-F238E27FC236}">
+                <a16:creationId xmlns:a16="http://schemas.microsoft.com/office/drawing/2014/main" id="{BD7CD70C-1AA1-455D-A5BB-B71D260C5B2D}"/>
+              </a:ext>
+            </a:extLst>
+          </p:cNvPr>
+          <p:cNvSpPr>
+            <a:spLocks noGrp="1"/>
+          </p:cNvSpPr>
+          <p:nvPr>
+            <p:ph type="title"/>
+          </p:nvPr>
+        </p:nvSpPr>
+        <p:spPr/>
+        <p:txBody>
+          <a:bodyPr/>
+          <a:lstStyle/>
+          <a:p>
+            <a:r>
+              <a:rPr lang="en-US" dirty="0"/>
+              <a:t>Docker Compose</a:t>
+            </a:r>
+            <a:endParaRPr lang="en-AT" dirty="0"/>
+          </a:p>
+        </p:txBody>
+      </p:sp>
+      <p:sp>
+        <p:nvSpPr>
+          <p:cNvPr id="5" name="Content Placeholder 4">
+            <a:extLst>
+              <a:ext uri="{FF2B5EF4-FFF2-40B4-BE49-F238E27FC236}">
+                <a16:creationId xmlns:a16="http://schemas.microsoft.com/office/drawing/2014/main" id="{00A1E159-67EE-480D-BDF6-EC737C89A531}"/>
+              </a:ext>
+            </a:extLst>
+          </p:cNvPr>
+          <p:cNvSpPr>
+            <a:spLocks noGrp="1"/>
+          </p:cNvSpPr>
+          <p:nvPr>
+            <p:ph sz="quarter" idx="12"/>
+          </p:nvPr>
+        </p:nvSpPr>
+        <p:spPr/>
+        <p:txBody>
+          <a:bodyPr/>
+          <a:lstStyle/>
+          <a:p>
+            <a:r>
+              <a:rPr lang="en-US" dirty="0"/>
+              <a:t>Docker Compose 2.0</a:t>
+            </a:r>
+          </a:p>
+          <a:p>
+            <a:pPr lvl="1"/>
+            <a:r>
+              <a:rPr lang="en-US" dirty="0"/>
+              <a:t>Completely rewritten in Go (previously Python)</a:t>
+            </a:r>
+          </a:p>
+          <a:p>
+            <a:pPr lvl="1"/>
+            <a:r>
+              <a:rPr lang="en-US" dirty="0"/>
+              <a:t>Part of Docker Desktop (since end 2021)</a:t>
+            </a:r>
+            <a:endParaRPr lang="en-AT" dirty="0"/>
+          </a:p>
+        </p:txBody>
+      </p:sp>
+      <p:sp>
+        <p:nvSpPr>
+          <p:cNvPr id="6" name="Text Placeholder 5">
+            <a:extLst>
+              <a:ext uri="{FF2B5EF4-FFF2-40B4-BE49-F238E27FC236}">
+                <a16:creationId xmlns:a16="http://schemas.microsoft.com/office/drawing/2014/main" id="{C13A3FAF-4975-4754-BA16-28650A7CB134}"/>
+              </a:ext>
+            </a:extLst>
+          </p:cNvPr>
+          <p:cNvSpPr>
+            <a:spLocks noGrp="1"/>
+          </p:cNvSpPr>
+          <p:nvPr>
+            <p:ph type="body" sz="quarter" idx="23"/>
+          </p:nvPr>
+        </p:nvSpPr>
+        <p:spPr/>
+        <p:txBody>
+          <a:bodyPr/>
+          <a:lstStyle/>
+          <a:p>
+            <a:r>
+              <a:rPr lang="en-US" dirty="0">
+                <a:solidFill>
+                  <a:schemeClr val="accent1"/>
+                </a:solidFill>
+              </a:rPr>
+              <a:t>See also </a:t>
+            </a:r>
+            <a:r>
+              <a:rPr lang="en-US" dirty="0">
+                <a:solidFill>
+                  <a:schemeClr val="accent1"/>
+                </a:solidFill>
+                <a:hlinkClick r:id="rId2">
+                  <a:extLst>
+                    <a:ext uri="{A12FA001-AC4F-418D-AE19-62706E023703}">
+                      <ahyp:hlinkClr xmlns:ahyp="http://schemas.microsoft.com/office/drawing/2018/hyperlinkcolor" val="tx"/>
+                    </a:ext>
+                  </a:extLst>
+                </a:hlinkClick>
+              </a:rPr>
+              <a:t>https://docs.docker.com/compose/cli-command/</a:t>
+            </a:r>
+            <a:r>
+              <a:rPr lang="en-US" dirty="0">
+                <a:solidFill>
+                  <a:schemeClr val="accent1"/>
+                </a:solidFill>
+              </a:rPr>
+              <a:t> </a:t>
+            </a:r>
+            <a:endParaRPr lang="en-AT" dirty="0">
+              <a:solidFill>
+                <a:schemeClr val="accent1"/>
+              </a:solidFill>
+            </a:endParaRPr>
+          </a:p>
+        </p:txBody>
+      </p:sp>
+    </p:spTree>
+    <p:extLst>
+      <p:ext uri="{BB962C8B-B14F-4D97-AF65-F5344CB8AC3E}">
+        <p14:creationId xmlns:p14="http://schemas.microsoft.com/office/powerpoint/2010/main" val="2153011403"/>
+      </p:ext>
+    </p:extLst>
+  </p:cSld>
+  <p:clrMapOvr>
+    <a:masterClrMapping/>
+  </p:clrMapOvr>
+  <p:transition spd="slow">
+    <p:push/>
+  </p:transition>
+</p:sld>
+</file>
+
+<file path=ppt/slides/slide53.xml><?xml version="1.0" encoding="utf-8"?>
 <p:sld xmlns:a="http://schemas.openxmlformats.org/drawingml/2006/main" xmlns:r="http://schemas.openxmlformats.org/officeDocument/2006/relationships" xmlns:p="http://schemas.openxmlformats.org/presentationml/2006/main">
   <p:cSld>
     <p:spTree>
@@ -45648,7 +46010,7 @@
 </p:sld>
 </file>
 
-<file path=ppt/slides/slide52.xml><?xml version="1.0" encoding="utf-8"?>
+<file path=ppt/slides/slide54.xml><?xml version="1.0" encoding="utf-8"?>
 <p:sld xmlns:a="http://schemas.openxmlformats.org/drawingml/2006/main" xmlns:r="http://schemas.openxmlformats.org/officeDocument/2006/relationships" xmlns:p="http://schemas.openxmlformats.org/presentationml/2006/main" show="0">
   <p:cSld>
     <p:spTree>
@@ -45885,7 +46247,7 @@
 </p:sld>
 </file>
 
-<file path=ppt/slides/slide53.xml><?xml version="1.0" encoding="utf-8"?>
+<file path=ppt/slides/slide55.xml><?xml version="1.0" encoding="utf-8"?>
 <p:sld xmlns:a="http://schemas.openxmlformats.org/drawingml/2006/main" xmlns:r="http://schemas.openxmlformats.org/officeDocument/2006/relationships" xmlns:p="http://schemas.openxmlformats.org/presentationml/2006/main">
   <p:cSld>
     <p:spTree>
@@ -45979,7 +46341,7 @@
 </p:sld>
 </file>
 
-<file path=ppt/slides/slide54.xml><?xml version="1.0" encoding="utf-8"?>
+<file path=ppt/slides/slide56.xml><?xml version="1.0" encoding="utf-8"?>
 <p:sld xmlns:a="http://schemas.openxmlformats.org/drawingml/2006/main" xmlns:r="http://schemas.openxmlformats.org/officeDocument/2006/relationships" xmlns:p="http://schemas.openxmlformats.org/presentationml/2006/main">
   <p:cSld>
     <p:spTree>
@@ -46126,7 +46488,7 @@
 </p:sld>
 </file>
 
-<file path=ppt/slides/slide55.xml><?xml version="1.0" encoding="utf-8"?>
+<file path=ppt/slides/slide57.xml><?xml version="1.0" encoding="utf-8"?>
 <p:sld xmlns:a="http://schemas.openxmlformats.org/drawingml/2006/main" xmlns:r="http://schemas.openxmlformats.org/officeDocument/2006/relationships" xmlns:p="http://schemas.openxmlformats.org/presentationml/2006/main">
   <p:cSld>
     <p:spTree>
@@ -47399,8 +47761,15 @@
               <a:rPr lang="en-US" dirty="0" err="1">
                 <a:latin typeface="Courier New" panose="02070309020205020404" pitchFamily="49" charset="0"/>
                 <a:cs typeface="Courier New" panose="02070309020205020404" pitchFamily="49" charset="0"/>
+                <a:hlinkClick r:id="rId2"/>
               </a:rPr>
               <a:t>libcontainer</a:t>
+            </a:r>
+            <a:r>
+              <a:rPr lang="en-US" dirty="0">
+                <a:hlinkClick r:id="rId2"/>
+              </a:rPr>
+              <a:t> API</a:t>
             </a:r>
             <a:r>
               <a:rPr lang="en-US" dirty="0"/>
@@ -47786,8 +48155,38 @@
             <a:pPr lvl="1"/>
             <a:r>
               <a:rPr lang="en-US" sz="1400" dirty="0"/>
-              <a:t>Server</a:t>
-            </a:r>
+              <a:t>“Server”</a:t>
+            </a:r>
+          </a:p>
+          <a:p>
+            <a:pPr lvl="1"/>
+            <a:r>
+              <a:rPr lang="en-US" sz="1400" dirty="0"/>
+              <a:t>Note: </a:t>
+            </a:r>
+            <a:r>
+              <a:rPr lang="en-US" sz="1400" dirty="0" err="1"/>
+              <a:t>Damonless</a:t>
+            </a:r>
+            <a:r>
+              <a:rPr lang="en-US" sz="1400" dirty="0"/>
+              <a:t> </a:t>
+            </a:r>
+            <a:r>
+              <a:rPr lang="en-US" sz="1400" dirty="0" err="1"/>
+              <a:t>alaternatives</a:t>
+            </a:r>
+            <a:r>
+              <a:rPr lang="en-US" sz="1400" dirty="0"/>
+              <a:t> to Docker like </a:t>
+            </a:r>
+            <a:r>
+              <a:rPr lang="en-US" sz="1400" i="1" dirty="0" err="1">
+                <a:hlinkClick r:id="rId2"/>
+              </a:rPr>
+              <a:t>podman</a:t>
+            </a:r>
+            <a:endParaRPr lang="en-US" sz="1400" i="1" dirty="0"/>
           </a:p>
           <a:p>
             <a:pPr>
@@ -47826,7 +48225,7 @@
             </a:pPr>
             <a:r>
               <a:rPr lang="en-US" sz="2000" dirty="0" err="1">
-                <a:hlinkClick r:id="rId2"/>
+                <a:hlinkClick r:id="rId3"/>
               </a:rPr>
               <a:t>Dockerfiles</a:t>
             </a:r>

--- a/slides/Docker-Workshop.pptx
+++ b/slides/Docker-Workshop.pptx
@@ -6,7 +6,7 @@
     <p:sldMasterId id="2147483842" r:id="rId2"/>
   </p:sldMasterIdLst>
   <p:notesMasterIdLst>
-    <p:notesMasterId r:id="rId60"/>
+    <p:notesMasterId r:id="rId63"/>
   </p:notesMasterIdLst>
   <p:sldIdLst>
     <p:sldId id="297" r:id="rId3"/>
@@ -56,16 +56,19 @@
     <p:sldId id="287" r:id="rId47"/>
     <p:sldId id="333" r:id="rId48"/>
     <p:sldId id="288" r:id="rId49"/>
-    <p:sldId id="289" r:id="rId50"/>
-    <p:sldId id="290" r:id="rId51"/>
-    <p:sldId id="291" r:id="rId52"/>
-    <p:sldId id="298" r:id="rId53"/>
-    <p:sldId id="335" r:id="rId54"/>
-    <p:sldId id="299" r:id="rId55"/>
-    <p:sldId id="300" r:id="rId56"/>
-    <p:sldId id="292" r:id="rId57"/>
-    <p:sldId id="294" r:id="rId58"/>
-    <p:sldId id="322" r:id="rId59"/>
+    <p:sldId id="338" r:id="rId50"/>
+    <p:sldId id="337" r:id="rId51"/>
+    <p:sldId id="339" r:id="rId52"/>
+    <p:sldId id="289" r:id="rId53"/>
+    <p:sldId id="290" r:id="rId54"/>
+    <p:sldId id="291" r:id="rId55"/>
+    <p:sldId id="298" r:id="rId56"/>
+    <p:sldId id="335" r:id="rId57"/>
+    <p:sldId id="299" r:id="rId58"/>
+    <p:sldId id="300" r:id="rId59"/>
+    <p:sldId id="292" r:id="rId60"/>
+    <p:sldId id="294" r:id="rId61"/>
+    <p:sldId id="322" r:id="rId62"/>
   </p:sldIdLst>
   <p:sldSz cx="9144000" cy="5143500" type="screen16x9"/>
   <p:notesSz cx="6858000" cy="9144000"/>
@@ -291,6 +294,9 @@
             <p14:sldId id="287"/>
             <p14:sldId id="333"/>
             <p14:sldId id="288"/>
+            <p14:sldId id="338"/>
+            <p14:sldId id="337"/>
+            <p14:sldId id="339"/>
             <p14:sldId id="289"/>
             <p14:sldId id="290"/>
             <p14:sldId id="291"/>
@@ -417,7 +423,7 @@
           <a:p>
             <a:fld id="{D164E45F-6435-4E8D-8DA2-B4FA1A7A853C}" type="datetimeFigureOut">
               <a:rPr lang="de-AT" smtClean="0"/>
-              <a:t>24.01.2022</a:t>
+              <a:t>03.05.2022</a:t>
             </a:fld>
             <a:endParaRPr lang="de-AT"/>
           </a:p>
@@ -36812,7 +36818,7 @@
           <a:p>
             <a:r>
               <a:rPr lang="de-AT" dirty="0"/>
-              <a:t>  </a:t>
+              <a:t>  -c "</a:t>
             </a:r>
             <a:r>
               <a:rPr lang="en-US" dirty="0" err="1"/>
@@ -36826,7 +36832,10 @@
               <a:rPr lang="en-US" dirty="0" err="1"/>
               <a:t>postgres</a:t>
             </a:r>
-            <a:endParaRPr lang="en-US" dirty="0"/>
+            <a:r>
+              <a:rPr lang="en-US" dirty="0"/>
+              <a:t>"</a:t>
+            </a:r>
           </a:p>
           <a:p>
             <a:endParaRPr lang="en-US" dirty="0"/>
@@ -37027,54 +37036,54 @@
           <a:lstStyle/>
           <a:p>
             <a:r>
-              <a:rPr lang="en-US" dirty="0"/>
+              <a:rPr lang="en-US" sz="800" dirty="0"/>
               <a:t># Create data directory on host</a:t>
             </a:r>
           </a:p>
           <a:p>
             <a:r>
-              <a:rPr lang="en-US" dirty="0" err="1"/>
+              <a:rPr lang="en-US" sz="800" dirty="0" err="1"/>
               <a:t>mkdir</a:t>
             </a:r>
             <a:r>
-              <a:rPr lang="en-US" dirty="0"/>
+              <a:rPr lang="en-US" sz="800" dirty="0"/>
               <a:t> </a:t>
             </a:r>
             <a:r>
-              <a:rPr lang="en-US" dirty="0" err="1"/>
+              <a:rPr lang="en-US" sz="800" dirty="0" err="1"/>
               <a:t>dbdata</a:t>
             </a:r>
-            <a:endParaRPr lang="en-US" dirty="0"/>
-          </a:p>
-          <a:p>
-            <a:endParaRPr lang="en-US" dirty="0"/>
-          </a:p>
-          <a:p>
-            <a:r>
-              <a:rPr lang="en-US" dirty="0"/>
+            <a:endParaRPr lang="en-US" sz="800" dirty="0"/>
+          </a:p>
+          <a:p>
+            <a:endParaRPr lang="en-US" sz="800" dirty="0"/>
+          </a:p>
+          <a:p>
+            <a:r>
+              <a:rPr lang="en-US" sz="800" dirty="0"/>
               <a:t># Repeat the same example but this time with volume mapping</a:t>
             </a:r>
           </a:p>
           <a:p>
             <a:r>
-              <a:rPr lang="sv-SE" dirty="0"/>
+              <a:rPr lang="sv-SE" sz="800" dirty="0"/>
               <a:t>docker run --name mydb -e POSTGRES_PASSWORD=P@ssw0rd! \</a:t>
             </a:r>
           </a:p>
           <a:p>
             <a:r>
-              <a:rPr lang="sv-SE" dirty="0"/>
+              <a:rPr lang="sv-SE" sz="800" dirty="0"/>
               <a:t>	</a:t>
             </a:r>
             <a:r>
-              <a:rPr lang="sv-SE" b="1" dirty="0"/>
+              <a:rPr lang="sv-SE" sz="800" b="1" dirty="0"/>
               <a:t>--mount 'type=bind,src=/home/rainer/dbdata,dst=/var/lib/postgresql/data' </a:t>
             </a:r>
             <a:r>
-              <a:rPr lang="sv-SE" dirty="0"/>
+              <a:rPr lang="sv-SE" sz="800" dirty="0"/>
               <a:t>-d postgres</a:t>
             </a:r>
-            <a:endParaRPr lang="de-AT" dirty="0"/>
+            <a:endParaRPr lang="de-AT" sz="800" dirty="0"/>
           </a:p>
         </p:txBody>
       </p:sp>
@@ -42418,9 +42427,9 @@
         <p:grpSpPr>
           <a:xfrm>
             <a:off x="3275856" y="3530768"/>
-            <a:ext cx="1884879" cy="474716"/>
+            <a:ext cx="1433217" cy="474716"/>
             <a:chOff x="3861990" y="1424245"/>
-            <a:chExt cx="1884879" cy="474716"/>
+            <a:chExt cx="1433217" cy="474716"/>
           </a:xfrm>
         </p:grpSpPr>
         <p:cxnSp>
@@ -42492,7 +42501,7 @@
           <p:spPr>
             <a:xfrm>
               <a:off x="4078014" y="1591184"/>
-              <a:ext cx="1668855" cy="307777"/>
+              <a:ext cx="1217193" cy="307777"/>
             </a:xfrm>
             <a:prstGeom prst="rect">
               <a:avLst/>
@@ -42525,7 +42534,7 @@
                   <a:latin typeface="Segoe UI"/>
                   <a:ea typeface="+mn-ea"/>
                 </a:rPr>
-                <a:t>Dockerfile location</a:t>
+                <a:t>Build context</a:t>
               </a:r>
             </a:p>
           </p:txBody>
@@ -43538,7 +43547,7 @@
 </file>
 
 <file path=ppt/slides/slide48.xml><?xml version="1.0" encoding="utf-8"?>
-<p:sld xmlns:a="http://schemas.openxmlformats.org/drawingml/2006/main" xmlns:r="http://schemas.openxmlformats.org/officeDocument/2006/relationships" xmlns:p="http://schemas.openxmlformats.org/presentationml/2006/main" show="0">
+<p:sld xmlns:a="http://schemas.openxmlformats.org/drawingml/2006/main" xmlns:r="http://schemas.openxmlformats.org/officeDocument/2006/relationships" xmlns:p="http://schemas.openxmlformats.org/presentationml/2006/main">
   <p:cSld>
     <p:spTree>
       <p:nvGrpSpPr>
@@ -43556,7 +43565,13 @@
       </p:grpSpPr>
       <p:sp>
         <p:nvSpPr>
-          <p:cNvPr id="5" name="Titel 4"/>
+          <p:cNvPr id="6" name="Title 5">
+            <a:extLst>
+              <a:ext uri="{FF2B5EF4-FFF2-40B4-BE49-F238E27FC236}">
+                <a16:creationId xmlns:a16="http://schemas.microsoft.com/office/drawing/2014/main" id="{0AC9D4B6-A95C-63CA-AD3A-CE2A916F0767}"/>
+              </a:ext>
+            </a:extLst>
+          </p:cNvPr>
           <p:cNvSpPr>
             <a:spLocks noGrp="1"/>
           </p:cNvSpPr>
@@ -43571,19 +43586,26 @@
           <a:p>
             <a:r>
               <a:rPr lang="en-US" dirty="0"/>
-              <a:t>Demo</a:t>
-            </a:r>
+              <a:t>Build Context</a:t>
+            </a:r>
+            <a:endParaRPr lang="en-AT" dirty="0"/>
           </a:p>
         </p:txBody>
       </p:sp>
       <p:sp>
         <p:nvSpPr>
-          <p:cNvPr id="6" name="Inhaltsplatzhalter 5"/>
+          <p:cNvPr id="7" name="Content Placeholder 6">
+            <a:extLst>
+              <a:ext uri="{FF2B5EF4-FFF2-40B4-BE49-F238E27FC236}">
+                <a16:creationId xmlns:a16="http://schemas.microsoft.com/office/drawing/2014/main" id="{A8DCBA27-DE23-B6CE-F875-7529064EDD45}"/>
+              </a:ext>
+            </a:extLst>
+          </p:cNvPr>
           <p:cNvSpPr>
             <a:spLocks noGrp="1"/>
           </p:cNvSpPr>
           <p:nvPr>
-            <p:ph sz="quarter" idx="22"/>
+            <p:ph sz="quarter" idx="12"/>
           </p:nvPr>
         </p:nvSpPr>
         <p:spPr/>
@@ -43593,174 +43615,105 @@
           <a:p>
             <a:r>
               <a:rPr lang="en-US" dirty="0"/>
-              <a:t># Get sample code from GitHub</a:t>
-            </a:r>
-          </a:p>
-          <a:p>
+              <a:t>In Dockerfile: COPY and ADD to copy files from build context</a:t>
+            </a:r>
+          </a:p>
+          <a:p>
+            <a:pPr lvl="1"/>
+            <a:r>
+              <a:rPr lang="en-US" dirty="0"/>
+              <a:t>Made available to build steps</a:t>
+            </a:r>
+          </a:p>
+          <a:p>
+            <a:pPr lvl="1"/>
+            <a:r>
+              <a:rPr lang="en-US" dirty="0"/>
+              <a:t>Try to keep context small (note </a:t>
+            </a:r>
+            <a:r>
+              <a:rPr lang="en-US" dirty="0">
+                <a:hlinkClick r:id="rId2"/>
+              </a:rPr>
+              <a:t>.</a:t>
+            </a:r>
+            <a:r>
+              <a:rPr lang="en-US" dirty="0" err="1">
+                <a:hlinkClick r:id="rId2"/>
+              </a:rPr>
+              <a:t>dockerignore</a:t>
+            </a:r>
+            <a:r>
+              <a:rPr lang="en-US" dirty="0"/>
+              <a:t>)</a:t>
+            </a:r>
+          </a:p>
+          <a:p>
+            <a:r>
+              <a:rPr lang="en-US" dirty="0"/>
+              <a:t>Recent enhancement (Dockerfile 1.4): Multiple build contexts</a:t>
+            </a:r>
+          </a:p>
+          <a:p>
+            <a:pPr lvl="1"/>
+            <a:r>
+              <a:rPr lang="en-US" dirty="0"/>
+              <a:t>Define additional build contexts with </a:t>
+            </a:r>
+            <a:r>
+              <a:rPr lang="en-US" dirty="0">
+                <a:latin typeface="Consolas" panose="020B0609020204030204" pitchFamily="49" charset="0"/>
+              </a:rPr>
+              <a:t>--build-context [name]=[value]</a:t>
+            </a:r>
+          </a:p>
+          <a:p>
+            <a:pPr lvl="1"/>
+            <a:r>
+              <a:rPr lang="en-US" i="1" dirty="0"/>
+              <a:t>Override</a:t>
+            </a:r>
+            <a:r>
+              <a:rPr lang="en-US" dirty="0"/>
+              <a:t> source in Dockerfile</a:t>
+            </a:r>
+          </a:p>
+          <a:p>
+            <a:pPr lvl="1"/>
+            <a:r>
+              <a:rPr lang="en-US" dirty="0"/>
+              <a:t>Supported sources: Local folders, Git repos, </a:t>
+            </a:r>
             <a:r>
               <a:rPr lang="en-US" dirty="0" err="1"/>
-              <a:t>git</a:t>
-            </a:r>
-            <a:r>
-              <a:rPr lang="en-US" dirty="0"/>
-              <a:t> clone https://github.com/rstropek/DockerVS2015Intro.git</a:t>
-            </a:r>
-          </a:p>
-          <a:p>
-            <a:endParaRPr lang="en-US" dirty="0"/>
-          </a:p>
-          <a:p>
-            <a:r>
-              <a:rPr lang="en-US" dirty="0"/>
-              <a:t># Build website</a:t>
-            </a:r>
-          </a:p>
-          <a:p>
-            <a:r>
-              <a:rPr lang="en-US" dirty="0"/>
-              <a:t>cd </a:t>
-            </a:r>
-            <a:r>
-              <a:rPr lang="en-US" dirty="0" err="1"/>
-              <a:t>dockerDemos</a:t>
-            </a:r>
-            <a:r>
-              <a:rPr lang="en-US" dirty="0"/>
-              <a:t>/01-staticWeb/app</a:t>
-            </a:r>
-          </a:p>
-          <a:p>
-            <a:r>
-              <a:rPr lang="en-US" dirty="0" err="1"/>
-              <a:t>npm</a:t>
-            </a:r>
-            <a:r>
-              <a:rPr lang="en-US" dirty="0"/>
-              <a:t> install</a:t>
-            </a:r>
-          </a:p>
-          <a:p>
-            <a:r>
-              <a:rPr lang="en-US" dirty="0" err="1"/>
-              <a:t>npm</a:t>
-            </a:r>
-            <a:r>
-              <a:rPr lang="en-US" dirty="0"/>
-              <a:t> run build</a:t>
-            </a:r>
-          </a:p>
-          <a:p>
-            <a:r>
-              <a:rPr lang="en-US" dirty="0"/>
-              <a:t>cd ..</a:t>
-            </a:r>
-          </a:p>
-          <a:p>
-            <a:endParaRPr lang="en-US" dirty="0"/>
-          </a:p>
-          <a:p>
-            <a:r>
-              <a:rPr lang="en-US" dirty="0"/>
-              <a:t># Build image from Dockerfile</a:t>
-            </a:r>
-          </a:p>
-          <a:p>
-            <a:r>
-              <a:rPr lang="en-US" dirty="0" err="1"/>
-              <a:t>docker</a:t>
-            </a:r>
-            <a:r>
-              <a:rPr lang="en-US" dirty="0"/>
-              <a:t> build -t </a:t>
-            </a:r>
-            <a:r>
-              <a:rPr lang="en-US" dirty="0" err="1"/>
-              <a:t>staticweb</a:t>
-            </a:r>
-            <a:r>
-              <a:rPr lang="en-US" dirty="0"/>
-              <a:t> .</a:t>
-            </a:r>
-          </a:p>
-          <a:p>
-            <a:r>
-              <a:rPr lang="en-US" dirty="0" err="1"/>
-              <a:t>docker</a:t>
-            </a:r>
-            <a:r>
-              <a:rPr lang="en-US" dirty="0"/>
-              <a:t> run -d -p 80:80 </a:t>
-            </a:r>
-            <a:r>
-              <a:rPr lang="en-US" dirty="0" err="1"/>
-              <a:t>staticweb</a:t>
-            </a:r>
-            <a:endParaRPr lang="en-US" dirty="0"/>
-          </a:p>
-          <a:p>
-            <a:endParaRPr lang="en-US" dirty="0"/>
-          </a:p>
-          <a:p>
-            <a:r>
-              <a:rPr lang="en-US" dirty="0"/>
-              <a:t># Change website content and rebuild container</a:t>
-            </a:r>
-          </a:p>
-          <a:p>
-            <a:endParaRPr lang="en-US" dirty="0"/>
-          </a:p>
-          <a:p>
-            <a:r>
-              <a:rPr lang="en-US" dirty="0"/>
-              <a:t># Run a second container, run a third container (linked)</a:t>
-            </a:r>
-          </a:p>
-          <a:p>
-            <a:r>
-              <a:rPr lang="en-US" dirty="0" err="1"/>
-              <a:t>docker</a:t>
-            </a:r>
-            <a:r>
-              <a:rPr lang="en-US" dirty="0"/>
-              <a:t> run -</a:t>
-            </a:r>
-            <a:r>
-              <a:rPr lang="en-US" dirty="0" err="1"/>
-              <a:t>i</a:t>
-            </a:r>
-            <a:r>
-              <a:rPr lang="en-US" dirty="0"/>
-              <a:t> -t --link &lt;cont1&gt;:sweb1 --link &lt;cont2&gt;:sweb2 </a:t>
-            </a:r>
-            <a:r>
-              <a:rPr lang="en-US" dirty="0" err="1"/>
-              <a:t>ubuntu</a:t>
-            </a:r>
-            <a:r>
-              <a:rPr lang="en-US" dirty="0"/>
-              <a:t> /bin/bash</a:t>
-            </a:r>
-          </a:p>
-          <a:p>
-            <a:r>
-              <a:rPr lang="en-US" dirty="0"/>
-              <a:t>	apt-get install curl</a:t>
-            </a:r>
-          </a:p>
-          <a:p>
-            <a:r>
-              <a:rPr lang="en-US" dirty="0"/>
-              <a:t>	curl http://sweb1</a:t>
-            </a:r>
-          </a:p>
-          <a:p>
-            <a:endParaRPr lang="en-US" dirty="0"/>
+              <a:t>tarballs</a:t>
+            </a:r>
+            <a:r>
+              <a:rPr lang="en-US" dirty="0"/>
+              <a:t>, Docker images</a:t>
+            </a:r>
+          </a:p>
+          <a:p>
+            <a:pPr lvl="1"/>
+            <a:r>
+              <a:rPr lang="en-US" dirty="0">
+                <a:hlinkClick r:id="rId3"/>
+              </a:rPr>
+              <a:t>Blog with intro</a:t>
+            </a:r>
+            <a:endParaRPr lang="en-AT" dirty="0"/>
           </a:p>
         </p:txBody>
       </p:sp>
       <p:sp>
         <p:nvSpPr>
-          <p:cNvPr id="2" name="Textplatzhalter 1"/>
+          <p:cNvPr id="8" name="Text Placeholder 7">
+            <a:extLst>
+              <a:ext uri="{FF2B5EF4-FFF2-40B4-BE49-F238E27FC236}">
+                <a16:creationId xmlns:a16="http://schemas.microsoft.com/office/drawing/2014/main" id="{01066EB3-2176-6953-8D9E-F1EBEFC38379}"/>
+              </a:ext>
+            </a:extLst>
+          </p:cNvPr>
           <p:cNvSpPr>
             <a:spLocks noGrp="1"/>
           </p:cNvSpPr>
@@ -43773,68 +43726,14 @@
           <a:bodyPr/>
           <a:lstStyle/>
           <a:p>
-            <a:r>
-              <a:rPr lang="en-US" dirty="0"/>
-              <a:t>Dockerfile</a:t>
-            </a:r>
-          </a:p>
-        </p:txBody>
-      </p:sp>
-      <p:sp>
-        <p:nvSpPr>
-          <p:cNvPr id="3" name="Textplatzhalter 2"/>
-          <p:cNvSpPr>
-            <a:spLocks noGrp="1"/>
-          </p:cNvSpPr>
-          <p:nvPr>
-            <p:ph type="body" sz="quarter" idx="24"/>
-          </p:nvPr>
-        </p:nvSpPr>
-        <p:spPr/>
-        <p:txBody>
-          <a:bodyPr/>
-          <a:lstStyle/>
-          <a:p>
-            <a:endParaRPr lang="en-US" dirty="0"/>
-          </a:p>
-        </p:txBody>
-      </p:sp>
-      <p:sp>
-        <p:nvSpPr>
-          <p:cNvPr id="4" name="Textplatzhalter 3"/>
-          <p:cNvSpPr>
-            <a:spLocks noGrp="1"/>
-          </p:cNvSpPr>
-          <p:nvPr>
-            <p:ph type="body" sz="quarter" idx="25"/>
-          </p:nvPr>
-        </p:nvSpPr>
-        <p:spPr/>
-        <p:txBody>
-          <a:bodyPr/>
-          <a:lstStyle/>
-          <a:p>
-            <a:r>
-              <a:rPr lang="en-US" dirty="0"/>
-              <a:t>Sample files see </a:t>
-            </a:r>
-            <a:r>
-              <a:rPr lang="en-US" dirty="0">
-                <a:hlinkClick r:id="rId2"/>
-              </a:rPr>
-              <a:t>https://github.com/rstropek/DockerVS2015Intro/tree/master/dockerDemos/01-staticWeb</a:t>
-            </a:r>
-            <a:r>
-              <a:rPr lang="en-US" dirty="0"/>
-              <a:t> </a:t>
-            </a:r>
+            <a:endParaRPr lang="en-AT"/>
           </a:p>
         </p:txBody>
       </p:sp>
     </p:spTree>
     <p:extLst>
       <p:ext uri="{BB962C8B-B14F-4D97-AF65-F5344CB8AC3E}">
-        <p14:creationId xmlns:p14="http://schemas.microsoft.com/office/powerpoint/2010/main" val="1157928134"/>
+        <p14:creationId xmlns:p14="http://schemas.microsoft.com/office/powerpoint/2010/main" val="1428441104"/>
       </p:ext>
     </p:extLst>
   </p:cSld>
@@ -43848,7 +43747,7 @@
 </file>
 
 <file path=ppt/slides/slide49.xml><?xml version="1.0" encoding="utf-8"?>
-<p:sld xmlns:a="http://schemas.openxmlformats.org/drawingml/2006/main" xmlns:r="http://schemas.openxmlformats.org/officeDocument/2006/relationships" xmlns:p="http://schemas.openxmlformats.org/presentationml/2006/main" show="0">
+<p:sld xmlns:a="http://schemas.openxmlformats.org/drawingml/2006/main" xmlns:r="http://schemas.openxmlformats.org/officeDocument/2006/relationships" xmlns:p="http://schemas.openxmlformats.org/presentationml/2006/main">
   <p:cSld>
     <p:spTree>
       <p:nvGrpSpPr>
@@ -43866,7 +43765,13 @@
       </p:grpSpPr>
       <p:sp>
         <p:nvSpPr>
-          <p:cNvPr id="5" name="Titel 4"/>
+          <p:cNvPr id="6" name="Title 5">
+            <a:extLst>
+              <a:ext uri="{FF2B5EF4-FFF2-40B4-BE49-F238E27FC236}">
+                <a16:creationId xmlns:a16="http://schemas.microsoft.com/office/drawing/2014/main" id="{0B92EF4F-483F-451D-2FA2-415130BBE506}"/>
+              </a:ext>
+            </a:extLst>
+          </p:cNvPr>
           <p:cNvSpPr>
             <a:spLocks noGrp="1"/>
           </p:cNvSpPr>
@@ -43880,115 +43785,192 @@
           <a:lstStyle/>
           <a:p>
             <a:r>
-              <a:rPr lang="en-US"/>
-              <a:t>Demo</a:t>
-            </a:r>
-            <a:endParaRPr lang="en-US" dirty="0"/>
+              <a:rPr lang="en-US" dirty="0"/>
+              <a:t>Docker </a:t>
+            </a:r>
+            <a:r>
+              <a:rPr lang="en-US" dirty="0" err="1"/>
+              <a:t>Buildx</a:t>
+            </a:r>
+            <a:endParaRPr lang="en-AT" dirty="0"/>
           </a:p>
         </p:txBody>
       </p:sp>
       <p:sp>
         <p:nvSpPr>
-          <p:cNvPr id="6" name="Inhaltsplatzhalter 5"/>
+          <p:cNvPr id="7" name="Content Placeholder 6">
+            <a:extLst>
+              <a:ext uri="{FF2B5EF4-FFF2-40B4-BE49-F238E27FC236}">
+                <a16:creationId xmlns:a16="http://schemas.microsoft.com/office/drawing/2014/main" id="{F3306381-4F39-B3CC-3A05-5584361E36FE}"/>
+              </a:ext>
+            </a:extLst>
+          </p:cNvPr>
           <p:cNvSpPr>
             <a:spLocks noGrp="1"/>
           </p:cNvSpPr>
           <p:nvPr>
-            <p:ph sz="quarter" idx="22"/>
+            <p:ph sz="quarter" idx="12"/>
           </p:nvPr>
         </p:nvSpPr>
-        <p:spPr>
-          <a:xfrm>
-            <a:off x="467544" y="183178"/>
-            <a:ext cx="5328592" cy="4721065"/>
-          </a:xfrm>
-        </p:spPr>
+        <p:spPr/>
         <p:txBody>
           <a:bodyPr/>
           <a:lstStyle/>
           <a:p>
             <a:r>
               <a:rPr lang="en-US" dirty="0"/>
-              <a:t># Run webpack inside a docker container</a:t>
-            </a:r>
-          </a:p>
-          <a:p>
-            <a:r>
-              <a:rPr lang="en-US" dirty="0"/>
-              <a:t>docker run -t --rm -v C:\...\dockerDemos\01-staticWeb\app:/app -w /app node </a:t>
-            </a:r>
-            <a:r>
-              <a:rPr lang="en-US" dirty="0" err="1"/>
-              <a:t>npm</a:t>
-            </a:r>
-            <a:r>
-              <a:rPr lang="en-US" dirty="0"/>
-              <a:t> run build</a:t>
-            </a:r>
-          </a:p>
-          <a:p>
+              <a:t>CLI plugin, extends the docker </a:t>
+            </a:r>
+            <a:r>
+              <a:rPr lang="en-US" i="1" dirty="0"/>
+              <a:t>build</a:t>
+            </a:r>
+            <a:r>
+              <a:rPr lang="en-US" dirty="0"/>
+              <a:t> command </a:t>
+            </a:r>
+          </a:p>
+          <a:p>
+            <a:pPr lvl="1"/>
+            <a:r>
+              <a:rPr lang="en-US" dirty="0"/>
+              <a:t>Features provided by </a:t>
+            </a:r>
+            <a:r>
+              <a:rPr lang="en-US" dirty="0">
+                <a:hlinkClick r:id="rId2"/>
+              </a:rPr>
+              <a:t>Moby </a:t>
+            </a:r>
+            <a:r>
+              <a:rPr lang="en-US" dirty="0" err="1">
+                <a:hlinkClick r:id="rId2"/>
+              </a:rPr>
+              <a:t>BuildKit</a:t>
+            </a:r>
+            <a:r>
+              <a:rPr lang="en-US" dirty="0"/>
+              <a:t> builder toolkit</a:t>
+            </a:r>
+          </a:p>
+          <a:p>
+            <a:pPr lvl="1"/>
+            <a:r>
+              <a:rPr lang="en-US" dirty="0"/>
+              <a:t>Enable with </a:t>
+            </a:r>
+            <a:r>
+              <a:rPr lang="en-US" dirty="0">
+                <a:latin typeface="Consolas" panose="020B0609020204030204" pitchFamily="49" charset="0"/>
+              </a:rPr>
+              <a:t>export DOCKER_BUILDKIT=1</a:t>
+            </a:r>
+            <a:r>
+              <a:rPr lang="en-US" dirty="0"/>
+              <a:t> or by using </a:t>
+            </a:r>
+            <a:r>
+              <a:rPr lang="en-US" i="1" dirty="0"/>
+              <a:t>docker </a:t>
+            </a:r>
+            <a:r>
+              <a:rPr lang="en-US" i="1" dirty="0" err="1"/>
+              <a:t>buildx</a:t>
+            </a:r>
+            <a:endParaRPr lang="en-US" i="1" dirty="0"/>
+          </a:p>
+          <a:p>
+            <a:pPr lvl="1"/>
+            <a:r>
+              <a:rPr lang="en-US" dirty="0">
+                <a:hlinkClick r:id="rId3"/>
+              </a:rPr>
+              <a:t>Docs</a:t>
+            </a:r>
+            <a:r>
+              <a:rPr lang="en-US" dirty="0"/>
+              <a:t>, </a:t>
+            </a:r>
+            <a:r>
+              <a:rPr lang="en-US" dirty="0">
+                <a:hlinkClick r:id="rId4"/>
+              </a:rPr>
+              <a:t>CLI reference</a:t>
+            </a:r>
             <a:endParaRPr lang="en-US" dirty="0"/>
           </a:p>
           <a:p>
+            <a:r>
+              <a:rPr lang="en-US" dirty="0"/>
+              <a:t>Build for multiple platforms</a:t>
+            </a:r>
+          </a:p>
+          <a:p>
+            <a:pPr lvl="1"/>
+            <a:r>
+              <a:rPr lang="en-US" dirty="0"/>
+              <a:t>Not only for the architecture and OS where build has been invoked</a:t>
+            </a:r>
+          </a:p>
+          <a:p>
+            <a:r>
+              <a:rPr lang="en-US" dirty="0"/>
+              <a:t>Build multiple images concurrently</a:t>
+            </a:r>
+          </a:p>
+          <a:p>
+            <a:pPr lvl="1"/>
+            <a:r>
+              <a:rPr lang="en-US" dirty="0"/>
+              <a:t>Defined in compose files</a:t>
+            </a:r>
+          </a:p>
+          <a:p>
+            <a:pPr lvl="1"/>
+            <a:r>
+              <a:rPr lang="en-US" dirty="0">
+                <a:latin typeface="Consolas" panose="020B0609020204030204" pitchFamily="49" charset="0"/>
+              </a:rPr>
+              <a:t>docker </a:t>
+            </a:r>
+            <a:r>
+              <a:rPr lang="en-US" dirty="0" err="1">
+                <a:latin typeface="Consolas" panose="020B0609020204030204" pitchFamily="49" charset="0"/>
+              </a:rPr>
+              <a:t>buildx</a:t>
+            </a:r>
+            <a:r>
+              <a:rPr lang="en-US" dirty="0">
+                <a:latin typeface="Consolas" panose="020B0609020204030204" pitchFamily="49" charset="0"/>
+              </a:rPr>
+              <a:t> bake</a:t>
+            </a:r>
+          </a:p>
+          <a:p>
+            <a:pPr lvl="1"/>
+            <a:r>
+              <a:rPr lang="en-US" dirty="0">
+                <a:hlinkClick r:id="rId5"/>
+              </a:rPr>
+              <a:t>Docs</a:t>
+            </a:r>
             <a:endParaRPr lang="en-US" dirty="0"/>
           </a:p>
           <a:p>
-            <a:r>
-              <a:rPr lang="en-US" dirty="0"/>
-              <a:t># Run webpack inside a docker container (watch mode)</a:t>
-            </a:r>
-          </a:p>
-          <a:p>
-            <a:r>
-              <a:rPr lang="en-US" dirty="0"/>
-              <a:t>docker run -t --rm -v C:\...\dockerDemos\01-staticWeb\app:/app -w /app node bash -c "</a:t>
-            </a:r>
-            <a:r>
-              <a:rPr lang="en-US" dirty="0" err="1"/>
-              <a:t>npm</a:t>
-            </a:r>
-            <a:r>
-              <a:rPr lang="en-US" dirty="0"/>
-              <a:t> run watch -- --watch-poll 1000"</a:t>
-            </a:r>
-          </a:p>
-          <a:p>
-            <a:endParaRPr lang="en-US" dirty="0"/>
-          </a:p>
-          <a:p>
-            <a:endParaRPr lang="en-US" dirty="0"/>
-          </a:p>
-          <a:p>
-            <a:r>
-              <a:rPr lang="en-US" dirty="0"/>
-              <a:t># Run </a:t>
-            </a:r>
-            <a:r>
-              <a:rPr lang="en-US" dirty="0" err="1"/>
-              <a:t>nginx</a:t>
-            </a:r>
-            <a:r>
-              <a:rPr lang="en-US" dirty="0"/>
-              <a:t> webserver inside container</a:t>
-            </a:r>
-          </a:p>
-          <a:p>
-            <a:r>
-              <a:rPr lang="sv-SE" dirty="0"/>
-              <a:t>docker run --rm -t -p 8081:80 -v C:\...\dockerDemos\01-staticWeb\app\dist:/usr/share/nginx/html/ nginx:alpine</a:t>
-            </a:r>
-          </a:p>
-          <a:p>
-            <a:endParaRPr lang="en-US" dirty="0"/>
-          </a:p>
-          <a:p>
-            <a:endParaRPr lang="en-US" dirty="0"/>
+            <a:pPr lvl="1"/>
+            <a:endParaRPr lang="en-AT" dirty="0"/>
           </a:p>
         </p:txBody>
       </p:sp>
       <p:sp>
         <p:nvSpPr>
-          <p:cNvPr id="2" name="Textplatzhalter 1"/>
+          <p:cNvPr id="8" name="Text Placeholder 7">
+            <a:extLst>
+              <a:ext uri="{FF2B5EF4-FFF2-40B4-BE49-F238E27FC236}">
+                <a16:creationId xmlns:a16="http://schemas.microsoft.com/office/drawing/2014/main" id="{399D8DEE-EBB5-0372-18A7-FC62849CAA2B}"/>
+              </a:ext>
+            </a:extLst>
+          </p:cNvPr>
           <p:cNvSpPr>
             <a:spLocks noGrp="1"/>
           </p:cNvSpPr>
@@ -44001,55 +43983,14 @@
           <a:bodyPr/>
           <a:lstStyle/>
           <a:p>
-            <a:r>
-              <a:rPr lang="en-US" dirty="0"/>
-              <a:t>Automated build</a:t>
-            </a:r>
-          </a:p>
-        </p:txBody>
-      </p:sp>
-      <p:sp>
-        <p:nvSpPr>
-          <p:cNvPr id="10" name="Textplatzhalter 9"/>
-          <p:cNvSpPr>
-            <a:spLocks noGrp="1"/>
-          </p:cNvSpPr>
-          <p:nvPr>
-            <p:ph type="body" sz="quarter" idx="24"/>
-          </p:nvPr>
-        </p:nvSpPr>
-        <p:spPr/>
-        <p:txBody>
-          <a:bodyPr/>
-          <a:lstStyle/>
-          <a:p>
-            <a:endParaRPr lang="en-US"/>
-          </a:p>
-        </p:txBody>
-      </p:sp>
-      <p:sp>
-        <p:nvSpPr>
-          <p:cNvPr id="11" name="Textplatzhalter 10"/>
-          <p:cNvSpPr>
-            <a:spLocks noGrp="1"/>
-          </p:cNvSpPr>
-          <p:nvPr>
-            <p:ph type="body" sz="quarter" idx="25"/>
-          </p:nvPr>
-        </p:nvSpPr>
-        <p:spPr/>
-        <p:txBody>
-          <a:bodyPr/>
-          <a:lstStyle/>
-          <a:p>
-            <a:endParaRPr lang="en-US"/>
+            <a:endParaRPr lang="en-AT"/>
           </a:p>
         </p:txBody>
       </p:sp>
     </p:spTree>
     <p:extLst>
       <p:ext uri="{BB962C8B-B14F-4D97-AF65-F5344CB8AC3E}">
-        <p14:creationId xmlns:p14="http://schemas.microsoft.com/office/powerpoint/2010/main" val="4073918096"/>
+        <p14:creationId xmlns:p14="http://schemas.microsoft.com/office/powerpoint/2010/main" val="114595337"/>
       </p:ext>
     </p:extLst>
   </p:cSld>
@@ -44267,6 +44208,720 @@
 </file>
 
 <file path=ppt/slides/slide50.xml><?xml version="1.0" encoding="utf-8"?>
+<p:sld xmlns:a="http://schemas.openxmlformats.org/drawingml/2006/main" xmlns:r="http://schemas.openxmlformats.org/officeDocument/2006/relationships" xmlns:p="http://schemas.openxmlformats.org/presentationml/2006/main">
+  <p:cSld>
+    <p:spTree>
+      <p:nvGrpSpPr>
+        <p:cNvPr id="1" name=""/>
+        <p:cNvGrpSpPr/>
+        <p:nvPr/>
+      </p:nvGrpSpPr>
+      <p:grpSpPr>
+        <a:xfrm>
+          <a:off x="0" y="0"/>
+          <a:ext cx="0" cy="0"/>
+          <a:chOff x="0" y="0"/>
+          <a:chExt cx="0" cy="0"/>
+        </a:xfrm>
+      </p:grpSpPr>
+      <p:sp>
+        <p:nvSpPr>
+          <p:cNvPr id="6" name="Title 5">
+            <a:extLst>
+              <a:ext uri="{FF2B5EF4-FFF2-40B4-BE49-F238E27FC236}">
+                <a16:creationId xmlns:a16="http://schemas.microsoft.com/office/drawing/2014/main" id="{0B92EF4F-483F-451D-2FA2-415130BBE506}"/>
+              </a:ext>
+            </a:extLst>
+          </p:cNvPr>
+          <p:cNvSpPr>
+            <a:spLocks noGrp="1"/>
+          </p:cNvSpPr>
+          <p:nvPr>
+            <p:ph type="title"/>
+          </p:nvPr>
+        </p:nvSpPr>
+        <p:spPr/>
+        <p:txBody>
+          <a:bodyPr/>
+          <a:lstStyle/>
+          <a:p>
+            <a:r>
+              <a:rPr lang="en-US" dirty="0"/>
+              <a:t>Docker </a:t>
+            </a:r>
+            <a:r>
+              <a:rPr lang="en-US" dirty="0" err="1"/>
+              <a:t>Buildx</a:t>
+            </a:r>
+            <a:endParaRPr lang="en-AT" dirty="0"/>
+          </a:p>
+        </p:txBody>
+      </p:sp>
+      <p:sp>
+        <p:nvSpPr>
+          <p:cNvPr id="7" name="Content Placeholder 6">
+            <a:extLst>
+              <a:ext uri="{FF2B5EF4-FFF2-40B4-BE49-F238E27FC236}">
+                <a16:creationId xmlns:a16="http://schemas.microsoft.com/office/drawing/2014/main" id="{F3306381-4F39-B3CC-3A05-5584361E36FE}"/>
+              </a:ext>
+            </a:extLst>
+          </p:cNvPr>
+          <p:cNvSpPr>
+            <a:spLocks noGrp="1"/>
+          </p:cNvSpPr>
+          <p:nvPr>
+            <p:ph sz="quarter" idx="12"/>
+          </p:nvPr>
+        </p:nvSpPr>
+        <p:spPr/>
+        <p:txBody>
+          <a:bodyPr/>
+          <a:lstStyle/>
+          <a:p>
+            <a:r>
+              <a:rPr lang="en-US" dirty="0" err="1"/>
+              <a:t>BuildKit</a:t>
+            </a:r>
+            <a:r>
+              <a:rPr lang="en-US" dirty="0"/>
+              <a:t> frontends</a:t>
+            </a:r>
+          </a:p>
+          <a:p>
+            <a:pPr lvl="1"/>
+            <a:r>
+              <a:rPr lang="en-US" dirty="0"/>
+              <a:t>Human-readable specification of image build</a:t>
+            </a:r>
+          </a:p>
+          <a:p>
+            <a:pPr lvl="1"/>
+            <a:r>
+              <a:rPr lang="en-US" dirty="0"/>
+              <a:t>Mostly </a:t>
+            </a:r>
+            <a:r>
+              <a:rPr lang="en-US" dirty="0" err="1"/>
+              <a:t>Dockerfiles</a:t>
+            </a:r>
+            <a:r>
+              <a:rPr lang="en-US" dirty="0"/>
+              <a:t>, but other frontends available, too</a:t>
+            </a:r>
+          </a:p>
+          <a:p>
+            <a:pPr lvl="1"/>
+            <a:r>
+              <a:rPr lang="en-US" dirty="0"/>
+              <a:t>Frontends are read from container images (</a:t>
+            </a:r>
+            <a:r>
+              <a:rPr lang="en-US" dirty="0">
+                <a:hlinkClick r:id="rId2"/>
+              </a:rPr>
+              <a:t>repository</a:t>
+            </a:r>
+            <a:r>
+              <a:rPr lang="en-US" dirty="0"/>
+              <a:t>)</a:t>
+            </a:r>
+          </a:p>
+          <a:p>
+            <a:r>
+              <a:rPr lang="en-US" dirty="0"/>
+              <a:t>Specify Dockerfile version to use external frontend</a:t>
+            </a:r>
+          </a:p>
+          <a:p>
+            <a:pPr lvl="1"/>
+            <a:r>
+              <a:rPr lang="en-US" dirty="0"/>
+              <a:t>First line of your Dockerfile needs to be </a:t>
+            </a:r>
+            <a:r>
+              <a:rPr lang="en-US" dirty="0">
+                <a:latin typeface="Consolas" panose="020B0609020204030204" pitchFamily="49" charset="0"/>
+              </a:rPr>
+              <a:t>#syntax=docker/dockerfile:…</a:t>
+            </a:r>
+          </a:p>
+          <a:p>
+            <a:pPr lvl="1"/>
+            <a:r>
+              <a:rPr lang="en-US" dirty="0"/>
+              <a:t>Lates version at time of writing: 1.4.1</a:t>
+            </a:r>
+            <a:endParaRPr lang="en-AT" dirty="0"/>
+          </a:p>
+        </p:txBody>
+      </p:sp>
+      <p:sp>
+        <p:nvSpPr>
+          <p:cNvPr id="8" name="Text Placeholder 7">
+            <a:extLst>
+              <a:ext uri="{FF2B5EF4-FFF2-40B4-BE49-F238E27FC236}">
+                <a16:creationId xmlns:a16="http://schemas.microsoft.com/office/drawing/2014/main" id="{399D8DEE-EBB5-0372-18A7-FC62849CAA2B}"/>
+              </a:ext>
+            </a:extLst>
+          </p:cNvPr>
+          <p:cNvSpPr>
+            <a:spLocks noGrp="1"/>
+          </p:cNvSpPr>
+          <p:nvPr>
+            <p:ph type="body" sz="quarter" idx="23"/>
+          </p:nvPr>
+        </p:nvSpPr>
+        <p:spPr/>
+        <p:txBody>
+          <a:bodyPr/>
+          <a:lstStyle/>
+          <a:p>
+            <a:endParaRPr lang="en-AT"/>
+          </a:p>
+        </p:txBody>
+      </p:sp>
+    </p:spTree>
+    <p:extLst>
+      <p:ext uri="{BB962C8B-B14F-4D97-AF65-F5344CB8AC3E}">
+        <p14:creationId xmlns:p14="http://schemas.microsoft.com/office/powerpoint/2010/main" val="3320405823"/>
+      </p:ext>
+    </p:extLst>
+  </p:cSld>
+  <p:clrMapOvr>
+    <a:masterClrMapping/>
+  </p:clrMapOvr>
+  <p:transition spd="slow">
+    <p:push/>
+  </p:transition>
+</p:sld>
+</file>
+
+<file path=ppt/slides/slide51.xml><?xml version="1.0" encoding="utf-8"?>
+<p:sld xmlns:a="http://schemas.openxmlformats.org/drawingml/2006/main" xmlns:r="http://schemas.openxmlformats.org/officeDocument/2006/relationships" xmlns:p="http://schemas.openxmlformats.org/presentationml/2006/main" show="0">
+  <p:cSld>
+    <p:spTree>
+      <p:nvGrpSpPr>
+        <p:cNvPr id="1" name=""/>
+        <p:cNvGrpSpPr/>
+        <p:nvPr/>
+      </p:nvGrpSpPr>
+      <p:grpSpPr>
+        <a:xfrm>
+          <a:off x="0" y="0"/>
+          <a:ext cx="0" cy="0"/>
+          <a:chOff x="0" y="0"/>
+          <a:chExt cx="0" cy="0"/>
+        </a:xfrm>
+      </p:grpSpPr>
+      <p:sp>
+        <p:nvSpPr>
+          <p:cNvPr id="5" name="Titel 4"/>
+          <p:cNvSpPr>
+            <a:spLocks noGrp="1"/>
+          </p:cNvSpPr>
+          <p:nvPr>
+            <p:ph type="title"/>
+          </p:nvPr>
+        </p:nvSpPr>
+        <p:spPr/>
+        <p:txBody>
+          <a:bodyPr/>
+          <a:lstStyle/>
+          <a:p>
+            <a:r>
+              <a:rPr lang="en-US" dirty="0"/>
+              <a:t>Demo</a:t>
+            </a:r>
+          </a:p>
+        </p:txBody>
+      </p:sp>
+      <p:sp>
+        <p:nvSpPr>
+          <p:cNvPr id="6" name="Inhaltsplatzhalter 5"/>
+          <p:cNvSpPr>
+            <a:spLocks noGrp="1"/>
+          </p:cNvSpPr>
+          <p:nvPr>
+            <p:ph sz="quarter" idx="22"/>
+          </p:nvPr>
+        </p:nvSpPr>
+        <p:spPr/>
+        <p:txBody>
+          <a:bodyPr/>
+          <a:lstStyle/>
+          <a:p>
+            <a:r>
+              <a:rPr lang="en-US" dirty="0"/>
+              <a:t># Get sample code from GitHub</a:t>
+            </a:r>
+          </a:p>
+          <a:p>
+            <a:r>
+              <a:rPr lang="en-US" dirty="0" err="1"/>
+              <a:t>git</a:t>
+            </a:r>
+            <a:r>
+              <a:rPr lang="en-US" dirty="0"/>
+              <a:t> clone https://github.com/rstropek/DockerVS2015Intro.git</a:t>
+            </a:r>
+          </a:p>
+          <a:p>
+            <a:endParaRPr lang="en-US" dirty="0"/>
+          </a:p>
+          <a:p>
+            <a:r>
+              <a:rPr lang="en-US" dirty="0"/>
+              <a:t># Build website</a:t>
+            </a:r>
+          </a:p>
+          <a:p>
+            <a:r>
+              <a:rPr lang="en-US" dirty="0"/>
+              <a:t>cd </a:t>
+            </a:r>
+            <a:r>
+              <a:rPr lang="en-US" dirty="0" err="1"/>
+              <a:t>dockerDemos</a:t>
+            </a:r>
+            <a:r>
+              <a:rPr lang="en-US" dirty="0"/>
+              <a:t>/01-staticWeb/app</a:t>
+            </a:r>
+          </a:p>
+          <a:p>
+            <a:r>
+              <a:rPr lang="en-US" dirty="0" err="1"/>
+              <a:t>npm</a:t>
+            </a:r>
+            <a:r>
+              <a:rPr lang="en-US" dirty="0"/>
+              <a:t> install</a:t>
+            </a:r>
+          </a:p>
+          <a:p>
+            <a:r>
+              <a:rPr lang="en-US" dirty="0" err="1"/>
+              <a:t>npm</a:t>
+            </a:r>
+            <a:r>
+              <a:rPr lang="en-US" dirty="0"/>
+              <a:t> run build</a:t>
+            </a:r>
+          </a:p>
+          <a:p>
+            <a:r>
+              <a:rPr lang="en-US" dirty="0"/>
+              <a:t>cd ..</a:t>
+            </a:r>
+          </a:p>
+          <a:p>
+            <a:endParaRPr lang="en-US" dirty="0"/>
+          </a:p>
+          <a:p>
+            <a:r>
+              <a:rPr lang="en-US" dirty="0"/>
+              <a:t># Build image from Dockerfile</a:t>
+            </a:r>
+          </a:p>
+          <a:p>
+            <a:r>
+              <a:rPr lang="en-US" dirty="0" err="1"/>
+              <a:t>docker</a:t>
+            </a:r>
+            <a:r>
+              <a:rPr lang="en-US" dirty="0"/>
+              <a:t> build -t </a:t>
+            </a:r>
+            <a:r>
+              <a:rPr lang="en-US" dirty="0" err="1"/>
+              <a:t>staticweb</a:t>
+            </a:r>
+            <a:r>
+              <a:rPr lang="en-US" dirty="0"/>
+              <a:t> .</a:t>
+            </a:r>
+          </a:p>
+          <a:p>
+            <a:r>
+              <a:rPr lang="en-US" dirty="0" err="1"/>
+              <a:t>docker</a:t>
+            </a:r>
+            <a:r>
+              <a:rPr lang="en-US" dirty="0"/>
+              <a:t> run -d -p 80:80 </a:t>
+            </a:r>
+            <a:r>
+              <a:rPr lang="en-US" dirty="0" err="1"/>
+              <a:t>staticweb</a:t>
+            </a:r>
+            <a:endParaRPr lang="en-US" dirty="0"/>
+          </a:p>
+          <a:p>
+            <a:endParaRPr lang="en-US" dirty="0"/>
+          </a:p>
+          <a:p>
+            <a:r>
+              <a:rPr lang="en-US" dirty="0"/>
+              <a:t># Change website content and rebuild container</a:t>
+            </a:r>
+          </a:p>
+          <a:p>
+            <a:endParaRPr lang="en-US" dirty="0"/>
+          </a:p>
+          <a:p>
+            <a:r>
+              <a:rPr lang="en-US" dirty="0"/>
+              <a:t># Run a second container, run a third container (linked)</a:t>
+            </a:r>
+          </a:p>
+          <a:p>
+            <a:r>
+              <a:rPr lang="en-US" dirty="0" err="1"/>
+              <a:t>docker</a:t>
+            </a:r>
+            <a:r>
+              <a:rPr lang="en-US" dirty="0"/>
+              <a:t> run -</a:t>
+            </a:r>
+            <a:r>
+              <a:rPr lang="en-US" dirty="0" err="1"/>
+              <a:t>i</a:t>
+            </a:r>
+            <a:r>
+              <a:rPr lang="en-US" dirty="0"/>
+              <a:t> -t --link &lt;cont1&gt;:sweb1 --link &lt;cont2&gt;:sweb2 </a:t>
+            </a:r>
+            <a:r>
+              <a:rPr lang="en-US" dirty="0" err="1"/>
+              <a:t>ubuntu</a:t>
+            </a:r>
+            <a:r>
+              <a:rPr lang="en-US" dirty="0"/>
+              <a:t> /bin/bash</a:t>
+            </a:r>
+          </a:p>
+          <a:p>
+            <a:r>
+              <a:rPr lang="en-US" dirty="0"/>
+              <a:t>	apt-get install curl</a:t>
+            </a:r>
+          </a:p>
+          <a:p>
+            <a:r>
+              <a:rPr lang="en-US" dirty="0"/>
+              <a:t>	curl http://sweb1</a:t>
+            </a:r>
+          </a:p>
+          <a:p>
+            <a:endParaRPr lang="en-US" dirty="0"/>
+          </a:p>
+        </p:txBody>
+      </p:sp>
+      <p:sp>
+        <p:nvSpPr>
+          <p:cNvPr id="2" name="Textplatzhalter 1"/>
+          <p:cNvSpPr>
+            <a:spLocks noGrp="1"/>
+          </p:cNvSpPr>
+          <p:nvPr>
+            <p:ph type="body" sz="quarter" idx="23"/>
+          </p:nvPr>
+        </p:nvSpPr>
+        <p:spPr/>
+        <p:txBody>
+          <a:bodyPr/>
+          <a:lstStyle/>
+          <a:p>
+            <a:r>
+              <a:rPr lang="en-US" dirty="0"/>
+              <a:t>Dockerfile</a:t>
+            </a:r>
+          </a:p>
+        </p:txBody>
+      </p:sp>
+      <p:sp>
+        <p:nvSpPr>
+          <p:cNvPr id="3" name="Textplatzhalter 2"/>
+          <p:cNvSpPr>
+            <a:spLocks noGrp="1"/>
+          </p:cNvSpPr>
+          <p:nvPr>
+            <p:ph type="body" sz="quarter" idx="24"/>
+          </p:nvPr>
+        </p:nvSpPr>
+        <p:spPr/>
+        <p:txBody>
+          <a:bodyPr/>
+          <a:lstStyle/>
+          <a:p>
+            <a:endParaRPr lang="en-US" dirty="0"/>
+          </a:p>
+        </p:txBody>
+      </p:sp>
+      <p:sp>
+        <p:nvSpPr>
+          <p:cNvPr id="4" name="Textplatzhalter 3"/>
+          <p:cNvSpPr>
+            <a:spLocks noGrp="1"/>
+          </p:cNvSpPr>
+          <p:nvPr>
+            <p:ph type="body" sz="quarter" idx="25"/>
+          </p:nvPr>
+        </p:nvSpPr>
+        <p:spPr/>
+        <p:txBody>
+          <a:bodyPr/>
+          <a:lstStyle/>
+          <a:p>
+            <a:r>
+              <a:rPr lang="en-US" dirty="0"/>
+              <a:t>Sample files see </a:t>
+            </a:r>
+            <a:r>
+              <a:rPr lang="en-US" dirty="0">
+                <a:hlinkClick r:id="rId2"/>
+              </a:rPr>
+              <a:t>https://github.com/rstropek/DockerVS2015Intro/tree/master/dockerDemos/01-staticWeb</a:t>
+            </a:r>
+            <a:r>
+              <a:rPr lang="en-US" dirty="0"/>
+              <a:t> </a:t>
+            </a:r>
+          </a:p>
+        </p:txBody>
+      </p:sp>
+    </p:spTree>
+    <p:extLst>
+      <p:ext uri="{BB962C8B-B14F-4D97-AF65-F5344CB8AC3E}">
+        <p14:creationId xmlns:p14="http://schemas.microsoft.com/office/powerpoint/2010/main" val="1157928134"/>
+      </p:ext>
+    </p:extLst>
+  </p:cSld>
+  <p:clrMapOvr>
+    <a:masterClrMapping/>
+  </p:clrMapOvr>
+  <p:transition spd="slow">
+    <p:push/>
+  </p:transition>
+</p:sld>
+</file>
+
+<file path=ppt/slides/slide52.xml><?xml version="1.0" encoding="utf-8"?>
+<p:sld xmlns:a="http://schemas.openxmlformats.org/drawingml/2006/main" xmlns:r="http://schemas.openxmlformats.org/officeDocument/2006/relationships" xmlns:p="http://schemas.openxmlformats.org/presentationml/2006/main" show="0">
+  <p:cSld>
+    <p:spTree>
+      <p:nvGrpSpPr>
+        <p:cNvPr id="1" name=""/>
+        <p:cNvGrpSpPr/>
+        <p:nvPr/>
+      </p:nvGrpSpPr>
+      <p:grpSpPr>
+        <a:xfrm>
+          <a:off x="0" y="0"/>
+          <a:ext cx="0" cy="0"/>
+          <a:chOff x="0" y="0"/>
+          <a:chExt cx="0" cy="0"/>
+        </a:xfrm>
+      </p:grpSpPr>
+      <p:sp>
+        <p:nvSpPr>
+          <p:cNvPr id="5" name="Titel 4"/>
+          <p:cNvSpPr>
+            <a:spLocks noGrp="1"/>
+          </p:cNvSpPr>
+          <p:nvPr>
+            <p:ph type="title"/>
+          </p:nvPr>
+        </p:nvSpPr>
+        <p:spPr/>
+        <p:txBody>
+          <a:bodyPr/>
+          <a:lstStyle/>
+          <a:p>
+            <a:r>
+              <a:rPr lang="en-US"/>
+              <a:t>Demo</a:t>
+            </a:r>
+            <a:endParaRPr lang="en-US" dirty="0"/>
+          </a:p>
+        </p:txBody>
+      </p:sp>
+      <p:sp>
+        <p:nvSpPr>
+          <p:cNvPr id="6" name="Inhaltsplatzhalter 5"/>
+          <p:cNvSpPr>
+            <a:spLocks noGrp="1"/>
+          </p:cNvSpPr>
+          <p:nvPr>
+            <p:ph sz="quarter" idx="22"/>
+          </p:nvPr>
+        </p:nvSpPr>
+        <p:spPr>
+          <a:xfrm>
+            <a:off x="467544" y="183178"/>
+            <a:ext cx="5328592" cy="4721065"/>
+          </a:xfrm>
+        </p:spPr>
+        <p:txBody>
+          <a:bodyPr/>
+          <a:lstStyle/>
+          <a:p>
+            <a:r>
+              <a:rPr lang="en-US" dirty="0"/>
+              <a:t># Run webpack inside a docker container</a:t>
+            </a:r>
+          </a:p>
+          <a:p>
+            <a:r>
+              <a:rPr lang="en-US" dirty="0"/>
+              <a:t>docker run -t --rm -v C:\...\dockerDemos\01-staticWeb\app:/app -w /app node </a:t>
+            </a:r>
+            <a:r>
+              <a:rPr lang="en-US" dirty="0" err="1"/>
+              <a:t>npm</a:t>
+            </a:r>
+            <a:r>
+              <a:rPr lang="en-US" dirty="0"/>
+              <a:t> run build</a:t>
+            </a:r>
+          </a:p>
+          <a:p>
+            <a:endParaRPr lang="en-US" dirty="0"/>
+          </a:p>
+          <a:p>
+            <a:endParaRPr lang="en-US" dirty="0"/>
+          </a:p>
+          <a:p>
+            <a:r>
+              <a:rPr lang="en-US" dirty="0"/>
+              <a:t># Run webpack inside a docker container (watch mode)</a:t>
+            </a:r>
+          </a:p>
+          <a:p>
+            <a:r>
+              <a:rPr lang="en-US" dirty="0"/>
+              <a:t>docker run -t --rm -v C:\...\dockerDemos\01-staticWeb\app:/app -w /app node bash -c "</a:t>
+            </a:r>
+            <a:r>
+              <a:rPr lang="en-US" dirty="0" err="1"/>
+              <a:t>npm</a:t>
+            </a:r>
+            <a:r>
+              <a:rPr lang="en-US" dirty="0"/>
+              <a:t> run watch -- --watch-poll 1000"</a:t>
+            </a:r>
+          </a:p>
+          <a:p>
+            <a:endParaRPr lang="en-US" dirty="0"/>
+          </a:p>
+          <a:p>
+            <a:endParaRPr lang="en-US" dirty="0"/>
+          </a:p>
+          <a:p>
+            <a:r>
+              <a:rPr lang="en-US" dirty="0"/>
+              <a:t># Run </a:t>
+            </a:r>
+            <a:r>
+              <a:rPr lang="en-US" dirty="0" err="1"/>
+              <a:t>nginx</a:t>
+            </a:r>
+            <a:r>
+              <a:rPr lang="en-US" dirty="0"/>
+              <a:t> webserver inside container</a:t>
+            </a:r>
+          </a:p>
+          <a:p>
+            <a:r>
+              <a:rPr lang="sv-SE" dirty="0"/>
+              <a:t>docker run --rm -t -p 8081:80 -v C:\...\dockerDemos\01-staticWeb\app\dist:/usr/share/nginx/html/ nginx:alpine</a:t>
+            </a:r>
+          </a:p>
+          <a:p>
+            <a:endParaRPr lang="en-US" dirty="0"/>
+          </a:p>
+          <a:p>
+            <a:endParaRPr lang="en-US" dirty="0"/>
+          </a:p>
+        </p:txBody>
+      </p:sp>
+      <p:sp>
+        <p:nvSpPr>
+          <p:cNvPr id="2" name="Textplatzhalter 1"/>
+          <p:cNvSpPr>
+            <a:spLocks noGrp="1"/>
+          </p:cNvSpPr>
+          <p:nvPr>
+            <p:ph type="body" sz="quarter" idx="23"/>
+          </p:nvPr>
+        </p:nvSpPr>
+        <p:spPr/>
+        <p:txBody>
+          <a:bodyPr/>
+          <a:lstStyle/>
+          <a:p>
+            <a:r>
+              <a:rPr lang="en-US" dirty="0"/>
+              <a:t>Automated build</a:t>
+            </a:r>
+          </a:p>
+        </p:txBody>
+      </p:sp>
+      <p:sp>
+        <p:nvSpPr>
+          <p:cNvPr id="10" name="Textplatzhalter 9"/>
+          <p:cNvSpPr>
+            <a:spLocks noGrp="1"/>
+          </p:cNvSpPr>
+          <p:nvPr>
+            <p:ph type="body" sz="quarter" idx="24"/>
+          </p:nvPr>
+        </p:nvSpPr>
+        <p:spPr/>
+        <p:txBody>
+          <a:bodyPr/>
+          <a:lstStyle/>
+          <a:p>
+            <a:endParaRPr lang="en-US"/>
+          </a:p>
+        </p:txBody>
+      </p:sp>
+      <p:sp>
+        <p:nvSpPr>
+          <p:cNvPr id="11" name="Textplatzhalter 10"/>
+          <p:cNvSpPr>
+            <a:spLocks noGrp="1"/>
+          </p:cNvSpPr>
+          <p:nvPr>
+            <p:ph type="body" sz="quarter" idx="25"/>
+          </p:nvPr>
+        </p:nvSpPr>
+        <p:spPr/>
+        <p:txBody>
+          <a:bodyPr/>
+          <a:lstStyle/>
+          <a:p>
+            <a:endParaRPr lang="en-US"/>
+          </a:p>
+        </p:txBody>
+      </p:sp>
+    </p:spTree>
+    <p:extLst>
+      <p:ext uri="{BB962C8B-B14F-4D97-AF65-F5344CB8AC3E}">
+        <p14:creationId xmlns:p14="http://schemas.microsoft.com/office/powerpoint/2010/main" val="4073918096"/>
+      </p:ext>
+    </p:extLst>
+  </p:cSld>
+  <p:clrMapOvr>
+    <a:masterClrMapping/>
+  </p:clrMapOvr>
+  <p:transition spd="slow">
+    <p:push/>
+  </p:transition>
+</p:sld>
+</file>
+
+<file path=ppt/slides/slide53.xml><?xml version="1.0" encoding="utf-8"?>
 <p:sld xmlns:a="http://schemas.openxmlformats.org/drawingml/2006/main" xmlns:r="http://schemas.openxmlformats.org/officeDocument/2006/relationships" xmlns:p="http://schemas.openxmlformats.org/presentationml/2006/main">
   <p:cSld>
     <p:spTree>
@@ -45098,7 +45753,7 @@
 </p:sld>
 </file>
 
-<file path=ppt/slides/slide51.xml><?xml version="1.0" encoding="utf-8"?>
+<file path=ppt/slides/slide54.xml><?xml version="1.0" encoding="utf-8"?>
 <p:sld xmlns:a="http://schemas.openxmlformats.org/drawingml/2006/main" xmlns:r="http://schemas.openxmlformats.org/officeDocument/2006/relationships" xmlns:p="http://schemas.openxmlformats.org/presentationml/2006/main">
   <p:cSld>
     <p:spTree>
@@ -45184,7 +45839,7 @@
 </p:sld>
 </file>
 
-<file path=ppt/slides/slide52.xml><?xml version="1.0" encoding="utf-8"?>
+<file path=ppt/slides/slide55.xml><?xml version="1.0" encoding="utf-8"?>
 <p:sld xmlns:a="http://schemas.openxmlformats.org/drawingml/2006/main" xmlns:r="http://schemas.openxmlformats.org/officeDocument/2006/relationships" xmlns:p="http://schemas.openxmlformats.org/presentationml/2006/main">
   <p:cSld>
     <p:spTree>
@@ -45269,6 +45924,28 @@
               <a:rPr lang="en-US" dirty="0"/>
               <a:t>Part of Docker Desktop (since end 2021)</a:t>
             </a:r>
+          </a:p>
+          <a:p>
+            <a:r>
+              <a:rPr lang="en-US" i="1" dirty="0"/>
+              <a:t>awesome-compose</a:t>
+            </a:r>
+            <a:r>
+              <a:rPr lang="en-US" dirty="0"/>
+              <a:t> is a great way to get started</a:t>
+            </a:r>
+          </a:p>
+          <a:p>
+            <a:pPr lvl="1"/>
+            <a:r>
+              <a:rPr lang="en-US" dirty="0">
+                <a:hlinkClick r:id="rId2"/>
+              </a:rPr>
+              <a:t>https://github.com/docker/awesome-compose</a:t>
+            </a:r>
+            <a:endParaRPr lang="en-US" dirty="0"/>
+          </a:p>
+          <a:p>
             <a:endParaRPr lang="en-AT" dirty="0"/>
           </a:p>
         </p:txBody>
@@ -45307,7 +45984,7 @@
                 <a:solidFill>
                   <a:schemeClr val="accent1"/>
                 </a:solidFill>
-                <a:hlinkClick r:id="rId2">
+                <a:hlinkClick r:id="rId3">
                   <a:extLst>
                     <a:ext uri="{A12FA001-AC4F-418D-AE19-62706E023703}">
                       <ahyp:hlinkClr xmlns:ahyp="http://schemas.microsoft.com/office/drawing/2018/hyperlinkcolor" val="tx"/>
@@ -45349,7 +46026,7 @@
 </p:sld>
 </file>
 
-<file path=ppt/slides/slide53.xml><?xml version="1.0" encoding="utf-8"?>
+<file path=ppt/slides/slide56.xml><?xml version="1.0" encoding="utf-8"?>
 <p:sld xmlns:a="http://schemas.openxmlformats.org/drawingml/2006/main" xmlns:r="http://schemas.openxmlformats.org/officeDocument/2006/relationships" xmlns:p="http://schemas.openxmlformats.org/presentationml/2006/main">
   <p:cSld>
     <p:spTree>
@@ -46010,7 +46687,7 @@
 </p:sld>
 </file>
 
-<file path=ppt/slides/slide54.xml><?xml version="1.0" encoding="utf-8"?>
+<file path=ppt/slides/slide57.xml><?xml version="1.0" encoding="utf-8"?>
 <p:sld xmlns:a="http://schemas.openxmlformats.org/drawingml/2006/main" xmlns:r="http://schemas.openxmlformats.org/officeDocument/2006/relationships" xmlns:p="http://schemas.openxmlformats.org/presentationml/2006/main" show="0">
   <p:cSld>
     <p:spTree>
@@ -46247,7 +46924,7 @@
 </p:sld>
 </file>
 
-<file path=ppt/slides/slide55.xml><?xml version="1.0" encoding="utf-8"?>
+<file path=ppt/slides/slide58.xml><?xml version="1.0" encoding="utf-8"?>
 <p:sld xmlns:a="http://schemas.openxmlformats.org/drawingml/2006/main" xmlns:r="http://schemas.openxmlformats.org/officeDocument/2006/relationships" xmlns:p="http://schemas.openxmlformats.org/presentationml/2006/main">
   <p:cSld>
     <p:spTree>
@@ -46341,7 +47018,7 @@
 </p:sld>
 </file>
 
-<file path=ppt/slides/slide56.xml><?xml version="1.0" encoding="utf-8"?>
+<file path=ppt/slides/slide59.xml><?xml version="1.0" encoding="utf-8"?>
 <p:sld xmlns:a="http://schemas.openxmlformats.org/drawingml/2006/main" xmlns:r="http://schemas.openxmlformats.org/officeDocument/2006/relationships" xmlns:p="http://schemas.openxmlformats.org/presentationml/2006/main">
   <p:cSld>
     <p:spTree>
@@ -46485,266 +47162,6 @@
   <p:transition spd="slow">
     <p:push/>
   </p:transition>
-</p:sld>
-</file>
-
-<file path=ppt/slides/slide57.xml><?xml version="1.0" encoding="utf-8"?>
-<p:sld xmlns:a="http://schemas.openxmlformats.org/drawingml/2006/main" xmlns:r="http://schemas.openxmlformats.org/officeDocument/2006/relationships" xmlns:p="http://schemas.openxmlformats.org/presentationml/2006/main">
-  <p:cSld>
-    <p:spTree>
-      <p:nvGrpSpPr>
-        <p:cNvPr id="1" name=""/>
-        <p:cNvGrpSpPr/>
-        <p:nvPr/>
-      </p:nvGrpSpPr>
-      <p:grpSpPr>
-        <a:xfrm>
-          <a:off x="0" y="0"/>
-          <a:ext cx="0" cy="0"/>
-          <a:chOff x="0" y="0"/>
-          <a:chExt cx="0" cy="0"/>
-        </a:xfrm>
-      </p:grpSpPr>
-      <p:sp>
-        <p:nvSpPr>
-          <p:cNvPr id="18" name="Text Placeholder 17"/>
-          <p:cNvSpPr>
-            <a:spLocks noGrp="1"/>
-          </p:cNvSpPr>
-          <p:nvPr>
-            <p:ph type="body" sz="quarter" idx="24"/>
-          </p:nvPr>
-        </p:nvSpPr>
-        <p:spPr/>
-        <p:txBody>
-          <a:bodyPr/>
-          <a:lstStyle/>
-          <a:p>
-            <a:r>
-              <a:rPr lang="en-US" dirty="0"/>
-              <a:t>Workshop</a:t>
-            </a:r>
-          </a:p>
-        </p:txBody>
-      </p:sp>
-      <p:pic>
-        <p:nvPicPr>
-          <p:cNvPr id="21" name="Content Placeholder 23"/>
-          <p:cNvPicPr>
-            <a:picLocks noGrp="1" noChangeAspect="1"/>
-          </p:cNvPicPr>
-          <p:nvPr>
-            <p:ph sz="quarter" idx="20"/>
-          </p:nvPr>
-        </p:nvPicPr>
-        <p:blipFill>
-          <a:blip r:embed="rId2" cstate="email">
-            <a:extLst>
-              <a:ext uri="{28A0092B-C50C-407E-A947-70E740481C1C}">
-                <a14:useLocalDpi xmlns:a14="http://schemas.microsoft.com/office/drawing/2010/main" val="0"/>
-              </a:ext>
-            </a:extLst>
-          </a:blip>
-          <a:stretch>
-            <a:fillRect/>
-          </a:stretch>
-        </p:blipFill>
-        <p:spPr/>
-      </p:pic>
-      <p:sp>
-        <p:nvSpPr>
-          <p:cNvPr id="13" name="Title 12"/>
-          <p:cNvSpPr>
-            <a:spLocks noGrp="1"/>
-          </p:cNvSpPr>
-          <p:nvPr>
-            <p:ph type="title"/>
-          </p:nvPr>
-        </p:nvSpPr>
-        <p:spPr/>
-        <p:txBody>
-          <a:bodyPr/>
-          <a:lstStyle/>
-          <a:p>
-            <a:r>
-              <a:rPr lang="en-US" dirty="0"/>
-              <a:t>Q&amp;A</a:t>
-            </a:r>
-          </a:p>
-        </p:txBody>
-      </p:sp>
-      <p:sp>
-        <p:nvSpPr>
-          <p:cNvPr id="14" name="Text Placeholder 13"/>
-          <p:cNvSpPr>
-            <a:spLocks noGrp="1"/>
-          </p:cNvSpPr>
-          <p:nvPr>
-            <p:ph type="body" sz="quarter" idx="12"/>
-          </p:nvPr>
-        </p:nvSpPr>
-        <p:spPr/>
-        <p:txBody>
-          <a:bodyPr/>
-          <a:lstStyle/>
-          <a:p>
-            <a:r>
-              <a:rPr lang="en-US" dirty="0"/>
-              <a:t>Rainer Stropek</a:t>
-            </a:r>
-          </a:p>
-        </p:txBody>
-      </p:sp>
-      <p:sp>
-        <p:nvSpPr>
-          <p:cNvPr id="31" name="Text Placeholder 30"/>
-          <p:cNvSpPr>
-            <a:spLocks noGrp="1"/>
-          </p:cNvSpPr>
-          <p:nvPr>
-            <p:ph type="body" sz="quarter" idx="13"/>
-          </p:nvPr>
-        </p:nvSpPr>
-        <p:spPr/>
-        <p:txBody>
-          <a:bodyPr/>
-          <a:lstStyle/>
-          <a:p>
-            <a:r>
-              <a:rPr lang="en-US" dirty="0"/>
-              <a:t>software architects </a:t>
-            </a:r>
-            <a:r>
-              <a:rPr lang="en-US" dirty="0" err="1"/>
-              <a:t>gmbh</a:t>
-            </a:r>
-            <a:endParaRPr lang="en-US" dirty="0"/>
-          </a:p>
-        </p:txBody>
-      </p:sp>
-      <p:sp>
-        <p:nvSpPr>
-          <p:cNvPr id="16" name="Text Placeholder 15"/>
-          <p:cNvSpPr>
-            <a:spLocks noGrp="1"/>
-          </p:cNvSpPr>
-          <p:nvPr>
-            <p:ph type="body" sz="quarter" idx="15"/>
-          </p:nvPr>
-        </p:nvSpPr>
-        <p:spPr/>
-        <p:txBody>
-          <a:bodyPr/>
-          <a:lstStyle/>
-          <a:p>
-            <a:r>
-              <a:rPr lang="en-US" dirty="0">
-                <a:hlinkClick r:id="rId3"/>
-              </a:rPr>
-              <a:t>http://www.timecockpit.com</a:t>
-            </a:r>
-            <a:endParaRPr lang="en-US" dirty="0"/>
-          </a:p>
-          <a:p>
-            <a:r>
-              <a:rPr lang="en-US" dirty="0">
-                <a:hlinkClick r:id="rId4"/>
-              </a:rPr>
-              <a:t>rainer@timecockpit.com</a:t>
-            </a:r>
-            <a:endParaRPr lang="en-US" dirty="0"/>
-          </a:p>
-          <a:p>
-            <a:r>
-              <a:rPr lang="en-US" dirty="0"/>
-              <a:t>@</a:t>
-            </a:r>
-            <a:r>
-              <a:rPr lang="en-US" dirty="0" err="1"/>
-              <a:t>rstropek</a:t>
-            </a:r>
-            <a:endParaRPr lang="en-US" dirty="0"/>
-          </a:p>
-        </p:txBody>
-      </p:sp>
-      <p:sp>
-        <p:nvSpPr>
-          <p:cNvPr id="19" name="Text Placeholder 18"/>
-          <p:cNvSpPr>
-            <a:spLocks noGrp="1"/>
-          </p:cNvSpPr>
-          <p:nvPr>
-            <p:ph type="body" sz="quarter" idx="25"/>
-          </p:nvPr>
-        </p:nvSpPr>
-        <p:spPr/>
-        <p:txBody>
-          <a:bodyPr/>
-          <a:lstStyle/>
-          <a:p>
-            <a:r>
-              <a:rPr lang="en-US" dirty="0"/>
-              <a:t>Thank you for attending!</a:t>
-            </a:r>
-          </a:p>
-        </p:txBody>
-      </p:sp>
-      <p:sp>
-        <p:nvSpPr>
-          <p:cNvPr id="20" name="Text Placeholder 19"/>
-          <p:cNvSpPr>
-            <a:spLocks noGrp="1"/>
-          </p:cNvSpPr>
-          <p:nvPr>
-            <p:ph type="body" sz="quarter" idx="26"/>
-          </p:nvPr>
-        </p:nvSpPr>
-        <p:spPr/>
-        <p:txBody>
-          <a:bodyPr/>
-          <a:lstStyle/>
-          <a:p>
-            <a:r>
-              <a:rPr lang="en-US" dirty="0"/>
-              <a:t>Web</a:t>
-            </a:r>
-          </a:p>
-          <a:p>
-            <a:r>
-              <a:rPr lang="en-US" dirty="0"/>
-              <a:t>Mail</a:t>
-            </a:r>
-          </a:p>
-          <a:p>
-            <a:r>
-              <a:rPr lang="en-US" dirty="0"/>
-              <a:t>Twitter</a:t>
-            </a:r>
-          </a:p>
-        </p:txBody>
-      </p:sp>
-    </p:spTree>
-    <p:extLst>
-      <p:ext uri="{BB962C8B-B14F-4D97-AF65-F5344CB8AC3E}">
-        <p14:creationId xmlns:p14="http://schemas.microsoft.com/office/powerpoint/2010/main" val="4103361406"/>
-      </p:ext>
-    </p:extLst>
-  </p:cSld>
-  <p:clrMapOvr>
-    <a:masterClrMapping/>
-  </p:clrMapOvr>
-  <mc:AlternateContent xmlns:mc="http://schemas.openxmlformats.org/markup-compatibility/2006" xmlns:p14="http://schemas.microsoft.com/office/powerpoint/2010/main">
-    <mc:Choice Requires="p14">
-      <p:transition spd="med" p14:dur="700">
-        <p:fade/>
-      </p:transition>
-    </mc:Choice>
-    <mc:Fallback xmlns="">
-      <p:transition spd="med">
-        <p:fade/>
-      </p:transition>
-    </mc:Fallback>
-  </mc:AlternateContent>
 </p:sld>
 </file>
 
@@ -47696,6 +48113,266 @@
   <p:transition spd="slow">
     <p:push/>
   </p:transition>
+</p:sld>
+</file>
+
+<file path=ppt/slides/slide60.xml><?xml version="1.0" encoding="utf-8"?>
+<p:sld xmlns:a="http://schemas.openxmlformats.org/drawingml/2006/main" xmlns:r="http://schemas.openxmlformats.org/officeDocument/2006/relationships" xmlns:p="http://schemas.openxmlformats.org/presentationml/2006/main">
+  <p:cSld>
+    <p:spTree>
+      <p:nvGrpSpPr>
+        <p:cNvPr id="1" name=""/>
+        <p:cNvGrpSpPr/>
+        <p:nvPr/>
+      </p:nvGrpSpPr>
+      <p:grpSpPr>
+        <a:xfrm>
+          <a:off x="0" y="0"/>
+          <a:ext cx="0" cy="0"/>
+          <a:chOff x="0" y="0"/>
+          <a:chExt cx="0" cy="0"/>
+        </a:xfrm>
+      </p:grpSpPr>
+      <p:sp>
+        <p:nvSpPr>
+          <p:cNvPr id="18" name="Text Placeholder 17"/>
+          <p:cNvSpPr>
+            <a:spLocks noGrp="1"/>
+          </p:cNvSpPr>
+          <p:nvPr>
+            <p:ph type="body" sz="quarter" idx="24"/>
+          </p:nvPr>
+        </p:nvSpPr>
+        <p:spPr/>
+        <p:txBody>
+          <a:bodyPr/>
+          <a:lstStyle/>
+          <a:p>
+            <a:r>
+              <a:rPr lang="en-US" dirty="0"/>
+              <a:t>Workshop</a:t>
+            </a:r>
+          </a:p>
+        </p:txBody>
+      </p:sp>
+      <p:pic>
+        <p:nvPicPr>
+          <p:cNvPr id="21" name="Content Placeholder 23"/>
+          <p:cNvPicPr>
+            <a:picLocks noGrp="1" noChangeAspect="1"/>
+          </p:cNvPicPr>
+          <p:nvPr>
+            <p:ph sz="quarter" idx="20"/>
+          </p:nvPr>
+        </p:nvPicPr>
+        <p:blipFill>
+          <a:blip r:embed="rId2" cstate="email">
+            <a:extLst>
+              <a:ext uri="{28A0092B-C50C-407E-A947-70E740481C1C}">
+                <a14:useLocalDpi xmlns:a14="http://schemas.microsoft.com/office/drawing/2010/main" val="0"/>
+              </a:ext>
+            </a:extLst>
+          </a:blip>
+          <a:stretch>
+            <a:fillRect/>
+          </a:stretch>
+        </p:blipFill>
+        <p:spPr/>
+      </p:pic>
+      <p:sp>
+        <p:nvSpPr>
+          <p:cNvPr id="13" name="Title 12"/>
+          <p:cNvSpPr>
+            <a:spLocks noGrp="1"/>
+          </p:cNvSpPr>
+          <p:nvPr>
+            <p:ph type="title"/>
+          </p:nvPr>
+        </p:nvSpPr>
+        <p:spPr/>
+        <p:txBody>
+          <a:bodyPr/>
+          <a:lstStyle/>
+          <a:p>
+            <a:r>
+              <a:rPr lang="en-US" dirty="0"/>
+              <a:t>Q&amp;A</a:t>
+            </a:r>
+          </a:p>
+        </p:txBody>
+      </p:sp>
+      <p:sp>
+        <p:nvSpPr>
+          <p:cNvPr id="14" name="Text Placeholder 13"/>
+          <p:cNvSpPr>
+            <a:spLocks noGrp="1"/>
+          </p:cNvSpPr>
+          <p:nvPr>
+            <p:ph type="body" sz="quarter" idx="12"/>
+          </p:nvPr>
+        </p:nvSpPr>
+        <p:spPr/>
+        <p:txBody>
+          <a:bodyPr/>
+          <a:lstStyle/>
+          <a:p>
+            <a:r>
+              <a:rPr lang="en-US" dirty="0"/>
+              <a:t>Rainer Stropek</a:t>
+            </a:r>
+          </a:p>
+        </p:txBody>
+      </p:sp>
+      <p:sp>
+        <p:nvSpPr>
+          <p:cNvPr id="31" name="Text Placeholder 30"/>
+          <p:cNvSpPr>
+            <a:spLocks noGrp="1"/>
+          </p:cNvSpPr>
+          <p:nvPr>
+            <p:ph type="body" sz="quarter" idx="13"/>
+          </p:nvPr>
+        </p:nvSpPr>
+        <p:spPr/>
+        <p:txBody>
+          <a:bodyPr/>
+          <a:lstStyle/>
+          <a:p>
+            <a:r>
+              <a:rPr lang="en-US" dirty="0"/>
+              <a:t>software architects </a:t>
+            </a:r>
+            <a:r>
+              <a:rPr lang="en-US" dirty="0" err="1"/>
+              <a:t>gmbh</a:t>
+            </a:r>
+            <a:endParaRPr lang="en-US" dirty="0"/>
+          </a:p>
+        </p:txBody>
+      </p:sp>
+      <p:sp>
+        <p:nvSpPr>
+          <p:cNvPr id="16" name="Text Placeholder 15"/>
+          <p:cNvSpPr>
+            <a:spLocks noGrp="1"/>
+          </p:cNvSpPr>
+          <p:nvPr>
+            <p:ph type="body" sz="quarter" idx="15"/>
+          </p:nvPr>
+        </p:nvSpPr>
+        <p:spPr/>
+        <p:txBody>
+          <a:bodyPr/>
+          <a:lstStyle/>
+          <a:p>
+            <a:r>
+              <a:rPr lang="en-US" dirty="0">
+                <a:hlinkClick r:id="rId3"/>
+              </a:rPr>
+              <a:t>http://www.timecockpit.com</a:t>
+            </a:r>
+            <a:endParaRPr lang="en-US" dirty="0"/>
+          </a:p>
+          <a:p>
+            <a:r>
+              <a:rPr lang="en-US" dirty="0">
+                <a:hlinkClick r:id="rId4"/>
+              </a:rPr>
+              <a:t>rainer@timecockpit.com</a:t>
+            </a:r>
+            <a:endParaRPr lang="en-US" dirty="0"/>
+          </a:p>
+          <a:p>
+            <a:r>
+              <a:rPr lang="en-US" dirty="0"/>
+              <a:t>@</a:t>
+            </a:r>
+            <a:r>
+              <a:rPr lang="en-US" dirty="0" err="1"/>
+              <a:t>rstropek</a:t>
+            </a:r>
+            <a:endParaRPr lang="en-US" dirty="0"/>
+          </a:p>
+        </p:txBody>
+      </p:sp>
+      <p:sp>
+        <p:nvSpPr>
+          <p:cNvPr id="19" name="Text Placeholder 18"/>
+          <p:cNvSpPr>
+            <a:spLocks noGrp="1"/>
+          </p:cNvSpPr>
+          <p:nvPr>
+            <p:ph type="body" sz="quarter" idx="25"/>
+          </p:nvPr>
+        </p:nvSpPr>
+        <p:spPr/>
+        <p:txBody>
+          <a:bodyPr/>
+          <a:lstStyle/>
+          <a:p>
+            <a:r>
+              <a:rPr lang="en-US" dirty="0"/>
+              <a:t>Thank you for attending!</a:t>
+            </a:r>
+          </a:p>
+        </p:txBody>
+      </p:sp>
+      <p:sp>
+        <p:nvSpPr>
+          <p:cNvPr id="20" name="Text Placeholder 19"/>
+          <p:cNvSpPr>
+            <a:spLocks noGrp="1"/>
+          </p:cNvSpPr>
+          <p:nvPr>
+            <p:ph type="body" sz="quarter" idx="26"/>
+          </p:nvPr>
+        </p:nvSpPr>
+        <p:spPr/>
+        <p:txBody>
+          <a:bodyPr/>
+          <a:lstStyle/>
+          <a:p>
+            <a:r>
+              <a:rPr lang="en-US" dirty="0"/>
+              <a:t>Web</a:t>
+            </a:r>
+          </a:p>
+          <a:p>
+            <a:r>
+              <a:rPr lang="en-US" dirty="0"/>
+              <a:t>Mail</a:t>
+            </a:r>
+          </a:p>
+          <a:p>
+            <a:r>
+              <a:rPr lang="en-US" dirty="0"/>
+              <a:t>Twitter</a:t>
+            </a:r>
+          </a:p>
+        </p:txBody>
+      </p:sp>
+    </p:spTree>
+    <p:extLst>
+      <p:ext uri="{BB962C8B-B14F-4D97-AF65-F5344CB8AC3E}">
+        <p14:creationId xmlns:p14="http://schemas.microsoft.com/office/powerpoint/2010/main" val="4103361406"/>
+      </p:ext>
+    </p:extLst>
+  </p:cSld>
+  <p:clrMapOvr>
+    <a:masterClrMapping/>
+  </p:clrMapOvr>
+  <mc:AlternateContent xmlns:mc="http://schemas.openxmlformats.org/markup-compatibility/2006" xmlns:p14="http://schemas.microsoft.com/office/powerpoint/2010/main">
+    <mc:Choice Requires="p14">
+      <p:transition spd="med" p14:dur="700">
+        <p:fade/>
+      </p:transition>
+    </mc:Choice>
+    <mc:Fallback xmlns="">
+      <p:transition spd="med">
+        <p:fade/>
+      </p:transition>
+    </mc:Fallback>
+  </mc:AlternateContent>
 </p:sld>
 </file>
 
